--- a/courses/apcsp/processing_arcade/processing1.pptx
+++ b/courses/apcsp/processing_arcade/processing1.pptx
@@ -5,7 +5,7 @@
     <p:sldMasterId id="2147483791" r:id="rId1"/>
   </p:sldMasterIdLst>
   <p:notesMasterIdLst>
-    <p:notesMasterId r:id="rId31"/>
+    <p:notesMasterId r:id="rId29"/>
   </p:notesMasterIdLst>
   <p:sldIdLst>
     <p:sldId id="555" r:id="rId2"/>
@@ -33,10 +33,8 @@
     <p:sldId id="375" r:id="rId24"/>
     <p:sldId id="561" r:id="rId25"/>
     <p:sldId id="424" r:id="rId26"/>
-    <p:sldId id="325" r:id="rId27"/>
-    <p:sldId id="327" r:id="rId28"/>
-    <p:sldId id="568" r:id="rId29"/>
-    <p:sldId id="565" r:id="rId30"/>
+    <p:sldId id="565" r:id="rId27"/>
+    <p:sldId id="572" r:id="rId28"/>
   </p:sldIdLst>
   <p:sldSz cx="9144000" cy="5715000" type="screen16x10"/>
   <p:notesSz cx="6858000" cy="9144000"/>
@@ -146,7 +144,7 @@
 <file path=ppt/revisionInfo.xml><?xml version="1.0" encoding="utf-8"?>
 <p1510:revInfo xmlns:a="http://schemas.openxmlformats.org/drawingml/2006/main" xmlns:r="http://schemas.openxmlformats.org/officeDocument/2006/relationships" xmlns:p1510="http://schemas.microsoft.com/office/powerpoint/2015/10/main">
   <p1510:revLst>
-    <p1510:client id="{9268B748-66AA-0742-9E6D-C568D3B99E77}" v="1575" dt="2021-01-28T14:32:22.839"/>
+    <p1510:client id="{9268B748-66AA-0742-9E6D-C568D3B99E77}" v="1587" dt="2021-02-01T02:58:22.419"/>
   </p1510:revLst>
 </p1510:revInfo>
 </file>
@@ -1836,7 +1834,7 @@
   <pc:docChgLst>
     <pc:chgData name="Long B Nguyen" userId="f59fb8f3-a021-417a-8bc1-65c8d471c621" providerId="ADAL" clId="{9268B748-66AA-0742-9E6D-C568D3B99E77}"/>
     <pc:docChg chg="undo custSel addSld delSld modSld">
-      <pc:chgData name="Long B Nguyen" userId="f59fb8f3-a021-417a-8bc1-65c8d471c621" providerId="ADAL" clId="{9268B748-66AA-0742-9E6D-C568D3B99E77}" dt="2021-01-28T14:32:22.838" v="5585"/>
+      <pc:chgData name="Long B Nguyen" userId="f59fb8f3-a021-417a-8bc1-65c8d471c621" providerId="ADAL" clId="{9268B748-66AA-0742-9E6D-C568D3B99E77}" dt="2021-02-01T13:11:34.507" v="6215" actId="20577"/>
       <pc:docMkLst>
         <pc:docMk/>
       </pc:docMkLst>
@@ -2110,8 +2108,8 @@
           <pc:sldMk cId="856464997" sldId="323"/>
         </pc:sldMkLst>
       </pc:sldChg>
-      <pc:sldChg chg="modSp add mod modAnim">
-        <pc:chgData name="Long B Nguyen" userId="f59fb8f3-a021-417a-8bc1-65c8d471c621" providerId="ADAL" clId="{9268B748-66AA-0742-9E6D-C568D3B99E77}" dt="2021-01-17T05:36:14.742" v="2977" actId="2711"/>
+      <pc:sldChg chg="modSp add del mod modAnim">
+        <pc:chgData name="Long B Nguyen" userId="f59fb8f3-a021-417a-8bc1-65c8d471c621" providerId="ADAL" clId="{9268B748-66AA-0742-9E6D-C568D3B99E77}" dt="2021-02-01T03:02:14.847" v="6027" actId="2696"/>
         <pc:sldMkLst>
           <pc:docMk/>
           <pc:sldMk cId="1587565841" sldId="325"/>
@@ -2170,8 +2168,8 @@
           <pc:sldMk cId="3350220248" sldId="326"/>
         </pc:sldMkLst>
       </pc:sldChg>
-      <pc:sldChg chg="modSp add mod">
-        <pc:chgData name="Long B Nguyen" userId="f59fb8f3-a021-417a-8bc1-65c8d471c621" providerId="ADAL" clId="{9268B748-66AA-0742-9E6D-C568D3B99E77}" dt="2021-01-17T05:38:28.997" v="3042" actId="2711"/>
+      <pc:sldChg chg="modSp add del mod">
+        <pc:chgData name="Long B Nguyen" userId="f59fb8f3-a021-417a-8bc1-65c8d471c621" providerId="ADAL" clId="{9268B748-66AA-0742-9E6D-C568D3B99E77}" dt="2021-02-01T03:02:14.847" v="6027" actId="2696"/>
         <pc:sldMkLst>
           <pc:docMk/>
           <pc:sldMk cId="3477128042" sldId="327"/>
@@ -2745,7 +2743,7 @@
         </pc:spChg>
       </pc:sldChg>
       <pc:sldChg chg="modSp mod modAnim">
-        <pc:chgData name="Long B Nguyen" userId="f59fb8f3-a021-417a-8bc1-65c8d471c621" providerId="ADAL" clId="{9268B748-66AA-0742-9E6D-C568D3B99E77}" dt="2021-01-28T14:30:26.860" v="5574" actId="20577"/>
+        <pc:chgData name="Long B Nguyen" userId="f59fb8f3-a021-417a-8bc1-65c8d471c621" providerId="ADAL" clId="{9268B748-66AA-0742-9E6D-C568D3B99E77}" dt="2021-02-01T00:36:23.028" v="5586" actId="20577"/>
         <pc:sldMkLst>
           <pc:docMk/>
           <pc:sldMk cId="3515362357" sldId="556"/>
@@ -2759,7 +2757,7 @@
           </ac:spMkLst>
         </pc:spChg>
         <pc:spChg chg="mod">
-          <ac:chgData name="Long B Nguyen" userId="f59fb8f3-a021-417a-8bc1-65c8d471c621" providerId="ADAL" clId="{9268B748-66AA-0742-9E6D-C568D3B99E77}" dt="2021-01-28T14:30:26.860" v="5574" actId="20577"/>
+          <ac:chgData name="Long B Nguyen" userId="f59fb8f3-a021-417a-8bc1-65c8d471c621" providerId="ADAL" clId="{9268B748-66AA-0742-9E6D-C568D3B99E77}" dt="2021-02-01T00:36:23.028" v="5586" actId="20577"/>
           <ac:spMkLst>
             <pc:docMk/>
             <pc:sldMk cId="3515362357" sldId="556"/>
@@ -2768,13 +2766,13 @@
         </pc:spChg>
       </pc:sldChg>
       <pc:sldChg chg="modSp mod modAnim">
-        <pc:chgData name="Long B Nguyen" userId="f59fb8f3-a021-417a-8bc1-65c8d471c621" providerId="ADAL" clId="{9268B748-66AA-0742-9E6D-C568D3B99E77}" dt="2021-01-28T12:59:25.869" v="4594"/>
+        <pc:chgData name="Long B Nguyen" userId="f59fb8f3-a021-417a-8bc1-65c8d471c621" providerId="ADAL" clId="{9268B748-66AA-0742-9E6D-C568D3B99E77}" dt="2021-02-01T02:57:47.994" v="5602"/>
         <pc:sldMkLst>
           <pc:docMk/>
           <pc:sldMk cId="56364418" sldId="557"/>
         </pc:sldMkLst>
         <pc:spChg chg="mod">
-          <ac:chgData name="Long B Nguyen" userId="f59fb8f3-a021-417a-8bc1-65c8d471c621" providerId="ADAL" clId="{9268B748-66AA-0742-9E6D-C568D3B99E77}" dt="2021-01-17T05:40:56.869" v="3211" actId="20577"/>
+          <ac:chgData name="Long B Nguyen" userId="f59fb8f3-a021-417a-8bc1-65c8d471c621" providerId="ADAL" clId="{9268B748-66AA-0742-9E6D-C568D3B99E77}" dt="2021-02-01T02:57:47.994" v="5602"/>
           <ac:spMkLst>
             <pc:docMk/>
             <pc:sldMk cId="56364418" sldId="557"/>
@@ -2871,8 +2869,8 @@
           <pc:sldMk cId="602950482" sldId="564"/>
         </pc:sldMkLst>
       </pc:sldChg>
-      <pc:sldChg chg="modSp mod">
-        <pc:chgData name="Long B Nguyen" userId="f59fb8f3-a021-417a-8bc1-65c8d471c621" providerId="ADAL" clId="{9268B748-66AA-0742-9E6D-C568D3B99E77}" dt="2021-01-17T05:46:41.434" v="3212" actId="20577"/>
+      <pc:sldChg chg="addSp delSp modSp mod">
+        <pc:chgData name="Long B Nguyen" userId="f59fb8f3-a021-417a-8bc1-65c8d471c621" providerId="ADAL" clId="{9268B748-66AA-0742-9E6D-C568D3B99E77}" dt="2021-02-01T02:55:33.692" v="5588"/>
         <pc:sldMkLst>
           <pc:docMk/>
           <pc:sldMk cId="4104989124" sldId="565"/>
@@ -2893,6 +2891,14 @@
             <ac:spMk id="35842" creationId="{C94BCA01-D831-ED4D-84FD-C30E8117F872}"/>
           </ac:spMkLst>
         </pc:spChg>
+        <pc:picChg chg="add del mod">
+          <ac:chgData name="Long B Nguyen" userId="f59fb8f3-a021-417a-8bc1-65c8d471c621" providerId="ADAL" clId="{9268B748-66AA-0742-9E6D-C568D3B99E77}" dt="2021-02-01T02:55:33.692" v="5588"/>
+          <ac:picMkLst>
+            <pc:docMk/>
+            <pc:sldMk cId="4104989124" sldId="565"/>
+            <ac:picMk id="3" creationId="{CC62BCE2-BD78-384D-9079-8FEAD8642B89}"/>
+          </ac:picMkLst>
+        </pc:picChg>
       </pc:sldChg>
       <pc:sldChg chg="addSp delSp modSp add del mod modAnim">
         <pc:chgData name="Long B Nguyen" userId="f59fb8f3-a021-417a-8bc1-65c8d471c621" providerId="ADAL" clId="{9268B748-66AA-0742-9E6D-C568D3B99E77}" dt="2021-01-28T13:02:26.431" v="4643" actId="2696"/>
@@ -3089,8 +3095,8 @@
           </ac:cxnSpMkLst>
         </pc:cxnChg>
       </pc:sldChg>
-      <pc:sldChg chg="add">
-        <pc:chgData name="Long B Nguyen" userId="f59fb8f3-a021-417a-8bc1-65c8d471c621" providerId="ADAL" clId="{9268B748-66AA-0742-9E6D-C568D3B99E77}" dt="2021-01-17T05:39:24.341" v="3092"/>
+      <pc:sldChg chg="add del">
+        <pc:chgData name="Long B Nguyen" userId="f59fb8f3-a021-417a-8bc1-65c8d471c621" providerId="ADAL" clId="{9268B748-66AA-0742-9E6D-C568D3B99E77}" dt="2021-02-01T03:02:14.847" v="6027" actId="2696"/>
         <pc:sldMkLst>
           <pc:docMk/>
           <pc:sldMk cId="1316208775" sldId="568"/>
@@ -3183,6 +3189,37 @@
             <pc:docMk/>
             <pc:sldMk cId="662705235" sldId="571"/>
             <ac:spMk id="20482" creationId="{6D756BCF-3D62-744E-A1A2-5EA11AF1F5DE}"/>
+          </ac:spMkLst>
+        </pc:spChg>
+      </pc:sldChg>
+      <pc:sldChg chg="addSp delSp modSp add mod">
+        <pc:chgData name="Long B Nguyen" userId="f59fb8f3-a021-417a-8bc1-65c8d471c621" providerId="ADAL" clId="{9268B748-66AA-0742-9E6D-C568D3B99E77}" dt="2021-02-01T13:11:34.507" v="6215" actId="20577"/>
+        <pc:sldMkLst>
+          <pc:docMk/>
+          <pc:sldMk cId="1097849800" sldId="572"/>
+        </pc:sldMkLst>
+        <pc:spChg chg="add del mod">
+          <ac:chgData name="Long B Nguyen" userId="f59fb8f3-a021-417a-8bc1-65c8d471c621" providerId="ADAL" clId="{9268B748-66AA-0742-9E6D-C568D3B99E77}" dt="2021-02-01T03:01:36.608" v="6026"/>
+          <ac:spMkLst>
+            <pc:docMk/>
+            <pc:sldMk cId="1097849800" sldId="572"/>
+            <ac:spMk id="2" creationId="{0536A3E0-4619-5D4A-8AD5-E279CAAEAADF}"/>
+          </ac:spMkLst>
+        </pc:spChg>
+        <pc:spChg chg="mod">
+          <ac:chgData name="Long B Nguyen" userId="f59fb8f3-a021-417a-8bc1-65c8d471c621" providerId="ADAL" clId="{9268B748-66AA-0742-9E6D-C568D3B99E77}" dt="2021-02-01T03:19:04.947" v="6095" actId="20577"/>
+          <ac:spMkLst>
+            <pc:docMk/>
+            <pc:sldMk cId="1097849800" sldId="572"/>
+            <ac:spMk id="35841" creationId="{09D8876C-8F7A-C748-966B-672B36C17545}"/>
+          </ac:spMkLst>
+        </pc:spChg>
+        <pc:spChg chg="mod">
+          <ac:chgData name="Long B Nguyen" userId="f59fb8f3-a021-417a-8bc1-65c8d471c621" providerId="ADAL" clId="{9268B748-66AA-0742-9E6D-C568D3B99E77}" dt="2021-02-01T13:11:34.507" v="6215" actId="20577"/>
+          <ac:spMkLst>
+            <pc:docMk/>
+            <pc:sldMk cId="1097849800" sldId="572"/>
+            <ac:spMk id="35842" creationId="{C94BCA01-D831-ED4D-84FD-C30E8117F872}"/>
           </ac:spMkLst>
         </pc:spChg>
       </pc:sldChg>
@@ -3273,7 +3310,7 @@
           <a:p>
             <a:fld id="{29FB45CD-1365-4F4B-B580-C19222E1A371}" type="datetimeFigureOut">
               <a:rPr lang="en-US" smtClean="0"/>
-              <a:t>1/27/21</a:t>
+              <a:t>2/1/21</a:t>
             </a:fld>
             <a:endParaRPr lang="en-US"/>
           </a:p>
@@ -3800,1174 +3837,6 @@
 </p:notes>
 </file>
 
-<file path=ppt/notesSlides/notesSlide2.xml><?xml version="1.0" encoding="utf-8"?>
-<p:notes xmlns:a="http://schemas.openxmlformats.org/drawingml/2006/main" xmlns:r="http://schemas.openxmlformats.org/officeDocument/2006/relationships" xmlns:p="http://schemas.openxmlformats.org/presentationml/2006/main">
-  <p:cSld>
-    <p:spTree>
-      <p:nvGrpSpPr>
-        <p:cNvPr id="1" name=""/>
-        <p:cNvGrpSpPr/>
-        <p:nvPr/>
-      </p:nvGrpSpPr>
-      <p:grpSpPr>
-        <a:xfrm>
-          <a:off x="0" y="0"/>
-          <a:ext cx="0" cy="0"/>
-          <a:chOff x="0" y="0"/>
-          <a:chExt cx="0" cy="0"/>
-        </a:xfrm>
-      </p:grpSpPr>
-      <p:sp>
-        <p:nvSpPr>
-          <p:cNvPr id="23553" name="Rectangle 7">
-            <a:extLst>
-              <a:ext uri="{FF2B5EF4-FFF2-40B4-BE49-F238E27FC236}">
-                <a16:creationId xmlns:a16="http://schemas.microsoft.com/office/drawing/2014/main" id="{D68A839C-9E8A-C04B-8A6F-331AB0B37124}"/>
-              </a:ext>
-            </a:extLst>
-          </p:cNvPr>
-          <p:cNvSpPr>
-            <a:spLocks noGrp="1" noChangeArrowheads="1"/>
-          </p:cNvSpPr>
-          <p:nvPr>
-            <p:ph type="sldNum" sz="quarter" idx="5"/>
-          </p:nvPr>
-        </p:nvSpPr>
-        <p:spPr>
-          <a:noFill/>
-        </p:spPr>
-        <p:txBody>
-          <a:bodyPr/>
-          <a:lstStyle>
-            <a:lvl1pPr>
-              <a:spcBef>
-                <a:spcPct val="30000"/>
-              </a:spcBef>
-              <a:defRPr sz="1200">
-                <a:solidFill>
-                  <a:schemeClr val="tx1"/>
-                </a:solidFill>
-                <a:latin typeface="Arial" panose="020B0604020202020204" pitchFamily="34" charset="0"/>
-                <a:ea typeface="ＭＳ Ｐゴシック" panose="020B0600070205080204" pitchFamily="34" charset="-128"/>
-              </a:defRPr>
-            </a:lvl1pPr>
-            <a:lvl2pPr marL="742950" indent="-285750">
-              <a:spcBef>
-                <a:spcPct val="30000"/>
-              </a:spcBef>
-              <a:defRPr sz="1200">
-                <a:solidFill>
-                  <a:schemeClr val="tx1"/>
-                </a:solidFill>
-                <a:latin typeface="Arial" panose="020B0604020202020204" pitchFamily="34" charset="0"/>
-                <a:ea typeface="ＭＳ Ｐゴシック" panose="020B0600070205080204" pitchFamily="34" charset="-128"/>
-              </a:defRPr>
-            </a:lvl2pPr>
-            <a:lvl3pPr marL="1143000" indent="-228600">
-              <a:spcBef>
-                <a:spcPct val="30000"/>
-              </a:spcBef>
-              <a:defRPr sz="1200">
-                <a:solidFill>
-                  <a:schemeClr val="tx1"/>
-                </a:solidFill>
-                <a:latin typeface="Arial" panose="020B0604020202020204" pitchFamily="34" charset="0"/>
-                <a:ea typeface="ＭＳ Ｐゴシック" panose="020B0600070205080204" pitchFamily="34" charset="-128"/>
-              </a:defRPr>
-            </a:lvl3pPr>
-            <a:lvl4pPr marL="1600200" indent="-228600">
-              <a:spcBef>
-                <a:spcPct val="30000"/>
-              </a:spcBef>
-              <a:defRPr sz="1200">
-                <a:solidFill>
-                  <a:schemeClr val="tx1"/>
-                </a:solidFill>
-                <a:latin typeface="Arial" panose="020B0604020202020204" pitchFamily="34" charset="0"/>
-                <a:ea typeface="ＭＳ Ｐゴシック" panose="020B0600070205080204" pitchFamily="34" charset="-128"/>
-              </a:defRPr>
-            </a:lvl4pPr>
-            <a:lvl5pPr marL="2057400" indent="-228600">
-              <a:spcBef>
-                <a:spcPct val="30000"/>
-              </a:spcBef>
-              <a:defRPr sz="1200">
-                <a:solidFill>
-                  <a:schemeClr val="tx1"/>
-                </a:solidFill>
-                <a:latin typeface="Arial" panose="020B0604020202020204" pitchFamily="34" charset="0"/>
-                <a:ea typeface="ＭＳ Ｐゴシック" panose="020B0600070205080204" pitchFamily="34" charset="-128"/>
-              </a:defRPr>
-            </a:lvl5pPr>
-            <a:lvl6pPr marL="2514600" indent="-228600" eaLnBrk="0" fontAlgn="base" hangingPunct="0">
-              <a:spcBef>
-                <a:spcPct val="30000"/>
-              </a:spcBef>
-              <a:spcAft>
-                <a:spcPct val="0"/>
-              </a:spcAft>
-              <a:defRPr sz="1200">
-                <a:solidFill>
-                  <a:schemeClr val="tx1"/>
-                </a:solidFill>
-                <a:latin typeface="Arial" panose="020B0604020202020204" pitchFamily="34" charset="0"/>
-                <a:ea typeface="ＭＳ Ｐゴシック" panose="020B0600070205080204" pitchFamily="34" charset="-128"/>
-              </a:defRPr>
-            </a:lvl6pPr>
-            <a:lvl7pPr marL="2971800" indent="-228600" eaLnBrk="0" fontAlgn="base" hangingPunct="0">
-              <a:spcBef>
-                <a:spcPct val="30000"/>
-              </a:spcBef>
-              <a:spcAft>
-                <a:spcPct val="0"/>
-              </a:spcAft>
-              <a:defRPr sz="1200">
-                <a:solidFill>
-                  <a:schemeClr val="tx1"/>
-                </a:solidFill>
-                <a:latin typeface="Arial" panose="020B0604020202020204" pitchFamily="34" charset="0"/>
-                <a:ea typeface="ＭＳ Ｐゴシック" panose="020B0600070205080204" pitchFamily="34" charset="-128"/>
-              </a:defRPr>
-            </a:lvl7pPr>
-            <a:lvl8pPr marL="3429000" indent="-228600" eaLnBrk="0" fontAlgn="base" hangingPunct="0">
-              <a:spcBef>
-                <a:spcPct val="30000"/>
-              </a:spcBef>
-              <a:spcAft>
-                <a:spcPct val="0"/>
-              </a:spcAft>
-              <a:defRPr sz="1200">
-                <a:solidFill>
-                  <a:schemeClr val="tx1"/>
-                </a:solidFill>
-                <a:latin typeface="Arial" panose="020B0604020202020204" pitchFamily="34" charset="0"/>
-                <a:ea typeface="ＭＳ Ｐゴシック" panose="020B0600070205080204" pitchFamily="34" charset="-128"/>
-              </a:defRPr>
-            </a:lvl8pPr>
-            <a:lvl9pPr marL="3886200" indent="-228600" eaLnBrk="0" fontAlgn="base" hangingPunct="0">
-              <a:spcBef>
-                <a:spcPct val="30000"/>
-              </a:spcBef>
-              <a:spcAft>
-                <a:spcPct val="0"/>
-              </a:spcAft>
-              <a:defRPr sz="1200">
-                <a:solidFill>
-                  <a:schemeClr val="tx1"/>
-                </a:solidFill>
-                <a:latin typeface="Arial" panose="020B0604020202020204" pitchFamily="34" charset="0"/>
-                <a:ea typeface="ＭＳ Ｐゴシック" panose="020B0600070205080204" pitchFamily="34" charset="-128"/>
-              </a:defRPr>
-            </a:lvl9pPr>
-          </a:lstStyle>
-          <a:p>
-            <a:pPr>
-              <a:spcBef>
-                <a:spcPct val="0"/>
-              </a:spcBef>
-            </a:pPr>
-            <a:fld id="{D15039C1-5813-E443-9D44-86A49656FC67}" type="slidenum">
-              <a:rPr lang="en-US" altLang="en-US" smtClean="0"/>
-              <a:pPr>
-                <a:spcBef>
-                  <a:spcPct val="0"/>
-                </a:spcBef>
-              </a:pPr>
-              <a:t>26</a:t>
-            </a:fld>
-            <a:endParaRPr lang="en-US" altLang="en-US"/>
-          </a:p>
-        </p:txBody>
-      </p:sp>
-      <p:sp>
-        <p:nvSpPr>
-          <p:cNvPr id="23554" name="Slide Image Placeholder 1">
-            <a:extLst>
-              <a:ext uri="{FF2B5EF4-FFF2-40B4-BE49-F238E27FC236}">
-                <a16:creationId xmlns:a16="http://schemas.microsoft.com/office/drawing/2014/main" id="{497F923F-5E19-EB42-B85F-F95FD4FE7FBF}"/>
-              </a:ext>
-            </a:extLst>
-          </p:cNvPr>
-          <p:cNvSpPr>
-            <a:spLocks noGrp="1" noRot="1" noChangeAspect="1" noChangeArrowheads="1" noTextEdit="1"/>
-          </p:cNvSpPr>
-          <p:nvPr>
-            <p:ph type="sldImg"/>
-          </p:nvPr>
-        </p:nvSpPr>
-        <p:spPr>
-          <a:ln/>
-        </p:spPr>
-      </p:sp>
-      <p:sp>
-        <p:nvSpPr>
-          <p:cNvPr id="100356" name="Notes Placeholder 2">
-            <a:extLst>
-              <a:ext uri="{FF2B5EF4-FFF2-40B4-BE49-F238E27FC236}">
-                <a16:creationId xmlns:a16="http://schemas.microsoft.com/office/drawing/2014/main" id="{552F4186-9E10-DF48-9044-E9729D909978}"/>
-              </a:ext>
-            </a:extLst>
-          </p:cNvPr>
-          <p:cNvSpPr>
-            <a:spLocks noGrp="1"/>
-          </p:cNvSpPr>
-          <p:nvPr>
-            <p:ph type="body" idx="1"/>
-          </p:nvPr>
-        </p:nvSpPr>
-        <p:spPr>
-          <a:xfrm>
-            <a:off x="914400" y="4343400"/>
-            <a:ext cx="5029200" cy="4114800"/>
-          </a:xfrm>
-          <a:extLst>
-            <a:ext uri="{AF507438-7753-43E0-B8FC-AC1667EBCBE1}">
-              <a14:hiddenEffects xmlns:a14="http://schemas.microsoft.com/office/drawing/2010/main">
-                <a:effectLst>
-                  <a:outerShdw blurRad="63500" dist="38099" dir="2700000" algn="ctr" rotWithShape="0">
-                    <a:schemeClr val="bg2">
-                      <a:alpha val="74997"/>
-                    </a:schemeClr>
-                  </a:outerShdw>
-                </a:effectLst>
-              </a14:hiddenEffects>
-            </a:ext>
-          </a:extLst>
-        </p:spPr>
-        <p:txBody>
-          <a:bodyPr/>
-          <a:lstStyle/>
-          <a:p>
-            <a:pPr eaLnBrk="1" hangingPunct="1">
-              <a:defRPr/>
-            </a:pPr>
-            <a:endParaRPr lang="en-US" altLang="en-US">
-              <a:latin typeface="Arial" panose="020B0604020202020204" pitchFamily="34" charset="0"/>
-              <a:ea typeface="ＭＳ Ｐゴシック" panose="020B0600070205080204" pitchFamily="34" charset="-128"/>
-            </a:endParaRPr>
-          </a:p>
-        </p:txBody>
-      </p:sp>
-      <p:sp>
-        <p:nvSpPr>
-          <p:cNvPr id="23556" name="Slide Number Placeholder 3">
-            <a:extLst>
-              <a:ext uri="{FF2B5EF4-FFF2-40B4-BE49-F238E27FC236}">
-                <a16:creationId xmlns:a16="http://schemas.microsoft.com/office/drawing/2014/main" id="{341E6C69-2C30-E346-8EEF-AD4CB932663E}"/>
-              </a:ext>
-            </a:extLst>
-          </p:cNvPr>
-          <p:cNvSpPr txBox="1">
-            <a:spLocks noGrp="1"/>
-          </p:cNvSpPr>
-          <p:nvPr/>
-        </p:nvSpPr>
-        <p:spPr bwMode="auto">
-          <a:xfrm>
-            <a:off x="3886200" y="8686800"/>
-            <a:ext cx="2971800" cy="457200"/>
-          </a:xfrm>
-          <a:prstGeom prst="rect">
-            <a:avLst/>
-          </a:prstGeom>
-          <a:noFill/>
-          <a:ln>
-            <a:noFill/>
-          </a:ln>
-          <a:extLst>
-            <a:ext uri="{909E8E84-426E-40DD-AFC4-6F175D3DCCD1}">
-              <a14:hiddenFill xmlns:a14="http://schemas.microsoft.com/office/drawing/2010/main">
-                <a:solidFill>
-                  <a:srgbClr val="FFFFFF"/>
-                </a:solidFill>
-              </a14:hiddenFill>
-            </a:ext>
-            <a:ext uri="{91240B29-F687-4F45-9708-019B960494DF}">
-              <a14:hiddenLine xmlns:a14="http://schemas.microsoft.com/office/drawing/2010/main" w="9525">
-                <a:solidFill>
-                  <a:srgbClr val="000000"/>
-                </a:solidFill>
-                <a:miter lim="800000"/>
-                <a:headEnd/>
-                <a:tailEnd/>
-              </a14:hiddenLine>
-            </a:ext>
-          </a:extLst>
-        </p:spPr>
-        <p:txBody>
-          <a:bodyPr anchor="b"/>
-          <a:lstStyle>
-            <a:lvl1pPr>
-              <a:spcBef>
-                <a:spcPct val="30000"/>
-              </a:spcBef>
-              <a:defRPr sz="1200">
-                <a:solidFill>
-                  <a:schemeClr val="tx1"/>
-                </a:solidFill>
-                <a:latin typeface="Arial" panose="020B0604020202020204" pitchFamily="34" charset="0"/>
-                <a:ea typeface="ＭＳ Ｐゴシック" panose="020B0600070205080204" pitchFamily="34" charset="-128"/>
-              </a:defRPr>
-            </a:lvl1pPr>
-            <a:lvl2pPr marL="742950" indent="-285750">
-              <a:spcBef>
-                <a:spcPct val="30000"/>
-              </a:spcBef>
-              <a:defRPr sz="1200">
-                <a:solidFill>
-                  <a:schemeClr val="tx1"/>
-                </a:solidFill>
-                <a:latin typeface="Arial" panose="020B0604020202020204" pitchFamily="34" charset="0"/>
-                <a:ea typeface="ＭＳ Ｐゴシック" panose="020B0600070205080204" pitchFamily="34" charset="-128"/>
-              </a:defRPr>
-            </a:lvl2pPr>
-            <a:lvl3pPr marL="1143000" indent="-228600">
-              <a:spcBef>
-                <a:spcPct val="30000"/>
-              </a:spcBef>
-              <a:defRPr sz="1200">
-                <a:solidFill>
-                  <a:schemeClr val="tx1"/>
-                </a:solidFill>
-                <a:latin typeface="Arial" panose="020B0604020202020204" pitchFamily="34" charset="0"/>
-                <a:ea typeface="ＭＳ Ｐゴシック" panose="020B0600070205080204" pitchFamily="34" charset="-128"/>
-              </a:defRPr>
-            </a:lvl3pPr>
-            <a:lvl4pPr marL="1600200" indent="-228600">
-              <a:spcBef>
-                <a:spcPct val="30000"/>
-              </a:spcBef>
-              <a:defRPr sz="1200">
-                <a:solidFill>
-                  <a:schemeClr val="tx1"/>
-                </a:solidFill>
-                <a:latin typeface="Arial" panose="020B0604020202020204" pitchFamily="34" charset="0"/>
-                <a:ea typeface="ＭＳ Ｐゴシック" panose="020B0600070205080204" pitchFamily="34" charset="-128"/>
-              </a:defRPr>
-            </a:lvl4pPr>
-            <a:lvl5pPr marL="2057400" indent="-228600">
-              <a:spcBef>
-                <a:spcPct val="30000"/>
-              </a:spcBef>
-              <a:defRPr sz="1200">
-                <a:solidFill>
-                  <a:schemeClr val="tx1"/>
-                </a:solidFill>
-                <a:latin typeface="Arial" panose="020B0604020202020204" pitchFamily="34" charset="0"/>
-                <a:ea typeface="ＭＳ Ｐゴシック" panose="020B0600070205080204" pitchFamily="34" charset="-128"/>
-              </a:defRPr>
-            </a:lvl5pPr>
-            <a:lvl6pPr marL="2514600" indent="-228600" eaLnBrk="0" fontAlgn="base" hangingPunct="0">
-              <a:spcBef>
-                <a:spcPct val="30000"/>
-              </a:spcBef>
-              <a:spcAft>
-                <a:spcPct val="0"/>
-              </a:spcAft>
-              <a:defRPr sz="1200">
-                <a:solidFill>
-                  <a:schemeClr val="tx1"/>
-                </a:solidFill>
-                <a:latin typeface="Arial" panose="020B0604020202020204" pitchFamily="34" charset="0"/>
-                <a:ea typeface="ＭＳ Ｐゴシック" panose="020B0600070205080204" pitchFamily="34" charset="-128"/>
-              </a:defRPr>
-            </a:lvl6pPr>
-            <a:lvl7pPr marL="2971800" indent="-228600" eaLnBrk="0" fontAlgn="base" hangingPunct="0">
-              <a:spcBef>
-                <a:spcPct val="30000"/>
-              </a:spcBef>
-              <a:spcAft>
-                <a:spcPct val="0"/>
-              </a:spcAft>
-              <a:defRPr sz="1200">
-                <a:solidFill>
-                  <a:schemeClr val="tx1"/>
-                </a:solidFill>
-                <a:latin typeface="Arial" panose="020B0604020202020204" pitchFamily="34" charset="0"/>
-                <a:ea typeface="ＭＳ Ｐゴシック" panose="020B0600070205080204" pitchFamily="34" charset="-128"/>
-              </a:defRPr>
-            </a:lvl7pPr>
-            <a:lvl8pPr marL="3429000" indent="-228600" eaLnBrk="0" fontAlgn="base" hangingPunct="0">
-              <a:spcBef>
-                <a:spcPct val="30000"/>
-              </a:spcBef>
-              <a:spcAft>
-                <a:spcPct val="0"/>
-              </a:spcAft>
-              <a:defRPr sz="1200">
-                <a:solidFill>
-                  <a:schemeClr val="tx1"/>
-                </a:solidFill>
-                <a:latin typeface="Arial" panose="020B0604020202020204" pitchFamily="34" charset="0"/>
-                <a:ea typeface="ＭＳ Ｐゴシック" panose="020B0600070205080204" pitchFamily="34" charset="-128"/>
-              </a:defRPr>
-            </a:lvl8pPr>
-            <a:lvl9pPr marL="3886200" indent="-228600" eaLnBrk="0" fontAlgn="base" hangingPunct="0">
-              <a:spcBef>
-                <a:spcPct val="30000"/>
-              </a:spcBef>
-              <a:spcAft>
-                <a:spcPct val="0"/>
-              </a:spcAft>
-              <a:defRPr sz="1200">
-                <a:solidFill>
-                  <a:schemeClr val="tx1"/>
-                </a:solidFill>
-                <a:latin typeface="Arial" panose="020B0604020202020204" pitchFamily="34" charset="0"/>
-                <a:ea typeface="ＭＳ Ｐゴシック" panose="020B0600070205080204" pitchFamily="34" charset="-128"/>
-              </a:defRPr>
-            </a:lvl9pPr>
-          </a:lstStyle>
-          <a:p>
-            <a:pPr algn="r" eaLnBrk="1" hangingPunct="1">
-              <a:spcBef>
-                <a:spcPct val="0"/>
-              </a:spcBef>
-            </a:pPr>
-            <a:fld id="{59D1DBC4-62E5-C74F-B1E8-6FD3FA2F02C2}" type="slidenum">
-              <a:rPr lang="en-US" altLang="en-US">
-                <a:latin typeface="Times New Roman" panose="02020603050405020304" pitchFamily="18" charset="0"/>
-              </a:rPr>
-              <a:pPr algn="r" eaLnBrk="1" hangingPunct="1">
-                <a:spcBef>
-                  <a:spcPct val="0"/>
-                </a:spcBef>
-              </a:pPr>
-              <a:t>26</a:t>
-            </a:fld>
-            <a:endParaRPr lang="en-US" altLang="en-US">
-              <a:latin typeface="Times New Roman" panose="02020603050405020304" pitchFamily="18" charset="0"/>
-            </a:endParaRPr>
-          </a:p>
-        </p:txBody>
-      </p:sp>
-    </p:spTree>
-    <p:extLst>
-      <p:ext uri="{BB962C8B-B14F-4D97-AF65-F5344CB8AC3E}">
-        <p14:creationId xmlns:p14="http://schemas.microsoft.com/office/powerpoint/2010/main" val="1077954448"/>
-      </p:ext>
-    </p:extLst>
-  </p:cSld>
-  <p:clrMapOvr>
-    <a:masterClrMapping/>
-  </p:clrMapOvr>
-</p:notes>
-</file>
-
-<file path=ppt/notesSlides/notesSlide3.xml><?xml version="1.0" encoding="utf-8"?>
-<p:notes xmlns:a="http://schemas.openxmlformats.org/drawingml/2006/main" xmlns:r="http://schemas.openxmlformats.org/officeDocument/2006/relationships" xmlns:p="http://schemas.openxmlformats.org/presentationml/2006/main">
-  <p:cSld>
-    <p:spTree>
-      <p:nvGrpSpPr>
-        <p:cNvPr id="1" name=""/>
-        <p:cNvGrpSpPr/>
-        <p:nvPr/>
-      </p:nvGrpSpPr>
-      <p:grpSpPr>
-        <a:xfrm>
-          <a:off x="0" y="0"/>
-          <a:ext cx="0" cy="0"/>
-          <a:chOff x="0" y="0"/>
-          <a:chExt cx="0" cy="0"/>
-        </a:xfrm>
-      </p:grpSpPr>
-      <p:sp>
-        <p:nvSpPr>
-          <p:cNvPr id="27649" name="Rectangle 7">
-            <a:extLst>
-              <a:ext uri="{FF2B5EF4-FFF2-40B4-BE49-F238E27FC236}">
-                <a16:creationId xmlns:a16="http://schemas.microsoft.com/office/drawing/2014/main" id="{977134D2-D9E7-C546-9DEE-2A354DB1DB8B}"/>
-              </a:ext>
-            </a:extLst>
-          </p:cNvPr>
-          <p:cNvSpPr>
-            <a:spLocks noGrp="1" noChangeArrowheads="1"/>
-          </p:cNvSpPr>
-          <p:nvPr>
-            <p:ph type="sldNum" sz="quarter" idx="5"/>
-          </p:nvPr>
-        </p:nvSpPr>
-        <p:spPr>
-          <a:noFill/>
-        </p:spPr>
-        <p:txBody>
-          <a:bodyPr/>
-          <a:lstStyle>
-            <a:lvl1pPr>
-              <a:spcBef>
-                <a:spcPct val="30000"/>
-              </a:spcBef>
-              <a:defRPr sz="1200">
-                <a:solidFill>
-                  <a:schemeClr val="tx1"/>
-                </a:solidFill>
-                <a:latin typeface="Arial" panose="020B0604020202020204" pitchFamily="34" charset="0"/>
-                <a:ea typeface="ＭＳ Ｐゴシック" panose="020B0600070205080204" pitchFamily="34" charset="-128"/>
-              </a:defRPr>
-            </a:lvl1pPr>
-            <a:lvl2pPr marL="742950" indent="-285750">
-              <a:spcBef>
-                <a:spcPct val="30000"/>
-              </a:spcBef>
-              <a:defRPr sz="1200">
-                <a:solidFill>
-                  <a:schemeClr val="tx1"/>
-                </a:solidFill>
-                <a:latin typeface="Arial" panose="020B0604020202020204" pitchFamily="34" charset="0"/>
-                <a:ea typeface="ＭＳ Ｐゴシック" panose="020B0600070205080204" pitchFamily="34" charset="-128"/>
-              </a:defRPr>
-            </a:lvl2pPr>
-            <a:lvl3pPr marL="1143000" indent="-228600">
-              <a:spcBef>
-                <a:spcPct val="30000"/>
-              </a:spcBef>
-              <a:defRPr sz="1200">
-                <a:solidFill>
-                  <a:schemeClr val="tx1"/>
-                </a:solidFill>
-                <a:latin typeface="Arial" panose="020B0604020202020204" pitchFamily="34" charset="0"/>
-                <a:ea typeface="ＭＳ Ｐゴシック" panose="020B0600070205080204" pitchFamily="34" charset="-128"/>
-              </a:defRPr>
-            </a:lvl3pPr>
-            <a:lvl4pPr marL="1600200" indent="-228600">
-              <a:spcBef>
-                <a:spcPct val="30000"/>
-              </a:spcBef>
-              <a:defRPr sz="1200">
-                <a:solidFill>
-                  <a:schemeClr val="tx1"/>
-                </a:solidFill>
-                <a:latin typeface="Arial" panose="020B0604020202020204" pitchFamily="34" charset="0"/>
-                <a:ea typeface="ＭＳ Ｐゴシック" panose="020B0600070205080204" pitchFamily="34" charset="-128"/>
-              </a:defRPr>
-            </a:lvl4pPr>
-            <a:lvl5pPr marL="2057400" indent="-228600">
-              <a:spcBef>
-                <a:spcPct val="30000"/>
-              </a:spcBef>
-              <a:defRPr sz="1200">
-                <a:solidFill>
-                  <a:schemeClr val="tx1"/>
-                </a:solidFill>
-                <a:latin typeface="Arial" panose="020B0604020202020204" pitchFamily="34" charset="0"/>
-                <a:ea typeface="ＭＳ Ｐゴシック" panose="020B0600070205080204" pitchFamily="34" charset="-128"/>
-              </a:defRPr>
-            </a:lvl5pPr>
-            <a:lvl6pPr marL="2514600" indent="-228600" eaLnBrk="0" fontAlgn="base" hangingPunct="0">
-              <a:spcBef>
-                <a:spcPct val="30000"/>
-              </a:spcBef>
-              <a:spcAft>
-                <a:spcPct val="0"/>
-              </a:spcAft>
-              <a:defRPr sz="1200">
-                <a:solidFill>
-                  <a:schemeClr val="tx1"/>
-                </a:solidFill>
-                <a:latin typeface="Arial" panose="020B0604020202020204" pitchFamily="34" charset="0"/>
-                <a:ea typeface="ＭＳ Ｐゴシック" panose="020B0600070205080204" pitchFamily="34" charset="-128"/>
-              </a:defRPr>
-            </a:lvl6pPr>
-            <a:lvl7pPr marL="2971800" indent="-228600" eaLnBrk="0" fontAlgn="base" hangingPunct="0">
-              <a:spcBef>
-                <a:spcPct val="30000"/>
-              </a:spcBef>
-              <a:spcAft>
-                <a:spcPct val="0"/>
-              </a:spcAft>
-              <a:defRPr sz="1200">
-                <a:solidFill>
-                  <a:schemeClr val="tx1"/>
-                </a:solidFill>
-                <a:latin typeface="Arial" panose="020B0604020202020204" pitchFamily="34" charset="0"/>
-                <a:ea typeface="ＭＳ Ｐゴシック" panose="020B0600070205080204" pitchFamily="34" charset="-128"/>
-              </a:defRPr>
-            </a:lvl7pPr>
-            <a:lvl8pPr marL="3429000" indent="-228600" eaLnBrk="0" fontAlgn="base" hangingPunct="0">
-              <a:spcBef>
-                <a:spcPct val="30000"/>
-              </a:spcBef>
-              <a:spcAft>
-                <a:spcPct val="0"/>
-              </a:spcAft>
-              <a:defRPr sz="1200">
-                <a:solidFill>
-                  <a:schemeClr val="tx1"/>
-                </a:solidFill>
-                <a:latin typeface="Arial" panose="020B0604020202020204" pitchFamily="34" charset="0"/>
-                <a:ea typeface="ＭＳ Ｐゴシック" panose="020B0600070205080204" pitchFamily="34" charset="-128"/>
-              </a:defRPr>
-            </a:lvl8pPr>
-            <a:lvl9pPr marL="3886200" indent="-228600" eaLnBrk="0" fontAlgn="base" hangingPunct="0">
-              <a:spcBef>
-                <a:spcPct val="30000"/>
-              </a:spcBef>
-              <a:spcAft>
-                <a:spcPct val="0"/>
-              </a:spcAft>
-              <a:defRPr sz="1200">
-                <a:solidFill>
-                  <a:schemeClr val="tx1"/>
-                </a:solidFill>
-                <a:latin typeface="Arial" panose="020B0604020202020204" pitchFamily="34" charset="0"/>
-                <a:ea typeface="ＭＳ Ｐゴシック" panose="020B0600070205080204" pitchFamily="34" charset="-128"/>
-              </a:defRPr>
-            </a:lvl9pPr>
-          </a:lstStyle>
-          <a:p>
-            <a:pPr>
-              <a:spcBef>
-                <a:spcPct val="0"/>
-              </a:spcBef>
-            </a:pPr>
-            <a:fld id="{EC46EE68-C945-ED42-AD8E-6A0316BD360C}" type="slidenum">
-              <a:rPr lang="en-US" altLang="en-US" smtClean="0"/>
-              <a:pPr>
-                <a:spcBef>
-                  <a:spcPct val="0"/>
-                </a:spcBef>
-              </a:pPr>
-              <a:t>27</a:t>
-            </a:fld>
-            <a:endParaRPr lang="en-US" altLang="en-US"/>
-          </a:p>
-        </p:txBody>
-      </p:sp>
-      <p:sp>
-        <p:nvSpPr>
-          <p:cNvPr id="27650" name="Slide Image Placeholder 1">
-            <a:extLst>
-              <a:ext uri="{FF2B5EF4-FFF2-40B4-BE49-F238E27FC236}">
-                <a16:creationId xmlns:a16="http://schemas.microsoft.com/office/drawing/2014/main" id="{CABD467F-B26E-6647-9126-5683C5620903}"/>
-              </a:ext>
-            </a:extLst>
-          </p:cNvPr>
-          <p:cNvSpPr>
-            <a:spLocks noGrp="1" noRot="1" noChangeAspect="1" noChangeArrowheads="1" noTextEdit="1"/>
-          </p:cNvSpPr>
-          <p:nvPr>
-            <p:ph type="sldImg"/>
-          </p:nvPr>
-        </p:nvSpPr>
-        <p:spPr>
-          <a:ln/>
-        </p:spPr>
-      </p:sp>
-      <p:sp>
-        <p:nvSpPr>
-          <p:cNvPr id="100356" name="Notes Placeholder 2">
-            <a:extLst>
-              <a:ext uri="{FF2B5EF4-FFF2-40B4-BE49-F238E27FC236}">
-                <a16:creationId xmlns:a16="http://schemas.microsoft.com/office/drawing/2014/main" id="{A6F7117A-D063-B549-8738-E3BC88B20D36}"/>
-              </a:ext>
-            </a:extLst>
-          </p:cNvPr>
-          <p:cNvSpPr>
-            <a:spLocks noGrp="1"/>
-          </p:cNvSpPr>
-          <p:nvPr>
-            <p:ph type="body" idx="1"/>
-          </p:nvPr>
-        </p:nvSpPr>
-        <p:spPr>
-          <a:xfrm>
-            <a:off x="914400" y="4343400"/>
-            <a:ext cx="5029200" cy="4114800"/>
-          </a:xfrm>
-          <a:extLst>
-            <a:ext uri="{AF507438-7753-43E0-B8FC-AC1667EBCBE1}">
-              <a14:hiddenEffects xmlns:a14="http://schemas.microsoft.com/office/drawing/2010/main">
-                <a:effectLst>
-                  <a:outerShdw blurRad="63500" dist="38099" dir="2700000" algn="ctr" rotWithShape="0">
-                    <a:schemeClr val="bg2">
-                      <a:alpha val="74997"/>
-                    </a:schemeClr>
-                  </a:outerShdw>
-                </a:effectLst>
-              </a14:hiddenEffects>
-            </a:ext>
-          </a:extLst>
-        </p:spPr>
-        <p:txBody>
-          <a:bodyPr/>
-          <a:lstStyle/>
-          <a:p>
-            <a:pPr eaLnBrk="1" hangingPunct="1">
-              <a:defRPr/>
-            </a:pPr>
-            <a:endParaRPr lang="en-US" altLang="en-US">
-              <a:latin typeface="Arial" panose="020B0604020202020204" pitchFamily="34" charset="0"/>
-              <a:ea typeface="ＭＳ Ｐゴシック" panose="020B0600070205080204" pitchFamily="34" charset="-128"/>
-            </a:endParaRPr>
-          </a:p>
-        </p:txBody>
-      </p:sp>
-      <p:sp>
-        <p:nvSpPr>
-          <p:cNvPr id="27652" name="Slide Number Placeholder 3">
-            <a:extLst>
-              <a:ext uri="{FF2B5EF4-FFF2-40B4-BE49-F238E27FC236}">
-                <a16:creationId xmlns:a16="http://schemas.microsoft.com/office/drawing/2014/main" id="{D3EDAE4B-E882-C244-A751-B6DFD394AB49}"/>
-              </a:ext>
-            </a:extLst>
-          </p:cNvPr>
-          <p:cNvSpPr txBox="1">
-            <a:spLocks noGrp="1"/>
-          </p:cNvSpPr>
-          <p:nvPr/>
-        </p:nvSpPr>
-        <p:spPr bwMode="auto">
-          <a:xfrm>
-            <a:off x="3886200" y="8686800"/>
-            <a:ext cx="2971800" cy="457200"/>
-          </a:xfrm>
-          <a:prstGeom prst="rect">
-            <a:avLst/>
-          </a:prstGeom>
-          <a:noFill/>
-          <a:ln>
-            <a:noFill/>
-          </a:ln>
-          <a:extLst>
-            <a:ext uri="{909E8E84-426E-40DD-AFC4-6F175D3DCCD1}">
-              <a14:hiddenFill xmlns:a14="http://schemas.microsoft.com/office/drawing/2010/main">
-                <a:solidFill>
-                  <a:srgbClr val="FFFFFF"/>
-                </a:solidFill>
-              </a14:hiddenFill>
-            </a:ext>
-            <a:ext uri="{91240B29-F687-4F45-9708-019B960494DF}">
-              <a14:hiddenLine xmlns:a14="http://schemas.microsoft.com/office/drawing/2010/main" w="9525">
-                <a:solidFill>
-                  <a:srgbClr val="000000"/>
-                </a:solidFill>
-                <a:miter lim="800000"/>
-                <a:headEnd/>
-                <a:tailEnd/>
-              </a14:hiddenLine>
-            </a:ext>
-          </a:extLst>
-        </p:spPr>
-        <p:txBody>
-          <a:bodyPr anchor="b"/>
-          <a:lstStyle>
-            <a:lvl1pPr>
-              <a:spcBef>
-                <a:spcPct val="30000"/>
-              </a:spcBef>
-              <a:defRPr sz="1200">
-                <a:solidFill>
-                  <a:schemeClr val="tx1"/>
-                </a:solidFill>
-                <a:latin typeface="Arial" panose="020B0604020202020204" pitchFamily="34" charset="0"/>
-                <a:ea typeface="ＭＳ Ｐゴシック" panose="020B0600070205080204" pitchFamily="34" charset="-128"/>
-              </a:defRPr>
-            </a:lvl1pPr>
-            <a:lvl2pPr marL="742950" indent="-285750">
-              <a:spcBef>
-                <a:spcPct val="30000"/>
-              </a:spcBef>
-              <a:defRPr sz="1200">
-                <a:solidFill>
-                  <a:schemeClr val="tx1"/>
-                </a:solidFill>
-                <a:latin typeface="Arial" panose="020B0604020202020204" pitchFamily="34" charset="0"/>
-                <a:ea typeface="ＭＳ Ｐゴシック" panose="020B0600070205080204" pitchFamily="34" charset="-128"/>
-              </a:defRPr>
-            </a:lvl2pPr>
-            <a:lvl3pPr marL="1143000" indent="-228600">
-              <a:spcBef>
-                <a:spcPct val="30000"/>
-              </a:spcBef>
-              <a:defRPr sz="1200">
-                <a:solidFill>
-                  <a:schemeClr val="tx1"/>
-                </a:solidFill>
-                <a:latin typeface="Arial" panose="020B0604020202020204" pitchFamily="34" charset="0"/>
-                <a:ea typeface="ＭＳ Ｐゴシック" panose="020B0600070205080204" pitchFamily="34" charset="-128"/>
-              </a:defRPr>
-            </a:lvl3pPr>
-            <a:lvl4pPr marL="1600200" indent="-228600">
-              <a:spcBef>
-                <a:spcPct val="30000"/>
-              </a:spcBef>
-              <a:defRPr sz="1200">
-                <a:solidFill>
-                  <a:schemeClr val="tx1"/>
-                </a:solidFill>
-                <a:latin typeface="Arial" panose="020B0604020202020204" pitchFamily="34" charset="0"/>
-                <a:ea typeface="ＭＳ Ｐゴシック" panose="020B0600070205080204" pitchFamily="34" charset="-128"/>
-              </a:defRPr>
-            </a:lvl4pPr>
-            <a:lvl5pPr marL="2057400" indent="-228600">
-              <a:spcBef>
-                <a:spcPct val="30000"/>
-              </a:spcBef>
-              <a:defRPr sz="1200">
-                <a:solidFill>
-                  <a:schemeClr val="tx1"/>
-                </a:solidFill>
-                <a:latin typeface="Arial" panose="020B0604020202020204" pitchFamily="34" charset="0"/>
-                <a:ea typeface="ＭＳ Ｐゴシック" panose="020B0600070205080204" pitchFamily="34" charset="-128"/>
-              </a:defRPr>
-            </a:lvl5pPr>
-            <a:lvl6pPr marL="2514600" indent="-228600" eaLnBrk="0" fontAlgn="base" hangingPunct="0">
-              <a:spcBef>
-                <a:spcPct val="30000"/>
-              </a:spcBef>
-              <a:spcAft>
-                <a:spcPct val="0"/>
-              </a:spcAft>
-              <a:defRPr sz="1200">
-                <a:solidFill>
-                  <a:schemeClr val="tx1"/>
-                </a:solidFill>
-                <a:latin typeface="Arial" panose="020B0604020202020204" pitchFamily="34" charset="0"/>
-                <a:ea typeface="ＭＳ Ｐゴシック" panose="020B0600070205080204" pitchFamily="34" charset="-128"/>
-              </a:defRPr>
-            </a:lvl6pPr>
-            <a:lvl7pPr marL="2971800" indent="-228600" eaLnBrk="0" fontAlgn="base" hangingPunct="0">
-              <a:spcBef>
-                <a:spcPct val="30000"/>
-              </a:spcBef>
-              <a:spcAft>
-                <a:spcPct val="0"/>
-              </a:spcAft>
-              <a:defRPr sz="1200">
-                <a:solidFill>
-                  <a:schemeClr val="tx1"/>
-                </a:solidFill>
-                <a:latin typeface="Arial" panose="020B0604020202020204" pitchFamily="34" charset="0"/>
-                <a:ea typeface="ＭＳ Ｐゴシック" panose="020B0600070205080204" pitchFamily="34" charset="-128"/>
-              </a:defRPr>
-            </a:lvl7pPr>
-            <a:lvl8pPr marL="3429000" indent="-228600" eaLnBrk="0" fontAlgn="base" hangingPunct="0">
-              <a:spcBef>
-                <a:spcPct val="30000"/>
-              </a:spcBef>
-              <a:spcAft>
-                <a:spcPct val="0"/>
-              </a:spcAft>
-              <a:defRPr sz="1200">
-                <a:solidFill>
-                  <a:schemeClr val="tx1"/>
-                </a:solidFill>
-                <a:latin typeface="Arial" panose="020B0604020202020204" pitchFamily="34" charset="0"/>
-                <a:ea typeface="ＭＳ Ｐゴシック" panose="020B0600070205080204" pitchFamily="34" charset="-128"/>
-              </a:defRPr>
-            </a:lvl8pPr>
-            <a:lvl9pPr marL="3886200" indent="-228600" eaLnBrk="0" fontAlgn="base" hangingPunct="0">
-              <a:spcBef>
-                <a:spcPct val="30000"/>
-              </a:spcBef>
-              <a:spcAft>
-                <a:spcPct val="0"/>
-              </a:spcAft>
-              <a:defRPr sz="1200">
-                <a:solidFill>
-                  <a:schemeClr val="tx1"/>
-                </a:solidFill>
-                <a:latin typeface="Arial" panose="020B0604020202020204" pitchFamily="34" charset="0"/>
-                <a:ea typeface="ＭＳ Ｐゴシック" panose="020B0600070205080204" pitchFamily="34" charset="-128"/>
-              </a:defRPr>
-            </a:lvl9pPr>
-          </a:lstStyle>
-          <a:p>
-            <a:pPr algn="r" eaLnBrk="1" hangingPunct="1">
-              <a:spcBef>
-                <a:spcPct val="0"/>
-              </a:spcBef>
-            </a:pPr>
-            <a:fld id="{7CAC32D7-8F36-4E46-AFC1-FDD2A9199C35}" type="slidenum">
-              <a:rPr lang="en-US" altLang="en-US">
-                <a:latin typeface="Times New Roman" panose="02020603050405020304" pitchFamily="18" charset="0"/>
-              </a:rPr>
-              <a:pPr algn="r" eaLnBrk="1" hangingPunct="1">
-                <a:spcBef>
-                  <a:spcPct val="0"/>
-                </a:spcBef>
-              </a:pPr>
-              <a:t>27</a:t>
-            </a:fld>
-            <a:endParaRPr lang="en-US" altLang="en-US">
-              <a:latin typeface="Times New Roman" panose="02020603050405020304" pitchFamily="18" charset="0"/>
-            </a:endParaRPr>
-          </a:p>
-        </p:txBody>
-      </p:sp>
-    </p:spTree>
-    <p:extLst>
-      <p:ext uri="{BB962C8B-B14F-4D97-AF65-F5344CB8AC3E}">
-        <p14:creationId xmlns:p14="http://schemas.microsoft.com/office/powerpoint/2010/main" val="1330771310"/>
-      </p:ext>
-    </p:extLst>
-  </p:cSld>
-  <p:clrMapOvr>
-    <a:masterClrMapping/>
-  </p:clrMapOvr>
-</p:notes>
-</file>
-
-<file path=ppt/notesSlides/notesSlide4.xml><?xml version="1.0" encoding="utf-8"?>
-<p:notes xmlns:a="http://schemas.openxmlformats.org/drawingml/2006/main" xmlns:r="http://schemas.openxmlformats.org/officeDocument/2006/relationships" xmlns:p="http://schemas.openxmlformats.org/presentationml/2006/main">
-  <p:cSld>
-    <p:spTree>
-      <p:nvGrpSpPr>
-        <p:cNvPr id="1" name=""/>
-        <p:cNvGrpSpPr/>
-        <p:nvPr/>
-      </p:nvGrpSpPr>
-      <p:grpSpPr>
-        <a:xfrm>
-          <a:off x="0" y="0"/>
-          <a:ext cx="0" cy="0"/>
-          <a:chOff x="0" y="0"/>
-          <a:chExt cx="0" cy="0"/>
-        </a:xfrm>
-      </p:grpSpPr>
-      <p:sp>
-        <p:nvSpPr>
-          <p:cNvPr id="31745" name="Rectangle 7">
-            <a:extLst>
-              <a:ext uri="{FF2B5EF4-FFF2-40B4-BE49-F238E27FC236}">
-                <a16:creationId xmlns:a16="http://schemas.microsoft.com/office/drawing/2014/main" id="{53ECCB82-666C-A94B-A1C2-0FB79F2E3A27}"/>
-              </a:ext>
-            </a:extLst>
-          </p:cNvPr>
-          <p:cNvSpPr>
-            <a:spLocks noGrp="1" noChangeArrowheads="1"/>
-          </p:cNvSpPr>
-          <p:nvPr>
-            <p:ph type="sldNum" sz="quarter" idx="5"/>
-          </p:nvPr>
-        </p:nvSpPr>
-        <p:spPr>
-          <a:noFill/>
-        </p:spPr>
-        <p:txBody>
-          <a:bodyPr/>
-          <a:lstStyle>
-            <a:lvl1pPr>
-              <a:spcBef>
-                <a:spcPct val="30000"/>
-              </a:spcBef>
-              <a:defRPr sz="1200">
-                <a:solidFill>
-                  <a:schemeClr val="tx1"/>
-                </a:solidFill>
-                <a:latin typeface="Arial" panose="020B0604020202020204" pitchFamily="34" charset="0"/>
-                <a:ea typeface="ＭＳ Ｐゴシック" panose="020B0600070205080204" pitchFamily="34" charset="-128"/>
-              </a:defRPr>
-            </a:lvl1pPr>
-            <a:lvl2pPr marL="742950" indent="-285750">
-              <a:spcBef>
-                <a:spcPct val="30000"/>
-              </a:spcBef>
-              <a:defRPr sz="1200">
-                <a:solidFill>
-                  <a:schemeClr val="tx1"/>
-                </a:solidFill>
-                <a:latin typeface="Arial" panose="020B0604020202020204" pitchFamily="34" charset="0"/>
-                <a:ea typeface="ＭＳ Ｐゴシック" panose="020B0600070205080204" pitchFamily="34" charset="-128"/>
-              </a:defRPr>
-            </a:lvl2pPr>
-            <a:lvl3pPr marL="1143000" indent="-228600">
-              <a:spcBef>
-                <a:spcPct val="30000"/>
-              </a:spcBef>
-              <a:defRPr sz="1200">
-                <a:solidFill>
-                  <a:schemeClr val="tx1"/>
-                </a:solidFill>
-                <a:latin typeface="Arial" panose="020B0604020202020204" pitchFamily="34" charset="0"/>
-                <a:ea typeface="ＭＳ Ｐゴシック" panose="020B0600070205080204" pitchFamily="34" charset="-128"/>
-              </a:defRPr>
-            </a:lvl3pPr>
-            <a:lvl4pPr marL="1600200" indent="-228600">
-              <a:spcBef>
-                <a:spcPct val="30000"/>
-              </a:spcBef>
-              <a:defRPr sz="1200">
-                <a:solidFill>
-                  <a:schemeClr val="tx1"/>
-                </a:solidFill>
-                <a:latin typeface="Arial" panose="020B0604020202020204" pitchFamily="34" charset="0"/>
-                <a:ea typeface="ＭＳ Ｐゴシック" panose="020B0600070205080204" pitchFamily="34" charset="-128"/>
-              </a:defRPr>
-            </a:lvl4pPr>
-            <a:lvl5pPr marL="2057400" indent="-228600">
-              <a:spcBef>
-                <a:spcPct val="30000"/>
-              </a:spcBef>
-              <a:defRPr sz="1200">
-                <a:solidFill>
-                  <a:schemeClr val="tx1"/>
-                </a:solidFill>
-                <a:latin typeface="Arial" panose="020B0604020202020204" pitchFamily="34" charset="0"/>
-                <a:ea typeface="ＭＳ Ｐゴシック" panose="020B0600070205080204" pitchFamily="34" charset="-128"/>
-              </a:defRPr>
-            </a:lvl5pPr>
-            <a:lvl6pPr marL="2514600" indent="-228600" eaLnBrk="0" fontAlgn="base" hangingPunct="0">
-              <a:spcBef>
-                <a:spcPct val="30000"/>
-              </a:spcBef>
-              <a:spcAft>
-                <a:spcPct val="0"/>
-              </a:spcAft>
-              <a:defRPr sz="1200">
-                <a:solidFill>
-                  <a:schemeClr val="tx1"/>
-                </a:solidFill>
-                <a:latin typeface="Arial" panose="020B0604020202020204" pitchFamily="34" charset="0"/>
-                <a:ea typeface="ＭＳ Ｐゴシック" panose="020B0600070205080204" pitchFamily="34" charset="-128"/>
-              </a:defRPr>
-            </a:lvl6pPr>
-            <a:lvl7pPr marL="2971800" indent="-228600" eaLnBrk="0" fontAlgn="base" hangingPunct="0">
-              <a:spcBef>
-                <a:spcPct val="30000"/>
-              </a:spcBef>
-              <a:spcAft>
-                <a:spcPct val="0"/>
-              </a:spcAft>
-              <a:defRPr sz="1200">
-                <a:solidFill>
-                  <a:schemeClr val="tx1"/>
-                </a:solidFill>
-                <a:latin typeface="Arial" panose="020B0604020202020204" pitchFamily="34" charset="0"/>
-                <a:ea typeface="ＭＳ Ｐゴシック" panose="020B0600070205080204" pitchFamily="34" charset="-128"/>
-              </a:defRPr>
-            </a:lvl7pPr>
-            <a:lvl8pPr marL="3429000" indent="-228600" eaLnBrk="0" fontAlgn="base" hangingPunct="0">
-              <a:spcBef>
-                <a:spcPct val="30000"/>
-              </a:spcBef>
-              <a:spcAft>
-                <a:spcPct val="0"/>
-              </a:spcAft>
-              <a:defRPr sz="1200">
-                <a:solidFill>
-                  <a:schemeClr val="tx1"/>
-                </a:solidFill>
-                <a:latin typeface="Arial" panose="020B0604020202020204" pitchFamily="34" charset="0"/>
-                <a:ea typeface="ＭＳ Ｐゴシック" panose="020B0600070205080204" pitchFamily="34" charset="-128"/>
-              </a:defRPr>
-            </a:lvl8pPr>
-            <a:lvl9pPr marL="3886200" indent="-228600" eaLnBrk="0" fontAlgn="base" hangingPunct="0">
-              <a:spcBef>
-                <a:spcPct val="30000"/>
-              </a:spcBef>
-              <a:spcAft>
-                <a:spcPct val="0"/>
-              </a:spcAft>
-              <a:defRPr sz="1200">
-                <a:solidFill>
-                  <a:schemeClr val="tx1"/>
-                </a:solidFill>
-                <a:latin typeface="Arial" panose="020B0604020202020204" pitchFamily="34" charset="0"/>
-                <a:ea typeface="ＭＳ Ｐゴシック" panose="020B0600070205080204" pitchFamily="34" charset="-128"/>
-              </a:defRPr>
-            </a:lvl9pPr>
-          </a:lstStyle>
-          <a:p>
-            <a:pPr>
-              <a:spcBef>
-                <a:spcPct val="0"/>
-              </a:spcBef>
-            </a:pPr>
-            <a:fld id="{58AF5DDA-11B7-C74A-81ED-17391EC526ED}" type="slidenum">
-              <a:rPr lang="en-US" altLang="en-US" smtClean="0"/>
-              <a:pPr>
-                <a:spcBef>
-                  <a:spcPct val="0"/>
-                </a:spcBef>
-              </a:pPr>
-              <a:t>28</a:t>
-            </a:fld>
-            <a:endParaRPr lang="en-US" altLang="en-US"/>
-          </a:p>
-        </p:txBody>
-      </p:sp>
-      <p:sp>
-        <p:nvSpPr>
-          <p:cNvPr id="31746" name="Rectangle 2">
-            <a:extLst>
-              <a:ext uri="{FF2B5EF4-FFF2-40B4-BE49-F238E27FC236}">
-                <a16:creationId xmlns:a16="http://schemas.microsoft.com/office/drawing/2014/main" id="{288769E6-7436-8E4D-BD57-6EBD1C398306}"/>
-              </a:ext>
-            </a:extLst>
-          </p:cNvPr>
-          <p:cNvSpPr>
-            <a:spLocks noGrp="1" noRot="1" noChangeAspect="1" noChangeArrowheads="1" noTextEdit="1"/>
-          </p:cNvSpPr>
-          <p:nvPr>
-            <p:ph type="sldImg"/>
-          </p:nvPr>
-        </p:nvSpPr>
-        <p:spPr>
-          <a:ln/>
-        </p:spPr>
-      </p:sp>
-      <p:sp>
-        <p:nvSpPr>
-          <p:cNvPr id="83972" name="Rectangle 3">
-            <a:extLst>
-              <a:ext uri="{FF2B5EF4-FFF2-40B4-BE49-F238E27FC236}">
-                <a16:creationId xmlns:a16="http://schemas.microsoft.com/office/drawing/2014/main" id="{F62C6A7A-3B2C-F949-A88A-18FD5BEF13F2}"/>
-              </a:ext>
-            </a:extLst>
-          </p:cNvPr>
-          <p:cNvSpPr>
-            <a:spLocks noGrp="1" noChangeArrowheads="1"/>
-          </p:cNvSpPr>
-          <p:nvPr>
-            <p:ph type="body" idx="1"/>
-          </p:nvPr>
-        </p:nvSpPr>
-        <p:spPr>
-          <a:xfrm>
-            <a:off x="914400" y="4343400"/>
-            <a:ext cx="5029200" cy="4114800"/>
-          </a:xfrm>
-          <a:extLst>
-            <a:ext uri="{AF507438-7753-43E0-B8FC-AC1667EBCBE1}">
-              <a14:hiddenEffects xmlns:a14="http://schemas.microsoft.com/office/drawing/2010/main">
-                <a:effectLst>
-                  <a:outerShdw blurRad="63500" dist="38099" dir="2700000" algn="ctr" rotWithShape="0">
-                    <a:schemeClr val="bg2">
-                      <a:alpha val="74997"/>
-                    </a:schemeClr>
-                  </a:outerShdw>
-                </a:effectLst>
-              </a14:hiddenEffects>
-            </a:ext>
-          </a:extLst>
-        </p:spPr>
-        <p:txBody>
-          <a:bodyPr/>
-          <a:lstStyle/>
-          <a:p>
-            <a:pPr eaLnBrk="1" hangingPunct="1">
-              <a:defRPr/>
-            </a:pPr>
-            <a:endParaRPr lang="en-US" dirty="0">
-              <a:cs typeface="+mn-cs"/>
-            </a:endParaRPr>
-          </a:p>
-        </p:txBody>
-      </p:sp>
-    </p:spTree>
-    <p:extLst>
-      <p:ext uri="{BB962C8B-B14F-4D97-AF65-F5344CB8AC3E}">
-        <p14:creationId xmlns:p14="http://schemas.microsoft.com/office/powerpoint/2010/main" val="3712674028"/>
-      </p:ext>
-    </p:extLst>
-  </p:cSld>
-  <p:clrMapOvr>
-    <a:masterClrMapping/>
-  </p:clrMapOvr>
-</p:notes>
-</file>
-
 <file path=ppt/slideLayouts/slideLayout1.xml><?xml version="1.0" encoding="utf-8"?>
 <p:sldLayout xmlns:a="http://schemas.openxmlformats.org/drawingml/2006/main" xmlns:r="http://schemas.openxmlformats.org/officeDocument/2006/relationships" xmlns:p="http://schemas.openxmlformats.org/presentationml/2006/main" type="title" preserve="1">
   <p:cSld name="Title Slide">
@@ -5099,7 +3968,7 @@
           <a:p>
             <a:fld id="{4AAD347D-5ACD-4C99-B74B-A9C85AD731AF}" type="datetimeFigureOut">
               <a:rPr lang="en-US" smtClean="0"/>
-              <a:t>1/27/21</a:t>
+              <a:t>2/1/21</a:t>
             </a:fld>
             <a:endParaRPr lang="en-US" dirty="0"/>
           </a:p>
@@ -5269,7 +4138,7 @@
           <a:p>
             <a:fld id="{4509A250-FF31-4206-8172-F9D3106AACB1}" type="datetimeFigureOut">
               <a:rPr lang="en-US" smtClean="0"/>
-              <a:t>1/27/21</a:t>
+              <a:t>2/1/21</a:t>
             </a:fld>
             <a:endParaRPr lang="en-US" dirty="0"/>
           </a:p>
@@ -5449,7 +4318,7 @@
           <a:p>
             <a:fld id="{4509A250-FF31-4206-8172-F9D3106AACB1}" type="datetimeFigureOut">
               <a:rPr lang="en-US" smtClean="0"/>
-              <a:t>1/27/21</a:t>
+              <a:t>2/1/21</a:t>
             </a:fld>
             <a:endParaRPr lang="en-US" dirty="0"/>
           </a:p>
@@ -5619,7 +4488,7 @@
           <a:p>
             <a:fld id="{4509A250-FF31-4206-8172-F9D3106AACB1}" type="datetimeFigureOut">
               <a:rPr lang="en-US" smtClean="0"/>
-              <a:t>1/27/21</a:t>
+              <a:t>2/1/21</a:t>
             </a:fld>
             <a:endParaRPr lang="en-US" dirty="0"/>
           </a:p>
@@ -5865,7 +4734,7 @@
           <a:p>
             <a:fld id="{9796027F-7875-4030-9381-8BD8C4F21935}" type="datetimeFigureOut">
               <a:rPr lang="en-US" smtClean="0"/>
-              <a:t>1/27/21</a:t>
+              <a:t>2/1/21</a:t>
             </a:fld>
             <a:endParaRPr lang="en-US" dirty="0"/>
           </a:p>
@@ -6097,7 +4966,7 @@
           <a:p>
             <a:fld id="{9796027F-7875-4030-9381-8BD8C4F21935}" type="datetimeFigureOut">
               <a:rPr lang="en-US" smtClean="0"/>
-              <a:t>1/27/21</a:t>
+              <a:t>2/1/21</a:t>
             </a:fld>
             <a:endParaRPr lang="en-US" dirty="0"/>
           </a:p>
@@ -6464,7 +5333,7 @@
           <a:p>
             <a:fld id="{9796027F-7875-4030-9381-8BD8C4F21935}" type="datetimeFigureOut">
               <a:rPr lang="en-US" smtClean="0"/>
-              <a:t>1/27/21</a:t>
+              <a:t>2/1/21</a:t>
             </a:fld>
             <a:endParaRPr lang="en-US" dirty="0"/>
           </a:p>
@@ -6582,7 +5451,7 @@
           <a:p>
             <a:fld id="{4509A250-FF31-4206-8172-F9D3106AACB1}" type="datetimeFigureOut">
               <a:rPr lang="en-US" smtClean="0"/>
-              <a:t>1/27/21</a:t>
+              <a:t>2/1/21</a:t>
             </a:fld>
             <a:endParaRPr lang="en-US" dirty="0"/>
           </a:p>
@@ -6677,7 +5546,7 @@
           <a:p>
             <a:fld id="{4509A250-FF31-4206-8172-F9D3106AACB1}" type="datetimeFigureOut">
               <a:rPr lang="en-US" smtClean="0"/>
-              <a:t>1/27/21</a:t>
+              <a:t>2/1/21</a:t>
             </a:fld>
             <a:endParaRPr lang="en-US" dirty="0"/>
           </a:p>
@@ -6954,7 +5823,7 @@
           <a:p>
             <a:fld id="{4509A250-FF31-4206-8172-F9D3106AACB1}" type="datetimeFigureOut">
               <a:rPr lang="en-US" smtClean="0"/>
-              <a:t>1/27/21</a:t>
+              <a:t>2/1/21</a:t>
             </a:fld>
             <a:endParaRPr lang="en-US" dirty="0"/>
           </a:p>
@@ -7211,7 +6080,7 @@
           <a:p>
             <a:fld id="{4509A250-FF31-4206-8172-F9D3106AACB1}" type="datetimeFigureOut">
               <a:rPr lang="en-US" smtClean="0"/>
-              <a:t>1/27/21</a:t>
+              <a:t>2/1/21</a:t>
             </a:fld>
             <a:endParaRPr lang="en-US" dirty="0"/>
           </a:p>
@@ -7424,7 +6293,7 @@
           <a:p>
             <a:fld id="{4AAD347D-5ACD-4C99-B74B-A9C85AD731AF}" type="datetimeFigureOut">
               <a:rPr lang="en-US" smtClean="0"/>
-              <a:t>1/27/21</a:t>
+              <a:t>2/1/21</a:t>
             </a:fld>
             <a:endParaRPr lang="en-US" dirty="0"/>
           </a:p>
@@ -14608,8 +13477,22 @@
               <a:rPr lang="en-US" sz="2000" dirty="0">
                 <a:cs typeface="Tahoma"/>
               </a:rPr>
-              <a:t>In its current version, hundred of libraries have been written for computer vision, data visualization, music composition, networking, 3D drawings and programming electronics.  </a:t>
-            </a:r>
+              <a:t>In its current version, hundred of libraries have been written for computer vision, data visualization, music composition, networking, 3D drawings and programming electronics</a:t>
+            </a:r>
+            <a:r>
+              <a:rPr lang="en-US" sz="2000">
+                <a:cs typeface="Tahoma"/>
+              </a:rPr>
+              <a:t>.  </a:t>
+            </a:r>
+          </a:p>
+          <a:p>
+            <a:pPr eaLnBrk="1" hangingPunct="1">
+              <a:defRPr/>
+            </a:pPr>
+            <a:endParaRPr lang="en-US" sz="2000" dirty="0">
+              <a:cs typeface="Tahoma"/>
+            </a:endParaRPr>
           </a:p>
           <a:p>
             <a:pPr eaLnBrk="1" hangingPunct="1">
@@ -18132,10 +17015,10 @@
       </p:grpSpPr>
       <p:sp>
         <p:nvSpPr>
-          <p:cNvPr id="22529" name="Rectangle 2">
+          <p:cNvPr id="35841" name="Rectangle 2">
             <a:extLst>
               <a:ext uri="{FF2B5EF4-FFF2-40B4-BE49-F238E27FC236}">
-                <a16:creationId xmlns:a16="http://schemas.microsoft.com/office/drawing/2014/main" id="{8FC9BF54-BC5C-D541-BCD1-D99DA9E7A890}"/>
+                <a16:creationId xmlns:a16="http://schemas.microsoft.com/office/drawing/2014/main" id="{09D8876C-8F7A-C748-966B-672B36C17545}"/>
               </a:ext>
             </a:extLst>
           </p:cNvPr>
@@ -18143,40 +17026,35 @@
             <a:spLocks noGrp="1" noChangeArrowheads="1"/>
           </p:cNvSpPr>
           <p:nvPr>
-            <p:ph type="title" idx="4294967295"/>
+            <p:ph type="title"/>
           </p:nvPr>
         </p:nvSpPr>
         <p:spPr>
           <a:xfrm>
-            <a:off x="173044" y="100992"/>
-            <a:ext cx="6683765" cy="494892"/>
+            <a:off x="152400" y="123825"/>
+            <a:ext cx="7848600" cy="713582"/>
           </a:xfrm>
         </p:spPr>
         <p:txBody>
-          <a:bodyPr vert="horz" lIns="0" tIns="45720" rIns="0" bIns="0" rtlCol="0" anchor="b">
-            <a:normAutofit/>
-          </a:bodyPr>
+          <a:bodyPr/>
           <a:lstStyle/>
           <a:p>
             <a:pPr eaLnBrk="1" hangingPunct="1"/>
             <a:r>
-              <a:rPr lang="en-US" altLang="en-US" dirty="0" err="1">
+              <a:rPr lang="en-US" altLang="en-US">
                 <a:ea typeface="ＭＳ Ｐゴシック" panose="020B0600070205080204" pitchFamily="34" charset="-128"/>
               </a:rPr>
-              <a:t>on_key_press</a:t>
-            </a:r>
-            <a:endParaRPr lang="en-US" altLang="en-US" dirty="0">
-              <a:ea typeface="ＭＳ Ｐゴシック" panose="020B0600070205080204" pitchFamily="34" charset="-128"/>
-            </a:endParaRPr>
+              <a:t>Download Processing</a:t>
+            </a:r>
           </a:p>
         </p:txBody>
       </p:sp>
       <p:sp>
         <p:nvSpPr>
-          <p:cNvPr id="62467" name="Rectangle 3">
+          <p:cNvPr id="35842" name="Rectangle 3">
             <a:extLst>
               <a:ext uri="{FF2B5EF4-FFF2-40B4-BE49-F238E27FC236}">
-                <a16:creationId xmlns:a16="http://schemas.microsoft.com/office/drawing/2014/main" id="{1D575D20-594C-2945-B2F4-512D3B748F19}"/>
+                <a16:creationId xmlns:a16="http://schemas.microsoft.com/office/drawing/2014/main" id="{C94BCA01-D831-ED4D-84FD-C30E8117F872}"/>
               </a:ext>
             </a:extLst>
           </p:cNvPr>
@@ -18184,13 +17062,13 @@
             <a:spLocks noGrp="1" noChangeArrowheads="1"/>
           </p:cNvSpPr>
           <p:nvPr>
-            <p:ph idx="4294967295"/>
+            <p:ph type="body" idx="1"/>
           </p:nvPr>
         </p:nvSpPr>
         <p:spPr>
           <a:xfrm>
-            <a:off x="173044" y="714375"/>
-            <a:ext cx="8837606" cy="4899633"/>
+            <a:off x="152399" y="923926"/>
+            <a:ext cx="8715375" cy="4505324"/>
           </a:xfrm>
         </p:spPr>
         <p:txBody>
@@ -18198,95 +17076,18 @@
           <a:lstStyle/>
           <a:p>
             <a:pPr marL="0" indent="0">
-              <a:lnSpc>
-                <a:spcPct val="90000"/>
-              </a:lnSpc>
               <a:buNone/>
             </a:pPr>
-            <a:endParaRPr lang="en-US" altLang="en-US" sz="1833" dirty="0">
-              <a:solidFill>
-                <a:srgbClr val="000000"/>
-              </a:solidFill>
+            <a:endParaRPr lang="en-US" altLang="en-US" sz="1667" dirty="0">
+              <a:latin typeface="Courier New" panose="02070309020205020404" pitchFamily="49" charset="0"/>
               <a:ea typeface="ＭＳ Ｐゴシック" panose="020B0600070205080204" pitchFamily="34" charset="-128"/>
             </a:endParaRPr>
           </a:p>
           <a:p>
             <a:pPr marL="0" indent="0">
-              <a:lnSpc>
-                <a:spcPct val="90000"/>
-              </a:lnSpc>
               <a:buNone/>
             </a:pPr>
-            <a:r>
-              <a:rPr lang="en-US" altLang="en-US" sz="1833" dirty="0">
-                <a:solidFill>
-                  <a:srgbClr val="000000"/>
-                </a:solidFill>
-                <a:ea typeface="ＭＳ Ｐゴシック" panose="020B0600070205080204" pitchFamily="34" charset="-128"/>
-              </a:rPr>
-              <a:t>The </a:t>
-            </a:r>
-            <a:r>
-              <a:rPr lang="en-US" altLang="en-US" sz="1833" dirty="0" err="1">
-                <a:solidFill>
-                  <a:srgbClr val="000000"/>
-                </a:solidFill>
-                <a:latin typeface="Courier New" panose="02070309020205020404" pitchFamily="49" charset="0"/>
-                <a:ea typeface="ＭＳ Ｐゴシック" panose="020B0600070205080204" pitchFamily="34" charset="-128"/>
-              </a:rPr>
-              <a:t>on_update</a:t>
-            </a:r>
-            <a:r>
-              <a:rPr lang="en-US" altLang="en-US" sz="1833" dirty="0">
-                <a:solidFill>
-                  <a:srgbClr val="000000"/>
-                </a:solidFill>
-                <a:latin typeface="Courier New" panose="02070309020205020404" pitchFamily="49" charset="0"/>
-                <a:ea typeface="ＭＳ Ｐゴシック" panose="020B0600070205080204" pitchFamily="34" charset="-128"/>
-              </a:rPr>
-              <a:t>() and </a:t>
-            </a:r>
-            <a:r>
-              <a:rPr lang="en-US" altLang="en-US" sz="1833" dirty="0" err="1">
-                <a:solidFill>
-                  <a:srgbClr val="000000"/>
-                </a:solidFill>
-                <a:latin typeface="Courier New" panose="02070309020205020404" pitchFamily="49" charset="0"/>
-                <a:ea typeface="ＭＳ Ｐゴシック" panose="020B0600070205080204" pitchFamily="34" charset="-128"/>
-              </a:rPr>
-              <a:t>on_draw</a:t>
-            </a:r>
-            <a:r>
-              <a:rPr lang="en-US" altLang="en-US" sz="1833" dirty="0">
-                <a:solidFill>
-                  <a:srgbClr val="000000"/>
-                </a:solidFill>
-                <a:latin typeface="Courier New" panose="02070309020205020404" pitchFamily="49" charset="0"/>
-                <a:ea typeface="ＭＳ Ｐゴシック" panose="020B0600070205080204" pitchFamily="34" charset="-128"/>
-              </a:rPr>
-              <a:t>() </a:t>
-            </a:r>
-            <a:r>
-              <a:rPr lang="en-US" altLang="en-US" sz="1833" dirty="0">
-                <a:solidFill>
-                  <a:srgbClr val="000000"/>
-                </a:solidFill>
-                <a:ea typeface="ＭＳ Ｐゴシック" panose="020B0600070205080204" pitchFamily="34" charset="-128"/>
-              </a:rPr>
-              <a:t>loops run continuously until they are interrupted by an event, for example, a keyboard or mouse event. </a:t>
-            </a:r>
-          </a:p>
-          <a:p>
-            <a:pPr marL="0" indent="0">
-              <a:lnSpc>
-                <a:spcPct val="90000"/>
-              </a:lnSpc>
-              <a:buNone/>
-            </a:pPr>
-            <a:endParaRPr lang="en-US" altLang="en-US" sz="1833" dirty="0">
-              <a:solidFill>
-                <a:srgbClr val="000000"/>
-              </a:solidFill>
+            <a:endParaRPr lang="en-US" altLang="en-US" sz="2167" dirty="0">
               <a:ea typeface="ＭＳ Ｐゴシック" panose="020B0600070205080204" pitchFamily="34" charset="-128"/>
             </a:endParaRPr>
           </a:p>
@@ -18295,169 +17096,17 @@
               <a:buNone/>
             </a:pPr>
             <a:r>
-              <a:rPr lang="en-US" altLang="en-US" sz="1833" dirty="0">
-                <a:solidFill>
-                  <a:srgbClr val="000000"/>
-                </a:solidFill>
+              <a:rPr lang="en-US" altLang="en-US" sz="2167" dirty="0">
                 <a:ea typeface="ＭＳ Ｐゴシック" panose="020B0600070205080204" pitchFamily="34" charset="-128"/>
               </a:rPr>
-              <a:t>If a key is pressed, </a:t>
-            </a:r>
-            <a:r>
-              <a:rPr lang="en-US" altLang="en-US" sz="1833" dirty="0" err="1">
-                <a:solidFill>
-                  <a:srgbClr val="000000"/>
-                </a:solidFill>
-                <a:latin typeface="Courier New" panose="02070309020205020404" pitchFamily="49" charset="0"/>
-                <a:ea typeface="ＭＳ Ｐゴシック" panose="020B0600070205080204" pitchFamily="34" charset="-128"/>
-              </a:rPr>
-              <a:t>on_update</a:t>
-            </a:r>
-            <a:r>
-              <a:rPr lang="en-US" altLang="en-US" sz="1833" dirty="0">
-                <a:solidFill>
-                  <a:srgbClr val="000000"/>
-                </a:solidFill>
-                <a:latin typeface="Courier New" panose="02070309020205020404" pitchFamily="49" charset="0"/>
-                <a:ea typeface="ＭＳ Ｐゴシック" panose="020B0600070205080204" pitchFamily="34" charset="-128"/>
-              </a:rPr>
-              <a:t>() </a:t>
-            </a:r>
-            <a:r>
-              <a:rPr lang="en-US" altLang="en-US" sz="1833" dirty="0">
-                <a:solidFill>
-                  <a:srgbClr val="000000"/>
-                </a:solidFill>
-                <a:latin typeface="Gill Sans MT" panose="020B0502020104020203" pitchFamily="34" charset="77"/>
-                <a:ea typeface="ＭＳ Ｐゴシック" panose="020B0600070205080204" pitchFamily="34" charset="-128"/>
-              </a:rPr>
-              <a:t>and</a:t>
-            </a:r>
-            <a:r>
-              <a:rPr lang="en-US" altLang="en-US" sz="1833" dirty="0">
-                <a:solidFill>
-                  <a:srgbClr val="000000"/>
-                </a:solidFill>
-                <a:latin typeface="Courier New" panose="02070309020205020404" pitchFamily="49" charset="0"/>
-                <a:ea typeface="ＭＳ Ｐゴシック" panose="020B0600070205080204" pitchFamily="34" charset="-128"/>
-              </a:rPr>
-              <a:t> </a:t>
-            </a:r>
-            <a:r>
-              <a:rPr lang="en-US" altLang="en-US" sz="1833" dirty="0" err="1">
-                <a:solidFill>
-                  <a:srgbClr val="000000"/>
-                </a:solidFill>
-                <a:latin typeface="Courier New" panose="02070309020205020404" pitchFamily="49" charset="0"/>
-                <a:ea typeface="ＭＳ Ｐゴシック" panose="020B0600070205080204" pitchFamily="34" charset="-128"/>
-              </a:rPr>
-              <a:t>on_draw</a:t>
-            </a:r>
-            <a:r>
-              <a:rPr lang="en-US" altLang="en-US" sz="1833" dirty="0">
-                <a:solidFill>
-                  <a:srgbClr val="000000"/>
-                </a:solidFill>
-                <a:latin typeface="Courier New" panose="02070309020205020404" pitchFamily="49" charset="0"/>
-                <a:ea typeface="ＭＳ Ｐゴシック" panose="020B0600070205080204" pitchFamily="34" charset="-128"/>
-              </a:rPr>
-              <a:t>() </a:t>
-            </a:r>
-            <a:r>
-              <a:rPr lang="en-US" altLang="en-US" sz="1833" dirty="0">
-                <a:solidFill>
-                  <a:srgbClr val="000000"/>
-                </a:solidFill>
-                <a:ea typeface="ＭＳ Ｐゴシック" panose="020B0600070205080204" pitchFamily="34" charset="-128"/>
-              </a:rPr>
-              <a:t>temporarily halt, Processing then jump execution to the </a:t>
-            </a:r>
-            <a:r>
-              <a:rPr lang="en-US" altLang="en-US" sz="1833" dirty="0" err="1">
-                <a:solidFill>
-                  <a:srgbClr val="000000"/>
-                </a:solidFill>
-                <a:ea typeface="ＭＳ Ｐゴシック" panose="020B0600070205080204" pitchFamily="34" charset="-128"/>
-              </a:rPr>
-              <a:t>on_key_press</a:t>
-            </a:r>
-            <a:r>
-              <a:rPr lang="en-US" altLang="en-US" sz="1833" dirty="0">
-                <a:solidFill>
-                  <a:srgbClr val="000000"/>
-                </a:solidFill>
-                <a:latin typeface="Courier New" panose="02070309020205020404" pitchFamily="49" charset="0"/>
-                <a:ea typeface="ＭＳ Ｐゴシック" panose="020B0600070205080204" pitchFamily="34" charset="-128"/>
-              </a:rPr>
-              <a:t>()</a:t>
-            </a:r>
-            <a:r>
-              <a:rPr lang="en-US" altLang="en-US" sz="1833" dirty="0">
-                <a:solidFill>
-                  <a:srgbClr val="000000"/>
-                </a:solidFill>
-                <a:ea typeface="ＭＳ Ｐゴシック" panose="020B0600070205080204" pitchFamily="34" charset="-128"/>
-              </a:rPr>
-              <a:t> function, runs the function’s code then return control to the </a:t>
-            </a:r>
-            <a:r>
-              <a:rPr lang="en-US" altLang="en-US" sz="1833" dirty="0" err="1">
-                <a:solidFill>
-                  <a:srgbClr val="000000"/>
-                </a:solidFill>
-                <a:latin typeface="Courier New" panose="02070309020205020404" pitchFamily="49" charset="0"/>
-                <a:ea typeface="ＭＳ Ｐゴシック" panose="020B0600070205080204" pitchFamily="34" charset="-128"/>
-              </a:rPr>
-              <a:t>on_update</a:t>
-            </a:r>
-            <a:r>
-              <a:rPr lang="en-US" altLang="en-US" sz="1833" dirty="0">
-                <a:solidFill>
-                  <a:srgbClr val="000000"/>
-                </a:solidFill>
-                <a:latin typeface="Courier New" panose="02070309020205020404" pitchFamily="49" charset="0"/>
-                <a:ea typeface="ＭＳ Ｐゴシック" panose="020B0600070205080204" pitchFamily="34" charset="-128"/>
-              </a:rPr>
-              <a:t> and </a:t>
-            </a:r>
-            <a:r>
-              <a:rPr lang="en-US" altLang="en-US" sz="1833" dirty="0" err="1">
-                <a:solidFill>
-                  <a:srgbClr val="000000"/>
-                </a:solidFill>
-                <a:latin typeface="Courier New" panose="02070309020205020404" pitchFamily="49" charset="0"/>
-                <a:ea typeface="ＭＳ Ｐゴシック" panose="020B0600070205080204" pitchFamily="34" charset="-128"/>
-              </a:rPr>
-              <a:t>on_draw</a:t>
-            </a:r>
-            <a:r>
-              <a:rPr lang="en-US" altLang="en-US" sz="1833" dirty="0">
-                <a:solidFill>
-                  <a:srgbClr val="000000"/>
-                </a:solidFill>
-                <a:latin typeface="Courier New" panose="02070309020205020404" pitchFamily="49" charset="0"/>
-                <a:ea typeface="ＭＳ Ｐゴシック" panose="020B0600070205080204" pitchFamily="34" charset="-128"/>
-              </a:rPr>
-              <a:t> </a:t>
-            </a:r>
-            <a:r>
-              <a:rPr lang="en-US" altLang="en-US" sz="1833" dirty="0">
-                <a:solidFill>
-                  <a:srgbClr val="000000"/>
-                </a:solidFill>
-                <a:ea typeface="ＭＳ Ｐゴシック" panose="020B0600070205080204" pitchFamily="34" charset="-128"/>
-              </a:rPr>
-              <a:t> loops. </a:t>
+              <a:t>Download Processing!</a:t>
             </a:r>
           </a:p>
           <a:p>
             <a:pPr marL="0" indent="0">
               <a:buNone/>
             </a:pPr>
-            <a:endParaRPr lang="en-US" altLang="en-US" sz="1833" dirty="0">
-              <a:solidFill>
-                <a:srgbClr val="000000"/>
-              </a:solidFill>
+            <a:endParaRPr lang="en-US" altLang="en-US" sz="2167" dirty="0">
               <a:ea typeface="ＭＳ Ｐゴシック" panose="020B0600070205080204" pitchFamily="34" charset="-128"/>
             </a:endParaRPr>
           </a:p>
@@ -18466,133 +17115,40 @@
               <a:buNone/>
             </a:pPr>
             <a:r>
-              <a:rPr lang="en-US" altLang="en-US" sz="1833" dirty="0">
-                <a:solidFill>
-                  <a:srgbClr val="000000"/>
-                </a:solidFill>
+              <a:rPr lang="en-US" altLang="en-US" sz="2167" dirty="0">
                 <a:ea typeface="ＭＳ Ｐゴシック" panose="020B0600070205080204" pitchFamily="34" charset="-128"/>
               </a:rPr>
-              <a:t>The key that is pressed is store in the </a:t>
-            </a:r>
-            <a:r>
-              <a:rPr lang="en-US" altLang="en-US" sz="1833" dirty="0">
-                <a:solidFill>
-                  <a:srgbClr val="000000"/>
-                </a:solidFill>
-                <a:latin typeface="Courier New" panose="02070309020205020404" pitchFamily="49" charset="0"/>
-                <a:ea typeface="ＭＳ Ｐゴシック" panose="020B0600070205080204" pitchFamily="34" charset="-128"/>
-              </a:rPr>
-              <a:t>key</a:t>
-            </a:r>
-            <a:r>
-              <a:rPr lang="en-US" altLang="en-US" sz="1833" dirty="0">
-                <a:solidFill>
-                  <a:srgbClr val="000000"/>
-                </a:solidFill>
-                <a:ea typeface="ＭＳ Ｐゴシック" panose="020B0600070205080204" pitchFamily="34" charset="-128"/>
-              </a:rPr>
-              <a:t> variable.</a:t>
+              <a:t>Your computer is probably a 64-bit computer if it’s fairly recent. </a:t>
             </a:r>
           </a:p>
           <a:p>
             <a:pPr marL="0" indent="0">
-              <a:lnSpc>
-                <a:spcPct val="90000"/>
-              </a:lnSpc>
               <a:buNone/>
             </a:pPr>
-            <a:endParaRPr lang="en-US" altLang="en-US" sz="1833" dirty="0">
-              <a:solidFill>
-                <a:srgbClr val="000000"/>
-              </a:solidFill>
+            <a:endParaRPr lang="en-US" altLang="en-US" sz="2167" dirty="0">
               <a:ea typeface="ＭＳ Ｐゴシック" panose="020B0600070205080204" pitchFamily="34" charset="-128"/>
             </a:endParaRPr>
           </a:p>
           <a:p>
             <a:pPr marL="0" indent="0">
-              <a:lnSpc>
-                <a:spcPct val="90000"/>
-              </a:lnSpc>
               <a:buNone/>
             </a:pPr>
             <a:r>
-              <a:rPr lang="en-US" altLang="en-US" sz="1833" dirty="0">
-                <a:solidFill>
-                  <a:srgbClr val="000000"/>
-                </a:solidFill>
+              <a:rPr lang="en-US" altLang="en-US" sz="2167" dirty="0">
                 <a:ea typeface="ＭＳ Ｐゴシック" panose="020B0600070205080204" pitchFamily="34" charset="-128"/>
-              </a:rPr>
-              <a:t>Similarly, if a key is released, </a:t>
-            </a:r>
-            <a:r>
-              <a:rPr lang="en-US" altLang="en-US" sz="1833" dirty="0" err="1">
-                <a:solidFill>
-                  <a:srgbClr val="000000"/>
-                </a:solidFill>
-                <a:latin typeface="Courier New" panose="02070309020205020404" pitchFamily="49" charset="0"/>
-                <a:ea typeface="ＭＳ Ｐゴシック" panose="020B0600070205080204" pitchFamily="34" charset="-128"/>
-              </a:rPr>
-              <a:t>on_key_release</a:t>
-            </a:r>
-            <a:r>
-              <a:rPr lang="en-US" altLang="en-US" sz="1833" dirty="0">
-                <a:solidFill>
-                  <a:srgbClr val="000000"/>
-                </a:solidFill>
-                <a:latin typeface="Courier New" panose="02070309020205020404" pitchFamily="49" charset="0"/>
-                <a:ea typeface="ＭＳ Ｐゴシック" panose="020B0600070205080204" pitchFamily="34" charset="-128"/>
-              </a:rPr>
-              <a:t>() </a:t>
-            </a:r>
-            <a:r>
-              <a:rPr lang="en-US" altLang="en-US" sz="1833" dirty="0">
-                <a:solidFill>
-                  <a:srgbClr val="000000"/>
-                </a:solidFill>
-                <a:ea typeface="ＭＳ Ｐゴシック" panose="020B0600070205080204" pitchFamily="34" charset="-128"/>
-              </a:rPr>
-              <a:t>is called. </a:t>
-            </a:r>
-          </a:p>
-          <a:p>
-            <a:pPr marL="0" indent="0">
-              <a:lnSpc>
-                <a:spcPct val="90000"/>
-              </a:lnSpc>
-              <a:buNone/>
-            </a:pPr>
-            <a:endParaRPr lang="en-US" altLang="en-US" sz="1833" dirty="0">
-              <a:solidFill>
-                <a:srgbClr val="000000"/>
-              </a:solidFill>
+                <a:hlinkClick r:id="rId2"/>
+              </a:rPr>
+              <a:t>http://www.processing.org</a:t>
+            </a:r>
+            <a:endParaRPr lang="en-US" altLang="en-US" sz="2167" dirty="0">
               <a:ea typeface="ＭＳ Ｐゴシック" panose="020B0600070205080204" pitchFamily="34" charset="-128"/>
             </a:endParaRPr>
           </a:p>
           <a:p>
             <a:pPr marL="0" indent="0">
-              <a:lnSpc>
-                <a:spcPct val="90000"/>
-              </a:lnSpc>
               <a:buNone/>
             </a:pPr>
-            <a:endParaRPr lang="en-US" altLang="en-US" sz="1833" dirty="0">
-              <a:solidFill>
-                <a:srgbClr val="000000"/>
-              </a:solidFill>
-              <a:ea typeface="ＭＳ Ｐゴシック" panose="020B0600070205080204" pitchFamily="34" charset="-128"/>
-            </a:endParaRPr>
-          </a:p>
-          <a:p>
-            <a:pPr marL="0" indent="0">
-              <a:lnSpc>
-                <a:spcPct val="90000"/>
-              </a:lnSpc>
-              <a:buNone/>
-            </a:pPr>
-            <a:endParaRPr lang="en-US" altLang="en-US" sz="1833" dirty="0">
-              <a:solidFill>
-                <a:srgbClr val="000000"/>
-              </a:solidFill>
+            <a:endParaRPr lang="en-US" altLang="en-US" sz="2167" dirty="0">
               <a:ea typeface="ＭＳ Ｐゴシック" panose="020B0600070205080204" pitchFamily="34" charset="-128"/>
             </a:endParaRPr>
           </a:p>
@@ -18601,571 +17157,7 @@
     </p:spTree>
     <p:extLst>
       <p:ext uri="{BB962C8B-B14F-4D97-AF65-F5344CB8AC3E}">
-        <p14:creationId xmlns:p14="http://schemas.microsoft.com/office/powerpoint/2010/main" val="1587565841"/>
-      </p:ext>
-    </p:extLst>
-  </p:cSld>
-  <p:clrMapOvr>
-    <a:masterClrMapping/>
-  </p:clrMapOvr>
-  <p:transition/>
-  <p:timing>
-    <p:tnLst>
-      <p:par>
-        <p:cTn id="1" dur="indefinite" restart="never" nodeType="tmRoot">
-          <p:childTnLst>
-            <p:seq concurrent="1" nextAc="seek">
-              <p:cTn id="2" dur="indefinite" nodeType="mainSeq">
-                <p:childTnLst>
-                  <p:par>
-                    <p:cTn id="3" fill="hold" nodeType="clickPar">
-                      <p:stCondLst>
-                        <p:cond delay="indefinite"/>
-                      </p:stCondLst>
-                      <p:childTnLst>
-                        <p:par>
-                          <p:cTn id="4" fill="hold" nodeType="withGroup">
-                            <p:stCondLst>
-                              <p:cond delay="0"/>
-                            </p:stCondLst>
-                            <p:childTnLst>
-                              <p:par>
-                                <p:cTn id="5" presetID="1" presetClass="entr" presetSubtype="0" fill="hold" nodeType="clickEffect">
-                                  <p:stCondLst>
-                                    <p:cond delay="0"/>
-                                  </p:stCondLst>
-                                  <p:childTnLst>
-                                    <p:set>
-                                      <p:cBhvr>
-                                        <p:cTn id="6" dur="1" fill="hold">
-                                          <p:stCondLst>
-                                            <p:cond delay="0"/>
-                                          </p:stCondLst>
-                                        </p:cTn>
-                                        <p:tgtEl>
-                                          <p:spTgt spid="62467">
-                                            <p:txEl>
-                                              <p:pRg st="3" end="3"/>
-                                            </p:txEl>
-                                          </p:spTgt>
-                                        </p:tgtEl>
-                                        <p:attrNameLst>
-                                          <p:attrName>style.visibility</p:attrName>
-                                        </p:attrNameLst>
-                                      </p:cBhvr>
-                                      <p:to>
-                                        <p:strVal val="visible"/>
-                                      </p:to>
-                                    </p:set>
-                                  </p:childTnLst>
-                                </p:cTn>
-                              </p:par>
-                            </p:childTnLst>
-                          </p:cTn>
-                        </p:par>
-                      </p:childTnLst>
-                    </p:cTn>
-                  </p:par>
-                  <p:par>
-                    <p:cTn id="7" fill="hold">
-                      <p:stCondLst>
-                        <p:cond delay="indefinite"/>
-                      </p:stCondLst>
-                      <p:childTnLst>
-                        <p:par>
-                          <p:cTn id="8" fill="hold">
-                            <p:stCondLst>
-                              <p:cond delay="0"/>
-                            </p:stCondLst>
-                            <p:childTnLst>
-                              <p:par>
-                                <p:cTn id="9" presetID="1" presetClass="entr" presetSubtype="0" fill="hold" nodeType="clickEffect">
-                                  <p:stCondLst>
-                                    <p:cond delay="0"/>
-                                  </p:stCondLst>
-                                  <p:childTnLst>
-                                    <p:set>
-                                      <p:cBhvr>
-                                        <p:cTn id="10" dur="1" fill="hold">
-                                          <p:stCondLst>
-                                            <p:cond delay="0"/>
-                                          </p:stCondLst>
-                                        </p:cTn>
-                                        <p:tgtEl>
-                                          <p:spTgt spid="62467">
-                                            <p:txEl>
-                                              <p:pRg st="5" end="5"/>
-                                            </p:txEl>
-                                          </p:spTgt>
-                                        </p:tgtEl>
-                                        <p:attrNameLst>
-                                          <p:attrName>style.visibility</p:attrName>
-                                        </p:attrNameLst>
-                                      </p:cBhvr>
-                                      <p:to>
-                                        <p:strVal val="visible"/>
-                                      </p:to>
-                                    </p:set>
-                                  </p:childTnLst>
-                                </p:cTn>
-                              </p:par>
-                            </p:childTnLst>
-                          </p:cTn>
-                        </p:par>
-                      </p:childTnLst>
-                    </p:cTn>
-                  </p:par>
-                  <p:par>
-                    <p:cTn id="11" fill="hold" nodeType="clickPar">
-                      <p:stCondLst>
-                        <p:cond delay="indefinite"/>
-                      </p:stCondLst>
-                      <p:childTnLst>
-                        <p:par>
-                          <p:cTn id="12" fill="hold" nodeType="withGroup">
-                            <p:stCondLst>
-                              <p:cond delay="0"/>
-                            </p:stCondLst>
-                            <p:childTnLst>
-                              <p:par>
-                                <p:cTn id="13" presetID="1" presetClass="entr" presetSubtype="0" fill="hold" nodeType="clickEffect">
-                                  <p:stCondLst>
-                                    <p:cond delay="0"/>
-                                  </p:stCondLst>
-                                  <p:childTnLst>
-                                    <p:set>
-                                      <p:cBhvr>
-                                        <p:cTn id="14" dur="1" fill="hold">
-                                          <p:stCondLst>
-                                            <p:cond delay="0"/>
-                                          </p:stCondLst>
-                                        </p:cTn>
-                                        <p:tgtEl>
-                                          <p:spTgt spid="62467">
-                                            <p:txEl>
-                                              <p:pRg st="7" end="7"/>
-                                            </p:txEl>
-                                          </p:spTgt>
-                                        </p:tgtEl>
-                                        <p:attrNameLst>
-                                          <p:attrName>style.visibility</p:attrName>
-                                        </p:attrNameLst>
-                                      </p:cBhvr>
-                                      <p:to>
-                                        <p:strVal val="visible"/>
-                                      </p:to>
-                                    </p:set>
-                                  </p:childTnLst>
-                                </p:cTn>
-                              </p:par>
-                            </p:childTnLst>
-                          </p:cTn>
-                        </p:par>
-                      </p:childTnLst>
-                    </p:cTn>
-                  </p:par>
-                </p:childTnLst>
-              </p:cTn>
-              <p:prevCondLst>
-                <p:cond evt="onPrev" delay="0">
-                  <p:tgtEl>
-                    <p:sldTgt/>
-                  </p:tgtEl>
-                </p:cond>
-              </p:prevCondLst>
-              <p:nextCondLst>
-                <p:cond evt="onNext" delay="0">
-                  <p:tgtEl>
-                    <p:sldTgt/>
-                  </p:tgtEl>
-                </p:cond>
-              </p:nextCondLst>
-            </p:seq>
-          </p:childTnLst>
-        </p:cTn>
-      </p:par>
-    </p:tnLst>
-  </p:timing>
-</p:sld>
-</file>
-
-<file path=ppt/slides/slide27.xml><?xml version="1.0" encoding="utf-8"?>
-<p:sld xmlns:a="http://schemas.openxmlformats.org/drawingml/2006/main" xmlns:r="http://schemas.openxmlformats.org/officeDocument/2006/relationships" xmlns:p="http://schemas.openxmlformats.org/presentationml/2006/main">
-  <p:cSld>
-    <p:spTree>
-      <p:nvGrpSpPr>
-        <p:cNvPr id="1" name=""/>
-        <p:cNvGrpSpPr/>
-        <p:nvPr/>
-      </p:nvGrpSpPr>
-      <p:grpSpPr>
-        <a:xfrm>
-          <a:off x="0" y="0"/>
-          <a:ext cx="0" cy="0"/>
-          <a:chOff x="0" y="0"/>
-          <a:chExt cx="0" cy="0"/>
-        </a:xfrm>
-      </p:grpSpPr>
-      <p:sp>
-        <p:nvSpPr>
-          <p:cNvPr id="26625" name="Rectangle 2">
-            <a:extLst>
-              <a:ext uri="{FF2B5EF4-FFF2-40B4-BE49-F238E27FC236}">
-                <a16:creationId xmlns:a16="http://schemas.microsoft.com/office/drawing/2014/main" id="{E8538034-A182-104C-85BB-4372385916AB}"/>
-              </a:ext>
-            </a:extLst>
-          </p:cNvPr>
-          <p:cNvSpPr>
-            <a:spLocks noGrp="1" noChangeArrowheads="1"/>
-          </p:cNvSpPr>
-          <p:nvPr>
-            <p:ph type="title" idx="4294967295"/>
-          </p:nvPr>
-        </p:nvSpPr>
-        <p:spPr>
-          <a:xfrm>
-            <a:off x="153994" y="129567"/>
-            <a:ext cx="6683765" cy="513180"/>
-          </a:xfrm>
-        </p:spPr>
-        <p:txBody>
-          <a:bodyPr vert="horz" lIns="0" tIns="45720" rIns="0" bIns="0" rtlCol="0" anchor="b">
-            <a:normAutofit/>
-          </a:bodyPr>
-          <a:lstStyle/>
-          <a:p>
-            <a:pPr eaLnBrk="1" hangingPunct="1"/>
-            <a:r>
-              <a:rPr lang="en-US" altLang="en-US" dirty="0">
-                <a:ea typeface="ＭＳ Ｐゴシック" panose="020B0600070205080204" pitchFamily="34" charset="-128"/>
-              </a:rPr>
-              <a:t>Processing: Mouse Events</a:t>
-            </a:r>
-          </a:p>
-        </p:txBody>
-      </p:sp>
-      <p:sp>
-        <p:nvSpPr>
-          <p:cNvPr id="26626" name="Rectangle 3">
-            <a:extLst>
-              <a:ext uri="{FF2B5EF4-FFF2-40B4-BE49-F238E27FC236}">
-                <a16:creationId xmlns:a16="http://schemas.microsoft.com/office/drawing/2014/main" id="{4D0361EB-D6AE-704D-8E7B-E027D54EA1C7}"/>
-              </a:ext>
-            </a:extLst>
-          </p:cNvPr>
-          <p:cNvSpPr>
-            <a:spLocks noGrp="1" noChangeArrowheads="1"/>
-          </p:cNvSpPr>
-          <p:nvPr>
-            <p:ph idx="4294967295"/>
-          </p:nvPr>
-        </p:nvSpPr>
-        <p:spPr>
-          <a:xfrm>
-            <a:off x="153994" y="771525"/>
-            <a:ext cx="8474465" cy="4650867"/>
-          </a:xfrm>
-        </p:spPr>
-        <p:txBody>
-          <a:bodyPr/>
-          <a:lstStyle/>
-          <a:p>
-            <a:pPr marL="0" indent="0">
-              <a:lnSpc>
-                <a:spcPct val="90000"/>
-              </a:lnSpc>
-              <a:buNone/>
-            </a:pPr>
-            <a:r>
-              <a:rPr lang="en-US" altLang="en-US" sz="1833" dirty="0">
-                <a:solidFill>
-                  <a:srgbClr val="000000"/>
-                </a:solidFill>
-                <a:ea typeface="ＭＳ Ｐゴシック" panose="020B0600070205080204" pitchFamily="34" charset="-128"/>
-              </a:rPr>
-              <a:t>Processing keeps track of the position of the mouse at any given time through the variables </a:t>
-            </a:r>
-            <a:r>
-              <a:rPr lang="en-US" altLang="en-US" sz="1833" dirty="0" err="1">
-                <a:solidFill>
-                  <a:srgbClr val="000000"/>
-                </a:solidFill>
-                <a:latin typeface="Courier New" panose="02070309020205020404" pitchFamily="49" charset="0"/>
-                <a:ea typeface="ＭＳ Ｐゴシック" panose="020B0600070205080204" pitchFamily="34" charset="-128"/>
-              </a:rPr>
-              <a:t>mouseX</a:t>
-            </a:r>
-            <a:r>
-              <a:rPr lang="en-US" altLang="en-US" sz="1833" dirty="0">
-                <a:solidFill>
-                  <a:srgbClr val="000000"/>
-                </a:solidFill>
-                <a:latin typeface="Courier New" panose="02070309020205020404" pitchFamily="49" charset="0"/>
-                <a:ea typeface="ＭＳ Ｐゴシック" panose="020B0600070205080204" pitchFamily="34" charset="-128"/>
-              </a:rPr>
-              <a:t>, </a:t>
-            </a:r>
-            <a:r>
-              <a:rPr lang="en-US" altLang="en-US" sz="1833" dirty="0" err="1">
-                <a:solidFill>
-                  <a:srgbClr val="000000"/>
-                </a:solidFill>
-                <a:latin typeface="Courier New" panose="02070309020205020404" pitchFamily="49" charset="0"/>
-                <a:ea typeface="ＭＳ Ｐゴシック" panose="020B0600070205080204" pitchFamily="34" charset="-128"/>
-              </a:rPr>
-              <a:t>mouseY</a:t>
-            </a:r>
-            <a:r>
-              <a:rPr lang="en-US" altLang="en-US" sz="1833" dirty="0">
-                <a:solidFill>
-                  <a:srgbClr val="000000"/>
-                </a:solidFill>
-                <a:latin typeface="Courier New" panose="02070309020205020404" pitchFamily="49" charset="0"/>
-                <a:ea typeface="ＭＳ Ｐゴシック" panose="020B0600070205080204" pitchFamily="34" charset="-128"/>
-              </a:rPr>
-              <a:t>. </a:t>
-            </a:r>
-          </a:p>
-          <a:p>
-            <a:pPr marL="0" indent="0">
-              <a:lnSpc>
-                <a:spcPct val="90000"/>
-              </a:lnSpc>
-              <a:buNone/>
-            </a:pPr>
-            <a:endParaRPr lang="en-US" altLang="en-US" sz="1833" dirty="0">
-              <a:solidFill>
-                <a:srgbClr val="000000"/>
-              </a:solidFill>
-              <a:latin typeface="Courier New" panose="02070309020205020404" pitchFamily="49" charset="0"/>
-              <a:ea typeface="ＭＳ Ｐゴシック" panose="020B0600070205080204" pitchFamily="34" charset="-128"/>
-            </a:endParaRPr>
-          </a:p>
-          <a:p>
-            <a:pPr marL="0" indent="0">
-              <a:lnSpc>
-                <a:spcPct val="90000"/>
-              </a:lnSpc>
-              <a:buNone/>
-            </a:pPr>
-            <a:r>
-              <a:rPr lang="en-US" altLang="en-US" sz="1833" dirty="0">
-                <a:solidFill>
-                  <a:srgbClr val="000000"/>
-                </a:solidFill>
-                <a:ea typeface="ＭＳ Ｐゴシック" panose="020B0600070205080204" pitchFamily="34" charset="-128"/>
-              </a:rPr>
-              <a:t>Similar to </a:t>
-            </a:r>
-            <a:r>
-              <a:rPr lang="en-US" altLang="en-US" sz="1833" dirty="0" err="1">
-                <a:solidFill>
-                  <a:srgbClr val="000000"/>
-                </a:solidFill>
-                <a:ea typeface="ＭＳ Ｐゴシック" panose="020B0600070205080204" pitchFamily="34" charset="-128"/>
-              </a:rPr>
-              <a:t>on_key_press</a:t>
-            </a:r>
-            <a:r>
-              <a:rPr lang="en-US" altLang="en-US" sz="1833" dirty="0">
-                <a:solidFill>
-                  <a:srgbClr val="000000"/>
-                </a:solidFill>
-                <a:ea typeface="ＭＳ Ｐゴシック" panose="020B0600070205080204" pitchFamily="34" charset="-128"/>
-              </a:rPr>
-              <a:t>, which responds to keyboard inputs, </a:t>
-            </a:r>
-            <a:r>
-              <a:rPr lang="en-US" altLang="en-US" sz="1833" dirty="0" err="1">
-                <a:solidFill>
-                  <a:srgbClr val="000000"/>
-                </a:solidFill>
-                <a:latin typeface="Courier New" panose="02070309020205020404" pitchFamily="49" charset="0"/>
-                <a:ea typeface="ＭＳ Ｐゴシック" panose="020B0600070205080204" pitchFamily="34" charset="-128"/>
-              </a:rPr>
-              <a:t>on_mouse_press</a:t>
-            </a:r>
-            <a:r>
-              <a:rPr lang="en-US" altLang="en-US" sz="1833" dirty="0">
-                <a:solidFill>
-                  <a:srgbClr val="000000"/>
-                </a:solidFill>
-                <a:ea typeface="ＭＳ Ｐゴシック" panose="020B0600070205080204" pitchFamily="34" charset="-128"/>
-              </a:rPr>
-              <a:t> is a function that can be implemented to respond to the mouse being pressed. Similarly for </a:t>
-            </a:r>
-            <a:r>
-              <a:rPr lang="en-US" altLang="en-US" sz="1833" dirty="0" err="1">
-                <a:solidFill>
-                  <a:srgbClr val="000000"/>
-                </a:solidFill>
-                <a:ea typeface="ＭＳ Ｐゴシック" panose="020B0600070205080204" pitchFamily="34" charset="-128"/>
-              </a:rPr>
-              <a:t>on_key_release</a:t>
-            </a:r>
-            <a:r>
-              <a:rPr lang="en-US" altLang="en-US" sz="1833" dirty="0">
-                <a:solidFill>
-                  <a:srgbClr val="000000"/>
-                </a:solidFill>
-                <a:ea typeface="ＭＳ Ｐゴシック" panose="020B0600070205080204" pitchFamily="34" charset="-128"/>
-              </a:rPr>
-              <a:t>.</a:t>
-            </a:r>
-          </a:p>
-          <a:p>
-            <a:pPr marL="0" indent="0">
-              <a:lnSpc>
-                <a:spcPct val="90000"/>
-              </a:lnSpc>
-              <a:buNone/>
-            </a:pPr>
-            <a:endParaRPr lang="en-US" altLang="en-US" sz="1833" dirty="0">
-              <a:solidFill>
-                <a:srgbClr val="000000"/>
-              </a:solidFill>
-              <a:ea typeface="ＭＳ Ｐゴシック" panose="020B0600070205080204" pitchFamily="34" charset="-128"/>
-            </a:endParaRPr>
-          </a:p>
-          <a:p>
-            <a:pPr marL="0" indent="0">
-              <a:buNone/>
-            </a:pPr>
-            <a:r>
-              <a:rPr lang="en-US" altLang="en-US" sz="1833" dirty="0">
-                <a:solidFill>
-                  <a:srgbClr val="000000"/>
-                </a:solidFill>
-                <a:latin typeface="Courier New" panose="02070309020205020404" pitchFamily="49" charset="0"/>
-                <a:ea typeface="ＭＳ Ｐゴシック" panose="020B0600070205080204" pitchFamily="34" charset="-128"/>
-                <a:cs typeface="Courier New" panose="02070309020205020404" pitchFamily="49" charset="0"/>
-              </a:rPr>
-              <a:t>def </a:t>
-            </a:r>
-            <a:r>
-              <a:rPr lang="en-US" altLang="en-US" sz="1833" dirty="0" err="1">
-                <a:solidFill>
-                  <a:srgbClr val="000000"/>
-                </a:solidFill>
-                <a:latin typeface="Courier New" panose="02070309020205020404" pitchFamily="49" charset="0"/>
-                <a:ea typeface="ＭＳ Ｐゴシック" panose="020B0600070205080204" pitchFamily="34" charset="-128"/>
-                <a:cs typeface="Courier New" panose="02070309020205020404" pitchFamily="49" charset="0"/>
-              </a:rPr>
-              <a:t>on_mouse_press</a:t>
-            </a:r>
-            <a:r>
-              <a:rPr lang="en-US" altLang="en-US" sz="1833" dirty="0">
-                <a:solidFill>
-                  <a:srgbClr val="000000"/>
-                </a:solidFill>
-                <a:latin typeface="Courier New" panose="02070309020205020404" pitchFamily="49" charset="0"/>
-                <a:ea typeface="ＭＳ Ｐゴシック" panose="020B0600070205080204" pitchFamily="34" charset="-128"/>
-                <a:cs typeface="Courier New" panose="02070309020205020404" pitchFamily="49" charset="0"/>
-              </a:rPr>
-              <a:t>(self, x, y, button)</a:t>
-            </a:r>
-            <a:r>
-              <a:rPr lang="en-US" altLang="en-US" sz="1833" dirty="0">
-                <a:solidFill>
-                  <a:srgbClr val="000000"/>
-                </a:solidFill>
-                <a:ea typeface="ＭＳ Ｐゴシック" panose="020B0600070205080204" pitchFamily="34" charset="-128"/>
-              </a:rPr>
-              <a:t>: x, y location of the mouse; button: LEFT, RIGHT, CENTER</a:t>
-            </a:r>
-          </a:p>
-          <a:p>
-            <a:pPr marL="0" indent="0">
-              <a:buNone/>
-            </a:pPr>
-            <a:endParaRPr lang="en-US" altLang="en-US" sz="1833" dirty="0">
-              <a:solidFill>
-                <a:srgbClr val="000000"/>
-              </a:solidFill>
-              <a:ea typeface="ＭＳ Ｐゴシック" panose="020B0600070205080204" pitchFamily="34" charset="-128"/>
-            </a:endParaRPr>
-          </a:p>
-          <a:p>
-            <a:pPr marL="0" indent="0">
-              <a:buNone/>
-            </a:pPr>
-            <a:r>
-              <a:rPr lang="en-US" altLang="en-US" sz="1833" dirty="0">
-                <a:solidFill>
-                  <a:srgbClr val="000000"/>
-                </a:solidFill>
-                <a:latin typeface="Courier New" panose="02070309020205020404" pitchFamily="49" charset="0"/>
-                <a:ea typeface="ＭＳ Ｐゴシック" panose="020B0600070205080204" pitchFamily="34" charset="-128"/>
-                <a:cs typeface="Courier New" panose="02070309020205020404" pitchFamily="49" charset="0"/>
-              </a:rPr>
-              <a:t>def </a:t>
-            </a:r>
-            <a:r>
-              <a:rPr lang="en-US" altLang="en-US" sz="1833" dirty="0" err="1">
-                <a:solidFill>
-                  <a:srgbClr val="000000"/>
-                </a:solidFill>
-                <a:latin typeface="Courier New" panose="02070309020205020404" pitchFamily="49" charset="0"/>
-                <a:ea typeface="ＭＳ Ｐゴシック" panose="020B0600070205080204" pitchFamily="34" charset="-128"/>
-                <a:cs typeface="Courier New" panose="02070309020205020404" pitchFamily="49" charset="0"/>
-              </a:rPr>
-              <a:t>on_mouse_release</a:t>
-            </a:r>
-            <a:r>
-              <a:rPr lang="en-US" altLang="en-US" sz="1833" dirty="0">
-                <a:solidFill>
-                  <a:srgbClr val="000000"/>
-                </a:solidFill>
-                <a:latin typeface="Courier New" panose="02070309020205020404" pitchFamily="49" charset="0"/>
-                <a:ea typeface="ＭＳ Ｐゴシック" panose="020B0600070205080204" pitchFamily="34" charset="-128"/>
-                <a:cs typeface="Courier New" panose="02070309020205020404" pitchFamily="49" charset="0"/>
-              </a:rPr>
-              <a:t>(self, x, y, button)</a:t>
-            </a:r>
-            <a:r>
-              <a:rPr lang="en-US" altLang="en-US" sz="1833" dirty="0">
-                <a:solidFill>
-                  <a:srgbClr val="000000"/>
-                </a:solidFill>
-                <a:ea typeface="ＭＳ Ｐゴシック" panose="020B0600070205080204" pitchFamily="34" charset="-128"/>
-              </a:rPr>
-              <a:t>: x, y location of the mouse; button: LEFT, RIGHT, CENTER</a:t>
-            </a:r>
-          </a:p>
-          <a:p>
-            <a:pPr marL="0" indent="0">
-              <a:buNone/>
-            </a:pPr>
-            <a:r>
-              <a:rPr lang="en-US" altLang="en-US" sz="1833" dirty="0">
-                <a:solidFill>
-                  <a:srgbClr val="000000"/>
-                </a:solidFill>
-                <a:ea typeface="ＭＳ Ｐゴシック" panose="020B0600070205080204" pitchFamily="34" charset="-128"/>
-              </a:rPr>
-              <a:t>    </a:t>
-            </a:r>
-          </a:p>
-          <a:p>
-            <a:pPr marL="0" indent="0">
-              <a:lnSpc>
-                <a:spcPct val="90000"/>
-              </a:lnSpc>
-              <a:buNone/>
-            </a:pPr>
-            <a:endParaRPr lang="en-US" altLang="en-US" sz="1833" dirty="0">
-              <a:solidFill>
-                <a:srgbClr val="000000"/>
-              </a:solidFill>
-              <a:ea typeface="ＭＳ Ｐゴシック" panose="020B0600070205080204" pitchFamily="34" charset="-128"/>
-            </a:endParaRPr>
-          </a:p>
-        </p:txBody>
-      </p:sp>
-    </p:spTree>
-    <p:extLst>
-      <p:ext uri="{BB962C8B-B14F-4D97-AF65-F5344CB8AC3E}">
-        <p14:creationId xmlns:p14="http://schemas.microsoft.com/office/powerpoint/2010/main" val="3477128042"/>
+        <p14:creationId xmlns:p14="http://schemas.microsoft.com/office/powerpoint/2010/main" val="4104989124"/>
       </p:ext>
     </p:extLst>
   </p:cSld>
@@ -19176,426 +17168,7 @@
 </p:sld>
 </file>
 
-<file path=ppt/slides/slide28.xml><?xml version="1.0" encoding="utf-8"?>
-<p:sld xmlns:a="http://schemas.openxmlformats.org/drawingml/2006/main" xmlns:r="http://schemas.openxmlformats.org/officeDocument/2006/relationships" xmlns:p="http://schemas.openxmlformats.org/presentationml/2006/main">
-  <p:cSld>
-    <p:spTree>
-      <p:nvGrpSpPr>
-        <p:cNvPr id="1" name=""/>
-        <p:cNvGrpSpPr/>
-        <p:nvPr/>
-      </p:nvGrpSpPr>
-      <p:grpSpPr>
-        <a:xfrm>
-          <a:off x="0" y="0"/>
-          <a:ext cx="0" cy="0"/>
-          <a:chOff x="0" y="0"/>
-          <a:chExt cx="0" cy="0"/>
-        </a:xfrm>
-      </p:grpSpPr>
-      <p:sp>
-        <p:nvSpPr>
-          <p:cNvPr id="30721" name="Rectangle 2">
-            <a:extLst>
-              <a:ext uri="{FF2B5EF4-FFF2-40B4-BE49-F238E27FC236}">
-                <a16:creationId xmlns:a16="http://schemas.microsoft.com/office/drawing/2014/main" id="{378752EF-A47C-2F42-B800-CF9B206624FE}"/>
-              </a:ext>
-            </a:extLst>
-          </p:cNvPr>
-          <p:cNvSpPr>
-            <a:spLocks noGrp="1" noChangeArrowheads="1"/>
-          </p:cNvSpPr>
-          <p:nvPr>
-            <p:ph type="title" idx="4294967295"/>
-          </p:nvPr>
-        </p:nvSpPr>
-        <p:spPr>
-          <a:xfrm>
-            <a:off x="163519" y="177192"/>
-            <a:ext cx="6683765" cy="622908"/>
-          </a:xfrm>
-        </p:spPr>
-        <p:txBody>
-          <a:bodyPr vert="horz" lIns="0" tIns="45720" rIns="0" bIns="0" rtlCol="0" anchor="b">
-            <a:normAutofit/>
-          </a:bodyPr>
-          <a:lstStyle/>
-          <a:p>
-            <a:pPr eaLnBrk="1" hangingPunct="1"/>
-            <a:r>
-              <a:rPr lang="en-US" altLang="en-US" dirty="0" err="1">
-                <a:ea typeface="ＭＳ Ｐゴシック" panose="020B0600070205080204" pitchFamily="34" charset="-128"/>
-              </a:rPr>
-              <a:t>mouseX</a:t>
-            </a:r>
-            <a:r>
-              <a:rPr lang="en-US" altLang="en-US" dirty="0">
-                <a:ea typeface="ＭＳ Ｐゴシック" panose="020B0600070205080204" pitchFamily="34" charset="-128"/>
-              </a:rPr>
-              <a:t>, </a:t>
-            </a:r>
-            <a:r>
-              <a:rPr lang="en-US" altLang="en-US" dirty="0" err="1">
-                <a:ea typeface="ＭＳ Ｐゴシック" panose="020B0600070205080204" pitchFamily="34" charset="-128"/>
-              </a:rPr>
-              <a:t>mouseY</a:t>
-            </a:r>
-            <a:endParaRPr lang="en-US" altLang="en-US" dirty="0">
-              <a:ea typeface="ＭＳ Ｐゴシック" panose="020B0600070205080204" pitchFamily="34" charset="-128"/>
-            </a:endParaRPr>
-          </a:p>
-        </p:txBody>
-      </p:sp>
-      <p:sp>
-        <p:nvSpPr>
-          <p:cNvPr id="30722" name="Rectangle 3">
-            <a:extLst>
-              <a:ext uri="{FF2B5EF4-FFF2-40B4-BE49-F238E27FC236}">
-                <a16:creationId xmlns:a16="http://schemas.microsoft.com/office/drawing/2014/main" id="{C70E3A34-0037-734F-81D6-0339361ED841}"/>
-              </a:ext>
-            </a:extLst>
-          </p:cNvPr>
-          <p:cNvSpPr>
-            <a:spLocks noGrp="1" noChangeArrowheads="1"/>
-          </p:cNvSpPr>
-          <p:nvPr>
-            <p:ph idx="4294967295"/>
-          </p:nvPr>
-        </p:nvSpPr>
-        <p:spPr>
-          <a:xfrm>
-            <a:off x="163518" y="971550"/>
-            <a:ext cx="8732831" cy="4448175"/>
-          </a:xfrm>
-        </p:spPr>
-        <p:txBody>
-          <a:bodyPr/>
-          <a:lstStyle/>
-          <a:p>
-            <a:pPr marL="0" indent="0">
-              <a:buNone/>
-            </a:pPr>
-            <a:r>
-              <a:rPr lang="en-US" altLang="en-US" sz="1700" dirty="0" err="1">
-                <a:ea typeface="ＭＳ Ｐゴシック" panose="020B0600070205080204" pitchFamily="34" charset="-128"/>
-              </a:rPr>
-              <a:t>mouseX</a:t>
-            </a:r>
-            <a:r>
-              <a:rPr lang="en-US" altLang="en-US" sz="1700" dirty="0">
-                <a:ea typeface="ＭＳ Ｐゴシック" panose="020B0600070205080204" pitchFamily="34" charset="-128"/>
-              </a:rPr>
-              <a:t> and </a:t>
-            </a:r>
-            <a:r>
-              <a:rPr lang="en-US" altLang="en-US" sz="1700" dirty="0" err="1">
-                <a:ea typeface="ＭＳ Ｐゴシック" panose="020B0600070205080204" pitchFamily="34" charset="-128"/>
-              </a:rPr>
-              <a:t>mouseY</a:t>
-            </a:r>
-            <a:r>
-              <a:rPr lang="en-US" altLang="en-US" sz="1700" dirty="0">
-                <a:ea typeface="ＭＳ Ｐゴシック" panose="020B0600070205080204" pitchFamily="34" charset="-128"/>
-              </a:rPr>
-              <a:t> are variables that keep track of the position of the mouse. </a:t>
-            </a:r>
-          </a:p>
-          <a:p>
-            <a:pPr marL="0" indent="0">
-              <a:buNone/>
-            </a:pPr>
-            <a:endParaRPr lang="en-US" altLang="en-US" sz="1700" dirty="0">
-              <a:ea typeface="ＭＳ Ｐゴシック" panose="020B0600070205080204" pitchFamily="34" charset="-128"/>
-            </a:endParaRPr>
-          </a:p>
-          <a:p>
-            <a:pPr marL="0" indent="0">
-              <a:buNone/>
-            </a:pPr>
-            <a:r>
-              <a:rPr lang="en-US" altLang="en-US" sz="1700" dirty="0">
-                <a:ea typeface="ＭＳ Ｐゴシック" panose="020B0600070205080204" pitchFamily="34" charset="-128"/>
-              </a:rPr>
-              <a:t>What does the following simple program do?</a:t>
-            </a:r>
-            <a:endParaRPr lang="en-US" altLang="en-US" sz="1600" dirty="0">
-              <a:latin typeface="INCONSOLATA" panose="020B0609030003000000" pitchFamily="49" charset="77"/>
-              <a:ea typeface="ＭＳ Ｐゴシック" panose="020B0600070205080204" pitchFamily="34" charset="-128"/>
-            </a:endParaRPr>
-          </a:p>
-          <a:p>
-            <a:pPr marL="0" indent="0">
-              <a:buNone/>
-            </a:pPr>
-            <a:r>
-              <a:rPr lang="en-US" altLang="en-US" sz="1600" dirty="0">
-                <a:latin typeface="INCONSOLATA" panose="020B0609030003000000" pitchFamily="49" charset="77"/>
-                <a:ea typeface="ＭＳ Ｐゴシック" panose="020B0600070205080204" pitchFamily="34" charset="-128"/>
-              </a:rPr>
-              <a:t>class Window:    </a:t>
-            </a:r>
-          </a:p>
-          <a:p>
-            <a:pPr marL="0" indent="0">
-              <a:buNone/>
-            </a:pPr>
-            <a:r>
-              <a:rPr lang="en-US" altLang="en-US" sz="1600" dirty="0">
-                <a:latin typeface="INCONSOLATA" panose="020B0609030003000000" pitchFamily="49" charset="77"/>
-                <a:ea typeface="ＭＳ Ｐゴシック" panose="020B0600070205080204" pitchFamily="34" charset="-128"/>
-              </a:rPr>
-              <a:t>    def __</a:t>
-            </a:r>
-            <a:r>
-              <a:rPr lang="en-US" altLang="en-US" sz="1600" dirty="0" err="1">
-                <a:latin typeface="INCONSOLATA" panose="020B0609030003000000" pitchFamily="49" charset="77"/>
-                <a:ea typeface="ＭＳ Ｐゴシック" panose="020B0600070205080204" pitchFamily="34" charset="-128"/>
-              </a:rPr>
-              <a:t>init</a:t>
-            </a:r>
-            <a:r>
-              <a:rPr lang="en-US" altLang="en-US" sz="1600" dirty="0">
-                <a:latin typeface="INCONSOLATA" panose="020B0609030003000000" pitchFamily="49" charset="77"/>
-                <a:ea typeface="ＭＳ Ｐゴシック" panose="020B0600070205080204" pitchFamily="34" charset="-128"/>
-              </a:rPr>
-              <a:t>__(self):</a:t>
-            </a:r>
-          </a:p>
-          <a:p>
-            <a:pPr marL="0" indent="0">
-              <a:buNone/>
-            </a:pPr>
-            <a:r>
-              <a:rPr lang="en-US" altLang="en-US" sz="1600" dirty="0">
-                <a:latin typeface="INCONSOLATA" panose="020B0609030003000000" pitchFamily="49" charset="77"/>
-                <a:ea typeface="ＭＳ Ｐゴシック" panose="020B0600070205080204" pitchFamily="34" charset="-128"/>
-              </a:rPr>
-              <a:t>		""" Declare/initialize all variables here."""</a:t>
-            </a:r>
-          </a:p>
-          <a:p>
-            <a:pPr marL="0" indent="0">
-              <a:buNone/>
-            </a:pPr>
-            <a:r>
-              <a:rPr lang="en-US" altLang="en-US" sz="1600" dirty="0">
-                <a:latin typeface="INCONSOLATA" panose="020B0609030003000000" pitchFamily="49" charset="77"/>
-                <a:ea typeface="ＭＳ Ｐゴシック" panose="020B0600070205080204" pitchFamily="34" charset="-128"/>
-              </a:rPr>
-              <a:t>	   pass</a:t>
-            </a:r>
-          </a:p>
-          <a:p>
-            <a:pPr marL="0" indent="0">
-              <a:buNone/>
-            </a:pPr>
-            <a:r>
-              <a:rPr lang="en-US" altLang="en-US" sz="1600" dirty="0">
-                <a:latin typeface="INCONSOLATA" panose="020B0609030003000000" pitchFamily="49" charset="77"/>
-                <a:ea typeface="ＭＳ Ｐゴシック" panose="020B0600070205080204" pitchFamily="34" charset="-128"/>
-              </a:rPr>
-              <a:t>    def </a:t>
-            </a:r>
-            <a:r>
-              <a:rPr lang="en-US" altLang="en-US" sz="1600" dirty="0" err="1">
-                <a:latin typeface="INCONSOLATA" panose="020B0609030003000000" pitchFamily="49" charset="77"/>
-                <a:ea typeface="ＭＳ Ｐゴシック" panose="020B0600070205080204" pitchFamily="34" charset="-128"/>
-              </a:rPr>
-              <a:t>on_draw</a:t>
-            </a:r>
-            <a:r>
-              <a:rPr lang="en-US" altLang="en-US" sz="1600" dirty="0">
-                <a:latin typeface="INCONSOLATA" panose="020B0609030003000000" pitchFamily="49" charset="77"/>
-                <a:ea typeface="ＭＳ Ｐゴシック" panose="020B0600070205080204" pitchFamily="34" charset="-128"/>
-              </a:rPr>
-              <a:t>(self):</a:t>
-            </a:r>
-          </a:p>
-          <a:p>
-            <a:pPr marL="0" indent="0">
-              <a:buNone/>
-            </a:pPr>
-            <a:r>
-              <a:rPr lang="en-US" altLang="en-US" sz="1600" dirty="0">
-                <a:latin typeface="INCONSOLATA" panose="020B0609030003000000" pitchFamily="49" charset="77"/>
-                <a:ea typeface="ＭＳ Ｐゴシック" panose="020B0600070205080204" pitchFamily="34" charset="-128"/>
-              </a:rPr>
-              <a:t>        """ Called automatically 60 times a second to draw all objects. </a:t>
-            </a:r>
-          </a:p>
-          <a:p>
-            <a:pPr marL="0" indent="0">
-              <a:buNone/>
-            </a:pPr>
-            <a:r>
-              <a:rPr lang="en-US" altLang="en-US" sz="1600" dirty="0">
-                <a:solidFill>
-                  <a:schemeClr val="accent1"/>
-                </a:solidFill>
-                <a:latin typeface="INCONSOLATA" panose="020B0609030003000000" pitchFamily="49" charset="77"/>
-                <a:ea typeface="ＭＳ Ｐゴシック" panose="020B0600070205080204" pitchFamily="34" charset="-128"/>
-              </a:rPr>
-              <a:t>        # draw red circle at (20, 25) diameter = 300 pixels</a:t>
-            </a:r>
-          </a:p>
-          <a:p>
-            <a:pPr marL="0" indent="0">
-              <a:buNone/>
-            </a:pPr>
-            <a:r>
-              <a:rPr lang="en-US" altLang="en-US" sz="1600" dirty="0">
-                <a:latin typeface="INCONSOLATA" panose="020B0609030003000000" pitchFamily="49" charset="77"/>
-                <a:ea typeface="ＭＳ Ｐゴシック" panose="020B0600070205080204" pitchFamily="34" charset="-128"/>
-              </a:rPr>
-              <a:t>	   fill(255, 0, 0) </a:t>
-            </a:r>
-            <a:endParaRPr lang="en-US" altLang="en-US" sz="1600" dirty="0">
-              <a:solidFill>
-                <a:srgbClr val="FF0000"/>
-              </a:solidFill>
-              <a:latin typeface="INCONSOLATA" panose="020B0609030003000000" pitchFamily="49" charset="77"/>
-              <a:ea typeface="ＭＳ Ｐゴシック" panose="020B0600070205080204" pitchFamily="34" charset="-128"/>
-            </a:endParaRPr>
-          </a:p>
-          <a:p>
-            <a:pPr marL="0" indent="0">
-              <a:buNone/>
-            </a:pPr>
-            <a:r>
-              <a:rPr lang="en-US" altLang="en-US" sz="1600" dirty="0">
-                <a:latin typeface="INCONSOLATA" panose="020B0609030003000000" pitchFamily="49" charset="77"/>
-                <a:ea typeface="ＭＳ Ｐゴシック" panose="020B0600070205080204" pitchFamily="34" charset="-128"/>
-              </a:rPr>
-              <a:t>          ellipse(</a:t>
-            </a:r>
-            <a:r>
-              <a:rPr lang="en-US" altLang="en-US" sz="1600" dirty="0" err="1">
-                <a:solidFill>
-                  <a:srgbClr val="FF0000"/>
-                </a:solidFill>
-                <a:latin typeface="INCONSOLATA" panose="020B0609030003000000" pitchFamily="49" charset="77"/>
-                <a:ea typeface="ＭＳ Ｐゴシック" panose="020B0600070205080204" pitchFamily="34" charset="-128"/>
-              </a:rPr>
-              <a:t>mouseX</a:t>
-            </a:r>
-            <a:r>
-              <a:rPr lang="en-US" altLang="en-US" sz="1600" dirty="0">
-                <a:latin typeface="INCONSOLATA" panose="020B0609030003000000" pitchFamily="49" charset="77"/>
-                <a:ea typeface="ＭＳ Ｐゴシック" panose="020B0600070205080204" pitchFamily="34" charset="-128"/>
-              </a:rPr>
-              <a:t>, </a:t>
-            </a:r>
-            <a:r>
-              <a:rPr lang="en-US" altLang="en-US" sz="1600" dirty="0" err="1">
-                <a:solidFill>
-                  <a:srgbClr val="FF0000"/>
-                </a:solidFill>
-                <a:latin typeface="INCONSOLATA" panose="020B0609030003000000" pitchFamily="49" charset="77"/>
-                <a:ea typeface="ＭＳ Ｐゴシック" panose="020B0600070205080204" pitchFamily="34" charset="-128"/>
-              </a:rPr>
-              <a:t>mouseY</a:t>
-            </a:r>
-            <a:r>
-              <a:rPr lang="en-US" altLang="en-US" sz="1600" dirty="0">
-                <a:latin typeface="INCONSOLATA" panose="020B0609030003000000" pitchFamily="49" charset="77"/>
-                <a:ea typeface="ＭＳ Ｐゴシック" panose="020B0600070205080204" pitchFamily="34" charset="-128"/>
-              </a:rPr>
-              <a:t>, 100, 100) </a:t>
-            </a:r>
-          </a:p>
-          <a:p>
-            <a:pPr marL="0" indent="0">
-              <a:buNone/>
-            </a:pPr>
-            <a:r>
-              <a:rPr lang="en-US" altLang="en-US" sz="1600" dirty="0">
-                <a:latin typeface="INCONSOLATA" panose="020B0609030003000000" pitchFamily="49" charset="77"/>
-                <a:ea typeface="ＭＳ Ｐゴシック" panose="020B0600070205080204" pitchFamily="34" charset="-128"/>
-              </a:rPr>
-              <a:t>    def </a:t>
-            </a:r>
-            <a:r>
-              <a:rPr lang="en-US" altLang="en-US" sz="1600" dirty="0" err="1">
-                <a:latin typeface="INCONSOLATA" panose="020B0609030003000000" pitchFamily="49" charset="77"/>
-                <a:ea typeface="ＭＳ Ｐゴシック" panose="020B0600070205080204" pitchFamily="34" charset="-128"/>
-              </a:rPr>
-              <a:t>on_update</a:t>
-            </a:r>
-            <a:r>
-              <a:rPr lang="en-US" altLang="en-US" sz="1600" dirty="0">
-                <a:latin typeface="INCONSOLATA" panose="020B0609030003000000" pitchFamily="49" charset="77"/>
-                <a:ea typeface="ＭＳ Ｐゴシック" panose="020B0600070205080204" pitchFamily="34" charset="-128"/>
-              </a:rPr>
-              <a:t>(self):</a:t>
-            </a:r>
-          </a:p>
-          <a:p>
-            <a:pPr marL="0" indent="0">
-              <a:buNone/>
-            </a:pPr>
-            <a:r>
-              <a:rPr lang="en-US" altLang="en-US" sz="1600" dirty="0">
-                <a:latin typeface="INCONSOLATA" panose="020B0609030003000000" pitchFamily="49" charset="77"/>
-                <a:ea typeface="ＭＳ Ｐゴシック" panose="020B0600070205080204" pitchFamily="34" charset="-128"/>
-              </a:rPr>
-              <a:t>         pass</a:t>
-            </a:r>
-          </a:p>
-          <a:p>
-            <a:pPr marL="0" indent="0">
-              <a:buNone/>
-            </a:pPr>
-            <a:r>
-              <a:rPr lang="en-US" altLang="en-US" sz="1600" dirty="0">
-                <a:latin typeface="INCONSOLATA" panose="020B0609030003000000" pitchFamily="49" charset="77"/>
-                <a:ea typeface="ＭＳ Ｐゴシック" panose="020B0600070205080204" pitchFamily="34" charset="-128"/>
-              </a:rPr>
-              <a:t>        </a:t>
-            </a:r>
-          </a:p>
-          <a:p>
-            <a:pPr marL="0" indent="0">
-              <a:buNone/>
-            </a:pPr>
-            <a:endParaRPr lang="en-US" altLang="en-US" sz="1600" dirty="0">
-              <a:latin typeface="INCONSOLATA" panose="020B0609030003000000" pitchFamily="49" charset="77"/>
-              <a:ea typeface="ＭＳ Ｐゴシック" panose="020B0600070205080204" pitchFamily="34" charset="-128"/>
-            </a:endParaRPr>
-          </a:p>
-          <a:p>
-            <a:pPr marL="0" indent="0">
-              <a:buNone/>
-            </a:pPr>
-            <a:r>
-              <a:rPr lang="en-US" altLang="en-US" sz="1700" dirty="0">
-                <a:ea typeface="ＭＳ Ｐゴシック" panose="020B0600070205080204" pitchFamily="34" charset="-128"/>
-              </a:rPr>
-              <a:t> </a:t>
-            </a:r>
-          </a:p>
-          <a:p>
-            <a:pPr marL="227533" indent="-227533"/>
-            <a:endParaRPr lang="en-US" altLang="en-US" sz="1700" dirty="0">
-              <a:ea typeface="ＭＳ Ｐゴシック" panose="020B0600070205080204" pitchFamily="34" charset="-128"/>
-            </a:endParaRPr>
-          </a:p>
-        </p:txBody>
-      </p:sp>
-    </p:spTree>
-    <p:extLst>
-      <p:ext uri="{BB962C8B-B14F-4D97-AF65-F5344CB8AC3E}">
-        <p14:creationId xmlns:p14="http://schemas.microsoft.com/office/powerpoint/2010/main" val="1316208775"/>
-      </p:ext>
-    </p:extLst>
-  </p:cSld>
-  <p:clrMapOvr>
-    <a:masterClrMapping/>
-  </p:clrMapOvr>
-  <p:transition/>
-</p:sld>
-</file>
-
-<file path=ppt/slides/slide29.xml><?xml version="1.0" encoding="utf-8"?>
+<file path=ppt/slides/slide27.xml><?xml version="1.0" encoding="utf-8"?>
 <p:sld xmlns:a="http://schemas.openxmlformats.org/drawingml/2006/main" xmlns:r="http://schemas.openxmlformats.org/officeDocument/2006/relationships" xmlns:p="http://schemas.openxmlformats.org/presentationml/2006/main">
   <p:cSld>
     <p:spTree>
@@ -19640,10 +17213,10 @@
           <a:p>
             <a:pPr eaLnBrk="1" hangingPunct="1"/>
             <a:r>
-              <a:rPr lang="en-US" altLang="en-US">
+              <a:rPr lang="en-US" altLang="en-US" dirty="0">
                 <a:ea typeface="ＭＳ Ｐゴシック" panose="020B0600070205080204" pitchFamily="34" charset="-128"/>
               </a:rPr>
-              <a:t>Download Processing</a:t>
+              <a:t>List of Sprite Objects Lab</a:t>
             </a:r>
           </a:p>
         </p:txBody>
@@ -19677,6 +17250,188 @@
             <a:pPr marL="0" indent="0">
               <a:buNone/>
             </a:pPr>
+            <a:r>
+              <a:rPr lang="en-US" altLang="en-US" sz="1800" dirty="0">
+                <a:solidFill>
+                  <a:srgbClr val="000000"/>
+                </a:solidFill>
+                <a:ea typeface="ＭＳ Ｐゴシック" panose="020B0600070205080204" pitchFamily="34" charset="-128"/>
+              </a:rPr>
+              <a:t>Download the zip file that contains a starter's template code for processing on our course website </a:t>
+            </a:r>
+            <a:r>
+              <a:rPr lang="en-US" altLang="en-US" sz="1800" dirty="0">
+                <a:solidFill>
+                  <a:srgbClr val="FF0000"/>
+                </a:solidFill>
+                <a:ea typeface="ＭＳ Ｐゴシック" panose="020B0600070205080204" pitchFamily="34" charset="-128"/>
+                <a:hlinkClick r:id="rId2"/>
+              </a:rPr>
+              <a:t>here</a:t>
+            </a:r>
+            <a:r>
+              <a:rPr lang="en-US" altLang="en-US" sz="1800" dirty="0">
+                <a:solidFill>
+                  <a:srgbClr val="000000"/>
+                </a:solidFill>
+                <a:ea typeface="ＭＳ Ｐゴシック" panose="020B0600070205080204" pitchFamily="34" charset="-128"/>
+              </a:rPr>
+              <a:t>.</a:t>
+            </a:r>
+          </a:p>
+          <a:p>
+            <a:pPr marL="0" indent="0">
+              <a:buNone/>
+            </a:pPr>
+            <a:endParaRPr lang="en-US" sz="1800" dirty="0">
+              <a:solidFill>
+                <a:srgbClr val="000000"/>
+              </a:solidFill>
+              <a:ea typeface="ＭＳ Ｐゴシック" panose="020B0600070205080204" pitchFamily="34" charset="-128"/>
+            </a:endParaRPr>
+          </a:p>
+          <a:p>
+            <a:pPr marL="0" indent="0">
+              <a:buNone/>
+            </a:pPr>
+            <a:r>
+              <a:rPr lang="en-US" sz="1800" dirty="0">
+                <a:solidFill>
+                  <a:srgbClr val="000000"/>
+                </a:solidFill>
+                <a:ea typeface="ＭＳ Ｐゴシック" panose="020B0600070205080204" pitchFamily="34" charset="-128"/>
+              </a:rPr>
+              <a:t>Do the following:</a:t>
+            </a:r>
+          </a:p>
+          <a:p>
+            <a:pPr marL="342900" indent="-342900">
+              <a:buAutoNum type="arabicParenR"/>
+            </a:pPr>
+            <a:r>
+              <a:rPr lang="en-US" sz="1800" dirty="0">
+                <a:solidFill>
+                  <a:srgbClr val="000000"/>
+                </a:solidFill>
+                <a:ea typeface="ＭＳ Ｐゴシック" panose="020B0600070205080204" pitchFamily="34" charset="-128"/>
+              </a:rPr>
+              <a:t>Declare, initialize a sprite object using the image "</a:t>
+            </a:r>
+            <a:r>
+              <a:rPr lang="en-US" sz="1800" dirty="0" err="1">
+                <a:solidFill>
+                  <a:srgbClr val="000000"/>
+                </a:solidFill>
+                <a:ea typeface="ＭＳ Ｐゴシック" panose="020B0600070205080204" pitchFamily="34" charset="-128"/>
+              </a:rPr>
+              <a:t>tank.png</a:t>
+            </a:r>
+            <a:r>
+              <a:rPr lang="en-US" sz="1800" dirty="0">
+                <a:solidFill>
+                  <a:srgbClr val="000000"/>
+                </a:solidFill>
+                <a:ea typeface="ＭＳ Ｐゴシック" panose="020B0600070205080204" pitchFamily="34" charset="-128"/>
+              </a:rPr>
+              <a:t>". Draw it on the screen in the </a:t>
+            </a:r>
+            <a:r>
+              <a:rPr lang="en-US" sz="1800" dirty="0" err="1">
+                <a:solidFill>
+                  <a:srgbClr val="000000"/>
+                </a:solidFill>
+                <a:ea typeface="ＭＳ Ｐゴシック" panose="020B0600070205080204" pitchFamily="34" charset="-128"/>
+              </a:rPr>
+              <a:t>on_draw</a:t>
+            </a:r>
+            <a:r>
+              <a:rPr lang="en-US" sz="1800" dirty="0">
+                <a:solidFill>
+                  <a:srgbClr val="000000"/>
+                </a:solidFill>
+                <a:ea typeface="ＭＳ Ｐゴシック" panose="020B0600070205080204" pitchFamily="34" charset="-128"/>
+              </a:rPr>
+              <a:t> method.</a:t>
+            </a:r>
+          </a:p>
+          <a:p>
+            <a:pPr marL="342900" indent="-342900">
+              <a:buAutoNum type="arabicParenR"/>
+            </a:pPr>
+            <a:r>
+              <a:rPr lang="en-US" sz="1800" dirty="0">
+                <a:solidFill>
+                  <a:srgbClr val="000000"/>
+                </a:solidFill>
+                <a:ea typeface="ＭＳ Ｐゴシック" panose="020B0600070205080204" pitchFamily="34" charset="-128"/>
+              </a:rPr>
+              <a:t>Create a list containing 10 "</a:t>
+            </a:r>
+            <a:r>
+              <a:rPr lang="en-US" sz="1800" dirty="0" err="1">
+                <a:solidFill>
+                  <a:srgbClr val="000000"/>
+                </a:solidFill>
+                <a:ea typeface="ＭＳ Ｐゴシック" panose="020B0600070205080204" pitchFamily="34" charset="-128"/>
+              </a:rPr>
+              <a:t>coin.png</a:t>
+            </a:r>
+            <a:r>
+              <a:rPr lang="en-US" sz="1800" dirty="0">
+                <a:solidFill>
+                  <a:srgbClr val="000000"/>
+                </a:solidFill>
+                <a:ea typeface="ＭＳ Ｐゴシック" panose="020B0600070205080204" pitchFamily="34" charset="-128"/>
+              </a:rPr>
+              <a:t>" sprite objects. Randomize their positions. Display them on the screen on the </a:t>
+            </a:r>
+            <a:r>
+              <a:rPr lang="en-US" sz="1800" dirty="0" err="1">
+                <a:solidFill>
+                  <a:srgbClr val="000000"/>
+                </a:solidFill>
+                <a:ea typeface="ＭＳ Ｐゴシック" panose="020B0600070205080204" pitchFamily="34" charset="-128"/>
+              </a:rPr>
+              <a:t>on_draw</a:t>
+            </a:r>
+            <a:r>
+              <a:rPr lang="en-US" sz="1800" dirty="0">
+                <a:solidFill>
+                  <a:srgbClr val="000000"/>
+                </a:solidFill>
+                <a:ea typeface="ＭＳ Ｐゴシック" panose="020B0600070205080204" pitchFamily="34" charset="-128"/>
+              </a:rPr>
+              <a:t> method. </a:t>
+            </a:r>
+          </a:p>
+          <a:p>
+            <a:pPr marL="342900" indent="-342900">
+              <a:buAutoNum type="arabicParenR"/>
+            </a:pPr>
+            <a:r>
+              <a:rPr lang="en-US" sz="1800" dirty="0">
+                <a:solidFill>
+                  <a:srgbClr val="000000"/>
+                </a:solidFill>
+                <a:ea typeface="ＭＳ Ｐゴシック" panose="020B0600070205080204" pitchFamily="34" charset="-128"/>
+              </a:rPr>
+              <a:t>Display the the number of coins on the screen by using the text() function. </a:t>
+            </a:r>
+            <a:r>
+              <a:rPr lang="en-US" sz="1800">
+                <a:solidFill>
+                  <a:srgbClr val="000000"/>
+                </a:solidFill>
+                <a:ea typeface="ＭＳ Ｐゴシック" panose="020B0600070205080204" pitchFamily="34" charset="-128"/>
+              </a:rPr>
+              <a:t>For example, "Coins: 10".</a:t>
+            </a:r>
+            <a:endParaRPr lang="en-US" sz="1800" dirty="0"/>
+          </a:p>
+          <a:p>
+            <a:pPr marL="0" indent="0">
+              <a:buNone/>
+            </a:pPr>
             <a:endParaRPr lang="en-US" altLang="en-US" sz="1667" dirty="0">
               <a:latin typeface="Courier New" panose="02070309020205020404" pitchFamily="49" charset="0"/>
               <a:ea typeface="ＭＳ Ｐゴシック" panose="020B0600070205080204" pitchFamily="34" charset="-128"/>
@@ -19686,59 +17441,6 @@
             <a:pPr marL="0" indent="0">
               <a:buNone/>
             </a:pPr>
-            <a:endParaRPr lang="en-US" altLang="en-US" sz="2167" dirty="0">
-              <a:ea typeface="ＭＳ Ｐゴシック" panose="020B0600070205080204" pitchFamily="34" charset="-128"/>
-            </a:endParaRPr>
-          </a:p>
-          <a:p>
-            <a:pPr marL="0" indent="0">
-              <a:buNone/>
-            </a:pPr>
-            <a:r>
-              <a:rPr lang="en-US" altLang="en-US" sz="2167" dirty="0">
-                <a:ea typeface="ＭＳ Ｐゴシック" panose="020B0600070205080204" pitchFamily="34" charset="-128"/>
-              </a:rPr>
-              <a:t>Download Processing!</a:t>
-            </a:r>
-          </a:p>
-          <a:p>
-            <a:pPr marL="0" indent="0">
-              <a:buNone/>
-            </a:pPr>
-            <a:endParaRPr lang="en-US" altLang="en-US" sz="2167" dirty="0">
-              <a:ea typeface="ＭＳ Ｐゴシック" panose="020B0600070205080204" pitchFamily="34" charset="-128"/>
-            </a:endParaRPr>
-          </a:p>
-          <a:p>
-            <a:pPr marL="0" indent="0">
-              <a:buNone/>
-            </a:pPr>
-            <a:r>
-              <a:rPr lang="en-US" altLang="en-US" sz="2167" dirty="0">
-                <a:ea typeface="ＭＳ Ｐゴシック" panose="020B0600070205080204" pitchFamily="34" charset="-128"/>
-              </a:rPr>
-              <a:t>Your computer is probably a 64-bit computer if it’s fairly recent. </a:t>
-            </a:r>
-          </a:p>
-          <a:p>
-            <a:pPr marL="0" indent="0">
-              <a:buNone/>
-            </a:pPr>
-            <a:endParaRPr lang="en-US" altLang="en-US" sz="2167" dirty="0">
-              <a:ea typeface="ＭＳ Ｐゴシック" panose="020B0600070205080204" pitchFamily="34" charset="-128"/>
-            </a:endParaRPr>
-          </a:p>
-          <a:p>
-            <a:pPr marL="0" indent="0">
-              <a:buNone/>
-            </a:pPr>
-            <a:r>
-              <a:rPr lang="en-US" altLang="en-US" sz="2167" dirty="0">
-                <a:ea typeface="ＭＳ Ｐゴシック" panose="020B0600070205080204" pitchFamily="34" charset="-128"/>
-                <a:hlinkClick r:id="rId2"/>
-              </a:rPr>
-              <a:t>http://www.processing.org</a:t>
-            </a:r>
             <a:endParaRPr lang="en-US" altLang="en-US" sz="2167" dirty="0">
               <a:ea typeface="ＭＳ Ｐゴシック" panose="020B0600070205080204" pitchFamily="34" charset="-128"/>
             </a:endParaRPr>
@@ -19756,7 +17458,7 @@
     </p:spTree>
     <p:extLst>
       <p:ext uri="{BB962C8B-B14F-4D97-AF65-F5344CB8AC3E}">
-        <p14:creationId xmlns:p14="http://schemas.microsoft.com/office/powerpoint/2010/main" val="4104989124"/>
+        <p14:creationId xmlns:p14="http://schemas.microsoft.com/office/powerpoint/2010/main" val="1097849800"/>
       </p:ext>
     </p:extLst>
   </p:cSld>
@@ -19914,9 +17616,25 @@
                   <a:srgbClr val="FF0000"/>
                 </a:solidFill>
                 <a:ea typeface="ＭＳ Ｐゴシック" panose="020B0600070205080204" pitchFamily="34" charset="-128"/>
-              </a:rPr>
-              <a:t>here.</a:t>
-            </a:r>
+                <a:hlinkClick r:id="rId2"/>
+              </a:rPr>
+              <a:t>here</a:t>
+            </a:r>
+            <a:r>
+              <a:rPr lang="en-US" altLang="en-US" sz="2000" dirty="0">
+                <a:solidFill>
+                  <a:srgbClr val="000000"/>
+                </a:solidFill>
+                <a:ea typeface="ＭＳ Ｐゴシック" panose="020B0600070205080204" pitchFamily="34" charset="-128"/>
+              </a:rPr>
+              <a:t>.</a:t>
+            </a:r>
+            <a:endParaRPr lang="en-US" altLang="en-US" sz="2000" dirty="0">
+              <a:solidFill>
+                <a:srgbClr val="FF0000"/>
+              </a:solidFill>
+              <a:ea typeface="ＭＳ Ｐゴシック" panose="020B0600070205080204" pitchFamily="34" charset="-128"/>
+            </a:endParaRPr>
           </a:p>
           <a:p>
             <a:pPr marL="0" indent="0">

--- a/courses/apcsp/processing_arcade/processing1.pptx
+++ b/courses/apcsp/processing_arcade/processing1.pptx
@@ -1834,7 +1834,7 @@
   <pc:docChgLst>
     <pc:chgData name="Long B Nguyen" userId="f59fb8f3-a021-417a-8bc1-65c8d471c621" providerId="ADAL" clId="{9268B748-66AA-0742-9E6D-C568D3B99E77}"/>
     <pc:docChg chg="undo custSel addSld delSld modSld">
-      <pc:chgData name="Long B Nguyen" userId="f59fb8f3-a021-417a-8bc1-65c8d471c621" providerId="ADAL" clId="{9268B748-66AA-0742-9E6D-C568D3B99E77}" dt="2021-02-01T13:11:34.507" v="6215" actId="20577"/>
+      <pc:chgData name="Long B Nguyen" userId="f59fb8f3-a021-417a-8bc1-65c8d471c621" providerId="ADAL" clId="{9268B748-66AA-0742-9E6D-C568D3B99E77}" dt="2021-02-01T16:44:08.466" v="6273" actId="207"/>
       <pc:docMkLst>
         <pc:docMk/>
       </pc:docMkLst>
@@ -3193,7 +3193,7 @@
         </pc:spChg>
       </pc:sldChg>
       <pc:sldChg chg="addSp delSp modSp add mod">
-        <pc:chgData name="Long B Nguyen" userId="f59fb8f3-a021-417a-8bc1-65c8d471c621" providerId="ADAL" clId="{9268B748-66AA-0742-9E6D-C568D3B99E77}" dt="2021-02-01T13:11:34.507" v="6215" actId="20577"/>
+        <pc:chgData name="Long B Nguyen" userId="f59fb8f3-a021-417a-8bc1-65c8d471c621" providerId="ADAL" clId="{9268B748-66AA-0742-9E6D-C568D3B99E77}" dt="2021-02-01T16:44:08.466" v="6273" actId="207"/>
         <pc:sldMkLst>
           <pc:docMk/>
           <pc:sldMk cId="1097849800" sldId="572"/>
@@ -3215,7 +3215,7 @@
           </ac:spMkLst>
         </pc:spChg>
         <pc:spChg chg="mod">
-          <ac:chgData name="Long B Nguyen" userId="f59fb8f3-a021-417a-8bc1-65c8d471c621" providerId="ADAL" clId="{9268B748-66AA-0742-9E6D-C568D3B99E77}" dt="2021-02-01T13:11:34.507" v="6215" actId="20577"/>
+          <ac:chgData name="Long B Nguyen" userId="f59fb8f3-a021-417a-8bc1-65c8d471c621" providerId="ADAL" clId="{9268B748-66AA-0742-9E6D-C568D3B99E77}" dt="2021-02-01T16:44:08.466" v="6273" actId="207"/>
           <ac:spMkLst>
             <pc:docMk/>
             <pc:sldMk cId="1097849800" sldId="572"/>
@@ -17297,16 +17297,27 @@
             <a:r>
               <a:rPr lang="en-US" sz="1800" dirty="0">
                 <a:solidFill>
-                  <a:srgbClr val="000000"/>
+                  <a:srgbClr val="FF0000"/>
                 </a:solidFill>
                 <a:ea typeface="ＭＳ Ｐゴシック" panose="020B0600070205080204" pitchFamily="34" charset="-128"/>
               </a:rPr>
-              <a:t>Do the following:</a:t>
-            </a:r>
-          </a:p>
-          <a:p>
-            <a:pPr marL="342900" indent="-342900">
-              <a:buAutoNum type="arabicParenR"/>
+              <a:t>REMEMBER TO SAVE BEFORE RE-RUNNING YOUR CODE!!!</a:t>
+            </a:r>
+          </a:p>
+          <a:p>
+            <a:pPr marL="0" indent="0">
+              <a:buNone/>
+            </a:pPr>
+            <a:endParaRPr lang="en-US" sz="1800" dirty="0">
+              <a:solidFill>
+                <a:srgbClr val="000000"/>
+              </a:solidFill>
+              <a:ea typeface="ＭＳ Ｐゴシック" panose="020B0600070205080204" pitchFamily="34" charset="-128"/>
+            </a:endParaRPr>
+          </a:p>
+          <a:p>
+            <a:pPr marL="0" indent="0">
+              <a:buNone/>
             </a:pPr>
             <a:r>
               <a:rPr lang="en-US" sz="1800" dirty="0">
@@ -17315,6 +17326,20 @@
                 </a:solidFill>
                 <a:ea typeface="ＭＳ Ｐゴシック" panose="020B0600070205080204" pitchFamily="34" charset="-128"/>
               </a:rPr>
+              <a:t>Do the following:</a:t>
+            </a:r>
+          </a:p>
+          <a:p>
+            <a:pPr marL="342900" indent="-342900">
+              <a:buAutoNum type="arabicParenR"/>
+            </a:pPr>
+            <a:r>
+              <a:rPr lang="en-US" sz="1800" dirty="0">
+                <a:solidFill>
+                  <a:srgbClr val="000000"/>
+                </a:solidFill>
+                <a:ea typeface="ＭＳ Ｐゴシック" panose="020B0600070205080204" pitchFamily="34" charset="-128"/>
+              </a:rPr>
               <a:t>Declare, initialize a sprite object using the image "</a:t>
             </a:r>
             <a:r>
@@ -17415,16 +17440,7 @@
                 </a:solidFill>
                 <a:ea typeface="ＭＳ Ｐゴシック" panose="020B0600070205080204" pitchFamily="34" charset="-128"/>
               </a:rPr>
-              <a:t>Display the the number of coins on the screen by using the text() function. </a:t>
-            </a:r>
-            <a:r>
-              <a:rPr lang="en-US" sz="1800">
-                <a:solidFill>
-                  <a:srgbClr val="000000"/>
-                </a:solidFill>
-                <a:ea typeface="ＭＳ Ｐゴシック" panose="020B0600070205080204" pitchFamily="34" charset="-128"/>
-              </a:rPr>
-              <a:t>For example, "Coins: 10".</a:t>
+              <a:t>Display the the number of coins on the screen by using the text() function. For example, "Coins: 10".</a:t>
             </a:r>
             <a:endParaRPr lang="en-US" sz="1800" dirty="0"/>
           </a:p>

--- a/courses/apcsp/processing_arcade/processing1.pptx
+++ b/courses/apcsp/processing_arcade/processing1.pptx
@@ -5,7 +5,7 @@
     <p:sldMasterId id="2147483791" r:id="rId1"/>
   </p:sldMasterIdLst>
   <p:notesMasterIdLst>
-    <p:notesMasterId r:id="rId29"/>
+    <p:notesMasterId r:id="rId32"/>
   </p:notesMasterIdLst>
   <p:sldIdLst>
     <p:sldId id="555" r:id="rId2"/>
@@ -13,28 +13,31 @@
     <p:sldId id="557" r:id="rId4"/>
     <p:sldId id="571" r:id="rId5"/>
     <p:sldId id="558" r:id="rId6"/>
-    <p:sldId id="308" r:id="rId7"/>
-    <p:sldId id="313" r:id="rId8"/>
-    <p:sldId id="312" r:id="rId9"/>
-    <p:sldId id="566" r:id="rId10"/>
-    <p:sldId id="567" r:id="rId11"/>
+    <p:sldId id="567" r:id="rId7"/>
+    <p:sldId id="573" r:id="rId8"/>
+    <p:sldId id="308" r:id="rId9"/>
+    <p:sldId id="313" r:id="rId10"/>
+    <p:sldId id="312" r:id="rId11"/>
     <p:sldId id="306" r:id="rId12"/>
     <p:sldId id="257" r:id="rId13"/>
-    <p:sldId id="342" r:id="rId14"/>
-    <p:sldId id="341" r:id="rId15"/>
-    <p:sldId id="368" r:id="rId16"/>
-    <p:sldId id="373" r:id="rId17"/>
-    <p:sldId id="383" r:id="rId18"/>
-    <p:sldId id="371" r:id="rId19"/>
-    <p:sldId id="385" r:id="rId20"/>
-    <p:sldId id="372" r:id="rId21"/>
-    <p:sldId id="569" r:id="rId22"/>
-    <p:sldId id="374" r:id="rId23"/>
-    <p:sldId id="375" r:id="rId24"/>
-    <p:sldId id="561" r:id="rId25"/>
-    <p:sldId id="424" r:id="rId26"/>
-    <p:sldId id="565" r:id="rId27"/>
-    <p:sldId id="572" r:id="rId28"/>
+    <p:sldId id="575" r:id="rId14"/>
+    <p:sldId id="574" r:id="rId15"/>
+    <p:sldId id="341" r:id="rId16"/>
+    <p:sldId id="368" r:id="rId17"/>
+    <p:sldId id="373" r:id="rId18"/>
+    <p:sldId id="383" r:id="rId19"/>
+    <p:sldId id="371" r:id="rId20"/>
+    <p:sldId id="385" r:id="rId21"/>
+    <p:sldId id="372" r:id="rId22"/>
+    <p:sldId id="569" r:id="rId23"/>
+    <p:sldId id="374" r:id="rId24"/>
+    <p:sldId id="375" r:id="rId25"/>
+    <p:sldId id="576" r:id="rId26"/>
+    <p:sldId id="577" r:id="rId27"/>
+    <p:sldId id="561" r:id="rId28"/>
+    <p:sldId id="424" r:id="rId29"/>
+    <p:sldId id="565" r:id="rId30"/>
+    <p:sldId id="572" r:id="rId31"/>
   </p:sldIdLst>
   <p:sldSz cx="9144000" cy="5715000" type="screen16x10"/>
   <p:notesSz cx="6858000" cy="9144000"/>
@@ -144,7 +147,7 @@
 <file path=ppt/revisionInfo.xml><?xml version="1.0" encoding="utf-8"?>
 <p1510:revInfo xmlns:a="http://schemas.openxmlformats.org/drawingml/2006/main" xmlns:r="http://schemas.openxmlformats.org/officeDocument/2006/relationships" xmlns:p1510="http://schemas.microsoft.com/office/powerpoint/2015/10/main">
   <p1510:revLst>
-    <p1510:client id="{9268B748-66AA-0742-9E6D-C568D3B99E77}" v="1587" dt="2021-02-01T02:58:22.419"/>
+    <p1510:client id="{DEEC9A6B-597B-A549-8046-E8A6FAF2541E}" v="863" dt="2022-01-10T19:13:47.222"/>
   </p1510:revLst>
 </p1510:revInfo>
 </file>
@@ -1832,6 +1835,318 @@
     </pc:docChg>
   </pc:docChgLst>
   <pc:docChgLst>
+    <pc:chgData name="Long Nguyen" userId="f59fb8f3-a021-417a-8bc1-65c8d471c621" providerId="ADAL" clId="{DEEC9A6B-597B-A549-8046-E8A6FAF2541E}"/>
+    <pc:docChg chg="addSld modSld">
+      <pc:chgData name="Long Nguyen" userId="f59fb8f3-a021-417a-8bc1-65c8d471c621" providerId="ADAL" clId="{DEEC9A6B-597B-A549-8046-E8A6FAF2541E}" dt="2022-01-10T19:13:47.222" v="827"/>
+      <pc:docMkLst>
+        <pc:docMk/>
+      </pc:docMkLst>
+      <pc:sldChg chg="modSp">
+        <pc:chgData name="Long Nguyen" userId="f59fb8f3-a021-417a-8bc1-65c8d471c621" providerId="ADAL" clId="{DEEC9A6B-597B-A549-8046-E8A6FAF2541E}" dt="2022-01-10T16:01:48.822" v="805" actId="20577"/>
+        <pc:sldMkLst>
+          <pc:docMk/>
+          <pc:sldMk cId="1190543687" sldId="341"/>
+        </pc:sldMkLst>
+        <pc:spChg chg="mod">
+          <ac:chgData name="Long Nguyen" userId="f59fb8f3-a021-417a-8bc1-65c8d471c621" providerId="ADAL" clId="{DEEC9A6B-597B-A549-8046-E8A6FAF2541E}" dt="2022-01-10T16:01:48.822" v="805" actId="20577"/>
+          <ac:spMkLst>
+            <pc:docMk/>
+            <pc:sldMk cId="1190543687" sldId="341"/>
+            <ac:spMk id="9" creationId="{E3B2E017-30B2-884B-A113-B419A2ED51AD}"/>
+          </ac:spMkLst>
+        </pc:spChg>
+      </pc:sldChg>
+      <pc:sldChg chg="addSp modSp modAnim">
+        <pc:chgData name="Long Nguyen" userId="f59fb8f3-a021-417a-8bc1-65c8d471c621" providerId="ADAL" clId="{DEEC9A6B-597B-A549-8046-E8A6FAF2541E}" dt="2022-01-10T15:05:52.399" v="414"/>
+        <pc:sldMkLst>
+          <pc:docMk/>
+          <pc:sldMk cId="2681292538" sldId="567"/>
+        </pc:sldMkLst>
+        <pc:spChg chg="mod">
+          <ac:chgData name="Long Nguyen" userId="f59fb8f3-a021-417a-8bc1-65c8d471c621" providerId="ADAL" clId="{DEEC9A6B-597B-A549-8046-E8A6FAF2541E}" dt="2022-01-10T14:56:41.122" v="56" actId="20577"/>
+          <ac:spMkLst>
+            <pc:docMk/>
+            <pc:sldMk cId="2681292538" sldId="567"/>
+            <ac:spMk id="2" creationId="{C360779D-4CA6-E54E-AF40-CFF286ECEDB6}"/>
+          </ac:spMkLst>
+        </pc:spChg>
+        <pc:spChg chg="mod">
+          <ac:chgData name="Long Nguyen" userId="f59fb8f3-a021-417a-8bc1-65c8d471c621" providerId="ADAL" clId="{DEEC9A6B-597B-A549-8046-E8A6FAF2541E}" dt="2022-01-10T14:57:15.920" v="88" actId="20577"/>
+          <ac:spMkLst>
+            <pc:docMk/>
+            <pc:sldMk cId="2681292538" sldId="567"/>
+            <ac:spMk id="7" creationId="{FCD9C15D-1329-1444-B6C2-5E444C159CB2}"/>
+          </ac:spMkLst>
+        </pc:spChg>
+        <pc:spChg chg="add mod">
+          <ac:chgData name="Long Nguyen" userId="f59fb8f3-a021-417a-8bc1-65c8d471c621" providerId="ADAL" clId="{DEEC9A6B-597B-A549-8046-E8A6FAF2541E}" dt="2022-01-10T14:57:53.445" v="90" actId="20577"/>
+          <ac:spMkLst>
+            <pc:docMk/>
+            <pc:sldMk cId="2681292538" sldId="567"/>
+            <ac:spMk id="9" creationId="{6947F684-5A40-904D-92F6-7871C732A6FC}"/>
+          </ac:spMkLst>
+        </pc:spChg>
+        <pc:spChg chg="add mod">
+          <ac:chgData name="Long Nguyen" userId="f59fb8f3-a021-417a-8bc1-65c8d471c621" providerId="ADAL" clId="{DEEC9A6B-597B-A549-8046-E8A6FAF2541E}" dt="2022-01-10T15:01:55.951" v="300" actId="20577"/>
+          <ac:spMkLst>
+            <pc:docMk/>
+            <pc:sldMk cId="2681292538" sldId="567"/>
+            <ac:spMk id="10" creationId="{6CBCEBFC-7FEB-A942-8AA6-1D8C8EE77906}"/>
+          </ac:spMkLst>
+        </pc:spChg>
+        <pc:spChg chg="add mod">
+          <ac:chgData name="Long Nguyen" userId="f59fb8f3-a021-417a-8bc1-65c8d471c621" providerId="ADAL" clId="{DEEC9A6B-597B-A549-8046-E8A6FAF2541E}" dt="2022-01-10T15:01:50.244" v="288" actId="20577"/>
+          <ac:spMkLst>
+            <pc:docMk/>
+            <pc:sldMk cId="2681292538" sldId="567"/>
+            <ac:spMk id="15" creationId="{3FA56609-6251-2345-BA26-D035BE446C47}"/>
+          </ac:spMkLst>
+        </pc:spChg>
+        <pc:spChg chg="mod">
+          <ac:chgData name="Long Nguyen" userId="f59fb8f3-a021-417a-8bc1-65c8d471c621" providerId="ADAL" clId="{DEEC9A6B-597B-A549-8046-E8A6FAF2541E}" dt="2022-01-10T15:00:32.436" v="186" actId="20577"/>
+          <ac:spMkLst>
+            <pc:docMk/>
+            <pc:sldMk cId="2681292538" sldId="567"/>
+            <ac:spMk id="35842" creationId="{C94BCA01-D831-ED4D-84FD-C30E8117F872}"/>
+          </ac:spMkLst>
+        </pc:spChg>
+        <pc:cxnChg chg="add mod">
+          <ac:chgData name="Long Nguyen" userId="f59fb8f3-a021-417a-8bc1-65c8d471c621" providerId="ADAL" clId="{DEEC9A6B-597B-A549-8046-E8A6FAF2541E}" dt="2022-01-10T15:00:41.622" v="187"/>
+          <ac:cxnSpMkLst>
+            <pc:docMk/>
+            <pc:sldMk cId="2681292538" sldId="567"/>
+            <ac:cxnSpMk id="11" creationId="{4E4AC876-0F77-7543-B7D3-9FBA2F410F0C}"/>
+          </ac:cxnSpMkLst>
+        </pc:cxnChg>
+        <pc:cxnChg chg="add mod">
+          <ac:chgData name="Long Nguyen" userId="f59fb8f3-a021-417a-8bc1-65c8d471c621" providerId="ADAL" clId="{DEEC9A6B-597B-A549-8046-E8A6FAF2541E}" dt="2022-01-10T15:01:31.700" v="243"/>
+          <ac:cxnSpMkLst>
+            <pc:docMk/>
+            <pc:sldMk cId="2681292538" sldId="567"/>
+            <ac:cxnSpMk id="16" creationId="{75E9AD7F-0E14-4E4B-9F19-CF7FF14EDDA7}"/>
+          </ac:cxnSpMkLst>
+        </pc:cxnChg>
+      </pc:sldChg>
+      <pc:sldChg chg="addSp modSp modAnim">
+        <pc:chgData name="Long Nguyen" userId="f59fb8f3-a021-417a-8bc1-65c8d471c621" providerId="ADAL" clId="{DEEC9A6B-597B-A549-8046-E8A6FAF2541E}" dt="2022-01-10T15:06:14.745" v="418"/>
+        <pc:sldMkLst>
+          <pc:docMk/>
+          <pc:sldMk cId="38565667" sldId="573"/>
+        </pc:sldMkLst>
+        <pc:spChg chg="add mod">
+          <ac:chgData name="Long Nguyen" userId="f59fb8f3-a021-417a-8bc1-65c8d471c621" providerId="ADAL" clId="{DEEC9A6B-597B-A549-8046-E8A6FAF2541E}" dt="2022-01-10T15:04:19.558" v="355" actId="20577"/>
+          <ac:spMkLst>
+            <pc:docMk/>
+            <pc:sldMk cId="38565667" sldId="573"/>
+            <ac:spMk id="9" creationId="{35CC8408-E93C-EB4D-BCE0-708761392E17}"/>
+          </ac:spMkLst>
+        </pc:spChg>
+        <pc:spChg chg="add mod">
+          <ac:chgData name="Long Nguyen" userId="f59fb8f3-a021-417a-8bc1-65c8d471c621" providerId="ADAL" clId="{DEEC9A6B-597B-A549-8046-E8A6FAF2541E}" dt="2022-01-10T15:05:13.458" v="410" actId="20577"/>
+          <ac:spMkLst>
+            <pc:docMk/>
+            <pc:sldMk cId="38565667" sldId="573"/>
+            <ac:spMk id="13" creationId="{89954A57-FAD0-2145-9240-CC143305A109}"/>
+          </ac:spMkLst>
+        </pc:spChg>
+        <pc:spChg chg="mod">
+          <ac:chgData name="Long Nguyen" userId="f59fb8f3-a021-417a-8bc1-65c8d471c621" providerId="ADAL" clId="{DEEC9A6B-597B-A549-8046-E8A6FAF2541E}" dt="2022-01-10T15:03:21.880" v="318" actId="20577"/>
+          <ac:spMkLst>
+            <pc:docMk/>
+            <pc:sldMk cId="38565667" sldId="573"/>
+            <ac:spMk id="35842" creationId="{C94BCA01-D831-ED4D-84FD-C30E8117F872}"/>
+          </ac:spMkLst>
+        </pc:spChg>
+        <pc:cxnChg chg="add mod">
+          <ac:chgData name="Long Nguyen" userId="f59fb8f3-a021-417a-8bc1-65c8d471c621" providerId="ADAL" clId="{DEEC9A6B-597B-A549-8046-E8A6FAF2541E}" dt="2022-01-10T15:03:58.463" v="319"/>
+          <ac:cxnSpMkLst>
+            <pc:docMk/>
+            <pc:sldMk cId="38565667" sldId="573"/>
+            <ac:cxnSpMk id="10" creationId="{45FCB104-5BCC-3048-9038-D14F4C9B439C}"/>
+          </ac:cxnSpMkLst>
+        </pc:cxnChg>
+        <pc:cxnChg chg="add mod">
+          <ac:chgData name="Long Nguyen" userId="f59fb8f3-a021-417a-8bc1-65c8d471c621" providerId="ADAL" clId="{DEEC9A6B-597B-A549-8046-E8A6FAF2541E}" dt="2022-01-10T15:04:37.914" v="356"/>
+          <ac:cxnSpMkLst>
+            <pc:docMk/>
+            <pc:sldMk cId="38565667" sldId="573"/>
+            <ac:cxnSpMk id="14" creationId="{B2A0D62D-1FB8-E449-88AE-FE32A1C9F275}"/>
+          </ac:cxnSpMkLst>
+        </pc:cxnChg>
+      </pc:sldChg>
+      <pc:sldChg chg="addSp delSp modSp add modAnim">
+        <pc:chgData name="Long Nguyen" userId="f59fb8f3-a021-417a-8bc1-65c8d471c621" providerId="ADAL" clId="{DEEC9A6B-597B-A549-8046-E8A6FAF2541E}" dt="2022-01-10T16:09:45.624" v="806"/>
+        <pc:sldMkLst>
+          <pc:docMk/>
+          <pc:sldMk cId="1899292602" sldId="574"/>
+        </pc:sldMkLst>
+        <pc:spChg chg="add mod">
+          <ac:chgData name="Long Nguyen" userId="f59fb8f3-a021-417a-8bc1-65c8d471c621" providerId="ADAL" clId="{DEEC9A6B-597B-A549-8046-E8A6FAF2541E}" dt="2022-01-10T15:26:25.746" v="793"/>
+          <ac:spMkLst>
+            <pc:docMk/>
+            <pc:sldMk cId="1899292602" sldId="574"/>
+            <ac:spMk id="3" creationId="{43066786-2460-4F4E-A926-EC35B443FC7C}"/>
+          </ac:spMkLst>
+        </pc:spChg>
+        <pc:spChg chg="add mod">
+          <ac:chgData name="Long Nguyen" userId="f59fb8f3-a021-417a-8bc1-65c8d471c621" providerId="ADAL" clId="{DEEC9A6B-597B-A549-8046-E8A6FAF2541E}" dt="2022-01-10T15:30:03.832" v="796"/>
+          <ac:spMkLst>
+            <pc:docMk/>
+            <pc:sldMk cId="1899292602" sldId="574"/>
+            <ac:spMk id="8" creationId="{1518AF63-F058-5848-A6B8-99B63BA4A5AA}"/>
+          </ac:spMkLst>
+        </pc:spChg>
+        <pc:spChg chg="mod">
+          <ac:chgData name="Long Nguyen" userId="f59fb8f3-a021-417a-8bc1-65c8d471c621" providerId="ADAL" clId="{DEEC9A6B-597B-A549-8046-E8A6FAF2541E}" dt="2022-01-10T15:32:13.467" v="802"/>
+          <ac:spMkLst>
+            <pc:docMk/>
+            <pc:sldMk cId="1899292602" sldId="574"/>
+            <ac:spMk id="9" creationId="{E3B2E017-30B2-884B-A113-B419A2ED51AD}"/>
+          </ac:spMkLst>
+        </pc:spChg>
+        <pc:spChg chg="add del mod">
+          <ac:chgData name="Long Nguyen" userId="f59fb8f3-a021-417a-8bc1-65c8d471c621" providerId="ADAL" clId="{DEEC9A6B-597B-A549-8046-E8A6FAF2541E}" dt="2022-01-10T15:30:32.040" v="798"/>
+          <ac:spMkLst>
+            <pc:docMk/>
+            <pc:sldMk cId="1899292602" sldId="574"/>
+            <ac:spMk id="11" creationId="{7DEF6168-241B-B244-A6F2-5CCF1A0B517E}"/>
+          </ac:spMkLst>
+        </pc:spChg>
+        <pc:spChg chg="add mod">
+          <ac:chgData name="Long Nguyen" userId="f59fb8f3-a021-417a-8bc1-65c8d471c621" providerId="ADAL" clId="{DEEC9A6B-597B-A549-8046-E8A6FAF2541E}" dt="2022-01-10T15:30:34.435" v="799"/>
+          <ac:spMkLst>
+            <pc:docMk/>
+            <pc:sldMk cId="1899292602" sldId="574"/>
+            <ac:spMk id="13" creationId="{6BD218E2-AF0E-114A-A6E0-CB450613A31F}"/>
+          </ac:spMkLst>
+        </pc:spChg>
+        <pc:spChg chg="add mod">
+          <ac:chgData name="Long Nguyen" userId="f59fb8f3-a021-417a-8bc1-65c8d471c621" providerId="ADAL" clId="{DEEC9A6B-597B-A549-8046-E8A6FAF2541E}" dt="2022-01-10T16:09:45.624" v="806"/>
+          <ac:spMkLst>
+            <pc:docMk/>
+            <pc:sldMk cId="1899292602" sldId="574"/>
+            <ac:spMk id="14" creationId="{E0452E39-9133-5B48-9209-7A7A2D22DFED}"/>
+          </ac:spMkLst>
+        </pc:spChg>
+        <pc:cxnChg chg="add mod">
+          <ac:chgData name="Long Nguyen" userId="f59fb8f3-a021-417a-8bc1-65c8d471c621" providerId="ADAL" clId="{DEEC9A6B-597B-A549-8046-E8A6FAF2541E}" dt="2022-01-10T15:29:49.065" v="795"/>
+          <ac:cxnSpMkLst>
+            <pc:docMk/>
+            <pc:sldMk cId="1899292602" sldId="574"/>
+            <ac:cxnSpMk id="5" creationId="{7ECFE949-5E17-FC42-9960-BCDAB348B02C}"/>
+          </ac:cxnSpMkLst>
+        </pc:cxnChg>
+        <pc:cxnChg chg="add mod">
+          <ac:chgData name="Long Nguyen" userId="f59fb8f3-a021-417a-8bc1-65c8d471c621" providerId="ADAL" clId="{DEEC9A6B-597B-A549-8046-E8A6FAF2541E}" dt="2022-01-10T15:30:03.832" v="796"/>
+          <ac:cxnSpMkLst>
+            <pc:docMk/>
+            <pc:sldMk cId="1899292602" sldId="574"/>
+            <ac:cxnSpMk id="10" creationId="{D6FBC0B7-550F-304E-B114-B33A965C3586}"/>
+          </ac:cxnSpMkLst>
+        </pc:cxnChg>
+        <pc:cxnChg chg="add del mod">
+          <ac:chgData name="Long Nguyen" userId="f59fb8f3-a021-417a-8bc1-65c8d471c621" providerId="ADAL" clId="{DEEC9A6B-597B-A549-8046-E8A6FAF2541E}" dt="2022-01-10T15:30:32.040" v="798"/>
+          <ac:cxnSpMkLst>
+            <pc:docMk/>
+            <pc:sldMk cId="1899292602" sldId="574"/>
+            <ac:cxnSpMk id="12" creationId="{E3AB391E-2C4B-884A-9DA1-B4649DAF043F}"/>
+          </ac:cxnSpMkLst>
+        </pc:cxnChg>
+      </pc:sldChg>
+      <pc:sldChg chg="modSp add">
+        <pc:chgData name="Long Nguyen" userId="f59fb8f3-a021-417a-8bc1-65c8d471c621" providerId="ADAL" clId="{DEEC9A6B-597B-A549-8046-E8A6FAF2541E}" dt="2022-01-10T15:26:39.006" v="794"/>
+        <pc:sldMkLst>
+          <pc:docMk/>
+          <pc:sldMk cId="2139759667" sldId="575"/>
+        </pc:sldMkLst>
+        <pc:spChg chg="mod">
+          <ac:chgData name="Long Nguyen" userId="f59fb8f3-a021-417a-8bc1-65c8d471c621" providerId="ADAL" clId="{DEEC9A6B-597B-A549-8046-E8A6FAF2541E}" dt="2022-01-10T15:26:39.006" v="794"/>
+          <ac:spMkLst>
+            <pc:docMk/>
+            <pc:sldMk cId="2139759667" sldId="575"/>
+            <ac:spMk id="9" creationId="{E3B2E017-30B2-884B-A113-B419A2ED51AD}"/>
+          </ac:spMkLst>
+        </pc:spChg>
+      </pc:sldChg>
+      <pc:sldChg chg="modSp add">
+        <pc:chgData name="Long Nguyen" userId="f59fb8f3-a021-417a-8bc1-65c8d471c621" providerId="ADAL" clId="{DEEC9A6B-597B-A549-8046-E8A6FAF2541E}" dt="2022-01-10T15:32:05.764" v="801"/>
+        <pc:sldMkLst>
+          <pc:docMk/>
+          <pc:sldMk cId="2696303466" sldId="575"/>
+        </pc:sldMkLst>
+        <pc:spChg chg="mod">
+          <ac:chgData name="Long Nguyen" userId="f59fb8f3-a021-417a-8bc1-65c8d471c621" providerId="ADAL" clId="{DEEC9A6B-597B-A549-8046-E8A6FAF2541E}" dt="2022-01-10T15:32:05.764" v="801"/>
+          <ac:spMkLst>
+            <pc:docMk/>
+            <pc:sldMk cId="2696303466" sldId="575"/>
+            <ac:spMk id="9" creationId="{E3B2E017-30B2-884B-A113-B419A2ED51AD}"/>
+          </ac:spMkLst>
+        </pc:spChg>
+      </pc:sldChg>
+      <pc:sldChg chg="addSp delSp modSp add modAnim">
+        <pc:chgData name="Long Nguyen" userId="f59fb8f3-a021-417a-8bc1-65c8d471c621" providerId="ADAL" clId="{DEEC9A6B-597B-A549-8046-E8A6FAF2541E}" dt="2022-01-10T16:28:28.145" v="824"/>
+        <pc:sldMkLst>
+          <pc:docMk/>
+          <pc:sldMk cId="1655667199" sldId="576"/>
+        </pc:sldMkLst>
+        <pc:spChg chg="add del mod">
+          <ac:chgData name="Long Nguyen" userId="f59fb8f3-a021-417a-8bc1-65c8d471c621" providerId="ADAL" clId="{DEEC9A6B-597B-A549-8046-E8A6FAF2541E}" dt="2022-01-10T16:27:07.655" v="820"/>
+          <ac:spMkLst>
+            <pc:docMk/>
+            <pc:sldMk cId="1655667199" sldId="576"/>
+            <ac:spMk id="3" creationId="{3E485581-9E99-0043-9EAC-32C6195DED27}"/>
+          </ac:spMkLst>
+        </pc:spChg>
+        <pc:spChg chg="add mod">
+          <ac:chgData name="Long Nguyen" userId="f59fb8f3-a021-417a-8bc1-65c8d471c621" providerId="ADAL" clId="{DEEC9A6B-597B-A549-8046-E8A6FAF2541E}" dt="2022-01-10T16:27:25.299" v="822"/>
+          <ac:spMkLst>
+            <pc:docMk/>
+            <pc:sldMk cId="1655667199" sldId="576"/>
+            <ac:spMk id="4" creationId="{F5F925A9-41D3-6E4F-86DA-C9E92CE1D468}"/>
+          </ac:spMkLst>
+        </pc:spChg>
+        <pc:spChg chg="mod">
+          <ac:chgData name="Long Nguyen" userId="f59fb8f3-a021-417a-8bc1-65c8d471c621" providerId="ADAL" clId="{DEEC9A6B-597B-A549-8046-E8A6FAF2541E}" dt="2022-01-10T16:19:55.722" v="816"/>
+          <ac:spMkLst>
+            <pc:docMk/>
+            <pc:sldMk cId="1655667199" sldId="576"/>
+            <ac:spMk id="35842" creationId="{C94BCA01-D831-ED4D-84FD-C30E8117F872}"/>
+          </ac:spMkLst>
+        </pc:spChg>
+        <pc:cxnChg chg="add mod">
+          <ac:chgData name="Long Nguyen" userId="f59fb8f3-a021-417a-8bc1-65c8d471c621" providerId="ADAL" clId="{DEEC9A6B-597B-A549-8046-E8A6FAF2541E}" dt="2022-01-10T16:28:09.945" v="823"/>
+          <ac:cxnSpMkLst>
+            <pc:docMk/>
+            <pc:sldMk cId="1655667199" sldId="576"/>
+            <ac:cxnSpMk id="13" creationId="{1D73A6C2-F3A1-7849-9298-0FABFFC03676}"/>
+          </ac:cxnSpMkLst>
+        </pc:cxnChg>
+      </pc:sldChg>
+      <pc:sldChg chg="modSp add">
+        <pc:chgData name="Long Nguyen" userId="f59fb8f3-a021-417a-8bc1-65c8d471c621" providerId="ADAL" clId="{DEEC9A6B-597B-A549-8046-E8A6FAF2541E}" dt="2022-01-10T19:13:47.222" v="827"/>
+        <pc:sldMkLst>
+          <pc:docMk/>
+          <pc:sldMk cId="1245941282" sldId="577"/>
+        </pc:sldMkLst>
+        <pc:spChg chg="mod">
+          <ac:chgData name="Long Nguyen" userId="f59fb8f3-a021-417a-8bc1-65c8d471c621" providerId="ADAL" clId="{DEEC9A6B-597B-A549-8046-E8A6FAF2541E}" dt="2022-01-10T19:13:47.222" v="827"/>
+          <ac:spMkLst>
+            <pc:docMk/>
+            <pc:sldMk cId="1245941282" sldId="577"/>
+            <ac:spMk id="35842" creationId="{C94BCA01-D831-ED4D-84FD-C30E8117F872}"/>
+          </ac:spMkLst>
+        </pc:spChg>
+      </pc:sldChg>
+      <pc:sldChg chg="add">
+        <pc:chgData name="Long Nguyen" userId="f59fb8f3-a021-417a-8bc1-65c8d471c621" providerId="ADAL" clId="{DEEC9A6B-597B-A549-8046-E8A6FAF2541E}" dt="2022-01-10T16:27:06.789" v="819"/>
+        <pc:sldMkLst>
+          <pc:docMk/>
+          <pc:sldMk cId="2407339280" sldId="578"/>
+        </pc:sldMkLst>
+      </pc:sldChg>
+    </pc:docChg>
+  </pc:docChgLst>
+  <pc:docChgLst>
     <pc:chgData name="Long B Nguyen" userId="f59fb8f3-a021-417a-8bc1-65c8d471c621" providerId="ADAL" clId="{9268B748-66AA-0742-9E6D-C568D3B99E77}"/>
     <pc:docChg chg="undo custSel addSld delSld modSld">
       <pc:chgData name="Long B Nguyen" userId="f59fb8f3-a021-417a-8bc1-65c8d471c621" providerId="ADAL" clId="{9268B748-66AA-0742-9E6D-C568D3B99E77}" dt="2021-02-01T16:44:08.466" v="6273" actId="207"/>
@@ -3310,7 +3625,7 @@
           <a:p>
             <a:fld id="{29FB45CD-1365-4F4B-B580-C19222E1A371}" type="datetimeFigureOut">
               <a:rPr lang="en-US" smtClean="0"/>
-              <a:t>2/1/21</a:t>
+              <a:t>1/10/22</a:t>
             </a:fld>
             <a:endParaRPr lang="en-US"/>
           </a:p>
@@ -3750,7 +4065,7 @@
                   <a:spcPct val="0"/>
                 </a:spcBef>
               </a:pPr>
-              <a:t>25</a:t>
+              <a:t>28</a:t>
             </a:fld>
             <a:endParaRPr lang="en-US" altLang="en-US"/>
           </a:p>
@@ -3968,7 +4283,7 @@
           <a:p>
             <a:fld id="{4AAD347D-5ACD-4C99-B74B-A9C85AD731AF}" type="datetimeFigureOut">
               <a:rPr lang="en-US" smtClean="0"/>
-              <a:t>2/1/21</a:t>
+              <a:t>1/10/22</a:t>
             </a:fld>
             <a:endParaRPr lang="en-US" dirty="0"/>
           </a:p>
@@ -4138,7 +4453,7 @@
           <a:p>
             <a:fld id="{4509A250-FF31-4206-8172-F9D3106AACB1}" type="datetimeFigureOut">
               <a:rPr lang="en-US" smtClean="0"/>
-              <a:t>2/1/21</a:t>
+              <a:t>1/10/22</a:t>
             </a:fld>
             <a:endParaRPr lang="en-US" dirty="0"/>
           </a:p>
@@ -4318,7 +4633,7 @@
           <a:p>
             <a:fld id="{4509A250-FF31-4206-8172-F9D3106AACB1}" type="datetimeFigureOut">
               <a:rPr lang="en-US" smtClean="0"/>
-              <a:t>2/1/21</a:t>
+              <a:t>1/10/22</a:t>
             </a:fld>
             <a:endParaRPr lang="en-US" dirty="0"/>
           </a:p>
@@ -4488,7 +4803,7 @@
           <a:p>
             <a:fld id="{4509A250-FF31-4206-8172-F9D3106AACB1}" type="datetimeFigureOut">
               <a:rPr lang="en-US" smtClean="0"/>
-              <a:t>2/1/21</a:t>
+              <a:t>1/10/22</a:t>
             </a:fld>
             <a:endParaRPr lang="en-US" dirty="0"/>
           </a:p>
@@ -4734,7 +5049,7 @@
           <a:p>
             <a:fld id="{9796027F-7875-4030-9381-8BD8C4F21935}" type="datetimeFigureOut">
               <a:rPr lang="en-US" smtClean="0"/>
-              <a:t>2/1/21</a:t>
+              <a:t>1/10/22</a:t>
             </a:fld>
             <a:endParaRPr lang="en-US" dirty="0"/>
           </a:p>
@@ -4966,7 +5281,7 @@
           <a:p>
             <a:fld id="{9796027F-7875-4030-9381-8BD8C4F21935}" type="datetimeFigureOut">
               <a:rPr lang="en-US" smtClean="0"/>
-              <a:t>2/1/21</a:t>
+              <a:t>1/10/22</a:t>
             </a:fld>
             <a:endParaRPr lang="en-US" dirty="0"/>
           </a:p>
@@ -5333,7 +5648,7 @@
           <a:p>
             <a:fld id="{9796027F-7875-4030-9381-8BD8C4F21935}" type="datetimeFigureOut">
               <a:rPr lang="en-US" smtClean="0"/>
-              <a:t>2/1/21</a:t>
+              <a:t>1/10/22</a:t>
             </a:fld>
             <a:endParaRPr lang="en-US" dirty="0"/>
           </a:p>
@@ -5451,7 +5766,7 @@
           <a:p>
             <a:fld id="{4509A250-FF31-4206-8172-F9D3106AACB1}" type="datetimeFigureOut">
               <a:rPr lang="en-US" smtClean="0"/>
-              <a:t>2/1/21</a:t>
+              <a:t>1/10/22</a:t>
             </a:fld>
             <a:endParaRPr lang="en-US" dirty="0"/>
           </a:p>
@@ -5546,7 +5861,7 @@
           <a:p>
             <a:fld id="{4509A250-FF31-4206-8172-F9D3106AACB1}" type="datetimeFigureOut">
               <a:rPr lang="en-US" smtClean="0"/>
-              <a:t>2/1/21</a:t>
+              <a:t>1/10/22</a:t>
             </a:fld>
             <a:endParaRPr lang="en-US" dirty="0"/>
           </a:p>
@@ -5823,7 +6138,7 @@
           <a:p>
             <a:fld id="{4509A250-FF31-4206-8172-F9D3106AACB1}" type="datetimeFigureOut">
               <a:rPr lang="en-US" smtClean="0"/>
-              <a:t>2/1/21</a:t>
+              <a:t>1/10/22</a:t>
             </a:fld>
             <a:endParaRPr lang="en-US" dirty="0"/>
           </a:p>
@@ -6080,7 +6395,7 @@
           <a:p>
             <a:fld id="{4509A250-FF31-4206-8172-F9D3106AACB1}" type="datetimeFigureOut">
               <a:rPr lang="en-US" smtClean="0"/>
-              <a:t>2/1/21</a:t>
+              <a:t>1/10/22</a:t>
             </a:fld>
             <a:endParaRPr lang="en-US" dirty="0"/>
           </a:p>
@@ -6293,7 +6608,7 @@
           <a:p>
             <a:fld id="{4AAD347D-5ACD-4C99-B74B-A9C85AD731AF}" type="datetimeFigureOut">
               <a:rPr lang="en-US" smtClean="0"/>
-              <a:t>2/1/21</a:t>
+              <a:t>1/10/22</a:t>
             </a:fld>
             <a:endParaRPr lang="en-US" dirty="0"/>
           </a:p>
@@ -6805,10 +7120,10 @@
       </p:grpSpPr>
       <p:sp>
         <p:nvSpPr>
-          <p:cNvPr id="35841" name="Rectangle 2">
+          <p:cNvPr id="20482" name="Rectangle 2">
             <a:extLst>
               <a:ext uri="{FF2B5EF4-FFF2-40B4-BE49-F238E27FC236}">
-                <a16:creationId xmlns:a16="http://schemas.microsoft.com/office/drawing/2014/main" id="{09D8876C-8F7A-C748-966B-672B36C17545}"/>
+                <a16:creationId xmlns:a16="http://schemas.microsoft.com/office/drawing/2014/main" id="{73D160BB-46FA-B540-AB72-FF988D3E48D4}"/>
               </a:ext>
             </a:extLst>
           </p:cNvPr>
@@ -6816,35 +7131,40 @@
             <a:spLocks noGrp="1" noChangeArrowheads="1"/>
           </p:cNvSpPr>
           <p:nvPr>
-            <p:ph type="title"/>
+            <p:ph type="title" idx="4294967295"/>
           </p:nvPr>
         </p:nvSpPr>
         <p:spPr>
           <a:xfrm>
-            <a:off x="152400" y="19843"/>
-            <a:ext cx="7848600" cy="713582"/>
+            <a:off x="189427" y="100584"/>
+            <a:ext cx="8630723" cy="531468"/>
           </a:xfrm>
         </p:spPr>
         <p:txBody>
-          <a:bodyPr/>
+          <a:bodyPr vert="horz" lIns="0" tIns="45720" rIns="0" bIns="0" rtlCol="0" anchor="b">
+            <a:normAutofit/>
+          </a:bodyPr>
           <a:lstStyle/>
           <a:p>
-            <a:pPr eaLnBrk="1" hangingPunct="1"/>
-            <a:r>
-              <a:rPr lang="en-US" altLang="en-US" dirty="0">
-                <a:ea typeface="ＭＳ Ｐゴシック" panose="020B0600070205080204" pitchFamily="34" charset="-128"/>
-              </a:rPr>
-              <a:t>Animation</a:t>
+            <a:pPr eaLnBrk="1" hangingPunct="1">
+              <a:defRPr/>
+            </a:pPr>
+            <a:r>
+              <a:rPr lang="en-US" dirty="0">
+                <a:latin typeface="Courier New" charset="0"/>
+                <a:cs typeface="+mj-cs"/>
+              </a:rPr>
+              <a:t>Some Methods for Drawing Shapes</a:t>
             </a:r>
           </a:p>
         </p:txBody>
       </p:sp>
       <p:sp>
         <p:nvSpPr>
-          <p:cNvPr id="35842" name="Rectangle 3">
+          <p:cNvPr id="20483" name="Rectangle 3">
             <a:extLst>
               <a:ext uri="{FF2B5EF4-FFF2-40B4-BE49-F238E27FC236}">
-                <a16:creationId xmlns:a16="http://schemas.microsoft.com/office/drawing/2014/main" id="{C94BCA01-D831-ED4D-84FD-C30E8117F872}"/>
+                <a16:creationId xmlns:a16="http://schemas.microsoft.com/office/drawing/2014/main" id="{1BDDF6AF-7FBC-3849-B4A5-9D30ED403E3D}"/>
               </a:ext>
             </a:extLst>
           </p:cNvPr>
@@ -6852,541 +7172,226 @@
             <a:spLocks noGrp="1" noChangeArrowheads="1"/>
           </p:cNvSpPr>
           <p:nvPr>
-            <p:ph type="body" idx="1"/>
+            <p:ph idx="4294967295"/>
           </p:nvPr>
         </p:nvSpPr>
         <p:spPr>
           <a:xfrm>
-            <a:off x="152399" y="590551"/>
-            <a:ext cx="8905875" cy="5104606"/>
+            <a:off x="189427" y="723900"/>
+            <a:ext cx="8844845" cy="4890516"/>
           </a:xfrm>
         </p:spPr>
         <p:txBody>
           <a:bodyPr>
-            <a:normAutofit/>
+            <a:noAutofit/>
           </a:bodyPr>
           <a:lstStyle/>
           <a:p>
             <a:pPr marL="0" indent="0">
               <a:buNone/>
-            </a:pPr>
-            <a:r>
-              <a:rPr lang="en-US" altLang="en-US" sz="1800" dirty="0">
-                <a:latin typeface="INCONSOLATA" panose="020B0609030003000000" pitchFamily="49" charset="77"/>
-                <a:ea typeface="ＭＳ Ｐゴシック" panose="020B0600070205080204" pitchFamily="34" charset="-128"/>
-              </a:rPr>
-              <a:t>class Window:    </a:t>
-            </a:r>
+              <a:defRPr/>
+            </a:pPr>
+            <a:endParaRPr lang="en-US" sz="2000" dirty="0">
+              <a:cs typeface="Tahoma"/>
+            </a:endParaRPr>
+          </a:p>
+          <a:p>
+            <a:pPr marL="0" indent="0" eaLnBrk="1" hangingPunct="1">
+              <a:buNone/>
+              <a:defRPr/>
+            </a:pPr>
+            <a:r>
+              <a:rPr lang="en-US" sz="2000" b="1" dirty="0">
+                <a:latin typeface="Courier New" charset="0"/>
+              </a:rPr>
+              <a:t>fill(r, g, b)</a:t>
+            </a:r>
+            <a:r>
+              <a:rPr lang="en-US" sz="2000" dirty="0">
+                <a:latin typeface="Courier New" charset="0"/>
+              </a:rPr>
+              <a:t>:</a:t>
+            </a:r>
+            <a:r>
+              <a:rPr lang="en-US" sz="2000" dirty="0">
+                <a:cs typeface="Tahoma"/>
+              </a:rPr>
+              <a:t>By calling fill BEFORE a shape will set the color of the shape. Call it again before drawing another shape to change color. </a:t>
+            </a:r>
+          </a:p>
+          <a:p>
+            <a:pPr marL="0" indent="0" eaLnBrk="1" hangingPunct="1">
+              <a:buNone/>
+              <a:defRPr/>
+            </a:pPr>
+            <a:endParaRPr lang="en-US" sz="2000" b="1" dirty="0">
+              <a:latin typeface="Courier New" charset="0"/>
+              <a:sym typeface="Wingdings"/>
+            </a:endParaRPr>
+          </a:p>
+          <a:p>
+            <a:pPr marL="0" indent="0" eaLnBrk="1" hangingPunct="1">
+              <a:buNone/>
+              <a:defRPr/>
+            </a:pPr>
+            <a:r>
+              <a:rPr lang="en-US" sz="2000" b="1" dirty="0">
+                <a:latin typeface="Courier New" charset="0"/>
+                <a:sym typeface="Wingdings"/>
+              </a:rPr>
+              <a:t>line(x1, y1, x2, y2):</a:t>
+            </a:r>
+            <a:r>
+              <a:rPr lang="en-US" sz="2000" dirty="0">
+                <a:sym typeface="Wingdings"/>
+              </a:rPr>
+              <a:t>draw line through (x1, y1) and (x2, y2).</a:t>
+            </a:r>
+          </a:p>
+          <a:p>
+            <a:pPr marL="0" indent="0" eaLnBrk="1" hangingPunct="1">
+              <a:buNone/>
+              <a:defRPr/>
+            </a:pPr>
+            <a:endParaRPr lang="en-US" sz="2000" b="1" dirty="0">
+              <a:latin typeface="Courier New" charset="0"/>
+              <a:sym typeface="Wingdings"/>
+            </a:endParaRPr>
+          </a:p>
+          <a:p>
+            <a:pPr marL="0" indent="0" eaLnBrk="1" hangingPunct="1">
+              <a:buNone/>
+              <a:defRPr/>
+            </a:pPr>
+            <a:r>
+              <a:rPr lang="en-US" sz="2000" b="1" dirty="0">
+                <a:latin typeface="Courier New" charset="0"/>
+                <a:sym typeface="Wingdings"/>
+              </a:rPr>
+              <a:t>ellipse(x, y, width, height):</a:t>
+            </a:r>
+            <a:r>
+              <a:rPr lang="en-US" sz="2000" dirty="0">
+                <a:cs typeface="Tahoma"/>
+                <a:sym typeface="Wingdings"/>
+              </a:rPr>
+              <a:t>center of ellipse is (x, y); width and height are the lengths of the axes.</a:t>
+            </a:r>
+          </a:p>
+          <a:p>
+            <a:pPr marL="0" indent="0" eaLnBrk="1" hangingPunct="1">
+              <a:buNone/>
+              <a:defRPr/>
+            </a:pPr>
+            <a:endParaRPr lang="en-US" sz="2000" b="1" dirty="0">
+              <a:latin typeface="Courier New" charset="0"/>
+            </a:endParaRPr>
           </a:p>
           <a:p>
             <a:pPr marL="0" indent="0">
               <a:buNone/>
-            </a:pPr>
-            <a:r>
-              <a:rPr lang="en-US" altLang="en-US" sz="1800" dirty="0">
-                <a:latin typeface="INCONSOLATA" panose="020B0609030003000000" pitchFamily="49" charset="77"/>
-                <a:ea typeface="ＭＳ Ｐゴシック" panose="020B0600070205080204" pitchFamily="34" charset="-128"/>
-              </a:rPr>
-              <a:t>    def __</a:t>
-            </a:r>
-            <a:r>
-              <a:rPr lang="en-US" altLang="en-US" sz="1800" dirty="0" err="1">
-                <a:latin typeface="INCONSOLATA" panose="020B0609030003000000" pitchFamily="49" charset="77"/>
-                <a:ea typeface="ＭＳ Ｐゴシック" panose="020B0600070205080204" pitchFamily="34" charset="-128"/>
-              </a:rPr>
-              <a:t>init</a:t>
-            </a:r>
-            <a:r>
-              <a:rPr lang="en-US" altLang="en-US" sz="1800" dirty="0">
-                <a:latin typeface="INCONSOLATA" panose="020B0609030003000000" pitchFamily="49" charset="77"/>
-                <a:ea typeface="ＭＳ Ｐゴシック" panose="020B0600070205080204" pitchFamily="34" charset="-128"/>
-              </a:rPr>
-              <a:t>__(self):</a:t>
+              <a:defRPr/>
+            </a:pPr>
+            <a:r>
+              <a:rPr lang="en-US" sz="2000" b="1" dirty="0" err="1">
+                <a:latin typeface="Courier New" charset="0"/>
+              </a:rPr>
+              <a:t>rect</a:t>
+            </a:r>
+            <a:r>
+              <a:rPr lang="en-US" sz="2000" b="1" dirty="0">
+                <a:latin typeface="Courier New" charset="0"/>
+                <a:sym typeface="Wingdings"/>
+              </a:rPr>
+              <a:t>(x, y, width, </a:t>
+            </a:r>
+            <a:r>
+              <a:rPr lang="en-US" sz="2000" b="1" dirty="0" err="1">
+                <a:latin typeface="Courier New" charset="0"/>
+                <a:sym typeface="Wingdings"/>
+              </a:rPr>
+              <a:t>height</a:t>
+            </a:r>
+            <a:r>
+              <a:rPr lang="en-US" sz="2000" dirty="0" err="1">
+                <a:latin typeface="Courier New" charset="0"/>
+                <a:sym typeface="Wingdings"/>
+              </a:rPr>
+              <a:t>:</a:t>
+            </a:r>
+            <a:r>
+              <a:rPr lang="en-US" sz="2000" dirty="0" err="1">
+                <a:cs typeface="Tahoma"/>
+                <a:sym typeface="Wingdings"/>
+              </a:rPr>
+              <a:t>center</a:t>
+            </a:r>
+            <a:r>
+              <a:rPr lang="en-US" sz="2000" dirty="0">
+                <a:cs typeface="Tahoma"/>
+                <a:sym typeface="Wingdings"/>
+              </a:rPr>
+              <a:t> of the rectangle is (</a:t>
+            </a:r>
+            <a:r>
+              <a:rPr lang="en-US" sz="2000" dirty="0" err="1">
+                <a:cs typeface="Tahoma"/>
+                <a:sym typeface="Wingdings"/>
+              </a:rPr>
+              <a:t>x,y</a:t>
+            </a:r>
+            <a:r>
+              <a:rPr lang="en-US" sz="2000" dirty="0">
+                <a:cs typeface="Tahoma"/>
+                <a:sym typeface="Wingdings"/>
+              </a:rPr>
+              <a:t>)</a:t>
             </a:r>
           </a:p>
           <a:p>
             <a:pPr marL="0" indent="0">
               <a:buNone/>
-            </a:pPr>
-            <a:r>
-              <a:rPr lang="en-US" altLang="en-US" sz="1800" dirty="0">
-                <a:latin typeface="INCONSOLATA" panose="020B0609030003000000" pitchFamily="49" charset="77"/>
-                <a:ea typeface="ＭＳ Ｐゴシック" panose="020B0600070205080204" pitchFamily="34" charset="-128"/>
-              </a:rPr>
-              <a:t>		""" Declare/initialize all variables here."""</a:t>
-            </a:r>
+              <a:defRPr/>
+            </a:pPr>
+            <a:endParaRPr lang="en-US" sz="2000" dirty="0">
+              <a:latin typeface="Courier New" charset="0"/>
+            </a:endParaRPr>
+          </a:p>
+          <a:p>
+            <a:pPr eaLnBrk="1" hangingPunct="1">
+              <a:defRPr/>
+            </a:pPr>
+            <a:endParaRPr lang="en-US" sz="2000" dirty="0">
+              <a:latin typeface="Courier New" charset="0"/>
+            </a:endParaRPr>
           </a:p>
           <a:p>
             <a:pPr marL="0" indent="0">
               <a:buNone/>
-            </a:pPr>
-            <a:r>
-              <a:rPr lang="en-US" altLang="en-US" sz="1800" dirty="0">
-                <a:latin typeface="INCONSOLATA" panose="020B0609030003000000" pitchFamily="49" charset="77"/>
-                <a:ea typeface="ＭＳ Ｐゴシック" panose="020B0600070205080204" pitchFamily="34" charset="-128"/>
-              </a:rPr>
-              <a:t>	   </a:t>
-            </a:r>
-            <a:r>
-              <a:rPr lang="en-US" altLang="en-US" sz="1800" dirty="0" err="1">
-                <a:solidFill>
-                  <a:srgbClr val="FF0000"/>
-                </a:solidFill>
-                <a:latin typeface="INCONSOLATA" panose="020B0609030003000000" pitchFamily="49" charset="77"/>
-                <a:ea typeface="ＭＳ Ｐゴシック" panose="020B0600070205080204" pitchFamily="34" charset="-128"/>
-              </a:rPr>
-              <a:t>self.x</a:t>
-            </a:r>
-            <a:r>
-              <a:rPr lang="en-US" altLang="en-US" sz="1800" dirty="0">
-                <a:solidFill>
-                  <a:srgbClr val="FF0000"/>
-                </a:solidFill>
-                <a:latin typeface="INCONSOLATA" panose="020B0609030003000000" pitchFamily="49" charset="77"/>
-                <a:ea typeface="ＭＳ Ｐゴシック" panose="020B0600070205080204" pitchFamily="34" charset="-128"/>
-              </a:rPr>
-              <a:t> = WIDTH/2</a:t>
+              <a:defRPr/>
+            </a:pPr>
+            <a:r>
+              <a:rPr lang="en-US" sz="2000" dirty="0">
+                <a:latin typeface="Courier New" charset="0"/>
+              </a:rPr>
+              <a:t> </a:t>
             </a:r>
           </a:p>
           <a:p>
             <a:pPr marL="0" indent="0">
               <a:buNone/>
-            </a:pPr>
-            <a:r>
-              <a:rPr lang="en-US" altLang="en-US" sz="1800" dirty="0">
-                <a:solidFill>
-                  <a:srgbClr val="FF0000"/>
-                </a:solidFill>
-                <a:latin typeface="INCONSOLATA" panose="020B0609030003000000" pitchFamily="49" charset="77"/>
-                <a:ea typeface="ＭＳ Ｐゴシック" panose="020B0600070205080204" pitchFamily="34" charset="-128"/>
-              </a:rPr>
-              <a:t>	   </a:t>
-            </a:r>
-            <a:r>
-              <a:rPr lang="en-US" altLang="en-US" sz="1800" dirty="0" err="1">
-                <a:solidFill>
-                  <a:srgbClr val="FF0000"/>
-                </a:solidFill>
-                <a:latin typeface="INCONSOLATA" panose="020B0609030003000000" pitchFamily="49" charset="77"/>
-                <a:ea typeface="ＭＳ Ｐゴシック" panose="020B0600070205080204" pitchFamily="34" charset="-128"/>
-              </a:rPr>
-              <a:t>self.y</a:t>
-            </a:r>
-            <a:r>
-              <a:rPr lang="en-US" altLang="en-US" sz="1800" dirty="0">
-                <a:solidFill>
-                  <a:srgbClr val="FF0000"/>
-                </a:solidFill>
-                <a:latin typeface="INCONSOLATA" panose="020B0609030003000000" pitchFamily="49" charset="77"/>
-                <a:ea typeface="ＭＳ Ｐゴシック" panose="020B0600070205080204" pitchFamily="34" charset="-128"/>
-              </a:rPr>
-              <a:t> = HEIGHT/2</a:t>
-            </a:r>
-          </a:p>
-          <a:p>
-            <a:pPr marL="0" indent="0">
-              <a:buNone/>
-            </a:pPr>
-            <a:r>
-              <a:rPr lang="en-US" altLang="en-US" sz="1800" dirty="0">
-                <a:latin typeface="INCONSOLATA" panose="020B0609030003000000" pitchFamily="49" charset="77"/>
-                <a:ea typeface="ＭＳ Ｐゴシック" panose="020B0600070205080204" pitchFamily="34" charset="-128"/>
-              </a:rPr>
-              <a:t>    </a:t>
-            </a:r>
-            <a:r>
-              <a:rPr lang="en-US" altLang="en-US" sz="1800" dirty="0">
-                <a:solidFill>
-                  <a:srgbClr val="7030A0"/>
-                </a:solidFill>
-                <a:latin typeface="INCONSOLATA" panose="020B0609030003000000" pitchFamily="49" charset="77"/>
-                <a:ea typeface="ＭＳ Ｐゴシック" panose="020B0600070205080204" pitchFamily="34" charset="-128"/>
-              </a:rPr>
-              <a:t>def </a:t>
-            </a:r>
-            <a:r>
-              <a:rPr lang="en-US" altLang="en-US" sz="1800" dirty="0" err="1">
-                <a:solidFill>
-                  <a:srgbClr val="7030A0"/>
-                </a:solidFill>
-                <a:latin typeface="INCONSOLATA" panose="020B0609030003000000" pitchFamily="49" charset="77"/>
-                <a:ea typeface="ＭＳ Ｐゴシック" panose="020B0600070205080204" pitchFamily="34" charset="-128"/>
-              </a:rPr>
-              <a:t>on_draw</a:t>
-            </a:r>
-            <a:r>
-              <a:rPr lang="en-US" altLang="en-US" sz="1800" dirty="0">
-                <a:solidFill>
-                  <a:srgbClr val="7030A0"/>
-                </a:solidFill>
-                <a:latin typeface="INCONSOLATA" panose="020B0609030003000000" pitchFamily="49" charset="77"/>
-                <a:ea typeface="ＭＳ Ｐゴシック" panose="020B0600070205080204" pitchFamily="34" charset="-128"/>
-              </a:rPr>
-              <a:t>(self):</a:t>
-            </a:r>
-          </a:p>
-          <a:p>
-            <a:pPr marL="0" indent="0">
-              <a:buNone/>
-            </a:pPr>
-            <a:r>
-              <a:rPr lang="en-US" altLang="en-US" sz="1800" dirty="0">
-                <a:solidFill>
-                  <a:srgbClr val="7030A0"/>
-                </a:solidFill>
-                <a:latin typeface="INCONSOLATA" panose="020B0609030003000000" pitchFamily="49" charset="77"/>
-                <a:ea typeface="ＭＳ Ｐゴシック" panose="020B0600070205080204" pitchFamily="34" charset="-128"/>
-              </a:rPr>
-              <a:t>        """ Called automatically 60 times a second to draw all objects. </a:t>
-            </a:r>
-          </a:p>
-          <a:p>
-            <a:pPr marL="0" indent="0">
-              <a:buNone/>
-            </a:pPr>
-            <a:r>
-              <a:rPr lang="en-US" altLang="en-US" sz="1800" dirty="0">
-                <a:solidFill>
-                  <a:schemeClr val="accent1"/>
-                </a:solidFill>
-                <a:latin typeface="INCONSOLATA" panose="020B0609030003000000" pitchFamily="49" charset="77"/>
-                <a:ea typeface="ＭＳ Ｐゴシック" panose="020B0600070205080204" pitchFamily="34" charset="-128"/>
-              </a:rPr>
-              <a:t>        # draw red circle at (20, 25) diameter = 300 pixels</a:t>
-            </a:r>
-          </a:p>
-          <a:p>
-            <a:pPr marL="0" indent="0">
-              <a:buNone/>
-            </a:pPr>
-            <a:r>
-              <a:rPr lang="en-US" altLang="en-US" sz="1800" dirty="0">
-                <a:latin typeface="INCONSOLATA" panose="020B0609030003000000" pitchFamily="49" charset="77"/>
-                <a:ea typeface="ＭＳ Ｐゴシック" panose="020B0600070205080204" pitchFamily="34" charset="-128"/>
-              </a:rPr>
-              <a:t>	   </a:t>
-            </a:r>
-            <a:r>
-              <a:rPr lang="en-US" altLang="en-US" sz="1800" dirty="0">
-                <a:solidFill>
-                  <a:srgbClr val="FF0000"/>
-                </a:solidFill>
-                <a:latin typeface="INCONSOLATA" panose="020B0609030003000000" pitchFamily="49" charset="77"/>
-                <a:ea typeface="ＭＳ Ｐゴシック" panose="020B0600070205080204" pitchFamily="34" charset="-128"/>
-              </a:rPr>
-              <a:t>fill(255, 0, 0) </a:t>
-            </a:r>
-          </a:p>
-          <a:p>
-            <a:pPr marL="0" indent="0">
-              <a:buNone/>
-            </a:pPr>
-            <a:r>
-              <a:rPr lang="en-US" altLang="en-US" sz="1800" dirty="0">
-                <a:solidFill>
-                  <a:srgbClr val="FF0000"/>
-                </a:solidFill>
-                <a:latin typeface="INCONSOLATA" panose="020B0609030003000000" pitchFamily="49" charset="77"/>
-                <a:ea typeface="ＭＳ Ｐゴシック" panose="020B0600070205080204" pitchFamily="34" charset="-128"/>
-              </a:rPr>
-              <a:t>         ellipse(</a:t>
-            </a:r>
-            <a:r>
-              <a:rPr lang="en-US" altLang="en-US" sz="1800" dirty="0" err="1">
-                <a:solidFill>
-                  <a:srgbClr val="FF0000"/>
-                </a:solidFill>
-                <a:latin typeface="INCONSOLATA" panose="020B0609030003000000" pitchFamily="49" charset="77"/>
-                <a:ea typeface="ＭＳ Ｐゴシック" panose="020B0600070205080204" pitchFamily="34" charset="-128"/>
-              </a:rPr>
-              <a:t>self.x</a:t>
-            </a:r>
-            <a:r>
-              <a:rPr lang="en-US" altLang="en-US" sz="1800" dirty="0">
-                <a:solidFill>
-                  <a:srgbClr val="FF0000"/>
-                </a:solidFill>
-                <a:latin typeface="INCONSOLATA" panose="020B0609030003000000" pitchFamily="49" charset="77"/>
-                <a:ea typeface="ＭＳ Ｐゴシック" panose="020B0600070205080204" pitchFamily="34" charset="-128"/>
-              </a:rPr>
-              <a:t>, </a:t>
-            </a:r>
-            <a:r>
-              <a:rPr lang="en-US" altLang="en-US" sz="1800" dirty="0" err="1">
-                <a:solidFill>
-                  <a:srgbClr val="FF0000"/>
-                </a:solidFill>
-                <a:latin typeface="INCONSOLATA" panose="020B0609030003000000" pitchFamily="49" charset="77"/>
-                <a:ea typeface="ＭＳ Ｐゴシック" panose="020B0600070205080204" pitchFamily="34" charset="-128"/>
-              </a:rPr>
-              <a:t>self.y</a:t>
-            </a:r>
-            <a:r>
-              <a:rPr lang="en-US" altLang="en-US" sz="1800" dirty="0">
-                <a:solidFill>
-                  <a:srgbClr val="FF0000"/>
-                </a:solidFill>
-                <a:latin typeface="INCONSOLATA" panose="020B0609030003000000" pitchFamily="49" charset="77"/>
-                <a:ea typeface="ＭＳ Ｐゴシック" panose="020B0600070205080204" pitchFamily="34" charset="-128"/>
-              </a:rPr>
-              <a:t>, 300, 300) </a:t>
-            </a:r>
-          </a:p>
-          <a:p>
-            <a:pPr marL="0" indent="0">
-              <a:buNone/>
-            </a:pPr>
-            <a:r>
-              <a:rPr lang="en-US" altLang="en-US" sz="1800" dirty="0">
-                <a:latin typeface="INCONSOLATA" panose="020B0609030003000000" pitchFamily="49" charset="77"/>
-                <a:ea typeface="ＭＳ Ｐゴシック" panose="020B0600070205080204" pitchFamily="34" charset="-128"/>
-              </a:rPr>
-              <a:t>    </a:t>
-            </a:r>
-            <a:r>
-              <a:rPr lang="en-US" altLang="en-US" sz="1800" dirty="0">
-                <a:solidFill>
-                  <a:srgbClr val="7030A0"/>
-                </a:solidFill>
-                <a:latin typeface="INCONSOLATA" panose="020B0609030003000000" pitchFamily="49" charset="77"/>
-                <a:ea typeface="ＭＳ Ｐゴシック" panose="020B0600070205080204" pitchFamily="34" charset="-128"/>
-              </a:rPr>
-              <a:t>def </a:t>
-            </a:r>
-            <a:r>
-              <a:rPr lang="en-US" altLang="en-US" sz="1800" dirty="0" err="1">
-                <a:solidFill>
-                  <a:srgbClr val="7030A0"/>
-                </a:solidFill>
-                <a:latin typeface="INCONSOLATA" panose="020B0609030003000000" pitchFamily="49" charset="77"/>
-                <a:ea typeface="ＭＳ Ｐゴシック" panose="020B0600070205080204" pitchFamily="34" charset="-128"/>
-              </a:rPr>
-              <a:t>on_update</a:t>
-            </a:r>
-            <a:r>
-              <a:rPr lang="en-US" altLang="en-US" sz="1800" dirty="0">
-                <a:solidFill>
-                  <a:srgbClr val="7030A0"/>
-                </a:solidFill>
-                <a:latin typeface="INCONSOLATA" panose="020B0609030003000000" pitchFamily="49" charset="77"/>
-                <a:ea typeface="ＭＳ Ｐゴシック" panose="020B0600070205080204" pitchFamily="34" charset="-128"/>
-              </a:rPr>
-              <a:t>(self):</a:t>
-            </a:r>
-          </a:p>
-          <a:p>
-            <a:pPr marL="0" indent="0">
-              <a:buNone/>
-            </a:pPr>
-            <a:r>
-              <a:rPr lang="en-US" altLang="en-US" sz="1800" dirty="0">
-                <a:solidFill>
-                  <a:srgbClr val="7030A0"/>
-                </a:solidFill>
-                <a:latin typeface="INCONSOLATA" panose="020B0609030003000000" pitchFamily="49" charset="77"/>
-                <a:ea typeface="ＭＳ Ｐゴシック" panose="020B0600070205080204" pitchFamily="34" charset="-128"/>
-              </a:rPr>
-              <a:t>        """ Called automatically 60 times a second to update all objects. </a:t>
-            </a:r>
-          </a:p>
-          <a:p>
-            <a:pPr marL="0" indent="0">
-              <a:buNone/>
-            </a:pPr>
-            <a:r>
-              <a:rPr lang="en-US" altLang="en-US" sz="1800" dirty="0">
-                <a:latin typeface="INCONSOLATA" panose="020B0609030003000000" pitchFamily="49" charset="77"/>
-                <a:ea typeface="ＭＳ Ｐゴシック" panose="020B0600070205080204" pitchFamily="34" charset="-128"/>
-              </a:rPr>
-              <a:t>         </a:t>
-            </a:r>
-            <a:r>
-              <a:rPr lang="en-US" altLang="en-US" sz="1800" dirty="0" err="1">
-                <a:solidFill>
-                  <a:srgbClr val="FF0000"/>
-                </a:solidFill>
-                <a:latin typeface="INCONSOLATA" panose="020B0609030003000000" pitchFamily="49" charset="77"/>
-                <a:ea typeface="ＭＳ Ｐゴシック" panose="020B0600070205080204" pitchFamily="34" charset="-128"/>
-              </a:rPr>
-              <a:t>self.x</a:t>
-            </a:r>
-            <a:r>
-              <a:rPr lang="en-US" altLang="en-US" sz="1800" dirty="0">
-                <a:solidFill>
-                  <a:srgbClr val="FF0000"/>
-                </a:solidFill>
-                <a:latin typeface="INCONSOLATA" panose="020B0609030003000000" pitchFamily="49" charset="77"/>
-                <a:ea typeface="ＭＳ Ｐゴシック" panose="020B0600070205080204" pitchFamily="34" charset="-128"/>
-              </a:rPr>
-              <a:t> += 5</a:t>
-            </a:r>
-          </a:p>
-          <a:p>
-            <a:pPr marL="0" indent="0">
-              <a:buNone/>
-            </a:pPr>
-            <a:r>
-              <a:rPr lang="en-US" altLang="en-US" sz="1800" dirty="0">
-                <a:latin typeface="INCONSOLATA" panose="020B0609030003000000" pitchFamily="49" charset="77"/>
-                <a:ea typeface="ＭＳ Ｐゴシック" panose="020B0600070205080204" pitchFamily="34" charset="-128"/>
-              </a:rPr>
-              <a:t>        </a:t>
-            </a:r>
-          </a:p>
-          <a:p>
-            <a:pPr marL="0" indent="0">
-              <a:buNone/>
-            </a:pPr>
-            <a:endParaRPr lang="en-US" altLang="en-US" sz="1800" dirty="0">
-              <a:latin typeface="INCONSOLATA" panose="020B0609030003000000" pitchFamily="49" charset="77"/>
-              <a:ea typeface="ＭＳ Ｐゴシック" panose="020B0600070205080204" pitchFamily="34" charset="-128"/>
+              <a:defRPr/>
+            </a:pPr>
+            <a:endParaRPr lang="en-US" sz="2000" dirty="0">
+              <a:latin typeface="Courier New" charset="0"/>
             </a:endParaRPr>
           </a:p>
         </p:txBody>
       </p:sp>
-      <p:sp>
-        <p:nvSpPr>
-          <p:cNvPr id="2" name="TextBox 1">
-            <a:extLst>
-              <a:ext uri="{FF2B5EF4-FFF2-40B4-BE49-F238E27FC236}">
-                <a16:creationId xmlns:a16="http://schemas.microsoft.com/office/drawing/2014/main" id="{C360779D-4CA6-E54E-AF40-CFF286ECEDB6}"/>
-              </a:ext>
-            </a:extLst>
-          </p:cNvPr>
-          <p:cNvSpPr txBox="1"/>
-          <p:nvPr/>
-        </p:nvSpPr>
-        <p:spPr>
-          <a:xfrm>
-            <a:off x="2123600" y="42248"/>
-            <a:ext cx="4244239" cy="400110"/>
-          </a:xfrm>
-          <a:prstGeom prst="rect">
-            <a:avLst/>
-          </a:prstGeom>
-          <a:noFill/>
-        </p:spPr>
-        <p:txBody>
-          <a:bodyPr wrap="none" rtlCol="0">
-            <a:spAutoFit/>
-          </a:bodyPr>
-          <a:lstStyle/>
-          <a:p>
-            <a:r>
-              <a:rPr lang="en-US" sz="2000" dirty="0">
-                <a:solidFill>
-                  <a:schemeClr val="accent1"/>
-                </a:solidFill>
-              </a:rPr>
-              <a:t>Animation only takes five lines of code!</a:t>
-            </a:r>
-          </a:p>
-        </p:txBody>
-      </p:sp>
-      <p:sp>
-        <p:nvSpPr>
-          <p:cNvPr id="7" name="TextBox 6">
-            <a:extLst>
-              <a:ext uri="{FF2B5EF4-FFF2-40B4-BE49-F238E27FC236}">
-                <a16:creationId xmlns:a16="http://schemas.microsoft.com/office/drawing/2014/main" id="{FCD9C15D-1329-1444-B6C2-5E444C159CB2}"/>
-              </a:ext>
-            </a:extLst>
-          </p:cNvPr>
-          <p:cNvSpPr txBox="1"/>
-          <p:nvPr/>
-        </p:nvSpPr>
-        <p:spPr>
-          <a:xfrm>
-            <a:off x="3014438" y="385011"/>
-            <a:ext cx="6230552" cy="923330"/>
-          </a:xfrm>
-          <a:prstGeom prst="rect">
-            <a:avLst/>
-          </a:prstGeom>
-          <a:noFill/>
-        </p:spPr>
-        <p:txBody>
-          <a:bodyPr wrap="none" rtlCol="0">
-            <a:spAutoFit/>
-          </a:bodyPr>
-          <a:lstStyle/>
-          <a:p>
-            <a:r>
-              <a:rPr lang="en-US" sz="1800" b="1" dirty="0">
-                <a:solidFill>
-                  <a:schemeClr val="accent1"/>
-                </a:solidFill>
-              </a:rPr>
-              <a:t>When declaring/initializing a global variable that is used </a:t>
-            </a:r>
-          </a:p>
-          <a:p>
-            <a:r>
-              <a:rPr lang="en-US" sz="1800" b="1" dirty="0">
-                <a:solidFill>
-                  <a:schemeClr val="accent1"/>
-                </a:solidFill>
-              </a:rPr>
-              <a:t>throughout the game, use self and the dot notation.</a:t>
-            </a:r>
-          </a:p>
-          <a:p>
-            <a:r>
-              <a:rPr lang="en-US" sz="1800" b="1" dirty="0">
-                <a:solidFill>
-                  <a:srgbClr val="FF0000"/>
-                </a:solidFill>
-              </a:rPr>
-              <a:t>WIDTH and HEIGHT are width/height of the window.</a:t>
-            </a:r>
-          </a:p>
-        </p:txBody>
-      </p:sp>
-      <p:cxnSp>
-        <p:nvCxnSpPr>
-          <p:cNvPr id="6" name="Straight Arrow Connector 5">
-            <a:extLst>
-              <a:ext uri="{FF2B5EF4-FFF2-40B4-BE49-F238E27FC236}">
-                <a16:creationId xmlns:a16="http://schemas.microsoft.com/office/drawing/2014/main" id="{2FF5D069-E1A9-3247-B4C1-70C074CCF398}"/>
-              </a:ext>
-            </a:extLst>
-          </p:cNvPr>
-          <p:cNvCxnSpPr>
-            <a:cxnSpLocks/>
-          </p:cNvCxnSpPr>
-          <p:nvPr/>
-        </p:nvCxnSpPr>
-        <p:spPr>
-          <a:xfrm flipH="1">
-            <a:off x="1781175" y="770734"/>
-            <a:ext cx="1233263" cy="880370"/>
-          </a:xfrm>
-          <a:prstGeom prst="straightConnector1">
-            <a:avLst/>
-          </a:prstGeom>
-          <a:ln w="31750">
-            <a:tailEnd type="triangle"/>
-          </a:ln>
-        </p:spPr>
-        <p:style>
-          <a:lnRef idx="1">
-            <a:schemeClr val="accent1"/>
-          </a:lnRef>
-          <a:fillRef idx="0">
-            <a:schemeClr val="accent1"/>
-          </a:fillRef>
-          <a:effectRef idx="0">
-            <a:schemeClr val="accent1"/>
-          </a:effectRef>
-          <a:fontRef idx="minor">
-            <a:schemeClr val="tx1"/>
-          </a:fontRef>
-        </p:style>
-      </p:cxnSp>
     </p:spTree>
     <p:extLst>
       <p:ext uri="{BB962C8B-B14F-4D97-AF65-F5344CB8AC3E}">
-        <p14:creationId xmlns:p14="http://schemas.microsoft.com/office/powerpoint/2010/main" val="4279211704"/>
+        <p14:creationId xmlns:p14="http://schemas.microsoft.com/office/powerpoint/2010/main" val="3170541048"/>
       </p:ext>
     </p:extLst>
   </p:cSld>
@@ -7415,7 +7420,7 @@
                             </p:stCondLst>
                             <p:childTnLst>
                               <p:par>
-                                <p:cTn id="5" presetID="1" presetClass="entr" presetSubtype="0" fill="hold" grpId="0" nodeType="clickEffect">
+                                <p:cTn id="5" presetID="1" presetClass="entr" presetSubtype="0" fill="hold" nodeType="clickEffect">
                                   <p:stCondLst>
                                     <p:cond delay="0"/>
                                   </p:stCondLst>
@@ -7428,7 +7433,11 @@
                                           </p:stCondLst>
                                         </p:cTn>
                                         <p:tgtEl>
-                                          <p:spTgt spid="2"/>
+                                          <p:spTgt spid="20483">
+                                            <p:txEl>
+                                              <p:pRg st="3" end="3"/>
+                                            </p:txEl>
+                                          </p:spTgt>
                                         </p:tgtEl>
                                         <p:attrNameLst>
                                           <p:attrName>style.visibility</p:attrName>
@@ -7473,133 +7482,9 @@
                                           </p:stCondLst>
                                         </p:cTn>
                                         <p:tgtEl>
-                                          <p:spTgt spid="35842">
+                                          <p:spTgt spid="20483">
                                             <p:txEl>
-                                              <p:pRg st="0" end="0"/>
-                                            </p:txEl>
-                                          </p:spTgt>
-                                        </p:tgtEl>
-                                        <p:attrNameLst>
-                                          <p:attrName>style.visibility</p:attrName>
-                                        </p:attrNameLst>
-                                      </p:cBhvr>
-                                      <p:to>
-                                        <p:strVal val="visible"/>
-                                      </p:to>
-                                    </p:set>
-                                  </p:childTnLst>
-                                </p:cTn>
-                              </p:par>
-                              <p:par>
-                                <p:cTn id="11" presetID="1" presetClass="entr" presetSubtype="0" fill="hold" nodeType="withEffect">
-                                  <p:stCondLst>
-                                    <p:cond delay="0"/>
-                                  </p:stCondLst>
-                                  <p:childTnLst>
-                                    <p:set>
-                                      <p:cBhvr>
-                                        <p:cTn id="12" dur="1" fill="hold">
-                                          <p:stCondLst>
-                                            <p:cond delay="0"/>
-                                          </p:stCondLst>
-                                        </p:cTn>
-                                        <p:tgtEl>
-                                          <p:spTgt spid="35842">
-                                            <p:txEl>
-                                              <p:pRg st="1" end="1"/>
-                                            </p:txEl>
-                                          </p:spTgt>
-                                        </p:tgtEl>
-                                        <p:attrNameLst>
-                                          <p:attrName>style.visibility</p:attrName>
-                                        </p:attrNameLst>
-                                      </p:cBhvr>
-                                      <p:to>
-                                        <p:strVal val="visible"/>
-                                      </p:to>
-                                    </p:set>
-                                  </p:childTnLst>
-                                </p:cTn>
-                              </p:par>
-                              <p:par>
-                                <p:cTn id="13" presetID="1" presetClass="entr" presetSubtype="0" fill="hold" nodeType="withEffect">
-                                  <p:stCondLst>
-                                    <p:cond delay="0"/>
-                                  </p:stCondLst>
-                                  <p:childTnLst>
-                                    <p:set>
-                                      <p:cBhvr>
-                                        <p:cTn id="14" dur="1" fill="hold">
-                                          <p:stCondLst>
-                                            <p:cond delay="0"/>
-                                          </p:stCondLst>
-                                        </p:cTn>
-                                        <p:tgtEl>
-                                          <p:spTgt spid="35842">
-                                            <p:txEl>
-                                              <p:pRg st="2" end="2"/>
-                                            </p:txEl>
-                                          </p:spTgt>
-                                        </p:tgtEl>
-                                        <p:attrNameLst>
-                                          <p:attrName>style.visibility</p:attrName>
-                                        </p:attrNameLst>
-                                      </p:cBhvr>
-                                      <p:to>
-                                        <p:strVal val="visible"/>
-                                      </p:to>
-                                    </p:set>
-                                  </p:childTnLst>
-                                </p:cTn>
-                              </p:par>
-                              <p:par>
-                                <p:cTn id="15" presetID="1" presetClass="entr" presetSubtype="0" fill="hold" nodeType="withEffect">
-                                  <p:stCondLst>
-                                    <p:cond delay="0"/>
-                                  </p:stCondLst>
-                                  <p:childTnLst>
-                                    <p:set>
-                                      <p:cBhvr>
-                                        <p:cTn id="16" dur="1" fill="hold">
-                                          <p:stCondLst>
-                                            <p:cond delay="0"/>
-                                          </p:stCondLst>
-                                        </p:cTn>
-                                        <p:tgtEl>
-                                          <p:spTgt spid="35842">
-                                            <p:txEl>
-                                              <p:pRg st="3" end="3"/>
-                                            </p:txEl>
-                                          </p:spTgt>
-                                        </p:tgtEl>
-                                        <p:attrNameLst>
-                                          <p:attrName>style.visibility</p:attrName>
-                                        </p:attrNameLst>
-                                      </p:cBhvr>
-                                      <p:to>
-                                        <p:strVal val="visible"/>
-                                      </p:to>
-                                    </p:set>
-                                  </p:childTnLst>
-                                </p:cTn>
-                              </p:par>
-                              <p:par>
-                                <p:cTn id="17" presetID="1" presetClass="entr" presetSubtype="0" fill="hold" nodeType="withEffect">
-                                  <p:stCondLst>
-                                    <p:cond delay="0"/>
-                                  </p:stCondLst>
-                                  <p:childTnLst>
-                                    <p:set>
-                                      <p:cBhvr>
-                                        <p:cTn id="18" dur="1" fill="hold">
-                                          <p:stCondLst>
-                                            <p:cond delay="0"/>
-                                          </p:stCondLst>
-                                        </p:cTn>
-                                        <p:tgtEl>
-                                          <p:spTgt spid="35842">
-                                            <p:txEl>
-                                              <p:pRg st="4" end="4"/>
+                                              <p:pRg st="5" end="5"/>
                                             </p:txEl>
                                           </p:spTgt>
                                         </p:tgtEl>
@@ -7621,341 +7506,34 @@
                     </p:cTn>
                   </p:par>
                   <p:par>
-                    <p:cTn id="19" fill="hold">
+                    <p:cTn id="11" fill="hold">
                       <p:stCondLst>
                         <p:cond delay="indefinite"/>
                       </p:stCondLst>
                       <p:childTnLst>
                         <p:par>
-                          <p:cTn id="20" fill="hold">
+                          <p:cTn id="12" fill="hold">
                             <p:stCondLst>
                               <p:cond delay="0"/>
                             </p:stCondLst>
                             <p:childTnLst>
                               <p:par>
-                                <p:cTn id="21" presetID="1" presetClass="entr" presetSubtype="0" fill="hold" grpId="0" nodeType="clickEffect">
+                                <p:cTn id="13" presetID="1" presetClass="entr" presetSubtype="0" fill="hold" nodeType="clickEffect">
                                   <p:stCondLst>
                                     <p:cond delay="0"/>
                                   </p:stCondLst>
                                   <p:childTnLst>
                                     <p:set>
                                       <p:cBhvr>
-                                        <p:cTn id="22" dur="1" fill="hold">
+                                        <p:cTn id="14" dur="1" fill="hold">
                                           <p:stCondLst>
                                             <p:cond delay="0"/>
                                           </p:stCondLst>
                                         </p:cTn>
                                         <p:tgtEl>
-                                          <p:spTgt spid="7"/>
-                                        </p:tgtEl>
-                                        <p:attrNameLst>
-                                          <p:attrName>style.visibility</p:attrName>
-                                        </p:attrNameLst>
-                                      </p:cBhvr>
-                                      <p:to>
-                                        <p:strVal val="visible"/>
-                                      </p:to>
-                                    </p:set>
-                                  </p:childTnLst>
-                                </p:cTn>
-                              </p:par>
-                              <p:par>
-                                <p:cTn id="23" presetID="1" presetClass="entr" presetSubtype="0" fill="hold" nodeType="withEffect">
-                                  <p:stCondLst>
-                                    <p:cond delay="0"/>
-                                  </p:stCondLst>
-                                  <p:childTnLst>
-                                    <p:set>
-                                      <p:cBhvr>
-                                        <p:cTn id="24" dur="1" fill="hold">
-                                          <p:stCondLst>
-                                            <p:cond delay="0"/>
-                                          </p:stCondLst>
-                                        </p:cTn>
-                                        <p:tgtEl>
-                                          <p:spTgt spid="6"/>
-                                        </p:tgtEl>
-                                        <p:attrNameLst>
-                                          <p:attrName>style.visibility</p:attrName>
-                                        </p:attrNameLst>
-                                      </p:cBhvr>
-                                      <p:to>
-                                        <p:strVal val="visible"/>
-                                      </p:to>
-                                    </p:set>
-                                  </p:childTnLst>
-                                </p:cTn>
-                              </p:par>
-                            </p:childTnLst>
-                          </p:cTn>
-                        </p:par>
-                      </p:childTnLst>
-                    </p:cTn>
-                  </p:par>
-                  <p:par>
-                    <p:cTn id="25" fill="hold">
-                      <p:stCondLst>
-                        <p:cond delay="indefinite"/>
-                      </p:stCondLst>
-                      <p:childTnLst>
-                        <p:par>
-                          <p:cTn id="26" fill="hold">
-                            <p:stCondLst>
-                              <p:cond delay="0"/>
-                            </p:stCondLst>
-                            <p:childTnLst>
-                              <p:par>
-                                <p:cTn id="27" presetID="1" presetClass="entr" presetSubtype="0" fill="hold" nodeType="clickEffect">
-                                  <p:stCondLst>
-                                    <p:cond delay="0"/>
-                                  </p:stCondLst>
-                                  <p:childTnLst>
-                                    <p:set>
-                                      <p:cBhvr>
-                                        <p:cTn id="28" dur="1" fill="hold">
-                                          <p:stCondLst>
-                                            <p:cond delay="0"/>
-                                          </p:stCondLst>
-                                        </p:cTn>
-                                        <p:tgtEl>
-                                          <p:spTgt spid="35842">
-                                            <p:txEl>
-                                              <p:pRg st="5" end="5"/>
-                                            </p:txEl>
-                                          </p:spTgt>
-                                        </p:tgtEl>
-                                        <p:attrNameLst>
-                                          <p:attrName>style.visibility</p:attrName>
-                                        </p:attrNameLst>
-                                      </p:cBhvr>
-                                      <p:to>
-                                        <p:strVal val="visible"/>
-                                      </p:to>
-                                    </p:set>
-                                  </p:childTnLst>
-                                </p:cTn>
-                              </p:par>
-                              <p:par>
-                                <p:cTn id="29" presetID="1" presetClass="entr" presetSubtype="0" fill="hold" nodeType="withEffect">
-                                  <p:stCondLst>
-                                    <p:cond delay="0"/>
-                                  </p:stCondLst>
-                                  <p:childTnLst>
-                                    <p:set>
-                                      <p:cBhvr>
-                                        <p:cTn id="30" dur="1" fill="hold">
-                                          <p:stCondLst>
-                                            <p:cond delay="0"/>
-                                          </p:stCondLst>
-                                        </p:cTn>
-                                        <p:tgtEl>
-                                          <p:spTgt spid="35842">
-                                            <p:txEl>
-                                              <p:pRg st="6" end="6"/>
-                                            </p:txEl>
-                                          </p:spTgt>
-                                        </p:tgtEl>
-                                        <p:attrNameLst>
-                                          <p:attrName>style.visibility</p:attrName>
-                                        </p:attrNameLst>
-                                      </p:cBhvr>
-                                      <p:to>
-                                        <p:strVal val="visible"/>
-                                      </p:to>
-                                    </p:set>
-                                  </p:childTnLst>
-                                </p:cTn>
-                              </p:par>
-                              <p:par>
-                                <p:cTn id="31" presetID="1" presetClass="entr" presetSubtype="0" fill="hold" nodeType="withEffect">
-                                  <p:stCondLst>
-                                    <p:cond delay="0"/>
-                                  </p:stCondLst>
-                                  <p:childTnLst>
-                                    <p:set>
-                                      <p:cBhvr>
-                                        <p:cTn id="32" dur="1" fill="hold">
-                                          <p:stCondLst>
-                                            <p:cond delay="0"/>
-                                          </p:stCondLst>
-                                        </p:cTn>
-                                        <p:tgtEl>
-                                          <p:spTgt spid="35842">
+                                          <p:spTgt spid="20483">
                                             <p:txEl>
                                               <p:pRg st="7" end="7"/>
-                                            </p:txEl>
-                                          </p:spTgt>
-                                        </p:tgtEl>
-                                        <p:attrNameLst>
-                                          <p:attrName>style.visibility</p:attrName>
-                                        </p:attrNameLst>
-                                      </p:cBhvr>
-                                      <p:to>
-                                        <p:strVal val="visible"/>
-                                      </p:to>
-                                    </p:set>
-                                  </p:childTnLst>
-                                </p:cTn>
-                              </p:par>
-                              <p:par>
-                                <p:cTn id="33" presetID="1" presetClass="entr" presetSubtype="0" fill="hold" nodeType="withEffect">
-                                  <p:stCondLst>
-                                    <p:cond delay="0"/>
-                                  </p:stCondLst>
-                                  <p:childTnLst>
-                                    <p:set>
-                                      <p:cBhvr>
-                                        <p:cTn id="34" dur="1" fill="hold">
-                                          <p:stCondLst>
-                                            <p:cond delay="0"/>
-                                          </p:stCondLst>
-                                        </p:cTn>
-                                        <p:tgtEl>
-                                          <p:spTgt spid="35842">
-                                            <p:txEl>
-                                              <p:pRg st="8" end="8"/>
-                                            </p:txEl>
-                                          </p:spTgt>
-                                        </p:tgtEl>
-                                        <p:attrNameLst>
-                                          <p:attrName>style.visibility</p:attrName>
-                                        </p:attrNameLst>
-                                      </p:cBhvr>
-                                      <p:to>
-                                        <p:strVal val="visible"/>
-                                      </p:to>
-                                    </p:set>
-                                  </p:childTnLst>
-                                </p:cTn>
-                              </p:par>
-                              <p:par>
-                                <p:cTn id="35" presetID="1" presetClass="entr" presetSubtype="0" fill="hold" nodeType="withEffect">
-                                  <p:stCondLst>
-                                    <p:cond delay="0"/>
-                                  </p:stCondLst>
-                                  <p:childTnLst>
-                                    <p:set>
-                                      <p:cBhvr>
-                                        <p:cTn id="36" dur="1" fill="hold">
-                                          <p:stCondLst>
-                                            <p:cond delay="0"/>
-                                          </p:stCondLst>
-                                        </p:cTn>
-                                        <p:tgtEl>
-                                          <p:spTgt spid="35842">
-                                            <p:txEl>
-                                              <p:pRg st="9" end="9"/>
-                                            </p:txEl>
-                                          </p:spTgt>
-                                        </p:tgtEl>
-                                        <p:attrNameLst>
-                                          <p:attrName>style.visibility</p:attrName>
-                                        </p:attrNameLst>
-                                      </p:cBhvr>
-                                      <p:to>
-                                        <p:strVal val="visible"/>
-                                      </p:to>
-                                    </p:set>
-                                  </p:childTnLst>
-                                </p:cTn>
-                              </p:par>
-                            </p:childTnLst>
-                          </p:cTn>
-                        </p:par>
-                      </p:childTnLst>
-                    </p:cTn>
-                  </p:par>
-                  <p:par>
-                    <p:cTn id="37" fill="hold">
-                      <p:stCondLst>
-                        <p:cond delay="indefinite"/>
-                      </p:stCondLst>
-                      <p:childTnLst>
-                        <p:par>
-                          <p:cTn id="38" fill="hold">
-                            <p:stCondLst>
-                              <p:cond delay="0"/>
-                            </p:stCondLst>
-                            <p:childTnLst>
-                              <p:par>
-                                <p:cTn id="39" presetID="1" presetClass="entr" presetSubtype="0" fill="hold" nodeType="clickEffect">
-                                  <p:stCondLst>
-                                    <p:cond delay="0"/>
-                                  </p:stCondLst>
-                                  <p:childTnLst>
-                                    <p:set>
-                                      <p:cBhvr>
-                                        <p:cTn id="40" dur="1" fill="hold">
-                                          <p:stCondLst>
-                                            <p:cond delay="0"/>
-                                          </p:stCondLst>
-                                        </p:cTn>
-                                        <p:tgtEl>
-                                          <p:spTgt spid="35842">
-                                            <p:txEl>
-                                              <p:pRg st="10" end="10"/>
-                                            </p:txEl>
-                                          </p:spTgt>
-                                        </p:tgtEl>
-                                        <p:attrNameLst>
-                                          <p:attrName>style.visibility</p:attrName>
-                                        </p:attrNameLst>
-                                      </p:cBhvr>
-                                      <p:to>
-                                        <p:strVal val="visible"/>
-                                      </p:to>
-                                    </p:set>
-                                  </p:childTnLst>
-                                </p:cTn>
-                              </p:par>
-                              <p:par>
-                                <p:cTn id="41" presetID="1" presetClass="entr" presetSubtype="0" fill="hold" nodeType="withEffect">
-                                  <p:stCondLst>
-                                    <p:cond delay="0"/>
-                                  </p:stCondLst>
-                                  <p:childTnLst>
-                                    <p:set>
-                                      <p:cBhvr>
-                                        <p:cTn id="42" dur="1" fill="hold">
-                                          <p:stCondLst>
-                                            <p:cond delay="0"/>
-                                          </p:stCondLst>
-                                        </p:cTn>
-                                        <p:tgtEl>
-                                          <p:spTgt spid="35842">
-                                            <p:txEl>
-                                              <p:pRg st="11" end="11"/>
-                                            </p:txEl>
-                                          </p:spTgt>
-                                        </p:tgtEl>
-                                        <p:attrNameLst>
-                                          <p:attrName>style.visibility</p:attrName>
-                                        </p:attrNameLst>
-                                      </p:cBhvr>
-                                      <p:to>
-                                        <p:strVal val="visible"/>
-                                      </p:to>
-                                    </p:set>
-                                  </p:childTnLst>
-                                </p:cTn>
-                              </p:par>
-                              <p:par>
-                                <p:cTn id="43" presetID="1" presetClass="entr" presetSubtype="0" fill="hold" nodeType="withEffect">
-                                  <p:stCondLst>
-                                    <p:cond delay="0"/>
-                                  </p:stCondLst>
-                                  <p:childTnLst>
-                                    <p:set>
-                                      <p:cBhvr>
-                                        <p:cTn id="44" dur="1" fill="hold">
-                                          <p:stCondLst>
-                                            <p:cond delay="0"/>
-                                          </p:stCondLst>
-                                        </p:cTn>
-                                        <p:tgtEl>
-                                          <p:spTgt spid="35842">
-                                            <p:txEl>
-                                              <p:pRg st="12" end="12"/>
                                             </p:txEl>
                                           </p:spTgt>
                                         </p:tgtEl>
@@ -7997,10 +7575,6 @@
         </p:cTn>
       </p:par>
     </p:tnLst>
-    <p:bldLst>
-      <p:bldP spid="2" grpId="0"/>
-      <p:bldP spid="7" grpId="0"/>
-    </p:bldLst>
   </p:timing>
 </p:sld>
 </file>
@@ -8046,7 +7620,7 @@
         </p:spPr>
         <p:txBody>
           <a:bodyPr vert="horz" lIns="0" tIns="45720" rIns="0" bIns="0" rtlCol="0" anchor="b">
-            <a:normAutofit/>
+            <a:normAutofit fontScale="90000"/>
           </a:bodyPr>
           <a:lstStyle/>
           <a:p>
@@ -8816,7 +8390,7 @@
         </p:nvSpPr>
         <p:spPr>
           <a:xfrm>
-            <a:off x="226673" y="108959"/>
+            <a:off x="179048" y="108959"/>
             <a:ext cx="7053542" cy="683886"/>
           </a:xfrm>
         </p:spPr>
@@ -8826,7 +8400,7 @@
           <a:p>
             <a:r>
               <a:rPr lang="en-US" dirty="0"/>
-              <a:t>Custom Classes</a:t>
+              <a:t>Example</a:t>
             </a:r>
           </a:p>
         </p:txBody>
@@ -8849,8 +8423,8 @@
         </p:nvSpPr>
         <p:spPr>
           <a:xfrm>
-            <a:off x="295275" y="792845"/>
-            <a:ext cx="8622052" cy="4813196"/>
+            <a:off x="179048" y="792845"/>
+            <a:ext cx="8356525" cy="4813196"/>
           </a:xfrm>
         </p:spPr>
         <p:txBody>
@@ -8862,117 +8436,18 @@
             <a:pPr marL="0" indent="0">
               <a:buNone/>
             </a:pPr>
-            <a:endParaRPr lang="en-US" dirty="0"/>
-          </a:p>
-          <a:p>
-            <a:pPr marL="0" indent="0">
-              <a:buNone/>
-            </a:pPr>
             <a:r>
               <a:rPr lang="en-US" dirty="0"/>
-              <a:t>A </a:t>
-            </a:r>
-            <a:r>
-              <a:rPr lang="en-US" b="1" dirty="0"/>
-              <a:t>class</a:t>
+              <a:t>Suppose we like to write a game that contains many characters moving about on a map. Each character has a position(x and y), a speed(</a:t>
+            </a:r>
+            <a:r>
+              <a:rPr lang="en-US" dirty="0" err="1"/>
+              <a:t>speedx</a:t>
             </a:r>
             <a:r>
               <a:rPr lang="en-US" dirty="0"/>
-              <a:t> bundles together </a:t>
-            </a:r>
-            <a:r>
-              <a:rPr lang="en-US" b="1" dirty="0"/>
-              <a:t>data</a:t>
-            </a:r>
-            <a:r>
-              <a:rPr lang="en-US" i="1" dirty="0"/>
-              <a:t> </a:t>
-            </a:r>
-            <a:r>
-              <a:rPr lang="en-US" dirty="0"/>
-              <a:t>(instance variables or attributes) and </a:t>
-            </a:r>
-            <a:r>
-              <a:rPr lang="en-US" b="1" dirty="0"/>
-              <a:t>functionality</a:t>
-            </a:r>
-            <a:r>
-              <a:rPr lang="en-US" i="1" dirty="0"/>
-              <a:t> </a:t>
-            </a:r>
-            <a:r>
-              <a:rPr lang="en-US" dirty="0"/>
-              <a:t>(methods). </a:t>
-            </a:r>
-          </a:p>
-          <a:p>
-            <a:pPr marL="0" indent="0">
-              <a:buNone/>
-            </a:pPr>
-            <a:endParaRPr lang="en-US" dirty="0"/>
-          </a:p>
-          <a:p>
-            <a:pPr marL="0" indent="0">
-              <a:buNone/>
-            </a:pPr>
-            <a:r>
-              <a:rPr lang="en-US" dirty="0"/>
-              <a:t>Example: A list has data(the elements of the list). It also has methods that manipulate those data(append, insert, pop, remove, </a:t>
-            </a:r>
-            <a:r>
-              <a:rPr lang="en-US" dirty="0" err="1"/>
-              <a:t>etc</a:t>
-            </a:r>
-            <a:r>
-              <a:rPr lang="en-US" dirty="0"/>
-              <a:t>…).</a:t>
-            </a:r>
-          </a:p>
-          <a:p>
-            <a:pPr marL="0" indent="0">
-              <a:buNone/>
-            </a:pPr>
-            <a:endParaRPr lang="en-US" dirty="0"/>
-          </a:p>
-          <a:p>
-            <a:pPr marL="0" indent="0">
-              <a:buNone/>
-            </a:pPr>
-            <a:r>
-              <a:rPr lang="en-US" dirty="0"/>
-              <a:t>The classes int, bool, str, list, tuple, </a:t>
-            </a:r>
-            <a:r>
-              <a:rPr lang="en-US" dirty="0" err="1"/>
-              <a:t>etc</a:t>
-            </a:r>
-            <a:r>
-              <a:rPr lang="en-US" dirty="0"/>
-              <a:t>… are built-in classes. </a:t>
-            </a:r>
-          </a:p>
-          <a:p>
-            <a:pPr marL="0" indent="0">
-              <a:buNone/>
-            </a:pPr>
-            <a:r>
-              <a:rPr lang="en-US" dirty="0"/>
-              <a:t>Python provides the ability for programmers to design their own types or classes(</a:t>
-            </a:r>
-            <a:r>
-              <a:rPr lang="en-US" b="1" dirty="0"/>
-              <a:t>custom classes</a:t>
-            </a:r>
-            <a:r>
-              <a:rPr lang="en-US" dirty="0"/>
-              <a:t>).</a:t>
-            </a:r>
-          </a:p>
-          <a:p>
-            <a:pPr marL="0" indent="0">
-              <a:buNone/>
-            </a:pPr>
-            <a:endParaRPr lang="en-US" dirty="0"/>
+              <a:t>, speedy). Consider the following code:</a:t>
+            </a:r>
           </a:p>
           <a:p>
             <a:pPr marL="0" indent="0">
@@ -8986,185 +8461,734 @@
             <a:pPr marL="0" indent="0">
               <a:buNone/>
             </a:pPr>
+            <a:r>
+              <a:rPr lang="en-US" sz="2000" dirty="0">
+                <a:latin typeface="Gill Sans MT" panose="020B0502020104020203" pitchFamily="34" charset="77"/>
+              </a:rPr>
+              <a:t>x1 = 0</a:t>
+            </a:r>
+          </a:p>
+          <a:p>
+            <a:pPr marL="0" indent="0">
+              <a:buNone/>
+            </a:pPr>
+            <a:r>
+              <a:rPr lang="en-US" sz="2000" dirty="0">
+                <a:latin typeface="Gill Sans MT" panose="020B0502020104020203" pitchFamily="34" charset="77"/>
+              </a:rPr>
+              <a:t>y1 = 0</a:t>
+            </a:r>
+          </a:p>
+          <a:p>
+            <a:pPr marL="0" indent="0">
+              <a:buNone/>
+            </a:pPr>
+            <a:r>
+              <a:rPr lang="en-US" sz="2000" dirty="0">
+                <a:latin typeface="Gill Sans MT" panose="020B0502020104020203" pitchFamily="34" charset="77"/>
+              </a:rPr>
+              <a:t>speedx1 = 5</a:t>
+            </a:r>
+          </a:p>
+          <a:p>
+            <a:pPr marL="0" indent="0">
+              <a:buNone/>
+            </a:pPr>
+            <a:r>
+              <a:rPr lang="en-US" sz="2000" dirty="0">
+                <a:latin typeface="Gill Sans MT" panose="020B0502020104020203" pitchFamily="34" charset="77"/>
+              </a:rPr>
+              <a:t>speedy1 = 3</a:t>
+            </a:r>
+          </a:p>
+          <a:p>
+            <a:pPr marL="0" indent="0">
+              <a:buNone/>
+            </a:pPr>
+            <a:endParaRPr lang="en-US" sz="2000" dirty="0">
+              <a:latin typeface="Gill Sans MT" panose="020B0502020104020203" pitchFamily="34" charset="77"/>
+            </a:endParaRPr>
+          </a:p>
+          <a:p>
+            <a:pPr marL="0" indent="0">
+              <a:buNone/>
+            </a:pPr>
+            <a:r>
+              <a:rPr lang="en-US" sz="2000" dirty="0">
+                <a:latin typeface="Gill Sans MT" panose="020B0502020104020203" pitchFamily="34" charset="77"/>
+              </a:rPr>
+              <a:t>x2 = 10</a:t>
+            </a:r>
+          </a:p>
+          <a:p>
+            <a:pPr marL="0" indent="0">
+              <a:buNone/>
+            </a:pPr>
+            <a:r>
+              <a:rPr lang="en-US" sz="2000" dirty="0">
+                <a:latin typeface="Gill Sans MT" panose="020B0502020104020203" pitchFamily="34" charset="77"/>
+              </a:rPr>
+              <a:t>y2 = 10</a:t>
+            </a:r>
+          </a:p>
+          <a:p>
+            <a:pPr marL="0" indent="0">
+              <a:buNone/>
+            </a:pPr>
+            <a:r>
+              <a:rPr lang="en-US" sz="2000" dirty="0">
+                <a:latin typeface="Gill Sans MT" panose="020B0502020104020203" pitchFamily="34" charset="77"/>
+              </a:rPr>
+              <a:t>speedx2 = 2</a:t>
+            </a:r>
+          </a:p>
+          <a:p>
+            <a:pPr marL="0" indent="0">
+              <a:buNone/>
+            </a:pPr>
+            <a:r>
+              <a:rPr lang="en-US" sz="2000" dirty="0">
+                <a:latin typeface="Gill Sans MT" panose="020B0502020104020203" pitchFamily="34" charset="77"/>
+              </a:rPr>
+              <a:t>speedy2 = 4</a:t>
+            </a:r>
+          </a:p>
+          <a:p>
+            <a:pPr marL="0" indent="0">
+              <a:buNone/>
+            </a:pPr>
+            <a:endParaRPr lang="en-US" sz="2000" dirty="0">
+              <a:latin typeface="Gill Sans MT" panose="020B0502020104020203" pitchFamily="34" charset="77"/>
+            </a:endParaRPr>
+          </a:p>
+          <a:p>
+            <a:pPr marL="0" indent="0">
+              <a:buNone/>
+            </a:pPr>
+            <a:endParaRPr lang="en-US" sz="2000" dirty="0">
+              <a:latin typeface="Gill Sans MT" panose="020B0502020104020203" pitchFamily="34" charset="77"/>
+            </a:endParaRPr>
+          </a:p>
+          <a:p>
+            <a:pPr marL="0" indent="0">
+              <a:buNone/>
+            </a:pPr>
+            <a:endParaRPr lang="en-US" sz="2000" dirty="0">
+              <a:latin typeface="Gill Sans MT" panose="020B0502020104020203" pitchFamily="34" charset="77"/>
+            </a:endParaRPr>
+          </a:p>
+          <a:p>
+            <a:pPr marL="0" indent="0">
+              <a:buNone/>
+            </a:pPr>
+            <a:endParaRPr lang="en-US" sz="2000" dirty="0">
+              <a:latin typeface="Gill Sans MT" panose="020B0502020104020203" pitchFamily="34" charset="77"/>
+            </a:endParaRPr>
+          </a:p>
+          <a:p>
+            <a:pPr marL="0" indent="0">
+              <a:buNone/>
+            </a:pPr>
             <a:endParaRPr lang="en-US" sz="2000" b="1" dirty="0">
               <a:latin typeface="Inconsolata" panose="020B0609030003000000" pitchFamily="49" charset="77"/>
             </a:endParaRPr>
+          </a:p>
+        </p:txBody>
+      </p:sp>
+      <p:sp>
+        <p:nvSpPr>
+          <p:cNvPr id="3" name="TextBox 2">
+            <a:extLst>
+              <a:ext uri="{FF2B5EF4-FFF2-40B4-BE49-F238E27FC236}">
+                <a16:creationId xmlns:a16="http://schemas.microsoft.com/office/drawing/2014/main" id="{43066786-2460-4F4E-A926-EC35B443FC7C}"/>
+              </a:ext>
+            </a:extLst>
+          </p:cNvPr>
+          <p:cNvSpPr txBox="1"/>
+          <p:nvPr/>
+        </p:nvSpPr>
+        <p:spPr>
+          <a:xfrm>
+            <a:off x="2224322" y="2537723"/>
+            <a:ext cx="6609245" cy="2246769"/>
+          </a:xfrm>
+          <a:prstGeom prst="rect">
+            <a:avLst/>
+          </a:prstGeom>
+          <a:noFill/>
+        </p:spPr>
+        <p:txBody>
+          <a:bodyPr wrap="none" rtlCol="0">
+            <a:spAutoFit/>
+          </a:bodyPr>
+          <a:lstStyle/>
+          <a:p>
+            <a:r>
+              <a:rPr lang="en-US" sz="2000" dirty="0"/>
+              <a:t>If we have many characters in the game, this code </a:t>
+            </a:r>
+          </a:p>
+          <a:p>
+            <a:r>
+              <a:rPr lang="en-US" sz="2000" dirty="0"/>
+              <a:t>makes it difficult to keep track of all the characters.</a:t>
+            </a:r>
+          </a:p>
+          <a:p>
+            <a:endParaRPr lang="en-US" sz="2000" dirty="0"/>
+          </a:p>
+          <a:p>
+            <a:r>
+              <a:rPr lang="en-US" sz="2000" dirty="0"/>
+              <a:t>Even with 5 characters, we need to keep track of 20 variables.</a:t>
+            </a:r>
+          </a:p>
+          <a:p>
+            <a:endParaRPr lang="en-US" sz="2000" dirty="0"/>
+          </a:p>
+          <a:p>
+            <a:r>
+              <a:rPr lang="en-US" sz="2000" dirty="0"/>
+              <a:t>This is just counting variables. What if we want each character</a:t>
+            </a:r>
+          </a:p>
+          <a:p>
+            <a:r>
+              <a:rPr lang="en-US" sz="2000" dirty="0"/>
+              <a:t>to have behaviors(functions) such as jumping, shooting?</a:t>
+            </a:r>
           </a:p>
         </p:txBody>
       </p:sp>
     </p:spTree>
     <p:extLst>
       <p:ext uri="{BB962C8B-B14F-4D97-AF65-F5344CB8AC3E}">
-        <p14:creationId xmlns:p14="http://schemas.microsoft.com/office/powerpoint/2010/main" val="1910973475"/>
+        <p14:creationId xmlns:p14="http://schemas.microsoft.com/office/powerpoint/2010/main" val="2696303466"/>
       </p:ext>
     </p:extLst>
   </p:cSld>
   <p:clrMapOvr>
     <a:masterClrMapping/>
   </p:clrMapOvr>
-  <p:timing>
-    <p:tnLst>
-      <p:par>
-        <p:cTn id="1" dur="indefinite" restart="never" nodeType="tmRoot">
-          <p:childTnLst>
-            <p:seq concurrent="1" nextAc="seek">
-              <p:cTn id="2" dur="indefinite" nodeType="mainSeq">
-                <p:childTnLst>
-                  <p:par>
-                    <p:cTn id="3" fill="hold">
-                      <p:stCondLst>
-                        <p:cond delay="indefinite"/>
-                      </p:stCondLst>
-                      <p:childTnLst>
-                        <p:par>
-                          <p:cTn id="4" fill="hold">
-                            <p:stCondLst>
-                              <p:cond delay="0"/>
-                            </p:stCondLst>
-                            <p:childTnLst>
-                              <p:par>
-                                <p:cTn id="5" presetID="1" presetClass="entr" presetSubtype="0" fill="hold" nodeType="clickEffect">
-                                  <p:stCondLst>
-                                    <p:cond delay="0"/>
-                                  </p:stCondLst>
-                                  <p:childTnLst>
-                                    <p:set>
-                                      <p:cBhvr>
-                                        <p:cTn id="6" dur="1" fill="hold">
-                                          <p:stCondLst>
-                                            <p:cond delay="0"/>
-                                          </p:stCondLst>
-                                        </p:cTn>
-                                        <p:tgtEl>
-                                          <p:spTgt spid="9">
-                                            <p:txEl>
-                                              <p:pRg st="3" end="3"/>
-                                            </p:txEl>
-                                          </p:spTgt>
-                                        </p:tgtEl>
-                                        <p:attrNameLst>
-                                          <p:attrName>style.visibility</p:attrName>
-                                        </p:attrNameLst>
-                                      </p:cBhvr>
-                                      <p:to>
-                                        <p:strVal val="visible"/>
-                                      </p:to>
-                                    </p:set>
-                                  </p:childTnLst>
-                                </p:cTn>
-                              </p:par>
-                            </p:childTnLst>
-                          </p:cTn>
-                        </p:par>
-                      </p:childTnLst>
-                    </p:cTn>
-                  </p:par>
-                  <p:par>
-                    <p:cTn id="7" fill="hold">
-                      <p:stCondLst>
-                        <p:cond delay="indefinite"/>
-                      </p:stCondLst>
-                      <p:childTnLst>
-                        <p:par>
-                          <p:cTn id="8" fill="hold">
-                            <p:stCondLst>
-                              <p:cond delay="0"/>
-                            </p:stCondLst>
-                            <p:childTnLst>
-                              <p:par>
-                                <p:cTn id="9" presetID="1" presetClass="entr" presetSubtype="0" fill="hold" nodeType="clickEffect">
-                                  <p:stCondLst>
-                                    <p:cond delay="0"/>
-                                  </p:stCondLst>
-                                  <p:childTnLst>
-                                    <p:set>
-                                      <p:cBhvr>
-                                        <p:cTn id="10" dur="1" fill="hold">
-                                          <p:stCondLst>
-                                            <p:cond delay="0"/>
-                                          </p:stCondLst>
-                                        </p:cTn>
-                                        <p:tgtEl>
-                                          <p:spTgt spid="9">
-                                            <p:txEl>
-                                              <p:pRg st="5" end="5"/>
-                                            </p:txEl>
-                                          </p:spTgt>
-                                        </p:tgtEl>
-                                        <p:attrNameLst>
-                                          <p:attrName>style.visibility</p:attrName>
-                                        </p:attrNameLst>
-                                      </p:cBhvr>
-                                      <p:to>
-                                        <p:strVal val="visible"/>
-                                      </p:to>
-                                    </p:set>
-                                  </p:childTnLst>
-                                </p:cTn>
-                              </p:par>
-                              <p:par>
-                                <p:cTn id="11" presetID="1" presetClass="entr" presetSubtype="0" fill="hold" nodeType="withEffect">
-                                  <p:stCondLst>
-                                    <p:cond delay="0"/>
-                                  </p:stCondLst>
-                                  <p:childTnLst>
-                                    <p:set>
-                                      <p:cBhvr>
-                                        <p:cTn id="12" dur="1" fill="hold">
-                                          <p:stCondLst>
-                                            <p:cond delay="0"/>
-                                          </p:stCondLst>
-                                        </p:cTn>
-                                        <p:tgtEl>
-                                          <p:spTgt spid="9">
-                                            <p:txEl>
-                                              <p:pRg st="6" end="6"/>
-                                            </p:txEl>
-                                          </p:spTgt>
-                                        </p:tgtEl>
-                                        <p:attrNameLst>
-                                          <p:attrName>style.visibility</p:attrName>
-                                        </p:attrNameLst>
-                                      </p:cBhvr>
-                                      <p:to>
-                                        <p:strVal val="visible"/>
-                                      </p:to>
-                                    </p:set>
-                                  </p:childTnLst>
-                                </p:cTn>
-                              </p:par>
-                            </p:childTnLst>
-                          </p:cTn>
-                        </p:par>
-                      </p:childTnLst>
-                    </p:cTn>
-                  </p:par>
-                </p:childTnLst>
-              </p:cTn>
-              <p:prevCondLst>
-                <p:cond evt="onPrev" delay="0">
-                  <p:tgtEl>
-                    <p:sldTgt/>
-                  </p:tgtEl>
-                </p:cond>
-              </p:prevCondLst>
-              <p:nextCondLst>
-                <p:cond evt="onNext" delay="0">
-                  <p:tgtEl>
-                    <p:sldTgt/>
-                  </p:tgtEl>
-                </p:cond>
-              </p:nextCondLst>
-            </p:seq>
-          </p:childTnLst>
-        </p:cTn>
-      </p:par>
-    </p:tnLst>
-  </p:timing>
 </p:sld>
 </file>
 
 <file path=ppt/slides/slide14.xml><?xml version="1.0" encoding="utf-8"?>
+<p:sld xmlns:a="http://schemas.openxmlformats.org/drawingml/2006/main" xmlns:r="http://schemas.openxmlformats.org/officeDocument/2006/relationships" xmlns:p="http://schemas.openxmlformats.org/presentationml/2006/main">
+  <p:cSld>
+    <p:spTree>
+      <p:nvGrpSpPr>
+        <p:cNvPr id="1" name=""/>
+        <p:cNvGrpSpPr/>
+        <p:nvPr/>
+      </p:nvGrpSpPr>
+      <p:grpSpPr>
+        <a:xfrm>
+          <a:off x="0" y="0"/>
+          <a:ext cx="0" cy="0"/>
+          <a:chOff x="0" y="0"/>
+          <a:chExt cx="0" cy="0"/>
+        </a:xfrm>
+      </p:grpSpPr>
+      <p:sp>
+        <p:nvSpPr>
+          <p:cNvPr id="2" name="Title 1">
+            <a:extLst>
+              <a:ext uri="{FF2B5EF4-FFF2-40B4-BE49-F238E27FC236}">
+                <a16:creationId xmlns:a16="http://schemas.microsoft.com/office/drawing/2014/main" id="{AA3A228F-61D0-D949-A5E7-F83756230BF8}"/>
+              </a:ext>
+            </a:extLst>
+          </p:cNvPr>
+          <p:cNvSpPr>
+            <a:spLocks noGrp="1"/>
+          </p:cNvSpPr>
+          <p:nvPr>
+            <p:ph type="title"/>
+          </p:nvPr>
+        </p:nvSpPr>
+        <p:spPr>
+          <a:xfrm>
+            <a:off x="179048" y="108959"/>
+            <a:ext cx="7053542" cy="683886"/>
+          </a:xfrm>
+        </p:spPr>
+        <p:txBody>
+          <a:bodyPr/>
+          <a:lstStyle/>
+          <a:p>
+            <a:r>
+              <a:rPr lang="en-US" dirty="0"/>
+              <a:t>Class</a:t>
+            </a:r>
+          </a:p>
+        </p:txBody>
+      </p:sp>
+      <p:sp>
+        <p:nvSpPr>
+          <p:cNvPr id="9" name="Content Placeholder 8">
+            <a:extLst>
+              <a:ext uri="{FF2B5EF4-FFF2-40B4-BE49-F238E27FC236}">
+                <a16:creationId xmlns:a16="http://schemas.microsoft.com/office/drawing/2014/main" id="{E3B2E017-30B2-884B-A113-B419A2ED51AD}"/>
+              </a:ext>
+            </a:extLst>
+          </p:cNvPr>
+          <p:cNvSpPr>
+            <a:spLocks noGrp="1"/>
+          </p:cNvSpPr>
+          <p:nvPr>
+            <p:ph idx="1"/>
+          </p:nvPr>
+        </p:nvSpPr>
+        <p:spPr>
+          <a:xfrm>
+            <a:off x="179048" y="792845"/>
+            <a:ext cx="8356525" cy="4813196"/>
+          </a:xfrm>
+        </p:spPr>
+        <p:txBody>
+          <a:bodyPr>
+            <a:noAutofit/>
+          </a:bodyPr>
+          <a:lstStyle/>
+          <a:p>
+            <a:pPr marL="0" indent="0">
+              <a:buNone/>
+            </a:pPr>
+            <a:r>
+              <a:rPr lang="en-US" dirty="0"/>
+              <a:t>We like to write code once(called a class) and be able to reuse it for all of the objects of that class.  A </a:t>
+            </a:r>
+            <a:r>
+              <a:rPr lang="en-US" b="1" dirty="0"/>
+              <a:t>class</a:t>
+            </a:r>
+            <a:r>
+              <a:rPr lang="en-US" dirty="0"/>
+              <a:t> bundles together </a:t>
+            </a:r>
+            <a:r>
+              <a:rPr lang="en-US" b="1" dirty="0"/>
+              <a:t>data</a:t>
+            </a:r>
+            <a:r>
+              <a:rPr lang="en-US" i="1" dirty="0"/>
+              <a:t> </a:t>
+            </a:r>
+            <a:r>
+              <a:rPr lang="en-US" dirty="0"/>
+              <a:t>(instance variables or attributes) and </a:t>
+            </a:r>
+            <a:r>
+              <a:rPr lang="en-US" b="1" dirty="0"/>
+              <a:t>behavior or functionality</a:t>
+            </a:r>
+            <a:r>
+              <a:rPr lang="en-US" dirty="0"/>
+              <a:t>(functions). </a:t>
+            </a:r>
+          </a:p>
+          <a:p>
+            <a:pPr marL="0" indent="0">
+              <a:buNone/>
+            </a:pPr>
+            <a:endParaRPr lang="en-US" sz="2000" dirty="0">
+              <a:latin typeface="Gill Sans MT" panose="020B0502020104020203" pitchFamily="34" charset="77"/>
+            </a:endParaRPr>
+          </a:p>
+          <a:p>
+            <a:pPr marL="0" indent="0">
+              <a:buNone/>
+            </a:pPr>
+            <a:r>
+              <a:rPr lang="en-US" sz="2000" dirty="0">
+                <a:latin typeface="Gill Sans MT" panose="020B0502020104020203" pitchFamily="34" charset="77"/>
+              </a:rPr>
+              <a:t>x1 = 0</a:t>
+            </a:r>
+          </a:p>
+          <a:p>
+            <a:pPr marL="0" indent="0">
+              <a:buNone/>
+            </a:pPr>
+            <a:r>
+              <a:rPr lang="en-US" sz="2000" dirty="0">
+                <a:latin typeface="Gill Sans MT" panose="020B0502020104020203" pitchFamily="34" charset="77"/>
+              </a:rPr>
+              <a:t>y1 = 0</a:t>
+            </a:r>
+          </a:p>
+          <a:p>
+            <a:pPr marL="0" indent="0">
+              <a:buNone/>
+            </a:pPr>
+            <a:r>
+              <a:rPr lang="en-US" sz="2000" dirty="0">
+                <a:latin typeface="Gill Sans MT" panose="020B0502020104020203" pitchFamily="34" charset="77"/>
+              </a:rPr>
+              <a:t>speedx1 = 5</a:t>
+            </a:r>
+          </a:p>
+          <a:p>
+            <a:pPr marL="0" indent="0">
+              <a:buNone/>
+            </a:pPr>
+            <a:r>
+              <a:rPr lang="en-US" sz="2000" dirty="0">
+                <a:latin typeface="Gill Sans MT" panose="020B0502020104020203" pitchFamily="34" charset="77"/>
+              </a:rPr>
+              <a:t>speedy1 = 3</a:t>
+            </a:r>
+          </a:p>
+          <a:p>
+            <a:pPr marL="0" indent="0">
+              <a:buNone/>
+            </a:pPr>
+            <a:endParaRPr lang="en-US" sz="2000" dirty="0">
+              <a:latin typeface="Gill Sans MT" panose="020B0502020104020203" pitchFamily="34" charset="77"/>
+            </a:endParaRPr>
+          </a:p>
+          <a:p>
+            <a:pPr marL="0" indent="0">
+              <a:buNone/>
+            </a:pPr>
+            <a:r>
+              <a:rPr lang="en-US" sz="2000" dirty="0">
+                <a:latin typeface="Gill Sans MT" panose="020B0502020104020203" pitchFamily="34" charset="77"/>
+              </a:rPr>
+              <a:t>x2 = 10</a:t>
+            </a:r>
+          </a:p>
+          <a:p>
+            <a:pPr marL="0" indent="0">
+              <a:buNone/>
+            </a:pPr>
+            <a:r>
+              <a:rPr lang="en-US" sz="2000" dirty="0">
+                <a:latin typeface="Gill Sans MT" panose="020B0502020104020203" pitchFamily="34" charset="77"/>
+              </a:rPr>
+              <a:t>y2 = 10</a:t>
+            </a:r>
+          </a:p>
+          <a:p>
+            <a:pPr marL="0" indent="0">
+              <a:buNone/>
+            </a:pPr>
+            <a:r>
+              <a:rPr lang="en-US" sz="2000" dirty="0">
+                <a:latin typeface="Gill Sans MT" panose="020B0502020104020203" pitchFamily="34" charset="77"/>
+              </a:rPr>
+              <a:t>speedx2 = 2</a:t>
+            </a:r>
+          </a:p>
+          <a:p>
+            <a:pPr marL="0" indent="0">
+              <a:buNone/>
+            </a:pPr>
+            <a:r>
+              <a:rPr lang="en-US" sz="2000" dirty="0">
+                <a:latin typeface="Gill Sans MT" panose="020B0502020104020203" pitchFamily="34" charset="77"/>
+              </a:rPr>
+              <a:t>speedy2 = 4</a:t>
+            </a:r>
+          </a:p>
+          <a:p>
+            <a:pPr marL="0" indent="0">
+              <a:buNone/>
+            </a:pPr>
+            <a:endParaRPr lang="en-US" sz="2000" dirty="0">
+              <a:latin typeface="Gill Sans MT" panose="020B0502020104020203" pitchFamily="34" charset="77"/>
+            </a:endParaRPr>
+          </a:p>
+          <a:p>
+            <a:pPr marL="0" indent="0">
+              <a:buNone/>
+            </a:pPr>
+            <a:endParaRPr lang="en-US" sz="2000" dirty="0">
+              <a:latin typeface="Gill Sans MT" panose="020B0502020104020203" pitchFamily="34" charset="77"/>
+            </a:endParaRPr>
+          </a:p>
+          <a:p>
+            <a:pPr marL="0" indent="0">
+              <a:buNone/>
+            </a:pPr>
+            <a:endParaRPr lang="en-US" sz="2000" dirty="0">
+              <a:latin typeface="Gill Sans MT" panose="020B0502020104020203" pitchFamily="34" charset="77"/>
+            </a:endParaRPr>
+          </a:p>
+          <a:p>
+            <a:pPr marL="0" indent="0">
+              <a:buNone/>
+            </a:pPr>
+            <a:endParaRPr lang="en-US" sz="2000" dirty="0">
+              <a:latin typeface="Gill Sans MT" panose="020B0502020104020203" pitchFamily="34" charset="77"/>
+            </a:endParaRPr>
+          </a:p>
+          <a:p>
+            <a:pPr marL="0" indent="0">
+              <a:buNone/>
+            </a:pPr>
+            <a:endParaRPr lang="en-US" sz="2000" b="1" dirty="0">
+              <a:latin typeface="Inconsolata" panose="020B0609030003000000" pitchFamily="49" charset="77"/>
+            </a:endParaRPr>
+          </a:p>
+        </p:txBody>
+      </p:sp>
+      <p:sp>
+        <p:nvSpPr>
+          <p:cNvPr id="3" name="TextBox 2">
+            <a:extLst>
+              <a:ext uri="{FF2B5EF4-FFF2-40B4-BE49-F238E27FC236}">
+                <a16:creationId xmlns:a16="http://schemas.microsoft.com/office/drawing/2014/main" id="{43066786-2460-4F4E-A926-EC35B443FC7C}"/>
+              </a:ext>
+            </a:extLst>
+          </p:cNvPr>
+          <p:cNvSpPr txBox="1"/>
+          <p:nvPr/>
+        </p:nvSpPr>
+        <p:spPr>
+          <a:xfrm>
+            <a:off x="4239288" y="3151788"/>
+            <a:ext cx="4456028" cy="707886"/>
+          </a:xfrm>
+          <a:prstGeom prst="rect">
+            <a:avLst/>
+          </a:prstGeom>
+          <a:noFill/>
+        </p:spPr>
+        <p:txBody>
+          <a:bodyPr wrap="none" rtlCol="0">
+            <a:spAutoFit/>
+          </a:bodyPr>
+          <a:lstStyle/>
+          <a:p>
+            <a:r>
+              <a:rPr lang="en-US" sz="2000" dirty="0">
+                <a:solidFill>
+                  <a:srgbClr val="FF0000"/>
+                </a:solidFill>
+              </a:rPr>
+              <a:t>Two variables player1 and player2 instead</a:t>
+            </a:r>
+          </a:p>
+          <a:p>
+            <a:r>
+              <a:rPr lang="en-US" sz="2000" dirty="0">
+                <a:solidFill>
+                  <a:srgbClr val="FF0000"/>
+                </a:solidFill>
+              </a:rPr>
+              <a:t>of eight variables.</a:t>
+            </a:r>
+          </a:p>
+        </p:txBody>
+      </p:sp>
+      <p:cxnSp>
+        <p:nvCxnSpPr>
+          <p:cNvPr id="5" name="Straight Arrow Connector 4">
+            <a:extLst>
+              <a:ext uri="{FF2B5EF4-FFF2-40B4-BE49-F238E27FC236}">
+                <a16:creationId xmlns:a16="http://schemas.microsoft.com/office/drawing/2014/main" id="{7ECFE949-5E17-FC42-9960-BCDAB348B02C}"/>
+              </a:ext>
+            </a:extLst>
+          </p:cNvPr>
+          <p:cNvCxnSpPr>
+            <a:cxnSpLocks/>
+          </p:cNvCxnSpPr>
+          <p:nvPr/>
+        </p:nvCxnSpPr>
+        <p:spPr>
+          <a:xfrm>
+            <a:off x="1682497" y="3143056"/>
+            <a:ext cx="1010690" cy="251203"/>
+          </a:xfrm>
+          <a:prstGeom prst="straightConnector1">
+            <a:avLst/>
+          </a:prstGeom>
+          <a:ln w="31750">
+            <a:tailEnd type="triangle"/>
+          </a:ln>
+        </p:spPr>
+        <p:style>
+          <a:lnRef idx="1">
+            <a:schemeClr val="accent1"/>
+          </a:lnRef>
+          <a:fillRef idx="0">
+            <a:schemeClr val="accent1"/>
+          </a:fillRef>
+          <a:effectRef idx="0">
+            <a:schemeClr val="accent1"/>
+          </a:effectRef>
+          <a:fontRef idx="minor">
+            <a:schemeClr val="tx1"/>
+          </a:fontRef>
+        </p:style>
+      </p:cxnSp>
+      <p:sp>
+        <p:nvSpPr>
+          <p:cNvPr id="8" name="TextBox 7">
+            <a:extLst>
+              <a:ext uri="{FF2B5EF4-FFF2-40B4-BE49-F238E27FC236}">
+                <a16:creationId xmlns:a16="http://schemas.microsoft.com/office/drawing/2014/main" id="{1518AF63-F058-5848-A6B8-99B63BA4A5AA}"/>
+              </a:ext>
+            </a:extLst>
+          </p:cNvPr>
+          <p:cNvSpPr txBox="1"/>
+          <p:nvPr/>
+        </p:nvSpPr>
+        <p:spPr>
+          <a:xfrm>
+            <a:off x="2791968" y="4055238"/>
+            <a:ext cx="927498" cy="400110"/>
+          </a:xfrm>
+          <a:prstGeom prst="rect">
+            <a:avLst/>
+          </a:prstGeom>
+          <a:noFill/>
+        </p:spPr>
+        <p:txBody>
+          <a:bodyPr wrap="none" rtlCol="0">
+            <a:spAutoFit/>
+          </a:bodyPr>
+          <a:lstStyle/>
+          <a:p>
+            <a:r>
+              <a:rPr lang="en-US" sz="2000" dirty="0"/>
+              <a:t>player2</a:t>
+            </a:r>
+          </a:p>
+        </p:txBody>
+      </p:sp>
+      <p:cxnSp>
+        <p:nvCxnSpPr>
+          <p:cNvPr id="10" name="Straight Arrow Connector 9">
+            <a:extLst>
+              <a:ext uri="{FF2B5EF4-FFF2-40B4-BE49-F238E27FC236}">
+                <a16:creationId xmlns:a16="http://schemas.microsoft.com/office/drawing/2014/main" id="{D6FBC0B7-550F-304E-B114-B33A965C3586}"/>
+              </a:ext>
+            </a:extLst>
+          </p:cNvPr>
+          <p:cNvCxnSpPr>
+            <a:cxnSpLocks/>
+          </p:cNvCxnSpPr>
+          <p:nvPr/>
+        </p:nvCxnSpPr>
+        <p:spPr>
+          <a:xfrm flipV="1">
+            <a:off x="1682497" y="4313460"/>
+            <a:ext cx="1109471" cy="373380"/>
+          </a:xfrm>
+          <a:prstGeom prst="straightConnector1">
+            <a:avLst/>
+          </a:prstGeom>
+          <a:ln w="31750">
+            <a:tailEnd type="triangle"/>
+          </a:ln>
+        </p:spPr>
+        <p:style>
+          <a:lnRef idx="1">
+            <a:schemeClr val="accent1"/>
+          </a:lnRef>
+          <a:fillRef idx="0">
+            <a:schemeClr val="accent1"/>
+          </a:fillRef>
+          <a:effectRef idx="0">
+            <a:schemeClr val="accent1"/>
+          </a:effectRef>
+          <a:fontRef idx="minor">
+            <a:schemeClr val="tx1"/>
+          </a:fontRef>
+        </p:style>
+      </p:cxnSp>
+      <p:sp>
+        <p:nvSpPr>
+          <p:cNvPr id="13" name="TextBox 12">
+            <a:extLst>
+              <a:ext uri="{FF2B5EF4-FFF2-40B4-BE49-F238E27FC236}">
+                <a16:creationId xmlns:a16="http://schemas.microsoft.com/office/drawing/2014/main" id="{6BD218E2-AF0E-114A-A6E0-CB450613A31F}"/>
+              </a:ext>
+            </a:extLst>
+          </p:cNvPr>
+          <p:cNvSpPr txBox="1"/>
+          <p:nvPr/>
+        </p:nvSpPr>
+        <p:spPr>
+          <a:xfrm>
+            <a:off x="2778321" y="3151788"/>
+            <a:ext cx="927498" cy="400110"/>
+          </a:xfrm>
+          <a:prstGeom prst="rect">
+            <a:avLst/>
+          </a:prstGeom>
+          <a:noFill/>
+        </p:spPr>
+        <p:txBody>
+          <a:bodyPr wrap="none" rtlCol="0">
+            <a:spAutoFit/>
+          </a:bodyPr>
+          <a:lstStyle/>
+          <a:p>
+            <a:r>
+              <a:rPr lang="en-US" sz="2000" dirty="0"/>
+              <a:t>player1</a:t>
+            </a:r>
+          </a:p>
+        </p:txBody>
+      </p:sp>
+      <p:sp>
+        <p:nvSpPr>
+          <p:cNvPr id="14" name="TextBox 13">
+            <a:extLst>
+              <a:ext uri="{FF2B5EF4-FFF2-40B4-BE49-F238E27FC236}">
+                <a16:creationId xmlns:a16="http://schemas.microsoft.com/office/drawing/2014/main" id="{E0452E39-9133-5B48-9209-7A7A2D22DFED}"/>
+              </a:ext>
+            </a:extLst>
+          </p:cNvPr>
+          <p:cNvSpPr txBox="1"/>
+          <p:nvPr/>
+        </p:nvSpPr>
+        <p:spPr>
+          <a:xfrm>
+            <a:off x="3366411" y="4686840"/>
+            <a:ext cx="5437386" cy="707886"/>
+          </a:xfrm>
+          <a:prstGeom prst="rect">
+            <a:avLst/>
+          </a:prstGeom>
+          <a:noFill/>
+        </p:spPr>
+        <p:txBody>
+          <a:bodyPr wrap="none" rtlCol="0">
+            <a:spAutoFit/>
+          </a:bodyPr>
+          <a:lstStyle/>
+          <a:p>
+            <a:r>
+              <a:rPr lang="en-US" sz="2000" dirty="0"/>
+              <a:t>If our class is called Sprite, player1 and player2 are </a:t>
+            </a:r>
+          </a:p>
+          <a:p>
+            <a:r>
+              <a:rPr lang="en-US" sz="2000" dirty="0"/>
+              <a:t>two objects of that class.</a:t>
+            </a:r>
+          </a:p>
+        </p:txBody>
+      </p:sp>
+    </p:spTree>
+    <p:extLst>
+      <p:ext uri="{BB962C8B-B14F-4D97-AF65-F5344CB8AC3E}">
+        <p14:creationId xmlns:p14="http://schemas.microsoft.com/office/powerpoint/2010/main" val="1899292602"/>
+      </p:ext>
+    </p:extLst>
+  </p:cSld>
+  <p:clrMapOvr>
+    <a:masterClrMapping/>
+  </p:clrMapOvr>
+</p:sld>
+</file>
+
+<file path=ppt/slides/slide15.xml><?xml version="1.0" encoding="utf-8"?>
 <p:sld xmlns:a="http://schemas.openxmlformats.org/drawingml/2006/main" xmlns:r="http://schemas.openxmlformats.org/officeDocument/2006/relationships" xmlns:p="http://schemas.openxmlformats.org/presentationml/2006/main">
   <p:cSld>
     <p:spTree>
@@ -9247,7 +9271,15 @@
             </a:pPr>
             <a:r>
               <a:rPr lang="en-US" dirty="0"/>
-              <a:t>We like to be able to build our own classes to represent objects relevant to our game or application. </a:t>
+              <a:t>We like to be able to build our own classes to represent objects relevant to our game or application. Python provides the ability for programmers to design their own types or classes(</a:t>
+            </a:r>
+            <a:r>
+              <a:rPr lang="en-US" b="1" dirty="0"/>
+              <a:t>custom classes</a:t>
+            </a:r>
+            <a:r>
+              <a:rPr lang="en-US" dirty="0"/>
+              <a:t>).</a:t>
             </a:r>
           </a:p>
           <a:p>
@@ -9429,7 +9461,7 @@
 </p:sld>
 </file>
 
-<file path=ppt/slides/slide15.xml><?xml version="1.0" encoding="utf-8"?>
+<file path=ppt/slides/slide16.xml><?xml version="1.0" encoding="utf-8"?>
 <p:sld xmlns:a="http://schemas.openxmlformats.org/drawingml/2006/main" xmlns:r="http://schemas.openxmlformats.org/officeDocument/2006/relationships" xmlns:p="http://schemas.openxmlformats.org/presentationml/2006/main">
   <p:cSld>
     <p:spTree>
@@ -10429,7 +10461,7 @@
 </p:sld>
 </file>
 
-<file path=ppt/slides/slide16.xml><?xml version="1.0" encoding="utf-8"?>
+<file path=ppt/slides/slide17.xml><?xml version="1.0" encoding="utf-8"?>
 <p:sld xmlns:a="http://schemas.openxmlformats.org/drawingml/2006/main" xmlns:r="http://schemas.openxmlformats.org/officeDocument/2006/relationships" xmlns:p="http://schemas.openxmlformats.org/presentationml/2006/main">
   <p:cSld>
     <p:spTree>
@@ -11090,7 +11122,7 @@
 </p:sld>
 </file>
 
-<file path=ppt/slides/slide17.xml><?xml version="1.0" encoding="utf-8"?>
+<file path=ppt/slides/slide18.xml><?xml version="1.0" encoding="utf-8"?>
 <p:sld xmlns:a="http://schemas.openxmlformats.org/drawingml/2006/main" xmlns:r="http://schemas.openxmlformats.org/officeDocument/2006/relationships" xmlns:p="http://schemas.openxmlformats.org/presentationml/2006/main">
   <p:cSld>
     <p:spTree>
@@ -11884,7 +11916,7 @@
 </p:sld>
 </file>
 
-<file path=ppt/slides/slide18.xml><?xml version="1.0" encoding="utf-8"?>
+<file path=ppt/slides/slide19.xml><?xml version="1.0" encoding="utf-8"?>
 <p:sld xmlns:a="http://schemas.openxmlformats.org/drawingml/2006/main" xmlns:r="http://schemas.openxmlformats.org/officeDocument/2006/relationships" xmlns:p="http://schemas.openxmlformats.org/presentationml/2006/main">
   <p:cSld>
     <p:spTree>
@@ -12650,7 +12682,398 @@
 </p:sld>
 </file>
 
-<file path=ppt/slides/slide19.xml><?xml version="1.0" encoding="utf-8"?>
+<file path=ppt/slides/slide2.xml><?xml version="1.0" encoding="utf-8"?>
+<p:sld xmlns:a="http://schemas.openxmlformats.org/drawingml/2006/main" xmlns:r="http://schemas.openxmlformats.org/officeDocument/2006/relationships" xmlns:p="http://schemas.openxmlformats.org/presentationml/2006/main">
+  <p:cSld>
+    <p:spTree>
+      <p:nvGrpSpPr>
+        <p:cNvPr id="1" name=""/>
+        <p:cNvGrpSpPr/>
+        <p:nvPr/>
+      </p:nvGrpSpPr>
+      <p:grpSpPr>
+        <a:xfrm>
+          <a:off x="0" y="0"/>
+          <a:ext cx="0" cy="0"/>
+          <a:chOff x="0" y="0"/>
+          <a:chExt cx="0" cy="0"/>
+        </a:xfrm>
+      </p:grpSpPr>
+      <p:sp>
+        <p:nvSpPr>
+          <p:cNvPr id="20482" name="Rectangle 2">
+            <a:extLst>
+              <a:ext uri="{FF2B5EF4-FFF2-40B4-BE49-F238E27FC236}">
+                <a16:creationId xmlns:a16="http://schemas.microsoft.com/office/drawing/2014/main" id="{122029F5-C3C9-E94E-9E27-3AADE7978759}"/>
+              </a:ext>
+            </a:extLst>
+          </p:cNvPr>
+          <p:cNvSpPr>
+            <a:spLocks noGrp="1" noChangeArrowheads="1"/>
+          </p:cNvSpPr>
+          <p:nvPr>
+            <p:ph type="title" idx="4294967295"/>
+          </p:nvPr>
+        </p:nvSpPr>
+        <p:spPr>
+          <a:xfrm>
+            <a:off x="114300" y="142875"/>
+            <a:ext cx="7896225" cy="543322"/>
+          </a:xfrm>
+        </p:spPr>
+        <p:txBody>
+          <a:bodyPr vert="horz" lIns="0" tIns="45720" rIns="0" bIns="0" rtlCol="0" anchor="b">
+            <a:normAutofit/>
+          </a:bodyPr>
+          <a:lstStyle/>
+          <a:p>
+            <a:pPr eaLnBrk="1" hangingPunct="1">
+              <a:defRPr/>
+            </a:pPr>
+            <a:r>
+              <a:rPr lang="en-US" dirty="0">
+                <a:latin typeface="Century Gothic" panose="020B0502020202020204" pitchFamily="34" charset="0"/>
+              </a:rPr>
+              <a:t>Processing</a:t>
+            </a:r>
+          </a:p>
+        </p:txBody>
+      </p:sp>
+      <p:sp>
+        <p:nvSpPr>
+          <p:cNvPr id="20483" name="Rectangle 3">
+            <a:extLst>
+              <a:ext uri="{FF2B5EF4-FFF2-40B4-BE49-F238E27FC236}">
+                <a16:creationId xmlns:a16="http://schemas.microsoft.com/office/drawing/2014/main" id="{11D6A34E-F264-984B-AD46-8F4C5C826246}"/>
+              </a:ext>
+            </a:extLst>
+          </p:cNvPr>
+          <p:cNvSpPr>
+            <a:spLocks noGrp="1" noChangeArrowheads="1"/>
+          </p:cNvSpPr>
+          <p:nvPr>
+            <p:ph idx="4294967295"/>
+          </p:nvPr>
+        </p:nvSpPr>
+        <p:spPr>
+          <a:xfrm>
+            <a:off x="114300" y="828675"/>
+            <a:ext cx="8877299" cy="4629149"/>
+          </a:xfrm>
+        </p:spPr>
+        <p:txBody>
+          <a:bodyPr>
+            <a:normAutofit/>
+          </a:bodyPr>
+          <a:lstStyle/>
+          <a:p>
+            <a:pPr marL="0" indent="0">
+              <a:buNone/>
+              <a:defRPr/>
+            </a:pPr>
+            <a:endParaRPr lang="en-US" sz="2000" dirty="0">
+              <a:cs typeface="Tahoma"/>
+            </a:endParaRPr>
+          </a:p>
+          <a:p>
+            <a:pPr eaLnBrk="1" hangingPunct="1">
+              <a:defRPr/>
+            </a:pPr>
+            <a:r>
+              <a:rPr lang="en-US" sz="2000" dirty="0">
+                <a:cs typeface="Tahoma"/>
+              </a:rPr>
+              <a:t>Processing started by Ben Fry and Casey </a:t>
+            </a:r>
+            <a:r>
+              <a:rPr lang="en-US" sz="2000" dirty="0" err="1">
+                <a:cs typeface="Tahoma"/>
+              </a:rPr>
+              <a:t>Reas</a:t>
+            </a:r>
+            <a:r>
+              <a:rPr lang="en-US" sz="2000" dirty="0">
+                <a:cs typeface="Tahoma"/>
+              </a:rPr>
+              <a:t> while both were graduate students at MIT Media Lab in 2001.</a:t>
+            </a:r>
+          </a:p>
+          <a:p>
+            <a:pPr eaLnBrk="1" hangingPunct="1">
+              <a:defRPr/>
+            </a:pPr>
+            <a:r>
+              <a:rPr lang="en-US" sz="2000" dirty="0">
+                <a:cs typeface="Tahoma"/>
+              </a:rPr>
+              <a:t>The original language for Processing is Java. </a:t>
+            </a:r>
+            <a:r>
+              <a:rPr lang="en-US" sz="2000" dirty="0">
+                <a:solidFill>
+                  <a:srgbClr val="FF0000"/>
+                </a:solidFill>
+                <a:cs typeface="Tahoma"/>
+              </a:rPr>
+              <a:t>We will use the Python version. However, this Python implementation is built with </a:t>
+            </a:r>
+            <a:r>
+              <a:rPr lang="en-US" sz="2000" dirty="0" err="1">
+                <a:solidFill>
+                  <a:srgbClr val="FF0000"/>
+                </a:solidFill>
+                <a:cs typeface="Tahoma"/>
+              </a:rPr>
+              <a:t>Jython</a:t>
+            </a:r>
+            <a:r>
+              <a:rPr lang="en-US" sz="2000" dirty="0">
+                <a:solidFill>
+                  <a:srgbClr val="FF0000"/>
+                </a:solidFill>
+                <a:cs typeface="Tahoma"/>
+              </a:rPr>
+              <a:t> which still uses Python 2.x instead of the current Python 3.x. So for example, f-string(formatted-string) will not work. Otherwise, you will likely not notice the difference. </a:t>
+            </a:r>
+          </a:p>
+          <a:p>
+            <a:pPr eaLnBrk="1" hangingPunct="1">
+              <a:defRPr/>
+            </a:pPr>
+            <a:r>
+              <a:rPr lang="en-US" sz="2000" dirty="0">
+                <a:cs typeface="Tahoma"/>
+              </a:rPr>
+              <a:t>Designed for visual artists with limited programming experience who want to create art without knowing complicated Java syntax.</a:t>
+            </a:r>
+          </a:p>
+          <a:p>
+            <a:pPr eaLnBrk="1" hangingPunct="1">
+              <a:defRPr/>
+            </a:pPr>
+            <a:r>
+              <a:rPr lang="en-US" sz="2000" dirty="0">
+                <a:cs typeface="Tahoma"/>
+              </a:rPr>
+              <a:t>In its current version, hundred of libraries have been written for computer vision, data visualization, music composition, networking, 3D drawings and programming electronics</a:t>
+            </a:r>
+            <a:r>
+              <a:rPr lang="en-US" sz="2000">
+                <a:cs typeface="Tahoma"/>
+              </a:rPr>
+              <a:t>.  </a:t>
+            </a:r>
+          </a:p>
+          <a:p>
+            <a:pPr eaLnBrk="1" hangingPunct="1">
+              <a:defRPr/>
+            </a:pPr>
+            <a:endParaRPr lang="en-US" sz="2000" dirty="0">
+              <a:cs typeface="Tahoma"/>
+            </a:endParaRPr>
+          </a:p>
+          <a:p>
+            <a:pPr eaLnBrk="1" hangingPunct="1">
+              <a:defRPr/>
+            </a:pPr>
+            <a:endParaRPr lang="en-US" sz="2000" dirty="0">
+              <a:cs typeface="Tahoma"/>
+            </a:endParaRPr>
+          </a:p>
+        </p:txBody>
+      </p:sp>
+    </p:spTree>
+    <p:extLst>
+      <p:ext uri="{BB962C8B-B14F-4D97-AF65-F5344CB8AC3E}">
+        <p14:creationId xmlns:p14="http://schemas.microsoft.com/office/powerpoint/2010/main" val="3515362357"/>
+      </p:ext>
+    </p:extLst>
+  </p:cSld>
+  <p:clrMapOvr>
+    <a:masterClrMapping/>
+  </p:clrMapOvr>
+  <p:transition/>
+  <p:timing>
+    <p:tnLst>
+      <p:par>
+        <p:cTn id="1" dur="indefinite" restart="never" nodeType="tmRoot">
+          <p:childTnLst>
+            <p:seq concurrent="1" nextAc="seek">
+              <p:cTn id="2" dur="indefinite" nodeType="mainSeq">
+                <p:childTnLst>
+                  <p:par>
+                    <p:cTn id="3" fill="hold">
+                      <p:stCondLst>
+                        <p:cond delay="indefinite"/>
+                      </p:stCondLst>
+                      <p:childTnLst>
+                        <p:par>
+                          <p:cTn id="4" fill="hold">
+                            <p:stCondLst>
+                              <p:cond delay="0"/>
+                            </p:stCondLst>
+                            <p:childTnLst>
+                              <p:par>
+                                <p:cTn id="5" presetID="1" presetClass="entr" presetSubtype="0" fill="hold" nodeType="clickEffect">
+                                  <p:stCondLst>
+                                    <p:cond delay="0"/>
+                                  </p:stCondLst>
+                                  <p:childTnLst>
+                                    <p:set>
+                                      <p:cBhvr>
+                                        <p:cTn id="6" dur="1" fill="hold">
+                                          <p:stCondLst>
+                                            <p:cond delay="0"/>
+                                          </p:stCondLst>
+                                        </p:cTn>
+                                        <p:tgtEl>
+                                          <p:spTgt spid="20483">
+                                            <p:txEl>
+                                              <p:pRg st="2" end="2"/>
+                                            </p:txEl>
+                                          </p:spTgt>
+                                        </p:tgtEl>
+                                        <p:attrNameLst>
+                                          <p:attrName>style.visibility</p:attrName>
+                                        </p:attrNameLst>
+                                      </p:cBhvr>
+                                      <p:to>
+                                        <p:strVal val="visible"/>
+                                      </p:to>
+                                    </p:set>
+                                  </p:childTnLst>
+                                </p:cTn>
+                              </p:par>
+                            </p:childTnLst>
+                          </p:cTn>
+                        </p:par>
+                      </p:childTnLst>
+                    </p:cTn>
+                  </p:par>
+                  <p:par>
+                    <p:cTn id="7" fill="hold">
+                      <p:stCondLst>
+                        <p:cond delay="indefinite"/>
+                      </p:stCondLst>
+                      <p:childTnLst>
+                        <p:par>
+                          <p:cTn id="8" fill="hold">
+                            <p:stCondLst>
+                              <p:cond delay="0"/>
+                            </p:stCondLst>
+                            <p:childTnLst>
+                              <p:par>
+                                <p:cTn id="9" presetID="1" presetClass="entr" presetSubtype="0" fill="hold" nodeType="clickEffect">
+                                  <p:stCondLst>
+                                    <p:cond delay="0"/>
+                                  </p:stCondLst>
+                                  <p:childTnLst>
+                                    <p:set>
+                                      <p:cBhvr>
+                                        <p:cTn id="10" dur="1" fill="hold">
+                                          <p:stCondLst>
+                                            <p:cond delay="0"/>
+                                          </p:stCondLst>
+                                        </p:cTn>
+                                        <p:tgtEl>
+                                          <p:spTgt spid="20483">
+                                            <p:txEl>
+                                              <p:pRg st="3" end="3"/>
+                                            </p:txEl>
+                                          </p:spTgt>
+                                        </p:tgtEl>
+                                        <p:attrNameLst>
+                                          <p:attrName>style.visibility</p:attrName>
+                                        </p:attrNameLst>
+                                      </p:cBhvr>
+                                      <p:to>
+                                        <p:strVal val="visible"/>
+                                      </p:to>
+                                    </p:set>
+                                  </p:childTnLst>
+                                </p:cTn>
+                              </p:par>
+                            </p:childTnLst>
+                          </p:cTn>
+                        </p:par>
+                      </p:childTnLst>
+                    </p:cTn>
+                  </p:par>
+                  <p:par>
+                    <p:cTn id="11" fill="hold">
+                      <p:stCondLst>
+                        <p:cond delay="indefinite"/>
+                      </p:stCondLst>
+                      <p:childTnLst>
+                        <p:par>
+                          <p:cTn id="12" fill="hold">
+                            <p:stCondLst>
+                              <p:cond delay="0"/>
+                            </p:stCondLst>
+                            <p:childTnLst>
+                              <p:par>
+                                <p:cTn id="13" presetID="1" presetClass="entr" presetSubtype="0" fill="hold" nodeType="clickEffect">
+                                  <p:stCondLst>
+                                    <p:cond delay="0"/>
+                                  </p:stCondLst>
+                                  <p:childTnLst>
+                                    <p:set>
+                                      <p:cBhvr>
+                                        <p:cTn id="14" dur="1" fill="hold">
+                                          <p:stCondLst>
+                                            <p:cond delay="0"/>
+                                          </p:stCondLst>
+                                        </p:cTn>
+                                        <p:tgtEl>
+                                          <p:spTgt spid="20483">
+                                            <p:txEl>
+                                              <p:pRg st="4" end="4"/>
+                                            </p:txEl>
+                                          </p:spTgt>
+                                        </p:tgtEl>
+                                        <p:attrNameLst>
+                                          <p:attrName>style.visibility</p:attrName>
+                                        </p:attrNameLst>
+                                      </p:cBhvr>
+                                      <p:to>
+                                        <p:strVal val="visible"/>
+                                      </p:to>
+                                    </p:set>
+                                  </p:childTnLst>
+                                </p:cTn>
+                              </p:par>
+                            </p:childTnLst>
+                          </p:cTn>
+                        </p:par>
+                      </p:childTnLst>
+                    </p:cTn>
+                  </p:par>
+                </p:childTnLst>
+              </p:cTn>
+              <p:prevCondLst>
+                <p:cond evt="onPrev" delay="0">
+                  <p:tgtEl>
+                    <p:sldTgt/>
+                  </p:tgtEl>
+                </p:cond>
+              </p:prevCondLst>
+              <p:nextCondLst>
+                <p:cond evt="onNext" delay="0">
+                  <p:tgtEl>
+                    <p:sldTgt/>
+                  </p:tgtEl>
+                </p:cond>
+              </p:nextCondLst>
+            </p:seq>
+          </p:childTnLst>
+        </p:cTn>
+      </p:par>
+    </p:tnLst>
+  </p:timing>
+</p:sld>
+</file>
+
+<file path=ppt/slides/slide20.xml><?xml version="1.0" encoding="utf-8"?>
 <p:sld xmlns:a="http://schemas.openxmlformats.org/drawingml/2006/main" xmlns:r="http://schemas.openxmlformats.org/officeDocument/2006/relationships" xmlns:p="http://schemas.openxmlformats.org/presentationml/2006/main">
   <p:cSld>
     <p:spTree>
@@ -13304,398 +13727,7 @@
 </p:sld>
 </file>
 
-<file path=ppt/slides/slide2.xml><?xml version="1.0" encoding="utf-8"?>
-<p:sld xmlns:a="http://schemas.openxmlformats.org/drawingml/2006/main" xmlns:r="http://schemas.openxmlformats.org/officeDocument/2006/relationships" xmlns:p="http://schemas.openxmlformats.org/presentationml/2006/main">
-  <p:cSld>
-    <p:spTree>
-      <p:nvGrpSpPr>
-        <p:cNvPr id="1" name=""/>
-        <p:cNvGrpSpPr/>
-        <p:nvPr/>
-      </p:nvGrpSpPr>
-      <p:grpSpPr>
-        <a:xfrm>
-          <a:off x="0" y="0"/>
-          <a:ext cx="0" cy="0"/>
-          <a:chOff x="0" y="0"/>
-          <a:chExt cx="0" cy="0"/>
-        </a:xfrm>
-      </p:grpSpPr>
-      <p:sp>
-        <p:nvSpPr>
-          <p:cNvPr id="20482" name="Rectangle 2">
-            <a:extLst>
-              <a:ext uri="{FF2B5EF4-FFF2-40B4-BE49-F238E27FC236}">
-                <a16:creationId xmlns:a16="http://schemas.microsoft.com/office/drawing/2014/main" id="{122029F5-C3C9-E94E-9E27-3AADE7978759}"/>
-              </a:ext>
-            </a:extLst>
-          </p:cNvPr>
-          <p:cNvSpPr>
-            <a:spLocks noGrp="1" noChangeArrowheads="1"/>
-          </p:cNvSpPr>
-          <p:nvPr>
-            <p:ph type="title" idx="4294967295"/>
-          </p:nvPr>
-        </p:nvSpPr>
-        <p:spPr>
-          <a:xfrm>
-            <a:off x="114300" y="142875"/>
-            <a:ext cx="7896225" cy="543322"/>
-          </a:xfrm>
-        </p:spPr>
-        <p:txBody>
-          <a:bodyPr vert="horz" lIns="0" tIns="45720" rIns="0" bIns="0" rtlCol="0" anchor="b">
-            <a:normAutofit/>
-          </a:bodyPr>
-          <a:lstStyle/>
-          <a:p>
-            <a:pPr eaLnBrk="1" hangingPunct="1">
-              <a:defRPr/>
-            </a:pPr>
-            <a:r>
-              <a:rPr lang="en-US" dirty="0">
-                <a:latin typeface="Century Gothic" panose="020B0502020202020204" pitchFamily="34" charset="0"/>
-              </a:rPr>
-              <a:t>Processing</a:t>
-            </a:r>
-          </a:p>
-        </p:txBody>
-      </p:sp>
-      <p:sp>
-        <p:nvSpPr>
-          <p:cNvPr id="20483" name="Rectangle 3">
-            <a:extLst>
-              <a:ext uri="{FF2B5EF4-FFF2-40B4-BE49-F238E27FC236}">
-                <a16:creationId xmlns:a16="http://schemas.microsoft.com/office/drawing/2014/main" id="{11D6A34E-F264-984B-AD46-8F4C5C826246}"/>
-              </a:ext>
-            </a:extLst>
-          </p:cNvPr>
-          <p:cNvSpPr>
-            <a:spLocks noGrp="1" noChangeArrowheads="1"/>
-          </p:cNvSpPr>
-          <p:nvPr>
-            <p:ph idx="4294967295"/>
-          </p:nvPr>
-        </p:nvSpPr>
-        <p:spPr>
-          <a:xfrm>
-            <a:off x="114300" y="828675"/>
-            <a:ext cx="8877299" cy="4629149"/>
-          </a:xfrm>
-        </p:spPr>
-        <p:txBody>
-          <a:bodyPr>
-            <a:normAutofit/>
-          </a:bodyPr>
-          <a:lstStyle/>
-          <a:p>
-            <a:pPr marL="0" indent="0">
-              <a:buNone/>
-              <a:defRPr/>
-            </a:pPr>
-            <a:endParaRPr lang="en-US" sz="2000" dirty="0">
-              <a:cs typeface="Tahoma"/>
-            </a:endParaRPr>
-          </a:p>
-          <a:p>
-            <a:pPr eaLnBrk="1" hangingPunct="1">
-              <a:defRPr/>
-            </a:pPr>
-            <a:r>
-              <a:rPr lang="en-US" sz="2000" dirty="0">
-                <a:cs typeface="Tahoma"/>
-              </a:rPr>
-              <a:t>Processing started by Ben Fry and Casey </a:t>
-            </a:r>
-            <a:r>
-              <a:rPr lang="en-US" sz="2000" dirty="0" err="1">
-                <a:cs typeface="Tahoma"/>
-              </a:rPr>
-              <a:t>Reas</a:t>
-            </a:r>
-            <a:r>
-              <a:rPr lang="en-US" sz="2000" dirty="0">
-                <a:cs typeface="Tahoma"/>
-              </a:rPr>
-              <a:t> while both were graduate students at MIT Media Lab in 2001.</a:t>
-            </a:r>
-          </a:p>
-          <a:p>
-            <a:pPr eaLnBrk="1" hangingPunct="1">
-              <a:defRPr/>
-            </a:pPr>
-            <a:r>
-              <a:rPr lang="en-US" sz="2000" dirty="0">
-                <a:cs typeface="Tahoma"/>
-              </a:rPr>
-              <a:t>The original language for Processing is Java. </a:t>
-            </a:r>
-            <a:r>
-              <a:rPr lang="en-US" sz="2000" dirty="0">
-                <a:solidFill>
-                  <a:srgbClr val="FF0000"/>
-                </a:solidFill>
-                <a:cs typeface="Tahoma"/>
-              </a:rPr>
-              <a:t>We will use the Python version. However, this Python implementation is built with </a:t>
-            </a:r>
-            <a:r>
-              <a:rPr lang="en-US" sz="2000" dirty="0" err="1">
-                <a:solidFill>
-                  <a:srgbClr val="FF0000"/>
-                </a:solidFill>
-                <a:cs typeface="Tahoma"/>
-              </a:rPr>
-              <a:t>Jython</a:t>
-            </a:r>
-            <a:r>
-              <a:rPr lang="en-US" sz="2000" dirty="0">
-                <a:solidFill>
-                  <a:srgbClr val="FF0000"/>
-                </a:solidFill>
-                <a:cs typeface="Tahoma"/>
-              </a:rPr>
-              <a:t> which still uses Python 2.x instead of the current Python 3.x. So for example, f-string(formatted-string) will not work. Otherwise, you will likely not notice the difference. </a:t>
-            </a:r>
-          </a:p>
-          <a:p>
-            <a:pPr eaLnBrk="1" hangingPunct="1">
-              <a:defRPr/>
-            </a:pPr>
-            <a:r>
-              <a:rPr lang="en-US" sz="2000" dirty="0">
-                <a:cs typeface="Tahoma"/>
-              </a:rPr>
-              <a:t>Designed for visual artists with limited programming experience who want to create art without knowing complicated Java syntax.</a:t>
-            </a:r>
-          </a:p>
-          <a:p>
-            <a:pPr eaLnBrk="1" hangingPunct="1">
-              <a:defRPr/>
-            </a:pPr>
-            <a:r>
-              <a:rPr lang="en-US" sz="2000" dirty="0">
-                <a:cs typeface="Tahoma"/>
-              </a:rPr>
-              <a:t>In its current version, hundred of libraries have been written for computer vision, data visualization, music composition, networking, 3D drawings and programming electronics</a:t>
-            </a:r>
-            <a:r>
-              <a:rPr lang="en-US" sz="2000">
-                <a:cs typeface="Tahoma"/>
-              </a:rPr>
-              <a:t>.  </a:t>
-            </a:r>
-          </a:p>
-          <a:p>
-            <a:pPr eaLnBrk="1" hangingPunct="1">
-              <a:defRPr/>
-            </a:pPr>
-            <a:endParaRPr lang="en-US" sz="2000" dirty="0">
-              <a:cs typeface="Tahoma"/>
-            </a:endParaRPr>
-          </a:p>
-          <a:p>
-            <a:pPr eaLnBrk="1" hangingPunct="1">
-              <a:defRPr/>
-            </a:pPr>
-            <a:endParaRPr lang="en-US" sz="2000" dirty="0">
-              <a:cs typeface="Tahoma"/>
-            </a:endParaRPr>
-          </a:p>
-        </p:txBody>
-      </p:sp>
-    </p:spTree>
-    <p:extLst>
-      <p:ext uri="{BB962C8B-B14F-4D97-AF65-F5344CB8AC3E}">
-        <p14:creationId xmlns:p14="http://schemas.microsoft.com/office/powerpoint/2010/main" val="3515362357"/>
-      </p:ext>
-    </p:extLst>
-  </p:cSld>
-  <p:clrMapOvr>
-    <a:masterClrMapping/>
-  </p:clrMapOvr>
-  <p:transition/>
-  <p:timing>
-    <p:tnLst>
-      <p:par>
-        <p:cTn id="1" dur="indefinite" restart="never" nodeType="tmRoot">
-          <p:childTnLst>
-            <p:seq concurrent="1" nextAc="seek">
-              <p:cTn id="2" dur="indefinite" nodeType="mainSeq">
-                <p:childTnLst>
-                  <p:par>
-                    <p:cTn id="3" fill="hold">
-                      <p:stCondLst>
-                        <p:cond delay="indefinite"/>
-                      </p:stCondLst>
-                      <p:childTnLst>
-                        <p:par>
-                          <p:cTn id="4" fill="hold">
-                            <p:stCondLst>
-                              <p:cond delay="0"/>
-                            </p:stCondLst>
-                            <p:childTnLst>
-                              <p:par>
-                                <p:cTn id="5" presetID="1" presetClass="entr" presetSubtype="0" fill="hold" nodeType="clickEffect">
-                                  <p:stCondLst>
-                                    <p:cond delay="0"/>
-                                  </p:stCondLst>
-                                  <p:childTnLst>
-                                    <p:set>
-                                      <p:cBhvr>
-                                        <p:cTn id="6" dur="1" fill="hold">
-                                          <p:stCondLst>
-                                            <p:cond delay="0"/>
-                                          </p:stCondLst>
-                                        </p:cTn>
-                                        <p:tgtEl>
-                                          <p:spTgt spid="20483">
-                                            <p:txEl>
-                                              <p:pRg st="2" end="2"/>
-                                            </p:txEl>
-                                          </p:spTgt>
-                                        </p:tgtEl>
-                                        <p:attrNameLst>
-                                          <p:attrName>style.visibility</p:attrName>
-                                        </p:attrNameLst>
-                                      </p:cBhvr>
-                                      <p:to>
-                                        <p:strVal val="visible"/>
-                                      </p:to>
-                                    </p:set>
-                                  </p:childTnLst>
-                                </p:cTn>
-                              </p:par>
-                            </p:childTnLst>
-                          </p:cTn>
-                        </p:par>
-                      </p:childTnLst>
-                    </p:cTn>
-                  </p:par>
-                  <p:par>
-                    <p:cTn id="7" fill="hold">
-                      <p:stCondLst>
-                        <p:cond delay="indefinite"/>
-                      </p:stCondLst>
-                      <p:childTnLst>
-                        <p:par>
-                          <p:cTn id="8" fill="hold">
-                            <p:stCondLst>
-                              <p:cond delay="0"/>
-                            </p:stCondLst>
-                            <p:childTnLst>
-                              <p:par>
-                                <p:cTn id="9" presetID="1" presetClass="entr" presetSubtype="0" fill="hold" nodeType="clickEffect">
-                                  <p:stCondLst>
-                                    <p:cond delay="0"/>
-                                  </p:stCondLst>
-                                  <p:childTnLst>
-                                    <p:set>
-                                      <p:cBhvr>
-                                        <p:cTn id="10" dur="1" fill="hold">
-                                          <p:stCondLst>
-                                            <p:cond delay="0"/>
-                                          </p:stCondLst>
-                                        </p:cTn>
-                                        <p:tgtEl>
-                                          <p:spTgt spid="20483">
-                                            <p:txEl>
-                                              <p:pRg st="3" end="3"/>
-                                            </p:txEl>
-                                          </p:spTgt>
-                                        </p:tgtEl>
-                                        <p:attrNameLst>
-                                          <p:attrName>style.visibility</p:attrName>
-                                        </p:attrNameLst>
-                                      </p:cBhvr>
-                                      <p:to>
-                                        <p:strVal val="visible"/>
-                                      </p:to>
-                                    </p:set>
-                                  </p:childTnLst>
-                                </p:cTn>
-                              </p:par>
-                            </p:childTnLst>
-                          </p:cTn>
-                        </p:par>
-                      </p:childTnLst>
-                    </p:cTn>
-                  </p:par>
-                  <p:par>
-                    <p:cTn id="11" fill="hold">
-                      <p:stCondLst>
-                        <p:cond delay="indefinite"/>
-                      </p:stCondLst>
-                      <p:childTnLst>
-                        <p:par>
-                          <p:cTn id="12" fill="hold">
-                            <p:stCondLst>
-                              <p:cond delay="0"/>
-                            </p:stCondLst>
-                            <p:childTnLst>
-                              <p:par>
-                                <p:cTn id="13" presetID="1" presetClass="entr" presetSubtype="0" fill="hold" nodeType="clickEffect">
-                                  <p:stCondLst>
-                                    <p:cond delay="0"/>
-                                  </p:stCondLst>
-                                  <p:childTnLst>
-                                    <p:set>
-                                      <p:cBhvr>
-                                        <p:cTn id="14" dur="1" fill="hold">
-                                          <p:stCondLst>
-                                            <p:cond delay="0"/>
-                                          </p:stCondLst>
-                                        </p:cTn>
-                                        <p:tgtEl>
-                                          <p:spTgt spid="20483">
-                                            <p:txEl>
-                                              <p:pRg st="4" end="4"/>
-                                            </p:txEl>
-                                          </p:spTgt>
-                                        </p:tgtEl>
-                                        <p:attrNameLst>
-                                          <p:attrName>style.visibility</p:attrName>
-                                        </p:attrNameLst>
-                                      </p:cBhvr>
-                                      <p:to>
-                                        <p:strVal val="visible"/>
-                                      </p:to>
-                                    </p:set>
-                                  </p:childTnLst>
-                                </p:cTn>
-                              </p:par>
-                            </p:childTnLst>
-                          </p:cTn>
-                        </p:par>
-                      </p:childTnLst>
-                    </p:cTn>
-                  </p:par>
-                </p:childTnLst>
-              </p:cTn>
-              <p:prevCondLst>
-                <p:cond evt="onPrev" delay="0">
-                  <p:tgtEl>
-                    <p:sldTgt/>
-                  </p:tgtEl>
-                </p:cond>
-              </p:prevCondLst>
-              <p:nextCondLst>
-                <p:cond evt="onNext" delay="0">
-                  <p:tgtEl>
-                    <p:sldTgt/>
-                  </p:tgtEl>
-                </p:cond>
-              </p:nextCondLst>
-            </p:seq>
-          </p:childTnLst>
-        </p:cTn>
-      </p:par>
-    </p:tnLst>
-  </p:timing>
-</p:sld>
-</file>
-
-<file path=ppt/slides/slide20.xml><?xml version="1.0" encoding="utf-8"?>
+<file path=ppt/slides/slide21.xml><?xml version="1.0" encoding="utf-8"?>
 <p:sld xmlns:a="http://schemas.openxmlformats.org/drawingml/2006/main" xmlns:r="http://schemas.openxmlformats.org/officeDocument/2006/relationships" xmlns:p="http://schemas.openxmlformats.org/presentationml/2006/main">
   <p:cSld>
     <p:spTree>
@@ -14339,7 +14371,7 @@
 </p:sld>
 </file>
 
-<file path=ppt/slides/slide21.xml><?xml version="1.0" encoding="utf-8"?>
+<file path=ppt/slides/slide22.xml><?xml version="1.0" encoding="utf-8"?>
 <p:sld xmlns:a="http://schemas.openxmlformats.org/drawingml/2006/main" xmlns:r="http://schemas.openxmlformats.org/officeDocument/2006/relationships" xmlns:p="http://schemas.openxmlformats.org/presentationml/2006/main">
   <p:cSld>
     <p:spTree>
@@ -15000,7 +15032,7 @@
 </p:sld>
 </file>
 
-<file path=ppt/slides/slide22.xml><?xml version="1.0" encoding="utf-8"?>
+<file path=ppt/slides/slide23.xml><?xml version="1.0" encoding="utf-8"?>
 <p:sld xmlns:a="http://schemas.openxmlformats.org/drawingml/2006/main" xmlns:r="http://schemas.openxmlformats.org/officeDocument/2006/relationships" xmlns:p="http://schemas.openxmlformats.org/presentationml/2006/main">
   <p:cSld>
     <p:spTree>
@@ -15667,7 +15699,7 @@
 </p:sld>
 </file>
 
-<file path=ppt/slides/slide23.xml><?xml version="1.0" encoding="utf-8"?>
+<file path=ppt/slides/slide24.xml><?xml version="1.0" encoding="utf-8"?>
 <p:sld xmlns:a="http://schemas.openxmlformats.org/drawingml/2006/main" xmlns:r="http://schemas.openxmlformats.org/officeDocument/2006/relationships" xmlns:p="http://schemas.openxmlformats.org/presentationml/2006/main">
   <p:cSld>
     <p:spTree>
@@ -16559,7 +16591,1355 @@
 </p:sld>
 </file>
 
-<file path=ppt/slides/slide24.xml><?xml version="1.0" encoding="utf-8"?>
+<file path=ppt/slides/slide25.xml><?xml version="1.0" encoding="utf-8"?>
+<p:sld xmlns:a="http://schemas.openxmlformats.org/drawingml/2006/main" xmlns:r="http://schemas.openxmlformats.org/officeDocument/2006/relationships" xmlns:p="http://schemas.openxmlformats.org/presentationml/2006/main">
+  <p:cSld>
+    <p:spTree>
+      <p:nvGrpSpPr>
+        <p:cNvPr id="1" name=""/>
+        <p:cNvGrpSpPr/>
+        <p:nvPr/>
+      </p:nvGrpSpPr>
+      <p:grpSpPr>
+        <a:xfrm>
+          <a:off x="0" y="0"/>
+          <a:ext cx="0" cy="0"/>
+          <a:chOff x="0" y="0"/>
+          <a:chExt cx="0" cy="0"/>
+        </a:xfrm>
+      </p:grpSpPr>
+      <p:sp>
+        <p:nvSpPr>
+          <p:cNvPr id="35841" name="Rectangle 2">
+            <a:extLst>
+              <a:ext uri="{FF2B5EF4-FFF2-40B4-BE49-F238E27FC236}">
+                <a16:creationId xmlns:a16="http://schemas.microsoft.com/office/drawing/2014/main" id="{09D8876C-8F7A-C748-966B-672B36C17545}"/>
+              </a:ext>
+            </a:extLst>
+          </p:cNvPr>
+          <p:cNvSpPr>
+            <a:spLocks noGrp="1" noChangeArrowheads="1"/>
+          </p:cNvSpPr>
+          <p:nvPr>
+            <p:ph type="title"/>
+          </p:nvPr>
+        </p:nvSpPr>
+        <p:spPr>
+          <a:xfrm>
+            <a:off x="152400" y="19843"/>
+            <a:ext cx="7848600" cy="713582"/>
+          </a:xfrm>
+        </p:spPr>
+        <p:txBody>
+          <a:bodyPr/>
+          <a:lstStyle/>
+          <a:p>
+            <a:pPr eaLnBrk="1" hangingPunct="1"/>
+            <a:r>
+              <a:rPr lang="en-US" altLang="en-US" dirty="0">
+                <a:ea typeface="ＭＳ Ｐゴシック" panose="020B0600070205080204" pitchFamily="34" charset="-128"/>
+              </a:rPr>
+              <a:t>Sprite Example 1</a:t>
+            </a:r>
+          </a:p>
+        </p:txBody>
+      </p:sp>
+      <p:sp>
+        <p:nvSpPr>
+          <p:cNvPr id="35842" name="Rectangle 3">
+            <a:extLst>
+              <a:ext uri="{FF2B5EF4-FFF2-40B4-BE49-F238E27FC236}">
+                <a16:creationId xmlns:a16="http://schemas.microsoft.com/office/drawing/2014/main" id="{C94BCA01-D831-ED4D-84FD-C30E8117F872}"/>
+              </a:ext>
+            </a:extLst>
+          </p:cNvPr>
+          <p:cNvSpPr>
+            <a:spLocks noGrp="1" noChangeArrowheads="1"/>
+          </p:cNvSpPr>
+          <p:nvPr>
+            <p:ph type="body" idx="1"/>
+          </p:nvPr>
+        </p:nvSpPr>
+        <p:spPr>
+          <a:xfrm>
+            <a:off x="152399" y="590551"/>
+            <a:ext cx="8905875" cy="5104606"/>
+          </a:xfrm>
+        </p:spPr>
+        <p:txBody>
+          <a:bodyPr>
+            <a:normAutofit lnSpcReduction="10000"/>
+          </a:bodyPr>
+          <a:lstStyle/>
+          <a:p>
+            <a:pPr marL="0" indent="0">
+              <a:buNone/>
+            </a:pPr>
+            <a:r>
+              <a:rPr lang="en-US" altLang="en-US" sz="1800" dirty="0">
+                <a:latin typeface="INCONSOLATA" panose="020B0609030003000000" pitchFamily="49" charset="77"/>
+                <a:ea typeface="ＭＳ Ｐゴシック" panose="020B0600070205080204" pitchFamily="34" charset="-128"/>
+              </a:rPr>
+              <a:t>class Window:    </a:t>
+            </a:r>
+          </a:p>
+          <a:p>
+            <a:pPr marL="0" indent="0">
+              <a:buNone/>
+            </a:pPr>
+            <a:r>
+              <a:rPr lang="en-US" altLang="en-US" sz="1800" dirty="0">
+                <a:solidFill>
+                  <a:srgbClr val="7030A0"/>
+                </a:solidFill>
+                <a:latin typeface="INCONSOLATA" panose="020B0609030003000000" pitchFamily="49" charset="77"/>
+                <a:ea typeface="ＭＳ Ｐゴシック" panose="020B0600070205080204" pitchFamily="34" charset="-128"/>
+              </a:rPr>
+              <a:t>    def __</a:t>
+            </a:r>
+            <a:r>
+              <a:rPr lang="en-US" altLang="en-US" sz="1800" dirty="0" err="1">
+                <a:solidFill>
+                  <a:srgbClr val="7030A0"/>
+                </a:solidFill>
+                <a:latin typeface="INCONSOLATA" panose="020B0609030003000000" pitchFamily="49" charset="77"/>
+                <a:ea typeface="ＭＳ Ｐゴシック" panose="020B0600070205080204" pitchFamily="34" charset="-128"/>
+              </a:rPr>
+              <a:t>init</a:t>
+            </a:r>
+            <a:r>
+              <a:rPr lang="en-US" altLang="en-US" sz="1800" dirty="0">
+                <a:solidFill>
+                  <a:srgbClr val="7030A0"/>
+                </a:solidFill>
+                <a:latin typeface="INCONSOLATA" panose="020B0609030003000000" pitchFamily="49" charset="77"/>
+                <a:ea typeface="ＭＳ Ｐゴシック" panose="020B0600070205080204" pitchFamily="34" charset="-128"/>
+              </a:rPr>
+              <a:t>__(self): </a:t>
+            </a:r>
+            <a:r>
+              <a:rPr lang="en-US" altLang="en-US" sz="1800" dirty="0">
+                <a:latin typeface="INCONSOLATA" panose="020B0609030003000000" pitchFamily="49" charset="77"/>
+                <a:ea typeface="ＭＳ Ｐゴシック" panose="020B0600070205080204" pitchFamily="34" charset="-128"/>
+              </a:rPr>
+              <a:t>		</a:t>
+            </a:r>
+          </a:p>
+          <a:p>
+            <a:pPr marL="0" indent="0">
+              <a:buNone/>
+            </a:pPr>
+            <a:r>
+              <a:rPr lang="en-US" altLang="en-US" sz="1800" dirty="0">
+                <a:solidFill>
+                  <a:srgbClr val="7030A0"/>
+                </a:solidFill>
+                <a:latin typeface="INCONSOLATA" panose="020B0609030003000000" pitchFamily="49" charset="77"/>
+                <a:ea typeface="ＭＳ Ｐゴシック" panose="020B0600070205080204" pitchFamily="34" charset="-128"/>
+              </a:rPr>
+              <a:t>        """ Initialize all variables here. """ </a:t>
+            </a:r>
+          </a:p>
+          <a:p>
+            <a:pPr marL="0" indent="0">
+              <a:buNone/>
+            </a:pPr>
+            <a:r>
+              <a:rPr lang="en-US" altLang="en-US" sz="1800" dirty="0">
+                <a:solidFill>
+                  <a:srgbClr val="7030A0"/>
+                </a:solidFill>
+                <a:latin typeface="INCONSOLATA" panose="020B0609030003000000" pitchFamily="49" charset="77"/>
+                <a:ea typeface="ＭＳ Ｐゴシック" panose="020B0600070205080204" pitchFamily="34" charset="-128"/>
+              </a:rPr>
+              <a:t>	  </a:t>
+            </a:r>
+            <a:r>
+              <a:rPr lang="en-US" altLang="en-US" sz="1800" dirty="0" err="1">
+                <a:solidFill>
+                  <a:srgbClr val="FF0000"/>
+                </a:solidFill>
+                <a:latin typeface="INCONSOLATA" panose="020B0609030003000000" pitchFamily="49" charset="77"/>
+                <a:ea typeface="ＭＳ Ｐゴシック" panose="020B0600070205080204" pitchFamily="34" charset="-128"/>
+              </a:rPr>
+              <a:t>self.player</a:t>
+            </a:r>
+            <a:r>
+              <a:rPr lang="en-US" altLang="en-US" sz="1800" dirty="0">
+                <a:solidFill>
+                  <a:srgbClr val="FF0000"/>
+                </a:solidFill>
+                <a:latin typeface="INCONSOLATA" panose="020B0609030003000000" pitchFamily="49" charset="77"/>
+                <a:ea typeface="ＭＳ Ｐゴシック" panose="020B0600070205080204" pitchFamily="34" charset="-128"/>
+              </a:rPr>
+              <a:t> = </a:t>
+            </a:r>
+            <a:r>
+              <a:rPr lang="en-US" altLang="en-US" sz="1800" dirty="0" err="1">
+                <a:solidFill>
+                  <a:srgbClr val="FF0000"/>
+                </a:solidFill>
+                <a:latin typeface="INCONSOLATA" panose="020B0609030003000000" pitchFamily="49" charset="77"/>
+                <a:ea typeface="ＭＳ Ｐゴシック" panose="020B0600070205080204" pitchFamily="34" charset="-128"/>
+              </a:rPr>
+              <a:t>arcade.Sprite</a:t>
+            </a:r>
+            <a:r>
+              <a:rPr lang="en-US" altLang="en-US" sz="1800" dirty="0">
+                <a:solidFill>
+                  <a:srgbClr val="FF0000"/>
+                </a:solidFill>
+                <a:latin typeface="INCONSOLATA" panose="020B0609030003000000" pitchFamily="49" charset="77"/>
+                <a:ea typeface="ＭＳ Ｐゴシック" panose="020B0600070205080204" pitchFamily="34" charset="-128"/>
+              </a:rPr>
+              <a:t>(“</a:t>
+            </a:r>
+            <a:r>
+              <a:rPr lang="en-US" altLang="en-US" sz="1800" dirty="0" err="1">
+                <a:solidFill>
+                  <a:srgbClr val="FF0000"/>
+                </a:solidFill>
+                <a:latin typeface="INCONSOLATA" panose="020B0609030003000000" pitchFamily="49" charset="77"/>
+                <a:ea typeface="ＭＳ Ｐゴシック" panose="020B0600070205080204" pitchFamily="34" charset="-128"/>
+              </a:rPr>
+              <a:t>tank.png</a:t>
+            </a:r>
+            <a:r>
+              <a:rPr lang="en-US" altLang="en-US" sz="1800" dirty="0">
+                <a:solidFill>
+                  <a:srgbClr val="FF0000"/>
+                </a:solidFill>
+                <a:latin typeface="INCONSOLATA" panose="020B0609030003000000" pitchFamily="49" charset="77"/>
+                <a:ea typeface="ＭＳ Ｐゴシック" panose="020B0600070205080204" pitchFamily="34" charset="-128"/>
+              </a:rPr>
+              <a:t>”)</a:t>
+            </a:r>
+          </a:p>
+          <a:p>
+            <a:pPr marL="0" indent="0">
+              <a:buNone/>
+            </a:pPr>
+            <a:r>
+              <a:rPr lang="en-US" altLang="en-US" sz="1800" dirty="0">
+                <a:solidFill>
+                  <a:srgbClr val="7030A0"/>
+                </a:solidFill>
+                <a:latin typeface="INCONSOLATA" panose="020B0609030003000000" pitchFamily="49" charset="77"/>
+                <a:ea typeface="ＭＳ Ｐゴシック" panose="020B0600070205080204" pitchFamily="34" charset="-128"/>
+              </a:rPr>
+              <a:t>	  </a:t>
+            </a:r>
+            <a:r>
+              <a:rPr lang="en-US" altLang="en-US" sz="1800" dirty="0" err="1">
+                <a:solidFill>
+                  <a:srgbClr val="FF0000"/>
+                </a:solidFill>
+                <a:latin typeface="INCONSOLATA" panose="020B0609030003000000" pitchFamily="49" charset="77"/>
+                <a:ea typeface="ＭＳ Ｐゴシック" panose="020B0600070205080204" pitchFamily="34" charset="-128"/>
+              </a:rPr>
+              <a:t>self.player.scale</a:t>
+            </a:r>
+            <a:r>
+              <a:rPr lang="en-US" altLang="en-US" sz="1800" dirty="0">
+                <a:solidFill>
+                  <a:srgbClr val="FF0000"/>
+                </a:solidFill>
+                <a:latin typeface="INCONSOLATA" panose="020B0609030003000000" pitchFamily="49" charset="77"/>
+                <a:ea typeface="ＭＳ Ｐゴシック" panose="020B0600070205080204" pitchFamily="34" charset="-128"/>
+              </a:rPr>
+              <a:t> = 2.0</a:t>
+            </a:r>
+          </a:p>
+          <a:p>
+            <a:pPr marL="0" indent="0">
+              <a:buNone/>
+            </a:pPr>
+            <a:r>
+              <a:rPr lang="en-US" altLang="en-US" sz="1800" dirty="0">
+                <a:solidFill>
+                  <a:srgbClr val="7030A0"/>
+                </a:solidFill>
+                <a:latin typeface="INCONSOLATA" panose="020B0609030003000000" pitchFamily="49" charset="77"/>
+                <a:ea typeface="ＭＳ Ｐゴシック" panose="020B0600070205080204" pitchFamily="34" charset="-128"/>
+              </a:rPr>
+              <a:t>	  </a:t>
+            </a:r>
+            <a:r>
+              <a:rPr lang="en-US" altLang="en-US" sz="1800" dirty="0" err="1">
+                <a:solidFill>
+                  <a:srgbClr val="FF0000"/>
+                </a:solidFill>
+                <a:latin typeface="INCONSOLATA" panose="020B0609030003000000" pitchFamily="49" charset="77"/>
+                <a:ea typeface="ＭＳ Ｐゴシック" panose="020B0600070205080204" pitchFamily="34" charset="-128"/>
+              </a:rPr>
+              <a:t>self.player.center_x</a:t>
+            </a:r>
+            <a:r>
+              <a:rPr lang="en-US" altLang="en-US" sz="1800" dirty="0">
+                <a:solidFill>
+                  <a:srgbClr val="FF0000"/>
+                </a:solidFill>
+                <a:latin typeface="INCONSOLATA" panose="020B0609030003000000" pitchFamily="49" charset="77"/>
+                <a:ea typeface="ＭＳ Ｐゴシック" panose="020B0600070205080204" pitchFamily="34" charset="-128"/>
+              </a:rPr>
+              <a:t> = 100</a:t>
+            </a:r>
+          </a:p>
+          <a:p>
+            <a:pPr marL="0" indent="0">
+              <a:buNone/>
+            </a:pPr>
+            <a:r>
+              <a:rPr lang="en-US" altLang="en-US" sz="1800" dirty="0">
+                <a:solidFill>
+                  <a:srgbClr val="7030A0"/>
+                </a:solidFill>
+                <a:latin typeface="INCONSOLATA" panose="020B0609030003000000" pitchFamily="49" charset="77"/>
+                <a:ea typeface="ＭＳ Ｐゴシック" panose="020B0600070205080204" pitchFamily="34" charset="-128"/>
+              </a:rPr>
+              <a:t>	  </a:t>
+            </a:r>
+            <a:r>
+              <a:rPr lang="en-US" altLang="en-US" sz="1800" dirty="0" err="1">
+                <a:solidFill>
+                  <a:srgbClr val="FF0000"/>
+                </a:solidFill>
+                <a:latin typeface="INCONSOLATA" panose="020B0609030003000000" pitchFamily="49" charset="77"/>
+                <a:ea typeface="ＭＳ Ｐゴシック" panose="020B0600070205080204" pitchFamily="34" charset="-128"/>
+              </a:rPr>
+              <a:t>self.player.center_y</a:t>
+            </a:r>
+            <a:r>
+              <a:rPr lang="en-US" altLang="en-US" sz="1800" dirty="0">
+                <a:solidFill>
+                  <a:srgbClr val="FF0000"/>
+                </a:solidFill>
+                <a:latin typeface="INCONSOLATA" panose="020B0609030003000000" pitchFamily="49" charset="77"/>
+                <a:ea typeface="ＭＳ Ｐゴシック" panose="020B0600070205080204" pitchFamily="34" charset="-128"/>
+              </a:rPr>
+              <a:t> = 200</a:t>
+            </a:r>
+          </a:p>
+          <a:p>
+            <a:pPr marL="0" indent="0">
+              <a:buNone/>
+            </a:pPr>
+            <a:r>
+              <a:rPr lang="en-US" altLang="en-US" sz="1800" dirty="0">
+                <a:solidFill>
+                  <a:srgbClr val="FF0000"/>
+                </a:solidFill>
+                <a:latin typeface="INCONSOLATA" panose="020B0609030003000000" pitchFamily="49" charset="77"/>
+                <a:ea typeface="ＭＳ Ｐゴシック" panose="020B0600070205080204" pitchFamily="34" charset="-128"/>
+              </a:rPr>
+              <a:t>	</a:t>
+            </a:r>
+          </a:p>
+          <a:p>
+            <a:pPr marL="0" indent="0">
+              <a:buNone/>
+            </a:pPr>
+            <a:endParaRPr lang="en-US" altLang="en-US" sz="1800" dirty="0">
+              <a:solidFill>
+                <a:srgbClr val="7030A0"/>
+              </a:solidFill>
+              <a:latin typeface="INCONSOLATA" panose="020B0609030003000000" pitchFamily="49" charset="77"/>
+              <a:ea typeface="ＭＳ Ｐゴシック" panose="020B0600070205080204" pitchFamily="34" charset="-128"/>
+            </a:endParaRPr>
+          </a:p>
+          <a:p>
+            <a:pPr marL="0" indent="0">
+              <a:buNone/>
+            </a:pPr>
+            <a:r>
+              <a:rPr lang="en-US" altLang="en-US" sz="1800" dirty="0">
+                <a:solidFill>
+                  <a:srgbClr val="7030A0"/>
+                </a:solidFill>
+                <a:latin typeface="INCONSOLATA" panose="020B0609030003000000" pitchFamily="49" charset="77"/>
+                <a:ea typeface="ＭＳ Ｐゴシック" panose="020B0600070205080204" pitchFamily="34" charset="-128"/>
+              </a:rPr>
+              <a:t>    def </a:t>
+            </a:r>
+            <a:r>
+              <a:rPr lang="en-US" altLang="en-US" sz="1800" dirty="0" err="1">
+                <a:solidFill>
+                  <a:srgbClr val="7030A0"/>
+                </a:solidFill>
+                <a:latin typeface="INCONSOLATA" panose="020B0609030003000000" pitchFamily="49" charset="77"/>
+                <a:ea typeface="ＭＳ Ｐゴシック" panose="020B0600070205080204" pitchFamily="34" charset="-128"/>
+              </a:rPr>
+              <a:t>on_draw</a:t>
+            </a:r>
+            <a:r>
+              <a:rPr lang="en-US" altLang="en-US" sz="1800" dirty="0">
+                <a:solidFill>
+                  <a:srgbClr val="7030A0"/>
+                </a:solidFill>
+                <a:latin typeface="INCONSOLATA" panose="020B0609030003000000" pitchFamily="49" charset="77"/>
+                <a:ea typeface="ＭＳ Ｐゴシック" panose="020B0600070205080204" pitchFamily="34" charset="-128"/>
+              </a:rPr>
+              <a:t>(self):</a:t>
+            </a:r>
+          </a:p>
+          <a:p>
+            <a:pPr marL="0" indent="0">
+              <a:buNone/>
+            </a:pPr>
+            <a:r>
+              <a:rPr lang="en-US" altLang="en-US" sz="1800" dirty="0">
+                <a:solidFill>
+                  <a:srgbClr val="7030A0"/>
+                </a:solidFill>
+                <a:latin typeface="INCONSOLATA" panose="020B0609030003000000" pitchFamily="49" charset="77"/>
+                <a:ea typeface="ＭＳ Ｐゴシック" panose="020B0600070205080204" pitchFamily="34" charset="-128"/>
+              </a:rPr>
+              <a:t>        """ Called automatically 60 times a second to draw all objects.""" </a:t>
+            </a:r>
+          </a:p>
+          <a:p>
+            <a:pPr marL="0" indent="0">
+              <a:buNone/>
+            </a:pPr>
+            <a:r>
+              <a:rPr lang="en-US" altLang="en-US" sz="1800" dirty="0">
+                <a:solidFill>
+                  <a:srgbClr val="7030A0"/>
+                </a:solidFill>
+                <a:latin typeface="INCONSOLATA" panose="020B0609030003000000" pitchFamily="49" charset="77"/>
+                <a:ea typeface="ＭＳ Ｐゴシック" panose="020B0600070205080204" pitchFamily="34" charset="-128"/>
+              </a:rPr>
+              <a:t>	  </a:t>
+            </a:r>
+            <a:r>
+              <a:rPr lang="en-US" altLang="en-US" sz="1800" dirty="0" err="1">
+                <a:solidFill>
+                  <a:srgbClr val="FF0000"/>
+                </a:solidFill>
+                <a:latin typeface="INCONSOLATA" panose="020B0609030003000000" pitchFamily="49" charset="77"/>
+                <a:ea typeface="ＭＳ Ｐゴシック" panose="020B0600070205080204" pitchFamily="34" charset="-128"/>
+              </a:rPr>
+              <a:t>self.player.draw</a:t>
+            </a:r>
+            <a:r>
+              <a:rPr lang="en-US" altLang="en-US" sz="1800" dirty="0">
+                <a:solidFill>
+                  <a:srgbClr val="FF0000"/>
+                </a:solidFill>
+                <a:latin typeface="INCONSOLATA" panose="020B0609030003000000" pitchFamily="49" charset="77"/>
+                <a:ea typeface="ＭＳ Ｐゴシック" panose="020B0600070205080204" pitchFamily="34" charset="-128"/>
+              </a:rPr>
+              <a:t>()</a:t>
+            </a:r>
+            <a:endParaRPr lang="en-US" altLang="en-US" sz="1800" dirty="0">
+              <a:solidFill>
+                <a:srgbClr val="7030A0"/>
+              </a:solidFill>
+              <a:latin typeface="INCONSOLATA" panose="020B0609030003000000" pitchFamily="49" charset="77"/>
+              <a:ea typeface="ＭＳ Ｐゴシック" panose="020B0600070205080204" pitchFamily="34" charset="-128"/>
+            </a:endParaRPr>
+          </a:p>
+          <a:p>
+            <a:pPr marL="0" indent="0">
+              <a:buNone/>
+            </a:pPr>
+            <a:endParaRPr lang="en-US" altLang="en-US" sz="1800" dirty="0">
+              <a:solidFill>
+                <a:srgbClr val="7030A0"/>
+              </a:solidFill>
+              <a:latin typeface="INCONSOLATA" panose="020B0609030003000000" pitchFamily="49" charset="77"/>
+              <a:ea typeface="ＭＳ Ｐゴシック" panose="020B0600070205080204" pitchFamily="34" charset="-128"/>
+            </a:endParaRPr>
+          </a:p>
+          <a:p>
+            <a:pPr marL="0" indent="0">
+              <a:buNone/>
+            </a:pPr>
+            <a:r>
+              <a:rPr lang="en-US" altLang="en-US" sz="1800" dirty="0">
+                <a:solidFill>
+                  <a:srgbClr val="7030A0"/>
+                </a:solidFill>
+                <a:latin typeface="INCONSOLATA" panose="020B0609030003000000" pitchFamily="49" charset="77"/>
+                <a:ea typeface="ＭＳ Ｐゴシック" panose="020B0600070205080204" pitchFamily="34" charset="-128"/>
+              </a:rPr>
+              <a:t>    def </a:t>
+            </a:r>
+            <a:r>
+              <a:rPr lang="en-US" altLang="en-US" sz="1800" dirty="0" err="1">
+                <a:solidFill>
+                  <a:srgbClr val="7030A0"/>
+                </a:solidFill>
+                <a:latin typeface="INCONSOLATA" panose="020B0609030003000000" pitchFamily="49" charset="77"/>
+                <a:ea typeface="ＭＳ Ｐゴシック" panose="020B0600070205080204" pitchFamily="34" charset="-128"/>
+              </a:rPr>
+              <a:t>on_update</a:t>
+            </a:r>
+            <a:r>
+              <a:rPr lang="en-US" altLang="en-US" sz="1800" dirty="0">
+                <a:solidFill>
+                  <a:srgbClr val="7030A0"/>
+                </a:solidFill>
+                <a:latin typeface="INCONSOLATA" panose="020B0609030003000000" pitchFamily="49" charset="77"/>
+                <a:ea typeface="ＭＳ Ｐゴシック" panose="020B0600070205080204" pitchFamily="34" charset="-128"/>
+              </a:rPr>
+              <a:t>(self):</a:t>
+            </a:r>
+          </a:p>
+          <a:p>
+            <a:pPr marL="0" indent="0">
+              <a:buNone/>
+            </a:pPr>
+            <a:r>
+              <a:rPr lang="en-US" altLang="en-US" sz="1800" dirty="0">
+                <a:solidFill>
+                  <a:srgbClr val="7030A0"/>
+                </a:solidFill>
+                <a:latin typeface="INCONSOLATA" panose="020B0609030003000000" pitchFamily="49" charset="77"/>
+                <a:ea typeface="ＭＳ Ｐゴシック" panose="020B0600070205080204" pitchFamily="34" charset="-128"/>
+              </a:rPr>
+              <a:t>        """ Called automatically 60 times a second to update all objects.""" </a:t>
+            </a:r>
+          </a:p>
+          <a:p>
+            <a:pPr marL="0" indent="0">
+              <a:buNone/>
+            </a:pPr>
+            <a:endParaRPr lang="en-US" altLang="en-US" sz="1800" dirty="0">
+              <a:solidFill>
+                <a:srgbClr val="FF0000"/>
+              </a:solidFill>
+              <a:latin typeface="INCONSOLATA" panose="020B0609030003000000" pitchFamily="49" charset="77"/>
+              <a:ea typeface="ＭＳ Ｐゴシック" panose="020B0600070205080204" pitchFamily="34" charset="-128"/>
+            </a:endParaRPr>
+          </a:p>
+          <a:p>
+            <a:pPr marL="0" indent="0">
+              <a:buNone/>
+            </a:pPr>
+            <a:endParaRPr lang="en-US" altLang="en-US" sz="1800" dirty="0">
+              <a:latin typeface="INCONSOLATA" panose="020B0609030003000000" pitchFamily="49" charset="77"/>
+              <a:ea typeface="ＭＳ Ｐゴシック" panose="020B0600070205080204" pitchFamily="34" charset="-128"/>
+            </a:endParaRPr>
+          </a:p>
+          <a:p>
+            <a:pPr marL="0" indent="0">
+              <a:buNone/>
+            </a:pPr>
+            <a:endParaRPr lang="en-US" altLang="en-US" sz="1800" dirty="0">
+              <a:latin typeface="INCONSOLATA" panose="020B0609030003000000" pitchFamily="49" charset="77"/>
+              <a:ea typeface="ＭＳ Ｐゴシック" panose="020B0600070205080204" pitchFamily="34" charset="-128"/>
+            </a:endParaRPr>
+          </a:p>
+        </p:txBody>
+      </p:sp>
+      <p:sp>
+        <p:nvSpPr>
+          <p:cNvPr id="3" name="TextBox 2">
+            <a:extLst>
+              <a:ext uri="{FF2B5EF4-FFF2-40B4-BE49-F238E27FC236}">
+                <a16:creationId xmlns:a16="http://schemas.microsoft.com/office/drawing/2014/main" id="{3E485581-9E99-0043-9EAC-32C6195DED27}"/>
+              </a:ext>
+            </a:extLst>
+          </p:cNvPr>
+          <p:cNvSpPr txBox="1"/>
+          <p:nvPr/>
+        </p:nvSpPr>
+        <p:spPr>
+          <a:xfrm>
+            <a:off x="5059680" y="2857500"/>
+            <a:ext cx="184731" cy="308418"/>
+          </a:xfrm>
+          <a:prstGeom prst="rect">
+            <a:avLst/>
+          </a:prstGeom>
+          <a:noFill/>
+        </p:spPr>
+        <p:txBody>
+          <a:bodyPr wrap="none" rtlCol="0">
+            <a:spAutoFit/>
+          </a:bodyPr>
+          <a:lstStyle/>
+          <a:p>
+            <a:endParaRPr lang="en-US" dirty="0"/>
+          </a:p>
+        </p:txBody>
+      </p:sp>
+      <p:sp>
+        <p:nvSpPr>
+          <p:cNvPr id="4" name="TextBox 3">
+            <a:extLst>
+              <a:ext uri="{FF2B5EF4-FFF2-40B4-BE49-F238E27FC236}">
+                <a16:creationId xmlns:a16="http://schemas.microsoft.com/office/drawing/2014/main" id="{F5F925A9-41D3-6E4F-86DA-C9E92CE1D468}"/>
+              </a:ext>
+            </a:extLst>
+          </p:cNvPr>
+          <p:cNvSpPr txBox="1"/>
+          <p:nvPr/>
+        </p:nvSpPr>
+        <p:spPr>
+          <a:xfrm>
+            <a:off x="3358014" y="3142854"/>
+            <a:ext cx="5724644" cy="800860"/>
+          </a:xfrm>
+          <a:prstGeom prst="rect">
+            <a:avLst/>
+          </a:prstGeom>
+          <a:noFill/>
+        </p:spPr>
+        <p:txBody>
+          <a:bodyPr wrap="none" rtlCol="0">
+            <a:spAutoFit/>
+          </a:bodyPr>
+          <a:lstStyle/>
+          <a:p>
+            <a:r>
+              <a:rPr lang="en-US" altLang="en-US" sz="1600" dirty="0">
+                <a:solidFill>
+                  <a:srgbClr val="7030A0"/>
+                </a:solidFill>
+                <a:latin typeface="INCONSOLATA" panose="020B0609030003000000" pitchFamily="49" charset="77"/>
+                <a:ea typeface="ＭＳ Ｐゴシック" panose="020B0600070205080204" pitchFamily="34" charset="-128"/>
+              </a:rPr>
+              <a:t>These four lines are equivalent to:</a:t>
+            </a:r>
+          </a:p>
+          <a:p>
+            <a:r>
+              <a:rPr lang="en-US" altLang="en-US" sz="1600" dirty="0" err="1">
+                <a:solidFill>
+                  <a:srgbClr val="FF0000"/>
+                </a:solidFill>
+                <a:latin typeface="INCONSOLATA" panose="020B0609030003000000" pitchFamily="49" charset="77"/>
+                <a:ea typeface="ＭＳ Ｐゴシック" panose="020B0600070205080204" pitchFamily="34" charset="-128"/>
+              </a:rPr>
+              <a:t>self.player</a:t>
+            </a:r>
+            <a:r>
+              <a:rPr lang="en-US" altLang="en-US" sz="1600" dirty="0">
+                <a:solidFill>
+                  <a:srgbClr val="FF0000"/>
+                </a:solidFill>
+                <a:latin typeface="INCONSOLATA" panose="020B0609030003000000" pitchFamily="49" charset="77"/>
+                <a:ea typeface="ＭＳ Ｐゴシック" panose="020B0600070205080204" pitchFamily="34" charset="-128"/>
+              </a:rPr>
+              <a:t> = </a:t>
+            </a:r>
+            <a:r>
+              <a:rPr lang="en-US" altLang="en-US" sz="1600" dirty="0" err="1">
+                <a:solidFill>
+                  <a:srgbClr val="FF0000"/>
+                </a:solidFill>
+                <a:latin typeface="INCONSOLATA" panose="020B0609030003000000" pitchFamily="49" charset="77"/>
+                <a:ea typeface="ＭＳ Ｐゴシック" panose="020B0600070205080204" pitchFamily="34" charset="-128"/>
+              </a:rPr>
+              <a:t>arcade.Sprite</a:t>
+            </a:r>
+            <a:r>
+              <a:rPr lang="en-US" altLang="en-US" sz="1600" dirty="0">
+                <a:solidFill>
+                  <a:srgbClr val="FF0000"/>
+                </a:solidFill>
+                <a:latin typeface="INCONSOLATA" panose="020B0609030003000000" pitchFamily="49" charset="77"/>
+                <a:ea typeface="ＭＳ Ｐゴシック" panose="020B0600070205080204" pitchFamily="34" charset="-128"/>
+              </a:rPr>
+              <a:t>(“</a:t>
+            </a:r>
+            <a:r>
+              <a:rPr lang="en-US" altLang="en-US" sz="1600" dirty="0" err="1">
+                <a:solidFill>
+                  <a:srgbClr val="FF0000"/>
+                </a:solidFill>
+                <a:latin typeface="INCONSOLATA" panose="020B0609030003000000" pitchFamily="49" charset="77"/>
+                <a:ea typeface="ＭＳ Ｐゴシック" panose="020B0600070205080204" pitchFamily="34" charset="-128"/>
+              </a:rPr>
+              <a:t>tank.png</a:t>
+            </a:r>
+            <a:r>
+              <a:rPr lang="en-US" altLang="en-US" sz="1600" dirty="0">
+                <a:solidFill>
+                  <a:srgbClr val="FF0000"/>
+                </a:solidFill>
+                <a:latin typeface="INCONSOLATA" panose="020B0609030003000000" pitchFamily="49" charset="77"/>
+                <a:ea typeface="ＭＳ Ｐゴシック" panose="020B0600070205080204" pitchFamily="34" charset="-128"/>
+              </a:rPr>
+              <a:t>”, 2.0, 100, 200)</a:t>
+            </a:r>
+          </a:p>
+          <a:p>
+            <a:endParaRPr lang="en-US" dirty="0"/>
+          </a:p>
+        </p:txBody>
+      </p:sp>
+      <p:cxnSp>
+        <p:nvCxnSpPr>
+          <p:cNvPr id="13" name="Straight Arrow Connector 12">
+            <a:extLst>
+              <a:ext uri="{FF2B5EF4-FFF2-40B4-BE49-F238E27FC236}">
+                <a16:creationId xmlns:a16="http://schemas.microsoft.com/office/drawing/2014/main" id="{1D73A6C2-F3A1-7849-9298-0FABFFC03676}"/>
+              </a:ext>
+            </a:extLst>
+          </p:cNvPr>
+          <p:cNvCxnSpPr>
+            <a:cxnSpLocks/>
+          </p:cNvCxnSpPr>
+          <p:nvPr/>
+        </p:nvCxnSpPr>
+        <p:spPr>
+          <a:xfrm>
+            <a:off x="4230624" y="2244025"/>
+            <a:ext cx="573024" cy="898829"/>
+          </a:xfrm>
+          <a:prstGeom prst="straightConnector1">
+            <a:avLst/>
+          </a:prstGeom>
+          <a:ln w="38100">
+            <a:tailEnd type="triangle"/>
+          </a:ln>
+        </p:spPr>
+        <p:style>
+          <a:lnRef idx="1">
+            <a:schemeClr val="dk1"/>
+          </a:lnRef>
+          <a:fillRef idx="0">
+            <a:schemeClr val="dk1"/>
+          </a:fillRef>
+          <a:effectRef idx="0">
+            <a:schemeClr val="dk1"/>
+          </a:effectRef>
+          <a:fontRef idx="minor">
+            <a:schemeClr val="tx1"/>
+          </a:fontRef>
+        </p:style>
+      </p:cxnSp>
+    </p:spTree>
+    <p:extLst>
+      <p:ext uri="{BB962C8B-B14F-4D97-AF65-F5344CB8AC3E}">
+        <p14:creationId xmlns:p14="http://schemas.microsoft.com/office/powerpoint/2010/main" val="1655667199"/>
+      </p:ext>
+    </p:extLst>
+  </p:cSld>
+  <p:clrMapOvr>
+    <a:masterClrMapping/>
+  </p:clrMapOvr>
+  <p:transition/>
+  <p:timing>
+    <p:tnLst>
+      <p:par>
+        <p:cTn id="1" dur="indefinite" restart="never" nodeType="tmRoot">
+          <p:childTnLst>
+            <p:seq concurrent="1" nextAc="seek">
+              <p:cTn id="2" dur="indefinite" nodeType="mainSeq">
+                <p:childTnLst>
+                  <p:par>
+                    <p:cTn id="3" fill="hold">
+                      <p:stCondLst>
+                        <p:cond delay="indefinite"/>
+                      </p:stCondLst>
+                      <p:childTnLst>
+                        <p:par>
+                          <p:cTn id="4" fill="hold">
+                            <p:stCondLst>
+                              <p:cond delay="0"/>
+                            </p:stCondLst>
+                            <p:childTnLst>
+                              <p:par>
+                                <p:cTn id="5" presetID="1" presetClass="entr" presetSubtype="0" fill="hold" nodeType="clickEffect">
+                                  <p:stCondLst>
+                                    <p:cond delay="0"/>
+                                  </p:stCondLst>
+                                  <p:childTnLst>
+                                    <p:set>
+                                      <p:cBhvr>
+                                        <p:cTn id="6" dur="1" fill="hold">
+                                          <p:stCondLst>
+                                            <p:cond delay="0"/>
+                                          </p:stCondLst>
+                                        </p:cTn>
+                                        <p:tgtEl>
+                                          <p:spTgt spid="13"/>
+                                        </p:tgtEl>
+                                        <p:attrNameLst>
+                                          <p:attrName>style.visibility</p:attrName>
+                                        </p:attrNameLst>
+                                      </p:cBhvr>
+                                      <p:to>
+                                        <p:strVal val="visible"/>
+                                      </p:to>
+                                    </p:set>
+                                  </p:childTnLst>
+                                </p:cTn>
+                              </p:par>
+                              <p:par>
+                                <p:cTn id="7" presetID="1" presetClass="entr" presetSubtype="0" fill="hold" grpId="0" nodeType="withEffect">
+                                  <p:stCondLst>
+                                    <p:cond delay="0"/>
+                                  </p:stCondLst>
+                                  <p:childTnLst>
+                                    <p:set>
+                                      <p:cBhvr>
+                                        <p:cTn id="8" dur="1" fill="hold">
+                                          <p:stCondLst>
+                                            <p:cond delay="0"/>
+                                          </p:stCondLst>
+                                        </p:cTn>
+                                        <p:tgtEl>
+                                          <p:spTgt spid="4"/>
+                                        </p:tgtEl>
+                                        <p:attrNameLst>
+                                          <p:attrName>style.visibility</p:attrName>
+                                        </p:attrNameLst>
+                                      </p:cBhvr>
+                                      <p:to>
+                                        <p:strVal val="visible"/>
+                                      </p:to>
+                                    </p:set>
+                                  </p:childTnLst>
+                                </p:cTn>
+                              </p:par>
+                            </p:childTnLst>
+                          </p:cTn>
+                        </p:par>
+                      </p:childTnLst>
+                    </p:cTn>
+                  </p:par>
+                </p:childTnLst>
+              </p:cTn>
+              <p:prevCondLst>
+                <p:cond evt="onPrev" delay="0">
+                  <p:tgtEl>
+                    <p:sldTgt/>
+                  </p:tgtEl>
+                </p:cond>
+              </p:prevCondLst>
+              <p:nextCondLst>
+                <p:cond evt="onNext" delay="0">
+                  <p:tgtEl>
+                    <p:sldTgt/>
+                  </p:tgtEl>
+                </p:cond>
+              </p:nextCondLst>
+            </p:seq>
+          </p:childTnLst>
+        </p:cTn>
+      </p:par>
+    </p:tnLst>
+    <p:bldLst>
+      <p:bldP spid="4" grpId="0"/>
+    </p:bldLst>
+  </p:timing>
+</p:sld>
+</file>
+
+<file path=ppt/slides/slide26.xml><?xml version="1.0" encoding="utf-8"?>
+<p:sld xmlns:a="http://schemas.openxmlformats.org/drawingml/2006/main" xmlns:r="http://schemas.openxmlformats.org/officeDocument/2006/relationships" xmlns:p="http://schemas.openxmlformats.org/presentationml/2006/main">
+  <p:cSld>
+    <p:spTree>
+      <p:nvGrpSpPr>
+        <p:cNvPr id="1" name=""/>
+        <p:cNvGrpSpPr/>
+        <p:nvPr/>
+      </p:nvGrpSpPr>
+      <p:grpSpPr>
+        <a:xfrm>
+          <a:off x="0" y="0"/>
+          <a:ext cx="0" cy="0"/>
+          <a:chOff x="0" y="0"/>
+          <a:chExt cx="0" cy="0"/>
+        </a:xfrm>
+      </p:grpSpPr>
+      <p:sp>
+        <p:nvSpPr>
+          <p:cNvPr id="35841" name="Rectangle 2">
+            <a:extLst>
+              <a:ext uri="{FF2B5EF4-FFF2-40B4-BE49-F238E27FC236}">
+                <a16:creationId xmlns:a16="http://schemas.microsoft.com/office/drawing/2014/main" id="{09D8876C-8F7A-C748-966B-672B36C17545}"/>
+              </a:ext>
+            </a:extLst>
+          </p:cNvPr>
+          <p:cNvSpPr>
+            <a:spLocks noGrp="1" noChangeArrowheads="1"/>
+          </p:cNvSpPr>
+          <p:nvPr>
+            <p:ph type="title"/>
+          </p:nvPr>
+        </p:nvSpPr>
+        <p:spPr>
+          <a:xfrm>
+            <a:off x="152400" y="19843"/>
+            <a:ext cx="7848600" cy="713582"/>
+          </a:xfrm>
+        </p:spPr>
+        <p:txBody>
+          <a:bodyPr/>
+          <a:lstStyle/>
+          <a:p>
+            <a:pPr eaLnBrk="1" hangingPunct="1"/>
+            <a:r>
+              <a:rPr lang="en-US" altLang="en-US" dirty="0">
+                <a:ea typeface="ＭＳ Ｐゴシック" panose="020B0600070205080204" pitchFamily="34" charset="-128"/>
+              </a:rPr>
+              <a:t>Sprite Example 2: Moving the tank</a:t>
+            </a:r>
+          </a:p>
+        </p:txBody>
+      </p:sp>
+      <p:sp>
+        <p:nvSpPr>
+          <p:cNvPr id="35842" name="Rectangle 3">
+            <a:extLst>
+              <a:ext uri="{FF2B5EF4-FFF2-40B4-BE49-F238E27FC236}">
+                <a16:creationId xmlns:a16="http://schemas.microsoft.com/office/drawing/2014/main" id="{C94BCA01-D831-ED4D-84FD-C30E8117F872}"/>
+              </a:ext>
+            </a:extLst>
+          </p:cNvPr>
+          <p:cNvSpPr>
+            <a:spLocks noGrp="1" noChangeArrowheads="1"/>
+          </p:cNvSpPr>
+          <p:nvPr>
+            <p:ph type="body" idx="1"/>
+          </p:nvPr>
+        </p:nvSpPr>
+        <p:spPr>
+          <a:xfrm>
+            <a:off x="152399" y="590551"/>
+            <a:ext cx="8905875" cy="5104606"/>
+          </a:xfrm>
+        </p:spPr>
+        <p:txBody>
+          <a:bodyPr>
+            <a:normAutofit/>
+          </a:bodyPr>
+          <a:lstStyle/>
+          <a:p>
+            <a:pPr marL="0" indent="0">
+              <a:buNone/>
+            </a:pPr>
+            <a:r>
+              <a:rPr lang="en-US" altLang="en-US" sz="1800" dirty="0">
+                <a:latin typeface="INCONSOLATA" panose="020B0609030003000000" pitchFamily="49" charset="77"/>
+                <a:ea typeface="ＭＳ Ｐゴシック" panose="020B0600070205080204" pitchFamily="34" charset="-128"/>
+              </a:rPr>
+              <a:t>class Window:    </a:t>
+            </a:r>
+          </a:p>
+          <a:p>
+            <a:pPr marL="0" indent="0">
+              <a:buNone/>
+            </a:pPr>
+            <a:r>
+              <a:rPr lang="en-US" altLang="en-US" sz="1800" dirty="0">
+                <a:solidFill>
+                  <a:srgbClr val="7030A0"/>
+                </a:solidFill>
+                <a:latin typeface="INCONSOLATA" panose="020B0609030003000000" pitchFamily="49" charset="77"/>
+                <a:ea typeface="ＭＳ Ｐゴシック" panose="020B0600070205080204" pitchFamily="34" charset="-128"/>
+              </a:rPr>
+              <a:t>    def __</a:t>
+            </a:r>
+            <a:r>
+              <a:rPr lang="en-US" altLang="en-US" sz="1800" dirty="0" err="1">
+                <a:solidFill>
+                  <a:srgbClr val="7030A0"/>
+                </a:solidFill>
+                <a:latin typeface="INCONSOLATA" panose="020B0609030003000000" pitchFamily="49" charset="77"/>
+                <a:ea typeface="ＭＳ Ｐゴシック" panose="020B0600070205080204" pitchFamily="34" charset="-128"/>
+              </a:rPr>
+              <a:t>init</a:t>
+            </a:r>
+            <a:r>
+              <a:rPr lang="en-US" altLang="en-US" sz="1800" dirty="0">
+                <a:solidFill>
+                  <a:srgbClr val="7030A0"/>
+                </a:solidFill>
+                <a:latin typeface="INCONSOLATA" panose="020B0609030003000000" pitchFamily="49" charset="77"/>
+                <a:ea typeface="ＭＳ Ｐゴシック" panose="020B0600070205080204" pitchFamily="34" charset="-128"/>
+              </a:rPr>
+              <a:t>__(self): </a:t>
+            </a:r>
+            <a:r>
+              <a:rPr lang="en-US" altLang="en-US" sz="1800" dirty="0">
+                <a:latin typeface="INCONSOLATA" panose="020B0609030003000000" pitchFamily="49" charset="77"/>
+                <a:ea typeface="ＭＳ Ｐゴシック" panose="020B0600070205080204" pitchFamily="34" charset="-128"/>
+              </a:rPr>
+              <a:t>		</a:t>
+            </a:r>
+          </a:p>
+          <a:p>
+            <a:pPr marL="0" indent="0">
+              <a:buNone/>
+            </a:pPr>
+            <a:r>
+              <a:rPr lang="en-US" altLang="en-US" sz="1800" dirty="0">
+                <a:solidFill>
+                  <a:srgbClr val="7030A0"/>
+                </a:solidFill>
+                <a:latin typeface="INCONSOLATA" panose="020B0609030003000000" pitchFamily="49" charset="77"/>
+                <a:ea typeface="ＭＳ Ｐゴシック" panose="020B0600070205080204" pitchFamily="34" charset="-128"/>
+              </a:rPr>
+              <a:t>        """ Initialize all variables here. """ </a:t>
+            </a:r>
+          </a:p>
+          <a:p>
+            <a:pPr marL="0" indent="0">
+              <a:buNone/>
+            </a:pPr>
+            <a:r>
+              <a:rPr lang="en-US" altLang="en-US" sz="1800" dirty="0">
+                <a:solidFill>
+                  <a:srgbClr val="7030A0"/>
+                </a:solidFill>
+                <a:latin typeface="INCONSOLATA" panose="020B0609030003000000" pitchFamily="49" charset="77"/>
+                <a:ea typeface="ＭＳ Ｐゴシック" panose="020B0600070205080204" pitchFamily="34" charset="-128"/>
+              </a:rPr>
+              <a:t>	  </a:t>
+            </a:r>
+            <a:r>
+              <a:rPr lang="en-US" altLang="en-US" sz="1800" dirty="0" err="1">
+                <a:solidFill>
+                  <a:srgbClr val="FF0000"/>
+                </a:solidFill>
+                <a:latin typeface="INCONSOLATA" panose="020B0609030003000000" pitchFamily="49" charset="77"/>
+                <a:ea typeface="ＭＳ Ｐゴシック" panose="020B0600070205080204" pitchFamily="34" charset="-128"/>
+              </a:rPr>
+              <a:t>self.player</a:t>
+            </a:r>
+            <a:r>
+              <a:rPr lang="en-US" altLang="en-US" sz="1800" dirty="0">
+                <a:solidFill>
+                  <a:srgbClr val="FF0000"/>
+                </a:solidFill>
+                <a:latin typeface="INCONSOLATA" panose="020B0609030003000000" pitchFamily="49" charset="77"/>
+                <a:ea typeface="ＭＳ Ｐゴシック" panose="020B0600070205080204" pitchFamily="34" charset="-128"/>
+              </a:rPr>
+              <a:t> = </a:t>
+            </a:r>
+            <a:r>
+              <a:rPr lang="en-US" altLang="en-US" sz="1800" dirty="0" err="1">
+                <a:solidFill>
+                  <a:srgbClr val="FF0000"/>
+                </a:solidFill>
+                <a:latin typeface="INCONSOLATA" panose="020B0609030003000000" pitchFamily="49" charset="77"/>
+                <a:ea typeface="ＭＳ Ｐゴシック" panose="020B0600070205080204" pitchFamily="34" charset="-128"/>
+              </a:rPr>
+              <a:t>arcade.Sprite</a:t>
+            </a:r>
+            <a:r>
+              <a:rPr lang="en-US" altLang="en-US" sz="1800" dirty="0">
+                <a:solidFill>
+                  <a:srgbClr val="FF0000"/>
+                </a:solidFill>
+                <a:latin typeface="INCONSOLATA" panose="020B0609030003000000" pitchFamily="49" charset="77"/>
+                <a:ea typeface="ＭＳ Ｐゴシック" panose="020B0600070205080204" pitchFamily="34" charset="-128"/>
+              </a:rPr>
+              <a:t>(“</a:t>
+            </a:r>
+            <a:r>
+              <a:rPr lang="en-US" altLang="en-US" sz="1800" dirty="0" err="1">
+                <a:solidFill>
+                  <a:srgbClr val="FF0000"/>
+                </a:solidFill>
+                <a:latin typeface="INCONSOLATA" panose="020B0609030003000000" pitchFamily="49" charset="77"/>
+                <a:ea typeface="ＭＳ Ｐゴシック" panose="020B0600070205080204" pitchFamily="34" charset="-128"/>
+              </a:rPr>
+              <a:t>tank.png</a:t>
+            </a:r>
+            <a:r>
+              <a:rPr lang="en-US" altLang="en-US" sz="1800" dirty="0">
+                <a:solidFill>
+                  <a:srgbClr val="FF0000"/>
+                </a:solidFill>
+                <a:latin typeface="INCONSOLATA" panose="020B0609030003000000" pitchFamily="49" charset="77"/>
+                <a:ea typeface="ＭＳ Ｐゴシック" panose="020B0600070205080204" pitchFamily="34" charset="-128"/>
+              </a:rPr>
+              <a:t>”, 2.0, 100, 200)</a:t>
+            </a:r>
+          </a:p>
+          <a:p>
+            <a:pPr marL="0" indent="0">
+              <a:buNone/>
+            </a:pPr>
+            <a:r>
+              <a:rPr lang="en-US" altLang="en-US" sz="1800" dirty="0">
+                <a:solidFill>
+                  <a:srgbClr val="FF0000"/>
+                </a:solidFill>
+                <a:latin typeface="INCONSOLATA" panose="020B0609030003000000" pitchFamily="49" charset="77"/>
+                <a:ea typeface="ＭＳ Ｐゴシック" panose="020B0600070205080204" pitchFamily="34" charset="-128"/>
+              </a:rPr>
+              <a:t>	  </a:t>
+            </a:r>
+            <a:r>
+              <a:rPr lang="en-US" altLang="en-US" sz="1800" dirty="0" err="1">
+                <a:solidFill>
+                  <a:srgbClr val="FF0000"/>
+                </a:solidFill>
+                <a:latin typeface="INCONSOLATA" panose="020B0609030003000000" pitchFamily="49" charset="77"/>
+                <a:ea typeface="ＭＳ Ｐゴシック" panose="020B0600070205080204" pitchFamily="34" charset="-128"/>
+              </a:rPr>
+              <a:t>self.player.change_x</a:t>
+            </a:r>
+            <a:r>
+              <a:rPr lang="en-US" altLang="en-US" sz="1800" dirty="0">
+                <a:solidFill>
+                  <a:srgbClr val="FF0000"/>
+                </a:solidFill>
+                <a:latin typeface="INCONSOLATA" panose="020B0609030003000000" pitchFamily="49" charset="77"/>
+                <a:ea typeface="ＭＳ Ｐゴシック" panose="020B0600070205080204" pitchFamily="34" charset="-128"/>
+              </a:rPr>
+              <a:t> = 5</a:t>
+            </a:r>
+            <a:endParaRPr lang="en-US" altLang="en-US" sz="1800" dirty="0">
+              <a:solidFill>
+                <a:srgbClr val="7030A0"/>
+              </a:solidFill>
+              <a:latin typeface="INCONSOLATA" panose="020B0609030003000000" pitchFamily="49" charset="77"/>
+              <a:ea typeface="ＭＳ Ｐゴシック" panose="020B0600070205080204" pitchFamily="34" charset="-128"/>
+            </a:endParaRPr>
+          </a:p>
+          <a:p>
+            <a:pPr marL="0" indent="0">
+              <a:buNone/>
+            </a:pPr>
+            <a:r>
+              <a:rPr lang="en-US" altLang="en-US" sz="1800" dirty="0">
+                <a:solidFill>
+                  <a:srgbClr val="7030A0"/>
+                </a:solidFill>
+                <a:latin typeface="INCONSOLATA" panose="020B0609030003000000" pitchFamily="49" charset="77"/>
+                <a:ea typeface="ＭＳ Ｐゴシック" panose="020B0600070205080204" pitchFamily="34" charset="-128"/>
+              </a:rPr>
+              <a:t>    def </a:t>
+            </a:r>
+            <a:r>
+              <a:rPr lang="en-US" altLang="en-US" sz="1800" dirty="0" err="1">
+                <a:solidFill>
+                  <a:srgbClr val="7030A0"/>
+                </a:solidFill>
+                <a:latin typeface="INCONSOLATA" panose="020B0609030003000000" pitchFamily="49" charset="77"/>
+                <a:ea typeface="ＭＳ Ｐゴシック" panose="020B0600070205080204" pitchFamily="34" charset="-128"/>
+              </a:rPr>
+              <a:t>on_draw</a:t>
+            </a:r>
+            <a:r>
+              <a:rPr lang="en-US" altLang="en-US" sz="1800" dirty="0">
+                <a:solidFill>
+                  <a:srgbClr val="7030A0"/>
+                </a:solidFill>
+                <a:latin typeface="INCONSOLATA" panose="020B0609030003000000" pitchFamily="49" charset="77"/>
+                <a:ea typeface="ＭＳ Ｐゴシック" panose="020B0600070205080204" pitchFamily="34" charset="-128"/>
+              </a:rPr>
+              <a:t>(self):</a:t>
+            </a:r>
+          </a:p>
+          <a:p>
+            <a:pPr marL="0" indent="0">
+              <a:buNone/>
+            </a:pPr>
+            <a:r>
+              <a:rPr lang="en-US" altLang="en-US" sz="1800" dirty="0">
+                <a:solidFill>
+                  <a:srgbClr val="7030A0"/>
+                </a:solidFill>
+                <a:latin typeface="INCONSOLATA" panose="020B0609030003000000" pitchFamily="49" charset="77"/>
+                <a:ea typeface="ＭＳ Ｐゴシック" panose="020B0600070205080204" pitchFamily="34" charset="-128"/>
+              </a:rPr>
+              <a:t>        """ Called automatically 60 times a second to draw all objects.""" </a:t>
+            </a:r>
+          </a:p>
+          <a:p>
+            <a:pPr marL="0" indent="0">
+              <a:buNone/>
+            </a:pPr>
+            <a:r>
+              <a:rPr lang="en-US" altLang="en-US" sz="1800" dirty="0">
+                <a:solidFill>
+                  <a:srgbClr val="7030A0"/>
+                </a:solidFill>
+                <a:latin typeface="INCONSOLATA" panose="020B0609030003000000" pitchFamily="49" charset="77"/>
+                <a:ea typeface="ＭＳ Ｐゴシック" panose="020B0600070205080204" pitchFamily="34" charset="-128"/>
+              </a:rPr>
+              <a:t>	  </a:t>
+            </a:r>
+            <a:r>
+              <a:rPr lang="en-US" altLang="en-US" sz="1800" dirty="0" err="1">
+                <a:solidFill>
+                  <a:srgbClr val="FF0000"/>
+                </a:solidFill>
+                <a:latin typeface="INCONSOLATA" panose="020B0609030003000000" pitchFamily="49" charset="77"/>
+                <a:ea typeface="ＭＳ Ｐゴシック" panose="020B0600070205080204" pitchFamily="34" charset="-128"/>
+              </a:rPr>
+              <a:t>self.player.draw</a:t>
+            </a:r>
+            <a:r>
+              <a:rPr lang="en-US" altLang="en-US" sz="1800" dirty="0">
+                <a:solidFill>
+                  <a:srgbClr val="FF0000"/>
+                </a:solidFill>
+                <a:latin typeface="INCONSOLATA" panose="020B0609030003000000" pitchFamily="49" charset="77"/>
+                <a:ea typeface="ＭＳ Ｐゴシック" panose="020B0600070205080204" pitchFamily="34" charset="-128"/>
+              </a:rPr>
+              <a:t>()</a:t>
+            </a:r>
+            <a:endParaRPr lang="en-US" altLang="en-US" sz="1800" dirty="0">
+              <a:solidFill>
+                <a:srgbClr val="7030A0"/>
+              </a:solidFill>
+              <a:latin typeface="INCONSOLATA" panose="020B0609030003000000" pitchFamily="49" charset="77"/>
+              <a:ea typeface="ＭＳ Ｐゴシック" panose="020B0600070205080204" pitchFamily="34" charset="-128"/>
+            </a:endParaRPr>
+          </a:p>
+          <a:p>
+            <a:pPr marL="0" indent="0">
+              <a:buNone/>
+            </a:pPr>
+            <a:endParaRPr lang="en-US" altLang="en-US" sz="1800" dirty="0">
+              <a:solidFill>
+                <a:srgbClr val="7030A0"/>
+              </a:solidFill>
+              <a:latin typeface="INCONSOLATA" panose="020B0609030003000000" pitchFamily="49" charset="77"/>
+              <a:ea typeface="ＭＳ Ｐゴシック" panose="020B0600070205080204" pitchFamily="34" charset="-128"/>
+            </a:endParaRPr>
+          </a:p>
+          <a:p>
+            <a:pPr marL="0" indent="0">
+              <a:buNone/>
+            </a:pPr>
+            <a:r>
+              <a:rPr lang="en-US" altLang="en-US" sz="1800" dirty="0">
+                <a:solidFill>
+                  <a:srgbClr val="7030A0"/>
+                </a:solidFill>
+                <a:latin typeface="INCONSOLATA" panose="020B0609030003000000" pitchFamily="49" charset="77"/>
+                <a:ea typeface="ＭＳ Ｐゴシック" panose="020B0600070205080204" pitchFamily="34" charset="-128"/>
+              </a:rPr>
+              <a:t>    def </a:t>
+            </a:r>
+            <a:r>
+              <a:rPr lang="en-US" altLang="en-US" sz="1800" dirty="0" err="1">
+                <a:solidFill>
+                  <a:srgbClr val="7030A0"/>
+                </a:solidFill>
+                <a:latin typeface="INCONSOLATA" panose="020B0609030003000000" pitchFamily="49" charset="77"/>
+                <a:ea typeface="ＭＳ Ｐゴシック" panose="020B0600070205080204" pitchFamily="34" charset="-128"/>
+              </a:rPr>
+              <a:t>on_update</a:t>
+            </a:r>
+            <a:r>
+              <a:rPr lang="en-US" altLang="en-US" sz="1800" dirty="0">
+                <a:solidFill>
+                  <a:srgbClr val="7030A0"/>
+                </a:solidFill>
+                <a:latin typeface="INCONSOLATA" panose="020B0609030003000000" pitchFamily="49" charset="77"/>
+                <a:ea typeface="ＭＳ Ｐゴシック" panose="020B0600070205080204" pitchFamily="34" charset="-128"/>
+              </a:rPr>
+              <a:t>(self):</a:t>
+            </a:r>
+          </a:p>
+          <a:p>
+            <a:pPr marL="0" indent="0">
+              <a:buNone/>
+            </a:pPr>
+            <a:r>
+              <a:rPr lang="en-US" altLang="en-US" sz="1800" dirty="0">
+                <a:solidFill>
+                  <a:srgbClr val="7030A0"/>
+                </a:solidFill>
+                <a:latin typeface="INCONSOLATA" panose="020B0609030003000000" pitchFamily="49" charset="77"/>
+                <a:ea typeface="ＭＳ Ｐゴシック" panose="020B0600070205080204" pitchFamily="34" charset="-128"/>
+              </a:rPr>
+              <a:t>        """ Called automatically 60 times a second to update all objects.""" </a:t>
+            </a:r>
+          </a:p>
+          <a:p>
+            <a:pPr marL="0" indent="0">
+              <a:buNone/>
+            </a:pPr>
+            <a:r>
+              <a:rPr lang="en-US" altLang="en-US" sz="1800" dirty="0">
+                <a:solidFill>
+                  <a:srgbClr val="7030A0"/>
+                </a:solidFill>
+                <a:latin typeface="INCONSOLATA" panose="020B0609030003000000" pitchFamily="49" charset="77"/>
+                <a:ea typeface="ＭＳ Ｐゴシック" panose="020B0600070205080204" pitchFamily="34" charset="-128"/>
+              </a:rPr>
+              <a:t>	  </a:t>
+            </a:r>
+            <a:r>
+              <a:rPr lang="en-US" altLang="en-US" sz="1800" dirty="0" err="1">
+                <a:solidFill>
+                  <a:srgbClr val="FF0000"/>
+                </a:solidFill>
+                <a:latin typeface="INCONSOLATA" panose="020B0609030003000000" pitchFamily="49" charset="77"/>
+                <a:ea typeface="ＭＳ Ｐゴシック" panose="020B0600070205080204" pitchFamily="34" charset="-128"/>
+              </a:rPr>
+              <a:t>self.player.update</a:t>
+            </a:r>
+            <a:r>
+              <a:rPr lang="en-US" altLang="en-US" sz="1800" dirty="0">
+                <a:solidFill>
+                  <a:srgbClr val="FF0000"/>
+                </a:solidFill>
+                <a:latin typeface="INCONSOLATA" panose="020B0609030003000000" pitchFamily="49" charset="77"/>
+                <a:ea typeface="ＭＳ Ｐゴシック" panose="020B0600070205080204" pitchFamily="34" charset="-128"/>
+              </a:rPr>
+              <a:t>()</a:t>
+            </a:r>
+            <a:endParaRPr lang="en-US" altLang="en-US" sz="1800" dirty="0">
+              <a:solidFill>
+                <a:srgbClr val="7030A0"/>
+              </a:solidFill>
+              <a:latin typeface="INCONSOLATA" panose="020B0609030003000000" pitchFamily="49" charset="77"/>
+              <a:ea typeface="ＭＳ Ｐゴシック" panose="020B0600070205080204" pitchFamily="34" charset="-128"/>
+            </a:endParaRPr>
+          </a:p>
+          <a:p>
+            <a:pPr marL="0" indent="0">
+              <a:buNone/>
+            </a:pPr>
+            <a:endParaRPr lang="en-US" altLang="en-US" sz="1800" dirty="0">
+              <a:solidFill>
+                <a:srgbClr val="FF0000"/>
+              </a:solidFill>
+              <a:latin typeface="INCONSOLATA" panose="020B0609030003000000" pitchFamily="49" charset="77"/>
+              <a:ea typeface="ＭＳ Ｐゴシック" panose="020B0600070205080204" pitchFamily="34" charset="-128"/>
+            </a:endParaRPr>
+          </a:p>
+          <a:p>
+            <a:pPr marL="0" indent="0">
+              <a:buNone/>
+            </a:pPr>
+            <a:endParaRPr lang="en-US" altLang="en-US" sz="1800" dirty="0">
+              <a:latin typeface="INCONSOLATA" panose="020B0609030003000000" pitchFamily="49" charset="77"/>
+              <a:ea typeface="ＭＳ Ｐゴシック" panose="020B0600070205080204" pitchFamily="34" charset="-128"/>
+            </a:endParaRPr>
+          </a:p>
+          <a:p>
+            <a:pPr marL="0" indent="0">
+              <a:buNone/>
+            </a:pPr>
+            <a:endParaRPr lang="en-US" altLang="en-US" sz="1800" dirty="0">
+              <a:latin typeface="INCONSOLATA" panose="020B0609030003000000" pitchFamily="49" charset="77"/>
+              <a:ea typeface="ＭＳ Ｐゴシック" panose="020B0600070205080204" pitchFamily="34" charset="-128"/>
+            </a:endParaRPr>
+          </a:p>
+        </p:txBody>
+      </p:sp>
+    </p:spTree>
+    <p:extLst>
+      <p:ext uri="{BB962C8B-B14F-4D97-AF65-F5344CB8AC3E}">
+        <p14:creationId xmlns:p14="http://schemas.microsoft.com/office/powerpoint/2010/main" val="1245941282"/>
+      </p:ext>
+    </p:extLst>
+  </p:cSld>
+  <p:clrMapOvr>
+    <a:masterClrMapping/>
+  </p:clrMapOvr>
+  <p:transition/>
+</p:sld>
+</file>
+
+<file path=ppt/slides/slide27.xml><?xml version="1.0" encoding="utf-8"?>
 <p:sld xmlns:a="http://schemas.openxmlformats.org/drawingml/2006/main" xmlns:r="http://schemas.openxmlformats.org/officeDocument/2006/relationships" xmlns:p="http://schemas.openxmlformats.org/presentationml/2006/main">
   <p:cSld>
     <p:spTree>
@@ -16801,7 +18181,7 @@
 </p:sld>
 </file>
 
-<file path=ppt/slides/slide25.xml><?xml version="1.0" encoding="utf-8"?>
+<file path=ppt/slides/slide28.xml><?xml version="1.0" encoding="utf-8"?>
 <p:sld xmlns:a="http://schemas.openxmlformats.org/drawingml/2006/main" xmlns:r="http://schemas.openxmlformats.org/officeDocument/2006/relationships" xmlns:p="http://schemas.openxmlformats.org/presentationml/2006/main">
   <p:cSld>
     <p:spTree>
@@ -16996,7 +18376,7 @@
 </p:sld>
 </file>
 
-<file path=ppt/slides/slide26.xml><?xml version="1.0" encoding="utf-8"?>
+<file path=ppt/slides/slide29.xml><?xml version="1.0" encoding="utf-8"?>
 <p:sld xmlns:a="http://schemas.openxmlformats.org/drawingml/2006/main" xmlns:r="http://schemas.openxmlformats.org/officeDocument/2006/relationships" xmlns:p="http://schemas.openxmlformats.org/presentationml/2006/main">
   <p:cSld>
     <p:spTree>
@@ -17158,323 +18538,6 @@
     <p:extLst>
       <p:ext uri="{BB962C8B-B14F-4D97-AF65-F5344CB8AC3E}">
         <p14:creationId xmlns:p14="http://schemas.microsoft.com/office/powerpoint/2010/main" val="4104989124"/>
-      </p:ext>
-    </p:extLst>
-  </p:cSld>
-  <p:clrMapOvr>
-    <a:masterClrMapping/>
-  </p:clrMapOvr>
-  <p:transition/>
-</p:sld>
-</file>
-
-<file path=ppt/slides/slide27.xml><?xml version="1.0" encoding="utf-8"?>
-<p:sld xmlns:a="http://schemas.openxmlformats.org/drawingml/2006/main" xmlns:r="http://schemas.openxmlformats.org/officeDocument/2006/relationships" xmlns:p="http://schemas.openxmlformats.org/presentationml/2006/main">
-  <p:cSld>
-    <p:spTree>
-      <p:nvGrpSpPr>
-        <p:cNvPr id="1" name=""/>
-        <p:cNvGrpSpPr/>
-        <p:nvPr/>
-      </p:nvGrpSpPr>
-      <p:grpSpPr>
-        <a:xfrm>
-          <a:off x="0" y="0"/>
-          <a:ext cx="0" cy="0"/>
-          <a:chOff x="0" y="0"/>
-          <a:chExt cx="0" cy="0"/>
-        </a:xfrm>
-      </p:grpSpPr>
-      <p:sp>
-        <p:nvSpPr>
-          <p:cNvPr id="35841" name="Rectangle 2">
-            <a:extLst>
-              <a:ext uri="{FF2B5EF4-FFF2-40B4-BE49-F238E27FC236}">
-                <a16:creationId xmlns:a16="http://schemas.microsoft.com/office/drawing/2014/main" id="{09D8876C-8F7A-C748-966B-672B36C17545}"/>
-              </a:ext>
-            </a:extLst>
-          </p:cNvPr>
-          <p:cNvSpPr>
-            <a:spLocks noGrp="1" noChangeArrowheads="1"/>
-          </p:cNvSpPr>
-          <p:nvPr>
-            <p:ph type="title"/>
-          </p:nvPr>
-        </p:nvSpPr>
-        <p:spPr>
-          <a:xfrm>
-            <a:off x="152400" y="123825"/>
-            <a:ext cx="7848600" cy="713582"/>
-          </a:xfrm>
-        </p:spPr>
-        <p:txBody>
-          <a:bodyPr/>
-          <a:lstStyle/>
-          <a:p>
-            <a:pPr eaLnBrk="1" hangingPunct="1"/>
-            <a:r>
-              <a:rPr lang="en-US" altLang="en-US" dirty="0">
-                <a:ea typeface="ＭＳ Ｐゴシック" panose="020B0600070205080204" pitchFamily="34" charset="-128"/>
-              </a:rPr>
-              <a:t>List of Sprite Objects Lab</a:t>
-            </a:r>
-          </a:p>
-        </p:txBody>
-      </p:sp>
-      <p:sp>
-        <p:nvSpPr>
-          <p:cNvPr id="35842" name="Rectangle 3">
-            <a:extLst>
-              <a:ext uri="{FF2B5EF4-FFF2-40B4-BE49-F238E27FC236}">
-                <a16:creationId xmlns:a16="http://schemas.microsoft.com/office/drawing/2014/main" id="{C94BCA01-D831-ED4D-84FD-C30E8117F872}"/>
-              </a:ext>
-            </a:extLst>
-          </p:cNvPr>
-          <p:cNvSpPr>
-            <a:spLocks noGrp="1" noChangeArrowheads="1"/>
-          </p:cNvSpPr>
-          <p:nvPr>
-            <p:ph type="body" idx="1"/>
-          </p:nvPr>
-        </p:nvSpPr>
-        <p:spPr>
-          <a:xfrm>
-            <a:off x="152399" y="923926"/>
-            <a:ext cx="8715375" cy="4505324"/>
-          </a:xfrm>
-        </p:spPr>
-        <p:txBody>
-          <a:bodyPr/>
-          <a:lstStyle/>
-          <a:p>
-            <a:pPr marL="0" indent="0">
-              <a:buNone/>
-            </a:pPr>
-            <a:r>
-              <a:rPr lang="en-US" altLang="en-US" sz="1800" dirty="0">
-                <a:solidFill>
-                  <a:srgbClr val="000000"/>
-                </a:solidFill>
-                <a:ea typeface="ＭＳ Ｐゴシック" panose="020B0600070205080204" pitchFamily="34" charset="-128"/>
-              </a:rPr>
-              <a:t>Download the zip file that contains a starter's template code for processing on our course website </a:t>
-            </a:r>
-            <a:r>
-              <a:rPr lang="en-US" altLang="en-US" sz="1800" dirty="0">
-                <a:solidFill>
-                  <a:srgbClr val="FF0000"/>
-                </a:solidFill>
-                <a:ea typeface="ＭＳ Ｐゴシック" panose="020B0600070205080204" pitchFamily="34" charset="-128"/>
-                <a:hlinkClick r:id="rId2"/>
-              </a:rPr>
-              <a:t>here</a:t>
-            </a:r>
-            <a:r>
-              <a:rPr lang="en-US" altLang="en-US" sz="1800" dirty="0">
-                <a:solidFill>
-                  <a:srgbClr val="000000"/>
-                </a:solidFill>
-                <a:ea typeface="ＭＳ Ｐゴシック" panose="020B0600070205080204" pitchFamily="34" charset="-128"/>
-              </a:rPr>
-              <a:t>.</a:t>
-            </a:r>
-          </a:p>
-          <a:p>
-            <a:pPr marL="0" indent="0">
-              <a:buNone/>
-            </a:pPr>
-            <a:endParaRPr lang="en-US" sz="1800" dirty="0">
-              <a:solidFill>
-                <a:srgbClr val="000000"/>
-              </a:solidFill>
-              <a:ea typeface="ＭＳ Ｐゴシック" panose="020B0600070205080204" pitchFamily="34" charset="-128"/>
-            </a:endParaRPr>
-          </a:p>
-          <a:p>
-            <a:pPr marL="0" indent="0">
-              <a:buNone/>
-            </a:pPr>
-            <a:r>
-              <a:rPr lang="en-US" sz="1800" dirty="0">
-                <a:solidFill>
-                  <a:srgbClr val="FF0000"/>
-                </a:solidFill>
-                <a:ea typeface="ＭＳ Ｐゴシック" panose="020B0600070205080204" pitchFamily="34" charset="-128"/>
-              </a:rPr>
-              <a:t>REMEMBER TO SAVE BEFORE RE-RUNNING YOUR CODE!!!</a:t>
-            </a:r>
-          </a:p>
-          <a:p>
-            <a:pPr marL="0" indent="0">
-              <a:buNone/>
-            </a:pPr>
-            <a:endParaRPr lang="en-US" sz="1800" dirty="0">
-              <a:solidFill>
-                <a:srgbClr val="000000"/>
-              </a:solidFill>
-              <a:ea typeface="ＭＳ Ｐゴシック" panose="020B0600070205080204" pitchFamily="34" charset="-128"/>
-            </a:endParaRPr>
-          </a:p>
-          <a:p>
-            <a:pPr marL="0" indent="0">
-              <a:buNone/>
-            </a:pPr>
-            <a:r>
-              <a:rPr lang="en-US" sz="1800" dirty="0">
-                <a:solidFill>
-                  <a:srgbClr val="000000"/>
-                </a:solidFill>
-                <a:ea typeface="ＭＳ Ｐゴシック" panose="020B0600070205080204" pitchFamily="34" charset="-128"/>
-              </a:rPr>
-              <a:t>Do the following:</a:t>
-            </a:r>
-          </a:p>
-          <a:p>
-            <a:pPr marL="342900" indent="-342900">
-              <a:buAutoNum type="arabicParenR"/>
-            </a:pPr>
-            <a:r>
-              <a:rPr lang="en-US" sz="1800" dirty="0">
-                <a:solidFill>
-                  <a:srgbClr val="000000"/>
-                </a:solidFill>
-                <a:ea typeface="ＭＳ Ｐゴシック" panose="020B0600070205080204" pitchFamily="34" charset="-128"/>
-              </a:rPr>
-              <a:t>Declare, initialize a sprite object using the image "</a:t>
-            </a:r>
-            <a:r>
-              <a:rPr lang="en-US" sz="1800" dirty="0" err="1">
-                <a:solidFill>
-                  <a:srgbClr val="000000"/>
-                </a:solidFill>
-                <a:ea typeface="ＭＳ Ｐゴシック" panose="020B0600070205080204" pitchFamily="34" charset="-128"/>
-              </a:rPr>
-              <a:t>tank.png</a:t>
-            </a:r>
-            <a:r>
-              <a:rPr lang="en-US" sz="1800" dirty="0">
-                <a:solidFill>
-                  <a:srgbClr val="000000"/>
-                </a:solidFill>
-                <a:ea typeface="ＭＳ Ｐゴシック" panose="020B0600070205080204" pitchFamily="34" charset="-128"/>
-              </a:rPr>
-              <a:t>". Draw it on the screen in the </a:t>
-            </a:r>
-            <a:r>
-              <a:rPr lang="en-US" sz="1800" dirty="0" err="1">
-                <a:solidFill>
-                  <a:srgbClr val="000000"/>
-                </a:solidFill>
-                <a:ea typeface="ＭＳ Ｐゴシック" panose="020B0600070205080204" pitchFamily="34" charset="-128"/>
-              </a:rPr>
-              <a:t>on_draw</a:t>
-            </a:r>
-            <a:r>
-              <a:rPr lang="en-US" sz="1800" dirty="0">
-                <a:solidFill>
-                  <a:srgbClr val="000000"/>
-                </a:solidFill>
-                <a:ea typeface="ＭＳ Ｐゴシック" panose="020B0600070205080204" pitchFamily="34" charset="-128"/>
-              </a:rPr>
-              <a:t> method.</a:t>
-            </a:r>
-          </a:p>
-          <a:p>
-            <a:pPr marL="342900" indent="-342900">
-              <a:buAutoNum type="arabicParenR"/>
-            </a:pPr>
-            <a:r>
-              <a:rPr lang="en-US" sz="1800" dirty="0">
-                <a:solidFill>
-                  <a:srgbClr val="000000"/>
-                </a:solidFill>
-                <a:ea typeface="ＭＳ Ｐゴシック" panose="020B0600070205080204" pitchFamily="34" charset="-128"/>
-              </a:rPr>
-              <a:t>Create a list containing 10 "</a:t>
-            </a:r>
-            <a:r>
-              <a:rPr lang="en-US" sz="1800" dirty="0" err="1">
-                <a:solidFill>
-                  <a:srgbClr val="000000"/>
-                </a:solidFill>
-                <a:ea typeface="ＭＳ Ｐゴシック" panose="020B0600070205080204" pitchFamily="34" charset="-128"/>
-              </a:rPr>
-              <a:t>coin.png</a:t>
-            </a:r>
-            <a:r>
-              <a:rPr lang="en-US" sz="1800" dirty="0">
-                <a:solidFill>
-                  <a:srgbClr val="000000"/>
-                </a:solidFill>
-                <a:ea typeface="ＭＳ Ｐゴシック" panose="020B0600070205080204" pitchFamily="34" charset="-128"/>
-              </a:rPr>
-              <a:t>" sprite objects. Randomize their positions. Display them on the screen on the </a:t>
-            </a:r>
-            <a:r>
-              <a:rPr lang="en-US" sz="1800" dirty="0" err="1">
-                <a:solidFill>
-                  <a:srgbClr val="000000"/>
-                </a:solidFill>
-                <a:ea typeface="ＭＳ Ｐゴシック" panose="020B0600070205080204" pitchFamily="34" charset="-128"/>
-              </a:rPr>
-              <a:t>on_draw</a:t>
-            </a:r>
-            <a:r>
-              <a:rPr lang="en-US" sz="1800" dirty="0">
-                <a:solidFill>
-                  <a:srgbClr val="000000"/>
-                </a:solidFill>
-                <a:ea typeface="ＭＳ Ｐゴシック" panose="020B0600070205080204" pitchFamily="34" charset="-128"/>
-              </a:rPr>
-              <a:t> method. </a:t>
-            </a:r>
-          </a:p>
-          <a:p>
-            <a:pPr marL="342900" indent="-342900">
-              <a:buAutoNum type="arabicParenR"/>
-            </a:pPr>
-            <a:r>
-              <a:rPr lang="en-US" sz="1800" dirty="0">
-                <a:solidFill>
-                  <a:srgbClr val="000000"/>
-                </a:solidFill>
-                <a:ea typeface="ＭＳ Ｐゴシック" panose="020B0600070205080204" pitchFamily="34" charset="-128"/>
-              </a:rPr>
-              <a:t>Display the the number of coins on the screen by using the text() function. For example, "Coins: 10".</a:t>
-            </a:r>
-            <a:endParaRPr lang="en-US" sz="1800" dirty="0"/>
-          </a:p>
-          <a:p>
-            <a:pPr marL="0" indent="0">
-              <a:buNone/>
-            </a:pPr>
-            <a:endParaRPr lang="en-US" altLang="en-US" sz="1667" dirty="0">
-              <a:latin typeface="Courier New" panose="02070309020205020404" pitchFamily="49" charset="0"/>
-              <a:ea typeface="ＭＳ Ｐゴシック" panose="020B0600070205080204" pitchFamily="34" charset="-128"/>
-            </a:endParaRPr>
-          </a:p>
-          <a:p>
-            <a:pPr marL="0" indent="0">
-              <a:buNone/>
-            </a:pPr>
-            <a:endParaRPr lang="en-US" altLang="en-US" sz="2167" dirty="0">
-              <a:ea typeface="ＭＳ Ｐゴシック" panose="020B0600070205080204" pitchFamily="34" charset="-128"/>
-            </a:endParaRPr>
-          </a:p>
-          <a:p>
-            <a:pPr marL="0" indent="0">
-              <a:buNone/>
-            </a:pPr>
-            <a:endParaRPr lang="en-US" altLang="en-US" sz="2167" dirty="0">
-              <a:ea typeface="ＭＳ Ｐゴシック" panose="020B0600070205080204" pitchFamily="34" charset="-128"/>
-            </a:endParaRPr>
-          </a:p>
-        </p:txBody>
-      </p:sp>
-    </p:spTree>
-    <p:extLst>
-      <p:ext uri="{BB962C8B-B14F-4D97-AF65-F5344CB8AC3E}">
-        <p14:creationId xmlns:p14="http://schemas.microsoft.com/office/powerpoint/2010/main" val="1097849800"/>
       </p:ext>
     </p:extLst>
   </p:cSld>
@@ -18119,6 +19182,323 @@
 </p:sld>
 </file>
 
+<file path=ppt/slides/slide30.xml><?xml version="1.0" encoding="utf-8"?>
+<p:sld xmlns:a="http://schemas.openxmlformats.org/drawingml/2006/main" xmlns:r="http://schemas.openxmlformats.org/officeDocument/2006/relationships" xmlns:p="http://schemas.openxmlformats.org/presentationml/2006/main">
+  <p:cSld>
+    <p:spTree>
+      <p:nvGrpSpPr>
+        <p:cNvPr id="1" name=""/>
+        <p:cNvGrpSpPr/>
+        <p:nvPr/>
+      </p:nvGrpSpPr>
+      <p:grpSpPr>
+        <a:xfrm>
+          <a:off x="0" y="0"/>
+          <a:ext cx="0" cy="0"/>
+          <a:chOff x="0" y="0"/>
+          <a:chExt cx="0" cy="0"/>
+        </a:xfrm>
+      </p:grpSpPr>
+      <p:sp>
+        <p:nvSpPr>
+          <p:cNvPr id="35841" name="Rectangle 2">
+            <a:extLst>
+              <a:ext uri="{FF2B5EF4-FFF2-40B4-BE49-F238E27FC236}">
+                <a16:creationId xmlns:a16="http://schemas.microsoft.com/office/drawing/2014/main" id="{09D8876C-8F7A-C748-966B-672B36C17545}"/>
+              </a:ext>
+            </a:extLst>
+          </p:cNvPr>
+          <p:cNvSpPr>
+            <a:spLocks noGrp="1" noChangeArrowheads="1"/>
+          </p:cNvSpPr>
+          <p:nvPr>
+            <p:ph type="title"/>
+          </p:nvPr>
+        </p:nvSpPr>
+        <p:spPr>
+          <a:xfrm>
+            <a:off x="152400" y="123825"/>
+            <a:ext cx="7848600" cy="713582"/>
+          </a:xfrm>
+        </p:spPr>
+        <p:txBody>
+          <a:bodyPr/>
+          <a:lstStyle/>
+          <a:p>
+            <a:pPr eaLnBrk="1" hangingPunct="1"/>
+            <a:r>
+              <a:rPr lang="en-US" altLang="en-US" dirty="0">
+                <a:ea typeface="ＭＳ Ｐゴシック" panose="020B0600070205080204" pitchFamily="34" charset="-128"/>
+              </a:rPr>
+              <a:t>List of Sprite Objects Lab</a:t>
+            </a:r>
+          </a:p>
+        </p:txBody>
+      </p:sp>
+      <p:sp>
+        <p:nvSpPr>
+          <p:cNvPr id="35842" name="Rectangle 3">
+            <a:extLst>
+              <a:ext uri="{FF2B5EF4-FFF2-40B4-BE49-F238E27FC236}">
+                <a16:creationId xmlns:a16="http://schemas.microsoft.com/office/drawing/2014/main" id="{C94BCA01-D831-ED4D-84FD-C30E8117F872}"/>
+              </a:ext>
+            </a:extLst>
+          </p:cNvPr>
+          <p:cNvSpPr>
+            <a:spLocks noGrp="1" noChangeArrowheads="1"/>
+          </p:cNvSpPr>
+          <p:nvPr>
+            <p:ph type="body" idx="1"/>
+          </p:nvPr>
+        </p:nvSpPr>
+        <p:spPr>
+          <a:xfrm>
+            <a:off x="152399" y="923926"/>
+            <a:ext cx="8715375" cy="4505324"/>
+          </a:xfrm>
+        </p:spPr>
+        <p:txBody>
+          <a:bodyPr/>
+          <a:lstStyle/>
+          <a:p>
+            <a:pPr marL="0" indent="0">
+              <a:buNone/>
+            </a:pPr>
+            <a:r>
+              <a:rPr lang="en-US" altLang="en-US" sz="1800" dirty="0">
+                <a:solidFill>
+                  <a:srgbClr val="000000"/>
+                </a:solidFill>
+                <a:ea typeface="ＭＳ Ｐゴシック" panose="020B0600070205080204" pitchFamily="34" charset="-128"/>
+              </a:rPr>
+              <a:t>Download the zip file that contains a starter's template code for processing on our course website </a:t>
+            </a:r>
+            <a:r>
+              <a:rPr lang="en-US" altLang="en-US" sz="1800" dirty="0">
+                <a:solidFill>
+                  <a:srgbClr val="FF0000"/>
+                </a:solidFill>
+                <a:ea typeface="ＭＳ Ｐゴシック" panose="020B0600070205080204" pitchFamily="34" charset="-128"/>
+                <a:hlinkClick r:id="rId2"/>
+              </a:rPr>
+              <a:t>here</a:t>
+            </a:r>
+            <a:r>
+              <a:rPr lang="en-US" altLang="en-US" sz="1800" dirty="0">
+                <a:solidFill>
+                  <a:srgbClr val="000000"/>
+                </a:solidFill>
+                <a:ea typeface="ＭＳ Ｐゴシック" panose="020B0600070205080204" pitchFamily="34" charset="-128"/>
+              </a:rPr>
+              <a:t>.</a:t>
+            </a:r>
+          </a:p>
+          <a:p>
+            <a:pPr marL="0" indent="0">
+              <a:buNone/>
+            </a:pPr>
+            <a:endParaRPr lang="en-US" sz="1800" dirty="0">
+              <a:solidFill>
+                <a:srgbClr val="000000"/>
+              </a:solidFill>
+              <a:ea typeface="ＭＳ Ｐゴシック" panose="020B0600070205080204" pitchFamily="34" charset="-128"/>
+            </a:endParaRPr>
+          </a:p>
+          <a:p>
+            <a:pPr marL="0" indent="0">
+              <a:buNone/>
+            </a:pPr>
+            <a:r>
+              <a:rPr lang="en-US" sz="1800" dirty="0">
+                <a:solidFill>
+                  <a:srgbClr val="FF0000"/>
+                </a:solidFill>
+                <a:ea typeface="ＭＳ Ｐゴシック" panose="020B0600070205080204" pitchFamily="34" charset="-128"/>
+              </a:rPr>
+              <a:t>REMEMBER TO SAVE BEFORE RE-RUNNING YOUR CODE!!!</a:t>
+            </a:r>
+          </a:p>
+          <a:p>
+            <a:pPr marL="0" indent="0">
+              <a:buNone/>
+            </a:pPr>
+            <a:endParaRPr lang="en-US" sz="1800" dirty="0">
+              <a:solidFill>
+                <a:srgbClr val="000000"/>
+              </a:solidFill>
+              <a:ea typeface="ＭＳ Ｐゴシック" panose="020B0600070205080204" pitchFamily="34" charset="-128"/>
+            </a:endParaRPr>
+          </a:p>
+          <a:p>
+            <a:pPr marL="0" indent="0">
+              <a:buNone/>
+            </a:pPr>
+            <a:r>
+              <a:rPr lang="en-US" sz="1800" dirty="0">
+                <a:solidFill>
+                  <a:srgbClr val="000000"/>
+                </a:solidFill>
+                <a:ea typeface="ＭＳ Ｐゴシック" panose="020B0600070205080204" pitchFamily="34" charset="-128"/>
+              </a:rPr>
+              <a:t>Do the following:</a:t>
+            </a:r>
+          </a:p>
+          <a:p>
+            <a:pPr marL="342900" indent="-342900">
+              <a:buAutoNum type="arabicParenR"/>
+            </a:pPr>
+            <a:r>
+              <a:rPr lang="en-US" sz="1800" dirty="0">
+                <a:solidFill>
+                  <a:srgbClr val="000000"/>
+                </a:solidFill>
+                <a:ea typeface="ＭＳ Ｐゴシック" panose="020B0600070205080204" pitchFamily="34" charset="-128"/>
+              </a:rPr>
+              <a:t>Declare, initialize a sprite object using the image "</a:t>
+            </a:r>
+            <a:r>
+              <a:rPr lang="en-US" sz="1800" dirty="0" err="1">
+                <a:solidFill>
+                  <a:srgbClr val="000000"/>
+                </a:solidFill>
+                <a:ea typeface="ＭＳ Ｐゴシック" panose="020B0600070205080204" pitchFamily="34" charset="-128"/>
+              </a:rPr>
+              <a:t>tank.png</a:t>
+            </a:r>
+            <a:r>
+              <a:rPr lang="en-US" sz="1800" dirty="0">
+                <a:solidFill>
+                  <a:srgbClr val="000000"/>
+                </a:solidFill>
+                <a:ea typeface="ＭＳ Ｐゴシック" panose="020B0600070205080204" pitchFamily="34" charset="-128"/>
+              </a:rPr>
+              <a:t>". Draw it on the screen in the </a:t>
+            </a:r>
+            <a:r>
+              <a:rPr lang="en-US" sz="1800" dirty="0" err="1">
+                <a:solidFill>
+                  <a:srgbClr val="000000"/>
+                </a:solidFill>
+                <a:ea typeface="ＭＳ Ｐゴシック" panose="020B0600070205080204" pitchFamily="34" charset="-128"/>
+              </a:rPr>
+              <a:t>on_draw</a:t>
+            </a:r>
+            <a:r>
+              <a:rPr lang="en-US" sz="1800" dirty="0">
+                <a:solidFill>
+                  <a:srgbClr val="000000"/>
+                </a:solidFill>
+                <a:ea typeface="ＭＳ Ｐゴシック" panose="020B0600070205080204" pitchFamily="34" charset="-128"/>
+              </a:rPr>
+              <a:t> method.</a:t>
+            </a:r>
+          </a:p>
+          <a:p>
+            <a:pPr marL="342900" indent="-342900">
+              <a:buAutoNum type="arabicParenR"/>
+            </a:pPr>
+            <a:r>
+              <a:rPr lang="en-US" sz="1800" dirty="0">
+                <a:solidFill>
+                  <a:srgbClr val="000000"/>
+                </a:solidFill>
+                <a:ea typeface="ＭＳ Ｐゴシック" panose="020B0600070205080204" pitchFamily="34" charset="-128"/>
+              </a:rPr>
+              <a:t>Create a list containing 10 "</a:t>
+            </a:r>
+            <a:r>
+              <a:rPr lang="en-US" sz="1800" dirty="0" err="1">
+                <a:solidFill>
+                  <a:srgbClr val="000000"/>
+                </a:solidFill>
+                <a:ea typeface="ＭＳ Ｐゴシック" panose="020B0600070205080204" pitchFamily="34" charset="-128"/>
+              </a:rPr>
+              <a:t>coin.png</a:t>
+            </a:r>
+            <a:r>
+              <a:rPr lang="en-US" sz="1800" dirty="0">
+                <a:solidFill>
+                  <a:srgbClr val="000000"/>
+                </a:solidFill>
+                <a:ea typeface="ＭＳ Ｐゴシック" panose="020B0600070205080204" pitchFamily="34" charset="-128"/>
+              </a:rPr>
+              <a:t>" sprite objects. Randomize their positions. Display them on the screen on the </a:t>
+            </a:r>
+            <a:r>
+              <a:rPr lang="en-US" sz="1800" dirty="0" err="1">
+                <a:solidFill>
+                  <a:srgbClr val="000000"/>
+                </a:solidFill>
+                <a:ea typeface="ＭＳ Ｐゴシック" panose="020B0600070205080204" pitchFamily="34" charset="-128"/>
+              </a:rPr>
+              <a:t>on_draw</a:t>
+            </a:r>
+            <a:r>
+              <a:rPr lang="en-US" sz="1800" dirty="0">
+                <a:solidFill>
+                  <a:srgbClr val="000000"/>
+                </a:solidFill>
+                <a:ea typeface="ＭＳ Ｐゴシック" panose="020B0600070205080204" pitchFamily="34" charset="-128"/>
+              </a:rPr>
+              <a:t> method. </a:t>
+            </a:r>
+          </a:p>
+          <a:p>
+            <a:pPr marL="342900" indent="-342900">
+              <a:buAutoNum type="arabicParenR"/>
+            </a:pPr>
+            <a:r>
+              <a:rPr lang="en-US" sz="1800" dirty="0">
+                <a:solidFill>
+                  <a:srgbClr val="000000"/>
+                </a:solidFill>
+                <a:ea typeface="ＭＳ Ｐゴシック" panose="020B0600070205080204" pitchFamily="34" charset="-128"/>
+              </a:rPr>
+              <a:t>Display the the number of coins on the screen by using the text() function. For example, "Coins: 10".</a:t>
+            </a:r>
+            <a:endParaRPr lang="en-US" sz="1800" dirty="0"/>
+          </a:p>
+          <a:p>
+            <a:pPr marL="0" indent="0">
+              <a:buNone/>
+            </a:pPr>
+            <a:endParaRPr lang="en-US" altLang="en-US" sz="1667" dirty="0">
+              <a:latin typeface="Courier New" panose="02070309020205020404" pitchFamily="49" charset="0"/>
+              <a:ea typeface="ＭＳ Ｐゴシック" panose="020B0600070205080204" pitchFamily="34" charset="-128"/>
+            </a:endParaRPr>
+          </a:p>
+          <a:p>
+            <a:pPr marL="0" indent="0">
+              <a:buNone/>
+            </a:pPr>
+            <a:endParaRPr lang="en-US" altLang="en-US" sz="2167" dirty="0">
+              <a:ea typeface="ＭＳ Ｐゴシック" panose="020B0600070205080204" pitchFamily="34" charset="-128"/>
+            </a:endParaRPr>
+          </a:p>
+          <a:p>
+            <a:pPr marL="0" indent="0">
+              <a:buNone/>
+            </a:pPr>
+            <a:endParaRPr lang="en-US" altLang="en-US" sz="2167" dirty="0">
+              <a:ea typeface="ＭＳ Ｐゴシック" panose="020B0600070205080204" pitchFamily="34" charset="-128"/>
+            </a:endParaRPr>
+          </a:p>
+        </p:txBody>
+      </p:sp>
+    </p:spTree>
+    <p:extLst>
+      <p:ext uri="{BB962C8B-B14F-4D97-AF65-F5344CB8AC3E}">
+        <p14:creationId xmlns:p14="http://schemas.microsoft.com/office/powerpoint/2010/main" val="1097849800"/>
+      </p:ext>
+    </p:extLst>
+  </p:cSld>
+  <p:clrMapOvr>
+    <a:masterClrMapping/>
+  </p:clrMapOvr>
+  <p:transition/>
+</p:sld>
+</file>
+
 <file path=ppt/slides/slide4.xml><?xml version="1.0" encoding="utf-8"?>
 <p:sld xmlns:a="http://schemas.openxmlformats.org/drawingml/2006/main" xmlns:r="http://schemas.openxmlformats.org/officeDocument/2006/relationships" xmlns:p="http://schemas.openxmlformats.org/presentationml/2006/main">
   <p:cSld>
@@ -19131,6 +20511,2175 @@
       </p:grpSpPr>
       <p:sp>
         <p:nvSpPr>
+          <p:cNvPr id="35841" name="Rectangle 2">
+            <a:extLst>
+              <a:ext uri="{FF2B5EF4-FFF2-40B4-BE49-F238E27FC236}">
+                <a16:creationId xmlns:a16="http://schemas.microsoft.com/office/drawing/2014/main" id="{09D8876C-8F7A-C748-966B-672B36C17545}"/>
+              </a:ext>
+            </a:extLst>
+          </p:cNvPr>
+          <p:cNvSpPr>
+            <a:spLocks noGrp="1" noChangeArrowheads="1"/>
+          </p:cNvSpPr>
+          <p:nvPr>
+            <p:ph type="title"/>
+          </p:nvPr>
+        </p:nvSpPr>
+        <p:spPr>
+          <a:xfrm>
+            <a:off x="152400" y="19843"/>
+            <a:ext cx="7848600" cy="713582"/>
+          </a:xfrm>
+        </p:spPr>
+        <p:txBody>
+          <a:bodyPr/>
+          <a:lstStyle/>
+          <a:p>
+            <a:pPr eaLnBrk="1" hangingPunct="1"/>
+            <a:r>
+              <a:rPr lang="en-US" altLang="en-US" dirty="0">
+                <a:ea typeface="ＭＳ Ｐゴシック" panose="020B0600070205080204" pitchFamily="34" charset="-128"/>
+              </a:rPr>
+              <a:t>Sketch</a:t>
+            </a:r>
+          </a:p>
+        </p:txBody>
+      </p:sp>
+      <p:sp>
+        <p:nvSpPr>
+          <p:cNvPr id="35842" name="Rectangle 3">
+            <a:extLst>
+              <a:ext uri="{FF2B5EF4-FFF2-40B4-BE49-F238E27FC236}">
+                <a16:creationId xmlns:a16="http://schemas.microsoft.com/office/drawing/2014/main" id="{C94BCA01-D831-ED4D-84FD-C30E8117F872}"/>
+              </a:ext>
+            </a:extLst>
+          </p:cNvPr>
+          <p:cNvSpPr>
+            <a:spLocks noGrp="1" noChangeArrowheads="1"/>
+          </p:cNvSpPr>
+          <p:nvPr>
+            <p:ph type="body" idx="1"/>
+          </p:nvPr>
+        </p:nvSpPr>
+        <p:spPr>
+          <a:xfrm>
+            <a:off x="152399" y="590551"/>
+            <a:ext cx="8905875" cy="5104606"/>
+          </a:xfrm>
+        </p:spPr>
+        <p:txBody>
+          <a:bodyPr>
+            <a:normAutofit/>
+          </a:bodyPr>
+          <a:lstStyle/>
+          <a:p>
+            <a:pPr marL="0" indent="0">
+              <a:buNone/>
+            </a:pPr>
+            <a:r>
+              <a:rPr lang="en-US" altLang="en-US" sz="1800" dirty="0">
+                <a:latin typeface="INCONSOLATA" panose="020B0609030003000000" pitchFamily="49" charset="77"/>
+                <a:ea typeface="ＭＳ Ｐゴシック" panose="020B0600070205080204" pitchFamily="34" charset="-128"/>
+              </a:rPr>
+              <a:t>class Window:    </a:t>
+            </a:r>
+          </a:p>
+          <a:p>
+            <a:pPr marL="0" indent="0">
+              <a:buNone/>
+            </a:pPr>
+            <a:r>
+              <a:rPr lang="en-US" altLang="en-US" sz="1800" dirty="0">
+                <a:solidFill>
+                  <a:srgbClr val="7030A0"/>
+                </a:solidFill>
+                <a:latin typeface="INCONSOLATA" panose="020B0609030003000000" pitchFamily="49" charset="77"/>
+                <a:ea typeface="ＭＳ Ｐゴシック" panose="020B0600070205080204" pitchFamily="34" charset="-128"/>
+              </a:rPr>
+              <a:t>    def __</a:t>
+            </a:r>
+            <a:r>
+              <a:rPr lang="en-US" altLang="en-US" sz="1800" dirty="0" err="1">
+                <a:solidFill>
+                  <a:srgbClr val="7030A0"/>
+                </a:solidFill>
+                <a:latin typeface="INCONSOLATA" panose="020B0609030003000000" pitchFamily="49" charset="77"/>
+                <a:ea typeface="ＭＳ Ｐゴシック" panose="020B0600070205080204" pitchFamily="34" charset="-128"/>
+              </a:rPr>
+              <a:t>init</a:t>
+            </a:r>
+            <a:r>
+              <a:rPr lang="en-US" altLang="en-US" sz="1800" dirty="0">
+                <a:solidFill>
+                  <a:srgbClr val="7030A0"/>
+                </a:solidFill>
+                <a:latin typeface="INCONSOLATA" panose="020B0609030003000000" pitchFamily="49" charset="77"/>
+                <a:ea typeface="ＭＳ Ｐゴシック" panose="020B0600070205080204" pitchFamily="34" charset="-128"/>
+              </a:rPr>
+              <a:t>__(self): </a:t>
+            </a:r>
+            <a:r>
+              <a:rPr lang="en-US" altLang="en-US" sz="1800" dirty="0">
+                <a:latin typeface="INCONSOLATA" panose="020B0609030003000000" pitchFamily="49" charset="77"/>
+                <a:ea typeface="ＭＳ Ｐゴシック" panose="020B0600070205080204" pitchFamily="34" charset="-128"/>
+              </a:rPr>
+              <a:t>		</a:t>
+            </a:r>
+          </a:p>
+          <a:p>
+            <a:pPr marL="0" indent="0">
+              <a:buNone/>
+            </a:pPr>
+            <a:r>
+              <a:rPr lang="en-US" altLang="en-US" sz="1800" dirty="0">
+                <a:solidFill>
+                  <a:srgbClr val="7030A0"/>
+                </a:solidFill>
+                <a:latin typeface="INCONSOLATA" panose="020B0609030003000000" pitchFamily="49" charset="77"/>
+                <a:ea typeface="ＭＳ Ｐゴシック" panose="020B0600070205080204" pitchFamily="34" charset="-128"/>
+              </a:rPr>
+              <a:t>        """ Initialize all variables here. """ </a:t>
+            </a:r>
+          </a:p>
+          <a:p>
+            <a:pPr marL="0" indent="0">
+              <a:buNone/>
+            </a:pPr>
+            <a:endParaRPr lang="en-US" altLang="en-US" sz="1800" dirty="0">
+              <a:solidFill>
+                <a:srgbClr val="7030A0"/>
+              </a:solidFill>
+              <a:latin typeface="INCONSOLATA" panose="020B0609030003000000" pitchFamily="49" charset="77"/>
+              <a:ea typeface="ＭＳ Ｐゴシック" panose="020B0600070205080204" pitchFamily="34" charset="-128"/>
+            </a:endParaRPr>
+          </a:p>
+          <a:p>
+            <a:pPr marL="0" indent="0">
+              <a:buNone/>
+            </a:pPr>
+            <a:r>
+              <a:rPr lang="en-US" altLang="en-US" sz="1800" dirty="0">
+                <a:solidFill>
+                  <a:srgbClr val="7030A0"/>
+                </a:solidFill>
+                <a:latin typeface="INCONSOLATA" panose="020B0609030003000000" pitchFamily="49" charset="77"/>
+                <a:ea typeface="ＭＳ Ｐゴシック" panose="020B0600070205080204" pitchFamily="34" charset="-128"/>
+              </a:rPr>
+              <a:t>    def </a:t>
+            </a:r>
+            <a:r>
+              <a:rPr lang="en-US" altLang="en-US" sz="1800" dirty="0" err="1">
+                <a:solidFill>
+                  <a:srgbClr val="7030A0"/>
+                </a:solidFill>
+                <a:latin typeface="INCONSOLATA" panose="020B0609030003000000" pitchFamily="49" charset="77"/>
+                <a:ea typeface="ＭＳ Ｐゴシック" panose="020B0600070205080204" pitchFamily="34" charset="-128"/>
+              </a:rPr>
+              <a:t>on_draw</a:t>
+            </a:r>
+            <a:r>
+              <a:rPr lang="en-US" altLang="en-US" sz="1800" dirty="0">
+                <a:solidFill>
+                  <a:srgbClr val="7030A0"/>
+                </a:solidFill>
+                <a:latin typeface="INCONSOLATA" panose="020B0609030003000000" pitchFamily="49" charset="77"/>
+                <a:ea typeface="ＭＳ Ｐゴシック" panose="020B0600070205080204" pitchFamily="34" charset="-128"/>
+              </a:rPr>
+              <a:t>(self):</a:t>
+            </a:r>
+          </a:p>
+          <a:p>
+            <a:pPr marL="0" indent="0">
+              <a:buNone/>
+            </a:pPr>
+            <a:r>
+              <a:rPr lang="en-US" altLang="en-US" sz="1800" dirty="0">
+                <a:solidFill>
+                  <a:srgbClr val="7030A0"/>
+                </a:solidFill>
+                <a:latin typeface="INCONSOLATA" panose="020B0609030003000000" pitchFamily="49" charset="77"/>
+                <a:ea typeface="ＭＳ Ｐゴシック" panose="020B0600070205080204" pitchFamily="34" charset="-128"/>
+              </a:rPr>
+              <a:t>        """ Called automatically 60 times a second to draw all objects.""" </a:t>
+            </a:r>
+          </a:p>
+          <a:p>
+            <a:pPr marL="0" indent="0">
+              <a:buNone/>
+            </a:pPr>
+            <a:endParaRPr lang="en-US" altLang="en-US" sz="1800" dirty="0">
+              <a:solidFill>
+                <a:srgbClr val="7030A0"/>
+              </a:solidFill>
+              <a:latin typeface="INCONSOLATA" panose="020B0609030003000000" pitchFamily="49" charset="77"/>
+              <a:ea typeface="ＭＳ Ｐゴシック" panose="020B0600070205080204" pitchFamily="34" charset="-128"/>
+            </a:endParaRPr>
+          </a:p>
+          <a:p>
+            <a:pPr marL="0" indent="0">
+              <a:buNone/>
+            </a:pPr>
+            <a:endParaRPr lang="en-US" altLang="en-US" sz="1800" dirty="0">
+              <a:solidFill>
+                <a:srgbClr val="7030A0"/>
+              </a:solidFill>
+              <a:latin typeface="INCONSOLATA" panose="020B0609030003000000" pitchFamily="49" charset="77"/>
+              <a:ea typeface="ＭＳ Ｐゴシック" panose="020B0600070205080204" pitchFamily="34" charset="-128"/>
+            </a:endParaRPr>
+          </a:p>
+          <a:p>
+            <a:pPr marL="0" indent="0">
+              <a:buNone/>
+            </a:pPr>
+            <a:r>
+              <a:rPr lang="en-US" altLang="en-US" sz="1800" dirty="0">
+                <a:solidFill>
+                  <a:srgbClr val="7030A0"/>
+                </a:solidFill>
+                <a:latin typeface="INCONSOLATA" panose="020B0609030003000000" pitchFamily="49" charset="77"/>
+                <a:ea typeface="ＭＳ Ｐゴシック" panose="020B0600070205080204" pitchFamily="34" charset="-128"/>
+              </a:rPr>
+              <a:t>    def </a:t>
+            </a:r>
+            <a:r>
+              <a:rPr lang="en-US" altLang="en-US" sz="1800" dirty="0" err="1">
+                <a:solidFill>
+                  <a:srgbClr val="7030A0"/>
+                </a:solidFill>
+                <a:latin typeface="INCONSOLATA" panose="020B0609030003000000" pitchFamily="49" charset="77"/>
+                <a:ea typeface="ＭＳ Ｐゴシック" panose="020B0600070205080204" pitchFamily="34" charset="-128"/>
+              </a:rPr>
+              <a:t>on_update</a:t>
+            </a:r>
+            <a:r>
+              <a:rPr lang="en-US" altLang="en-US" sz="1800" dirty="0">
+                <a:solidFill>
+                  <a:srgbClr val="7030A0"/>
+                </a:solidFill>
+                <a:latin typeface="INCONSOLATA" panose="020B0609030003000000" pitchFamily="49" charset="77"/>
+                <a:ea typeface="ＭＳ Ｐゴシック" panose="020B0600070205080204" pitchFamily="34" charset="-128"/>
+              </a:rPr>
+              <a:t>(self):</a:t>
+            </a:r>
+          </a:p>
+          <a:p>
+            <a:pPr marL="0" indent="0">
+              <a:buNone/>
+            </a:pPr>
+            <a:r>
+              <a:rPr lang="en-US" altLang="en-US" sz="1800" dirty="0">
+                <a:solidFill>
+                  <a:srgbClr val="7030A0"/>
+                </a:solidFill>
+                <a:latin typeface="INCONSOLATA" panose="020B0609030003000000" pitchFamily="49" charset="77"/>
+                <a:ea typeface="ＭＳ Ｐゴシック" panose="020B0600070205080204" pitchFamily="34" charset="-128"/>
+              </a:rPr>
+              <a:t>        """ Called automatically 60 times a second to update all objects.""" </a:t>
+            </a:r>
+          </a:p>
+          <a:p>
+            <a:pPr marL="0" indent="0">
+              <a:buNone/>
+            </a:pPr>
+            <a:r>
+              <a:rPr lang="en-US" altLang="en-US" sz="1800" dirty="0">
+                <a:latin typeface="INCONSOLATA" panose="020B0609030003000000" pitchFamily="49" charset="77"/>
+                <a:ea typeface="ＭＳ Ｐゴシック" panose="020B0600070205080204" pitchFamily="34" charset="-128"/>
+              </a:rPr>
+              <a:t>        </a:t>
+            </a:r>
+          </a:p>
+          <a:p>
+            <a:pPr marL="0" indent="0">
+              <a:buNone/>
+            </a:pPr>
+            <a:endParaRPr lang="en-US" altLang="en-US" sz="1800" dirty="0">
+              <a:latin typeface="INCONSOLATA" panose="020B0609030003000000" pitchFamily="49" charset="77"/>
+              <a:ea typeface="ＭＳ Ｐゴシック" panose="020B0600070205080204" pitchFamily="34" charset="-128"/>
+            </a:endParaRPr>
+          </a:p>
+        </p:txBody>
+      </p:sp>
+      <p:sp>
+        <p:nvSpPr>
+          <p:cNvPr id="2" name="TextBox 1">
+            <a:extLst>
+              <a:ext uri="{FF2B5EF4-FFF2-40B4-BE49-F238E27FC236}">
+                <a16:creationId xmlns:a16="http://schemas.microsoft.com/office/drawing/2014/main" id="{C360779D-4CA6-E54E-AF40-CFF286ECEDB6}"/>
+              </a:ext>
+            </a:extLst>
+          </p:cNvPr>
+          <p:cNvSpPr txBox="1"/>
+          <p:nvPr/>
+        </p:nvSpPr>
+        <p:spPr>
+          <a:xfrm>
+            <a:off x="2123600" y="302097"/>
+            <a:ext cx="5283498" cy="400110"/>
+          </a:xfrm>
+          <a:prstGeom prst="rect">
+            <a:avLst/>
+          </a:prstGeom>
+          <a:noFill/>
+        </p:spPr>
+        <p:txBody>
+          <a:bodyPr wrap="none" rtlCol="0">
+            <a:spAutoFit/>
+          </a:bodyPr>
+          <a:lstStyle/>
+          <a:p>
+            <a:r>
+              <a:rPr lang="en-US" sz="2000" dirty="0">
+                <a:solidFill>
+                  <a:schemeClr val="accent1"/>
+                </a:solidFill>
+              </a:rPr>
+              <a:t>First declare and initialize all variables in __</a:t>
+            </a:r>
+            <a:r>
+              <a:rPr lang="en-US" sz="2000" dirty="0" err="1">
+                <a:solidFill>
+                  <a:schemeClr val="accent1"/>
+                </a:solidFill>
+              </a:rPr>
+              <a:t>init</a:t>
+            </a:r>
+            <a:r>
+              <a:rPr lang="en-US" sz="2000" dirty="0">
+                <a:solidFill>
+                  <a:schemeClr val="accent1"/>
+                </a:solidFill>
+              </a:rPr>
+              <a:t>__</a:t>
+            </a:r>
+          </a:p>
+        </p:txBody>
+      </p:sp>
+      <p:sp>
+        <p:nvSpPr>
+          <p:cNvPr id="7" name="TextBox 6">
+            <a:extLst>
+              <a:ext uri="{FF2B5EF4-FFF2-40B4-BE49-F238E27FC236}">
+                <a16:creationId xmlns:a16="http://schemas.microsoft.com/office/drawing/2014/main" id="{FCD9C15D-1329-1444-B6C2-5E444C159CB2}"/>
+              </a:ext>
+            </a:extLst>
+          </p:cNvPr>
+          <p:cNvSpPr txBox="1"/>
+          <p:nvPr/>
+        </p:nvSpPr>
+        <p:spPr>
+          <a:xfrm>
+            <a:off x="3609349" y="787506"/>
+            <a:ext cx="2896306" cy="369332"/>
+          </a:xfrm>
+          <a:prstGeom prst="rect">
+            <a:avLst/>
+          </a:prstGeom>
+          <a:noFill/>
+        </p:spPr>
+        <p:txBody>
+          <a:bodyPr wrap="none" rtlCol="0">
+            <a:spAutoFit/>
+          </a:bodyPr>
+          <a:lstStyle/>
+          <a:p>
+            <a:r>
+              <a:rPr lang="en-US" sz="1800" b="1" dirty="0">
+                <a:solidFill>
+                  <a:schemeClr val="accent1"/>
+                </a:solidFill>
+              </a:rPr>
+              <a:t>__</a:t>
+            </a:r>
+            <a:r>
+              <a:rPr lang="en-US" sz="1800" b="1" dirty="0" err="1">
+                <a:solidFill>
+                  <a:schemeClr val="accent1"/>
+                </a:solidFill>
+              </a:rPr>
+              <a:t>init</a:t>
+            </a:r>
+            <a:r>
+              <a:rPr lang="en-US" sz="1800" b="1" dirty="0">
+                <a:solidFill>
+                  <a:schemeClr val="accent1"/>
+                </a:solidFill>
+              </a:rPr>
+              <a:t>__ only runs ONCE.</a:t>
+            </a:r>
+          </a:p>
+        </p:txBody>
+      </p:sp>
+      <p:cxnSp>
+        <p:nvCxnSpPr>
+          <p:cNvPr id="6" name="Straight Arrow Connector 5">
+            <a:extLst>
+              <a:ext uri="{FF2B5EF4-FFF2-40B4-BE49-F238E27FC236}">
+                <a16:creationId xmlns:a16="http://schemas.microsoft.com/office/drawing/2014/main" id="{2FF5D069-E1A9-3247-B4C1-70C074CCF398}"/>
+              </a:ext>
+            </a:extLst>
+          </p:cNvPr>
+          <p:cNvCxnSpPr>
+            <a:cxnSpLocks/>
+          </p:cNvCxnSpPr>
+          <p:nvPr/>
+        </p:nvCxnSpPr>
+        <p:spPr>
+          <a:xfrm flipH="1">
+            <a:off x="1366092" y="733425"/>
+            <a:ext cx="2419247" cy="1095375"/>
+          </a:xfrm>
+          <a:prstGeom prst="straightConnector1">
+            <a:avLst/>
+          </a:prstGeom>
+          <a:ln w="31750">
+            <a:tailEnd type="triangle"/>
+          </a:ln>
+        </p:spPr>
+        <p:style>
+          <a:lnRef idx="1">
+            <a:schemeClr val="accent1"/>
+          </a:lnRef>
+          <a:fillRef idx="0">
+            <a:schemeClr val="accent1"/>
+          </a:fillRef>
+          <a:effectRef idx="0">
+            <a:schemeClr val="accent1"/>
+          </a:effectRef>
+          <a:fontRef idx="minor">
+            <a:schemeClr val="tx1"/>
+          </a:fontRef>
+        </p:style>
+      </p:cxnSp>
+      <p:sp>
+        <p:nvSpPr>
+          <p:cNvPr id="10" name="TextBox 9">
+            <a:extLst>
+              <a:ext uri="{FF2B5EF4-FFF2-40B4-BE49-F238E27FC236}">
+                <a16:creationId xmlns:a16="http://schemas.microsoft.com/office/drawing/2014/main" id="{6CBCEBFC-7FEB-A942-8AA6-1D8C8EE77906}"/>
+              </a:ext>
+            </a:extLst>
+          </p:cNvPr>
+          <p:cNvSpPr txBox="1"/>
+          <p:nvPr/>
+        </p:nvSpPr>
+        <p:spPr>
+          <a:xfrm>
+            <a:off x="3335455" y="2906400"/>
+            <a:ext cx="5078313" cy="707886"/>
+          </a:xfrm>
+          <a:prstGeom prst="rect">
+            <a:avLst/>
+          </a:prstGeom>
+          <a:noFill/>
+        </p:spPr>
+        <p:txBody>
+          <a:bodyPr wrap="none" rtlCol="0">
+            <a:spAutoFit/>
+          </a:bodyPr>
+          <a:lstStyle/>
+          <a:p>
+            <a:r>
+              <a:rPr lang="en-US" sz="2000" dirty="0" err="1">
+                <a:solidFill>
+                  <a:schemeClr val="accent1"/>
+                </a:solidFill>
+              </a:rPr>
+              <a:t>on_draw</a:t>
+            </a:r>
+            <a:r>
+              <a:rPr lang="en-US" sz="2000" dirty="0">
+                <a:solidFill>
+                  <a:schemeClr val="accent1"/>
+                </a:solidFill>
+              </a:rPr>
+              <a:t> runs automatically 60 times a second </a:t>
+            </a:r>
+          </a:p>
+          <a:p>
+            <a:r>
+              <a:rPr lang="en-US" sz="2000" dirty="0">
+                <a:solidFill>
+                  <a:schemeClr val="accent1"/>
+                </a:solidFill>
+              </a:rPr>
+              <a:t>to draw all images</a:t>
+            </a:r>
+          </a:p>
+        </p:txBody>
+      </p:sp>
+      <p:cxnSp>
+        <p:nvCxnSpPr>
+          <p:cNvPr id="11" name="Straight Arrow Connector 10">
+            <a:extLst>
+              <a:ext uri="{FF2B5EF4-FFF2-40B4-BE49-F238E27FC236}">
+                <a16:creationId xmlns:a16="http://schemas.microsoft.com/office/drawing/2014/main" id="{4E4AC876-0F77-7543-B7D3-9FBA2F410F0C}"/>
+              </a:ext>
+            </a:extLst>
+          </p:cNvPr>
+          <p:cNvCxnSpPr>
+            <a:cxnSpLocks/>
+          </p:cNvCxnSpPr>
+          <p:nvPr/>
+        </p:nvCxnSpPr>
+        <p:spPr>
+          <a:xfrm flipH="1" flipV="1">
+            <a:off x="1366093" y="2900324"/>
+            <a:ext cx="1969362" cy="148950"/>
+          </a:xfrm>
+          <a:prstGeom prst="straightConnector1">
+            <a:avLst/>
+          </a:prstGeom>
+          <a:ln w="31750">
+            <a:tailEnd type="triangle"/>
+          </a:ln>
+        </p:spPr>
+        <p:style>
+          <a:lnRef idx="1">
+            <a:schemeClr val="accent1"/>
+          </a:lnRef>
+          <a:fillRef idx="0">
+            <a:schemeClr val="accent1"/>
+          </a:fillRef>
+          <a:effectRef idx="0">
+            <a:schemeClr val="accent1"/>
+          </a:effectRef>
+          <a:fontRef idx="minor">
+            <a:schemeClr val="tx1"/>
+          </a:fontRef>
+        </p:style>
+      </p:cxnSp>
+      <p:sp>
+        <p:nvSpPr>
+          <p:cNvPr id="15" name="TextBox 14">
+            <a:extLst>
+              <a:ext uri="{FF2B5EF4-FFF2-40B4-BE49-F238E27FC236}">
+                <a16:creationId xmlns:a16="http://schemas.microsoft.com/office/drawing/2014/main" id="{3FA56609-6251-2345-BA26-D035BE446C47}"/>
+              </a:ext>
+            </a:extLst>
+          </p:cNvPr>
+          <p:cNvSpPr txBox="1"/>
+          <p:nvPr/>
+        </p:nvSpPr>
+        <p:spPr>
+          <a:xfrm>
+            <a:off x="3252387" y="4297740"/>
+            <a:ext cx="5266891" cy="707886"/>
+          </a:xfrm>
+          <a:prstGeom prst="rect">
+            <a:avLst/>
+          </a:prstGeom>
+          <a:noFill/>
+        </p:spPr>
+        <p:txBody>
+          <a:bodyPr wrap="none" rtlCol="0">
+            <a:spAutoFit/>
+          </a:bodyPr>
+          <a:lstStyle/>
+          <a:p>
+            <a:r>
+              <a:rPr lang="en-US" sz="2000" dirty="0" err="1">
+                <a:solidFill>
+                  <a:schemeClr val="accent1"/>
+                </a:solidFill>
+              </a:rPr>
+              <a:t>on_update</a:t>
+            </a:r>
+            <a:r>
+              <a:rPr lang="en-US" sz="2000" dirty="0">
+                <a:solidFill>
+                  <a:schemeClr val="accent1"/>
+                </a:solidFill>
+              </a:rPr>
+              <a:t> runs automatically 60 times a second </a:t>
+            </a:r>
+          </a:p>
+          <a:p>
+            <a:r>
+              <a:rPr lang="en-US" sz="2000" dirty="0">
+                <a:solidFill>
+                  <a:schemeClr val="accent1"/>
+                </a:solidFill>
+              </a:rPr>
+              <a:t>to update variables</a:t>
+            </a:r>
+          </a:p>
+        </p:txBody>
+      </p:sp>
+      <p:cxnSp>
+        <p:nvCxnSpPr>
+          <p:cNvPr id="16" name="Straight Arrow Connector 15">
+            <a:extLst>
+              <a:ext uri="{FF2B5EF4-FFF2-40B4-BE49-F238E27FC236}">
+                <a16:creationId xmlns:a16="http://schemas.microsoft.com/office/drawing/2014/main" id="{75E9AD7F-0E14-4E4B-9F19-CF7FF14EDDA7}"/>
+              </a:ext>
+            </a:extLst>
+          </p:cNvPr>
+          <p:cNvCxnSpPr>
+            <a:cxnSpLocks/>
+          </p:cNvCxnSpPr>
+          <p:nvPr/>
+        </p:nvCxnSpPr>
+        <p:spPr>
+          <a:xfrm flipH="1" flipV="1">
+            <a:off x="1283025" y="4291664"/>
+            <a:ext cx="1969362" cy="148950"/>
+          </a:xfrm>
+          <a:prstGeom prst="straightConnector1">
+            <a:avLst/>
+          </a:prstGeom>
+          <a:ln w="31750">
+            <a:tailEnd type="triangle"/>
+          </a:ln>
+        </p:spPr>
+        <p:style>
+          <a:lnRef idx="1">
+            <a:schemeClr val="accent1"/>
+          </a:lnRef>
+          <a:fillRef idx="0">
+            <a:schemeClr val="accent1"/>
+          </a:fillRef>
+          <a:effectRef idx="0">
+            <a:schemeClr val="accent1"/>
+          </a:effectRef>
+          <a:fontRef idx="minor">
+            <a:schemeClr val="tx1"/>
+          </a:fontRef>
+        </p:style>
+      </p:cxnSp>
+    </p:spTree>
+    <p:extLst>
+      <p:ext uri="{BB962C8B-B14F-4D97-AF65-F5344CB8AC3E}">
+        <p14:creationId xmlns:p14="http://schemas.microsoft.com/office/powerpoint/2010/main" val="2681292538"/>
+      </p:ext>
+    </p:extLst>
+  </p:cSld>
+  <p:clrMapOvr>
+    <a:masterClrMapping/>
+  </p:clrMapOvr>
+  <p:transition/>
+  <p:timing>
+    <p:tnLst>
+      <p:par>
+        <p:cTn id="1" dur="indefinite" restart="never" nodeType="tmRoot">
+          <p:childTnLst>
+            <p:seq concurrent="1" nextAc="seek">
+              <p:cTn id="2" dur="indefinite" nodeType="mainSeq">
+                <p:childTnLst>
+                  <p:par>
+                    <p:cTn id="3" fill="hold">
+                      <p:stCondLst>
+                        <p:cond delay="indefinite"/>
+                      </p:stCondLst>
+                      <p:childTnLst>
+                        <p:par>
+                          <p:cTn id="4" fill="hold">
+                            <p:stCondLst>
+                              <p:cond delay="0"/>
+                            </p:stCondLst>
+                            <p:childTnLst>
+                              <p:par>
+                                <p:cTn id="5" presetID="1" presetClass="entr" presetSubtype="0" fill="hold" grpId="0" nodeType="clickEffect">
+                                  <p:stCondLst>
+                                    <p:cond delay="0"/>
+                                  </p:stCondLst>
+                                  <p:childTnLst>
+                                    <p:set>
+                                      <p:cBhvr>
+                                        <p:cTn id="6" dur="1" fill="hold">
+                                          <p:stCondLst>
+                                            <p:cond delay="0"/>
+                                          </p:stCondLst>
+                                        </p:cTn>
+                                        <p:tgtEl>
+                                          <p:spTgt spid="2"/>
+                                        </p:tgtEl>
+                                        <p:attrNameLst>
+                                          <p:attrName>style.visibility</p:attrName>
+                                        </p:attrNameLst>
+                                      </p:cBhvr>
+                                      <p:to>
+                                        <p:strVal val="visible"/>
+                                      </p:to>
+                                    </p:set>
+                                  </p:childTnLst>
+                                </p:cTn>
+                              </p:par>
+                              <p:par>
+                                <p:cTn id="7" presetID="1" presetClass="entr" presetSubtype="0" fill="hold" nodeType="withEffect">
+                                  <p:stCondLst>
+                                    <p:cond delay="0"/>
+                                  </p:stCondLst>
+                                  <p:childTnLst>
+                                    <p:set>
+                                      <p:cBhvr>
+                                        <p:cTn id="8" dur="1" fill="hold">
+                                          <p:stCondLst>
+                                            <p:cond delay="0"/>
+                                          </p:stCondLst>
+                                        </p:cTn>
+                                        <p:tgtEl>
+                                          <p:spTgt spid="6"/>
+                                        </p:tgtEl>
+                                        <p:attrNameLst>
+                                          <p:attrName>style.visibility</p:attrName>
+                                        </p:attrNameLst>
+                                      </p:cBhvr>
+                                      <p:to>
+                                        <p:strVal val="visible"/>
+                                      </p:to>
+                                    </p:set>
+                                  </p:childTnLst>
+                                </p:cTn>
+                              </p:par>
+                              <p:par>
+                                <p:cTn id="9" presetID="1" presetClass="entr" presetSubtype="0" fill="hold" grpId="0" nodeType="withEffect">
+                                  <p:stCondLst>
+                                    <p:cond delay="0"/>
+                                  </p:stCondLst>
+                                  <p:childTnLst>
+                                    <p:set>
+                                      <p:cBhvr>
+                                        <p:cTn id="10" dur="1" fill="hold">
+                                          <p:stCondLst>
+                                            <p:cond delay="0"/>
+                                          </p:stCondLst>
+                                        </p:cTn>
+                                        <p:tgtEl>
+                                          <p:spTgt spid="7"/>
+                                        </p:tgtEl>
+                                        <p:attrNameLst>
+                                          <p:attrName>style.visibility</p:attrName>
+                                        </p:attrNameLst>
+                                      </p:cBhvr>
+                                      <p:to>
+                                        <p:strVal val="visible"/>
+                                      </p:to>
+                                    </p:set>
+                                  </p:childTnLst>
+                                </p:cTn>
+                              </p:par>
+                            </p:childTnLst>
+                          </p:cTn>
+                        </p:par>
+                      </p:childTnLst>
+                    </p:cTn>
+                  </p:par>
+                  <p:par>
+                    <p:cTn id="11" fill="hold">
+                      <p:stCondLst>
+                        <p:cond delay="indefinite"/>
+                      </p:stCondLst>
+                      <p:childTnLst>
+                        <p:par>
+                          <p:cTn id="12" fill="hold">
+                            <p:stCondLst>
+                              <p:cond delay="0"/>
+                            </p:stCondLst>
+                            <p:childTnLst>
+                              <p:par>
+                                <p:cTn id="13" presetID="1" presetClass="entr" presetSubtype="0" fill="hold" grpId="0" nodeType="clickEffect">
+                                  <p:stCondLst>
+                                    <p:cond delay="0"/>
+                                  </p:stCondLst>
+                                  <p:childTnLst>
+                                    <p:set>
+                                      <p:cBhvr>
+                                        <p:cTn id="14" dur="1" fill="hold">
+                                          <p:stCondLst>
+                                            <p:cond delay="0"/>
+                                          </p:stCondLst>
+                                        </p:cTn>
+                                        <p:tgtEl>
+                                          <p:spTgt spid="10"/>
+                                        </p:tgtEl>
+                                        <p:attrNameLst>
+                                          <p:attrName>style.visibility</p:attrName>
+                                        </p:attrNameLst>
+                                      </p:cBhvr>
+                                      <p:to>
+                                        <p:strVal val="visible"/>
+                                      </p:to>
+                                    </p:set>
+                                  </p:childTnLst>
+                                </p:cTn>
+                              </p:par>
+                              <p:par>
+                                <p:cTn id="15" presetID="1" presetClass="entr" presetSubtype="0" fill="hold" nodeType="withEffect">
+                                  <p:stCondLst>
+                                    <p:cond delay="0"/>
+                                  </p:stCondLst>
+                                  <p:childTnLst>
+                                    <p:set>
+                                      <p:cBhvr>
+                                        <p:cTn id="16" dur="1" fill="hold">
+                                          <p:stCondLst>
+                                            <p:cond delay="0"/>
+                                          </p:stCondLst>
+                                        </p:cTn>
+                                        <p:tgtEl>
+                                          <p:spTgt spid="11"/>
+                                        </p:tgtEl>
+                                        <p:attrNameLst>
+                                          <p:attrName>style.visibility</p:attrName>
+                                        </p:attrNameLst>
+                                      </p:cBhvr>
+                                      <p:to>
+                                        <p:strVal val="visible"/>
+                                      </p:to>
+                                    </p:set>
+                                  </p:childTnLst>
+                                </p:cTn>
+                              </p:par>
+                            </p:childTnLst>
+                          </p:cTn>
+                        </p:par>
+                      </p:childTnLst>
+                    </p:cTn>
+                  </p:par>
+                  <p:par>
+                    <p:cTn id="17" fill="hold">
+                      <p:stCondLst>
+                        <p:cond delay="indefinite"/>
+                      </p:stCondLst>
+                      <p:childTnLst>
+                        <p:par>
+                          <p:cTn id="18" fill="hold">
+                            <p:stCondLst>
+                              <p:cond delay="0"/>
+                            </p:stCondLst>
+                            <p:childTnLst>
+                              <p:par>
+                                <p:cTn id="19" presetID="1" presetClass="entr" presetSubtype="0" fill="hold" nodeType="clickEffect">
+                                  <p:stCondLst>
+                                    <p:cond delay="0"/>
+                                  </p:stCondLst>
+                                  <p:childTnLst>
+                                    <p:set>
+                                      <p:cBhvr>
+                                        <p:cTn id="20" dur="1" fill="hold">
+                                          <p:stCondLst>
+                                            <p:cond delay="0"/>
+                                          </p:stCondLst>
+                                        </p:cTn>
+                                        <p:tgtEl>
+                                          <p:spTgt spid="16"/>
+                                        </p:tgtEl>
+                                        <p:attrNameLst>
+                                          <p:attrName>style.visibility</p:attrName>
+                                        </p:attrNameLst>
+                                      </p:cBhvr>
+                                      <p:to>
+                                        <p:strVal val="visible"/>
+                                      </p:to>
+                                    </p:set>
+                                  </p:childTnLst>
+                                </p:cTn>
+                              </p:par>
+                              <p:par>
+                                <p:cTn id="21" presetID="1" presetClass="entr" presetSubtype="0" fill="hold" grpId="0" nodeType="withEffect">
+                                  <p:stCondLst>
+                                    <p:cond delay="0"/>
+                                  </p:stCondLst>
+                                  <p:childTnLst>
+                                    <p:set>
+                                      <p:cBhvr>
+                                        <p:cTn id="22" dur="1" fill="hold">
+                                          <p:stCondLst>
+                                            <p:cond delay="0"/>
+                                          </p:stCondLst>
+                                        </p:cTn>
+                                        <p:tgtEl>
+                                          <p:spTgt spid="15"/>
+                                        </p:tgtEl>
+                                        <p:attrNameLst>
+                                          <p:attrName>style.visibility</p:attrName>
+                                        </p:attrNameLst>
+                                      </p:cBhvr>
+                                      <p:to>
+                                        <p:strVal val="visible"/>
+                                      </p:to>
+                                    </p:set>
+                                  </p:childTnLst>
+                                </p:cTn>
+                              </p:par>
+                            </p:childTnLst>
+                          </p:cTn>
+                        </p:par>
+                      </p:childTnLst>
+                    </p:cTn>
+                  </p:par>
+                </p:childTnLst>
+              </p:cTn>
+              <p:prevCondLst>
+                <p:cond evt="onPrev" delay="0">
+                  <p:tgtEl>
+                    <p:sldTgt/>
+                  </p:tgtEl>
+                </p:cond>
+              </p:prevCondLst>
+              <p:nextCondLst>
+                <p:cond evt="onNext" delay="0">
+                  <p:tgtEl>
+                    <p:sldTgt/>
+                  </p:tgtEl>
+                </p:cond>
+              </p:nextCondLst>
+            </p:seq>
+          </p:childTnLst>
+        </p:cTn>
+      </p:par>
+    </p:tnLst>
+    <p:bldLst>
+      <p:bldP spid="2" grpId="0"/>
+      <p:bldP spid="7" grpId="0"/>
+      <p:bldP spid="10" grpId="0"/>
+      <p:bldP spid="15" grpId="0"/>
+    </p:bldLst>
+  </p:timing>
+</p:sld>
+</file>
+
+<file path=ppt/slides/slide7.xml><?xml version="1.0" encoding="utf-8"?>
+<p:sld xmlns:a="http://schemas.openxmlformats.org/drawingml/2006/main" xmlns:r="http://schemas.openxmlformats.org/officeDocument/2006/relationships" xmlns:p="http://schemas.openxmlformats.org/presentationml/2006/main">
+  <p:cSld>
+    <p:spTree>
+      <p:nvGrpSpPr>
+        <p:cNvPr id="1" name=""/>
+        <p:cNvGrpSpPr/>
+        <p:nvPr/>
+      </p:nvGrpSpPr>
+      <p:grpSpPr>
+        <a:xfrm>
+          <a:off x="0" y="0"/>
+          <a:ext cx="0" cy="0"/>
+          <a:chOff x="0" y="0"/>
+          <a:chExt cx="0" cy="0"/>
+        </a:xfrm>
+      </p:grpSpPr>
+      <p:sp>
+        <p:nvSpPr>
+          <p:cNvPr id="35841" name="Rectangle 2">
+            <a:extLst>
+              <a:ext uri="{FF2B5EF4-FFF2-40B4-BE49-F238E27FC236}">
+                <a16:creationId xmlns:a16="http://schemas.microsoft.com/office/drawing/2014/main" id="{09D8876C-8F7A-C748-966B-672B36C17545}"/>
+              </a:ext>
+            </a:extLst>
+          </p:cNvPr>
+          <p:cNvSpPr>
+            <a:spLocks noGrp="1" noChangeArrowheads="1"/>
+          </p:cNvSpPr>
+          <p:nvPr>
+            <p:ph type="title"/>
+          </p:nvPr>
+        </p:nvSpPr>
+        <p:spPr>
+          <a:xfrm>
+            <a:off x="152400" y="19843"/>
+            <a:ext cx="7848600" cy="713582"/>
+          </a:xfrm>
+        </p:spPr>
+        <p:txBody>
+          <a:bodyPr/>
+          <a:lstStyle/>
+          <a:p>
+            <a:pPr eaLnBrk="1" hangingPunct="1"/>
+            <a:r>
+              <a:rPr lang="en-US" altLang="en-US" dirty="0">
+                <a:ea typeface="ＭＳ Ｐゴシック" panose="020B0600070205080204" pitchFamily="34" charset="-128"/>
+              </a:rPr>
+              <a:t>Example</a:t>
+            </a:r>
+          </a:p>
+        </p:txBody>
+      </p:sp>
+      <p:sp>
+        <p:nvSpPr>
+          <p:cNvPr id="35842" name="Rectangle 3">
+            <a:extLst>
+              <a:ext uri="{FF2B5EF4-FFF2-40B4-BE49-F238E27FC236}">
+                <a16:creationId xmlns:a16="http://schemas.microsoft.com/office/drawing/2014/main" id="{C94BCA01-D831-ED4D-84FD-C30E8117F872}"/>
+              </a:ext>
+            </a:extLst>
+          </p:cNvPr>
+          <p:cNvSpPr>
+            <a:spLocks noGrp="1" noChangeArrowheads="1"/>
+          </p:cNvSpPr>
+          <p:nvPr>
+            <p:ph type="body" idx="1"/>
+          </p:nvPr>
+        </p:nvSpPr>
+        <p:spPr>
+          <a:xfrm>
+            <a:off x="152399" y="590551"/>
+            <a:ext cx="8905875" cy="5104606"/>
+          </a:xfrm>
+        </p:spPr>
+        <p:txBody>
+          <a:bodyPr>
+            <a:normAutofit/>
+          </a:bodyPr>
+          <a:lstStyle/>
+          <a:p>
+            <a:pPr marL="0" indent="0">
+              <a:buNone/>
+            </a:pPr>
+            <a:r>
+              <a:rPr lang="en-US" altLang="en-US" sz="1800" dirty="0">
+                <a:latin typeface="INCONSOLATA" panose="020B0609030003000000" pitchFamily="49" charset="77"/>
+                <a:ea typeface="ＭＳ Ｐゴシック" panose="020B0600070205080204" pitchFamily="34" charset="-128"/>
+              </a:rPr>
+              <a:t>class Window:    </a:t>
+            </a:r>
+          </a:p>
+          <a:p>
+            <a:pPr marL="0" indent="0">
+              <a:buNone/>
+            </a:pPr>
+            <a:r>
+              <a:rPr lang="en-US" altLang="en-US" sz="1800" dirty="0">
+                <a:solidFill>
+                  <a:srgbClr val="7030A0"/>
+                </a:solidFill>
+                <a:latin typeface="INCONSOLATA" panose="020B0609030003000000" pitchFamily="49" charset="77"/>
+                <a:ea typeface="ＭＳ Ｐゴシック" panose="020B0600070205080204" pitchFamily="34" charset="-128"/>
+              </a:rPr>
+              <a:t>    def __</a:t>
+            </a:r>
+            <a:r>
+              <a:rPr lang="en-US" altLang="en-US" sz="1800" dirty="0" err="1">
+                <a:solidFill>
+                  <a:srgbClr val="7030A0"/>
+                </a:solidFill>
+                <a:latin typeface="INCONSOLATA" panose="020B0609030003000000" pitchFamily="49" charset="77"/>
+                <a:ea typeface="ＭＳ Ｐゴシック" panose="020B0600070205080204" pitchFamily="34" charset="-128"/>
+              </a:rPr>
+              <a:t>init</a:t>
+            </a:r>
+            <a:r>
+              <a:rPr lang="en-US" altLang="en-US" sz="1800" dirty="0">
+                <a:solidFill>
+                  <a:srgbClr val="7030A0"/>
+                </a:solidFill>
+                <a:latin typeface="INCONSOLATA" panose="020B0609030003000000" pitchFamily="49" charset="77"/>
+                <a:ea typeface="ＭＳ Ｐゴシック" panose="020B0600070205080204" pitchFamily="34" charset="-128"/>
+              </a:rPr>
+              <a:t>__(self): </a:t>
+            </a:r>
+            <a:r>
+              <a:rPr lang="en-US" altLang="en-US" sz="1800" dirty="0">
+                <a:latin typeface="INCONSOLATA" panose="020B0609030003000000" pitchFamily="49" charset="77"/>
+                <a:ea typeface="ＭＳ Ｐゴシック" panose="020B0600070205080204" pitchFamily="34" charset="-128"/>
+              </a:rPr>
+              <a:t>		</a:t>
+            </a:r>
+          </a:p>
+          <a:p>
+            <a:pPr marL="0" indent="0">
+              <a:buNone/>
+            </a:pPr>
+            <a:r>
+              <a:rPr lang="en-US" altLang="en-US" sz="1800" dirty="0">
+                <a:solidFill>
+                  <a:srgbClr val="7030A0"/>
+                </a:solidFill>
+                <a:latin typeface="INCONSOLATA" panose="020B0609030003000000" pitchFamily="49" charset="77"/>
+                <a:ea typeface="ＭＳ Ｐゴシック" panose="020B0600070205080204" pitchFamily="34" charset="-128"/>
+              </a:rPr>
+              <a:t>        """ Initialize all variables here. """ </a:t>
+            </a:r>
+            <a:r>
+              <a:rPr lang="en-US" altLang="en-US" sz="1800" dirty="0">
+                <a:latin typeface="INCONSOLATA" panose="020B0609030003000000" pitchFamily="49" charset="77"/>
+                <a:ea typeface="ＭＳ Ｐゴシック" panose="020B0600070205080204" pitchFamily="34" charset="-128"/>
+              </a:rPr>
+              <a:t>	   </a:t>
+            </a:r>
+          </a:p>
+          <a:p>
+            <a:pPr marL="0" indent="0">
+              <a:buNone/>
+            </a:pPr>
+            <a:r>
+              <a:rPr lang="en-US" altLang="en-US" sz="1800" dirty="0">
+                <a:solidFill>
+                  <a:srgbClr val="FF0000"/>
+                </a:solidFill>
+                <a:latin typeface="INCONSOLATA" panose="020B0609030003000000" pitchFamily="49" charset="77"/>
+                <a:ea typeface="ＭＳ Ｐゴシック" panose="020B0600070205080204" pitchFamily="34" charset="-128"/>
+              </a:rPr>
+              <a:t>	  </a:t>
+            </a:r>
+            <a:r>
+              <a:rPr lang="en-US" altLang="en-US" sz="1800" dirty="0" err="1">
+                <a:solidFill>
+                  <a:srgbClr val="FF0000"/>
+                </a:solidFill>
+                <a:latin typeface="INCONSOLATA" panose="020B0609030003000000" pitchFamily="49" charset="77"/>
+                <a:ea typeface="ＭＳ Ｐゴシック" panose="020B0600070205080204" pitchFamily="34" charset="-128"/>
+              </a:rPr>
+              <a:t>self.x</a:t>
+            </a:r>
+            <a:r>
+              <a:rPr lang="en-US" altLang="en-US" sz="1800" dirty="0">
+                <a:solidFill>
+                  <a:srgbClr val="FF0000"/>
+                </a:solidFill>
+                <a:latin typeface="INCONSOLATA" panose="020B0609030003000000" pitchFamily="49" charset="77"/>
+                <a:ea typeface="ＭＳ Ｐゴシック" panose="020B0600070205080204" pitchFamily="34" charset="-128"/>
+              </a:rPr>
+              <a:t> = WIDTH/2</a:t>
+            </a:r>
+          </a:p>
+          <a:p>
+            <a:pPr marL="0" indent="0">
+              <a:buNone/>
+            </a:pPr>
+            <a:r>
+              <a:rPr lang="en-US" altLang="en-US" sz="1800" dirty="0">
+                <a:solidFill>
+                  <a:srgbClr val="FF0000"/>
+                </a:solidFill>
+                <a:latin typeface="INCONSOLATA" panose="020B0609030003000000" pitchFamily="49" charset="77"/>
+                <a:ea typeface="ＭＳ Ｐゴシック" panose="020B0600070205080204" pitchFamily="34" charset="-128"/>
+              </a:rPr>
+              <a:t>	  </a:t>
+            </a:r>
+            <a:r>
+              <a:rPr lang="en-US" altLang="en-US" sz="1800" dirty="0" err="1">
+                <a:solidFill>
+                  <a:srgbClr val="FF0000"/>
+                </a:solidFill>
+                <a:latin typeface="INCONSOLATA" panose="020B0609030003000000" pitchFamily="49" charset="77"/>
+                <a:ea typeface="ＭＳ Ｐゴシック" panose="020B0600070205080204" pitchFamily="34" charset="-128"/>
+              </a:rPr>
+              <a:t>self.y</a:t>
+            </a:r>
+            <a:r>
+              <a:rPr lang="en-US" altLang="en-US" sz="1800" dirty="0">
+                <a:solidFill>
+                  <a:srgbClr val="FF0000"/>
+                </a:solidFill>
+                <a:latin typeface="INCONSOLATA" panose="020B0609030003000000" pitchFamily="49" charset="77"/>
+                <a:ea typeface="ＭＳ Ｐゴシック" panose="020B0600070205080204" pitchFamily="34" charset="-128"/>
+              </a:rPr>
+              <a:t> = HEIGHT/2</a:t>
+            </a:r>
+          </a:p>
+          <a:p>
+            <a:pPr marL="0" indent="0">
+              <a:buNone/>
+            </a:pPr>
+            <a:r>
+              <a:rPr lang="en-US" altLang="en-US" sz="1800" dirty="0">
+                <a:latin typeface="INCONSOLATA" panose="020B0609030003000000" pitchFamily="49" charset="77"/>
+                <a:ea typeface="ＭＳ Ｐゴシック" panose="020B0600070205080204" pitchFamily="34" charset="-128"/>
+              </a:rPr>
+              <a:t>    </a:t>
+            </a:r>
+            <a:r>
+              <a:rPr lang="en-US" altLang="en-US" sz="1800" dirty="0">
+                <a:solidFill>
+                  <a:srgbClr val="7030A0"/>
+                </a:solidFill>
+                <a:latin typeface="INCONSOLATA" panose="020B0609030003000000" pitchFamily="49" charset="77"/>
+                <a:ea typeface="ＭＳ Ｐゴシック" panose="020B0600070205080204" pitchFamily="34" charset="-128"/>
+              </a:rPr>
+              <a:t>def </a:t>
+            </a:r>
+            <a:r>
+              <a:rPr lang="en-US" altLang="en-US" sz="1800" dirty="0" err="1">
+                <a:solidFill>
+                  <a:srgbClr val="7030A0"/>
+                </a:solidFill>
+                <a:latin typeface="INCONSOLATA" panose="020B0609030003000000" pitchFamily="49" charset="77"/>
+                <a:ea typeface="ＭＳ Ｐゴシック" panose="020B0600070205080204" pitchFamily="34" charset="-128"/>
+              </a:rPr>
+              <a:t>on_draw</a:t>
+            </a:r>
+            <a:r>
+              <a:rPr lang="en-US" altLang="en-US" sz="1800" dirty="0">
+                <a:solidFill>
+                  <a:srgbClr val="7030A0"/>
+                </a:solidFill>
+                <a:latin typeface="INCONSOLATA" panose="020B0609030003000000" pitchFamily="49" charset="77"/>
+                <a:ea typeface="ＭＳ Ｐゴシック" panose="020B0600070205080204" pitchFamily="34" charset="-128"/>
+              </a:rPr>
+              <a:t>(self):</a:t>
+            </a:r>
+          </a:p>
+          <a:p>
+            <a:pPr marL="0" indent="0">
+              <a:buNone/>
+            </a:pPr>
+            <a:r>
+              <a:rPr lang="en-US" altLang="en-US" sz="1800" dirty="0">
+                <a:solidFill>
+                  <a:srgbClr val="7030A0"/>
+                </a:solidFill>
+                <a:latin typeface="INCONSOLATA" panose="020B0609030003000000" pitchFamily="49" charset="77"/>
+                <a:ea typeface="ＭＳ Ｐゴシック" panose="020B0600070205080204" pitchFamily="34" charset="-128"/>
+              </a:rPr>
+              <a:t>        """ Called automatically 60 times a second to draw all objects.""" </a:t>
+            </a:r>
+          </a:p>
+          <a:p>
+            <a:pPr marL="0" indent="0">
+              <a:buNone/>
+            </a:pPr>
+            <a:r>
+              <a:rPr lang="en-US" altLang="en-US" sz="1800" dirty="0">
+                <a:solidFill>
+                  <a:schemeClr val="accent1"/>
+                </a:solidFill>
+                <a:latin typeface="INCONSOLATA" panose="020B0609030003000000" pitchFamily="49" charset="77"/>
+                <a:ea typeface="ＭＳ Ｐゴシック" panose="020B0600070205080204" pitchFamily="34" charset="-128"/>
+              </a:rPr>
+              <a:t>        # draw red circle at (</a:t>
+            </a:r>
+            <a:r>
+              <a:rPr lang="en-US" altLang="en-US" sz="1800" dirty="0" err="1">
+                <a:solidFill>
+                  <a:schemeClr val="accent1"/>
+                </a:solidFill>
+                <a:latin typeface="INCONSOLATA" panose="020B0609030003000000" pitchFamily="49" charset="77"/>
+                <a:ea typeface="ＭＳ Ｐゴシック" panose="020B0600070205080204" pitchFamily="34" charset="-128"/>
+              </a:rPr>
+              <a:t>self.x</a:t>
+            </a:r>
+            <a:r>
+              <a:rPr lang="en-US" altLang="en-US" sz="1800" dirty="0">
+                <a:solidFill>
+                  <a:schemeClr val="accent1"/>
+                </a:solidFill>
+                <a:latin typeface="INCONSOLATA" panose="020B0609030003000000" pitchFamily="49" charset="77"/>
+                <a:ea typeface="ＭＳ Ｐゴシック" panose="020B0600070205080204" pitchFamily="34" charset="-128"/>
+              </a:rPr>
+              <a:t>, </a:t>
+            </a:r>
+            <a:r>
+              <a:rPr lang="en-US" altLang="en-US" sz="1800" dirty="0" err="1">
+                <a:solidFill>
+                  <a:schemeClr val="accent1"/>
+                </a:solidFill>
+                <a:latin typeface="INCONSOLATA" panose="020B0609030003000000" pitchFamily="49" charset="77"/>
+                <a:ea typeface="ＭＳ Ｐゴシック" panose="020B0600070205080204" pitchFamily="34" charset="-128"/>
+              </a:rPr>
+              <a:t>self.y</a:t>
+            </a:r>
+            <a:r>
+              <a:rPr lang="en-US" altLang="en-US" sz="1800" dirty="0">
+                <a:solidFill>
+                  <a:schemeClr val="accent1"/>
+                </a:solidFill>
+                <a:latin typeface="INCONSOLATA" panose="020B0609030003000000" pitchFamily="49" charset="77"/>
+                <a:ea typeface="ＭＳ Ｐゴシック" panose="020B0600070205080204" pitchFamily="34" charset="-128"/>
+              </a:rPr>
+              <a:t>) diameter = 300 pixels</a:t>
+            </a:r>
+          </a:p>
+          <a:p>
+            <a:pPr marL="0" indent="0">
+              <a:buNone/>
+            </a:pPr>
+            <a:r>
+              <a:rPr lang="en-US" altLang="en-US" sz="1800" dirty="0">
+                <a:latin typeface="INCONSOLATA" panose="020B0609030003000000" pitchFamily="49" charset="77"/>
+                <a:ea typeface="ＭＳ Ｐゴシック" panose="020B0600070205080204" pitchFamily="34" charset="-128"/>
+              </a:rPr>
+              <a:t>	  </a:t>
+            </a:r>
+            <a:r>
+              <a:rPr lang="en-US" altLang="en-US" sz="1800" dirty="0">
+                <a:solidFill>
+                  <a:srgbClr val="FF0000"/>
+                </a:solidFill>
+                <a:latin typeface="INCONSOLATA" panose="020B0609030003000000" pitchFamily="49" charset="77"/>
+                <a:ea typeface="ＭＳ Ｐゴシック" panose="020B0600070205080204" pitchFamily="34" charset="-128"/>
+              </a:rPr>
+              <a:t>fill(255, 0, 0) </a:t>
+            </a:r>
+          </a:p>
+          <a:p>
+            <a:pPr marL="0" indent="0">
+              <a:buNone/>
+            </a:pPr>
+            <a:r>
+              <a:rPr lang="en-US" altLang="en-US" sz="1800" dirty="0">
+                <a:solidFill>
+                  <a:srgbClr val="FF0000"/>
+                </a:solidFill>
+                <a:latin typeface="INCONSOLATA" panose="020B0609030003000000" pitchFamily="49" charset="77"/>
+                <a:ea typeface="ＭＳ Ｐゴシック" panose="020B0600070205080204" pitchFamily="34" charset="-128"/>
+              </a:rPr>
+              <a:t>        ellipse(</a:t>
+            </a:r>
+            <a:r>
+              <a:rPr lang="en-US" altLang="en-US" sz="1800" dirty="0" err="1">
+                <a:solidFill>
+                  <a:srgbClr val="FF0000"/>
+                </a:solidFill>
+                <a:latin typeface="INCONSOLATA" panose="020B0609030003000000" pitchFamily="49" charset="77"/>
+                <a:ea typeface="ＭＳ Ｐゴシック" panose="020B0600070205080204" pitchFamily="34" charset="-128"/>
+              </a:rPr>
+              <a:t>self.x</a:t>
+            </a:r>
+            <a:r>
+              <a:rPr lang="en-US" altLang="en-US" sz="1800" dirty="0">
+                <a:solidFill>
+                  <a:srgbClr val="FF0000"/>
+                </a:solidFill>
+                <a:latin typeface="INCONSOLATA" panose="020B0609030003000000" pitchFamily="49" charset="77"/>
+                <a:ea typeface="ＭＳ Ｐゴシック" panose="020B0600070205080204" pitchFamily="34" charset="-128"/>
+              </a:rPr>
+              <a:t>, </a:t>
+            </a:r>
+            <a:r>
+              <a:rPr lang="en-US" altLang="en-US" sz="1800" dirty="0" err="1">
+                <a:solidFill>
+                  <a:srgbClr val="FF0000"/>
+                </a:solidFill>
+                <a:latin typeface="INCONSOLATA" panose="020B0609030003000000" pitchFamily="49" charset="77"/>
+                <a:ea typeface="ＭＳ Ｐゴシック" panose="020B0600070205080204" pitchFamily="34" charset="-128"/>
+              </a:rPr>
+              <a:t>self.y</a:t>
+            </a:r>
+            <a:r>
+              <a:rPr lang="en-US" altLang="en-US" sz="1800" dirty="0">
+                <a:solidFill>
+                  <a:srgbClr val="FF0000"/>
+                </a:solidFill>
+                <a:latin typeface="INCONSOLATA" panose="020B0609030003000000" pitchFamily="49" charset="77"/>
+                <a:ea typeface="ＭＳ Ｐゴシック" panose="020B0600070205080204" pitchFamily="34" charset="-128"/>
+              </a:rPr>
+              <a:t>, 300, 300) </a:t>
+            </a:r>
+          </a:p>
+          <a:p>
+            <a:pPr marL="0" indent="0">
+              <a:buNone/>
+            </a:pPr>
+            <a:r>
+              <a:rPr lang="en-US" altLang="en-US" sz="1800" dirty="0">
+                <a:latin typeface="INCONSOLATA" panose="020B0609030003000000" pitchFamily="49" charset="77"/>
+                <a:ea typeface="ＭＳ Ｐゴシック" panose="020B0600070205080204" pitchFamily="34" charset="-128"/>
+              </a:rPr>
+              <a:t>    </a:t>
+            </a:r>
+            <a:r>
+              <a:rPr lang="en-US" altLang="en-US" sz="1800" dirty="0">
+                <a:solidFill>
+                  <a:srgbClr val="7030A0"/>
+                </a:solidFill>
+                <a:latin typeface="INCONSOLATA" panose="020B0609030003000000" pitchFamily="49" charset="77"/>
+                <a:ea typeface="ＭＳ Ｐゴシック" panose="020B0600070205080204" pitchFamily="34" charset="-128"/>
+              </a:rPr>
+              <a:t>def </a:t>
+            </a:r>
+            <a:r>
+              <a:rPr lang="en-US" altLang="en-US" sz="1800" dirty="0" err="1">
+                <a:solidFill>
+                  <a:srgbClr val="7030A0"/>
+                </a:solidFill>
+                <a:latin typeface="INCONSOLATA" panose="020B0609030003000000" pitchFamily="49" charset="77"/>
+                <a:ea typeface="ＭＳ Ｐゴシック" panose="020B0600070205080204" pitchFamily="34" charset="-128"/>
+              </a:rPr>
+              <a:t>on_update</a:t>
+            </a:r>
+            <a:r>
+              <a:rPr lang="en-US" altLang="en-US" sz="1800" dirty="0">
+                <a:solidFill>
+                  <a:srgbClr val="7030A0"/>
+                </a:solidFill>
+                <a:latin typeface="INCONSOLATA" panose="020B0609030003000000" pitchFamily="49" charset="77"/>
+                <a:ea typeface="ＭＳ Ｐゴシック" panose="020B0600070205080204" pitchFamily="34" charset="-128"/>
+              </a:rPr>
+              <a:t>(self):</a:t>
+            </a:r>
+          </a:p>
+          <a:p>
+            <a:pPr marL="0" indent="0">
+              <a:buNone/>
+            </a:pPr>
+            <a:r>
+              <a:rPr lang="en-US" altLang="en-US" sz="1800" dirty="0">
+                <a:solidFill>
+                  <a:srgbClr val="7030A0"/>
+                </a:solidFill>
+                <a:latin typeface="INCONSOLATA" panose="020B0609030003000000" pitchFamily="49" charset="77"/>
+                <a:ea typeface="ＭＳ Ｐゴシック" panose="020B0600070205080204" pitchFamily="34" charset="-128"/>
+              </a:rPr>
+              <a:t>        """ Called automatically 60 times a second to update all objects.""" </a:t>
+            </a:r>
+          </a:p>
+          <a:p>
+            <a:pPr marL="0" indent="0">
+              <a:buNone/>
+            </a:pPr>
+            <a:r>
+              <a:rPr lang="en-US" altLang="en-US" sz="1800" dirty="0">
+                <a:latin typeface="INCONSOLATA" panose="020B0609030003000000" pitchFamily="49" charset="77"/>
+                <a:ea typeface="ＭＳ Ｐゴシック" panose="020B0600070205080204" pitchFamily="34" charset="-128"/>
+              </a:rPr>
+              <a:t>        </a:t>
+            </a:r>
+            <a:r>
+              <a:rPr lang="en-US" altLang="en-US" sz="1800" dirty="0" err="1">
+                <a:solidFill>
+                  <a:srgbClr val="FF0000"/>
+                </a:solidFill>
+                <a:latin typeface="INCONSOLATA" panose="020B0609030003000000" pitchFamily="49" charset="77"/>
+                <a:ea typeface="ＭＳ Ｐゴシック" panose="020B0600070205080204" pitchFamily="34" charset="-128"/>
+              </a:rPr>
+              <a:t>self.x</a:t>
+            </a:r>
+            <a:r>
+              <a:rPr lang="en-US" altLang="en-US" sz="1800" dirty="0">
+                <a:solidFill>
+                  <a:srgbClr val="FF0000"/>
+                </a:solidFill>
+                <a:latin typeface="INCONSOLATA" panose="020B0609030003000000" pitchFamily="49" charset="77"/>
+                <a:ea typeface="ＭＳ Ｐゴシック" panose="020B0600070205080204" pitchFamily="34" charset="-128"/>
+              </a:rPr>
+              <a:t> += 5</a:t>
+            </a:r>
+          </a:p>
+          <a:p>
+            <a:pPr marL="0" indent="0">
+              <a:buNone/>
+            </a:pPr>
+            <a:r>
+              <a:rPr lang="en-US" altLang="en-US" sz="1800" dirty="0">
+                <a:latin typeface="INCONSOLATA" panose="020B0609030003000000" pitchFamily="49" charset="77"/>
+                <a:ea typeface="ＭＳ Ｐゴシック" panose="020B0600070205080204" pitchFamily="34" charset="-128"/>
+              </a:rPr>
+              <a:t>        </a:t>
+            </a:r>
+          </a:p>
+          <a:p>
+            <a:pPr marL="0" indent="0">
+              <a:buNone/>
+            </a:pPr>
+            <a:endParaRPr lang="en-US" altLang="en-US" sz="1800" dirty="0">
+              <a:latin typeface="INCONSOLATA" panose="020B0609030003000000" pitchFamily="49" charset="77"/>
+              <a:ea typeface="ＭＳ Ｐゴシック" panose="020B0600070205080204" pitchFamily="34" charset="-128"/>
+            </a:endParaRPr>
+          </a:p>
+        </p:txBody>
+      </p:sp>
+      <p:sp>
+        <p:nvSpPr>
+          <p:cNvPr id="2" name="TextBox 1">
+            <a:extLst>
+              <a:ext uri="{FF2B5EF4-FFF2-40B4-BE49-F238E27FC236}">
+                <a16:creationId xmlns:a16="http://schemas.microsoft.com/office/drawing/2014/main" id="{C360779D-4CA6-E54E-AF40-CFF286ECEDB6}"/>
+              </a:ext>
+            </a:extLst>
+          </p:cNvPr>
+          <p:cNvSpPr txBox="1"/>
+          <p:nvPr/>
+        </p:nvSpPr>
+        <p:spPr>
+          <a:xfrm>
+            <a:off x="2123600" y="42248"/>
+            <a:ext cx="4244239" cy="400110"/>
+          </a:xfrm>
+          <a:prstGeom prst="rect">
+            <a:avLst/>
+          </a:prstGeom>
+          <a:noFill/>
+        </p:spPr>
+        <p:txBody>
+          <a:bodyPr wrap="none" rtlCol="0">
+            <a:spAutoFit/>
+          </a:bodyPr>
+          <a:lstStyle/>
+          <a:p>
+            <a:r>
+              <a:rPr lang="en-US" sz="2000" dirty="0">
+                <a:solidFill>
+                  <a:schemeClr val="accent1"/>
+                </a:solidFill>
+              </a:rPr>
+              <a:t>Animation only takes five lines of code!</a:t>
+            </a:r>
+          </a:p>
+        </p:txBody>
+      </p:sp>
+      <p:sp>
+        <p:nvSpPr>
+          <p:cNvPr id="7" name="TextBox 6">
+            <a:extLst>
+              <a:ext uri="{FF2B5EF4-FFF2-40B4-BE49-F238E27FC236}">
+                <a16:creationId xmlns:a16="http://schemas.microsoft.com/office/drawing/2014/main" id="{FCD9C15D-1329-1444-B6C2-5E444C159CB2}"/>
+              </a:ext>
+            </a:extLst>
+          </p:cNvPr>
+          <p:cNvSpPr txBox="1"/>
+          <p:nvPr/>
+        </p:nvSpPr>
+        <p:spPr>
+          <a:xfrm>
+            <a:off x="3194613" y="376634"/>
+            <a:ext cx="6230552" cy="923330"/>
+          </a:xfrm>
+          <a:prstGeom prst="rect">
+            <a:avLst/>
+          </a:prstGeom>
+          <a:noFill/>
+        </p:spPr>
+        <p:txBody>
+          <a:bodyPr wrap="none" rtlCol="0">
+            <a:spAutoFit/>
+          </a:bodyPr>
+          <a:lstStyle/>
+          <a:p>
+            <a:r>
+              <a:rPr lang="en-US" sz="1800" b="1" dirty="0">
+                <a:solidFill>
+                  <a:schemeClr val="accent1"/>
+                </a:solidFill>
+              </a:rPr>
+              <a:t>When declaring/initializing a global variable that is used </a:t>
+            </a:r>
+          </a:p>
+          <a:p>
+            <a:r>
+              <a:rPr lang="en-US" sz="1800" b="1" dirty="0">
+                <a:solidFill>
+                  <a:schemeClr val="accent1"/>
+                </a:solidFill>
+              </a:rPr>
+              <a:t>throughout the game, use self and the dot notation.</a:t>
+            </a:r>
+          </a:p>
+          <a:p>
+            <a:r>
+              <a:rPr lang="en-US" sz="1800" b="1" dirty="0">
+                <a:solidFill>
+                  <a:srgbClr val="FF0000"/>
+                </a:solidFill>
+              </a:rPr>
+              <a:t>WIDTH and HEIGHT are width/height of the window.</a:t>
+            </a:r>
+          </a:p>
+        </p:txBody>
+      </p:sp>
+      <p:cxnSp>
+        <p:nvCxnSpPr>
+          <p:cNvPr id="6" name="Straight Arrow Connector 5">
+            <a:extLst>
+              <a:ext uri="{FF2B5EF4-FFF2-40B4-BE49-F238E27FC236}">
+                <a16:creationId xmlns:a16="http://schemas.microsoft.com/office/drawing/2014/main" id="{2FF5D069-E1A9-3247-B4C1-70C074CCF398}"/>
+              </a:ext>
+            </a:extLst>
+          </p:cNvPr>
+          <p:cNvCxnSpPr>
+            <a:cxnSpLocks/>
+          </p:cNvCxnSpPr>
+          <p:nvPr/>
+        </p:nvCxnSpPr>
+        <p:spPr>
+          <a:xfrm flipH="1">
+            <a:off x="1781175" y="770734"/>
+            <a:ext cx="1233263" cy="880370"/>
+          </a:xfrm>
+          <a:prstGeom prst="straightConnector1">
+            <a:avLst/>
+          </a:prstGeom>
+          <a:ln w="31750">
+            <a:tailEnd type="triangle"/>
+          </a:ln>
+        </p:spPr>
+        <p:style>
+          <a:lnRef idx="1">
+            <a:schemeClr val="accent1"/>
+          </a:lnRef>
+          <a:fillRef idx="0">
+            <a:schemeClr val="accent1"/>
+          </a:fillRef>
+          <a:effectRef idx="0">
+            <a:schemeClr val="accent1"/>
+          </a:effectRef>
+          <a:fontRef idx="minor">
+            <a:schemeClr val="tx1"/>
+          </a:fontRef>
+        </p:style>
+      </p:cxnSp>
+      <p:cxnSp>
+        <p:nvCxnSpPr>
+          <p:cNvPr id="8" name="Straight Arrow Connector 7">
+            <a:extLst>
+              <a:ext uri="{FF2B5EF4-FFF2-40B4-BE49-F238E27FC236}">
+                <a16:creationId xmlns:a16="http://schemas.microsoft.com/office/drawing/2014/main" id="{8EE2341A-CED5-AE4D-92D5-CA2D03294ACA}"/>
+              </a:ext>
+            </a:extLst>
+          </p:cNvPr>
+          <p:cNvCxnSpPr>
+            <a:cxnSpLocks/>
+          </p:cNvCxnSpPr>
+          <p:nvPr/>
+        </p:nvCxnSpPr>
+        <p:spPr>
+          <a:xfrm flipH="1">
+            <a:off x="3194613" y="1210919"/>
+            <a:ext cx="1410724" cy="668130"/>
+          </a:xfrm>
+          <a:prstGeom prst="straightConnector1">
+            <a:avLst/>
+          </a:prstGeom>
+          <a:ln w="31750">
+            <a:tailEnd type="triangle"/>
+          </a:ln>
+        </p:spPr>
+        <p:style>
+          <a:lnRef idx="1">
+            <a:schemeClr val="accent1"/>
+          </a:lnRef>
+          <a:fillRef idx="0">
+            <a:schemeClr val="accent1"/>
+          </a:fillRef>
+          <a:effectRef idx="0">
+            <a:schemeClr val="accent1"/>
+          </a:effectRef>
+          <a:fontRef idx="minor">
+            <a:schemeClr val="tx1"/>
+          </a:fontRef>
+        </p:style>
+      </p:cxnSp>
+      <p:sp>
+        <p:nvSpPr>
+          <p:cNvPr id="9" name="TextBox 8">
+            <a:extLst>
+              <a:ext uri="{FF2B5EF4-FFF2-40B4-BE49-F238E27FC236}">
+                <a16:creationId xmlns:a16="http://schemas.microsoft.com/office/drawing/2014/main" id="{35CC8408-E93C-EB4D-BCE0-708761392E17}"/>
+              </a:ext>
+            </a:extLst>
+          </p:cNvPr>
+          <p:cNvSpPr txBox="1"/>
+          <p:nvPr/>
+        </p:nvSpPr>
+        <p:spPr>
+          <a:xfrm>
+            <a:off x="4138330" y="4938256"/>
+            <a:ext cx="4244239" cy="400110"/>
+          </a:xfrm>
+          <a:prstGeom prst="rect">
+            <a:avLst/>
+          </a:prstGeom>
+          <a:noFill/>
+        </p:spPr>
+        <p:txBody>
+          <a:bodyPr wrap="square" rtlCol="0">
+            <a:spAutoFit/>
+          </a:bodyPr>
+          <a:lstStyle/>
+          <a:p>
+            <a:r>
+              <a:rPr lang="en-US" sz="2000" dirty="0">
+                <a:solidFill>
+                  <a:schemeClr val="accent1"/>
+                </a:solidFill>
+              </a:rPr>
+              <a:t>move circle 5 pixels to the right</a:t>
+            </a:r>
+          </a:p>
+        </p:txBody>
+      </p:sp>
+      <p:cxnSp>
+        <p:nvCxnSpPr>
+          <p:cNvPr id="10" name="Straight Arrow Connector 9">
+            <a:extLst>
+              <a:ext uri="{FF2B5EF4-FFF2-40B4-BE49-F238E27FC236}">
+                <a16:creationId xmlns:a16="http://schemas.microsoft.com/office/drawing/2014/main" id="{45FCB104-5BCC-3048-9038-D14F4C9B439C}"/>
+              </a:ext>
+            </a:extLst>
+          </p:cNvPr>
+          <p:cNvCxnSpPr>
+            <a:cxnSpLocks/>
+            <a:stCxn id="9" idx="1"/>
+          </p:cNvCxnSpPr>
+          <p:nvPr/>
+        </p:nvCxnSpPr>
+        <p:spPr>
+          <a:xfrm flipH="1" flipV="1">
+            <a:off x="2588966" y="5045725"/>
+            <a:ext cx="1549364" cy="92586"/>
+          </a:xfrm>
+          <a:prstGeom prst="straightConnector1">
+            <a:avLst/>
+          </a:prstGeom>
+          <a:ln w="31750">
+            <a:tailEnd type="triangle"/>
+          </a:ln>
+        </p:spPr>
+        <p:style>
+          <a:lnRef idx="1">
+            <a:schemeClr val="accent1"/>
+          </a:lnRef>
+          <a:fillRef idx="0">
+            <a:schemeClr val="accent1"/>
+          </a:fillRef>
+          <a:effectRef idx="0">
+            <a:schemeClr val="accent1"/>
+          </a:effectRef>
+          <a:fontRef idx="minor">
+            <a:schemeClr val="tx1"/>
+          </a:fontRef>
+        </p:style>
+      </p:cxnSp>
+      <p:sp>
+        <p:nvSpPr>
+          <p:cNvPr id="13" name="TextBox 12">
+            <a:extLst>
+              <a:ext uri="{FF2B5EF4-FFF2-40B4-BE49-F238E27FC236}">
+                <a16:creationId xmlns:a16="http://schemas.microsoft.com/office/drawing/2014/main" id="{89954A57-FAD0-2145-9240-CC143305A109}"/>
+              </a:ext>
+            </a:extLst>
+          </p:cNvPr>
+          <p:cNvSpPr txBox="1"/>
+          <p:nvPr/>
+        </p:nvSpPr>
+        <p:spPr>
+          <a:xfrm>
+            <a:off x="4814035" y="3328757"/>
+            <a:ext cx="4244239" cy="400110"/>
+          </a:xfrm>
+          <a:prstGeom prst="rect">
+            <a:avLst/>
+          </a:prstGeom>
+          <a:noFill/>
+        </p:spPr>
+        <p:txBody>
+          <a:bodyPr wrap="square" rtlCol="0">
+            <a:spAutoFit/>
+          </a:bodyPr>
+          <a:lstStyle/>
+          <a:p>
+            <a:r>
+              <a:rPr lang="en-US" sz="2000" dirty="0">
+                <a:solidFill>
+                  <a:schemeClr val="accent1"/>
+                </a:solidFill>
+              </a:rPr>
+              <a:t>draw red circle at (</a:t>
+            </a:r>
+            <a:r>
+              <a:rPr lang="en-US" sz="2000" dirty="0" err="1">
+                <a:solidFill>
+                  <a:schemeClr val="accent1"/>
+                </a:solidFill>
+              </a:rPr>
+              <a:t>self.x</a:t>
+            </a:r>
+            <a:r>
+              <a:rPr lang="en-US" sz="2000" dirty="0">
+                <a:solidFill>
+                  <a:schemeClr val="accent1"/>
+                </a:solidFill>
+              </a:rPr>
+              <a:t>, </a:t>
+            </a:r>
+            <a:r>
+              <a:rPr lang="en-US" sz="2000" dirty="0" err="1">
+                <a:solidFill>
+                  <a:schemeClr val="accent1"/>
+                </a:solidFill>
+              </a:rPr>
+              <a:t>self.y</a:t>
+            </a:r>
+            <a:r>
+              <a:rPr lang="en-US" sz="2000" dirty="0">
+                <a:solidFill>
+                  <a:schemeClr val="accent1"/>
+                </a:solidFill>
+              </a:rPr>
+              <a:t>)</a:t>
+            </a:r>
+          </a:p>
+        </p:txBody>
+      </p:sp>
+      <p:cxnSp>
+        <p:nvCxnSpPr>
+          <p:cNvPr id="14" name="Straight Arrow Connector 13">
+            <a:extLst>
+              <a:ext uri="{FF2B5EF4-FFF2-40B4-BE49-F238E27FC236}">
+                <a16:creationId xmlns:a16="http://schemas.microsoft.com/office/drawing/2014/main" id="{B2A0D62D-1FB8-E449-88AE-FE32A1C9F275}"/>
+              </a:ext>
+            </a:extLst>
+          </p:cNvPr>
+          <p:cNvCxnSpPr>
+            <a:cxnSpLocks/>
+            <a:stCxn id="13" idx="1"/>
+          </p:cNvCxnSpPr>
+          <p:nvPr/>
+        </p:nvCxnSpPr>
+        <p:spPr>
+          <a:xfrm flipH="1">
+            <a:off x="3404212" y="3528812"/>
+            <a:ext cx="1409823" cy="80222"/>
+          </a:xfrm>
+          <a:prstGeom prst="straightConnector1">
+            <a:avLst/>
+          </a:prstGeom>
+          <a:ln w="31750">
+            <a:tailEnd type="triangle"/>
+          </a:ln>
+        </p:spPr>
+        <p:style>
+          <a:lnRef idx="1">
+            <a:schemeClr val="accent1"/>
+          </a:lnRef>
+          <a:fillRef idx="0">
+            <a:schemeClr val="accent1"/>
+          </a:fillRef>
+          <a:effectRef idx="0">
+            <a:schemeClr val="accent1"/>
+          </a:effectRef>
+          <a:fontRef idx="minor">
+            <a:schemeClr val="tx1"/>
+          </a:fontRef>
+        </p:style>
+      </p:cxnSp>
+    </p:spTree>
+    <p:extLst>
+      <p:ext uri="{BB962C8B-B14F-4D97-AF65-F5344CB8AC3E}">
+        <p14:creationId xmlns:p14="http://schemas.microsoft.com/office/powerpoint/2010/main" val="38565667"/>
+      </p:ext>
+    </p:extLst>
+  </p:cSld>
+  <p:clrMapOvr>
+    <a:masterClrMapping/>
+  </p:clrMapOvr>
+  <p:transition/>
+  <p:timing>
+    <p:tnLst>
+      <p:par>
+        <p:cTn id="1" dur="indefinite" restart="never" nodeType="tmRoot">
+          <p:childTnLst>
+            <p:seq concurrent="1" nextAc="seek">
+              <p:cTn id="2" dur="indefinite" nodeType="mainSeq">
+                <p:childTnLst>
+                  <p:par>
+                    <p:cTn id="3" fill="hold">
+                      <p:stCondLst>
+                        <p:cond delay="indefinite"/>
+                      </p:stCondLst>
+                      <p:childTnLst>
+                        <p:par>
+                          <p:cTn id="4" fill="hold">
+                            <p:stCondLst>
+                              <p:cond delay="0"/>
+                            </p:stCondLst>
+                            <p:childTnLst>
+                              <p:par>
+                                <p:cTn id="5" presetID="1" presetClass="entr" presetSubtype="0" fill="hold" grpId="0" nodeType="clickEffect">
+                                  <p:stCondLst>
+                                    <p:cond delay="0"/>
+                                  </p:stCondLst>
+                                  <p:childTnLst>
+                                    <p:set>
+                                      <p:cBhvr>
+                                        <p:cTn id="6" dur="1" fill="hold">
+                                          <p:stCondLst>
+                                            <p:cond delay="0"/>
+                                          </p:stCondLst>
+                                        </p:cTn>
+                                        <p:tgtEl>
+                                          <p:spTgt spid="2"/>
+                                        </p:tgtEl>
+                                        <p:attrNameLst>
+                                          <p:attrName>style.visibility</p:attrName>
+                                        </p:attrNameLst>
+                                      </p:cBhvr>
+                                      <p:to>
+                                        <p:strVal val="visible"/>
+                                      </p:to>
+                                    </p:set>
+                                  </p:childTnLst>
+                                </p:cTn>
+                              </p:par>
+                              <p:par>
+                                <p:cTn id="7" presetID="1" presetClass="entr" presetSubtype="0" fill="hold" nodeType="withEffect">
+                                  <p:stCondLst>
+                                    <p:cond delay="0"/>
+                                  </p:stCondLst>
+                                  <p:childTnLst>
+                                    <p:set>
+                                      <p:cBhvr>
+                                        <p:cTn id="8" dur="1" fill="hold">
+                                          <p:stCondLst>
+                                            <p:cond delay="0"/>
+                                          </p:stCondLst>
+                                        </p:cTn>
+                                        <p:tgtEl>
+                                          <p:spTgt spid="6"/>
+                                        </p:tgtEl>
+                                        <p:attrNameLst>
+                                          <p:attrName>style.visibility</p:attrName>
+                                        </p:attrNameLst>
+                                      </p:cBhvr>
+                                      <p:to>
+                                        <p:strVal val="visible"/>
+                                      </p:to>
+                                    </p:set>
+                                  </p:childTnLst>
+                                </p:cTn>
+                              </p:par>
+                              <p:par>
+                                <p:cTn id="9" presetID="1" presetClass="entr" presetSubtype="0" fill="hold" nodeType="withEffect">
+                                  <p:stCondLst>
+                                    <p:cond delay="0"/>
+                                  </p:stCondLst>
+                                  <p:childTnLst>
+                                    <p:set>
+                                      <p:cBhvr>
+                                        <p:cTn id="10" dur="1" fill="hold">
+                                          <p:stCondLst>
+                                            <p:cond delay="0"/>
+                                          </p:stCondLst>
+                                        </p:cTn>
+                                        <p:tgtEl>
+                                          <p:spTgt spid="8"/>
+                                        </p:tgtEl>
+                                        <p:attrNameLst>
+                                          <p:attrName>style.visibility</p:attrName>
+                                        </p:attrNameLst>
+                                      </p:cBhvr>
+                                      <p:to>
+                                        <p:strVal val="visible"/>
+                                      </p:to>
+                                    </p:set>
+                                  </p:childTnLst>
+                                </p:cTn>
+                              </p:par>
+                              <p:par>
+                                <p:cTn id="11" presetID="1" presetClass="entr" presetSubtype="0" fill="hold" grpId="0" nodeType="withEffect">
+                                  <p:stCondLst>
+                                    <p:cond delay="0"/>
+                                  </p:stCondLst>
+                                  <p:childTnLst>
+                                    <p:set>
+                                      <p:cBhvr>
+                                        <p:cTn id="12" dur="1" fill="hold">
+                                          <p:stCondLst>
+                                            <p:cond delay="0"/>
+                                          </p:stCondLst>
+                                        </p:cTn>
+                                        <p:tgtEl>
+                                          <p:spTgt spid="7"/>
+                                        </p:tgtEl>
+                                        <p:attrNameLst>
+                                          <p:attrName>style.visibility</p:attrName>
+                                        </p:attrNameLst>
+                                      </p:cBhvr>
+                                      <p:to>
+                                        <p:strVal val="visible"/>
+                                      </p:to>
+                                    </p:set>
+                                  </p:childTnLst>
+                                </p:cTn>
+                              </p:par>
+                            </p:childTnLst>
+                          </p:cTn>
+                        </p:par>
+                      </p:childTnLst>
+                    </p:cTn>
+                  </p:par>
+                  <p:par>
+                    <p:cTn id="13" fill="hold">
+                      <p:stCondLst>
+                        <p:cond delay="indefinite"/>
+                      </p:stCondLst>
+                      <p:childTnLst>
+                        <p:par>
+                          <p:cTn id="14" fill="hold">
+                            <p:stCondLst>
+                              <p:cond delay="0"/>
+                            </p:stCondLst>
+                            <p:childTnLst>
+                              <p:par>
+                                <p:cTn id="15" presetID="1" presetClass="entr" presetSubtype="0" fill="hold" nodeType="clickEffect">
+                                  <p:stCondLst>
+                                    <p:cond delay="0"/>
+                                  </p:stCondLst>
+                                  <p:childTnLst>
+                                    <p:set>
+                                      <p:cBhvr>
+                                        <p:cTn id="16" dur="1" fill="hold">
+                                          <p:stCondLst>
+                                            <p:cond delay="0"/>
+                                          </p:stCondLst>
+                                        </p:cTn>
+                                        <p:tgtEl>
+                                          <p:spTgt spid="14"/>
+                                        </p:tgtEl>
+                                        <p:attrNameLst>
+                                          <p:attrName>style.visibility</p:attrName>
+                                        </p:attrNameLst>
+                                      </p:cBhvr>
+                                      <p:to>
+                                        <p:strVal val="visible"/>
+                                      </p:to>
+                                    </p:set>
+                                  </p:childTnLst>
+                                </p:cTn>
+                              </p:par>
+                              <p:par>
+                                <p:cTn id="17" presetID="1" presetClass="entr" presetSubtype="0" fill="hold" grpId="0" nodeType="withEffect">
+                                  <p:stCondLst>
+                                    <p:cond delay="0"/>
+                                  </p:stCondLst>
+                                  <p:childTnLst>
+                                    <p:set>
+                                      <p:cBhvr>
+                                        <p:cTn id="18" dur="1" fill="hold">
+                                          <p:stCondLst>
+                                            <p:cond delay="0"/>
+                                          </p:stCondLst>
+                                        </p:cTn>
+                                        <p:tgtEl>
+                                          <p:spTgt spid="13"/>
+                                        </p:tgtEl>
+                                        <p:attrNameLst>
+                                          <p:attrName>style.visibility</p:attrName>
+                                        </p:attrNameLst>
+                                      </p:cBhvr>
+                                      <p:to>
+                                        <p:strVal val="visible"/>
+                                      </p:to>
+                                    </p:set>
+                                  </p:childTnLst>
+                                </p:cTn>
+                              </p:par>
+                            </p:childTnLst>
+                          </p:cTn>
+                        </p:par>
+                      </p:childTnLst>
+                    </p:cTn>
+                  </p:par>
+                  <p:par>
+                    <p:cTn id="19" fill="hold">
+                      <p:stCondLst>
+                        <p:cond delay="indefinite"/>
+                      </p:stCondLst>
+                      <p:childTnLst>
+                        <p:par>
+                          <p:cTn id="20" fill="hold">
+                            <p:stCondLst>
+                              <p:cond delay="0"/>
+                            </p:stCondLst>
+                            <p:childTnLst>
+                              <p:par>
+                                <p:cTn id="21" presetID="1" presetClass="entr" presetSubtype="0" fill="hold" grpId="0" nodeType="clickEffect">
+                                  <p:stCondLst>
+                                    <p:cond delay="0"/>
+                                  </p:stCondLst>
+                                  <p:childTnLst>
+                                    <p:set>
+                                      <p:cBhvr>
+                                        <p:cTn id="22" dur="1" fill="hold">
+                                          <p:stCondLst>
+                                            <p:cond delay="0"/>
+                                          </p:stCondLst>
+                                        </p:cTn>
+                                        <p:tgtEl>
+                                          <p:spTgt spid="9"/>
+                                        </p:tgtEl>
+                                        <p:attrNameLst>
+                                          <p:attrName>style.visibility</p:attrName>
+                                        </p:attrNameLst>
+                                      </p:cBhvr>
+                                      <p:to>
+                                        <p:strVal val="visible"/>
+                                      </p:to>
+                                    </p:set>
+                                  </p:childTnLst>
+                                </p:cTn>
+                              </p:par>
+                              <p:par>
+                                <p:cTn id="23" presetID="1" presetClass="entr" presetSubtype="0" fill="hold" nodeType="withEffect">
+                                  <p:stCondLst>
+                                    <p:cond delay="0"/>
+                                  </p:stCondLst>
+                                  <p:childTnLst>
+                                    <p:set>
+                                      <p:cBhvr>
+                                        <p:cTn id="24" dur="1" fill="hold">
+                                          <p:stCondLst>
+                                            <p:cond delay="0"/>
+                                          </p:stCondLst>
+                                        </p:cTn>
+                                        <p:tgtEl>
+                                          <p:spTgt spid="10"/>
+                                        </p:tgtEl>
+                                        <p:attrNameLst>
+                                          <p:attrName>style.visibility</p:attrName>
+                                        </p:attrNameLst>
+                                      </p:cBhvr>
+                                      <p:to>
+                                        <p:strVal val="visible"/>
+                                      </p:to>
+                                    </p:set>
+                                  </p:childTnLst>
+                                </p:cTn>
+                              </p:par>
+                            </p:childTnLst>
+                          </p:cTn>
+                        </p:par>
+                      </p:childTnLst>
+                    </p:cTn>
+                  </p:par>
+                </p:childTnLst>
+              </p:cTn>
+              <p:prevCondLst>
+                <p:cond evt="onPrev" delay="0">
+                  <p:tgtEl>
+                    <p:sldTgt/>
+                  </p:tgtEl>
+                </p:cond>
+              </p:prevCondLst>
+              <p:nextCondLst>
+                <p:cond evt="onNext" delay="0">
+                  <p:tgtEl>
+                    <p:sldTgt/>
+                  </p:tgtEl>
+                </p:cond>
+              </p:nextCondLst>
+            </p:seq>
+          </p:childTnLst>
+        </p:cTn>
+      </p:par>
+    </p:tnLst>
+    <p:bldLst>
+      <p:bldP spid="2" grpId="0"/>
+      <p:bldP spid="7" grpId="0"/>
+      <p:bldP spid="9" grpId="0"/>
+      <p:bldP spid="13" grpId="0"/>
+    </p:bldLst>
+  </p:timing>
+</p:sld>
+</file>
+
+<file path=ppt/slides/slide8.xml><?xml version="1.0" encoding="utf-8"?>
+<p:sld xmlns:a="http://schemas.openxmlformats.org/drawingml/2006/main" xmlns:r="http://schemas.openxmlformats.org/officeDocument/2006/relationships" xmlns:p="http://schemas.openxmlformats.org/presentationml/2006/main">
+  <p:cSld>
+    <p:spTree>
+      <p:nvGrpSpPr>
+        <p:cNvPr id="1" name=""/>
+        <p:cNvGrpSpPr/>
+        <p:nvPr/>
+      </p:nvGrpSpPr>
+      <p:grpSpPr>
+        <a:xfrm>
+          <a:off x="0" y="0"/>
+          <a:ext cx="0" cy="0"/>
+          <a:chOff x="0" y="0"/>
+          <a:chExt cx="0" cy="0"/>
+        </a:xfrm>
+      </p:grpSpPr>
+      <p:sp>
+        <p:nvSpPr>
           <p:cNvPr id="20482" name="Rectangle 2">
             <a:extLst>
               <a:ext uri="{FF2B5EF4-FFF2-40B4-BE49-F238E27FC236}">
@@ -19373,7 +22922,7 @@
 </p:sld>
 </file>
 
-<file path=ppt/slides/slide7.xml><?xml version="1.0" encoding="utf-8"?>
+<file path=ppt/slides/slide9.xml><?xml version="1.0" encoding="utf-8"?>
 <p:sld xmlns:a="http://schemas.openxmlformats.org/drawingml/2006/main" xmlns:r="http://schemas.openxmlformats.org/officeDocument/2006/relationships" xmlns:p="http://schemas.openxmlformats.org/presentationml/2006/main">
   <p:cSld>
     <p:spTree>
@@ -19663,1489 +23212,6 @@
         </p:cTn>
       </p:par>
     </p:tnLst>
-  </p:timing>
-</p:sld>
-</file>
-
-<file path=ppt/slides/slide8.xml><?xml version="1.0" encoding="utf-8"?>
-<p:sld xmlns:a="http://schemas.openxmlformats.org/drawingml/2006/main" xmlns:r="http://schemas.openxmlformats.org/officeDocument/2006/relationships" xmlns:p="http://schemas.openxmlformats.org/presentationml/2006/main">
-  <p:cSld>
-    <p:spTree>
-      <p:nvGrpSpPr>
-        <p:cNvPr id="1" name=""/>
-        <p:cNvGrpSpPr/>
-        <p:nvPr/>
-      </p:nvGrpSpPr>
-      <p:grpSpPr>
-        <a:xfrm>
-          <a:off x="0" y="0"/>
-          <a:ext cx="0" cy="0"/>
-          <a:chOff x="0" y="0"/>
-          <a:chExt cx="0" cy="0"/>
-        </a:xfrm>
-      </p:grpSpPr>
-      <p:sp>
-        <p:nvSpPr>
-          <p:cNvPr id="20482" name="Rectangle 2">
-            <a:extLst>
-              <a:ext uri="{FF2B5EF4-FFF2-40B4-BE49-F238E27FC236}">
-                <a16:creationId xmlns:a16="http://schemas.microsoft.com/office/drawing/2014/main" id="{73D160BB-46FA-B540-AB72-FF988D3E48D4}"/>
-              </a:ext>
-            </a:extLst>
-          </p:cNvPr>
-          <p:cNvSpPr>
-            <a:spLocks noGrp="1" noChangeArrowheads="1"/>
-          </p:cNvSpPr>
-          <p:nvPr>
-            <p:ph type="title" idx="4294967295"/>
-          </p:nvPr>
-        </p:nvSpPr>
-        <p:spPr>
-          <a:xfrm>
-            <a:off x="189427" y="100584"/>
-            <a:ext cx="8630723" cy="531468"/>
-          </a:xfrm>
-        </p:spPr>
-        <p:txBody>
-          <a:bodyPr vert="horz" lIns="0" tIns="45720" rIns="0" bIns="0" rtlCol="0" anchor="b">
-            <a:normAutofit/>
-          </a:bodyPr>
-          <a:lstStyle/>
-          <a:p>
-            <a:pPr eaLnBrk="1" hangingPunct="1">
-              <a:defRPr/>
-            </a:pPr>
-            <a:r>
-              <a:rPr lang="en-US" dirty="0">
-                <a:latin typeface="Courier New" charset="0"/>
-                <a:cs typeface="+mj-cs"/>
-              </a:rPr>
-              <a:t>Some Methods for Drawing Shapes</a:t>
-            </a:r>
-          </a:p>
-        </p:txBody>
-      </p:sp>
-      <p:sp>
-        <p:nvSpPr>
-          <p:cNvPr id="20483" name="Rectangle 3">
-            <a:extLst>
-              <a:ext uri="{FF2B5EF4-FFF2-40B4-BE49-F238E27FC236}">
-                <a16:creationId xmlns:a16="http://schemas.microsoft.com/office/drawing/2014/main" id="{1BDDF6AF-7FBC-3849-B4A5-9D30ED403E3D}"/>
-              </a:ext>
-            </a:extLst>
-          </p:cNvPr>
-          <p:cNvSpPr>
-            <a:spLocks noGrp="1" noChangeArrowheads="1"/>
-          </p:cNvSpPr>
-          <p:nvPr>
-            <p:ph idx="4294967295"/>
-          </p:nvPr>
-        </p:nvSpPr>
-        <p:spPr>
-          <a:xfrm>
-            <a:off x="189427" y="723900"/>
-            <a:ext cx="8844845" cy="4890516"/>
-          </a:xfrm>
-        </p:spPr>
-        <p:txBody>
-          <a:bodyPr>
-            <a:noAutofit/>
-          </a:bodyPr>
-          <a:lstStyle/>
-          <a:p>
-            <a:pPr marL="0" indent="0">
-              <a:buNone/>
-              <a:defRPr/>
-            </a:pPr>
-            <a:endParaRPr lang="en-US" sz="2000" dirty="0">
-              <a:cs typeface="Tahoma"/>
-            </a:endParaRPr>
-          </a:p>
-          <a:p>
-            <a:pPr marL="0" indent="0" eaLnBrk="1" hangingPunct="1">
-              <a:buNone/>
-              <a:defRPr/>
-            </a:pPr>
-            <a:r>
-              <a:rPr lang="en-US" sz="2000" b="1" dirty="0">
-                <a:latin typeface="Courier New" charset="0"/>
-              </a:rPr>
-              <a:t>fill(r, g, b)</a:t>
-            </a:r>
-            <a:r>
-              <a:rPr lang="en-US" sz="2000" dirty="0">
-                <a:latin typeface="Courier New" charset="0"/>
-              </a:rPr>
-              <a:t>:</a:t>
-            </a:r>
-            <a:r>
-              <a:rPr lang="en-US" sz="2000" dirty="0">
-                <a:cs typeface="Tahoma"/>
-              </a:rPr>
-              <a:t>By calling fill BEFORE a shape will set the color of the shape. Call it again before drawing another shape to change color. </a:t>
-            </a:r>
-          </a:p>
-          <a:p>
-            <a:pPr marL="0" indent="0" eaLnBrk="1" hangingPunct="1">
-              <a:buNone/>
-              <a:defRPr/>
-            </a:pPr>
-            <a:endParaRPr lang="en-US" sz="2000" b="1" dirty="0">
-              <a:latin typeface="Courier New" charset="0"/>
-              <a:sym typeface="Wingdings"/>
-            </a:endParaRPr>
-          </a:p>
-          <a:p>
-            <a:pPr marL="0" indent="0" eaLnBrk="1" hangingPunct="1">
-              <a:buNone/>
-              <a:defRPr/>
-            </a:pPr>
-            <a:r>
-              <a:rPr lang="en-US" sz="2000" b="1" dirty="0">
-                <a:latin typeface="Courier New" charset="0"/>
-                <a:sym typeface="Wingdings"/>
-              </a:rPr>
-              <a:t>line(x1, y1, x2, y2):</a:t>
-            </a:r>
-            <a:r>
-              <a:rPr lang="en-US" sz="2000" dirty="0">
-                <a:sym typeface="Wingdings"/>
-              </a:rPr>
-              <a:t>draw line through (x1, y1) and (x2, y2).</a:t>
-            </a:r>
-          </a:p>
-          <a:p>
-            <a:pPr marL="0" indent="0" eaLnBrk="1" hangingPunct="1">
-              <a:buNone/>
-              <a:defRPr/>
-            </a:pPr>
-            <a:endParaRPr lang="en-US" sz="2000" b="1" dirty="0">
-              <a:latin typeface="Courier New" charset="0"/>
-              <a:sym typeface="Wingdings"/>
-            </a:endParaRPr>
-          </a:p>
-          <a:p>
-            <a:pPr marL="0" indent="0" eaLnBrk="1" hangingPunct="1">
-              <a:buNone/>
-              <a:defRPr/>
-            </a:pPr>
-            <a:r>
-              <a:rPr lang="en-US" sz="2000" b="1" dirty="0">
-                <a:latin typeface="Courier New" charset="0"/>
-                <a:sym typeface="Wingdings"/>
-              </a:rPr>
-              <a:t>ellipse(x, y, width, height):</a:t>
-            </a:r>
-            <a:r>
-              <a:rPr lang="en-US" sz="2000" dirty="0">
-                <a:cs typeface="Tahoma"/>
-                <a:sym typeface="Wingdings"/>
-              </a:rPr>
-              <a:t>center of ellipse is (x, y); width and height are the lengths of the axes.</a:t>
-            </a:r>
-          </a:p>
-          <a:p>
-            <a:pPr marL="0" indent="0" eaLnBrk="1" hangingPunct="1">
-              <a:buNone/>
-              <a:defRPr/>
-            </a:pPr>
-            <a:endParaRPr lang="en-US" sz="2000" b="1" dirty="0">
-              <a:latin typeface="Courier New" charset="0"/>
-            </a:endParaRPr>
-          </a:p>
-          <a:p>
-            <a:pPr marL="0" indent="0">
-              <a:buNone/>
-              <a:defRPr/>
-            </a:pPr>
-            <a:r>
-              <a:rPr lang="en-US" sz="2000" b="1" dirty="0" err="1">
-                <a:latin typeface="Courier New" charset="0"/>
-              </a:rPr>
-              <a:t>rect</a:t>
-            </a:r>
-            <a:r>
-              <a:rPr lang="en-US" sz="2000" b="1" dirty="0">
-                <a:latin typeface="Courier New" charset="0"/>
-                <a:sym typeface="Wingdings"/>
-              </a:rPr>
-              <a:t>(x, y, width, </a:t>
-            </a:r>
-            <a:r>
-              <a:rPr lang="en-US" sz="2000" b="1" dirty="0" err="1">
-                <a:latin typeface="Courier New" charset="0"/>
-                <a:sym typeface="Wingdings"/>
-              </a:rPr>
-              <a:t>height</a:t>
-            </a:r>
-            <a:r>
-              <a:rPr lang="en-US" sz="2000" dirty="0" err="1">
-                <a:latin typeface="Courier New" charset="0"/>
-                <a:sym typeface="Wingdings"/>
-              </a:rPr>
-              <a:t>:</a:t>
-            </a:r>
-            <a:r>
-              <a:rPr lang="en-US" sz="2000" dirty="0" err="1">
-                <a:cs typeface="Tahoma"/>
-                <a:sym typeface="Wingdings"/>
-              </a:rPr>
-              <a:t>center</a:t>
-            </a:r>
-            <a:r>
-              <a:rPr lang="en-US" sz="2000" dirty="0">
-                <a:cs typeface="Tahoma"/>
-                <a:sym typeface="Wingdings"/>
-              </a:rPr>
-              <a:t> of the rectangle is (</a:t>
-            </a:r>
-            <a:r>
-              <a:rPr lang="en-US" sz="2000" dirty="0" err="1">
-                <a:cs typeface="Tahoma"/>
-                <a:sym typeface="Wingdings"/>
-              </a:rPr>
-              <a:t>x,y</a:t>
-            </a:r>
-            <a:r>
-              <a:rPr lang="en-US" sz="2000" dirty="0">
-                <a:cs typeface="Tahoma"/>
-                <a:sym typeface="Wingdings"/>
-              </a:rPr>
-              <a:t>)</a:t>
-            </a:r>
-          </a:p>
-          <a:p>
-            <a:pPr marL="0" indent="0">
-              <a:buNone/>
-              <a:defRPr/>
-            </a:pPr>
-            <a:endParaRPr lang="en-US" sz="2000" dirty="0">
-              <a:latin typeface="Courier New" charset="0"/>
-            </a:endParaRPr>
-          </a:p>
-          <a:p>
-            <a:pPr eaLnBrk="1" hangingPunct="1">
-              <a:defRPr/>
-            </a:pPr>
-            <a:endParaRPr lang="en-US" sz="2000" dirty="0">
-              <a:latin typeface="Courier New" charset="0"/>
-            </a:endParaRPr>
-          </a:p>
-          <a:p>
-            <a:pPr marL="0" indent="0">
-              <a:buNone/>
-              <a:defRPr/>
-            </a:pPr>
-            <a:r>
-              <a:rPr lang="en-US" sz="2000" dirty="0">
-                <a:latin typeface="Courier New" charset="0"/>
-              </a:rPr>
-              <a:t> </a:t>
-            </a:r>
-          </a:p>
-          <a:p>
-            <a:pPr marL="0" indent="0">
-              <a:buNone/>
-              <a:defRPr/>
-            </a:pPr>
-            <a:endParaRPr lang="en-US" sz="2000" dirty="0">
-              <a:latin typeface="Courier New" charset="0"/>
-            </a:endParaRPr>
-          </a:p>
-        </p:txBody>
-      </p:sp>
-    </p:spTree>
-    <p:extLst>
-      <p:ext uri="{BB962C8B-B14F-4D97-AF65-F5344CB8AC3E}">
-        <p14:creationId xmlns:p14="http://schemas.microsoft.com/office/powerpoint/2010/main" val="3170541048"/>
-      </p:ext>
-    </p:extLst>
-  </p:cSld>
-  <p:clrMapOvr>
-    <a:masterClrMapping/>
-  </p:clrMapOvr>
-  <p:transition/>
-  <p:timing>
-    <p:tnLst>
-      <p:par>
-        <p:cTn id="1" dur="indefinite" restart="never" nodeType="tmRoot">
-          <p:childTnLst>
-            <p:seq concurrent="1" nextAc="seek">
-              <p:cTn id="2" dur="indefinite" nodeType="mainSeq">
-                <p:childTnLst>
-                  <p:par>
-                    <p:cTn id="3" fill="hold">
-                      <p:stCondLst>
-                        <p:cond delay="indefinite"/>
-                      </p:stCondLst>
-                      <p:childTnLst>
-                        <p:par>
-                          <p:cTn id="4" fill="hold">
-                            <p:stCondLst>
-                              <p:cond delay="0"/>
-                            </p:stCondLst>
-                            <p:childTnLst>
-                              <p:par>
-                                <p:cTn id="5" presetID="1" presetClass="entr" presetSubtype="0" fill="hold" nodeType="clickEffect">
-                                  <p:stCondLst>
-                                    <p:cond delay="0"/>
-                                  </p:stCondLst>
-                                  <p:childTnLst>
-                                    <p:set>
-                                      <p:cBhvr>
-                                        <p:cTn id="6" dur="1" fill="hold">
-                                          <p:stCondLst>
-                                            <p:cond delay="0"/>
-                                          </p:stCondLst>
-                                        </p:cTn>
-                                        <p:tgtEl>
-                                          <p:spTgt spid="20483">
-                                            <p:txEl>
-                                              <p:pRg st="3" end="3"/>
-                                            </p:txEl>
-                                          </p:spTgt>
-                                        </p:tgtEl>
-                                        <p:attrNameLst>
-                                          <p:attrName>style.visibility</p:attrName>
-                                        </p:attrNameLst>
-                                      </p:cBhvr>
-                                      <p:to>
-                                        <p:strVal val="visible"/>
-                                      </p:to>
-                                    </p:set>
-                                  </p:childTnLst>
-                                </p:cTn>
-                              </p:par>
-                            </p:childTnLst>
-                          </p:cTn>
-                        </p:par>
-                      </p:childTnLst>
-                    </p:cTn>
-                  </p:par>
-                  <p:par>
-                    <p:cTn id="7" fill="hold">
-                      <p:stCondLst>
-                        <p:cond delay="indefinite"/>
-                      </p:stCondLst>
-                      <p:childTnLst>
-                        <p:par>
-                          <p:cTn id="8" fill="hold">
-                            <p:stCondLst>
-                              <p:cond delay="0"/>
-                            </p:stCondLst>
-                            <p:childTnLst>
-                              <p:par>
-                                <p:cTn id="9" presetID="1" presetClass="entr" presetSubtype="0" fill="hold" nodeType="clickEffect">
-                                  <p:stCondLst>
-                                    <p:cond delay="0"/>
-                                  </p:stCondLst>
-                                  <p:childTnLst>
-                                    <p:set>
-                                      <p:cBhvr>
-                                        <p:cTn id="10" dur="1" fill="hold">
-                                          <p:stCondLst>
-                                            <p:cond delay="0"/>
-                                          </p:stCondLst>
-                                        </p:cTn>
-                                        <p:tgtEl>
-                                          <p:spTgt spid="20483">
-                                            <p:txEl>
-                                              <p:pRg st="5" end="5"/>
-                                            </p:txEl>
-                                          </p:spTgt>
-                                        </p:tgtEl>
-                                        <p:attrNameLst>
-                                          <p:attrName>style.visibility</p:attrName>
-                                        </p:attrNameLst>
-                                      </p:cBhvr>
-                                      <p:to>
-                                        <p:strVal val="visible"/>
-                                      </p:to>
-                                    </p:set>
-                                  </p:childTnLst>
-                                </p:cTn>
-                              </p:par>
-                            </p:childTnLst>
-                          </p:cTn>
-                        </p:par>
-                      </p:childTnLst>
-                    </p:cTn>
-                  </p:par>
-                  <p:par>
-                    <p:cTn id="11" fill="hold">
-                      <p:stCondLst>
-                        <p:cond delay="indefinite"/>
-                      </p:stCondLst>
-                      <p:childTnLst>
-                        <p:par>
-                          <p:cTn id="12" fill="hold">
-                            <p:stCondLst>
-                              <p:cond delay="0"/>
-                            </p:stCondLst>
-                            <p:childTnLst>
-                              <p:par>
-                                <p:cTn id="13" presetID="1" presetClass="entr" presetSubtype="0" fill="hold" nodeType="clickEffect">
-                                  <p:stCondLst>
-                                    <p:cond delay="0"/>
-                                  </p:stCondLst>
-                                  <p:childTnLst>
-                                    <p:set>
-                                      <p:cBhvr>
-                                        <p:cTn id="14" dur="1" fill="hold">
-                                          <p:stCondLst>
-                                            <p:cond delay="0"/>
-                                          </p:stCondLst>
-                                        </p:cTn>
-                                        <p:tgtEl>
-                                          <p:spTgt spid="20483">
-                                            <p:txEl>
-                                              <p:pRg st="7" end="7"/>
-                                            </p:txEl>
-                                          </p:spTgt>
-                                        </p:tgtEl>
-                                        <p:attrNameLst>
-                                          <p:attrName>style.visibility</p:attrName>
-                                        </p:attrNameLst>
-                                      </p:cBhvr>
-                                      <p:to>
-                                        <p:strVal val="visible"/>
-                                      </p:to>
-                                    </p:set>
-                                  </p:childTnLst>
-                                </p:cTn>
-                              </p:par>
-                            </p:childTnLst>
-                          </p:cTn>
-                        </p:par>
-                      </p:childTnLst>
-                    </p:cTn>
-                  </p:par>
-                </p:childTnLst>
-              </p:cTn>
-              <p:prevCondLst>
-                <p:cond evt="onPrev" delay="0">
-                  <p:tgtEl>
-                    <p:sldTgt/>
-                  </p:tgtEl>
-                </p:cond>
-              </p:prevCondLst>
-              <p:nextCondLst>
-                <p:cond evt="onNext" delay="0">
-                  <p:tgtEl>
-                    <p:sldTgt/>
-                  </p:tgtEl>
-                </p:cond>
-              </p:nextCondLst>
-            </p:seq>
-          </p:childTnLst>
-        </p:cTn>
-      </p:par>
-    </p:tnLst>
-  </p:timing>
-</p:sld>
-</file>
-
-<file path=ppt/slides/slide9.xml><?xml version="1.0" encoding="utf-8"?>
-<p:sld xmlns:a="http://schemas.openxmlformats.org/drawingml/2006/main" xmlns:r="http://schemas.openxmlformats.org/officeDocument/2006/relationships" xmlns:p="http://schemas.openxmlformats.org/presentationml/2006/main">
-  <p:cSld>
-    <p:spTree>
-      <p:nvGrpSpPr>
-        <p:cNvPr id="1" name=""/>
-        <p:cNvGrpSpPr/>
-        <p:nvPr/>
-      </p:nvGrpSpPr>
-      <p:grpSpPr>
-        <a:xfrm>
-          <a:off x="0" y="0"/>
-          <a:ext cx="0" cy="0"/>
-          <a:chOff x="0" y="0"/>
-          <a:chExt cx="0" cy="0"/>
-        </a:xfrm>
-      </p:grpSpPr>
-      <p:sp>
-        <p:nvSpPr>
-          <p:cNvPr id="35841" name="Rectangle 2">
-            <a:extLst>
-              <a:ext uri="{FF2B5EF4-FFF2-40B4-BE49-F238E27FC236}">
-                <a16:creationId xmlns:a16="http://schemas.microsoft.com/office/drawing/2014/main" id="{09D8876C-8F7A-C748-966B-672B36C17545}"/>
-              </a:ext>
-            </a:extLst>
-          </p:cNvPr>
-          <p:cNvSpPr>
-            <a:spLocks noGrp="1" noChangeArrowheads="1"/>
-          </p:cNvSpPr>
-          <p:nvPr>
-            <p:ph type="title"/>
-          </p:nvPr>
-        </p:nvSpPr>
-        <p:spPr>
-          <a:xfrm>
-            <a:off x="152400" y="19843"/>
-            <a:ext cx="7848600" cy="713582"/>
-          </a:xfrm>
-        </p:spPr>
-        <p:txBody>
-          <a:bodyPr/>
-          <a:lstStyle/>
-          <a:p>
-            <a:pPr eaLnBrk="1" hangingPunct="1"/>
-            <a:r>
-              <a:rPr lang="en-US" altLang="en-US" dirty="0" err="1">
-                <a:ea typeface="ＭＳ Ｐゴシック" panose="020B0600070205080204" pitchFamily="34" charset="-128"/>
-              </a:rPr>
-              <a:t>game.py</a:t>
-            </a:r>
-            <a:endParaRPr lang="en-US" altLang="en-US" dirty="0">
-              <a:ea typeface="ＭＳ Ｐゴシック" panose="020B0600070205080204" pitchFamily="34" charset="-128"/>
-            </a:endParaRPr>
-          </a:p>
-        </p:txBody>
-      </p:sp>
-      <p:sp>
-        <p:nvSpPr>
-          <p:cNvPr id="35842" name="Rectangle 3">
-            <a:extLst>
-              <a:ext uri="{FF2B5EF4-FFF2-40B4-BE49-F238E27FC236}">
-                <a16:creationId xmlns:a16="http://schemas.microsoft.com/office/drawing/2014/main" id="{C94BCA01-D831-ED4D-84FD-C30E8117F872}"/>
-              </a:ext>
-            </a:extLst>
-          </p:cNvPr>
-          <p:cNvSpPr>
-            <a:spLocks noGrp="1" noChangeArrowheads="1"/>
-          </p:cNvSpPr>
-          <p:nvPr>
-            <p:ph type="body" idx="1"/>
-          </p:nvPr>
-        </p:nvSpPr>
-        <p:spPr>
-          <a:xfrm>
-            <a:off x="152399" y="590551"/>
-            <a:ext cx="8905875" cy="5104606"/>
-          </a:xfrm>
-        </p:spPr>
-        <p:txBody>
-          <a:bodyPr>
-            <a:normAutofit/>
-          </a:bodyPr>
-          <a:lstStyle/>
-          <a:p>
-            <a:pPr marL="0" indent="0">
-              <a:buNone/>
-            </a:pPr>
-            <a:r>
-              <a:rPr lang="en-US" altLang="en-US" sz="1800" dirty="0">
-                <a:latin typeface="INCONSOLATA" panose="020B0609030003000000" pitchFamily="49" charset="77"/>
-                <a:ea typeface="ＭＳ Ｐゴシック" panose="020B0600070205080204" pitchFamily="34" charset="-128"/>
-              </a:rPr>
-              <a:t>class Window:    </a:t>
-            </a:r>
-          </a:p>
-          <a:p>
-            <a:pPr marL="0" indent="0">
-              <a:buNone/>
-            </a:pPr>
-            <a:r>
-              <a:rPr lang="en-US" altLang="en-US" sz="1800" dirty="0">
-                <a:solidFill>
-                  <a:srgbClr val="7030A0"/>
-                </a:solidFill>
-                <a:latin typeface="INCONSOLATA" panose="020B0609030003000000" pitchFamily="49" charset="77"/>
-                <a:ea typeface="ＭＳ Ｐゴシック" panose="020B0600070205080204" pitchFamily="34" charset="-128"/>
-              </a:rPr>
-              <a:t>    def __</a:t>
-            </a:r>
-            <a:r>
-              <a:rPr lang="en-US" altLang="en-US" sz="1800" dirty="0" err="1">
-                <a:solidFill>
-                  <a:srgbClr val="7030A0"/>
-                </a:solidFill>
-                <a:latin typeface="INCONSOLATA" panose="020B0609030003000000" pitchFamily="49" charset="77"/>
-                <a:ea typeface="ＭＳ Ｐゴシック" panose="020B0600070205080204" pitchFamily="34" charset="-128"/>
-              </a:rPr>
-              <a:t>init</a:t>
-            </a:r>
-            <a:r>
-              <a:rPr lang="en-US" altLang="en-US" sz="1800" dirty="0">
-                <a:solidFill>
-                  <a:srgbClr val="7030A0"/>
-                </a:solidFill>
-                <a:latin typeface="INCONSOLATA" panose="020B0609030003000000" pitchFamily="49" charset="77"/>
-                <a:ea typeface="ＭＳ Ｐゴシック" panose="020B0600070205080204" pitchFamily="34" charset="-128"/>
-              </a:rPr>
-              <a:t>__(self):</a:t>
-            </a:r>
-          </a:p>
-          <a:p>
-            <a:pPr marL="0" indent="0">
-              <a:buNone/>
-            </a:pPr>
-            <a:r>
-              <a:rPr lang="en-US" altLang="en-US" sz="1800" dirty="0">
-                <a:latin typeface="INCONSOLATA" panose="020B0609030003000000" pitchFamily="49" charset="77"/>
-                <a:ea typeface="ＭＳ Ｐゴシック" panose="020B0600070205080204" pitchFamily="34" charset="-128"/>
-              </a:rPr>
-              <a:t>		""" Declare/initialize all variables here."""</a:t>
-            </a:r>
-          </a:p>
-          <a:p>
-            <a:pPr marL="0" indent="0">
-              <a:buNone/>
-            </a:pPr>
-            <a:r>
-              <a:rPr lang="en-US" altLang="en-US" sz="1800" dirty="0">
-                <a:latin typeface="INCONSOLATA" panose="020B0609030003000000" pitchFamily="49" charset="77"/>
-                <a:ea typeface="ＭＳ Ｐゴシック" panose="020B0600070205080204" pitchFamily="34" charset="-128"/>
-              </a:rPr>
-              <a:t>	   pass</a:t>
-            </a:r>
-          </a:p>
-          <a:p>
-            <a:pPr marL="0" indent="0">
-              <a:buNone/>
-            </a:pPr>
-            <a:r>
-              <a:rPr lang="en-US" altLang="en-US" sz="1800" dirty="0">
-                <a:solidFill>
-                  <a:srgbClr val="7030A0"/>
-                </a:solidFill>
-                <a:latin typeface="INCONSOLATA" panose="020B0609030003000000" pitchFamily="49" charset="77"/>
-                <a:ea typeface="ＭＳ Ｐゴシック" panose="020B0600070205080204" pitchFamily="34" charset="-128"/>
-              </a:rPr>
-              <a:t>    def </a:t>
-            </a:r>
-            <a:r>
-              <a:rPr lang="en-US" altLang="en-US" sz="1800" dirty="0" err="1">
-                <a:solidFill>
-                  <a:srgbClr val="7030A0"/>
-                </a:solidFill>
-                <a:latin typeface="INCONSOLATA" panose="020B0609030003000000" pitchFamily="49" charset="77"/>
-                <a:ea typeface="ＭＳ Ｐゴシック" panose="020B0600070205080204" pitchFamily="34" charset="-128"/>
-              </a:rPr>
-              <a:t>on_draw</a:t>
-            </a:r>
-            <a:r>
-              <a:rPr lang="en-US" altLang="en-US" sz="1800" dirty="0">
-                <a:solidFill>
-                  <a:srgbClr val="7030A0"/>
-                </a:solidFill>
-                <a:latin typeface="INCONSOLATA" panose="020B0609030003000000" pitchFamily="49" charset="77"/>
-                <a:ea typeface="ＭＳ Ｐゴシック" panose="020B0600070205080204" pitchFamily="34" charset="-128"/>
-              </a:rPr>
-              <a:t>(self):</a:t>
-            </a:r>
-          </a:p>
-          <a:p>
-            <a:pPr marL="0" indent="0">
-              <a:buNone/>
-            </a:pPr>
-            <a:r>
-              <a:rPr lang="en-US" altLang="en-US" sz="1800" dirty="0">
-                <a:solidFill>
-                  <a:srgbClr val="7030A0"/>
-                </a:solidFill>
-                <a:latin typeface="INCONSOLATA" panose="020B0609030003000000" pitchFamily="49" charset="77"/>
-                <a:ea typeface="ＭＳ Ｐゴシック" panose="020B0600070205080204" pitchFamily="34" charset="-128"/>
-              </a:rPr>
-              <a:t>        """ Called automatically 60 times a second to draw all objects. </a:t>
-            </a:r>
-          </a:p>
-          <a:p>
-            <a:pPr marL="0" indent="0">
-              <a:buNone/>
-            </a:pPr>
-            <a:r>
-              <a:rPr lang="en-US" altLang="en-US" sz="1800" dirty="0">
-                <a:solidFill>
-                  <a:schemeClr val="accent1"/>
-                </a:solidFill>
-                <a:latin typeface="INCONSOLATA" panose="020B0609030003000000" pitchFamily="49" charset="77"/>
-                <a:ea typeface="ＭＳ Ｐゴシック" panose="020B0600070205080204" pitchFamily="34" charset="-128"/>
-              </a:rPr>
-              <a:t>        # draw red circle at (20, 25) diameter = 300 pixels</a:t>
-            </a:r>
-          </a:p>
-          <a:p>
-            <a:pPr marL="0" indent="0">
-              <a:buNone/>
-            </a:pPr>
-            <a:r>
-              <a:rPr lang="en-US" altLang="en-US" sz="1800" dirty="0">
-                <a:latin typeface="INCONSOLATA" panose="020B0609030003000000" pitchFamily="49" charset="77"/>
-                <a:ea typeface="ＭＳ Ｐゴシック" panose="020B0600070205080204" pitchFamily="34" charset="-128"/>
-              </a:rPr>
-              <a:t>	   fill(255, 0, 0) </a:t>
-            </a:r>
-            <a:endParaRPr lang="en-US" altLang="en-US" sz="1800" dirty="0">
-              <a:solidFill>
-                <a:srgbClr val="FF0000"/>
-              </a:solidFill>
-              <a:latin typeface="INCONSOLATA" panose="020B0609030003000000" pitchFamily="49" charset="77"/>
-              <a:ea typeface="ＭＳ Ｐゴシック" panose="020B0600070205080204" pitchFamily="34" charset="-128"/>
-            </a:endParaRPr>
-          </a:p>
-          <a:p>
-            <a:pPr marL="0" indent="0">
-              <a:buNone/>
-            </a:pPr>
-            <a:r>
-              <a:rPr lang="en-US" altLang="en-US" sz="1800" dirty="0">
-                <a:latin typeface="INCONSOLATA" panose="020B0609030003000000" pitchFamily="49" charset="77"/>
-                <a:ea typeface="ＭＳ Ｐゴシック" panose="020B0600070205080204" pitchFamily="34" charset="-128"/>
-              </a:rPr>
-              <a:t>         ellipse(20, 25, 300, 300) </a:t>
-            </a:r>
-          </a:p>
-          <a:p>
-            <a:pPr marL="0" indent="0">
-              <a:buNone/>
-            </a:pPr>
-            <a:r>
-              <a:rPr lang="en-US" altLang="en-US" sz="1800" dirty="0">
-                <a:solidFill>
-                  <a:srgbClr val="7030A0"/>
-                </a:solidFill>
-                <a:latin typeface="INCONSOLATA" panose="020B0609030003000000" pitchFamily="49" charset="77"/>
-                <a:ea typeface="ＭＳ Ｐゴシック" panose="020B0600070205080204" pitchFamily="34" charset="-128"/>
-              </a:rPr>
-              <a:t>    def </a:t>
-            </a:r>
-            <a:r>
-              <a:rPr lang="en-US" altLang="en-US" sz="1800" dirty="0" err="1">
-                <a:solidFill>
-                  <a:srgbClr val="7030A0"/>
-                </a:solidFill>
-                <a:latin typeface="INCONSOLATA" panose="020B0609030003000000" pitchFamily="49" charset="77"/>
-                <a:ea typeface="ＭＳ Ｐゴシック" panose="020B0600070205080204" pitchFamily="34" charset="-128"/>
-              </a:rPr>
-              <a:t>on_update</a:t>
-            </a:r>
-            <a:r>
-              <a:rPr lang="en-US" altLang="en-US" sz="1800" dirty="0">
-                <a:solidFill>
-                  <a:srgbClr val="7030A0"/>
-                </a:solidFill>
-                <a:latin typeface="INCONSOLATA" panose="020B0609030003000000" pitchFamily="49" charset="77"/>
-                <a:ea typeface="ＭＳ Ｐゴシック" panose="020B0600070205080204" pitchFamily="34" charset="-128"/>
-              </a:rPr>
-              <a:t>(self):</a:t>
-            </a:r>
-          </a:p>
-          <a:p>
-            <a:pPr marL="0" indent="0">
-              <a:buNone/>
-            </a:pPr>
-            <a:r>
-              <a:rPr lang="en-US" altLang="en-US" sz="1800" dirty="0">
-                <a:solidFill>
-                  <a:srgbClr val="7030A0"/>
-                </a:solidFill>
-                <a:latin typeface="INCONSOLATA" panose="020B0609030003000000" pitchFamily="49" charset="77"/>
-                <a:ea typeface="ＭＳ Ｐゴシック" panose="020B0600070205080204" pitchFamily="34" charset="-128"/>
-              </a:rPr>
-              <a:t>        """ Called automatically 60 times a second to update all objects. </a:t>
-            </a:r>
-            <a:endParaRPr lang="en-US" altLang="en-US" sz="1800" dirty="0">
-              <a:latin typeface="INCONSOLATA" panose="020B0609030003000000" pitchFamily="49" charset="77"/>
-              <a:ea typeface="ＭＳ Ｐゴシック" panose="020B0600070205080204" pitchFamily="34" charset="-128"/>
-            </a:endParaRPr>
-          </a:p>
-          <a:p>
-            <a:pPr marL="0" indent="0">
-              <a:buNone/>
-            </a:pPr>
-            <a:r>
-              <a:rPr lang="en-US" altLang="en-US" sz="1800" dirty="0">
-                <a:latin typeface="INCONSOLATA" panose="020B0609030003000000" pitchFamily="49" charset="77"/>
-                <a:ea typeface="ＭＳ Ｐゴシック" panose="020B0600070205080204" pitchFamily="34" charset="-128"/>
-              </a:rPr>
-              <a:t>        pass</a:t>
-            </a:r>
-          </a:p>
-          <a:p>
-            <a:pPr marL="0" indent="0">
-              <a:buNone/>
-            </a:pPr>
-            <a:r>
-              <a:rPr lang="en-US" altLang="en-US" sz="1800" dirty="0">
-                <a:latin typeface="INCONSOLATA" panose="020B0609030003000000" pitchFamily="49" charset="77"/>
-                <a:ea typeface="ＭＳ Ｐゴシック" panose="020B0600070205080204" pitchFamily="34" charset="-128"/>
-              </a:rPr>
-              <a:t>        </a:t>
-            </a:r>
-          </a:p>
-          <a:p>
-            <a:pPr marL="0" indent="0">
-              <a:buNone/>
-            </a:pPr>
-            <a:endParaRPr lang="en-US" altLang="en-US" sz="1800" dirty="0">
-              <a:latin typeface="INCONSOLATA" panose="020B0609030003000000" pitchFamily="49" charset="77"/>
-              <a:ea typeface="ＭＳ Ｐゴシック" panose="020B0600070205080204" pitchFamily="34" charset="-128"/>
-            </a:endParaRPr>
-          </a:p>
-        </p:txBody>
-      </p:sp>
-      <p:sp>
-        <p:nvSpPr>
-          <p:cNvPr id="2" name="TextBox 1">
-            <a:extLst>
-              <a:ext uri="{FF2B5EF4-FFF2-40B4-BE49-F238E27FC236}">
-                <a16:creationId xmlns:a16="http://schemas.microsoft.com/office/drawing/2014/main" id="{C360779D-4CA6-E54E-AF40-CFF286ECEDB6}"/>
-              </a:ext>
-            </a:extLst>
-          </p:cNvPr>
-          <p:cNvSpPr txBox="1"/>
-          <p:nvPr/>
-        </p:nvSpPr>
-        <p:spPr>
-          <a:xfrm>
-            <a:off x="2812709" y="175052"/>
-            <a:ext cx="6502742" cy="830997"/>
-          </a:xfrm>
-          <a:prstGeom prst="rect">
-            <a:avLst/>
-          </a:prstGeom>
-          <a:noFill/>
-        </p:spPr>
-        <p:txBody>
-          <a:bodyPr wrap="none" rtlCol="0">
-            <a:spAutoFit/>
-          </a:bodyPr>
-          <a:lstStyle/>
-          <a:p>
-            <a:r>
-              <a:rPr lang="en-US" sz="1600" dirty="0">
-                <a:solidFill>
-                  <a:srgbClr val="FF0000"/>
-                </a:solidFill>
-              </a:rPr>
-              <a:t>A method/function that is not implemented yet still need code in the body.  </a:t>
-            </a:r>
-          </a:p>
-          <a:p>
-            <a:r>
-              <a:rPr lang="en-US" sz="1600" dirty="0">
-                <a:solidFill>
-                  <a:srgbClr val="FF0000"/>
-                </a:solidFill>
-              </a:rPr>
-              <a:t>We use the pass statement to construct a body that does nothing </a:t>
-            </a:r>
-          </a:p>
-          <a:p>
-            <a:r>
-              <a:rPr lang="en-US" sz="1600" dirty="0">
-                <a:solidFill>
-                  <a:srgbClr val="FF0000"/>
-                </a:solidFill>
-              </a:rPr>
-              <a:t>so that the interpreter does not throw an error. </a:t>
-            </a:r>
-          </a:p>
-        </p:txBody>
-      </p:sp>
-      <p:cxnSp>
-        <p:nvCxnSpPr>
-          <p:cNvPr id="4" name="Straight Arrow Connector 3">
-            <a:extLst>
-              <a:ext uri="{FF2B5EF4-FFF2-40B4-BE49-F238E27FC236}">
-                <a16:creationId xmlns:a16="http://schemas.microsoft.com/office/drawing/2014/main" id="{53D1A4C4-2FD3-E74A-B6A8-E938E6191ED0}"/>
-              </a:ext>
-            </a:extLst>
-          </p:cNvPr>
-          <p:cNvCxnSpPr>
-            <a:cxnSpLocks/>
-          </p:cNvCxnSpPr>
-          <p:nvPr/>
-        </p:nvCxnSpPr>
-        <p:spPr>
-          <a:xfrm flipH="1">
-            <a:off x="1781175" y="1078648"/>
-            <a:ext cx="2409825" cy="685800"/>
-          </a:xfrm>
-          <a:prstGeom prst="straightConnector1">
-            <a:avLst/>
-          </a:prstGeom>
-          <a:ln w="31750">
-            <a:tailEnd type="triangle"/>
-          </a:ln>
-        </p:spPr>
-        <p:style>
-          <a:lnRef idx="1">
-            <a:schemeClr val="accent1"/>
-          </a:lnRef>
-          <a:fillRef idx="0">
-            <a:schemeClr val="accent1"/>
-          </a:fillRef>
-          <a:effectRef idx="0">
-            <a:schemeClr val="accent1"/>
-          </a:effectRef>
-          <a:fontRef idx="minor">
-            <a:schemeClr val="tx1"/>
-          </a:fontRef>
-        </p:style>
-      </p:cxnSp>
-      <p:sp>
-        <p:nvSpPr>
-          <p:cNvPr id="8" name="TextBox 7">
-            <a:extLst>
-              <a:ext uri="{FF2B5EF4-FFF2-40B4-BE49-F238E27FC236}">
-                <a16:creationId xmlns:a16="http://schemas.microsoft.com/office/drawing/2014/main" id="{CDB6DDAB-EF4C-A94C-87F4-05952EB9F7FB}"/>
-              </a:ext>
-            </a:extLst>
-          </p:cNvPr>
-          <p:cNvSpPr txBox="1"/>
-          <p:nvPr/>
-        </p:nvSpPr>
-        <p:spPr>
-          <a:xfrm>
-            <a:off x="3553232" y="1626070"/>
-            <a:ext cx="5423216" cy="584775"/>
-          </a:xfrm>
-          <a:prstGeom prst="rect">
-            <a:avLst/>
-          </a:prstGeom>
-          <a:noFill/>
-        </p:spPr>
-        <p:txBody>
-          <a:bodyPr wrap="none" rtlCol="0">
-            <a:spAutoFit/>
-          </a:bodyPr>
-          <a:lstStyle/>
-          <a:p>
-            <a:r>
-              <a:rPr lang="en-US" sz="1600" b="1" dirty="0">
-                <a:solidFill>
-                  <a:srgbClr val="FF0000"/>
-                </a:solidFill>
-              </a:rPr>
-              <a:t>You must remove "pass" once you start implementing </a:t>
-            </a:r>
-          </a:p>
-          <a:p>
-            <a:r>
-              <a:rPr lang="en-US" sz="1600" b="1" dirty="0">
-                <a:solidFill>
-                  <a:srgbClr val="FF0000"/>
-                </a:solidFill>
-              </a:rPr>
-              <a:t>the code for the body of the method.</a:t>
-            </a:r>
-          </a:p>
-        </p:txBody>
-      </p:sp>
-      <p:cxnSp>
-        <p:nvCxnSpPr>
-          <p:cNvPr id="10" name="Straight Arrow Connector 9">
-            <a:extLst>
-              <a:ext uri="{FF2B5EF4-FFF2-40B4-BE49-F238E27FC236}">
-                <a16:creationId xmlns:a16="http://schemas.microsoft.com/office/drawing/2014/main" id="{8D505A7E-646A-6B46-825F-49A2F6E29335}"/>
-              </a:ext>
-            </a:extLst>
-          </p:cNvPr>
-          <p:cNvCxnSpPr>
-            <a:cxnSpLocks/>
-          </p:cNvCxnSpPr>
-          <p:nvPr/>
-        </p:nvCxnSpPr>
-        <p:spPr>
-          <a:xfrm flipH="1">
-            <a:off x="3104707" y="2283444"/>
-            <a:ext cx="2344331" cy="859410"/>
-          </a:xfrm>
-          <a:prstGeom prst="straightConnector1">
-            <a:avLst/>
-          </a:prstGeom>
-          <a:ln w="31750">
-            <a:tailEnd type="triangle"/>
-          </a:ln>
-        </p:spPr>
-        <p:style>
-          <a:lnRef idx="1">
-            <a:schemeClr val="accent1"/>
-          </a:lnRef>
-          <a:fillRef idx="0">
-            <a:schemeClr val="accent1"/>
-          </a:fillRef>
-          <a:effectRef idx="0">
-            <a:schemeClr val="accent1"/>
-          </a:effectRef>
-          <a:fontRef idx="minor">
-            <a:schemeClr val="tx1"/>
-          </a:fontRef>
-        </p:style>
-      </p:cxnSp>
-    </p:spTree>
-    <p:extLst>
-      <p:ext uri="{BB962C8B-B14F-4D97-AF65-F5344CB8AC3E}">
-        <p14:creationId xmlns:p14="http://schemas.microsoft.com/office/powerpoint/2010/main" val="2722221053"/>
-      </p:ext>
-    </p:extLst>
-  </p:cSld>
-  <p:clrMapOvr>
-    <a:masterClrMapping/>
-  </p:clrMapOvr>
-  <p:transition/>
-  <p:timing>
-    <p:tnLst>
-      <p:par>
-        <p:cTn id="1" dur="indefinite" restart="never" nodeType="tmRoot">
-          <p:childTnLst>
-            <p:seq concurrent="1" nextAc="seek">
-              <p:cTn id="2" dur="indefinite" nodeType="mainSeq">
-                <p:childTnLst>
-                  <p:par>
-                    <p:cTn id="3" fill="hold">
-                      <p:stCondLst>
-                        <p:cond delay="indefinite"/>
-                      </p:stCondLst>
-                      <p:childTnLst>
-                        <p:par>
-                          <p:cTn id="4" fill="hold">
-                            <p:stCondLst>
-                              <p:cond delay="0"/>
-                            </p:stCondLst>
-                            <p:childTnLst>
-                              <p:par>
-                                <p:cTn id="5" presetID="1" presetClass="entr" presetSubtype="0" fill="hold" nodeType="clickEffect">
-                                  <p:stCondLst>
-                                    <p:cond delay="0"/>
-                                  </p:stCondLst>
-                                  <p:childTnLst>
-                                    <p:set>
-                                      <p:cBhvr>
-                                        <p:cTn id="6" dur="1" fill="hold">
-                                          <p:stCondLst>
-                                            <p:cond delay="0"/>
-                                          </p:stCondLst>
-                                        </p:cTn>
-                                        <p:tgtEl>
-                                          <p:spTgt spid="4"/>
-                                        </p:tgtEl>
-                                        <p:attrNameLst>
-                                          <p:attrName>style.visibility</p:attrName>
-                                        </p:attrNameLst>
-                                      </p:cBhvr>
-                                      <p:to>
-                                        <p:strVal val="visible"/>
-                                      </p:to>
-                                    </p:set>
-                                  </p:childTnLst>
-                                </p:cTn>
-                              </p:par>
-                              <p:par>
-                                <p:cTn id="7" presetID="1" presetClass="entr" presetSubtype="0" fill="hold" grpId="0" nodeType="withEffect">
-                                  <p:stCondLst>
-                                    <p:cond delay="0"/>
-                                  </p:stCondLst>
-                                  <p:childTnLst>
-                                    <p:set>
-                                      <p:cBhvr>
-                                        <p:cTn id="8" dur="1" fill="hold">
-                                          <p:stCondLst>
-                                            <p:cond delay="0"/>
-                                          </p:stCondLst>
-                                        </p:cTn>
-                                        <p:tgtEl>
-                                          <p:spTgt spid="2"/>
-                                        </p:tgtEl>
-                                        <p:attrNameLst>
-                                          <p:attrName>style.visibility</p:attrName>
-                                        </p:attrNameLst>
-                                      </p:cBhvr>
-                                      <p:to>
-                                        <p:strVal val="visible"/>
-                                      </p:to>
-                                    </p:set>
-                                  </p:childTnLst>
-                                </p:cTn>
-                              </p:par>
-                            </p:childTnLst>
-                          </p:cTn>
-                        </p:par>
-                      </p:childTnLst>
-                    </p:cTn>
-                  </p:par>
-                  <p:par>
-                    <p:cTn id="9" fill="hold">
-                      <p:stCondLst>
-                        <p:cond delay="indefinite"/>
-                      </p:stCondLst>
-                      <p:childTnLst>
-                        <p:par>
-                          <p:cTn id="10" fill="hold">
-                            <p:stCondLst>
-                              <p:cond delay="0"/>
-                            </p:stCondLst>
-                            <p:childTnLst>
-                              <p:par>
-                                <p:cTn id="11" presetID="1" presetClass="entr" presetSubtype="0" fill="hold" nodeType="clickEffect">
-                                  <p:stCondLst>
-                                    <p:cond delay="0"/>
-                                  </p:stCondLst>
-                                  <p:childTnLst>
-                                    <p:set>
-                                      <p:cBhvr>
-                                        <p:cTn id="12" dur="1" fill="hold">
-                                          <p:stCondLst>
-                                            <p:cond delay="0"/>
-                                          </p:stCondLst>
-                                        </p:cTn>
-                                        <p:tgtEl>
-                                          <p:spTgt spid="35842">
-                                            <p:txEl>
-                                              <p:pRg st="4" end="4"/>
-                                            </p:txEl>
-                                          </p:spTgt>
-                                        </p:tgtEl>
-                                        <p:attrNameLst>
-                                          <p:attrName>style.visibility</p:attrName>
-                                        </p:attrNameLst>
-                                      </p:cBhvr>
-                                      <p:to>
-                                        <p:strVal val="visible"/>
-                                      </p:to>
-                                    </p:set>
-                                  </p:childTnLst>
-                                </p:cTn>
-                              </p:par>
-                              <p:par>
-                                <p:cTn id="13" presetID="1" presetClass="entr" presetSubtype="0" fill="hold" nodeType="withEffect">
-                                  <p:stCondLst>
-                                    <p:cond delay="0"/>
-                                  </p:stCondLst>
-                                  <p:childTnLst>
-                                    <p:set>
-                                      <p:cBhvr>
-                                        <p:cTn id="14" dur="1" fill="hold">
-                                          <p:stCondLst>
-                                            <p:cond delay="0"/>
-                                          </p:stCondLst>
-                                        </p:cTn>
-                                        <p:tgtEl>
-                                          <p:spTgt spid="35842">
-                                            <p:txEl>
-                                              <p:pRg st="5" end="5"/>
-                                            </p:txEl>
-                                          </p:spTgt>
-                                        </p:tgtEl>
-                                        <p:attrNameLst>
-                                          <p:attrName>style.visibility</p:attrName>
-                                        </p:attrNameLst>
-                                      </p:cBhvr>
-                                      <p:to>
-                                        <p:strVal val="visible"/>
-                                      </p:to>
-                                    </p:set>
-                                  </p:childTnLst>
-                                </p:cTn>
-                              </p:par>
-                              <p:par>
-                                <p:cTn id="15" presetID="1" presetClass="entr" presetSubtype="0" fill="hold" nodeType="withEffect">
-                                  <p:stCondLst>
-                                    <p:cond delay="0"/>
-                                  </p:stCondLst>
-                                  <p:childTnLst>
-                                    <p:set>
-                                      <p:cBhvr>
-                                        <p:cTn id="16" dur="1" fill="hold">
-                                          <p:stCondLst>
-                                            <p:cond delay="0"/>
-                                          </p:stCondLst>
-                                        </p:cTn>
-                                        <p:tgtEl>
-                                          <p:spTgt spid="35842">
-                                            <p:txEl>
-                                              <p:pRg st="6" end="6"/>
-                                            </p:txEl>
-                                          </p:spTgt>
-                                        </p:tgtEl>
-                                        <p:attrNameLst>
-                                          <p:attrName>style.visibility</p:attrName>
-                                        </p:attrNameLst>
-                                      </p:cBhvr>
-                                      <p:to>
-                                        <p:strVal val="visible"/>
-                                      </p:to>
-                                    </p:set>
-                                  </p:childTnLst>
-                                </p:cTn>
-                              </p:par>
-                              <p:par>
-                                <p:cTn id="17" presetID="1" presetClass="entr" presetSubtype="0" fill="hold" nodeType="withEffect">
-                                  <p:stCondLst>
-                                    <p:cond delay="0"/>
-                                  </p:stCondLst>
-                                  <p:childTnLst>
-                                    <p:set>
-                                      <p:cBhvr>
-                                        <p:cTn id="18" dur="1" fill="hold">
-                                          <p:stCondLst>
-                                            <p:cond delay="0"/>
-                                          </p:stCondLst>
-                                        </p:cTn>
-                                        <p:tgtEl>
-                                          <p:spTgt spid="35842">
-                                            <p:txEl>
-                                              <p:pRg st="7" end="7"/>
-                                            </p:txEl>
-                                          </p:spTgt>
-                                        </p:tgtEl>
-                                        <p:attrNameLst>
-                                          <p:attrName>style.visibility</p:attrName>
-                                        </p:attrNameLst>
-                                      </p:cBhvr>
-                                      <p:to>
-                                        <p:strVal val="visible"/>
-                                      </p:to>
-                                    </p:set>
-                                  </p:childTnLst>
-                                </p:cTn>
-                              </p:par>
-                              <p:par>
-                                <p:cTn id="19" presetID="1" presetClass="entr" presetSubtype="0" fill="hold" nodeType="withEffect">
-                                  <p:stCondLst>
-                                    <p:cond delay="0"/>
-                                  </p:stCondLst>
-                                  <p:childTnLst>
-                                    <p:set>
-                                      <p:cBhvr>
-                                        <p:cTn id="20" dur="1" fill="hold">
-                                          <p:stCondLst>
-                                            <p:cond delay="0"/>
-                                          </p:stCondLst>
-                                        </p:cTn>
-                                        <p:tgtEl>
-                                          <p:spTgt spid="35842">
-                                            <p:txEl>
-                                              <p:pRg st="8" end="8"/>
-                                            </p:txEl>
-                                          </p:spTgt>
-                                        </p:tgtEl>
-                                        <p:attrNameLst>
-                                          <p:attrName>style.visibility</p:attrName>
-                                        </p:attrNameLst>
-                                      </p:cBhvr>
-                                      <p:to>
-                                        <p:strVal val="visible"/>
-                                      </p:to>
-                                    </p:set>
-                                  </p:childTnLst>
-                                </p:cTn>
-                              </p:par>
-                            </p:childTnLst>
-                          </p:cTn>
-                        </p:par>
-                      </p:childTnLst>
-                    </p:cTn>
-                  </p:par>
-                  <p:par>
-                    <p:cTn id="21" fill="hold">
-                      <p:stCondLst>
-                        <p:cond delay="indefinite"/>
-                      </p:stCondLst>
-                      <p:childTnLst>
-                        <p:par>
-                          <p:cTn id="22" fill="hold">
-                            <p:stCondLst>
-                              <p:cond delay="0"/>
-                            </p:stCondLst>
-                            <p:childTnLst>
-                              <p:par>
-                                <p:cTn id="23" presetID="1" presetClass="entr" presetSubtype="0" fill="hold" nodeType="clickEffect">
-                                  <p:stCondLst>
-                                    <p:cond delay="0"/>
-                                  </p:stCondLst>
-                                  <p:childTnLst>
-                                    <p:set>
-                                      <p:cBhvr>
-                                        <p:cTn id="24" dur="1" fill="hold">
-                                          <p:stCondLst>
-                                            <p:cond delay="0"/>
-                                          </p:stCondLst>
-                                        </p:cTn>
-                                        <p:tgtEl>
-                                          <p:spTgt spid="10"/>
-                                        </p:tgtEl>
-                                        <p:attrNameLst>
-                                          <p:attrName>style.visibility</p:attrName>
-                                        </p:attrNameLst>
-                                      </p:cBhvr>
-                                      <p:to>
-                                        <p:strVal val="visible"/>
-                                      </p:to>
-                                    </p:set>
-                                  </p:childTnLst>
-                                </p:cTn>
-                              </p:par>
-                              <p:par>
-                                <p:cTn id="25" presetID="1" presetClass="entr" presetSubtype="0" fill="hold" grpId="0" nodeType="withEffect">
-                                  <p:stCondLst>
-                                    <p:cond delay="0"/>
-                                  </p:stCondLst>
-                                  <p:childTnLst>
-                                    <p:set>
-                                      <p:cBhvr>
-                                        <p:cTn id="26" dur="1" fill="hold">
-                                          <p:stCondLst>
-                                            <p:cond delay="0"/>
-                                          </p:stCondLst>
-                                        </p:cTn>
-                                        <p:tgtEl>
-                                          <p:spTgt spid="8"/>
-                                        </p:tgtEl>
-                                        <p:attrNameLst>
-                                          <p:attrName>style.visibility</p:attrName>
-                                        </p:attrNameLst>
-                                      </p:cBhvr>
-                                      <p:to>
-                                        <p:strVal val="visible"/>
-                                      </p:to>
-                                    </p:set>
-                                  </p:childTnLst>
-                                </p:cTn>
-                              </p:par>
-                            </p:childTnLst>
-                          </p:cTn>
-                        </p:par>
-                      </p:childTnLst>
-                    </p:cTn>
-                  </p:par>
-                  <p:par>
-                    <p:cTn id="27" fill="hold">
-                      <p:stCondLst>
-                        <p:cond delay="indefinite"/>
-                      </p:stCondLst>
-                      <p:childTnLst>
-                        <p:par>
-                          <p:cTn id="28" fill="hold">
-                            <p:stCondLst>
-                              <p:cond delay="0"/>
-                            </p:stCondLst>
-                            <p:childTnLst>
-                              <p:par>
-                                <p:cTn id="29" presetID="1" presetClass="entr" presetSubtype="0" fill="hold" nodeType="clickEffect">
-                                  <p:stCondLst>
-                                    <p:cond delay="0"/>
-                                  </p:stCondLst>
-                                  <p:childTnLst>
-                                    <p:set>
-                                      <p:cBhvr>
-                                        <p:cTn id="30" dur="1" fill="hold">
-                                          <p:stCondLst>
-                                            <p:cond delay="0"/>
-                                          </p:stCondLst>
-                                        </p:cTn>
-                                        <p:tgtEl>
-                                          <p:spTgt spid="35842">
-                                            <p:txEl>
-                                              <p:pRg st="9" end="9"/>
-                                            </p:txEl>
-                                          </p:spTgt>
-                                        </p:tgtEl>
-                                        <p:attrNameLst>
-                                          <p:attrName>style.visibility</p:attrName>
-                                        </p:attrNameLst>
-                                      </p:cBhvr>
-                                      <p:to>
-                                        <p:strVal val="visible"/>
-                                      </p:to>
-                                    </p:set>
-                                  </p:childTnLst>
-                                </p:cTn>
-                              </p:par>
-                              <p:par>
-                                <p:cTn id="31" presetID="1" presetClass="entr" presetSubtype="0" fill="hold" nodeType="withEffect">
-                                  <p:stCondLst>
-                                    <p:cond delay="0"/>
-                                  </p:stCondLst>
-                                  <p:childTnLst>
-                                    <p:set>
-                                      <p:cBhvr>
-                                        <p:cTn id="32" dur="1" fill="hold">
-                                          <p:stCondLst>
-                                            <p:cond delay="0"/>
-                                          </p:stCondLst>
-                                        </p:cTn>
-                                        <p:tgtEl>
-                                          <p:spTgt spid="35842">
-                                            <p:txEl>
-                                              <p:pRg st="10" end="10"/>
-                                            </p:txEl>
-                                          </p:spTgt>
-                                        </p:tgtEl>
-                                        <p:attrNameLst>
-                                          <p:attrName>style.visibility</p:attrName>
-                                        </p:attrNameLst>
-                                      </p:cBhvr>
-                                      <p:to>
-                                        <p:strVal val="visible"/>
-                                      </p:to>
-                                    </p:set>
-                                  </p:childTnLst>
-                                </p:cTn>
-                              </p:par>
-                              <p:par>
-                                <p:cTn id="33" presetID="1" presetClass="entr" presetSubtype="0" fill="hold" nodeType="withEffect">
-                                  <p:stCondLst>
-                                    <p:cond delay="0"/>
-                                  </p:stCondLst>
-                                  <p:childTnLst>
-                                    <p:set>
-                                      <p:cBhvr>
-                                        <p:cTn id="34" dur="1" fill="hold">
-                                          <p:stCondLst>
-                                            <p:cond delay="0"/>
-                                          </p:stCondLst>
-                                        </p:cTn>
-                                        <p:tgtEl>
-                                          <p:spTgt spid="35842">
-                                            <p:txEl>
-                                              <p:pRg st="11" end="11"/>
-                                            </p:txEl>
-                                          </p:spTgt>
-                                        </p:tgtEl>
-                                        <p:attrNameLst>
-                                          <p:attrName>style.visibility</p:attrName>
-                                        </p:attrNameLst>
-                                      </p:cBhvr>
-                                      <p:to>
-                                        <p:strVal val="visible"/>
-                                      </p:to>
-                                    </p:set>
-                                  </p:childTnLst>
-                                </p:cTn>
-                              </p:par>
-                            </p:childTnLst>
-                          </p:cTn>
-                        </p:par>
-                      </p:childTnLst>
-                    </p:cTn>
-                  </p:par>
-                </p:childTnLst>
-              </p:cTn>
-              <p:prevCondLst>
-                <p:cond evt="onPrev" delay="0">
-                  <p:tgtEl>
-                    <p:sldTgt/>
-                  </p:tgtEl>
-                </p:cond>
-              </p:prevCondLst>
-              <p:nextCondLst>
-                <p:cond evt="onNext" delay="0">
-                  <p:tgtEl>
-                    <p:sldTgt/>
-                  </p:tgtEl>
-                </p:cond>
-              </p:nextCondLst>
-            </p:seq>
-          </p:childTnLst>
-        </p:cTn>
-      </p:par>
-    </p:tnLst>
-    <p:bldLst>
-      <p:bldP spid="2" grpId="0"/>
-      <p:bldP spid="8" grpId="0"/>
-    </p:bldLst>
   </p:timing>
 </p:sld>
 </file>

--- a/courses/apcsp/processing_arcade/processing1.pptx
+++ b/courses/apcsp/processing_arcade/processing1.pptx
@@ -132,7 +132,7 @@
 <file path=ppt/revisionInfo.xml><?xml version="1.0" encoding="utf-8"?>
 <p1510:revInfo xmlns:a="http://schemas.openxmlformats.org/drawingml/2006/main" xmlns:r="http://schemas.openxmlformats.org/officeDocument/2006/relationships" xmlns:p1510="http://schemas.microsoft.com/office/powerpoint/2015/10/main">
   <p1510:revLst>
-    <p1510:client id="{0CA4AAA7-C782-8A4B-8669-EFB314CC5C89}" v="447" dt="2022-05-26T22:09:18.533"/>
+    <p1510:client id="{4840A76A-AB0D-B64F-80B3-254B6B0A2E55}" v="119" dt="2022-09-19T18:50:16.757"/>
   </p1510:revLst>
 </p1510:revInfo>
 </file>
@@ -1792,6 +1792,162 @@
           <pc:docMk/>
           <pc:sldMk cId="2615412358" sldId="566"/>
         </pc:sldMkLst>
+      </pc:sldChg>
+    </pc:docChg>
+  </pc:docChgLst>
+  <pc:docChgLst>
+    <pc:chgData name="Long Nguyen" userId="f59fb8f3-a021-417a-8bc1-65c8d471c621" providerId="ADAL" clId="{4840A76A-AB0D-B64F-80B3-254B6B0A2E55}"/>
+    <pc:docChg chg="custSel modSld">
+      <pc:chgData name="Long Nguyen" userId="f59fb8f3-a021-417a-8bc1-65c8d471c621" providerId="ADAL" clId="{4840A76A-AB0D-B64F-80B3-254B6B0A2E55}" dt="2022-09-19T18:50:16.757" v="191" actId="20577"/>
+      <pc:docMkLst>
+        <pc:docMk/>
+      </pc:docMkLst>
+      <pc:sldChg chg="modSp modAnim">
+        <pc:chgData name="Long Nguyen" userId="f59fb8f3-a021-417a-8bc1-65c8d471c621" providerId="ADAL" clId="{4840A76A-AB0D-B64F-80B3-254B6B0A2E55}" dt="2022-09-19T18:46:44.543" v="36" actId="20577"/>
+        <pc:sldMkLst>
+          <pc:docMk/>
+          <pc:sldMk cId="4185702486" sldId="558"/>
+        </pc:sldMkLst>
+        <pc:spChg chg="mod">
+          <ac:chgData name="Long Nguyen" userId="f59fb8f3-a021-417a-8bc1-65c8d471c621" providerId="ADAL" clId="{4840A76A-AB0D-B64F-80B3-254B6B0A2E55}" dt="2022-09-19T18:46:44.543" v="36" actId="20577"/>
+          <ac:spMkLst>
+            <pc:docMk/>
+            <pc:sldMk cId="4185702486" sldId="558"/>
+            <ac:spMk id="7170" creationId="{63A32A1E-B5AF-FA47-8296-065102CBE2F8}"/>
+          </ac:spMkLst>
+        </pc:spChg>
+      </pc:sldChg>
+      <pc:sldChg chg="delSp modSp mod delAnim">
+        <pc:chgData name="Long Nguyen" userId="f59fb8f3-a021-417a-8bc1-65c8d471c621" providerId="ADAL" clId="{4840A76A-AB0D-B64F-80B3-254B6B0A2E55}" dt="2022-09-19T18:47:01.400" v="49" actId="20577"/>
+        <pc:sldMkLst>
+          <pc:docMk/>
+          <pc:sldMk cId="2681292538" sldId="567"/>
+        </pc:sldMkLst>
+        <pc:spChg chg="mod">
+          <ac:chgData name="Long Nguyen" userId="f59fb8f3-a021-417a-8bc1-65c8d471c621" providerId="ADAL" clId="{4840A76A-AB0D-B64F-80B3-254B6B0A2E55}" dt="2022-09-19T18:47:01.400" v="49" actId="20577"/>
+          <ac:spMkLst>
+            <pc:docMk/>
+            <pc:sldMk cId="2681292538" sldId="567"/>
+            <ac:spMk id="10" creationId="{6CBCEBFC-7FEB-A942-8AA6-1D8C8EE77906}"/>
+          </ac:spMkLst>
+        </pc:spChg>
+        <pc:spChg chg="del">
+          <ac:chgData name="Long Nguyen" userId="f59fb8f3-a021-417a-8bc1-65c8d471c621" providerId="ADAL" clId="{4840A76A-AB0D-B64F-80B3-254B6B0A2E55}" dt="2022-09-19T18:46:58.101" v="38" actId="478"/>
+          <ac:spMkLst>
+            <pc:docMk/>
+            <pc:sldMk cId="2681292538" sldId="567"/>
+            <ac:spMk id="15" creationId="{3FA56609-6251-2345-BA26-D035BE446C47}"/>
+          </ac:spMkLst>
+        </pc:spChg>
+        <pc:spChg chg="mod">
+          <ac:chgData name="Long Nguyen" userId="f59fb8f3-a021-417a-8bc1-65c8d471c621" providerId="ADAL" clId="{4840A76A-AB0D-B64F-80B3-254B6B0A2E55}" dt="2022-09-19T18:46:54.551" v="37" actId="20577"/>
+          <ac:spMkLst>
+            <pc:docMk/>
+            <pc:sldMk cId="2681292538" sldId="567"/>
+            <ac:spMk id="35842" creationId="{C94BCA01-D831-ED4D-84FD-C30E8117F872}"/>
+          </ac:spMkLst>
+        </pc:spChg>
+        <pc:cxnChg chg="del">
+          <ac:chgData name="Long Nguyen" userId="f59fb8f3-a021-417a-8bc1-65c8d471c621" providerId="ADAL" clId="{4840A76A-AB0D-B64F-80B3-254B6B0A2E55}" dt="2022-09-19T18:46:58.101" v="38" actId="478"/>
+          <ac:cxnSpMkLst>
+            <pc:docMk/>
+            <pc:sldMk cId="2681292538" sldId="567"/>
+            <ac:cxnSpMk id="16" creationId="{75E9AD7F-0E14-4E4B-9F19-CF7FF14EDDA7}"/>
+          </ac:cxnSpMkLst>
+        </pc:cxnChg>
+      </pc:sldChg>
+      <pc:sldChg chg="modSp modAnim">
+        <pc:chgData name="Long Nguyen" userId="f59fb8f3-a021-417a-8bc1-65c8d471c621" providerId="ADAL" clId="{4840A76A-AB0D-B64F-80B3-254B6B0A2E55}" dt="2022-09-19T18:47:36.078" v="87" actId="20577"/>
+        <pc:sldMkLst>
+          <pc:docMk/>
+          <pc:sldMk cId="38565667" sldId="573"/>
+        </pc:sldMkLst>
+        <pc:spChg chg="mod">
+          <ac:chgData name="Long Nguyen" userId="f59fb8f3-a021-417a-8bc1-65c8d471c621" providerId="ADAL" clId="{4840A76A-AB0D-B64F-80B3-254B6B0A2E55}" dt="2022-09-19T18:47:36.078" v="87" actId="20577"/>
+          <ac:spMkLst>
+            <pc:docMk/>
+            <pc:sldMk cId="38565667" sldId="573"/>
+            <ac:spMk id="35842" creationId="{C94BCA01-D831-ED4D-84FD-C30E8117F872}"/>
+          </ac:spMkLst>
+        </pc:spChg>
+      </pc:sldChg>
+      <pc:sldChg chg="delSp modSp mod delAnim">
+        <pc:chgData name="Long Nguyen" userId="f59fb8f3-a021-417a-8bc1-65c8d471c621" providerId="ADAL" clId="{4840A76A-AB0D-B64F-80B3-254B6B0A2E55}" dt="2022-09-19T18:50:16.757" v="191" actId="20577"/>
+        <pc:sldMkLst>
+          <pc:docMk/>
+          <pc:sldMk cId="2699236389" sldId="574"/>
+        </pc:sldMkLst>
+        <pc:spChg chg="mod">
+          <ac:chgData name="Long Nguyen" userId="f59fb8f3-a021-417a-8bc1-65c8d471c621" providerId="ADAL" clId="{4840A76A-AB0D-B64F-80B3-254B6B0A2E55}" dt="2022-09-19T18:50:16.757" v="191" actId="20577"/>
+          <ac:spMkLst>
+            <pc:docMk/>
+            <pc:sldMk cId="2699236389" sldId="574"/>
+            <ac:spMk id="9" creationId="{35CC8408-E93C-EB4D-BCE0-708761392E17}"/>
+          </ac:spMkLst>
+        </pc:spChg>
+        <pc:spChg chg="mod">
+          <ac:chgData name="Long Nguyen" userId="f59fb8f3-a021-417a-8bc1-65c8d471c621" providerId="ADAL" clId="{4840A76A-AB0D-B64F-80B3-254B6B0A2E55}" dt="2022-09-19T18:49:43.839" v="178" actId="1036"/>
+          <ac:spMkLst>
+            <pc:docMk/>
+            <pc:sldMk cId="2699236389" sldId="574"/>
+            <ac:spMk id="13" creationId="{89954A57-FAD0-2145-9240-CC143305A109}"/>
+          </ac:spMkLst>
+        </pc:spChg>
+        <pc:spChg chg="mod">
+          <ac:chgData name="Long Nguyen" userId="f59fb8f3-a021-417a-8bc1-65c8d471c621" providerId="ADAL" clId="{4840A76A-AB0D-B64F-80B3-254B6B0A2E55}" dt="2022-09-19T18:49:38.012" v="172" actId="20577"/>
+          <ac:spMkLst>
+            <pc:docMk/>
+            <pc:sldMk cId="2699236389" sldId="574"/>
+            <ac:spMk id="35842" creationId="{C94BCA01-D831-ED4D-84FD-C30E8117F872}"/>
+          </ac:spMkLst>
+        </pc:spChg>
+        <pc:cxnChg chg="del">
+          <ac:chgData name="Long Nguyen" userId="f59fb8f3-a021-417a-8bc1-65c8d471c621" providerId="ADAL" clId="{4840A76A-AB0D-B64F-80B3-254B6B0A2E55}" dt="2022-09-19T18:49:05.205" v="167" actId="478"/>
+          <ac:cxnSpMkLst>
+            <pc:docMk/>
+            <pc:sldMk cId="2699236389" sldId="574"/>
+            <ac:cxnSpMk id="4" creationId="{AAD80A7D-A15D-B444-A8B7-BD503C23B280}"/>
+          </ac:cxnSpMkLst>
+        </pc:cxnChg>
+        <pc:cxnChg chg="mod">
+          <ac:chgData name="Long Nguyen" userId="f59fb8f3-a021-417a-8bc1-65c8d471c621" providerId="ADAL" clId="{4840A76A-AB0D-B64F-80B3-254B6B0A2E55}" dt="2022-09-19T18:50:16.486" v="190" actId="20577"/>
+          <ac:cxnSpMkLst>
+            <pc:docMk/>
+            <pc:sldMk cId="2699236389" sldId="574"/>
+            <ac:cxnSpMk id="10" creationId="{45FCB104-5BCC-3048-9038-D14F4C9B439C}"/>
+          </ac:cxnSpMkLst>
+        </pc:cxnChg>
+        <pc:cxnChg chg="mod">
+          <ac:chgData name="Long Nguyen" userId="f59fb8f3-a021-417a-8bc1-65c8d471c621" providerId="ADAL" clId="{4840A76A-AB0D-B64F-80B3-254B6B0A2E55}" dt="2022-09-19T18:49:47.848" v="179" actId="14100"/>
+          <ac:cxnSpMkLst>
+            <pc:docMk/>
+            <pc:sldMk cId="2699236389" sldId="574"/>
+            <ac:cxnSpMk id="14" creationId="{B2A0D62D-1FB8-E449-88AE-FE32A1C9F275}"/>
+          </ac:cxnSpMkLst>
+        </pc:cxnChg>
+      </pc:sldChg>
+      <pc:sldChg chg="modSp mod">
+        <pc:chgData name="Long Nguyen" userId="f59fb8f3-a021-417a-8bc1-65c8d471c621" providerId="ADAL" clId="{4840A76A-AB0D-B64F-80B3-254B6B0A2E55}" dt="2022-09-19T18:48:38.031" v="127" actId="20577"/>
+        <pc:sldMkLst>
+          <pc:docMk/>
+          <pc:sldMk cId="3888181165" sldId="575"/>
+        </pc:sldMkLst>
+        <pc:spChg chg="mod">
+          <ac:chgData name="Long Nguyen" userId="f59fb8f3-a021-417a-8bc1-65c8d471c621" providerId="ADAL" clId="{4840A76A-AB0D-B64F-80B3-254B6B0A2E55}" dt="2022-09-19T18:48:14.902" v="116" actId="20577"/>
+          <ac:spMkLst>
+            <pc:docMk/>
+            <pc:sldMk cId="3888181165" sldId="575"/>
+            <ac:spMk id="2" creationId="{D358C124-9314-CC44-8878-6B4FC3839386}"/>
+          </ac:spMkLst>
+        </pc:spChg>
+        <pc:spChg chg="mod">
+          <ac:chgData name="Long Nguyen" userId="f59fb8f3-a021-417a-8bc1-65c8d471c621" providerId="ADAL" clId="{4840A76A-AB0D-B64F-80B3-254B6B0A2E55}" dt="2022-09-19T18:48:38.031" v="127" actId="20577"/>
+          <ac:spMkLst>
+            <pc:docMk/>
+            <pc:sldMk cId="3888181165" sldId="575"/>
+            <ac:spMk id="35842" creationId="{C94BCA01-D831-ED4D-84FD-C30E8117F872}"/>
+          </ac:spMkLst>
+        </pc:spChg>
       </pc:sldChg>
     </pc:docChg>
   </pc:docChgLst>
@@ -4090,7 +4246,7 @@
           <a:p>
             <a:fld id="{29FB45CD-1365-4F4B-B580-C19222E1A371}" type="datetimeFigureOut">
               <a:rPr lang="en-US" smtClean="0"/>
-              <a:t>5/26/22</a:t>
+              <a:t>9/19/22</a:t>
             </a:fld>
             <a:endParaRPr lang="en-US"/>
           </a:p>
@@ -4748,7 +4904,7 @@
           <a:p>
             <a:fld id="{4AAD347D-5ACD-4C99-B74B-A9C85AD731AF}" type="datetimeFigureOut">
               <a:rPr lang="en-US" smtClean="0"/>
-              <a:t>5/26/22</a:t>
+              <a:t>9/19/22</a:t>
             </a:fld>
             <a:endParaRPr lang="en-US" dirty="0"/>
           </a:p>
@@ -4918,7 +5074,7 @@
           <a:p>
             <a:fld id="{4509A250-FF31-4206-8172-F9D3106AACB1}" type="datetimeFigureOut">
               <a:rPr lang="en-US" smtClean="0"/>
-              <a:t>5/26/22</a:t>
+              <a:t>9/19/22</a:t>
             </a:fld>
             <a:endParaRPr lang="en-US" dirty="0"/>
           </a:p>
@@ -5098,7 +5254,7 @@
           <a:p>
             <a:fld id="{4509A250-FF31-4206-8172-F9D3106AACB1}" type="datetimeFigureOut">
               <a:rPr lang="en-US" smtClean="0"/>
-              <a:t>5/26/22</a:t>
+              <a:t>9/19/22</a:t>
             </a:fld>
             <a:endParaRPr lang="en-US" dirty="0"/>
           </a:p>
@@ -5268,7 +5424,7 @@
           <a:p>
             <a:fld id="{4509A250-FF31-4206-8172-F9D3106AACB1}" type="datetimeFigureOut">
               <a:rPr lang="en-US" smtClean="0"/>
-              <a:t>5/26/22</a:t>
+              <a:t>9/19/22</a:t>
             </a:fld>
             <a:endParaRPr lang="en-US" dirty="0"/>
           </a:p>
@@ -5514,7 +5670,7 @@
           <a:p>
             <a:fld id="{9796027F-7875-4030-9381-8BD8C4F21935}" type="datetimeFigureOut">
               <a:rPr lang="en-US" smtClean="0"/>
-              <a:t>5/26/22</a:t>
+              <a:t>9/19/22</a:t>
             </a:fld>
             <a:endParaRPr lang="en-US" dirty="0"/>
           </a:p>
@@ -5746,7 +5902,7 @@
           <a:p>
             <a:fld id="{9796027F-7875-4030-9381-8BD8C4F21935}" type="datetimeFigureOut">
               <a:rPr lang="en-US" smtClean="0"/>
-              <a:t>5/26/22</a:t>
+              <a:t>9/19/22</a:t>
             </a:fld>
             <a:endParaRPr lang="en-US" dirty="0"/>
           </a:p>
@@ -6113,7 +6269,7 @@
           <a:p>
             <a:fld id="{9796027F-7875-4030-9381-8BD8C4F21935}" type="datetimeFigureOut">
               <a:rPr lang="en-US" smtClean="0"/>
-              <a:t>5/26/22</a:t>
+              <a:t>9/19/22</a:t>
             </a:fld>
             <a:endParaRPr lang="en-US" dirty="0"/>
           </a:p>
@@ -6231,7 +6387,7 @@
           <a:p>
             <a:fld id="{4509A250-FF31-4206-8172-F9D3106AACB1}" type="datetimeFigureOut">
               <a:rPr lang="en-US" smtClean="0"/>
-              <a:t>5/26/22</a:t>
+              <a:t>9/19/22</a:t>
             </a:fld>
             <a:endParaRPr lang="en-US" dirty="0"/>
           </a:p>
@@ -6326,7 +6482,7 @@
           <a:p>
             <a:fld id="{4509A250-FF31-4206-8172-F9D3106AACB1}" type="datetimeFigureOut">
               <a:rPr lang="en-US" smtClean="0"/>
-              <a:t>5/26/22</a:t>
+              <a:t>9/19/22</a:t>
             </a:fld>
             <a:endParaRPr lang="en-US" dirty="0"/>
           </a:p>
@@ -6603,7 +6759,7 @@
           <a:p>
             <a:fld id="{4509A250-FF31-4206-8172-F9D3106AACB1}" type="datetimeFigureOut">
               <a:rPr lang="en-US" smtClean="0"/>
-              <a:t>5/26/22</a:t>
+              <a:t>9/19/22</a:t>
             </a:fld>
             <a:endParaRPr lang="en-US" dirty="0"/>
           </a:p>
@@ -6860,7 +7016,7 @@
           <a:p>
             <a:fld id="{4509A250-FF31-4206-8172-F9D3106AACB1}" type="datetimeFigureOut">
               <a:rPr lang="en-US" smtClean="0"/>
-              <a:t>5/26/22</a:t>
+              <a:t>9/19/22</a:t>
             </a:fld>
             <a:endParaRPr lang="en-US" dirty="0"/>
           </a:p>
@@ -7073,7 +7229,7 @@
           <a:p>
             <a:fld id="{4AAD347D-5ACD-4C99-B74B-A9C85AD731AF}" type="datetimeFigureOut">
               <a:rPr lang="en-US" smtClean="0"/>
-              <a:t>5/26/22</a:t>
+              <a:t>9/19/22</a:t>
             </a:fld>
             <a:endParaRPr lang="en-US" dirty="0"/>
           </a:p>
@@ -10184,7 +10340,7 @@
                 </a:solidFill>
                 <a:ea typeface="ＭＳ Ｐゴシック" panose="020B0600070205080204" pitchFamily="34" charset="-128"/>
               </a:rPr>
-              <a:t>three methods/functions: </a:t>
+              <a:t>two methods/functions: </a:t>
             </a:r>
           </a:p>
           <a:p>
@@ -10291,7 +10447,7 @@
               <a:rPr lang="en-US" altLang="en-US" sz="2000" dirty="0">
                 <a:ea typeface="ＭＳ Ｐゴシック" panose="020B0600070205080204" pitchFamily="34" charset="-128"/>
               </a:rPr>
-              <a:t>Called automatically 60 times a second to draw objects. Write code to draw all objects here.</a:t>
+              <a:t>Called automatically 60 times a second to draw and update all objects. Write code to draw and update all objects here.</a:t>
             </a:r>
           </a:p>
           <a:p>
@@ -10299,54 +10455,6 @@
               <a:buNone/>
             </a:pPr>
             <a:endParaRPr lang="en-US" altLang="en-US" sz="2000" dirty="0">
-              <a:ea typeface="ＭＳ Ｐゴシック" panose="020B0600070205080204" pitchFamily="34" charset="-128"/>
-            </a:endParaRPr>
-          </a:p>
-          <a:p>
-            <a:pPr marL="0" indent="0">
-              <a:buNone/>
-            </a:pPr>
-            <a:r>
-              <a:rPr lang="en-US" altLang="en-US" sz="2000" dirty="0">
-                <a:ea typeface="ＭＳ Ｐゴシック" panose="020B0600070205080204" pitchFamily="34" charset="-128"/>
-              </a:rPr>
-              <a:t>3) </a:t>
-            </a:r>
-            <a:r>
-              <a:rPr lang="en-US" altLang="en-US" sz="2000" dirty="0">
-                <a:solidFill>
-                  <a:srgbClr val="7030A0"/>
-                </a:solidFill>
-                <a:ea typeface="ＭＳ Ｐゴシック" panose="020B0600070205080204" pitchFamily="34" charset="-128"/>
-              </a:rPr>
-              <a:t>def </a:t>
-            </a:r>
-            <a:r>
-              <a:rPr lang="en-US" altLang="en-US" sz="2000" dirty="0" err="1">
-                <a:solidFill>
-                  <a:srgbClr val="7030A0"/>
-                </a:solidFill>
-                <a:ea typeface="ＭＳ Ｐゴシック" panose="020B0600070205080204" pitchFamily="34" charset="-128"/>
-              </a:rPr>
-              <a:t>on_update</a:t>
-            </a:r>
-            <a:r>
-              <a:rPr lang="en-US" altLang="en-US" sz="2000" dirty="0">
-                <a:solidFill>
-                  <a:srgbClr val="7030A0"/>
-                </a:solidFill>
-                <a:ea typeface="ＭＳ Ｐゴシック" panose="020B0600070205080204" pitchFamily="34" charset="-128"/>
-              </a:rPr>
-              <a:t>(self): </a:t>
-            </a:r>
-            <a:r>
-              <a:rPr lang="en-US" altLang="en-US" sz="2000" dirty="0">
-                <a:ea typeface="ＭＳ Ｐゴシック" panose="020B0600070205080204" pitchFamily="34" charset="-128"/>
-              </a:rPr>
-              <a:t>Called automatically 60 times a second to update our objects. Write code to update all objects here(for animation).</a:t>
-            </a:r>
-            <a:endParaRPr lang="en-US" altLang="en-US" sz="2000" dirty="0">
-              <a:latin typeface="Gill Sans Ultra Bold" panose="020B0A02020104020203" pitchFamily="34" charset="77"/>
               <a:ea typeface="ＭＳ Ｐゴシック" panose="020B0600070205080204" pitchFamily="34" charset="-128"/>
             </a:endParaRPr>
           </a:p>
@@ -10518,55 +10626,6 @@
                       </p:childTnLst>
                     </p:cTn>
                   </p:par>
-                  <p:par>
-                    <p:cTn id="15" fill="hold">
-                      <p:stCondLst>
-                        <p:cond delay="indefinite"/>
-                      </p:stCondLst>
-                      <p:childTnLst>
-                        <p:par>
-                          <p:cTn id="16" fill="hold">
-                            <p:stCondLst>
-                              <p:cond delay="0"/>
-                            </p:stCondLst>
-                            <p:childTnLst>
-                              <p:par>
-                                <p:cTn id="17" presetID="1" presetClass="entr" presetSubtype="0" fill="hold" nodeType="clickEffect">
-                                  <p:stCondLst>
-                                    <p:cond delay="0"/>
-                                  </p:stCondLst>
-                                  <p:childTnLst>
-                                    <p:set>
-                                      <p:cBhvr>
-                                        <p:cTn id="18" dur="1" fill="hold">
-                                          <p:stCondLst>
-                                            <p:cond delay="0"/>
-                                          </p:stCondLst>
-                                        </p:cTn>
-                                        <p:tgtEl>
-                                          <p:spTgt spid="7170">
-                                            <p:txEl>
-                                              <p:pRg st="8" end="8"/>
-                                            </p:txEl>
-                                          </p:spTgt>
-                                        </p:tgtEl>
-                                        <p:attrNameLst>
-                                          <p:attrName>style.visibility</p:attrName>
-                                        </p:attrNameLst>
-                                      </p:cBhvr>
-                                      <p:to>
-                                        <p:strVal val="visible"/>
-                                      </p:to>
-                                    </p:set>
-                                  </p:childTnLst>
-                                </p:cTn>
-                              </p:par>
-                            </p:childTnLst>
-                          </p:cTn>
-                        </p:par>
-                      </p:childTnLst>
-                    </p:cTn>
-                  </p:par>
                 </p:childTnLst>
               </p:cTn>
               <p:prevCondLst>
@@ -10823,77 +10882,6 @@
               <a:solidFill>
                 <a:srgbClr val="7030A0"/>
               </a:solidFill>
-              <a:latin typeface="INCONSOLATA" panose="020B0609030003000000" pitchFamily="49" charset="77"/>
-              <a:ea typeface="ＭＳ Ｐゴシック" panose="020B0600070205080204" pitchFamily="34" charset="-128"/>
-            </a:endParaRPr>
-          </a:p>
-          <a:p>
-            <a:pPr marL="0" indent="0">
-              <a:buNone/>
-            </a:pPr>
-            <a:r>
-              <a:rPr lang="en-US" altLang="en-US" sz="1800" dirty="0">
-                <a:solidFill>
-                  <a:srgbClr val="7030A0"/>
-                </a:solidFill>
-                <a:latin typeface="INCONSOLATA" panose="020B0609030003000000" pitchFamily="49" charset="77"/>
-                <a:ea typeface="ＭＳ Ｐゴシック" panose="020B0600070205080204" pitchFamily="34" charset="-128"/>
-              </a:rPr>
-              <a:t>    def </a:t>
-            </a:r>
-            <a:r>
-              <a:rPr lang="en-US" altLang="en-US" sz="1800" dirty="0" err="1">
-                <a:solidFill>
-                  <a:srgbClr val="7030A0"/>
-                </a:solidFill>
-                <a:latin typeface="INCONSOLATA" panose="020B0609030003000000" pitchFamily="49" charset="77"/>
-                <a:ea typeface="ＭＳ Ｐゴシック" panose="020B0600070205080204" pitchFamily="34" charset="-128"/>
-              </a:rPr>
-              <a:t>on_update</a:t>
-            </a:r>
-            <a:r>
-              <a:rPr lang="en-US" altLang="en-US" sz="1800" dirty="0">
-                <a:solidFill>
-                  <a:srgbClr val="7030A0"/>
-                </a:solidFill>
-                <a:latin typeface="INCONSOLATA" panose="020B0609030003000000" pitchFamily="49" charset="77"/>
-                <a:ea typeface="ＭＳ Ｐゴシック" panose="020B0600070205080204" pitchFamily="34" charset="-128"/>
-              </a:rPr>
-              <a:t>(self):</a:t>
-            </a:r>
-          </a:p>
-          <a:p>
-            <a:pPr marL="0" indent="0">
-              <a:buNone/>
-            </a:pPr>
-            <a:r>
-              <a:rPr lang="en-US" altLang="en-US" sz="1800" dirty="0">
-                <a:solidFill>
-                  <a:srgbClr val="7030A0"/>
-                </a:solidFill>
-                <a:latin typeface="INCONSOLATA" panose="020B0609030003000000" pitchFamily="49" charset="77"/>
-                <a:ea typeface="ＭＳ Ｐゴシック" panose="020B0600070205080204" pitchFamily="34" charset="-128"/>
-              </a:rPr>
-              <a:t>        """ Called automatically 60 times a second to update all objects.""" </a:t>
-            </a:r>
-          </a:p>
-          <a:p>
-            <a:pPr marL="0" indent="0">
-              <a:buNone/>
-            </a:pPr>
-            <a:r>
-              <a:rPr lang="en-US" altLang="en-US" sz="1800" dirty="0">
-                <a:latin typeface="INCONSOLATA" panose="020B0609030003000000" pitchFamily="49" charset="77"/>
-                <a:ea typeface="ＭＳ Ｐゴシック" panose="020B0600070205080204" pitchFamily="34" charset="-128"/>
-              </a:rPr>
-              <a:t>        </a:t>
-            </a:r>
-          </a:p>
-          <a:p>
-            <a:pPr marL="0" indent="0">
-              <a:buNone/>
-            </a:pPr>
-            <a:endParaRPr lang="en-US" altLang="en-US" sz="1800" dirty="0">
               <a:latin typeface="INCONSOLATA" panose="020B0609030003000000" pitchFamily="49" charset="77"/>
               <a:ea typeface="ＭＳ Ｐゴシック" panose="020B0600070205080204" pitchFamily="34" charset="-128"/>
             </a:endParaRPr>
@@ -11103,7 +11091,7 @@
                   <a:srgbClr val="FF0000"/>
                 </a:solidFill>
               </a:rPr>
-              <a:t>to draw all images</a:t>
+              <a:t>to draw and update all images</a:t>
             </a:r>
           </a:p>
         </p:txBody>
@@ -11125,104 +11113,6 @@
         <p:spPr>
           <a:xfrm flipH="1" flipV="1">
             <a:off x="1366093" y="2900324"/>
-            <a:ext cx="1969362" cy="148950"/>
-          </a:xfrm>
-          <a:prstGeom prst="straightConnector1">
-            <a:avLst/>
-          </a:prstGeom>
-          <a:ln w="31750">
-            <a:tailEnd type="triangle"/>
-          </a:ln>
-        </p:spPr>
-        <p:style>
-          <a:lnRef idx="1">
-            <a:schemeClr val="accent1"/>
-          </a:lnRef>
-          <a:fillRef idx="0">
-            <a:schemeClr val="accent1"/>
-          </a:fillRef>
-          <a:effectRef idx="0">
-            <a:schemeClr val="accent1"/>
-          </a:effectRef>
-          <a:fontRef idx="minor">
-            <a:schemeClr val="tx1"/>
-          </a:fontRef>
-        </p:style>
-      </p:cxnSp>
-      <p:sp>
-        <p:nvSpPr>
-          <p:cNvPr id="15" name="TextBox 14">
-            <a:extLst>
-              <a:ext uri="{FF2B5EF4-FFF2-40B4-BE49-F238E27FC236}">
-                <a16:creationId xmlns:a16="http://schemas.microsoft.com/office/drawing/2014/main" id="{3FA56609-6251-2345-BA26-D035BE446C47}"/>
-              </a:ext>
-            </a:extLst>
-          </p:cNvPr>
-          <p:cNvSpPr txBox="1"/>
-          <p:nvPr/>
-        </p:nvSpPr>
-        <p:spPr>
-          <a:xfrm>
-            <a:off x="3252387" y="4297740"/>
-            <a:ext cx="5266891" cy="707886"/>
-          </a:xfrm>
-          <a:prstGeom prst="rect">
-            <a:avLst/>
-          </a:prstGeom>
-          <a:noFill/>
-        </p:spPr>
-        <p:txBody>
-          <a:bodyPr wrap="none" rtlCol="0">
-            <a:spAutoFit/>
-          </a:bodyPr>
-          <a:lstStyle/>
-          <a:p>
-            <a:r>
-              <a:rPr lang="en-US" sz="2000" dirty="0" err="1">
-                <a:solidFill>
-                  <a:srgbClr val="FF0000"/>
-                </a:solidFill>
-              </a:rPr>
-              <a:t>on_update</a:t>
-            </a:r>
-            <a:r>
-              <a:rPr lang="en-US" sz="2000" dirty="0">
-                <a:solidFill>
-                  <a:srgbClr val="FF0000"/>
-                </a:solidFill>
-              </a:rPr>
-              <a:t> runs automatically 60 times a second </a:t>
-            </a:r>
-          </a:p>
-          <a:p>
-            <a:r>
-              <a:rPr lang="en-US" sz="2000" dirty="0">
-                <a:solidFill>
-                  <a:srgbClr val="FF0000"/>
-                </a:solidFill>
-              </a:rPr>
-              <a:t>to update variables</a:t>
-            </a:r>
-          </a:p>
-        </p:txBody>
-      </p:sp>
-      <p:cxnSp>
-        <p:nvCxnSpPr>
-          <p:cNvPr id="16" name="Straight Arrow Connector 15">
-            <a:extLst>
-              <a:ext uri="{FF2B5EF4-FFF2-40B4-BE49-F238E27FC236}">
-                <a16:creationId xmlns:a16="http://schemas.microsoft.com/office/drawing/2014/main" id="{75E9AD7F-0E14-4E4B-9F19-CF7FF14EDDA7}"/>
-              </a:ext>
-            </a:extLst>
-          </p:cNvPr>
-          <p:cNvCxnSpPr>
-            <a:cxnSpLocks/>
-          </p:cNvCxnSpPr>
-          <p:nvPr/>
-        </p:nvCxnSpPr>
-        <p:spPr>
-          <a:xfrm flipH="1" flipV="1">
-            <a:off x="1283025" y="4291664"/>
             <a:ext cx="1969362" cy="148950"/>
           </a:xfrm>
           <a:prstGeom prst="straightConnector1">
@@ -11437,78 +11327,6 @@
                       </p:childTnLst>
                     </p:cTn>
                   </p:par>
-                  <p:par>
-                    <p:cTn id="17" fill="hold">
-                      <p:stCondLst>
-                        <p:cond delay="indefinite"/>
-                      </p:stCondLst>
-                      <p:childTnLst>
-                        <p:par>
-                          <p:cTn id="18" fill="hold">
-                            <p:stCondLst>
-                              <p:cond delay="0"/>
-                            </p:stCondLst>
-                            <p:childTnLst>
-                              <p:par>
-                                <p:cTn id="19" presetID="1" presetClass="entr" presetSubtype="0" fill="hold" nodeType="clickEffect">
-                                  <p:stCondLst>
-                                    <p:cond delay="0"/>
-                                  </p:stCondLst>
-                                  <p:childTnLst>
-                                    <p:set>
-                                      <p:cBhvr>
-                                        <p:cTn id="20" dur="1" fill="hold">
-                                          <p:stCondLst>
-                                            <p:cond delay="0"/>
-                                          </p:stCondLst>
-                                        </p:cTn>
-                                        <p:tgtEl>
-                                          <p:spTgt spid="16"/>
-                                        </p:tgtEl>
-                                        <p:attrNameLst>
-                                          <p:attrName>style.visibility</p:attrName>
-                                        </p:attrNameLst>
-                                      </p:cBhvr>
-                                      <p:to>
-                                        <p:strVal val="visible"/>
-                                      </p:to>
-                                    </p:set>
-                                  </p:childTnLst>
-                                </p:cTn>
-                              </p:par>
-                              <p:par>
-                                <p:cTn id="21" presetID="1" presetClass="entr" presetSubtype="0" fill="hold" grpId="0" nodeType="withEffect">
-                                  <p:stCondLst>
-                                    <p:cond delay="0"/>
-                                  </p:stCondLst>
-                                  <p:childTnLst>
-                                    <p:set>
-                                      <p:cBhvr>
-                                        <p:cTn id="22" dur="1" fill="hold">
-                                          <p:stCondLst>
-                                            <p:cond delay="0"/>
-                                          </p:stCondLst>
-                                        </p:cTn>
-                                        <p:tgtEl>
-                                          <p:spTgt spid="15"/>
-                                        </p:tgtEl>
-                                        <p:attrNameLst>
-                                          <p:attrName>style.visibility</p:attrName>
-                                        </p:attrNameLst>
-                                      </p:cBhvr>
-                                      <p:to>
-                                        <p:strVal val="visible"/>
-                                      </p:to>
-                                    </p:set>
-                                  </p:childTnLst>
-                                </p:cTn>
-                              </p:par>
-                            </p:childTnLst>
-                          </p:cTn>
-                        </p:par>
-                      </p:childTnLst>
-                    </p:cTn>
-                  </p:par>
                 </p:childTnLst>
               </p:cTn>
               <p:prevCondLst>
@@ -11534,7 +11352,6 @@
       <p:bldP spid="2" grpId="0"/>
       <p:bldP spid="7" grpId="0"/>
       <p:bldP spid="10" grpId="0"/>
-      <p:bldP spid="15" grpId="0"/>
     </p:bldLst>
   </p:timing>
 </p:sld>
@@ -11806,7 +11623,7 @@
                 <a:latin typeface="INCONSOLATA" panose="020B0609030003000000" pitchFamily="49" charset="77"/>
                 <a:ea typeface="ＭＳ Ｐゴシック" panose="020B0600070205080204" pitchFamily="34" charset="-128"/>
               </a:rPr>
-              <a:t>        """ Called automatically 60 times a second to draw all objects.""" </a:t>
+              <a:t>        """ Called automatically 60 times a second to draw/update objects.""" </a:t>
             </a:r>
           </a:p>
           <a:p>
@@ -11898,121 +11715,6 @@
             <a:pPr marL="0" indent="0">
               <a:buNone/>
             </a:pPr>
-            <a:endParaRPr lang="en-US" altLang="en-US" sz="1700" dirty="0">
-              <a:solidFill>
-                <a:srgbClr val="7030A0"/>
-              </a:solidFill>
-              <a:latin typeface="INCONSOLATA" panose="020B0609030003000000" pitchFamily="49" charset="77"/>
-              <a:ea typeface="ＭＳ Ｐゴシック" panose="020B0600070205080204" pitchFamily="34" charset="-128"/>
-            </a:endParaRPr>
-          </a:p>
-          <a:p>
-            <a:pPr marL="0" indent="0">
-              <a:buNone/>
-            </a:pPr>
-            <a:r>
-              <a:rPr lang="en-US" altLang="en-US" sz="1700" dirty="0">
-                <a:solidFill>
-                  <a:srgbClr val="7030A0"/>
-                </a:solidFill>
-                <a:latin typeface="INCONSOLATA" panose="020B0609030003000000" pitchFamily="49" charset="77"/>
-                <a:ea typeface="ＭＳ Ｐゴシック" panose="020B0600070205080204" pitchFamily="34" charset="-128"/>
-              </a:rPr>
-              <a:t>    def </a:t>
-            </a:r>
-            <a:r>
-              <a:rPr lang="en-US" altLang="en-US" sz="1700" dirty="0" err="1">
-                <a:solidFill>
-                  <a:srgbClr val="7030A0"/>
-                </a:solidFill>
-                <a:latin typeface="INCONSOLATA" panose="020B0609030003000000" pitchFamily="49" charset="77"/>
-                <a:ea typeface="ＭＳ Ｐゴシック" panose="020B0600070205080204" pitchFamily="34" charset="-128"/>
-              </a:rPr>
-              <a:t>on_update</a:t>
-            </a:r>
-            <a:r>
-              <a:rPr lang="en-US" altLang="en-US" sz="1700" dirty="0">
-                <a:solidFill>
-                  <a:srgbClr val="7030A0"/>
-                </a:solidFill>
-                <a:latin typeface="INCONSOLATA" panose="020B0609030003000000" pitchFamily="49" charset="77"/>
-                <a:ea typeface="ＭＳ Ｐゴシック" panose="020B0600070205080204" pitchFamily="34" charset="-128"/>
-              </a:rPr>
-              <a:t>(self):</a:t>
-            </a:r>
-          </a:p>
-          <a:p>
-            <a:pPr marL="0" indent="0">
-              <a:buNone/>
-            </a:pPr>
-            <a:r>
-              <a:rPr lang="en-US" altLang="en-US" sz="1700" dirty="0">
-                <a:solidFill>
-                  <a:srgbClr val="7030A0"/>
-                </a:solidFill>
-                <a:latin typeface="INCONSOLATA" panose="020B0609030003000000" pitchFamily="49" charset="77"/>
-                <a:ea typeface="ＭＳ Ｐゴシック" panose="020B0600070205080204" pitchFamily="34" charset="-128"/>
-              </a:rPr>
-              <a:t>        """ Called automatically 60 times a second to update all objects.""" </a:t>
-            </a:r>
-          </a:p>
-          <a:p>
-            <a:pPr marL="0" indent="0">
-              <a:buNone/>
-            </a:pPr>
-            <a:r>
-              <a:rPr lang="en-US" altLang="en-US" sz="1700" dirty="0">
-                <a:latin typeface="INCONSOLATA" panose="020B0609030003000000" pitchFamily="49" charset="77"/>
-                <a:ea typeface="ＭＳ Ｐゴシック" panose="020B0600070205080204" pitchFamily="34" charset="-128"/>
-              </a:rPr>
-              <a:t>        </a:t>
-            </a:r>
-            <a:r>
-              <a:rPr lang="en-US" altLang="en-US" sz="1700" dirty="0" err="1">
-                <a:latin typeface="INCONSOLATA" panose="020B0609030003000000" pitchFamily="49" charset="77"/>
-                <a:ea typeface="ＭＳ Ｐゴシック" panose="020B0600070205080204" pitchFamily="34" charset="-128"/>
-              </a:rPr>
-              <a:t>self.x</a:t>
-            </a:r>
-            <a:r>
-              <a:rPr lang="en-US" altLang="en-US" sz="1700" dirty="0">
-                <a:latin typeface="INCONSOLATA" panose="020B0609030003000000" pitchFamily="49" charset="77"/>
-                <a:ea typeface="ＭＳ Ｐゴシック" panose="020B0600070205080204" pitchFamily="34" charset="-128"/>
-              </a:rPr>
-              <a:t> += 5	    </a:t>
-            </a:r>
-            <a:r>
-              <a:rPr lang="en-US" altLang="en-US" sz="1700" dirty="0">
-                <a:solidFill>
-                  <a:srgbClr val="FF0000"/>
-                </a:solidFill>
-                <a:latin typeface="INCONSOLATA" panose="020B0609030003000000" pitchFamily="49" charset="77"/>
-                <a:ea typeface="ＭＳ Ｐゴシック" panose="020B0600070205080204" pitchFamily="34" charset="-128"/>
-              </a:rPr>
-              <a:t># valid! </a:t>
-            </a:r>
-          </a:p>
-          <a:p>
-            <a:pPr marL="0" indent="0">
-              <a:buNone/>
-            </a:pPr>
-            <a:r>
-              <a:rPr lang="en-US" altLang="en-US" sz="1700" dirty="0">
-                <a:latin typeface="INCONSOLATA" panose="020B0609030003000000" pitchFamily="49" charset="77"/>
-                <a:ea typeface="ＭＳ Ｐゴシック" panose="020B0600070205080204" pitchFamily="34" charset="-128"/>
-              </a:rPr>
-              <a:t>        y += 1	    </a:t>
-            </a:r>
-            <a:r>
-              <a:rPr lang="en-US" altLang="en-US" sz="1700" dirty="0">
-                <a:solidFill>
-                  <a:srgbClr val="FF0000"/>
-                </a:solidFill>
-                <a:latin typeface="INCONSOLATA" panose="020B0609030003000000" pitchFamily="49" charset="77"/>
-                <a:ea typeface="ＭＳ Ｐゴシック" panose="020B0600070205080204" pitchFamily="34" charset="-128"/>
-              </a:rPr>
-              <a:t># error! y does not exist here!</a:t>
-            </a:r>
             <a:endParaRPr lang="en-US" altLang="en-US" sz="1700" dirty="0">
               <a:solidFill>
                 <a:srgbClr val="7030A0"/>
@@ -12473,104 +12175,6 @@
                       </p:childTnLst>
                     </p:cTn>
                   </p:par>
-                  <p:par>
-                    <p:cTn id="23" fill="hold">
-                      <p:stCondLst>
-                        <p:cond delay="indefinite"/>
-                      </p:stCondLst>
-                      <p:childTnLst>
-                        <p:par>
-                          <p:cTn id="24" fill="hold">
-                            <p:stCondLst>
-                              <p:cond delay="0"/>
-                            </p:stCondLst>
-                            <p:childTnLst>
-                              <p:par>
-                                <p:cTn id="25" presetID="1" presetClass="entr" presetSubtype="0" fill="hold" nodeType="clickEffect">
-                                  <p:stCondLst>
-                                    <p:cond delay="0"/>
-                                  </p:stCondLst>
-                                  <p:childTnLst>
-                                    <p:set>
-                                      <p:cBhvr>
-                                        <p:cTn id="26" dur="1" fill="hold">
-                                          <p:stCondLst>
-                                            <p:cond delay="0"/>
-                                          </p:stCondLst>
-                                        </p:cTn>
-                                        <p:tgtEl>
-                                          <p:spTgt spid="35842">
-                                            <p:txEl>
-                                              <p:pRg st="13" end="13"/>
-                                            </p:txEl>
-                                          </p:spTgt>
-                                        </p:tgtEl>
-                                        <p:attrNameLst>
-                                          <p:attrName>style.visibility</p:attrName>
-                                        </p:attrNameLst>
-                                      </p:cBhvr>
-                                      <p:to>
-                                        <p:strVal val="visible"/>
-                                      </p:to>
-                                    </p:set>
-                                  </p:childTnLst>
-                                </p:cTn>
-                              </p:par>
-                            </p:childTnLst>
-                          </p:cTn>
-                        </p:par>
-                      </p:childTnLst>
-                    </p:cTn>
-                  </p:par>
-                  <p:par>
-                    <p:cTn id="27" fill="hold">
-                      <p:stCondLst>
-                        <p:cond delay="indefinite"/>
-                      </p:stCondLst>
-                      <p:childTnLst>
-                        <p:par>
-                          <p:cTn id="28" fill="hold">
-                            <p:stCondLst>
-                              <p:cond delay="0"/>
-                            </p:stCondLst>
-                            <p:childTnLst>
-                              <p:par>
-                                <p:cTn id="29" presetID="1" presetClass="entr" presetSubtype="0" fill="hold" nodeType="clickEffect">
-                                  <p:stCondLst>
-                                    <p:cond delay="0"/>
-                                  </p:stCondLst>
-                                  <p:childTnLst>
-                                    <p:set>
-                                      <p:cBhvr>
-                                        <p:cTn id="30" dur="1" fill="hold">
-                                          <p:stCondLst>
-                                            <p:cond delay="0"/>
-                                          </p:stCondLst>
-                                        </p:cTn>
-                                        <p:tgtEl>
-                                          <p:spTgt spid="35842">
-                                            <p:txEl>
-                                              <p:pRg st="14" end="14"/>
-                                            </p:txEl>
-                                          </p:spTgt>
-                                        </p:tgtEl>
-                                        <p:attrNameLst>
-                                          <p:attrName>style.visibility</p:attrName>
-                                        </p:attrNameLst>
-                                      </p:cBhvr>
-                                      <p:to>
-                                        <p:strVal val="visible"/>
-                                      </p:to>
-                                    </p:set>
-                                  </p:childTnLst>
-                                </p:cTn>
-                              </p:par>
-                            </p:childTnLst>
-                          </p:cTn>
-                        </p:par>
-                      </p:childTnLst>
-                    </p:cTn>
-                  </p:par>
                 </p:childTnLst>
               </p:cTn>
               <p:prevCondLst>
@@ -12864,7 +12468,7 @@
                 <a:latin typeface="INCONSOLATA" panose="020B0609030003000000" pitchFamily="49" charset="77"/>
                 <a:ea typeface="ＭＳ Ｐゴシック" panose="020B0600070205080204" pitchFamily="34" charset="-128"/>
               </a:rPr>
-              <a:t>        """ Called automatically 60 times a second to draw all objects.""" </a:t>
+              <a:t>        """ Called automatically 60 times a second to draw/update all objects.""" </a:t>
             </a:r>
           </a:p>
           <a:p>
@@ -12914,74 +12518,15 @@
             <a:pPr marL="0" indent="0">
               <a:buNone/>
             </a:pPr>
-            <a:endParaRPr lang="en-US" altLang="en-US" sz="1700" dirty="0">
-              <a:solidFill>
-                <a:srgbClr val="7030A0"/>
-              </a:solidFill>
-              <a:latin typeface="INCONSOLATA" panose="020B0609030003000000" pitchFamily="49" charset="77"/>
-              <a:ea typeface="ＭＳ Ｐゴシック" panose="020B0600070205080204" pitchFamily="34" charset="-128"/>
-            </a:endParaRPr>
-          </a:p>
-          <a:p>
-            <a:pPr marL="0" indent="0">
-              <a:buNone/>
-            </a:pPr>
             <a:r>
               <a:rPr lang="en-US" altLang="en-US" sz="1700" dirty="0">
                 <a:solidFill>
-                  <a:srgbClr val="7030A0"/>
+                  <a:srgbClr val="FF0000"/>
                 </a:solidFill>
                 <a:latin typeface="INCONSOLATA" panose="020B0609030003000000" pitchFamily="49" charset="77"/>
                 <a:ea typeface="ＭＳ Ｐゴシック" panose="020B0600070205080204" pitchFamily="34" charset="-128"/>
               </a:rPr>
-              <a:t>    def </a:t>
-            </a:r>
-            <a:r>
-              <a:rPr lang="en-US" altLang="en-US" sz="1700" dirty="0" err="1">
-                <a:solidFill>
-                  <a:srgbClr val="7030A0"/>
-                </a:solidFill>
-                <a:latin typeface="INCONSOLATA" panose="020B0609030003000000" pitchFamily="49" charset="77"/>
-                <a:ea typeface="ＭＳ Ｐゴシック" panose="020B0600070205080204" pitchFamily="34" charset="-128"/>
-              </a:rPr>
-              <a:t>on_update</a:t>
-            </a:r>
-            <a:r>
-              <a:rPr lang="en-US" altLang="en-US" sz="1700" dirty="0">
-                <a:solidFill>
-                  <a:srgbClr val="7030A0"/>
-                </a:solidFill>
-                <a:latin typeface="INCONSOLATA" panose="020B0609030003000000" pitchFamily="49" charset="77"/>
-                <a:ea typeface="ＭＳ Ｐゴシック" panose="020B0600070205080204" pitchFamily="34" charset="-128"/>
-              </a:rPr>
-              <a:t>(self):</a:t>
-            </a:r>
-          </a:p>
-          <a:p>
-            <a:pPr marL="0" indent="0">
-              <a:buNone/>
-            </a:pPr>
-            <a:r>
-              <a:rPr lang="en-US" altLang="en-US" sz="1700" dirty="0">
-                <a:solidFill>
-                  <a:srgbClr val="7030A0"/>
-                </a:solidFill>
-                <a:latin typeface="INCONSOLATA" panose="020B0609030003000000" pitchFamily="49" charset="77"/>
-                <a:ea typeface="ＭＳ Ｐゴシック" panose="020B0600070205080204" pitchFamily="34" charset="-128"/>
-              </a:rPr>
-              <a:t>        """ Called automatically 60 times a second to update all objects.""" </a:t>
-            </a:r>
-          </a:p>
-          <a:p>
-            <a:pPr marL="0" indent="0">
-              <a:buNone/>
-            </a:pPr>
-            <a:r>
-              <a:rPr lang="en-US" altLang="en-US" sz="1700" dirty="0">
-                <a:latin typeface="INCONSOLATA" panose="020B0609030003000000" pitchFamily="49" charset="77"/>
-                <a:ea typeface="ＭＳ Ｐゴシック" panose="020B0600070205080204" pitchFamily="34" charset="-128"/>
-              </a:rPr>
-              <a:t>        </a:t>
+              <a:t>	  </a:t>
             </a:r>
             <a:r>
               <a:rPr lang="en-US" altLang="en-US" sz="1700" dirty="0" err="1">
@@ -13052,7 +12597,7 @@
         <p:spPr>
           <a:xfrm>
             <a:off x="5625884" y="1673816"/>
-            <a:ext cx="2686376" cy="1938992"/>
+            <a:ext cx="2574744" cy="1938992"/>
           </a:xfrm>
           <a:prstGeom prst="rect">
             <a:avLst/>
@@ -13071,23 +12616,7 @@
                   <a:srgbClr val="FF0000"/>
                 </a:solidFill>
               </a:rPr>
-              <a:t>Answer: </a:t>
-            </a:r>
-            <a:r>
-              <a:rPr lang="en-US" sz="2000" dirty="0" err="1">
-                <a:solidFill>
-                  <a:srgbClr val="FF0000"/>
-                </a:solidFill>
-              </a:rPr>
-              <a:t>self.x</a:t>
-            </a:r>
-            <a:r>
-              <a:rPr lang="en-US" sz="2000" dirty="0">
-                <a:solidFill>
-                  <a:srgbClr val="FF0000"/>
-                </a:solidFill>
-              </a:rPr>
-              <a:t> has value:</a:t>
+              <a:t>Answer: Prints:</a:t>
             </a:r>
           </a:p>
           <a:p>
@@ -13451,6 +12980,15 @@
             <a:pPr marL="0" indent="0">
               <a:buNone/>
             </a:pPr>
+            <a:endParaRPr lang="en-US" altLang="en-US" sz="1800" dirty="0">
+              <a:latin typeface="INCONSOLATA" panose="020B0609030003000000" pitchFamily="49" charset="77"/>
+              <a:ea typeface="ＭＳ Ｐゴシック" panose="020B0600070205080204" pitchFamily="34" charset="-128"/>
+            </a:endParaRPr>
+          </a:p>
+          <a:p>
+            <a:pPr marL="0" indent="0">
+              <a:buNone/>
+            </a:pPr>
             <a:r>
               <a:rPr lang="en-US" altLang="en-US" sz="1800" dirty="0">
                 <a:latin typeface="INCONSOLATA" panose="020B0609030003000000" pitchFamily="49" charset="77"/>
@@ -13501,7 +13039,7 @@
                 <a:latin typeface="INCONSOLATA" panose="020B0609030003000000" pitchFamily="49" charset="77"/>
                 <a:ea typeface="ＭＳ Ｐゴシック" panose="020B0600070205080204" pitchFamily="34" charset="-128"/>
               </a:rPr>
-              <a:t>        """ Called automatically 60 times a second to draw all objects.""" </a:t>
+              <a:t>        """ Called automatically 60 times/second to draw/update objects.""" </a:t>
             </a:r>
           </a:p>
           <a:p>
@@ -13576,75 +13114,11 @@
               <a:buNone/>
             </a:pPr>
             <a:r>
-              <a:rPr lang="en-US" altLang="en-US" sz="1800" dirty="0">
-                <a:latin typeface="INCONSOLATA" panose="020B0609030003000000" pitchFamily="49" charset="77"/>
-                <a:ea typeface="ＭＳ Ｐゴシック" panose="020B0600070205080204" pitchFamily="34" charset="-128"/>
-              </a:rPr>
-              <a:t>    </a:t>
-            </a:r>
-            <a:r>
-              <a:rPr lang="en-US" altLang="en-US" sz="1800" dirty="0">
-                <a:solidFill>
-                  <a:srgbClr val="7030A0"/>
-                </a:solidFill>
-                <a:latin typeface="INCONSOLATA" panose="020B0609030003000000" pitchFamily="49" charset="77"/>
-                <a:ea typeface="ＭＳ Ｐゴシック" panose="020B0600070205080204" pitchFamily="34" charset="-128"/>
-              </a:rPr>
-              <a:t>def </a:t>
-            </a:r>
-            <a:r>
-              <a:rPr lang="en-US" altLang="en-US" sz="1800" dirty="0" err="1">
-                <a:solidFill>
-                  <a:srgbClr val="7030A0"/>
-                </a:solidFill>
-                <a:latin typeface="INCONSOLATA" panose="020B0609030003000000" pitchFamily="49" charset="77"/>
-                <a:ea typeface="ＭＳ Ｐゴシック" panose="020B0600070205080204" pitchFamily="34" charset="-128"/>
-              </a:rPr>
-              <a:t>on_update</a:t>
-            </a:r>
-            <a:r>
-              <a:rPr lang="en-US" altLang="en-US" sz="1800" dirty="0">
-                <a:solidFill>
-                  <a:srgbClr val="7030A0"/>
-                </a:solidFill>
-                <a:latin typeface="INCONSOLATA" panose="020B0609030003000000" pitchFamily="49" charset="77"/>
-                <a:ea typeface="ＭＳ Ｐゴシック" panose="020B0600070205080204" pitchFamily="34" charset="-128"/>
-              </a:rPr>
-              <a:t>(self):</a:t>
-            </a:r>
-          </a:p>
-          <a:p>
-            <a:pPr marL="0" indent="0">
-              <a:buNone/>
-            </a:pPr>
-            <a:r>
-              <a:rPr lang="en-US" altLang="en-US" sz="1800" dirty="0">
-                <a:solidFill>
-                  <a:srgbClr val="7030A0"/>
-                </a:solidFill>
-                <a:latin typeface="INCONSOLATA" panose="020B0609030003000000" pitchFamily="49" charset="77"/>
-                <a:ea typeface="ＭＳ Ｐゴシック" panose="020B0600070205080204" pitchFamily="34" charset="-128"/>
-              </a:rPr>
-              <a:t>        """ Called automatically 60 times a second to update all objects.""" </a:t>
-            </a:r>
-          </a:p>
-          <a:p>
-            <a:pPr marL="0" indent="0">
-              <a:buNone/>
-            </a:pPr>
-            <a:r>
-              <a:rPr lang="en-US" altLang="en-US" sz="1800" dirty="0">
-                <a:latin typeface="INCONSOLATA" panose="020B0609030003000000" pitchFamily="49" charset="77"/>
-                <a:ea typeface="ＭＳ Ｐゴシック" panose="020B0600070205080204" pitchFamily="34" charset="-128"/>
-              </a:rPr>
-              <a:t>        </a:t>
-            </a:r>
-            <a:r>
               <a:rPr lang="en-US" altLang="en-US" sz="1800" dirty="0" err="1">
                 <a:latin typeface="INCONSOLATA" panose="020B0609030003000000" pitchFamily="49" charset="77"/>
                 <a:ea typeface="ＭＳ Ｐゴシック" panose="020B0600070205080204" pitchFamily="34" charset="-128"/>
               </a:rPr>
-              <a:t>self.x</a:t>
+              <a:t>	  self.x</a:t>
             </a:r>
             <a:r>
               <a:rPr lang="en-US" altLang="en-US" sz="1800" dirty="0">
@@ -13731,7 +13205,7 @@
         <p:spPr>
           <a:xfrm>
             <a:off x="4138330" y="4938256"/>
-            <a:ext cx="4244239" cy="400110"/>
+            <a:ext cx="4244239" cy="707886"/>
           </a:xfrm>
           <a:prstGeom prst="rect">
             <a:avLst/>
@@ -13750,7 +13224,7 @@
                   <a:srgbClr val="FF0000"/>
                 </a:solidFill>
               </a:rPr>
-              <a:t>move circle 5 pixels to the right</a:t>
+              <a:t>(update) move circle 5 pixels to the right</a:t>
             </a:r>
           </a:p>
         </p:txBody>
@@ -13772,8 +13246,8 @@
         </p:nvCxnSpPr>
         <p:spPr>
           <a:xfrm flipH="1" flipV="1">
-            <a:off x="2588966" y="5045725"/>
-            <a:ext cx="1549364" cy="92586"/>
+            <a:off x="2511846" y="4800010"/>
+            <a:ext cx="1626484" cy="492189"/>
           </a:xfrm>
           <a:prstGeom prst="straightConnector1">
             <a:avLst/>
@@ -13811,7 +13285,7 @@
         </p:nvSpPr>
         <p:spPr>
           <a:xfrm>
-            <a:off x="4814035" y="3328757"/>
+            <a:off x="5100473" y="3296014"/>
             <a:ext cx="4244239" cy="707886"/>
           </a:xfrm>
           <a:prstGeom prst="rect">
@@ -13897,61 +13371,18 @@
           </p:cNvPr>
           <p:cNvCxnSpPr>
             <a:cxnSpLocks/>
-            <a:stCxn id="13" idx="1"/>
           </p:cNvCxnSpPr>
           <p:nvPr/>
         </p:nvCxnSpPr>
         <p:spPr>
-          <a:xfrm flipH="1" flipV="1">
-            <a:off x="3404212" y="3609034"/>
-            <a:ext cx="1409823" cy="73666"/>
+          <a:xfrm flipH="1">
+            <a:off x="3679634" y="3723623"/>
+            <a:ext cx="1420838" cy="280277"/>
           </a:xfrm>
           <a:prstGeom prst="straightConnector1">
             <a:avLst/>
           </a:prstGeom>
           <a:ln w="31750">
-            <a:tailEnd type="triangle"/>
-          </a:ln>
-        </p:spPr>
-        <p:style>
-          <a:lnRef idx="1">
-            <a:schemeClr val="accent1"/>
-          </a:lnRef>
-          <a:fillRef idx="0">
-            <a:schemeClr val="accent1"/>
-          </a:fillRef>
-          <a:effectRef idx="0">
-            <a:schemeClr val="accent1"/>
-          </a:effectRef>
-          <a:fontRef idx="minor">
-            <a:schemeClr val="tx1"/>
-          </a:fontRef>
-        </p:style>
-      </p:cxnSp>
-      <p:cxnSp>
-        <p:nvCxnSpPr>
-          <p:cNvPr id="4" name="Straight Arrow Connector 3">
-            <a:extLst>
-              <a:ext uri="{FF2B5EF4-FFF2-40B4-BE49-F238E27FC236}">
-                <a16:creationId xmlns:a16="http://schemas.microsoft.com/office/drawing/2014/main" id="{AAD80A7D-A15D-B444-A8B7-BD503C23B280}"/>
-              </a:ext>
-            </a:extLst>
-          </p:cNvPr>
-          <p:cNvCxnSpPr>
-            <a:cxnSpLocks/>
-          </p:cNvCxnSpPr>
-          <p:nvPr/>
-        </p:nvCxnSpPr>
-        <p:spPr>
-          <a:xfrm>
-            <a:off x="6137329" y="4036643"/>
-            <a:ext cx="0" cy="901613"/>
-          </a:xfrm>
-          <a:prstGeom prst="straightConnector1">
-            <a:avLst/>
-          </a:prstGeom>
-          <a:ln w="38100">
-            <a:headEnd type="triangle"/>
             <a:tailEnd type="triangle"/>
           </a:ln>
         </p:spPr>
@@ -14244,33 +13675,6 @@
                                         </p:cTn>
                                         <p:tgtEl>
                                           <p:spTgt spid="16"/>
-                                        </p:tgtEl>
-                                        <p:attrNameLst>
-                                          <p:attrName>style.visibility</p:attrName>
-                                        </p:attrNameLst>
-                                      </p:cBhvr>
-                                      <p:to>
-                                        <p:strVal val="visible"/>
-                                      </p:to>
-                                    </p:set>
-                                  </p:childTnLst>
-                                </p:cTn>
-                              </p:par>
-                              <p:par>
-                                <p:cTn id="23" presetID="1" presetClass="entr" presetSubtype="0" fill="hold" nodeType="withEffect">
-                                  <p:stCondLst>
-                                    <p:cond delay="0"/>
-                                  </p:stCondLst>
-                                  <p:childTnLst>
-                                    <p:set>
-                                      <p:cBhvr>
-                                        <p:cTn id="24" dur="1" fill="hold">
-                                          <p:stCondLst>
-                                            <p:cond delay="0"/>
-                                          </p:stCondLst>
-                                        </p:cTn>
-                                        <p:tgtEl>
-                                          <p:spTgt spid="4"/>
                                         </p:tgtEl>
                                         <p:attrNameLst>
                                           <p:attrName>style.visibility</p:attrName>

--- a/courses/apcsp/processing_arcade/processing1.pptx
+++ b/courses/apcsp/processing_arcade/processing1.pptx
@@ -1798,7 +1798,7 @@
   <pc:docChgLst>
     <pc:chgData name="Long Nguyen" userId="f59fb8f3-a021-417a-8bc1-65c8d471c621" providerId="ADAL" clId="{4840A76A-AB0D-B64F-80B3-254B6B0A2E55}"/>
     <pc:docChg chg="custSel modSld">
-      <pc:chgData name="Long Nguyen" userId="f59fb8f3-a021-417a-8bc1-65c8d471c621" providerId="ADAL" clId="{4840A76A-AB0D-B64F-80B3-254B6B0A2E55}" dt="2022-09-19T18:50:16.757" v="191" actId="20577"/>
+      <pc:chgData name="Long Nguyen" userId="f59fb8f3-a021-417a-8bc1-65c8d471c621" providerId="ADAL" clId="{4840A76A-AB0D-B64F-80B3-254B6B0A2E55}" dt="2022-09-21T13:51:21.763" v="214" actId="1076"/>
       <pc:docMkLst>
         <pc:docMk/>
       </pc:docMkLst>
@@ -1818,13 +1818,13 @@
         </pc:spChg>
       </pc:sldChg>
       <pc:sldChg chg="delSp modSp mod delAnim">
-        <pc:chgData name="Long Nguyen" userId="f59fb8f3-a021-417a-8bc1-65c8d471c621" providerId="ADAL" clId="{4840A76A-AB0D-B64F-80B3-254B6B0A2E55}" dt="2022-09-19T18:47:01.400" v="49" actId="20577"/>
+        <pc:chgData name="Long Nguyen" userId="f59fb8f3-a021-417a-8bc1-65c8d471c621" providerId="ADAL" clId="{4840A76A-AB0D-B64F-80B3-254B6B0A2E55}" dt="2022-09-21T13:49:45.565" v="210" actId="1076"/>
         <pc:sldMkLst>
           <pc:docMk/>
           <pc:sldMk cId="2681292538" sldId="567"/>
         </pc:sldMkLst>
         <pc:spChg chg="mod">
-          <ac:chgData name="Long Nguyen" userId="f59fb8f3-a021-417a-8bc1-65c8d471c621" providerId="ADAL" clId="{4840A76A-AB0D-B64F-80B3-254B6B0A2E55}" dt="2022-09-19T18:47:01.400" v="49" actId="20577"/>
+          <ac:chgData name="Long Nguyen" userId="f59fb8f3-a021-417a-8bc1-65c8d471c621" providerId="ADAL" clId="{4840A76A-AB0D-B64F-80B3-254B6B0A2E55}" dt="2022-09-21T13:49:45.565" v="210" actId="1076"/>
           <ac:spMkLst>
             <pc:docMk/>
             <pc:sldMk cId="2681292538" sldId="567"/>
@@ -1840,13 +1840,21 @@
           </ac:spMkLst>
         </pc:spChg>
         <pc:spChg chg="mod">
-          <ac:chgData name="Long Nguyen" userId="f59fb8f3-a021-417a-8bc1-65c8d471c621" providerId="ADAL" clId="{4840A76A-AB0D-B64F-80B3-254B6B0A2E55}" dt="2022-09-19T18:46:54.551" v="37" actId="20577"/>
+          <ac:chgData name="Long Nguyen" userId="f59fb8f3-a021-417a-8bc1-65c8d471c621" providerId="ADAL" clId="{4840A76A-AB0D-B64F-80B3-254B6B0A2E55}" dt="2022-09-21T13:49:40.737" v="209" actId="20577"/>
           <ac:spMkLst>
             <pc:docMk/>
             <pc:sldMk cId="2681292538" sldId="567"/>
             <ac:spMk id="35842" creationId="{C94BCA01-D831-ED4D-84FD-C30E8117F872}"/>
           </ac:spMkLst>
         </pc:spChg>
+        <pc:cxnChg chg="mod">
+          <ac:chgData name="Long Nguyen" userId="f59fb8f3-a021-417a-8bc1-65c8d471c621" providerId="ADAL" clId="{4840A76A-AB0D-B64F-80B3-254B6B0A2E55}" dt="2022-09-21T13:49:45.565" v="210" actId="1076"/>
+          <ac:cxnSpMkLst>
+            <pc:docMk/>
+            <pc:sldMk cId="2681292538" sldId="567"/>
+            <ac:cxnSpMk id="11" creationId="{4E4AC876-0F77-7543-B7D3-9FBA2F410F0C}"/>
+          </ac:cxnSpMkLst>
+        </pc:cxnChg>
         <pc:cxnChg chg="del">
           <ac:chgData name="Long Nguyen" userId="f59fb8f3-a021-417a-8bc1-65c8d471c621" providerId="ADAL" clId="{4840A76A-AB0D-B64F-80B3-254B6B0A2E55}" dt="2022-09-19T18:46:58.101" v="38" actId="478"/>
           <ac:cxnSpMkLst>
@@ -1872,13 +1880,13 @@
         </pc:spChg>
       </pc:sldChg>
       <pc:sldChg chg="delSp modSp mod delAnim">
-        <pc:chgData name="Long Nguyen" userId="f59fb8f3-a021-417a-8bc1-65c8d471c621" providerId="ADAL" clId="{4840A76A-AB0D-B64F-80B3-254B6B0A2E55}" dt="2022-09-19T18:50:16.757" v="191" actId="20577"/>
+        <pc:chgData name="Long Nguyen" userId="f59fb8f3-a021-417a-8bc1-65c8d471c621" providerId="ADAL" clId="{4840A76A-AB0D-B64F-80B3-254B6B0A2E55}" dt="2022-09-21T13:51:21.763" v="214" actId="1076"/>
         <pc:sldMkLst>
           <pc:docMk/>
           <pc:sldMk cId="2699236389" sldId="574"/>
         </pc:sldMkLst>
         <pc:spChg chg="mod">
-          <ac:chgData name="Long Nguyen" userId="f59fb8f3-a021-417a-8bc1-65c8d471c621" providerId="ADAL" clId="{4840A76A-AB0D-B64F-80B3-254B6B0A2E55}" dt="2022-09-19T18:50:16.757" v="191" actId="20577"/>
+          <ac:chgData name="Long Nguyen" userId="f59fb8f3-a021-417a-8bc1-65c8d471c621" providerId="ADAL" clId="{4840A76A-AB0D-B64F-80B3-254B6B0A2E55}" dt="2022-09-21T13:51:16.229" v="212" actId="1076"/>
           <ac:spMkLst>
             <pc:docMk/>
             <pc:sldMk cId="2699236389" sldId="574"/>
@@ -1891,6 +1899,14 @@
             <pc:docMk/>
             <pc:sldMk cId="2699236389" sldId="574"/>
             <ac:spMk id="13" creationId="{89954A57-FAD0-2145-9240-CC143305A109}"/>
+          </ac:spMkLst>
+        </pc:spChg>
+        <pc:spChg chg="mod">
+          <ac:chgData name="Long Nguyen" userId="f59fb8f3-a021-417a-8bc1-65c8d471c621" providerId="ADAL" clId="{4840A76A-AB0D-B64F-80B3-254B6B0A2E55}" dt="2022-09-21T13:51:21.763" v="214" actId="1076"/>
+          <ac:spMkLst>
+            <pc:docMk/>
+            <pc:sldMk cId="2699236389" sldId="574"/>
+            <ac:spMk id="16" creationId="{7F93CEA3-ACE2-F149-8834-40E26D9CE0DE}"/>
           </ac:spMkLst>
         </pc:spChg>
         <pc:spChg chg="mod">
@@ -1910,7 +1926,7 @@
           </ac:cxnSpMkLst>
         </pc:cxnChg>
         <pc:cxnChg chg="mod">
-          <ac:chgData name="Long Nguyen" userId="f59fb8f3-a021-417a-8bc1-65c8d471c621" providerId="ADAL" clId="{4840A76A-AB0D-B64F-80B3-254B6B0A2E55}" dt="2022-09-19T18:50:16.486" v="190" actId="20577"/>
+          <ac:chgData name="Long Nguyen" userId="f59fb8f3-a021-417a-8bc1-65c8d471c621" providerId="ADAL" clId="{4840A76A-AB0D-B64F-80B3-254B6B0A2E55}" dt="2022-09-21T13:51:18.916" v="213" actId="14100"/>
           <ac:cxnSpMkLst>
             <pc:docMk/>
             <pc:sldMk cId="2699236389" sldId="574"/>
@@ -4246,7 +4262,7 @@
           <a:p>
             <a:fld id="{29FB45CD-1365-4F4B-B580-C19222E1A371}" type="datetimeFigureOut">
               <a:rPr lang="en-US" smtClean="0"/>
-              <a:t>9/19/22</a:t>
+              <a:t>9/21/22</a:t>
             </a:fld>
             <a:endParaRPr lang="en-US"/>
           </a:p>
@@ -4904,7 +4920,7 @@
           <a:p>
             <a:fld id="{4AAD347D-5ACD-4C99-B74B-A9C85AD731AF}" type="datetimeFigureOut">
               <a:rPr lang="en-US" smtClean="0"/>
-              <a:t>9/19/22</a:t>
+              <a:t>9/21/22</a:t>
             </a:fld>
             <a:endParaRPr lang="en-US" dirty="0"/>
           </a:p>
@@ -5074,7 +5090,7 @@
           <a:p>
             <a:fld id="{4509A250-FF31-4206-8172-F9D3106AACB1}" type="datetimeFigureOut">
               <a:rPr lang="en-US" smtClean="0"/>
-              <a:t>9/19/22</a:t>
+              <a:t>9/21/22</a:t>
             </a:fld>
             <a:endParaRPr lang="en-US" dirty="0"/>
           </a:p>
@@ -5254,7 +5270,7 @@
           <a:p>
             <a:fld id="{4509A250-FF31-4206-8172-F9D3106AACB1}" type="datetimeFigureOut">
               <a:rPr lang="en-US" smtClean="0"/>
-              <a:t>9/19/22</a:t>
+              <a:t>9/21/22</a:t>
             </a:fld>
             <a:endParaRPr lang="en-US" dirty="0"/>
           </a:p>
@@ -5424,7 +5440,7 @@
           <a:p>
             <a:fld id="{4509A250-FF31-4206-8172-F9D3106AACB1}" type="datetimeFigureOut">
               <a:rPr lang="en-US" smtClean="0"/>
-              <a:t>9/19/22</a:t>
+              <a:t>9/21/22</a:t>
             </a:fld>
             <a:endParaRPr lang="en-US" dirty="0"/>
           </a:p>
@@ -5670,7 +5686,7 @@
           <a:p>
             <a:fld id="{9796027F-7875-4030-9381-8BD8C4F21935}" type="datetimeFigureOut">
               <a:rPr lang="en-US" smtClean="0"/>
-              <a:t>9/19/22</a:t>
+              <a:t>9/21/22</a:t>
             </a:fld>
             <a:endParaRPr lang="en-US" dirty="0"/>
           </a:p>
@@ -5902,7 +5918,7 @@
           <a:p>
             <a:fld id="{9796027F-7875-4030-9381-8BD8C4F21935}" type="datetimeFigureOut">
               <a:rPr lang="en-US" smtClean="0"/>
-              <a:t>9/19/22</a:t>
+              <a:t>9/21/22</a:t>
             </a:fld>
             <a:endParaRPr lang="en-US" dirty="0"/>
           </a:p>
@@ -6269,7 +6285,7 @@
           <a:p>
             <a:fld id="{9796027F-7875-4030-9381-8BD8C4F21935}" type="datetimeFigureOut">
               <a:rPr lang="en-US" smtClean="0"/>
-              <a:t>9/19/22</a:t>
+              <a:t>9/21/22</a:t>
             </a:fld>
             <a:endParaRPr lang="en-US" dirty="0"/>
           </a:p>
@@ -6387,7 +6403,7 @@
           <a:p>
             <a:fld id="{4509A250-FF31-4206-8172-F9D3106AACB1}" type="datetimeFigureOut">
               <a:rPr lang="en-US" smtClean="0"/>
-              <a:t>9/19/22</a:t>
+              <a:t>9/21/22</a:t>
             </a:fld>
             <a:endParaRPr lang="en-US" dirty="0"/>
           </a:p>
@@ -6482,7 +6498,7 @@
           <a:p>
             <a:fld id="{4509A250-FF31-4206-8172-F9D3106AACB1}" type="datetimeFigureOut">
               <a:rPr lang="en-US" smtClean="0"/>
-              <a:t>9/19/22</a:t>
+              <a:t>9/21/22</a:t>
             </a:fld>
             <a:endParaRPr lang="en-US" dirty="0"/>
           </a:p>
@@ -6759,7 +6775,7 @@
           <a:p>
             <a:fld id="{4509A250-FF31-4206-8172-F9D3106AACB1}" type="datetimeFigureOut">
               <a:rPr lang="en-US" smtClean="0"/>
-              <a:t>9/19/22</a:t>
+              <a:t>9/21/22</a:t>
             </a:fld>
             <a:endParaRPr lang="en-US" dirty="0"/>
           </a:p>
@@ -7016,7 +7032,7 @@
           <a:p>
             <a:fld id="{4509A250-FF31-4206-8172-F9D3106AACB1}" type="datetimeFigureOut">
               <a:rPr lang="en-US" smtClean="0"/>
-              <a:t>9/19/22</a:t>
+              <a:t>9/21/22</a:t>
             </a:fld>
             <a:endParaRPr lang="en-US" dirty="0"/>
           </a:p>
@@ -7229,7 +7245,7 @@
           <a:p>
             <a:fld id="{4AAD347D-5ACD-4C99-B74B-A9C85AD731AF}" type="datetimeFigureOut">
               <a:rPr lang="en-US" smtClean="0"/>
-              <a:t>9/19/22</a:t>
+              <a:t>9/21/22</a:t>
             </a:fld>
             <a:endParaRPr lang="en-US" dirty="0"/>
           </a:p>
@@ -10859,7 +10875,37 @@
                 <a:latin typeface="INCONSOLATA" panose="020B0609030003000000" pitchFamily="49" charset="77"/>
                 <a:ea typeface="ＭＳ Ｐゴシック" panose="020B0600070205080204" pitchFamily="34" charset="-128"/>
               </a:rPr>
-              <a:t>        """ Called automatically 60 times a second to draw all objects.""" </a:t>
+              <a:t>        """ Called automatically 60 times a second to draw/update </a:t>
+            </a:r>
+          </a:p>
+          <a:p>
+            <a:pPr marL="0" indent="0">
+              <a:buNone/>
+            </a:pPr>
+            <a:r>
+              <a:rPr lang="en-US" altLang="en-US" sz="1800" dirty="0">
+                <a:solidFill>
+                  <a:srgbClr val="7030A0"/>
+                </a:solidFill>
+                <a:latin typeface="INCONSOLATA" panose="020B0609030003000000" pitchFamily="49" charset="77"/>
+                <a:ea typeface="ＭＳ Ｐゴシック" panose="020B0600070205080204" pitchFamily="34" charset="-128"/>
+              </a:rPr>
+              <a:t>		objects.</a:t>
+            </a:r>
+          </a:p>
+          <a:p>
+            <a:pPr marL="0" indent="0">
+              <a:buNone/>
+            </a:pPr>
+            <a:r>
+              <a:rPr lang="en-US" altLang="en-US" sz="1800" dirty="0">
+                <a:solidFill>
+                  <a:srgbClr val="7030A0"/>
+                </a:solidFill>
+                <a:latin typeface="INCONSOLATA" panose="020B0609030003000000" pitchFamily="49" charset="77"/>
+                <a:ea typeface="ＭＳ Ｐゴシック" panose="020B0600070205080204" pitchFamily="34" charset="-128"/>
+              </a:rPr>
+              <a:t>	  """ </a:t>
             </a:r>
           </a:p>
           <a:p>
@@ -11053,7 +11099,7 @@
         </p:nvSpPr>
         <p:spPr>
           <a:xfrm>
-            <a:off x="3335455" y="2906400"/>
+            <a:off x="3609349" y="3696101"/>
             <a:ext cx="5078313" cy="707886"/>
           </a:xfrm>
           <a:prstGeom prst="rect">
@@ -11112,7 +11158,7 @@
         </p:nvCxnSpPr>
         <p:spPr>
           <a:xfrm flipH="1" flipV="1">
-            <a:off x="1366093" y="2900324"/>
+            <a:off x="1639987" y="3690025"/>
             <a:ext cx="1969362" cy="148950"/>
           </a:xfrm>
           <a:prstGeom prst="straightConnector1">
@@ -13204,7 +13250,7 @@
         </p:nvSpPr>
         <p:spPr>
           <a:xfrm>
-            <a:off x="4138330" y="4938256"/>
+            <a:off x="4747362" y="4508581"/>
             <a:ext cx="4244239" cy="707886"/>
           </a:xfrm>
           <a:prstGeom prst="rect">
@@ -13246,8 +13292,8 @@
         </p:nvCxnSpPr>
         <p:spPr>
           <a:xfrm flipH="1" flipV="1">
-            <a:off x="2511846" y="4800010"/>
-            <a:ext cx="1626484" cy="492189"/>
+            <a:off x="2522863" y="4603434"/>
+            <a:ext cx="2224499" cy="259090"/>
           </a:xfrm>
           <a:prstGeom prst="straightConnector1">
             <a:avLst/>
@@ -13415,7 +13461,7 @@
         </p:nvSpPr>
         <p:spPr>
           <a:xfrm>
-            <a:off x="6152827" y="4076044"/>
+            <a:off x="1003362" y="5233177"/>
             <a:ext cx="3073338" cy="400110"/>
           </a:xfrm>
           <a:prstGeom prst="rect">

--- a/courses/apcsp/processing_arcade/processing1.pptx
+++ b/courses/apcsp/processing_arcade/processing1.pptx
@@ -132,7 +132,7 @@
 <file path=ppt/revisionInfo.xml><?xml version="1.0" encoding="utf-8"?>
 <p1510:revInfo xmlns:a="http://schemas.openxmlformats.org/drawingml/2006/main" xmlns:r="http://schemas.openxmlformats.org/officeDocument/2006/relationships" xmlns:p1510="http://schemas.microsoft.com/office/powerpoint/2015/10/main">
   <p1510:revLst>
-    <p1510:client id="{4840A76A-AB0D-B64F-80B3-254B6B0A2E55}" v="119" dt="2022-09-19T18:50:16.757"/>
+    <p1510:client id="{98055AD2-F450-0C44-A77E-D3FADD2480B6}" v="8" dt="2023-10-05T14:41:48.266"/>
   </p1510:revLst>
 </p1510:revInfo>
 </file>
@@ -1964,6 +1964,46 @@
             <ac:spMk id="35842" creationId="{C94BCA01-D831-ED4D-84FD-C30E8117F872}"/>
           </ac:spMkLst>
         </pc:spChg>
+      </pc:sldChg>
+    </pc:docChg>
+  </pc:docChgLst>
+  <pc:docChgLst>
+    <pc:chgData name="Long B Nguyen" userId="f59fb8f3-a021-417a-8bc1-65c8d471c621" providerId="ADAL" clId="{98055AD2-F450-0C44-A77E-D3FADD2480B6}"/>
+    <pc:docChg chg="modSld">
+      <pc:chgData name="Long B Nguyen" userId="f59fb8f3-a021-417a-8bc1-65c8d471c621" providerId="ADAL" clId="{98055AD2-F450-0C44-A77E-D3FADD2480B6}" dt="2023-10-05T14:41:48.265" v="8" actId="1076"/>
+      <pc:docMkLst>
+        <pc:docMk/>
+      </pc:docMkLst>
+      <pc:sldChg chg="addSp delSp modSp mod modAnim">
+        <pc:chgData name="Long B Nguyen" userId="f59fb8f3-a021-417a-8bc1-65c8d471c621" providerId="ADAL" clId="{98055AD2-F450-0C44-A77E-D3FADD2480B6}" dt="2023-10-05T14:41:48.265" v="8" actId="1076"/>
+        <pc:sldMkLst>
+          <pc:docMk/>
+          <pc:sldMk cId="1518376867" sldId="313"/>
+        </pc:sldMkLst>
+        <pc:spChg chg="mod">
+          <ac:chgData name="Long B Nguyen" userId="f59fb8f3-a021-417a-8bc1-65c8d471c621" providerId="ADAL" clId="{98055AD2-F450-0C44-A77E-D3FADD2480B6}" dt="2023-10-05T14:41:36.067" v="2" actId="20577"/>
+          <ac:spMkLst>
+            <pc:docMk/>
+            <pc:sldMk cId="1518376867" sldId="313"/>
+            <ac:spMk id="20483" creationId="{1F200ABD-6024-F048-94BB-113C30B1C4E9}"/>
+          </ac:spMkLst>
+        </pc:spChg>
+        <pc:picChg chg="add mod">
+          <ac:chgData name="Long B Nguyen" userId="f59fb8f3-a021-417a-8bc1-65c8d471c621" providerId="ADAL" clId="{98055AD2-F450-0C44-A77E-D3FADD2480B6}" dt="2023-10-05T14:41:48.265" v="8" actId="1076"/>
+          <ac:picMkLst>
+            <pc:docMk/>
+            <pc:sldMk cId="1518376867" sldId="313"/>
+            <ac:picMk id="1026" creationId="{E041514B-A1E2-5D02-C7F2-BFAF4E42447E}"/>
+          </ac:picMkLst>
+        </pc:picChg>
+        <pc:picChg chg="del mod">
+          <ac:chgData name="Long B Nguyen" userId="f59fb8f3-a021-417a-8bc1-65c8d471c621" providerId="ADAL" clId="{98055AD2-F450-0C44-A77E-D3FADD2480B6}" dt="2023-10-05T14:41:43.706" v="5" actId="478"/>
+          <ac:picMkLst>
+            <pc:docMk/>
+            <pc:sldMk cId="1518376867" sldId="313"/>
+            <ac:picMk id="13315" creationId="{C0A2BC84-069B-3C4A-9CD8-B1A6968692D7}"/>
+          </ac:picMkLst>
+        </pc:picChg>
       </pc:sldChg>
     </pc:docChg>
   </pc:docChgLst>
@@ -4262,7 +4302,7 @@
           <a:p>
             <a:fld id="{29FB45CD-1365-4F4B-B580-C19222E1A371}" type="datetimeFigureOut">
               <a:rPr lang="en-US" smtClean="0"/>
-              <a:t>9/21/22</a:t>
+              <a:t>10/5/23</a:t>
             </a:fld>
             <a:endParaRPr lang="en-US"/>
           </a:p>
@@ -4920,7 +4960,7 @@
           <a:p>
             <a:fld id="{4AAD347D-5ACD-4C99-B74B-A9C85AD731AF}" type="datetimeFigureOut">
               <a:rPr lang="en-US" smtClean="0"/>
-              <a:t>9/21/22</a:t>
+              <a:t>10/5/23</a:t>
             </a:fld>
             <a:endParaRPr lang="en-US" dirty="0"/>
           </a:p>
@@ -5090,7 +5130,7 @@
           <a:p>
             <a:fld id="{4509A250-FF31-4206-8172-F9D3106AACB1}" type="datetimeFigureOut">
               <a:rPr lang="en-US" smtClean="0"/>
-              <a:t>9/21/22</a:t>
+              <a:t>10/5/23</a:t>
             </a:fld>
             <a:endParaRPr lang="en-US" dirty="0"/>
           </a:p>
@@ -5270,7 +5310,7 @@
           <a:p>
             <a:fld id="{4509A250-FF31-4206-8172-F9D3106AACB1}" type="datetimeFigureOut">
               <a:rPr lang="en-US" smtClean="0"/>
-              <a:t>9/21/22</a:t>
+              <a:t>10/5/23</a:t>
             </a:fld>
             <a:endParaRPr lang="en-US" dirty="0"/>
           </a:p>
@@ -5440,7 +5480,7 @@
           <a:p>
             <a:fld id="{4509A250-FF31-4206-8172-F9D3106AACB1}" type="datetimeFigureOut">
               <a:rPr lang="en-US" smtClean="0"/>
-              <a:t>9/21/22</a:t>
+              <a:t>10/5/23</a:t>
             </a:fld>
             <a:endParaRPr lang="en-US" dirty="0"/>
           </a:p>
@@ -5686,7 +5726,7 @@
           <a:p>
             <a:fld id="{9796027F-7875-4030-9381-8BD8C4F21935}" type="datetimeFigureOut">
               <a:rPr lang="en-US" smtClean="0"/>
-              <a:t>9/21/22</a:t>
+              <a:t>10/5/23</a:t>
             </a:fld>
             <a:endParaRPr lang="en-US" dirty="0"/>
           </a:p>
@@ -5918,7 +5958,7 @@
           <a:p>
             <a:fld id="{9796027F-7875-4030-9381-8BD8C4F21935}" type="datetimeFigureOut">
               <a:rPr lang="en-US" smtClean="0"/>
-              <a:t>9/21/22</a:t>
+              <a:t>10/5/23</a:t>
             </a:fld>
             <a:endParaRPr lang="en-US" dirty="0"/>
           </a:p>
@@ -6285,7 +6325,7 @@
           <a:p>
             <a:fld id="{9796027F-7875-4030-9381-8BD8C4F21935}" type="datetimeFigureOut">
               <a:rPr lang="en-US" smtClean="0"/>
-              <a:t>9/21/22</a:t>
+              <a:t>10/5/23</a:t>
             </a:fld>
             <a:endParaRPr lang="en-US" dirty="0"/>
           </a:p>
@@ -6403,7 +6443,7 @@
           <a:p>
             <a:fld id="{4509A250-FF31-4206-8172-F9D3106AACB1}" type="datetimeFigureOut">
               <a:rPr lang="en-US" smtClean="0"/>
-              <a:t>9/21/22</a:t>
+              <a:t>10/5/23</a:t>
             </a:fld>
             <a:endParaRPr lang="en-US" dirty="0"/>
           </a:p>
@@ -6498,7 +6538,7 @@
           <a:p>
             <a:fld id="{4509A250-FF31-4206-8172-F9D3106AACB1}" type="datetimeFigureOut">
               <a:rPr lang="en-US" smtClean="0"/>
-              <a:t>9/21/22</a:t>
+              <a:t>10/5/23</a:t>
             </a:fld>
             <a:endParaRPr lang="en-US" dirty="0"/>
           </a:p>
@@ -6775,7 +6815,7 @@
           <a:p>
             <a:fld id="{4509A250-FF31-4206-8172-F9D3106AACB1}" type="datetimeFigureOut">
               <a:rPr lang="en-US" smtClean="0"/>
-              <a:t>9/21/22</a:t>
+              <a:t>10/5/23</a:t>
             </a:fld>
             <a:endParaRPr lang="en-US" dirty="0"/>
           </a:p>
@@ -7032,7 +7072,7 @@
           <a:p>
             <a:fld id="{4509A250-FF31-4206-8172-F9D3106AACB1}" type="datetimeFigureOut">
               <a:rPr lang="en-US" smtClean="0"/>
-              <a:t>9/21/22</a:t>
+              <a:t>10/5/23</a:t>
             </a:fld>
             <a:endParaRPr lang="en-US" dirty="0"/>
           </a:p>
@@ -7245,7 +7285,7 @@
           <a:p>
             <a:fld id="{4AAD347D-5ACD-4C99-B74B-A9C85AD731AF}" type="datetimeFigureOut">
               <a:rPr lang="en-US" smtClean="0"/>
-              <a:t>9/21/22</a:t>
+              <a:t>10/5/23</a:t>
             </a:fld>
             <a:endParaRPr lang="en-US" dirty="0"/>
           </a:p>
@@ -7828,15 +7868,6 @@
               <a:buNone/>
               <a:defRPr/>
             </a:pPr>
-            <a:endParaRPr lang="en-US" sz="1600" dirty="0">
-              <a:cs typeface="Tahoma"/>
-            </a:endParaRPr>
-          </a:p>
-          <a:p>
-            <a:pPr marL="0" indent="0" eaLnBrk="1" hangingPunct="1">
-              <a:buNone/>
-              <a:defRPr/>
-            </a:pPr>
             <a:r>
               <a:rPr lang="en-US" sz="2000" dirty="0">
                 <a:cs typeface="Tahoma"/>
@@ -7885,15 +7916,15 @@
       </p:sp>
       <p:pic>
         <p:nvPicPr>
-          <p:cNvPr id="13315" name="Picture 2">
+          <p:cNvPr id="1026" name="Picture 2" descr="What is RGB Color? – Nix Sensor Ltd">
             <a:extLst>
               <a:ext uri="{FF2B5EF4-FFF2-40B4-BE49-F238E27FC236}">
-                <a16:creationId xmlns:a16="http://schemas.microsoft.com/office/drawing/2014/main" id="{C0A2BC84-069B-3C4A-9CD8-B1A6968692D7}"/>
+                <a16:creationId xmlns:a16="http://schemas.microsoft.com/office/drawing/2014/main" id="{E041514B-A1E2-5D02-C7F2-BFAF4E42447E}"/>
               </a:ext>
             </a:extLst>
           </p:cNvPr>
           <p:cNvPicPr>
-            <a:picLocks noChangeAspect="1"/>
+            <a:picLocks noChangeAspect="1" noChangeArrowheads="1"/>
           </p:cNvPicPr>
           <p:nvPr/>
         </p:nvPicPr>
@@ -7912,16 +7943,13 @@
         </p:blipFill>
         <p:spPr bwMode="auto">
           <a:xfrm>
-            <a:off x="515541" y="2371725"/>
-            <a:ext cx="7228417" cy="2042583"/>
+            <a:off x="1442649" y="1955133"/>
+            <a:ext cx="5841554" cy="3549555"/>
           </a:xfrm>
           <a:prstGeom prst="rect">
             <a:avLst/>
           </a:prstGeom>
           <a:noFill/>
-          <a:ln>
-            <a:noFill/>
-          </a:ln>
           <a:extLst>
             <a:ext uri="{909E8E84-426E-40DD-AFC4-6F175D3DCCD1}">
               <a14:hiddenFill xmlns:a14="http://schemas.microsoft.com/office/drawing/2010/main">
@@ -7929,16 +7957,6 @@
                   <a:srgbClr val="FFFFFF"/>
                 </a:solidFill>
               </a14:hiddenFill>
-            </a:ext>
-            <a:ext uri="{91240B29-F687-4F45-9708-019B960494DF}">
-              <a14:hiddenLine xmlns:a14="http://schemas.microsoft.com/office/drawing/2010/main" w="9525">
-                <a:solidFill>
-                  <a:srgbClr val="000000"/>
-                </a:solidFill>
-                <a:miter lim="800000"/>
-                <a:headEnd/>
-                <a:tailEnd/>
-              </a14:hiddenLine>
             </a:ext>
           </a:extLst>
         </p:spPr>
@@ -7954,81 +7972,6 @@
     <a:masterClrMapping/>
   </p:clrMapOvr>
   <p:transition/>
-  <p:timing>
-    <p:tnLst>
-      <p:par>
-        <p:cTn id="1" dur="indefinite" restart="never" nodeType="tmRoot">
-          <p:childTnLst>
-            <p:seq concurrent="1" nextAc="seek">
-              <p:cTn id="2" dur="indefinite" nodeType="mainSeq">
-                <p:childTnLst>
-                  <p:par>
-                    <p:cTn id="3" fill="hold">
-                      <p:stCondLst>
-                        <p:cond delay="indefinite"/>
-                      </p:stCondLst>
-                      <p:childTnLst>
-                        <p:par>
-                          <p:cTn id="4" fill="hold">
-                            <p:stCondLst>
-                              <p:cond delay="0"/>
-                            </p:stCondLst>
-                            <p:childTnLst>
-                              <p:par>
-                                <p:cTn id="5" presetID="1" presetClass="entr" presetSubtype="0" fill="hold" nodeType="clickEffect">
-                                  <p:stCondLst>
-                                    <p:cond delay="0"/>
-                                  </p:stCondLst>
-                                  <p:childTnLst>
-                                    <p:set>
-                                      <p:cBhvr>
-                                        <p:cTn id="6" dur="1" fill="hold">
-                                          <p:stCondLst>
-                                            <p:cond delay="0"/>
-                                          </p:stCondLst>
-                                        </p:cTn>
-                                        <p:tgtEl>
-                                          <p:spTgt spid="13315"/>
-                                        </p:tgtEl>
-                                        <p:attrNameLst>
-                                          <p:attrName>style.visibility</p:attrName>
-                                        </p:attrNameLst>
-                                      </p:cBhvr>
-                                      <p:to>
-                                        <p:strVal val="visible"/>
-                                      </p:to>
-                                    </p:set>
-                                  </p:childTnLst>
-                                </p:cTn>
-                              </p:par>
-                            </p:childTnLst>
-                          </p:cTn>
-                        </p:par>
-                      </p:childTnLst>
-                    </p:cTn>
-                  </p:par>
-                </p:childTnLst>
-              </p:cTn>
-              <p:prevCondLst>
-                <p:cond evt="onPrev" delay="0">
-                  <p:tgtEl>
-                    <p:sldTgt/>
-                  </p:tgtEl>
-                </p:cond>
-              </p:prevCondLst>
-              <p:nextCondLst>
-                <p:cond evt="onNext" delay="0">
-                  <p:tgtEl>
-                    <p:sldTgt/>
-                  </p:tgtEl>
-                </p:cond>
-              </p:nextCondLst>
-            </p:seq>
-          </p:childTnLst>
-        </p:cTn>
-      </p:par>
-    </p:tnLst>
-  </p:timing>
 </p:sld>
 </file>
 

--- a/courses/apcsp/processing_arcade/processing1.pptx
+++ b/courses/apcsp/processing_arcade/processing1.pptx
@@ -5,7 +5,7 @@
     <p:sldMasterId id="2147483791" r:id="rId1"/>
   </p:sldMasterIdLst>
   <p:notesMasterIdLst>
-    <p:notesMasterId r:id="rId17"/>
+    <p:notesMasterId r:id="rId22"/>
   </p:notesMasterIdLst>
   <p:sldIdLst>
     <p:sldId id="555" r:id="rId2"/>
@@ -20,9 +20,14 @@
     <p:sldId id="313" r:id="rId11"/>
     <p:sldId id="312" r:id="rId12"/>
     <p:sldId id="306" r:id="rId13"/>
-    <p:sldId id="561" r:id="rId14"/>
-    <p:sldId id="424" r:id="rId15"/>
-    <p:sldId id="565" r:id="rId16"/>
+    <p:sldId id="341" r:id="rId14"/>
+    <p:sldId id="368" r:id="rId15"/>
+    <p:sldId id="576" r:id="rId16"/>
+    <p:sldId id="579" r:id="rId17"/>
+    <p:sldId id="580" r:id="rId18"/>
+    <p:sldId id="561" r:id="rId19"/>
+    <p:sldId id="424" r:id="rId20"/>
+    <p:sldId id="565" r:id="rId21"/>
   </p:sldIdLst>
   <p:sldSz cx="9144000" cy="5715000" type="screen16x10"/>
   <p:notesSz cx="6858000" cy="9144000"/>
@@ -132,7 +137,7 @@
 <file path=ppt/revisionInfo.xml><?xml version="1.0" encoding="utf-8"?>
 <p1510:revInfo xmlns:a="http://schemas.openxmlformats.org/drawingml/2006/main" xmlns:r="http://schemas.openxmlformats.org/officeDocument/2006/relationships" xmlns:p1510="http://schemas.microsoft.com/office/powerpoint/2015/10/main">
   <p1510:revLst>
-    <p1510:client id="{98055AD2-F450-0C44-A77E-D3FADD2480B6}" v="8" dt="2023-10-05T14:41:48.266"/>
+    <p1510:client id="{AA8DBD6B-D978-354C-A9F7-8688786013A8}" v="223" dt="2023-11-02T11:55:30.807"/>
   </p1510:revLst>
 </p1510:revInfo>
 </file>
@@ -1791,6 +1796,160 @@
         <pc:sldMkLst>
           <pc:docMk/>
           <pc:sldMk cId="2615412358" sldId="566"/>
+        </pc:sldMkLst>
+      </pc:sldChg>
+    </pc:docChg>
+  </pc:docChgLst>
+  <pc:docChgLst>
+    <pc:chgData name="Long B Nguyen" userId="f59fb8f3-a021-417a-8bc1-65c8d471c621" providerId="ADAL" clId="{AA8DBD6B-D978-354C-A9F7-8688786013A8}"/>
+    <pc:docChg chg="undo custSel addSld delSld modSld">
+      <pc:chgData name="Long B Nguyen" userId="f59fb8f3-a021-417a-8bc1-65c8d471c621" providerId="ADAL" clId="{AA8DBD6B-D978-354C-A9F7-8688786013A8}" dt="2023-11-02T11:55:34.909" v="478" actId="2696"/>
+      <pc:docMkLst>
+        <pc:docMk/>
+      </pc:docMkLst>
+      <pc:sldChg chg="modSp add mod">
+        <pc:chgData name="Long B Nguyen" userId="f59fb8f3-a021-417a-8bc1-65c8d471c621" providerId="ADAL" clId="{AA8DBD6B-D978-354C-A9F7-8688786013A8}" dt="2023-11-02T11:45:59.414" v="9" actId="20577"/>
+        <pc:sldMkLst>
+          <pc:docMk/>
+          <pc:sldMk cId="1190543687" sldId="341"/>
+        </pc:sldMkLst>
+        <pc:spChg chg="mod">
+          <ac:chgData name="Long B Nguyen" userId="f59fb8f3-a021-417a-8bc1-65c8d471c621" providerId="ADAL" clId="{AA8DBD6B-D978-354C-A9F7-8688786013A8}" dt="2023-11-02T11:45:59.414" v="9" actId="20577"/>
+          <ac:spMkLst>
+            <pc:docMk/>
+            <pc:sldMk cId="1190543687" sldId="341"/>
+            <ac:spMk id="2" creationId="{AA3A228F-61D0-D949-A5E7-F83756230BF8}"/>
+          </ac:spMkLst>
+        </pc:spChg>
+        <pc:spChg chg="mod">
+          <ac:chgData name="Long B Nguyen" userId="f59fb8f3-a021-417a-8bc1-65c8d471c621" providerId="ADAL" clId="{AA8DBD6B-D978-354C-A9F7-8688786013A8}" dt="2023-11-02T11:45:57.229" v="2" actId="20577"/>
+          <ac:spMkLst>
+            <pc:docMk/>
+            <pc:sldMk cId="1190543687" sldId="341"/>
+            <ac:spMk id="9" creationId="{E3B2E017-30B2-884B-A113-B419A2ED51AD}"/>
+          </ac:spMkLst>
+        </pc:spChg>
+      </pc:sldChg>
+      <pc:sldChg chg="addSp delSp modSp add mod">
+        <pc:chgData name="Long B Nguyen" userId="f59fb8f3-a021-417a-8bc1-65c8d471c621" providerId="ADAL" clId="{AA8DBD6B-D978-354C-A9F7-8688786013A8}" dt="2023-11-02T11:48:44.513" v="247" actId="478"/>
+        <pc:sldMkLst>
+          <pc:docMk/>
+          <pc:sldMk cId="528345614" sldId="368"/>
+        </pc:sldMkLst>
+        <pc:spChg chg="add del mod">
+          <ac:chgData name="Long B Nguyen" userId="f59fb8f3-a021-417a-8bc1-65c8d471c621" providerId="ADAL" clId="{AA8DBD6B-D978-354C-A9F7-8688786013A8}" dt="2023-11-02T11:48:42.067" v="245" actId="478"/>
+          <ac:spMkLst>
+            <pc:docMk/>
+            <pc:sldMk cId="528345614" sldId="368"/>
+            <ac:spMk id="6" creationId="{9B917180-86A3-7AF1-BA32-755E118E0B43}"/>
+          </ac:spMkLst>
+        </pc:spChg>
+        <pc:spChg chg="add del mod">
+          <ac:chgData name="Long B Nguyen" userId="f59fb8f3-a021-417a-8bc1-65c8d471c621" providerId="ADAL" clId="{AA8DBD6B-D978-354C-A9F7-8688786013A8}" dt="2023-11-02T11:48:43.781" v="246" actId="478"/>
+          <ac:spMkLst>
+            <pc:docMk/>
+            <pc:sldMk cId="528345614" sldId="368"/>
+            <ac:spMk id="12" creationId="{E67340AA-DA0D-4974-5B6D-24201E28F2AB}"/>
+          </ac:spMkLst>
+        </pc:spChg>
+        <pc:cxnChg chg="mod">
+          <ac:chgData name="Long B Nguyen" userId="f59fb8f3-a021-417a-8bc1-65c8d471c621" providerId="ADAL" clId="{AA8DBD6B-D978-354C-A9F7-8688786013A8}" dt="2023-11-02T11:48:15.045" v="240" actId="1076"/>
+          <ac:cxnSpMkLst>
+            <pc:docMk/>
+            <pc:sldMk cId="528345614" sldId="368"/>
+            <ac:cxnSpMk id="11" creationId="{5338EC75-F1A0-C645-8B90-B3F51C319352}"/>
+          </ac:cxnSpMkLst>
+        </pc:cxnChg>
+        <pc:cxnChg chg="add del mod">
+          <ac:chgData name="Long B Nguyen" userId="f59fb8f3-a021-417a-8bc1-65c8d471c621" providerId="ADAL" clId="{AA8DBD6B-D978-354C-A9F7-8688786013A8}" dt="2023-11-02T11:48:44.513" v="247" actId="478"/>
+          <ac:cxnSpMkLst>
+            <pc:docMk/>
+            <pc:sldMk cId="528345614" sldId="368"/>
+            <ac:cxnSpMk id="13" creationId="{EB5A15F4-89C1-196F-E55C-67AAD03CE247}"/>
+          </ac:cxnSpMkLst>
+        </pc:cxnChg>
+      </pc:sldChg>
+      <pc:sldChg chg="addSp delSp modSp add mod modAnim">
+        <pc:chgData name="Long B Nguyen" userId="f59fb8f3-a021-417a-8bc1-65c8d471c621" providerId="ADAL" clId="{AA8DBD6B-D978-354C-A9F7-8688786013A8}" dt="2023-11-02T11:51:13.073" v="473"/>
+        <pc:sldMkLst>
+          <pc:docMk/>
+          <pc:sldMk cId="601455868" sldId="576"/>
+        </pc:sldMkLst>
+        <pc:spChg chg="del mod">
+          <ac:chgData name="Long B Nguyen" userId="f59fb8f3-a021-417a-8bc1-65c8d471c621" providerId="ADAL" clId="{AA8DBD6B-D978-354C-A9F7-8688786013A8}" dt="2023-11-02T11:51:12.541" v="471"/>
+          <ac:spMkLst>
+            <pc:docMk/>
+            <pc:sldMk cId="601455868" sldId="576"/>
+            <ac:spMk id="6" creationId="{9B917180-86A3-7AF1-BA32-755E118E0B43}"/>
+          </ac:spMkLst>
+        </pc:spChg>
+        <pc:spChg chg="mod">
+          <ac:chgData name="Long B Nguyen" userId="f59fb8f3-a021-417a-8bc1-65c8d471c621" providerId="ADAL" clId="{AA8DBD6B-D978-354C-A9F7-8688786013A8}" dt="2023-11-02T11:51:10.062" v="469" actId="20577"/>
+          <ac:spMkLst>
+            <pc:docMk/>
+            <pc:sldMk cId="601455868" sldId="576"/>
+            <ac:spMk id="9" creationId="{E3B2E017-30B2-884B-A113-B419A2ED51AD}"/>
+          </ac:spMkLst>
+        </pc:spChg>
+        <pc:spChg chg="del mod">
+          <ac:chgData name="Long B Nguyen" userId="f59fb8f3-a021-417a-8bc1-65c8d471c621" providerId="ADAL" clId="{AA8DBD6B-D978-354C-A9F7-8688786013A8}" dt="2023-11-02T11:51:13.073" v="473"/>
+          <ac:spMkLst>
+            <pc:docMk/>
+            <pc:sldMk cId="601455868" sldId="576"/>
+            <ac:spMk id="12" creationId="{E67340AA-DA0D-4974-5B6D-24201E28F2AB}"/>
+          </ac:spMkLst>
+        </pc:spChg>
+        <pc:cxnChg chg="mod">
+          <ac:chgData name="Long B Nguyen" userId="f59fb8f3-a021-417a-8bc1-65c8d471c621" providerId="ADAL" clId="{AA8DBD6B-D978-354C-A9F7-8688786013A8}" dt="2023-11-02T11:49:25.256" v="267" actId="1076"/>
+          <ac:cxnSpMkLst>
+            <pc:docMk/>
+            <pc:sldMk cId="601455868" sldId="576"/>
+            <ac:cxnSpMk id="11" creationId="{5338EC75-F1A0-C645-8B90-B3F51C319352}"/>
+          </ac:cxnSpMkLst>
+        </pc:cxnChg>
+        <pc:cxnChg chg="mod">
+          <ac:chgData name="Long B Nguyen" userId="f59fb8f3-a021-417a-8bc1-65c8d471c621" providerId="ADAL" clId="{AA8DBD6B-D978-354C-A9F7-8688786013A8}" dt="2023-11-02T11:51:04.663" v="452" actId="14100"/>
+          <ac:cxnSpMkLst>
+            <pc:docMk/>
+            <pc:sldMk cId="601455868" sldId="576"/>
+            <ac:cxnSpMk id="13" creationId="{EB5A15F4-89C1-196F-E55C-67AAD03CE247}"/>
+          </ac:cxnSpMkLst>
+        </pc:cxnChg>
+        <pc:cxnChg chg="add mod">
+          <ac:chgData name="Long B Nguyen" userId="f59fb8f3-a021-417a-8bc1-65c8d471c621" providerId="ADAL" clId="{AA8DBD6B-D978-354C-A9F7-8688786013A8}" dt="2023-11-02T11:49:30.838" v="270" actId="1076"/>
+          <ac:cxnSpMkLst>
+            <pc:docMk/>
+            <pc:sldMk cId="601455868" sldId="576"/>
+            <ac:cxnSpMk id="14" creationId="{D6A6B1D4-E35A-3D8D-7BD4-F3FBF8904C7E}"/>
+          </ac:cxnSpMkLst>
+        </pc:cxnChg>
+      </pc:sldChg>
+      <pc:sldChg chg="add del">
+        <pc:chgData name="Long B Nguyen" userId="f59fb8f3-a021-417a-8bc1-65c8d471c621" providerId="ADAL" clId="{AA8DBD6B-D978-354C-A9F7-8688786013A8}" dt="2023-11-02T11:55:34.133" v="477" actId="2696"/>
+        <pc:sldMkLst>
+          <pc:docMk/>
+          <pc:sldMk cId="1655667199" sldId="577"/>
+        </pc:sldMkLst>
+      </pc:sldChg>
+      <pc:sldChg chg="add del">
+        <pc:chgData name="Long B Nguyen" userId="f59fb8f3-a021-417a-8bc1-65c8d471c621" providerId="ADAL" clId="{AA8DBD6B-D978-354C-A9F7-8688786013A8}" dt="2023-11-02T11:55:34.909" v="478" actId="2696"/>
+        <pc:sldMkLst>
+          <pc:docMk/>
+          <pc:sldMk cId="1245941282" sldId="578"/>
+        </pc:sldMkLst>
+      </pc:sldChg>
+      <pc:sldChg chg="add">
+        <pc:chgData name="Long B Nguyen" userId="f59fb8f3-a021-417a-8bc1-65c8d471c621" providerId="ADAL" clId="{AA8DBD6B-D978-354C-A9F7-8688786013A8}" dt="2023-11-02T11:55:30.802" v="476"/>
+        <pc:sldMkLst>
+          <pc:docMk/>
+          <pc:sldMk cId="1353512910" sldId="579"/>
+        </pc:sldMkLst>
+      </pc:sldChg>
+      <pc:sldChg chg="add">
+        <pc:chgData name="Long B Nguyen" userId="f59fb8f3-a021-417a-8bc1-65c8d471c621" providerId="ADAL" clId="{AA8DBD6B-D978-354C-A9F7-8688786013A8}" dt="2023-11-02T11:55:30.802" v="476"/>
+        <pc:sldMkLst>
+          <pc:docMk/>
+          <pc:sldMk cId="2876706645" sldId="580"/>
         </pc:sldMkLst>
       </pc:sldChg>
     </pc:docChg>
@@ -4302,7 +4461,7 @@
           <a:p>
             <a:fld id="{29FB45CD-1365-4F4B-B580-C19222E1A371}" type="datetimeFigureOut">
               <a:rPr lang="en-US" smtClean="0"/>
-              <a:t>10/5/23</a:t>
+              <a:t>11/2/23</a:t>
             </a:fld>
             <a:endParaRPr lang="en-US"/>
           </a:p>
@@ -4742,7 +4901,7 @@
                   <a:spcPct val="0"/>
                 </a:spcBef>
               </a:pPr>
-              <a:t>14</a:t>
+              <a:t>19</a:t>
             </a:fld>
             <a:endParaRPr lang="en-US" altLang="en-US"/>
           </a:p>
@@ -4960,7 +5119,7 @@
           <a:p>
             <a:fld id="{4AAD347D-5ACD-4C99-B74B-A9C85AD731AF}" type="datetimeFigureOut">
               <a:rPr lang="en-US" smtClean="0"/>
-              <a:t>10/5/23</a:t>
+              <a:t>11/2/23</a:t>
             </a:fld>
             <a:endParaRPr lang="en-US" dirty="0"/>
           </a:p>
@@ -5130,7 +5289,7 @@
           <a:p>
             <a:fld id="{4509A250-FF31-4206-8172-F9D3106AACB1}" type="datetimeFigureOut">
               <a:rPr lang="en-US" smtClean="0"/>
-              <a:t>10/5/23</a:t>
+              <a:t>11/2/23</a:t>
             </a:fld>
             <a:endParaRPr lang="en-US" dirty="0"/>
           </a:p>
@@ -5310,7 +5469,7 @@
           <a:p>
             <a:fld id="{4509A250-FF31-4206-8172-F9D3106AACB1}" type="datetimeFigureOut">
               <a:rPr lang="en-US" smtClean="0"/>
-              <a:t>10/5/23</a:t>
+              <a:t>11/2/23</a:t>
             </a:fld>
             <a:endParaRPr lang="en-US" dirty="0"/>
           </a:p>
@@ -5480,7 +5639,7 @@
           <a:p>
             <a:fld id="{4509A250-FF31-4206-8172-F9D3106AACB1}" type="datetimeFigureOut">
               <a:rPr lang="en-US" smtClean="0"/>
-              <a:t>10/5/23</a:t>
+              <a:t>11/2/23</a:t>
             </a:fld>
             <a:endParaRPr lang="en-US" dirty="0"/>
           </a:p>
@@ -5726,7 +5885,7 @@
           <a:p>
             <a:fld id="{9796027F-7875-4030-9381-8BD8C4F21935}" type="datetimeFigureOut">
               <a:rPr lang="en-US" smtClean="0"/>
-              <a:t>10/5/23</a:t>
+              <a:t>11/2/23</a:t>
             </a:fld>
             <a:endParaRPr lang="en-US" dirty="0"/>
           </a:p>
@@ -5958,7 +6117,7 @@
           <a:p>
             <a:fld id="{9796027F-7875-4030-9381-8BD8C4F21935}" type="datetimeFigureOut">
               <a:rPr lang="en-US" smtClean="0"/>
-              <a:t>10/5/23</a:t>
+              <a:t>11/2/23</a:t>
             </a:fld>
             <a:endParaRPr lang="en-US" dirty="0"/>
           </a:p>
@@ -6325,7 +6484,7 @@
           <a:p>
             <a:fld id="{9796027F-7875-4030-9381-8BD8C4F21935}" type="datetimeFigureOut">
               <a:rPr lang="en-US" smtClean="0"/>
-              <a:t>10/5/23</a:t>
+              <a:t>11/2/23</a:t>
             </a:fld>
             <a:endParaRPr lang="en-US" dirty="0"/>
           </a:p>
@@ -6443,7 +6602,7 @@
           <a:p>
             <a:fld id="{4509A250-FF31-4206-8172-F9D3106AACB1}" type="datetimeFigureOut">
               <a:rPr lang="en-US" smtClean="0"/>
-              <a:t>10/5/23</a:t>
+              <a:t>11/2/23</a:t>
             </a:fld>
             <a:endParaRPr lang="en-US" dirty="0"/>
           </a:p>
@@ -6538,7 +6697,7 @@
           <a:p>
             <a:fld id="{4509A250-FF31-4206-8172-F9D3106AACB1}" type="datetimeFigureOut">
               <a:rPr lang="en-US" smtClean="0"/>
-              <a:t>10/5/23</a:t>
+              <a:t>11/2/23</a:t>
             </a:fld>
             <a:endParaRPr lang="en-US" dirty="0"/>
           </a:p>
@@ -6815,7 +6974,7 @@
           <a:p>
             <a:fld id="{4509A250-FF31-4206-8172-F9D3106AACB1}" type="datetimeFigureOut">
               <a:rPr lang="en-US" smtClean="0"/>
-              <a:t>10/5/23</a:t>
+              <a:t>11/2/23</a:t>
             </a:fld>
             <a:endParaRPr lang="en-US" dirty="0"/>
           </a:p>
@@ -7072,7 +7231,7 @@
           <a:p>
             <a:fld id="{4509A250-FF31-4206-8172-F9D3106AACB1}" type="datetimeFigureOut">
               <a:rPr lang="en-US" smtClean="0"/>
-              <a:t>10/5/23</a:t>
+              <a:t>11/2/23</a:t>
             </a:fld>
             <a:endParaRPr lang="en-US" dirty="0"/>
           </a:p>
@@ -7285,7 +7444,7 @@
           <a:p>
             <a:fld id="{4AAD347D-5ACD-4C99-B74B-A9C85AD731AF}" type="datetimeFigureOut">
               <a:rPr lang="en-US" smtClean="0"/>
-              <a:t>10/5/23</a:t>
+              <a:t>11/2/23</a:t>
             </a:fld>
             <a:endParaRPr lang="en-US" dirty="0"/>
           </a:p>
@@ -8679,6 +8838,3513 @@
       </p:grpSpPr>
       <p:sp>
         <p:nvSpPr>
+          <p:cNvPr id="2" name="Title 1">
+            <a:extLst>
+              <a:ext uri="{FF2B5EF4-FFF2-40B4-BE49-F238E27FC236}">
+                <a16:creationId xmlns:a16="http://schemas.microsoft.com/office/drawing/2014/main" id="{AA3A228F-61D0-D949-A5E7-F83756230BF8}"/>
+              </a:ext>
+            </a:extLst>
+          </p:cNvPr>
+          <p:cNvSpPr>
+            <a:spLocks noGrp="1"/>
+          </p:cNvSpPr>
+          <p:nvPr>
+            <p:ph type="title"/>
+          </p:nvPr>
+        </p:nvSpPr>
+        <p:spPr>
+          <a:xfrm>
+            <a:off x="226673" y="171752"/>
+            <a:ext cx="7053542" cy="683886"/>
+          </a:xfrm>
+        </p:spPr>
+        <p:txBody>
+          <a:bodyPr/>
+          <a:lstStyle/>
+          <a:p>
+            <a:r>
+              <a:rPr lang="en-US" dirty="0"/>
+              <a:t>Sprites</a:t>
+            </a:r>
+          </a:p>
+        </p:txBody>
+      </p:sp>
+      <p:sp>
+        <p:nvSpPr>
+          <p:cNvPr id="9" name="Content Placeholder 8">
+            <a:extLst>
+              <a:ext uri="{FF2B5EF4-FFF2-40B4-BE49-F238E27FC236}">
+                <a16:creationId xmlns:a16="http://schemas.microsoft.com/office/drawing/2014/main" id="{E3B2E017-30B2-884B-A113-B419A2ED51AD}"/>
+              </a:ext>
+            </a:extLst>
+          </p:cNvPr>
+          <p:cNvSpPr>
+            <a:spLocks noGrp="1"/>
+          </p:cNvSpPr>
+          <p:nvPr>
+            <p:ph idx="1"/>
+          </p:nvPr>
+        </p:nvSpPr>
+        <p:spPr>
+          <a:xfrm>
+            <a:off x="323850" y="942975"/>
+            <a:ext cx="8211723" cy="4459657"/>
+          </a:xfrm>
+        </p:spPr>
+        <p:txBody>
+          <a:bodyPr>
+            <a:noAutofit/>
+          </a:bodyPr>
+          <a:lstStyle/>
+          <a:p>
+            <a:pPr marL="0" indent="0">
+              <a:buNone/>
+            </a:pPr>
+            <a:r>
+              <a:rPr lang="en-US" dirty="0"/>
+              <a:t>A sprite is an image(.</a:t>
+            </a:r>
+            <a:r>
+              <a:rPr lang="en-US" dirty="0" err="1"/>
+              <a:t>png</a:t>
+            </a:r>
+            <a:r>
+              <a:rPr lang="en-US" dirty="0"/>
+              <a:t> or .jpg) that represent a character or object in a game. </a:t>
+            </a:r>
+          </a:p>
+          <a:p>
+            <a:pPr marL="0" indent="0">
+              <a:buNone/>
+            </a:pPr>
+            <a:endParaRPr lang="en-US" dirty="0"/>
+          </a:p>
+          <a:p>
+            <a:pPr marL="0" indent="0">
+              <a:buNone/>
+            </a:pPr>
+            <a:r>
+              <a:rPr lang="en-US" dirty="0"/>
+              <a:t>In </a:t>
+            </a:r>
+            <a:r>
+              <a:rPr lang="en-US" dirty="0" err="1"/>
+              <a:t>arcade.py</a:t>
+            </a:r>
+            <a:r>
+              <a:rPr lang="en-US" dirty="0"/>
+              <a:t>, I have written a simple custom class: the Sprite class. It allows us to easily draw, scale and animate sprites. We may create several Sprite </a:t>
+            </a:r>
+            <a:r>
+              <a:rPr lang="en-US" b="1" dirty="0"/>
+              <a:t>instances</a:t>
+            </a:r>
+            <a:r>
+              <a:rPr lang="en-US" dirty="0"/>
+              <a:t> or </a:t>
+            </a:r>
+            <a:r>
+              <a:rPr lang="en-US" b="1" dirty="0"/>
+              <a:t>objects</a:t>
+            </a:r>
+            <a:r>
+              <a:rPr lang="en-US" dirty="0"/>
+              <a:t>. </a:t>
+            </a:r>
+          </a:p>
+          <a:p>
+            <a:pPr marL="0" indent="0">
+              <a:buNone/>
+            </a:pPr>
+            <a:endParaRPr lang="en-US" dirty="0"/>
+          </a:p>
+          <a:p>
+            <a:pPr marL="0" indent="0">
+              <a:buNone/>
+            </a:pPr>
+            <a:r>
+              <a:rPr lang="en-US" dirty="0"/>
+              <a:t>This </a:t>
+            </a:r>
+            <a:r>
+              <a:rPr lang="en-US" b="1" dirty="0"/>
+              <a:t>reusability</a:t>
+            </a:r>
+            <a:r>
+              <a:rPr lang="en-US" dirty="0"/>
+              <a:t> feature is important especially when we need to create many objects(for example enemies) with similar data and behaviors. </a:t>
+            </a:r>
+          </a:p>
+        </p:txBody>
+      </p:sp>
+    </p:spTree>
+    <p:extLst>
+      <p:ext uri="{BB962C8B-B14F-4D97-AF65-F5344CB8AC3E}">
+        <p14:creationId xmlns:p14="http://schemas.microsoft.com/office/powerpoint/2010/main" val="1190543687"/>
+      </p:ext>
+    </p:extLst>
+  </p:cSld>
+  <p:clrMapOvr>
+    <a:masterClrMapping/>
+  </p:clrMapOvr>
+  <p:timing>
+    <p:tnLst>
+      <p:par>
+        <p:cTn id="1" dur="indefinite" restart="never" nodeType="tmRoot">
+          <p:childTnLst>
+            <p:seq concurrent="1" nextAc="seek">
+              <p:cTn id="2" dur="indefinite" nodeType="mainSeq">
+                <p:childTnLst>
+                  <p:par>
+                    <p:cTn id="3" fill="hold">
+                      <p:stCondLst>
+                        <p:cond delay="indefinite"/>
+                      </p:stCondLst>
+                      <p:childTnLst>
+                        <p:par>
+                          <p:cTn id="4" fill="hold">
+                            <p:stCondLst>
+                              <p:cond delay="0"/>
+                            </p:stCondLst>
+                            <p:childTnLst>
+                              <p:par>
+                                <p:cTn id="5" presetID="1" presetClass="entr" presetSubtype="0" fill="hold" nodeType="clickEffect">
+                                  <p:stCondLst>
+                                    <p:cond delay="0"/>
+                                  </p:stCondLst>
+                                  <p:childTnLst>
+                                    <p:set>
+                                      <p:cBhvr>
+                                        <p:cTn id="6" dur="1" fill="hold">
+                                          <p:stCondLst>
+                                            <p:cond delay="0"/>
+                                          </p:stCondLst>
+                                        </p:cTn>
+                                        <p:tgtEl>
+                                          <p:spTgt spid="9">
+                                            <p:txEl>
+                                              <p:pRg st="4" end="4"/>
+                                            </p:txEl>
+                                          </p:spTgt>
+                                        </p:tgtEl>
+                                        <p:attrNameLst>
+                                          <p:attrName>style.visibility</p:attrName>
+                                        </p:attrNameLst>
+                                      </p:cBhvr>
+                                      <p:to>
+                                        <p:strVal val="visible"/>
+                                      </p:to>
+                                    </p:set>
+                                  </p:childTnLst>
+                                </p:cTn>
+                              </p:par>
+                            </p:childTnLst>
+                          </p:cTn>
+                        </p:par>
+                      </p:childTnLst>
+                    </p:cTn>
+                  </p:par>
+                </p:childTnLst>
+              </p:cTn>
+              <p:prevCondLst>
+                <p:cond evt="onPrev" delay="0">
+                  <p:tgtEl>
+                    <p:sldTgt/>
+                  </p:tgtEl>
+                </p:cond>
+              </p:prevCondLst>
+              <p:nextCondLst>
+                <p:cond evt="onNext" delay="0">
+                  <p:tgtEl>
+                    <p:sldTgt/>
+                  </p:tgtEl>
+                </p:cond>
+              </p:nextCondLst>
+            </p:seq>
+          </p:childTnLst>
+        </p:cTn>
+      </p:par>
+    </p:tnLst>
+  </p:timing>
+</p:sld>
+</file>
+
+<file path=ppt/slides/slide14.xml><?xml version="1.0" encoding="utf-8"?>
+<p:sld xmlns:a="http://schemas.openxmlformats.org/drawingml/2006/main" xmlns:r="http://schemas.openxmlformats.org/officeDocument/2006/relationships" xmlns:p="http://schemas.openxmlformats.org/presentationml/2006/main">
+  <p:cSld>
+    <p:spTree>
+      <p:nvGrpSpPr>
+        <p:cNvPr id="1" name=""/>
+        <p:cNvGrpSpPr/>
+        <p:nvPr/>
+      </p:nvGrpSpPr>
+      <p:grpSpPr>
+        <a:xfrm>
+          <a:off x="0" y="0"/>
+          <a:ext cx="0" cy="0"/>
+          <a:chOff x="0" y="0"/>
+          <a:chExt cx="0" cy="0"/>
+        </a:xfrm>
+      </p:grpSpPr>
+      <p:sp>
+        <p:nvSpPr>
+          <p:cNvPr id="2" name="Title 1">
+            <a:extLst>
+              <a:ext uri="{FF2B5EF4-FFF2-40B4-BE49-F238E27FC236}">
+                <a16:creationId xmlns:a16="http://schemas.microsoft.com/office/drawing/2014/main" id="{AA3A228F-61D0-D949-A5E7-F83756230BF8}"/>
+              </a:ext>
+            </a:extLst>
+          </p:cNvPr>
+          <p:cNvSpPr>
+            <a:spLocks noGrp="1"/>
+          </p:cNvSpPr>
+          <p:nvPr>
+            <p:ph type="title"/>
+          </p:nvPr>
+        </p:nvSpPr>
+        <p:spPr>
+          <a:xfrm>
+            <a:off x="247791" y="188432"/>
+            <a:ext cx="7053542" cy="683886"/>
+          </a:xfrm>
+        </p:spPr>
+        <p:txBody>
+          <a:bodyPr/>
+          <a:lstStyle/>
+          <a:p>
+            <a:r>
+              <a:rPr lang="en-US" dirty="0"/>
+              <a:t>The Sprite Class</a:t>
+            </a:r>
+          </a:p>
+        </p:txBody>
+      </p:sp>
+      <p:sp>
+        <p:nvSpPr>
+          <p:cNvPr id="9" name="Content Placeholder 8">
+            <a:extLst>
+              <a:ext uri="{FF2B5EF4-FFF2-40B4-BE49-F238E27FC236}">
+                <a16:creationId xmlns:a16="http://schemas.microsoft.com/office/drawing/2014/main" id="{E3B2E017-30B2-884B-A113-B419A2ED51AD}"/>
+              </a:ext>
+            </a:extLst>
+          </p:cNvPr>
+          <p:cNvSpPr>
+            <a:spLocks noGrp="1"/>
+          </p:cNvSpPr>
+          <p:nvPr>
+            <p:ph idx="1"/>
+          </p:nvPr>
+        </p:nvSpPr>
+        <p:spPr>
+          <a:xfrm>
+            <a:off x="161926" y="924511"/>
+            <a:ext cx="8373648" cy="4764243"/>
+          </a:xfrm>
+        </p:spPr>
+        <p:txBody>
+          <a:bodyPr>
+            <a:noAutofit/>
+          </a:bodyPr>
+          <a:lstStyle/>
+          <a:p>
+            <a:pPr marL="0" indent="0">
+              <a:buNone/>
+            </a:pPr>
+            <a:r>
+              <a:rPr lang="en-US" dirty="0"/>
+              <a:t>The Sprite class’ constructor allows us</a:t>
+            </a:r>
+          </a:p>
+          <a:p>
+            <a:pPr marL="0" indent="0">
+              <a:buNone/>
+            </a:pPr>
+            <a:r>
+              <a:rPr lang="en-US" dirty="0"/>
+              <a:t>to create a Sprite object. It has many </a:t>
+            </a:r>
+          </a:p>
+          <a:p>
+            <a:pPr marL="0" indent="0">
+              <a:buNone/>
+            </a:pPr>
+            <a:r>
+              <a:rPr lang="en-US" dirty="0"/>
+              <a:t>parameters to help us initialize a Sprite</a:t>
+            </a:r>
+          </a:p>
+          <a:p>
+            <a:pPr marL="0" indent="0">
+              <a:buNone/>
+            </a:pPr>
+            <a:r>
+              <a:rPr lang="en-US" dirty="0"/>
+              <a:t>object for our game.  </a:t>
+            </a:r>
+          </a:p>
+          <a:p>
+            <a:pPr marL="0" indent="0">
+              <a:buNone/>
+            </a:pPr>
+            <a:endParaRPr lang="en-US" dirty="0"/>
+          </a:p>
+          <a:p>
+            <a:pPr marL="0" indent="0">
+              <a:buNone/>
+            </a:pPr>
+            <a:r>
+              <a:rPr lang="en-US" dirty="0"/>
+              <a:t>Usually, we specify only the image </a:t>
+            </a:r>
+          </a:p>
+          <a:p>
+            <a:pPr marL="0" indent="0">
+              <a:buNone/>
+            </a:pPr>
+            <a:r>
+              <a:rPr lang="en-US" dirty="0"/>
+              <a:t>filename and scaling and set the other</a:t>
+            </a:r>
+          </a:p>
+          <a:p>
+            <a:pPr marL="0" indent="0">
+              <a:buNone/>
+            </a:pPr>
+            <a:r>
+              <a:rPr lang="en-US" dirty="0"/>
+              <a:t>attributes as needed.  </a:t>
+            </a:r>
+          </a:p>
+          <a:p>
+            <a:pPr marL="0" indent="0">
+              <a:buNone/>
+            </a:pPr>
+            <a:endParaRPr lang="en-US" dirty="0"/>
+          </a:p>
+          <a:p>
+            <a:pPr marL="0" indent="0">
+              <a:buNone/>
+            </a:pPr>
+            <a:r>
+              <a:rPr lang="en-US" dirty="0"/>
+              <a:t>player = </a:t>
+            </a:r>
+            <a:r>
+              <a:rPr lang="en-US" dirty="0" err="1"/>
+              <a:t>Sprite</a:t>
+            </a:r>
+            <a:r>
+              <a:rPr lang="en-US" dirty="0"/>
+              <a:t>(“</a:t>
+            </a:r>
+            <a:r>
+              <a:rPr lang="en-US" dirty="0" err="1"/>
+              <a:t>player.png</a:t>
+            </a:r>
+            <a:r>
+              <a:rPr lang="en-US" dirty="0"/>
+              <a:t>”, 0.5)</a:t>
+            </a:r>
+          </a:p>
+          <a:p>
+            <a:pPr marL="0" indent="0">
+              <a:buNone/>
+            </a:pPr>
+            <a:r>
+              <a:rPr lang="en-US" dirty="0"/>
+              <a:t> </a:t>
+            </a:r>
+          </a:p>
+          <a:p>
+            <a:pPr marL="0" indent="0">
+              <a:buNone/>
+            </a:pPr>
+            <a:endParaRPr lang="en-US" dirty="0"/>
+          </a:p>
+        </p:txBody>
+      </p:sp>
+      <p:graphicFrame>
+        <p:nvGraphicFramePr>
+          <p:cNvPr id="4" name="Content Placeholder 2">
+            <a:extLst>
+              <a:ext uri="{FF2B5EF4-FFF2-40B4-BE49-F238E27FC236}">
+                <a16:creationId xmlns:a16="http://schemas.microsoft.com/office/drawing/2014/main" id="{910DE0CC-5FEF-A94D-BF5D-C253E3945850}"/>
+              </a:ext>
+            </a:extLst>
+          </p:cNvPr>
+          <p:cNvGraphicFramePr>
+            <a:graphicFrameLocks/>
+          </p:cNvGraphicFramePr>
+          <p:nvPr>
+            <p:extLst>
+              <p:ext uri="{D42A27DB-BD31-4B8C-83A1-F6EECF244321}">
+                <p14:modId xmlns:p14="http://schemas.microsoft.com/office/powerpoint/2010/main" val="2060182683"/>
+              </p:ext>
+            </p:extLst>
+          </p:nvPr>
+        </p:nvGraphicFramePr>
+        <p:xfrm>
+          <a:off x="5297803" y="324436"/>
+          <a:ext cx="3598406" cy="3566160"/>
+        </p:xfrm>
+        <a:graphic>
+          <a:graphicData uri="http://schemas.openxmlformats.org/drawingml/2006/table">
+            <a:tbl>
+              <a:tblPr firstRow="1" bandRow="1">
+                <a:tableStyleId>{5940675A-B579-460E-94D1-54222C63F5DA}</a:tableStyleId>
+              </a:tblPr>
+              <a:tblGrid>
+                <a:gridCol w="3598406">
+                  <a:extLst>
+                    <a:ext uri="{9D8B030D-6E8A-4147-A177-3AD203B41FA5}">
+                      <a16:colId xmlns:a16="http://schemas.microsoft.com/office/drawing/2014/main" val="2159819282"/>
+                    </a:ext>
+                  </a:extLst>
+                </a:gridCol>
+              </a:tblGrid>
+              <a:tr h="0">
+                <a:tc>
+                  <a:txBody>
+                    <a:bodyPr/>
+                    <a:lstStyle/>
+                    <a:p>
+                      <a:r>
+                        <a:rPr lang="en-US" sz="1800" b="0" cap="none" spc="0" dirty="0" err="1">
+                          <a:ln w="0"/>
+                          <a:solidFill>
+                            <a:srgbClr val="FF0000"/>
+                          </a:solidFill>
+                          <a:effectLst>
+                            <a:outerShdw blurRad="38100" dist="19050" dir="2700000" algn="tl" rotWithShape="0">
+                              <a:schemeClr val="dk1">
+                                <a:alpha val="40000"/>
+                              </a:schemeClr>
+                            </a:outerShdw>
+                          </a:effectLst>
+                        </a:rPr>
+                        <a:t>Sprite</a:t>
+                      </a:r>
+                      <a:r>
+                        <a:rPr lang="en-US" sz="1800" b="0" cap="none" spc="0" dirty="0">
+                          <a:ln w="0"/>
+                          <a:solidFill>
+                            <a:srgbClr val="FF0000"/>
+                          </a:solidFill>
+                          <a:effectLst>
+                            <a:outerShdw blurRad="38100" dist="19050" dir="2700000" algn="tl" rotWithShape="0">
+                              <a:schemeClr val="dk1">
+                                <a:alpha val="40000"/>
+                              </a:schemeClr>
+                            </a:outerShdw>
+                          </a:effectLst>
+                        </a:rPr>
+                        <a:t>(filename, scale=1.0)</a:t>
+                      </a:r>
+                    </a:p>
+                  </a:txBody>
+                  <a:tcPr/>
+                </a:tc>
+                <a:extLst>
+                  <a:ext uri="{0D108BD9-81ED-4DB2-BD59-A6C34878D82A}">
+                    <a16:rowId xmlns:a16="http://schemas.microsoft.com/office/drawing/2014/main" val="1405314547"/>
+                  </a:ext>
+                </a:extLst>
+              </a:tr>
+              <a:tr h="1397523">
+                <a:tc>
+                  <a:txBody>
+                    <a:bodyPr/>
+                    <a:lstStyle/>
+                    <a:p>
+                      <a:r>
+                        <a:rPr lang="en-US" sz="1800" b="0" cap="none" spc="0" dirty="0" err="1">
+                          <a:ln w="0"/>
+                          <a:solidFill>
+                            <a:schemeClr val="tx1"/>
+                          </a:solidFill>
+                          <a:effectLst>
+                            <a:outerShdw blurRad="38100" dist="19050" dir="2700000" algn="tl" rotWithShape="0">
+                              <a:schemeClr val="dk1">
+                                <a:alpha val="40000"/>
+                              </a:schemeClr>
+                            </a:outerShdw>
+                          </a:effectLst>
+                        </a:rPr>
+                        <a:t>center_x</a:t>
+                      </a:r>
+                      <a:endParaRPr lang="en-US" sz="1800" b="0" cap="none" spc="0" dirty="0">
+                        <a:ln w="0"/>
+                        <a:solidFill>
+                          <a:schemeClr val="tx1"/>
+                        </a:solidFill>
+                        <a:effectLst>
+                          <a:outerShdw blurRad="38100" dist="19050" dir="2700000" algn="tl" rotWithShape="0">
+                            <a:schemeClr val="dk1">
+                              <a:alpha val="40000"/>
+                            </a:schemeClr>
+                          </a:outerShdw>
+                        </a:effectLst>
+                      </a:endParaRPr>
+                    </a:p>
+                    <a:p>
+                      <a:r>
+                        <a:rPr lang="en-US" sz="1800" b="0" cap="none" spc="0" dirty="0" err="1">
+                          <a:ln w="0"/>
+                          <a:solidFill>
+                            <a:schemeClr val="tx1"/>
+                          </a:solidFill>
+                          <a:effectLst>
+                            <a:outerShdw blurRad="38100" dist="19050" dir="2700000" algn="tl" rotWithShape="0">
+                              <a:schemeClr val="dk1">
+                                <a:alpha val="40000"/>
+                              </a:schemeClr>
+                            </a:outerShdw>
+                          </a:effectLst>
+                        </a:rPr>
+                        <a:t>center_y</a:t>
+                      </a:r>
+                      <a:endParaRPr lang="en-US" sz="1800" b="0" cap="none" spc="0" dirty="0">
+                        <a:ln w="0"/>
+                        <a:solidFill>
+                          <a:schemeClr val="tx1"/>
+                        </a:solidFill>
+                        <a:effectLst>
+                          <a:outerShdw blurRad="38100" dist="19050" dir="2700000" algn="tl" rotWithShape="0">
+                            <a:schemeClr val="dk1">
+                              <a:alpha val="40000"/>
+                            </a:schemeClr>
+                          </a:outerShdw>
+                        </a:effectLst>
+                      </a:endParaRPr>
+                    </a:p>
+                    <a:p>
+                      <a:r>
+                        <a:rPr lang="en-US" sz="1800" b="0" cap="none" spc="0" dirty="0">
+                          <a:ln w="0"/>
+                          <a:solidFill>
+                            <a:schemeClr val="tx1"/>
+                          </a:solidFill>
+                          <a:effectLst>
+                            <a:outerShdw blurRad="38100" dist="19050" dir="2700000" algn="tl" rotWithShape="0">
+                              <a:schemeClr val="dk1">
+                                <a:alpha val="40000"/>
+                              </a:schemeClr>
+                            </a:outerShdw>
+                          </a:effectLst>
+                        </a:rPr>
+                        <a:t>angle</a:t>
+                      </a:r>
+                    </a:p>
+                    <a:p>
+                      <a:r>
+                        <a:rPr lang="en-US" sz="1800" b="0" cap="none" spc="0" dirty="0">
+                          <a:ln w="0"/>
+                          <a:solidFill>
+                            <a:schemeClr val="tx1"/>
+                          </a:solidFill>
+                          <a:effectLst>
+                            <a:outerShdw blurRad="38100" dist="19050" dir="2700000" algn="tl" rotWithShape="0">
+                              <a:schemeClr val="dk1">
+                                <a:alpha val="40000"/>
+                              </a:schemeClr>
+                            </a:outerShdw>
+                          </a:effectLst>
+                        </a:rPr>
+                        <a:t>width</a:t>
+                      </a:r>
+                    </a:p>
+                    <a:p>
+                      <a:r>
+                        <a:rPr lang="en-US" sz="1800" b="0" cap="none" spc="0" dirty="0">
+                          <a:ln w="0"/>
+                          <a:solidFill>
+                            <a:schemeClr val="tx1"/>
+                          </a:solidFill>
+                          <a:effectLst>
+                            <a:outerShdw blurRad="38100" dist="19050" dir="2700000" algn="tl" rotWithShape="0">
+                              <a:schemeClr val="dk1">
+                                <a:alpha val="40000"/>
+                              </a:schemeClr>
+                            </a:outerShdw>
+                          </a:effectLst>
+                        </a:rPr>
+                        <a:t>height</a:t>
+                      </a:r>
+                    </a:p>
+                    <a:p>
+                      <a:r>
+                        <a:rPr lang="en-US" sz="1800" b="0" cap="none" spc="0" dirty="0" err="1">
+                          <a:ln w="0"/>
+                          <a:solidFill>
+                            <a:schemeClr val="tx1"/>
+                          </a:solidFill>
+                          <a:effectLst>
+                            <a:outerShdw blurRad="38100" dist="19050" dir="2700000" algn="tl" rotWithShape="0">
+                              <a:schemeClr val="dk1">
+                                <a:alpha val="40000"/>
+                              </a:schemeClr>
+                            </a:outerShdw>
+                          </a:effectLst>
+                        </a:rPr>
+                        <a:t>change_x</a:t>
+                      </a:r>
+                      <a:endParaRPr lang="en-US" sz="1800" b="0" cap="none" spc="0" dirty="0">
+                        <a:ln w="0"/>
+                        <a:solidFill>
+                          <a:schemeClr val="tx1"/>
+                        </a:solidFill>
+                        <a:effectLst>
+                          <a:outerShdw blurRad="38100" dist="19050" dir="2700000" algn="tl" rotWithShape="0">
+                            <a:schemeClr val="dk1">
+                              <a:alpha val="40000"/>
+                            </a:schemeClr>
+                          </a:outerShdw>
+                        </a:effectLst>
+                      </a:endParaRPr>
+                    </a:p>
+                    <a:p>
+                      <a:r>
+                        <a:rPr lang="en-US" sz="1800" b="0" cap="none" spc="0" dirty="0" err="1">
+                          <a:ln w="0"/>
+                          <a:solidFill>
+                            <a:schemeClr val="tx1"/>
+                          </a:solidFill>
+                          <a:effectLst>
+                            <a:outerShdw blurRad="38100" dist="19050" dir="2700000" algn="tl" rotWithShape="0">
+                              <a:schemeClr val="dk1">
+                                <a:alpha val="40000"/>
+                              </a:schemeClr>
+                            </a:outerShdw>
+                          </a:effectLst>
+                        </a:rPr>
+                        <a:t>change_y</a:t>
+                      </a:r>
+                      <a:endParaRPr lang="en-US" sz="1800" b="0" cap="none" spc="0" dirty="0">
+                        <a:ln w="0"/>
+                        <a:solidFill>
+                          <a:schemeClr val="tx1"/>
+                        </a:solidFill>
+                        <a:effectLst>
+                          <a:outerShdw blurRad="38100" dist="19050" dir="2700000" algn="tl" rotWithShape="0">
+                            <a:schemeClr val="dk1">
+                              <a:alpha val="40000"/>
+                            </a:schemeClr>
+                          </a:outerShdw>
+                        </a:effectLst>
+                      </a:endParaRPr>
+                    </a:p>
+                    <a:p>
+                      <a:r>
+                        <a:rPr lang="en-US" sz="1800" b="0" cap="none" spc="0" dirty="0" err="1">
+                          <a:ln w="0"/>
+                          <a:solidFill>
+                            <a:schemeClr val="tx1"/>
+                          </a:solidFill>
+                          <a:effectLst>
+                            <a:outerShdw blurRad="38100" dist="19050" dir="2700000" algn="tl" rotWithShape="0">
+                              <a:schemeClr val="dk1">
+                                <a:alpha val="40000"/>
+                              </a:schemeClr>
+                            </a:outerShdw>
+                          </a:effectLst>
+                        </a:rPr>
+                        <a:t>change_angle</a:t>
+                      </a:r>
+                      <a:endParaRPr lang="en-US" sz="1800" b="0" cap="none" spc="0" dirty="0">
+                        <a:ln w="0"/>
+                        <a:solidFill>
+                          <a:schemeClr val="tx1"/>
+                        </a:solidFill>
+                        <a:effectLst>
+                          <a:outerShdw blurRad="38100" dist="19050" dir="2700000" algn="tl" rotWithShape="0">
+                            <a:schemeClr val="dk1">
+                              <a:alpha val="40000"/>
+                            </a:schemeClr>
+                          </a:outerShdw>
+                        </a:effectLst>
+                      </a:endParaRPr>
+                    </a:p>
+                    <a:p>
+                      <a:pPr marL="0" marR="0" lvl="0" indent="0" algn="l" defTabSz="685800" rtl="0" eaLnBrk="1" fontAlgn="auto" latinLnBrk="0" hangingPunct="1">
+                        <a:lnSpc>
+                          <a:spcPct val="100000"/>
+                        </a:lnSpc>
+                        <a:spcBef>
+                          <a:spcPts val="0"/>
+                        </a:spcBef>
+                        <a:spcAft>
+                          <a:spcPts val="0"/>
+                        </a:spcAft>
+                        <a:buClrTx/>
+                        <a:buSzTx/>
+                        <a:buFontTx/>
+                        <a:buNone/>
+                        <a:tabLst/>
+                        <a:defRPr/>
+                      </a:pPr>
+                      <a:r>
+                        <a:rPr lang="en-US" sz="1800" b="0" cap="none" spc="0" dirty="0">
+                          <a:ln w="0"/>
+                          <a:solidFill>
+                            <a:schemeClr val="tx1"/>
+                          </a:solidFill>
+                          <a:effectLst>
+                            <a:outerShdw blurRad="38100" dist="19050" dir="2700000" algn="tl" rotWithShape="0">
+                              <a:schemeClr val="dk1">
+                                <a:alpha val="40000"/>
+                              </a:schemeClr>
+                            </a:outerShdw>
+                          </a:effectLst>
+                        </a:rPr>
+                        <a:t>alpha</a:t>
+                      </a:r>
+                    </a:p>
+                  </a:txBody>
+                  <a:tcPr/>
+                </a:tc>
+                <a:extLst>
+                  <a:ext uri="{0D108BD9-81ED-4DB2-BD59-A6C34878D82A}">
+                    <a16:rowId xmlns:a16="http://schemas.microsoft.com/office/drawing/2014/main" val="3404010091"/>
+                  </a:ext>
+                </a:extLst>
+              </a:tr>
+              <a:tr h="395423">
+                <a:tc>
+                  <a:txBody>
+                    <a:bodyPr/>
+                    <a:lstStyle/>
+                    <a:p>
+                      <a:r>
+                        <a:rPr lang="en-US" sz="1800" b="0" cap="none" spc="0" dirty="0">
+                          <a:ln w="0"/>
+                          <a:solidFill>
+                            <a:schemeClr val="tx1"/>
+                          </a:solidFill>
+                          <a:effectLst>
+                            <a:outerShdw blurRad="38100" dist="19050" dir="2700000" algn="tl" rotWithShape="0">
+                              <a:schemeClr val="dk1">
+                                <a:alpha val="40000"/>
+                              </a:schemeClr>
+                            </a:outerShdw>
+                          </a:effectLst>
+                        </a:rPr>
+                        <a:t>draw()</a:t>
+                      </a:r>
+                    </a:p>
+                    <a:p>
+                      <a:r>
+                        <a:rPr lang="en-US" sz="1800" b="0" cap="none" spc="0" dirty="0">
+                          <a:ln w="0"/>
+                          <a:solidFill>
+                            <a:schemeClr val="tx1"/>
+                          </a:solidFill>
+                          <a:effectLst>
+                            <a:outerShdw blurRad="38100" dist="19050" dir="2700000" algn="tl" rotWithShape="0">
+                              <a:schemeClr val="dk1">
+                                <a:alpha val="40000"/>
+                              </a:schemeClr>
+                            </a:outerShdw>
+                          </a:effectLst>
+                        </a:rPr>
+                        <a:t>move()</a:t>
+                      </a:r>
+                    </a:p>
+                  </a:txBody>
+                  <a:tcPr/>
+                </a:tc>
+                <a:extLst>
+                  <a:ext uri="{0D108BD9-81ED-4DB2-BD59-A6C34878D82A}">
+                    <a16:rowId xmlns:a16="http://schemas.microsoft.com/office/drawing/2014/main" val="2577202153"/>
+                  </a:ext>
+                </a:extLst>
+              </a:tr>
+            </a:tbl>
+          </a:graphicData>
+        </a:graphic>
+      </p:graphicFrame>
+      <p:sp>
+        <p:nvSpPr>
+          <p:cNvPr id="3" name="TextBox 2">
+            <a:extLst>
+              <a:ext uri="{FF2B5EF4-FFF2-40B4-BE49-F238E27FC236}">
+                <a16:creationId xmlns:a16="http://schemas.microsoft.com/office/drawing/2014/main" id="{8BB97AF7-6488-BE43-8363-9BFD815B4E7A}"/>
+              </a:ext>
+            </a:extLst>
+          </p:cNvPr>
+          <p:cNvSpPr txBox="1"/>
+          <p:nvPr/>
+        </p:nvSpPr>
+        <p:spPr>
+          <a:xfrm>
+            <a:off x="3670852" y="728870"/>
+            <a:ext cx="184731" cy="308418"/>
+          </a:xfrm>
+          <a:prstGeom prst="rect">
+            <a:avLst/>
+          </a:prstGeom>
+          <a:noFill/>
+        </p:spPr>
+        <p:txBody>
+          <a:bodyPr wrap="none" rtlCol="0">
+            <a:spAutoFit/>
+          </a:bodyPr>
+          <a:lstStyle/>
+          <a:p>
+            <a:endParaRPr lang="en-US" dirty="0"/>
+          </a:p>
+        </p:txBody>
+      </p:sp>
+      <p:sp>
+        <p:nvSpPr>
+          <p:cNvPr id="5" name="TextBox 4">
+            <a:extLst>
+              <a:ext uri="{FF2B5EF4-FFF2-40B4-BE49-F238E27FC236}">
+                <a16:creationId xmlns:a16="http://schemas.microsoft.com/office/drawing/2014/main" id="{0AFD9F14-5FDD-9A41-B24B-7D381714B083}"/>
+              </a:ext>
+            </a:extLst>
+          </p:cNvPr>
+          <p:cNvSpPr txBox="1"/>
+          <p:nvPr/>
+        </p:nvSpPr>
+        <p:spPr>
+          <a:xfrm>
+            <a:off x="1444487" y="1470991"/>
+            <a:ext cx="184731" cy="308418"/>
+          </a:xfrm>
+          <a:prstGeom prst="rect">
+            <a:avLst/>
+          </a:prstGeom>
+          <a:noFill/>
+        </p:spPr>
+        <p:txBody>
+          <a:bodyPr wrap="none" rtlCol="0">
+            <a:spAutoFit/>
+          </a:bodyPr>
+          <a:lstStyle/>
+          <a:p>
+            <a:endParaRPr lang="en-US" dirty="0"/>
+          </a:p>
+        </p:txBody>
+      </p:sp>
+      <p:pic>
+        <p:nvPicPr>
+          <p:cNvPr id="7" name="Picture 6" descr="A picture containing object&#10;&#10;Description automatically generated">
+            <a:extLst>
+              <a:ext uri="{FF2B5EF4-FFF2-40B4-BE49-F238E27FC236}">
+                <a16:creationId xmlns:a16="http://schemas.microsoft.com/office/drawing/2014/main" id="{0799DC86-A848-1840-A365-96FD89F949C4}"/>
+              </a:ext>
+            </a:extLst>
+          </p:cNvPr>
+          <p:cNvPicPr>
+            <a:picLocks noChangeAspect="1"/>
+          </p:cNvPicPr>
+          <p:nvPr/>
+        </p:nvPicPr>
+        <p:blipFill>
+          <a:blip r:embed="rId2"/>
+          <a:stretch>
+            <a:fillRect/>
+          </a:stretch>
+        </p:blipFill>
+        <p:spPr>
+          <a:xfrm>
+            <a:off x="5928606" y="4323764"/>
+            <a:ext cx="1168400" cy="1066800"/>
+          </a:xfrm>
+          <a:prstGeom prst="rect">
+            <a:avLst/>
+          </a:prstGeom>
+          <a:ln w="25400">
+            <a:solidFill>
+              <a:schemeClr val="tx1"/>
+            </a:solidFill>
+          </a:ln>
+        </p:spPr>
+      </p:pic>
+      <p:sp>
+        <p:nvSpPr>
+          <p:cNvPr id="8" name="TextBox 7">
+            <a:extLst>
+              <a:ext uri="{FF2B5EF4-FFF2-40B4-BE49-F238E27FC236}">
+                <a16:creationId xmlns:a16="http://schemas.microsoft.com/office/drawing/2014/main" id="{3E503B95-E018-FE45-80D5-04FF0D154DAA}"/>
+              </a:ext>
+            </a:extLst>
+          </p:cNvPr>
+          <p:cNvSpPr txBox="1"/>
+          <p:nvPr/>
+        </p:nvSpPr>
+        <p:spPr>
+          <a:xfrm>
+            <a:off x="6165287" y="3985210"/>
+            <a:ext cx="652743" cy="338554"/>
+          </a:xfrm>
+          <a:prstGeom prst="rect">
+            <a:avLst/>
+          </a:prstGeom>
+          <a:noFill/>
+        </p:spPr>
+        <p:txBody>
+          <a:bodyPr wrap="none" rtlCol="0">
+            <a:spAutoFit/>
+          </a:bodyPr>
+          <a:lstStyle/>
+          <a:p>
+            <a:r>
+              <a:rPr lang="en-US" sz="1600" dirty="0"/>
+              <a:t>width</a:t>
+            </a:r>
+          </a:p>
+        </p:txBody>
+      </p:sp>
+      <p:sp>
+        <p:nvSpPr>
+          <p:cNvPr id="10" name="TextBox 9">
+            <a:extLst>
+              <a:ext uri="{FF2B5EF4-FFF2-40B4-BE49-F238E27FC236}">
+                <a16:creationId xmlns:a16="http://schemas.microsoft.com/office/drawing/2014/main" id="{BE2ECC61-28C5-6B4B-83F0-B151E0573924}"/>
+              </a:ext>
+            </a:extLst>
+          </p:cNvPr>
+          <p:cNvSpPr txBox="1"/>
+          <p:nvPr/>
+        </p:nvSpPr>
+        <p:spPr>
+          <a:xfrm>
+            <a:off x="7047005" y="4700218"/>
+            <a:ext cx="689612" cy="338554"/>
+          </a:xfrm>
+          <a:prstGeom prst="rect">
+            <a:avLst/>
+          </a:prstGeom>
+          <a:noFill/>
+        </p:spPr>
+        <p:txBody>
+          <a:bodyPr wrap="none" rtlCol="0">
+            <a:spAutoFit/>
+          </a:bodyPr>
+          <a:lstStyle/>
+          <a:p>
+            <a:r>
+              <a:rPr lang="en-US" sz="1600" dirty="0"/>
+              <a:t>height</a:t>
+            </a:r>
+          </a:p>
+        </p:txBody>
+      </p:sp>
+      <p:cxnSp>
+        <p:nvCxnSpPr>
+          <p:cNvPr id="11" name="Straight Arrow Connector 10">
+            <a:extLst>
+              <a:ext uri="{FF2B5EF4-FFF2-40B4-BE49-F238E27FC236}">
+                <a16:creationId xmlns:a16="http://schemas.microsoft.com/office/drawing/2014/main" id="{5338EC75-F1A0-C645-8B90-B3F51C319352}"/>
+              </a:ext>
+            </a:extLst>
+          </p:cNvPr>
+          <p:cNvCxnSpPr>
+            <a:cxnSpLocks/>
+          </p:cNvCxnSpPr>
+          <p:nvPr/>
+        </p:nvCxnSpPr>
+        <p:spPr>
+          <a:xfrm flipV="1">
+            <a:off x="4525174" y="616928"/>
+            <a:ext cx="716419" cy="561976"/>
+          </a:xfrm>
+          <a:prstGeom prst="straightConnector1">
+            <a:avLst/>
+          </a:prstGeom>
+          <a:ln w="38100">
+            <a:tailEnd type="triangle"/>
+          </a:ln>
+        </p:spPr>
+        <p:style>
+          <a:lnRef idx="1">
+            <a:schemeClr val="dk1"/>
+          </a:lnRef>
+          <a:fillRef idx="0">
+            <a:schemeClr val="dk1"/>
+          </a:fillRef>
+          <a:effectRef idx="0">
+            <a:schemeClr val="dk1"/>
+          </a:effectRef>
+          <a:fontRef idx="minor">
+            <a:schemeClr val="tx1"/>
+          </a:fontRef>
+        </p:style>
+      </p:cxnSp>
+    </p:spTree>
+    <p:extLst>
+      <p:ext uri="{BB962C8B-B14F-4D97-AF65-F5344CB8AC3E}">
+        <p14:creationId xmlns:p14="http://schemas.microsoft.com/office/powerpoint/2010/main" val="528345614"/>
+      </p:ext>
+    </p:extLst>
+  </p:cSld>
+  <p:clrMapOvr>
+    <a:masterClrMapping/>
+  </p:clrMapOvr>
+  <p:timing>
+    <p:tnLst>
+      <p:par>
+        <p:cTn id="1" dur="indefinite" restart="never" nodeType="tmRoot">
+          <p:childTnLst>
+            <p:seq concurrent="1" nextAc="seek">
+              <p:cTn id="2" dur="indefinite" nodeType="mainSeq">
+                <p:childTnLst>
+                  <p:par>
+                    <p:cTn id="3" fill="hold">
+                      <p:stCondLst>
+                        <p:cond delay="indefinite"/>
+                      </p:stCondLst>
+                      <p:childTnLst>
+                        <p:par>
+                          <p:cTn id="4" fill="hold">
+                            <p:stCondLst>
+                              <p:cond delay="0"/>
+                            </p:stCondLst>
+                            <p:childTnLst>
+                              <p:par>
+                                <p:cTn id="5" presetID="1" presetClass="entr" presetSubtype="0" fill="hold" nodeType="clickEffect">
+                                  <p:stCondLst>
+                                    <p:cond delay="0"/>
+                                  </p:stCondLst>
+                                  <p:childTnLst>
+                                    <p:set>
+                                      <p:cBhvr>
+                                        <p:cTn id="6" dur="1" fill="hold">
+                                          <p:stCondLst>
+                                            <p:cond delay="0"/>
+                                          </p:stCondLst>
+                                        </p:cTn>
+                                        <p:tgtEl>
+                                          <p:spTgt spid="9">
+                                            <p:txEl>
+                                              <p:pRg st="5" end="5"/>
+                                            </p:txEl>
+                                          </p:spTgt>
+                                        </p:tgtEl>
+                                        <p:attrNameLst>
+                                          <p:attrName>style.visibility</p:attrName>
+                                        </p:attrNameLst>
+                                      </p:cBhvr>
+                                      <p:to>
+                                        <p:strVal val="visible"/>
+                                      </p:to>
+                                    </p:set>
+                                  </p:childTnLst>
+                                </p:cTn>
+                              </p:par>
+                              <p:par>
+                                <p:cTn id="7" presetID="1" presetClass="entr" presetSubtype="0" fill="hold" nodeType="withEffect">
+                                  <p:stCondLst>
+                                    <p:cond delay="0"/>
+                                  </p:stCondLst>
+                                  <p:childTnLst>
+                                    <p:set>
+                                      <p:cBhvr>
+                                        <p:cTn id="8" dur="1" fill="hold">
+                                          <p:stCondLst>
+                                            <p:cond delay="0"/>
+                                          </p:stCondLst>
+                                        </p:cTn>
+                                        <p:tgtEl>
+                                          <p:spTgt spid="9">
+                                            <p:txEl>
+                                              <p:pRg st="6" end="6"/>
+                                            </p:txEl>
+                                          </p:spTgt>
+                                        </p:tgtEl>
+                                        <p:attrNameLst>
+                                          <p:attrName>style.visibility</p:attrName>
+                                        </p:attrNameLst>
+                                      </p:cBhvr>
+                                      <p:to>
+                                        <p:strVal val="visible"/>
+                                      </p:to>
+                                    </p:set>
+                                  </p:childTnLst>
+                                </p:cTn>
+                              </p:par>
+                              <p:par>
+                                <p:cTn id="9" presetID="1" presetClass="entr" presetSubtype="0" fill="hold" nodeType="withEffect">
+                                  <p:stCondLst>
+                                    <p:cond delay="0"/>
+                                  </p:stCondLst>
+                                  <p:childTnLst>
+                                    <p:set>
+                                      <p:cBhvr>
+                                        <p:cTn id="10" dur="1" fill="hold">
+                                          <p:stCondLst>
+                                            <p:cond delay="0"/>
+                                          </p:stCondLst>
+                                        </p:cTn>
+                                        <p:tgtEl>
+                                          <p:spTgt spid="9">
+                                            <p:txEl>
+                                              <p:pRg st="7" end="7"/>
+                                            </p:txEl>
+                                          </p:spTgt>
+                                        </p:tgtEl>
+                                        <p:attrNameLst>
+                                          <p:attrName>style.visibility</p:attrName>
+                                        </p:attrNameLst>
+                                      </p:cBhvr>
+                                      <p:to>
+                                        <p:strVal val="visible"/>
+                                      </p:to>
+                                    </p:set>
+                                  </p:childTnLst>
+                                </p:cTn>
+                              </p:par>
+                            </p:childTnLst>
+                          </p:cTn>
+                        </p:par>
+                      </p:childTnLst>
+                    </p:cTn>
+                  </p:par>
+                  <p:par>
+                    <p:cTn id="11" fill="hold">
+                      <p:stCondLst>
+                        <p:cond delay="indefinite"/>
+                      </p:stCondLst>
+                      <p:childTnLst>
+                        <p:par>
+                          <p:cTn id="12" fill="hold">
+                            <p:stCondLst>
+                              <p:cond delay="0"/>
+                            </p:stCondLst>
+                            <p:childTnLst>
+                              <p:par>
+                                <p:cTn id="13" presetID="1" presetClass="entr" presetSubtype="0" fill="hold" nodeType="clickEffect">
+                                  <p:stCondLst>
+                                    <p:cond delay="0"/>
+                                  </p:stCondLst>
+                                  <p:childTnLst>
+                                    <p:set>
+                                      <p:cBhvr>
+                                        <p:cTn id="14" dur="1" fill="hold">
+                                          <p:stCondLst>
+                                            <p:cond delay="0"/>
+                                          </p:stCondLst>
+                                        </p:cTn>
+                                        <p:tgtEl>
+                                          <p:spTgt spid="9">
+                                            <p:txEl>
+                                              <p:pRg st="9" end="9"/>
+                                            </p:txEl>
+                                          </p:spTgt>
+                                        </p:tgtEl>
+                                        <p:attrNameLst>
+                                          <p:attrName>style.visibility</p:attrName>
+                                        </p:attrNameLst>
+                                      </p:cBhvr>
+                                      <p:to>
+                                        <p:strVal val="visible"/>
+                                      </p:to>
+                                    </p:set>
+                                  </p:childTnLst>
+                                </p:cTn>
+                              </p:par>
+                            </p:childTnLst>
+                          </p:cTn>
+                        </p:par>
+                      </p:childTnLst>
+                    </p:cTn>
+                  </p:par>
+                </p:childTnLst>
+              </p:cTn>
+              <p:prevCondLst>
+                <p:cond evt="onPrev" delay="0">
+                  <p:tgtEl>
+                    <p:sldTgt/>
+                  </p:tgtEl>
+                </p:cond>
+              </p:prevCondLst>
+              <p:nextCondLst>
+                <p:cond evt="onNext" delay="0">
+                  <p:tgtEl>
+                    <p:sldTgt/>
+                  </p:tgtEl>
+                </p:cond>
+              </p:nextCondLst>
+            </p:seq>
+          </p:childTnLst>
+        </p:cTn>
+      </p:par>
+    </p:tnLst>
+  </p:timing>
+</p:sld>
+</file>
+
+<file path=ppt/slides/slide15.xml><?xml version="1.0" encoding="utf-8"?>
+<p:sld xmlns:a="http://schemas.openxmlformats.org/drawingml/2006/main" xmlns:r="http://schemas.openxmlformats.org/officeDocument/2006/relationships" xmlns:p="http://schemas.openxmlformats.org/presentationml/2006/main">
+  <p:cSld>
+    <p:spTree>
+      <p:nvGrpSpPr>
+        <p:cNvPr id="1" name=""/>
+        <p:cNvGrpSpPr/>
+        <p:nvPr/>
+      </p:nvGrpSpPr>
+      <p:grpSpPr>
+        <a:xfrm>
+          <a:off x="0" y="0"/>
+          <a:ext cx="0" cy="0"/>
+          <a:chOff x="0" y="0"/>
+          <a:chExt cx="0" cy="0"/>
+        </a:xfrm>
+      </p:grpSpPr>
+      <p:sp>
+        <p:nvSpPr>
+          <p:cNvPr id="2" name="Title 1">
+            <a:extLst>
+              <a:ext uri="{FF2B5EF4-FFF2-40B4-BE49-F238E27FC236}">
+                <a16:creationId xmlns:a16="http://schemas.microsoft.com/office/drawing/2014/main" id="{AA3A228F-61D0-D949-A5E7-F83756230BF8}"/>
+              </a:ext>
+            </a:extLst>
+          </p:cNvPr>
+          <p:cNvSpPr>
+            <a:spLocks noGrp="1"/>
+          </p:cNvSpPr>
+          <p:nvPr>
+            <p:ph type="title"/>
+          </p:nvPr>
+        </p:nvSpPr>
+        <p:spPr>
+          <a:xfrm>
+            <a:off x="247791" y="188432"/>
+            <a:ext cx="7053542" cy="683886"/>
+          </a:xfrm>
+        </p:spPr>
+        <p:txBody>
+          <a:bodyPr/>
+          <a:lstStyle/>
+          <a:p>
+            <a:r>
+              <a:rPr lang="en-US" dirty="0"/>
+              <a:t>The Sprite Class</a:t>
+            </a:r>
+          </a:p>
+        </p:txBody>
+      </p:sp>
+      <p:sp>
+        <p:nvSpPr>
+          <p:cNvPr id="9" name="Content Placeholder 8">
+            <a:extLst>
+              <a:ext uri="{FF2B5EF4-FFF2-40B4-BE49-F238E27FC236}">
+                <a16:creationId xmlns:a16="http://schemas.microsoft.com/office/drawing/2014/main" id="{E3B2E017-30B2-884B-A113-B419A2ED51AD}"/>
+              </a:ext>
+            </a:extLst>
+          </p:cNvPr>
+          <p:cNvSpPr>
+            <a:spLocks noGrp="1"/>
+          </p:cNvSpPr>
+          <p:nvPr>
+            <p:ph idx="1"/>
+          </p:nvPr>
+        </p:nvSpPr>
+        <p:spPr>
+          <a:xfrm>
+            <a:off x="161926" y="924511"/>
+            <a:ext cx="8373648" cy="4764243"/>
+          </a:xfrm>
+        </p:spPr>
+        <p:txBody>
+          <a:bodyPr>
+            <a:noAutofit/>
+          </a:bodyPr>
+          <a:lstStyle/>
+          <a:p>
+            <a:pPr marL="0" indent="0">
+              <a:buNone/>
+            </a:pPr>
+            <a:endParaRPr lang="en-US" sz="2000">
+              <a:solidFill>
+                <a:srgbClr val="FF0000"/>
+              </a:solidFill>
+            </a:endParaRPr>
+          </a:p>
+          <a:p>
+            <a:pPr marL="0" indent="0">
+              <a:buNone/>
+            </a:pPr>
+            <a:r>
+              <a:rPr lang="en-US" sz="2000"/>
+              <a:t>Properties: Every sprite has properties or </a:t>
+            </a:r>
+          </a:p>
+          <a:p>
+            <a:pPr marL="0" indent="0">
+              <a:buNone/>
+            </a:pPr>
+            <a:r>
+              <a:rPr lang="en-US" sz="2000"/>
+              <a:t>variables that contains information </a:t>
+            </a:r>
+          </a:p>
+          <a:p>
+            <a:pPr marL="0" indent="0">
+              <a:buNone/>
+            </a:pPr>
+            <a:r>
+              <a:rPr lang="en-US" sz="2000"/>
+              <a:t>about the sprite. A sprite has variables</a:t>
+            </a:r>
+          </a:p>
+          <a:p>
+            <a:pPr marL="0" indent="0">
+              <a:buNone/>
+            </a:pPr>
+            <a:r>
+              <a:rPr lang="en-US" sz="2000"/>
+              <a:t>for its position, or velocity. These can be</a:t>
+            </a:r>
+          </a:p>
+          <a:p>
+            <a:pPr marL="0" indent="0">
+              <a:buNone/>
+            </a:pPr>
+            <a:r>
+              <a:rPr lang="en-US" sz="2000"/>
+              <a:t>modified or updated.</a:t>
+            </a:r>
+          </a:p>
+          <a:p>
+            <a:pPr marL="0" indent="0">
+              <a:buNone/>
+            </a:pPr>
+            <a:endParaRPr lang="en-US" sz="2000"/>
+          </a:p>
+          <a:p>
+            <a:pPr marL="0" indent="0">
+              <a:buNone/>
+            </a:pPr>
+            <a:endParaRPr lang="en-US" sz="2000"/>
+          </a:p>
+          <a:p>
+            <a:pPr marL="0" indent="0">
+              <a:buNone/>
+            </a:pPr>
+            <a:r>
+              <a:rPr lang="en-US" sz="2000"/>
+              <a:t>Functions or Methods: </a:t>
+            </a:r>
+          </a:p>
+          <a:p>
+            <a:pPr marL="0" indent="0">
+              <a:buNone/>
+            </a:pPr>
+            <a:r>
+              <a:rPr lang="en-US" sz="2000"/>
+              <a:t>Every sprite has useful has functionalities.</a:t>
+            </a:r>
+          </a:p>
+          <a:p>
+            <a:pPr marL="0" indent="0">
+              <a:buNone/>
+            </a:pPr>
+            <a:r>
+              <a:rPr lang="en-US" sz="2000"/>
+              <a:t>For example, a sprite can move, or draw itself. </a:t>
+            </a:r>
+          </a:p>
+          <a:p>
+            <a:pPr marL="0" indent="0">
+              <a:buNone/>
+            </a:pPr>
+            <a:r>
+              <a:rPr lang="en-US" dirty="0"/>
+              <a:t> </a:t>
+            </a:r>
+          </a:p>
+          <a:p>
+            <a:pPr marL="0" indent="0">
+              <a:buNone/>
+            </a:pPr>
+            <a:endParaRPr lang="en-US" dirty="0"/>
+          </a:p>
+        </p:txBody>
+      </p:sp>
+      <p:graphicFrame>
+        <p:nvGraphicFramePr>
+          <p:cNvPr id="4" name="Content Placeholder 2">
+            <a:extLst>
+              <a:ext uri="{FF2B5EF4-FFF2-40B4-BE49-F238E27FC236}">
+                <a16:creationId xmlns:a16="http://schemas.microsoft.com/office/drawing/2014/main" id="{910DE0CC-5FEF-A94D-BF5D-C253E3945850}"/>
+              </a:ext>
+            </a:extLst>
+          </p:cNvPr>
+          <p:cNvGraphicFramePr>
+            <a:graphicFrameLocks/>
+          </p:cNvGraphicFramePr>
+          <p:nvPr/>
+        </p:nvGraphicFramePr>
+        <p:xfrm>
+          <a:off x="5297803" y="324436"/>
+          <a:ext cx="3598406" cy="3566160"/>
+        </p:xfrm>
+        <a:graphic>
+          <a:graphicData uri="http://schemas.openxmlformats.org/drawingml/2006/table">
+            <a:tbl>
+              <a:tblPr firstRow="1" bandRow="1">
+                <a:tableStyleId>{5940675A-B579-460E-94D1-54222C63F5DA}</a:tableStyleId>
+              </a:tblPr>
+              <a:tblGrid>
+                <a:gridCol w="3598406">
+                  <a:extLst>
+                    <a:ext uri="{9D8B030D-6E8A-4147-A177-3AD203B41FA5}">
+                      <a16:colId xmlns:a16="http://schemas.microsoft.com/office/drawing/2014/main" val="2159819282"/>
+                    </a:ext>
+                  </a:extLst>
+                </a:gridCol>
+              </a:tblGrid>
+              <a:tr h="0">
+                <a:tc>
+                  <a:txBody>
+                    <a:bodyPr/>
+                    <a:lstStyle/>
+                    <a:p>
+                      <a:r>
+                        <a:rPr lang="en-US" sz="1800" b="0" cap="none" spc="0" dirty="0" err="1">
+                          <a:ln w="0"/>
+                          <a:solidFill>
+                            <a:srgbClr val="FF0000"/>
+                          </a:solidFill>
+                          <a:effectLst>
+                            <a:outerShdw blurRad="38100" dist="19050" dir="2700000" algn="tl" rotWithShape="0">
+                              <a:schemeClr val="dk1">
+                                <a:alpha val="40000"/>
+                              </a:schemeClr>
+                            </a:outerShdw>
+                          </a:effectLst>
+                        </a:rPr>
+                        <a:t>Sprite</a:t>
+                      </a:r>
+                      <a:r>
+                        <a:rPr lang="en-US" sz="1800" b="0" cap="none" spc="0" dirty="0">
+                          <a:ln w="0"/>
+                          <a:solidFill>
+                            <a:srgbClr val="FF0000"/>
+                          </a:solidFill>
+                          <a:effectLst>
+                            <a:outerShdw blurRad="38100" dist="19050" dir="2700000" algn="tl" rotWithShape="0">
+                              <a:schemeClr val="dk1">
+                                <a:alpha val="40000"/>
+                              </a:schemeClr>
+                            </a:outerShdw>
+                          </a:effectLst>
+                        </a:rPr>
+                        <a:t>(filename, scale=1.0)</a:t>
+                      </a:r>
+                    </a:p>
+                  </a:txBody>
+                  <a:tcPr/>
+                </a:tc>
+                <a:extLst>
+                  <a:ext uri="{0D108BD9-81ED-4DB2-BD59-A6C34878D82A}">
+                    <a16:rowId xmlns:a16="http://schemas.microsoft.com/office/drawing/2014/main" val="1405314547"/>
+                  </a:ext>
+                </a:extLst>
+              </a:tr>
+              <a:tr h="1397523">
+                <a:tc>
+                  <a:txBody>
+                    <a:bodyPr/>
+                    <a:lstStyle/>
+                    <a:p>
+                      <a:r>
+                        <a:rPr lang="en-US" sz="1800" b="0" cap="none" spc="0" dirty="0" err="1">
+                          <a:ln w="0"/>
+                          <a:solidFill>
+                            <a:schemeClr val="tx1"/>
+                          </a:solidFill>
+                          <a:effectLst>
+                            <a:outerShdw blurRad="38100" dist="19050" dir="2700000" algn="tl" rotWithShape="0">
+                              <a:schemeClr val="dk1">
+                                <a:alpha val="40000"/>
+                              </a:schemeClr>
+                            </a:outerShdw>
+                          </a:effectLst>
+                        </a:rPr>
+                        <a:t>center_x</a:t>
+                      </a:r>
+                      <a:endParaRPr lang="en-US" sz="1800" b="0" cap="none" spc="0" dirty="0">
+                        <a:ln w="0"/>
+                        <a:solidFill>
+                          <a:schemeClr val="tx1"/>
+                        </a:solidFill>
+                        <a:effectLst>
+                          <a:outerShdw blurRad="38100" dist="19050" dir="2700000" algn="tl" rotWithShape="0">
+                            <a:schemeClr val="dk1">
+                              <a:alpha val="40000"/>
+                            </a:schemeClr>
+                          </a:outerShdw>
+                        </a:effectLst>
+                      </a:endParaRPr>
+                    </a:p>
+                    <a:p>
+                      <a:r>
+                        <a:rPr lang="en-US" sz="1800" b="0" cap="none" spc="0" dirty="0" err="1">
+                          <a:ln w="0"/>
+                          <a:solidFill>
+                            <a:schemeClr val="tx1"/>
+                          </a:solidFill>
+                          <a:effectLst>
+                            <a:outerShdw blurRad="38100" dist="19050" dir="2700000" algn="tl" rotWithShape="0">
+                              <a:schemeClr val="dk1">
+                                <a:alpha val="40000"/>
+                              </a:schemeClr>
+                            </a:outerShdw>
+                          </a:effectLst>
+                        </a:rPr>
+                        <a:t>center_y</a:t>
+                      </a:r>
+                      <a:endParaRPr lang="en-US" sz="1800" b="0" cap="none" spc="0" dirty="0">
+                        <a:ln w="0"/>
+                        <a:solidFill>
+                          <a:schemeClr val="tx1"/>
+                        </a:solidFill>
+                        <a:effectLst>
+                          <a:outerShdw blurRad="38100" dist="19050" dir="2700000" algn="tl" rotWithShape="0">
+                            <a:schemeClr val="dk1">
+                              <a:alpha val="40000"/>
+                            </a:schemeClr>
+                          </a:outerShdw>
+                        </a:effectLst>
+                      </a:endParaRPr>
+                    </a:p>
+                    <a:p>
+                      <a:r>
+                        <a:rPr lang="en-US" sz="1800" b="0" cap="none" spc="0" dirty="0">
+                          <a:ln w="0"/>
+                          <a:solidFill>
+                            <a:schemeClr val="tx1"/>
+                          </a:solidFill>
+                          <a:effectLst>
+                            <a:outerShdw blurRad="38100" dist="19050" dir="2700000" algn="tl" rotWithShape="0">
+                              <a:schemeClr val="dk1">
+                                <a:alpha val="40000"/>
+                              </a:schemeClr>
+                            </a:outerShdw>
+                          </a:effectLst>
+                        </a:rPr>
+                        <a:t>angle</a:t>
+                      </a:r>
+                    </a:p>
+                    <a:p>
+                      <a:r>
+                        <a:rPr lang="en-US" sz="1800" b="0" cap="none" spc="0" dirty="0">
+                          <a:ln w="0"/>
+                          <a:solidFill>
+                            <a:schemeClr val="tx1"/>
+                          </a:solidFill>
+                          <a:effectLst>
+                            <a:outerShdw blurRad="38100" dist="19050" dir="2700000" algn="tl" rotWithShape="0">
+                              <a:schemeClr val="dk1">
+                                <a:alpha val="40000"/>
+                              </a:schemeClr>
+                            </a:outerShdw>
+                          </a:effectLst>
+                        </a:rPr>
+                        <a:t>width</a:t>
+                      </a:r>
+                    </a:p>
+                    <a:p>
+                      <a:r>
+                        <a:rPr lang="en-US" sz="1800" b="0" cap="none" spc="0" dirty="0">
+                          <a:ln w="0"/>
+                          <a:solidFill>
+                            <a:schemeClr val="tx1"/>
+                          </a:solidFill>
+                          <a:effectLst>
+                            <a:outerShdw blurRad="38100" dist="19050" dir="2700000" algn="tl" rotWithShape="0">
+                              <a:schemeClr val="dk1">
+                                <a:alpha val="40000"/>
+                              </a:schemeClr>
+                            </a:outerShdw>
+                          </a:effectLst>
+                        </a:rPr>
+                        <a:t>height</a:t>
+                      </a:r>
+                    </a:p>
+                    <a:p>
+                      <a:r>
+                        <a:rPr lang="en-US" sz="1800" b="0" cap="none" spc="0" dirty="0" err="1">
+                          <a:ln w="0"/>
+                          <a:solidFill>
+                            <a:schemeClr val="tx1"/>
+                          </a:solidFill>
+                          <a:effectLst>
+                            <a:outerShdw blurRad="38100" dist="19050" dir="2700000" algn="tl" rotWithShape="0">
+                              <a:schemeClr val="dk1">
+                                <a:alpha val="40000"/>
+                              </a:schemeClr>
+                            </a:outerShdw>
+                          </a:effectLst>
+                        </a:rPr>
+                        <a:t>change_x</a:t>
+                      </a:r>
+                      <a:endParaRPr lang="en-US" sz="1800" b="0" cap="none" spc="0" dirty="0">
+                        <a:ln w="0"/>
+                        <a:solidFill>
+                          <a:schemeClr val="tx1"/>
+                        </a:solidFill>
+                        <a:effectLst>
+                          <a:outerShdw blurRad="38100" dist="19050" dir="2700000" algn="tl" rotWithShape="0">
+                            <a:schemeClr val="dk1">
+                              <a:alpha val="40000"/>
+                            </a:schemeClr>
+                          </a:outerShdw>
+                        </a:effectLst>
+                      </a:endParaRPr>
+                    </a:p>
+                    <a:p>
+                      <a:r>
+                        <a:rPr lang="en-US" sz="1800" b="0" cap="none" spc="0" dirty="0" err="1">
+                          <a:ln w="0"/>
+                          <a:solidFill>
+                            <a:schemeClr val="tx1"/>
+                          </a:solidFill>
+                          <a:effectLst>
+                            <a:outerShdw blurRad="38100" dist="19050" dir="2700000" algn="tl" rotWithShape="0">
+                              <a:schemeClr val="dk1">
+                                <a:alpha val="40000"/>
+                              </a:schemeClr>
+                            </a:outerShdw>
+                          </a:effectLst>
+                        </a:rPr>
+                        <a:t>change_y</a:t>
+                      </a:r>
+                      <a:endParaRPr lang="en-US" sz="1800" b="0" cap="none" spc="0" dirty="0">
+                        <a:ln w="0"/>
+                        <a:solidFill>
+                          <a:schemeClr val="tx1"/>
+                        </a:solidFill>
+                        <a:effectLst>
+                          <a:outerShdw blurRad="38100" dist="19050" dir="2700000" algn="tl" rotWithShape="0">
+                            <a:schemeClr val="dk1">
+                              <a:alpha val="40000"/>
+                            </a:schemeClr>
+                          </a:outerShdw>
+                        </a:effectLst>
+                      </a:endParaRPr>
+                    </a:p>
+                    <a:p>
+                      <a:r>
+                        <a:rPr lang="en-US" sz="1800" b="0" cap="none" spc="0" dirty="0" err="1">
+                          <a:ln w="0"/>
+                          <a:solidFill>
+                            <a:schemeClr val="tx1"/>
+                          </a:solidFill>
+                          <a:effectLst>
+                            <a:outerShdw blurRad="38100" dist="19050" dir="2700000" algn="tl" rotWithShape="0">
+                              <a:schemeClr val="dk1">
+                                <a:alpha val="40000"/>
+                              </a:schemeClr>
+                            </a:outerShdw>
+                          </a:effectLst>
+                        </a:rPr>
+                        <a:t>change_angle</a:t>
+                      </a:r>
+                      <a:endParaRPr lang="en-US" sz="1800" b="0" cap="none" spc="0" dirty="0">
+                        <a:ln w="0"/>
+                        <a:solidFill>
+                          <a:schemeClr val="tx1"/>
+                        </a:solidFill>
+                        <a:effectLst>
+                          <a:outerShdw blurRad="38100" dist="19050" dir="2700000" algn="tl" rotWithShape="0">
+                            <a:schemeClr val="dk1">
+                              <a:alpha val="40000"/>
+                            </a:schemeClr>
+                          </a:outerShdw>
+                        </a:effectLst>
+                      </a:endParaRPr>
+                    </a:p>
+                    <a:p>
+                      <a:pPr marL="0" marR="0" lvl="0" indent="0" algn="l" defTabSz="685800" rtl="0" eaLnBrk="1" fontAlgn="auto" latinLnBrk="0" hangingPunct="1">
+                        <a:lnSpc>
+                          <a:spcPct val="100000"/>
+                        </a:lnSpc>
+                        <a:spcBef>
+                          <a:spcPts val="0"/>
+                        </a:spcBef>
+                        <a:spcAft>
+                          <a:spcPts val="0"/>
+                        </a:spcAft>
+                        <a:buClrTx/>
+                        <a:buSzTx/>
+                        <a:buFontTx/>
+                        <a:buNone/>
+                        <a:tabLst/>
+                        <a:defRPr/>
+                      </a:pPr>
+                      <a:r>
+                        <a:rPr lang="en-US" sz="1800" b="0" cap="none" spc="0" dirty="0">
+                          <a:ln w="0"/>
+                          <a:solidFill>
+                            <a:schemeClr val="tx1"/>
+                          </a:solidFill>
+                          <a:effectLst>
+                            <a:outerShdw blurRad="38100" dist="19050" dir="2700000" algn="tl" rotWithShape="0">
+                              <a:schemeClr val="dk1">
+                                <a:alpha val="40000"/>
+                              </a:schemeClr>
+                            </a:outerShdw>
+                          </a:effectLst>
+                        </a:rPr>
+                        <a:t>alpha</a:t>
+                      </a:r>
+                    </a:p>
+                  </a:txBody>
+                  <a:tcPr/>
+                </a:tc>
+                <a:extLst>
+                  <a:ext uri="{0D108BD9-81ED-4DB2-BD59-A6C34878D82A}">
+                    <a16:rowId xmlns:a16="http://schemas.microsoft.com/office/drawing/2014/main" val="3404010091"/>
+                  </a:ext>
+                </a:extLst>
+              </a:tr>
+              <a:tr h="395423">
+                <a:tc>
+                  <a:txBody>
+                    <a:bodyPr/>
+                    <a:lstStyle/>
+                    <a:p>
+                      <a:r>
+                        <a:rPr lang="en-US" sz="1800" b="0" cap="none" spc="0" dirty="0">
+                          <a:ln w="0"/>
+                          <a:solidFill>
+                            <a:schemeClr val="tx1"/>
+                          </a:solidFill>
+                          <a:effectLst>
+                            <a:outerShdw blurRad="38100" dist="19050" dir="2700000" algn="tl" rotWithShape="0">
+                              <a:schemeClr val="dk1">
+                                <a:alpha val="40000"/>
+                              </a:schemeClr>
+                            </a:outerShdw>
+                          </a:effectLst>
+                        </a:rPr>
+                        <a:t>draw()</a:t>
+                      </a:r>
+                    </a:p>
+                    <a:p>
+                      <a:r>
+                        <a:rPr lang="en-US" sz="1800" b="0" cap="none" spc="0" dirty="0">
+                          <a:ln w="0"/>
+                          <a:solidFill>
+                            <a:schemeClr val="tx1"/>
+                          </a:solidFill>
+                          <a:effectLst>
+                            <a:outerShdw blurRad="38100" dist="19050" dir="2700000" algn="tl" rotWithShape="0">
+                              <a:schemeClr val="dk1">
+                                <a:alpha val="40000"/>
+                              </a:schemeClr>
+                            </a:outerShdw>
+                          </a:effectLst>
+                        </a:rPr>
+                        <a:t>move()</a:t>
+                      </a:r>
+                    </a:p>
+                  </a:txBody>
+                  <a:tcPr/>
+                </a:tc>
+                <a:extLst>
+                  <a:ext uri="{0D108BD9-81ED-4DB2-BD59-A6C34878D82A}">
+                    <a16:rowId xmlns:a16="http://schemas.microsoft.com/office/drawing/2014/main" val="2577202153"/>
+                  </a:ext>
+                </a:extLst>
+              </a:tr>
+            </a:tbl>
+          </a:graphicData>
+        </a:graphic>
+      </p:graphicFrame>
+      <p:sp>
+        <p:nvSpPr>
+          <p:cNvPr id="3" name="TextBox 2">
+            <a:extLst>
+              <a:ext uri="{FF2B5EF4-FFF2-40B4-BE49-F238E27FC236}">
+                <a16:creationId xmlns:a16="http://schemas.microsoft.com/office/drawing/2014/main" id="{8BB97AF7-6488-BE43-8363-9BFD815B4E7A}"/>
+              </a:ext>
+            </a:extLst>
+          </p:cNvPr>
+          <p:cNvSpPr txBox="1"/>
+          <p:nvPr/>
+        </p:nvSpPr>
+        <p:spPr>
+          <a:xfrm>
+            <a:off x="3670852" y="728870"/>
+            <a:ext cx="184731" cy="308418"/>
+          </a:xfrm>
+          <a:prstGeom prst="rect">
+            <a:avLst/>
+          </a:prstGeom>
+          <a:noFill/>
+        </p:spPr>
+        <p:txBody>
+          <a:bodyPr wrap="none" rtlCol="0">
+            <a:spAutoFit/>
+          </a:bodyPr>
+          <a:lstStyle/>
+          <a:p>
+            <a:endParaRPr lang="en-US" dirty="0"/>
+          </a:p>
+        </p:txBody>
+      </p:sp>
+      <p:sp>
+        <p:nvSpPr>
+          <p:cNvPr id="5" name="TextBox 4">
+            <a:extLst>
+              <a:ext uri="{FF2B5EF4-FFF2-40B4-BE49-F238E27FC236}">
+                <a16:creationId xmlns:a16="http://schemas.microsoft.com/office/drawing/2014/main" id="{0AFD9F14-5FDD-9A41-B24B-7D381714B083}"/>
+              </a:ext>
+            </a:extLst>
+          </p:cNvPr>
+          <p:cNvSpPr txBox="1"/>
+          <p:nvPr/>
+        </p:nvSpPr>
+        <p:spPr>
+          <a:xfrm>
+            <a:off x="1444487" y="1470991"/>
+            <a:ext cx="184731" cy="308418"/>
+          </a:xfrm>
+          <a:prstGeom prst="rect">
+            <a:avLst/>
+          </a:prstGeom>
+          <a:noFill/>
+        </p:spPr>
+        <p:txBody>
+          <a:bodyPr wrap="none" rtlCol="0">
+            <a:spAutoFit/>
+          </a:bodyPr>
+          <a:lstStyle/>
+          <a:p>
+            <a:endParaRPr lang="en-US" dirty="0"/>
+          </a:p>
+        </p:txBody>
+      </p:sp>
+      <p:pic>
+        <p:nvPicPr>
+          <p:cNvPr id="7" name="Picture 6" descr="A picture containing object&#10;&#10;Description automatically generated">
+            <a:extLst>
+              <a:ext uri="{FF2B5EF4-FFF2-40B4-BE49-F238E27FC236}">
+                <a16:creationId xmlns:a16="http://schemas.microsoft.com/office/drawing/2014/main" id="{0799DC86-A848-1840-A365-96FD89F949C4}"/>
+              </a:ext>
+            </a:extLst>
+          </p:cNvPr>
+          <p:cNvPicPr>
+            <a:picLocks noChangeAspect="1"/>
+          </p:cNvPicPr>
+          <p:nvPr/>
+        </p:nvPicPr>
+        <p:blipFill>
+          <a:blip r:embed="rId2"/>
+          <a:stretch>
+            <a:fillRect/>
+          </a:stretch>
+        </p:blipFill>
+        <p:spPr>
+          <a:xfrm>
+            <a:off x="5928606" y="4323764"/>
+            <a:ext cx="1168400" cy="1066800"/>
+          </a:xfrm>
+          <a:prstGeom prst="rect">
+            <a:avLst/>
+          </a:prstGeom>
+          <a:ln w="25400">
+            <a:solidFill>
+              <a:schemeClr val="tx1"/>
+            </a:solidFill>
+          </a:ln>
+        </p:spPr>
+      </p:pic>
+      <p:sp>
+        <p:nvSpPr>
+          <p:cNvPr id="8" name="TextBox 7">
+            <a:extLst>
+              <a:ext uri="{FF2B5EF4-FFF2-40B4-BE49-F238E27FC236}">
+                <a16:creationId xmlns:a16="http://schemas.microsoft.com/office/drawing/2014/main" id="{3E503B95-E018-FE45-80D5-04FF0D154DAA}"/>
+              </a:ext>
+            </a:extLst>
+          </p:cNvPr>
+          <p:cNvSpPr txBox="1"/>
+          <p:nvPr/>
+        </p:nvSpPr>
+        <p:spPr>
+          <a:xfrm>
+            <a:off x="6165287" y="3985210"/>
+            <a:ext cx="652743" cy="338554"/>
+          </a:xfrm>
+          <a:prstGeom prst="rect">
+            <a:avLst/>
+          </a:prstGeom>
+          <a:noFill/>
+        </p:spPr>
+        <p:txBody>
+          <a:bodyPr wrap="none" rtlCol="0">
+            <a:spAutoFit/>
+          </a:bodyPr>
+          <a:lstStyle/>
+          <a:p>
+            <a:r>
+              <a:rPr lang="en-US" sz="1600" dirty="0"/>
+              <a:t>width</a:t>
+            </a:r>
+          </a:p>
+        </p:txBody>
+      </p:sp>
+      <p:sp>
+        <p:nvSpPr>
+          <p:cNvPr id="10" name="TextBox 9">
+            <a:extLst>
+              <a:ext uri="{FF2B5EF4-FFF2-40B4-BE49-F238E27FC236}">
+                <a16:creationId xmlns:a16="http://schemas.microsoft.com/office/drawing/2014/main" id="{BE2ECC61-28C5-6B4B-83F0-B151E0573924}"/>
+              </a:ext>
+            </a:extLst>
+          </p:cNvPr>
+          <p:cNvSpPr txBox="1"/>
+          <p:nvPr/>
+        </p:nvSpPr>
+        <p:spPr>
+          <a:xfrm>
+            <a:off x="7047005" y="4700218"/>
+            <a:ext cx="689612" cy="338554"/>
+          </a:xfrm>
+          <a:prstGeom prst="rect">
+            <a:avLst/>
+          </a:prstGeom>
+          <a:noFill/>
+        </p:spPr>
+        <p:txBody>
+          <a:bodyPr wrap="none" rtlCol="0">
+            <a:spAutoFit/>
+          </a:bodyPr>
+          <a:lstStyle/>
+          <a:p>
+            <a:r>
+              <a:rPr lang="en-US" sz="1600" dirty="0"/>
+              <a:t>height</a:t>
+            </a:r>
+          </a:p>
+        </p:txBody>
+      </p:sp>
+      <p:cxnSp>
+        <p:nvCxnSpPr>
+          <p:cNvPr id="11" name="Straight Arrow Connector 10">
+            <a:extLst>
+              <a:ext uri="{FF2B5EF4-FFF2-40B4-BE49-F238E27FC236}">
+                <a16:creationId xmlns:a16="http://schemas.microsoft.com/office/drawing/2014/main" id="{5338EC75-F1A0-C645-8B90-B3F51C319352}"/>
+              </a:ext>
+            </a:extLst>
+          </p:cNvPr>
+          <p:cNvCxnSpPr>
+            <a:cxnSpLocks/>
+          </p:cNvCxnSpPr>
+          <p:nvPr/>
+        </p:nvCxnSpPr>
+        <p:spPr>
+          <a:xfrm flipV="1">
+            <a:off x="4348750" y="1344212"/>
+            <a:ext cx="716419" cy="561976"/>
+          </a:xfrm>
+          <a:prstGeom prst="straightConnector1">
+            <a:avLst/>
+          </a:prstGeom>
+          <a:ln w="38100">
+            <a:tailEnd type="triangle"/>
+          </a:ln>
+        </p:spPr>
+        <p:style>
+          <a:lnRef idx="1">
+            <a:schemeClr val="dk1"/>
+          </a:lnRef>
+          <a:fillRef idx="0">
+            <a:schemeClr val="dk1"/>
+          </a:fillRef>
+          <a:effectRef idx="0">
+            <a:schemeClr val="dk1"/>
+          </a:effectRef>
+          <a:fontRef idx="minor">
+            <a:schemeClr val="tx1"/>
+          </a:fontRef>
+        </p:style>
+      </p:cxnSp>
+      <p:cxnSp>
+        <p:nvCxnSpPr>
+          <p:cNvPr id="13" name="Straight Arrow Connector 12">
+            <a:extLst>
+              <a:ext uri="{FF2B5EF4-FFF2-40B4-BE49-F238E27FC236}">
+                <a16:creationId xmlns:a16="http://schemas.microsoft.com/office/drawing/2014/main" id="{EB5A15F4-89C1-196F-E55C-67AAD03CE247}"/>
+              </a:ext>
+            </a:extLst>
+          </p:cNvPr>
+          <p:cNvCxnSpPr>
+            <a:cxnSpLocks/>
+          </p:cNvCxnSpPr>
+          <p:nvPr/>
+        </p:nvCxnSpPr>
+        <p:spPr>
+          <a:xfrm flipV="1">
+            <a:off x="4035034" y="3626778"/>
+            <a:ext cx="1112319" cy="673330"/>
+          </a:xfrm>
+          <a:prstGeom prst="straightConnector1">
+            <a:avLst/>
+          </a:prstGeom>
+          <a:ln w="38100">
+            <a:tailEnd type="triangle"/>
+          </a:ln>
+        </p:spPr>
+        <p:style>
+          <a:lnRef idx="1">
+            <a:schemeClr val="dk1"/>
+          </a:lnRef>
+          <a:fillRef idx="0">
+            <a:schemeClr val="dk1"/>
+          </a:fillRef>
+          <a:effectRef idx="0">
+            <a:schemeClr val="dk1"/>
+          </a:effectRef>
+          <a:fontRef idx="minor">
+            <a:schemeClr val="tx1"/>
+          </a:fontRef>
+        </p:style>
+      </p:cxnSp>
+      <p:cxnSp>
+        <p:nvCxnSpPr>
+          <p:cNvPr id="14" name="Straight Arrow Connector 13">
+            <a:extLst>
+              <a:ext uri="{FF2B5EF4-FFF2-40B4-BE49-F238E27FC236}">
+                <a16:creationId xmlns:a16="http://schemas.microsoft.com/office/drawing/2014/main" id="{D6A6B1D4-E35A-3D8D-7BD4-F3FBF8904C7E}"/>
+              </a:ext>
+            </a:extLst>
+          </p:cNvPr>
+          <p:cNvCxnSpPr>
+            <a:cxnSpLocks/>
+          </p:cNvCxnSpPr>
+          <p:nvPr/>
+        </p:nvCxnSpPr>
+        <p:spPr>
+          <a:xfrm>
+            <a:off x="4306812" y="2107516"/>
+            <a:ext cx="677025" cy="447675"/>
+          </a:xfrm>
+          <a:prstGeom prst="straightConnector1">
+            <a:avLst/>
+          </a:prstGeom>
+          <a:ln w="38100">
+            <a:tailEnd type="triangle"/>
+          </a:ln>
+        </p:spPr>
+        <p:style>
+          <a:lnRef idx="1">
+            <a:schemeClr val="dk1"/>
+          </a:lnRef>
+          <a:fillRef idx="0">
+            <a:schemeClr val="dk1"/>
+          </a:fillRef>
+          <a:effectRef idx="0">
+            <a:schemeClr val="dk1"/>
+          </a:effectRef>
+          <a:fontRef idx="minor">
+            <a:schemeClr val="tx1"/>
+          </a:fontRef>
+        </p:style>
+      </p:cxnSp>
+    </p:spTree>
+    <p:extLst>
+      <p:ext uri="{BB962C8B-B14F-4D97-AF65-F5344CB8AC3E}">
+        <p14:creationId xmlns:p14="http://schemas.microsoft.com/office/powerpoint/2010/main" val="601455868"/>
+      </p:ext>
+    </p:extLst>
+  </p:cSld>
+  <p:clrMapOvr>
+    <a:masterClrMapping/>
+  </p:clrMapOvr>
+</p:sld>
+</file>
+
+<file path=ppt/slides/slide16.xml><?xml version="1.0" encoding="utf-8"?>
+<p:sld xmlns:a="http://schemas.openxmlformats.org/drawingml/2006/main" xmlns:r="http://schemas.openxmlformats.org/officeDocument/2006/relationships" xmlns:p="http://schemas.openxmlformats.org/presentationml/2006/main">
+  <p:cSld>
+    <p:spTree>
+      <p:nvGrpSpPr>
+        <p:cNvPr id="1" name=""/>
+        <p:cNvGrpSpPr/>
+        <p:nvPr/>
+      </p:nvGrpSpPr>
+      <p:grpSpPr>
+        <a:xfrm>
+          <a:off x="0" y="0"/>
+          <a:ext cx="0" cy="0"/>
+          <a:chOff x="0" y="0"/>
+          <a:chExt cx="0" cy="0"/>
+        </a:xfrm>
+      </p:grpSpPr>
+      <p:sp>
+        <p:nvSpPr>
+          <p:cNvPr id="35841" name="Rectangle 2">
+            <a:extLst>
+              <a:ext uri="{FF2B5EF4-FFF2-40B4-BE49-F238E27FC236}">
+                <a16:creationId xmlns:a16="http://schemas.microsoft.com/office/drawing/2014/main" id="{09D8876C-8F7A-C748-966B-672B36C17545}"/>
+              </a:ext>
+            </a:extLst>
+          </p:cNvPr>
+          <p:cNvSpPr>
+            <a:spLocks noGrp="1" noChangeArrowheads="1"/>
+          </p:cNvSpPr>
+          <p:nvPr>
+            <p:ph type="title"/>
+          </p:nvPr>
+        </p:nvSpPr>
+        <p:spPr>
+          <a:xfrm>
+            <a:off x="152400" y="19843"/>
+            <a:ext cx="7848600" cy="713582"/>
+          </a:xfrm>
+        </p:spPr>
+        <p:txBody>
+          <a:bodyPr/>
+          <a:lstStyle/>
+          <a:p>
+            <a:pPr eaLnBrk="1" hangingPunct="1"/>
+            <a:r>
+              <a:rPr lang="en-US" altLang="en-US" dirty="0">
+                <a:ea typeface="ＭＳ Ｐゴシック" panose="020B0600070205080204" pitchFamily="34" charset="-128"/>
+              </a:rPr>
+              <a:t>Sprite Example 1</a:t>
+            </a:r>
+          </a:p>
+        </p:txBody>
+      </p:sp>
+      <p:sp>
+        <p:nvSpPr>
+          <p:cNvPr id="35842" name="Rectangle 3">
+            <a:extLst>
+              <a:ext uri="{FF2B5EF4-FFF2-40B4-BE49-F238E27FC236}">
+                <a16:creationId xmlns:a16="http://schemas.microsoft.com/office/drawing/2014/main" id="{C94BCA01-D831-ED4D-84FD-C30E8117F872}"/>
+              </a:ext>
+            </a:extLst>
+          </p:cNvPr>
+          <p:cNvSpPr>
+            <a:spLocks noGrp="1" noChangeArrowheads="1"/>
+          </p:cNvSpPr>
+          <p:nvPr>
+            <p:ph type="body" idx="1"/>
+          </p:nvPr>
+        </p:nvSpPr>
+        <p:spPr>
+          <a:xfrm>
+            <a:off x="152399" y="590551"/>
+            <a:ext cx="8905875" cy="5104606"/>
+          </a:xfrm>
+        </p:spPr>
+        <p:txBody>
+          <a:bodyPr>
+            <a:normAutofit lnSpcReduction="10000"/>
+          </a:bodyPr>
+          <a:lstStyle/>
+          <a:p>
+            <a:pPr marL="0" indent="0">
+              <a:buNone/>
+            </a:pPr>
+            <a:endParaRPr lang="en-US" altLang="en-US" sz="1800" dirty="0">
+              <a:latin typeface="INCONSOLATA" panose="020B0609030003000000" pitchFamily="49" charset="77"/>
+              <a:ea typeface="ＭＳ Ｐゴシック" panose="020B0600070205080204" pitchFamily="34" charset="-128"/>
+            </a:endParaRPr>
+          </a:p>
+          <a:p>
+            <a:pPr marL="0" indent="0">
+              <a:buNone/>
+            </a:pPr>
+            <a:endParaRPr lang="en-US" altLang="en-US" sz="1800" dirty="0">
+              <a:latin typeface="INCONSOLATA" panose="020B0609030003000000" pitchFamily="49" charset="77"/>
+              <a:ea typeface="ＭＳ Ｐゴシック" panose="020B0600070205080204" pitchFamily="34" charset="-128"/>
+            </a:endParaRPr>
+          </a:p>
+          <a:p>
+            <a:pPr marL="0" indent="0">
+              <a:buNone/>
+            </a:pPr>
+            <a:r>
+              <a:rPr lang="en-US" altLang="en-US" sz="1800" dirty="0">
+                <a:latin typeface="INCONSOLATA" panose="020B0609030003000000" pitchFamily="49" charset="77"/>
+                <a:ea typeface="ＭＳ Ｐゴシック" panose="020B0600070205080204" pitchFamily="34" charset="-128"/>
+              </a:rPr>
+              <a:t>class Window:    </a:t>
+            </a:r>
+          </a:p>
+          <a:p>
+            <a:pPr marL="0" indent="0">
+              <a:buNone/>
+            </a:pPr>
+            <a:r>
+              <a:rPr lang="en-US" altLang="en-US" sz="1800" dirty="0">
+                <a:solidFill>
+                  <a:srgbClr val="7030A0"/>
+                </a:solidFill>
+                <a:latin typeface="INCONSOLATA" panose="020B0609030003000000" pitchFamily="49" charset="77"/>
+                <a:ea typeface="ＭＳ Ｐゴシック" panose="020B0600070205080204" pitchFamily="34" charset="-128"/>
+              </a:rPr>
+              <a:t>    def __</a:t>
+            </a:r>
+            <a:r>
+              <a:rPr lang="en-US" altLang="en-US" sz="1800" dirty="0" err="1">
+                <a:solidFill>
+                  <a:srgbClr val="7030A0"/>
+                </a:solidFill>
+                <a:latin typeface="INCONSOLATA" panose="020B0609030003000000" pitchFamily="49" charset="77"/>
+                <a:ea typeface="ＭＳ Ｐゴシック" panose="020B0600070205080204" pitchFamily="34" charset="-128"/>
+              </a:rPr>
+              <a:t>init</a:t>
+            </a:r>
+            <a:r>
+              <a:rPr lang="en-US" altLang="en-US" sz="1800" dirty="0">
+                <a:solidFill>
+                  <a:srgbClr val="7030A0"/>
+                </a:solidFill>
+                <a:latin typeface="INCONSOLATA" panose="020B0609030003000000" pitchFamily="49" charset="77"/>
+                <a:ea typeface="ＭＳ Ｐゴシック" panose="020B0600070205080204" pitchFamily="34" charset="-128"/>
+              </a:rPr>
+              <a:t>__(self): </a:t>
+            </a:r>
+            <a:r>
+              <a:rPr lang="en-US" altLang="en-US" sz="1800" dirty="0">
+                <a:latin typeface="INCONSOLATA" panose="020B0609030003000000" pitchFamily="49" charset="77"/>
+                <a:ea typeface="ＭＳ Ｐゴシック" panose="020B0600070205080204" pitchFamily="34" charset="-128"/>
+              </a:rPr>
+              <a:t>		</a:t>
+            </a:r>
+          </a:p>
+          <a:p>
+            <a:pPr marL="0" indent="0">
+              <a:buNone/>
+            </a:pPr>
+            <a:r>
+              <a:rPr lang="en-US" altLang="en-US" sz="1800" dirty="0">
+                <a:solidFill>
+                  <a:srgbClr val="7030A0"/>
+                </a:solidFill>
+                <a:latin typeface="INCONSOLATA" panose="020B0609030003000000" pitchFamily="49" charset="77"/>
+                <a:ea typeface="ＭＳ Ｐゴシック" panose="020B0600070205080204" pitchFamily="34" charset="-128"/>
+              </a:rPr>
+              <a:t>        """ Initialize all variables here. """ </a:t>
+            </a:r>
+          </a:p>
+          <a:p>
+            <a:pPr marL="0" indent="0">
+              <a:buNone/>
+            </a:pPr>
+            <a:r>
+              <a:rPr lang="en-US" altLang="en-US" sz="1800" dirty="0">
+                <a:solidFill>
+                  <a:srgbClr val="7030A0"/>
+                </a:solidFill>
+                <a:latin typeface="INCONSOLATA" panose="020B0609030003000000" pitchFamily="49" charset="77"/>
+                <a:ea typeface="ＭＳ Ｐゴシック" panose="020B0600070205080204" pitchFamily="34" charset="-128"/>
+              </a:rPr>
+              <a:t>	  </a:t>
+            </a:r>
+            <a:r>
+              <a:rPr lang="en-US" altLang="en-US" sz="1800" dirty="0" err="1">
+                <a:solidFill>
+                  <a:srgbClr val="FF0000"/>
+                </a:solidFill>
+                <a:latin typeface="INCONSOLATA" panose="020B0609030003000000" pitchFamily="49" charset="77"/>
+                <a:ea typeface="ＭＳ Ｐゴシック" panose="020B0600070205080204" pitchFamily="34" charset="-128"/>
+              </a:rPr>
+              <a:t>self.player</a:t>
+            </a:r>
+            <a:r>
+              <a:rPr lang="en-US" altLang="en-US" sz="1800" dirty="0">
+                <a:solidFill>
+                  <a:srgbClr val="FF0000"/>
+                </a:solidFill>
+                <a:latin typeface="INCONSOLATA" panose="020B0609030003000000" pitchFamily="49" charset="77"/>
+                <a:ea typeface="ＭＳ Ｐゴシック" panose="020B0600070205080204" pitchFamily="34" charset="-128"/>
+              </a:rPr>
+              <a:t> = </a:t>
+            </a:r>
+            <a:r>
+              <a:rPr lang="en-US" altLang="en-US" sz="1800" dirty="0" err="1">
+                <a:solidFill>
+                  <a:srgbClr val="FF0000"/>
+                </a:solidFill>
+                <a:latin typeface="INCONSOLATA" panose="020B0609030003000000" pitchFamily="49" charset="77"/>
+                <a:ea typeface="ＭＳ Ｐゴシック" panose="020B0600070205080204" pitchFamily="34" charset="-128"/>
+              </a:rPr>
+              <a:t>Sprite</a:t>
+            </a:r>
+            <a:r>
+              <a:rPr lang="en-US" altLang="en-US" sz="1800" dirty="0">
+                <a:solidFill>
+                  <a:srgbClr val="FF0000"/>
+                </a:solidFill>
+                <a:latin typeface="INCONSOLATA" panose="020B0609030003000000" pitchFamily="49" charset="77"/>
+                <a:ea typeface="ＭＳ Ｐゴシック" panose="020B0600070205080204" pitchFamily="34" charset="-128"/>
+              </a:rPr>
+              <a:t>(“</a:t>
+            </a:r>
+            <a:r>
+              <a:rPr lang="en-US" altLang="en-US" sz="1800" dirty="0" err="1">
+                <a:solidFill>
+                  <a:srgbClr val="FF0000"/>
+                </a:solidFill>
+                <a:latin typeface="INCONSOLATA" panose="020B0609030003000000" pitchFamily="49" charset="77"/>
+                <a:ea typeface="ＭＳ Ｐゴシック" panose="020B0600070205080204" pitchFamily="34" charset="-128"/>
+              </a:rPr>
+              <a:t>tank.png</a:t>
+            </a:r>
+            <a:r>
+              <a:rPr lang="en-US" altLang="en-US" sz="1800" dirty="0">
+                <a:solidFill>
+                  <a:srgbClr val="FF0000"/>
+                </a:solidFill>
+                <a:latin typeface="INCONSOLATA" panose="020B0609030003000000" pitchFamily="49" charset="77"/>
+                <a:ea typeface="ＭＳ Ｐゴシック" panose="020B0600070205080204" pitchFamily="34" charset="-128"/>
+              </a:rPr>
+              <a:t>”)</a:t>
+            </a:r>
+          </a:p>
+          <a:p>
+            <a:pPr marL="0" indent="0">
+              <a:buNone/>
+            </a:pPr>
+            <a:r>
+              <a:rPr lang="en-US" altLang="en-US" sz="1800" dirty="0">
+                <a:solidFill>
+                  <a:srgbClr val="7030A0"/>
+                </a:solidFill>
+                <a:latin typeface="INCONSOLATA" panose="020B0609030003000000" pitchFamily="49" charset="77"/>
+                <a:ea typeface="ＭＳ Ｐゴシック" panose="020B0600070205080204" pitchFamily="34" charset="-128"/>
+              </a:rPr>
+              <a:t>	  </a:t>
+            </a:r>
+            <a:r>
+              <a:rPr lang="en-US" altLang="en-US" sz="1800" dirty="0" err="1">
+                <a:solidFill>
+                  <a:srgbClr val="FF0000"/>
+                </a:solidFill>
+                <a:latin typeface="INCONSOLATA" panose="020B0609030003000000" pitchFamily="49" charset="77"/>
+                <a:ea typeface="ＭＳ Ｐゴシック" panose="020B0600070205080204" pitchFamily="34" charset="-128"/>
+              </a:rPr>
+              <a:t>self.player.scale</a:t>
+            </a:r>
+            <a:r>
+              <a:rPr lang="en-US" altLang="en-US" sz="1800" dirty="0">
+                <a:solidFill>
+                  <a:srgbClr val="FF0000"/>
+                </a:solidFill>
+                <a:latin typeface="INCONSOLATA" panose="020B0609030003000000" pitchFamily="49" charset="77"/>
+                <a:ea typeface="ＭＳ Ｐゴシック" panose="020B0600070205080204" pitchFamily="34" charset="-128"/>
+              </a:rPr>
+              <a:t> = 2.0</a:t>
+            </a:r>
+          </a:p>
+          <a:p>
+            <a:pPr marL="0" indent="0">
+              <a:buNone/>
+            </a:pPr>
+            <a:r>
+              <a:rPr lang="en-US" altLang="en-US" sz="1800" dirty="0">
+                <a:solidFill>
+                  <a:srgbClr val="7030A0"/>
+                </a:solidFill>
+                <a:latin typeface="INCONSOLATA" panose="020B0609030003000000" pitchFamily="49" charset="77"/>
+                <a:ea typeface="ＭＳ Ｐゴシック" panose="020B0600070205080204" pitchFamily="34" charset="-128"/>
+              </a:rPr>
+              <a:t>	  </a:t>
+            </a:r>
+            <a:r>
+              <a:rPr lang="en-US" altLang="en-US" sz="1800" dirty="0" err="1">
+                <a:solidFill>
+                  <a:srgbClr val="FF0000"/>
+                </a:solidFill>
+                <a:latin typeface="INCONSOLATA" panose="020B0609030003000000" pitchFamily="49" charset="77"/>
+                <a:ea typeface="ＭＳ Ｐゴシック" panose="020B0600070205080204" pitchFamily="34" charset="-128"/>
+              </a:rPr>
+              <a:t>self.player.center_x</a:t>
+            </a:r>
+            <a:r>
+              <a:rPr lang="en-US" altLang="en-US" sz="1800" dirty="0">
+                <a:solidFill>
+                  <a:srgbClr val="FF0000"/>
+                </a:solidFill>
+                <a:latin typeface="INCONSOLATA" panose="020B0609030003000000" pitchFamily="49" charset="77"/>
+                <a:ea typeface="ＭＳ Ｐゴシック" panose="020B0600070205080204" pitchFamily="34" charset="-128"/>
+              </a:rPr>
+              <a:t> = 100</a:t>
+            </a:r>
+          </a:p>
+          <a:p>
+            <a:pPr marL="0" indent="0">
+              <a:buNone/>
+            </a:pPr>
+            <a:r>
+              <a:rPr lang="en-US" altLang="en-US" sz="1800" dirty="0">
+                <a:solidFill>
+                  <a:srgbClr val="7030A0"/>
+                </a:solidFill>
+                <a:latin typeface="INCONSOLATA" panose="020B0609030003000000" pitchFamily="49" charset="77"/>
+                <a:ea typeface="ＭＳ Ｐゴシック" panose="020B0600070205080204" pitchFamily="34" charset="-128"/>
+              </a:rPr>
+              <a:t>	  </a:t>
+            </a:r>
+            <a:r>
+              <a:rPr lang="en-US" altLang="en-US" sz="1800" dirty="0" err="1">
+                <a:solidFill>
+                  <a:srgbClr val="FF0000"/>
+                </a:solidFill>
+                <a:latin typeface="INCONSOLATA" panose="020B0609030003000000" pitchFamily="49" charset="77"/>
+                <a:ea typeface="ＭＳ Ｐゴシック" panose="020B0600070205080204" pitchFamily="34" charset="-128"/>
+              </a:rPr>
+              <a:t>self.player.center_y</a:t>
+            </a:r>
+            <a:r>
+              <a:rPr lang="en-US" altLang="en-US" sz="1800" dirty="0">
+                <a:solidFill>
+                  <a:srgbClr val="FF0000"/>
+                </a:solidFill>
+                <a:latin typeface="INCONSOLATA" panose="020B0609030003000000" pitchFamily="49" charset="77"/>
+                <a:ea typeface="ＭＳ Ｐゴシック" panose="020B0600070205080204" pitchFamily="34" charset="-128"/>
+              </a:rPr>
+              <a:t> = 200</a:t>
+            </a:r>
+          </a:p>
+          <a:p>
+            <a:pPr marL="0" indent="0">
+              <a:buNone/>
+            </a:pPr>
+            <a:r>
+              <a:rPr lang="en-US" altLang="en-US" sz="1800" dirty="0">
+                <a:solidFill>
+                  <a:srgbClr val="FF0000"/>
+                </a:solidFill>
+                <a:latin typeface="INCONSOLATA" panose="020B0609030003000000" pitchFamily="49" charset="77"/>
+                <a:ea typeface="ＭＳ Ｐゴシック" panose="020B0600070205080204" pitchFamily="34" charset="-128"/>
+              </a:rPr>
+              <a:t>	</a:t>
+            </a:r>
+          </a:p>
+          <a:p>
+            <a:pPr marL="0" indent="0">
+              <a:buNone/>
+            </a:pPr>
+            <a:endParaRPr lang="en-US" altLang="en-US" sz="1800" dirty="0">
+              <a:solidFill>
+                <a:srgbClr val="7030A0"/>
+              </a:solidFill>
+              <a:latin typeface="INCONSOLATA" panose="020B0609030003000000" pitchFamily="49" charset="77"/>
+              <a:ea typeface="ＭＳ Ｐゴシック" panose="020B0600070205080204" pitchFamily="34" charset="-128"/>
+            </a:endParaRPr>
+          </a:p>
+          <a:p>
+            <a:pPr marL="0" indent="0">
+              <a:buNone/>
+            </a:pPr>
+            <a:r>
+              <a:rPr lang="en-US" altLang="en-US" sz="1800" dirty="0">
+                <a:solidFill>
+                  <a:srgbClr val="7030A0"/>
+                </a:solidFill>
+                <a:latin typeface="INCONSOLATA" panose="020B0609030003000000" pitchFamily="49" charset="77"/>
+                <a:ea typeface="ＭＳ Ｐゴシック" panose="020B0600070205080204" pitchFamily="34" charset="-128"/>
+              </a:rPr>
+              <a:t>    def </a:t>
+            </a:r>
+            <a:r>
+              <a:rPr lang="en-US" altLang="en-US" sz="1800" dirty="0" err="1">
+                <a:solidFill>
+                  <a:srgbClr val="7030A0"/>
+                </a:solidFill>
+                <a:latin typeface="INCONSOLATA" panose="020B0609030003000000" pitchFamily="49" charset="77"/>
+                <a:ea typeface="ＭＳ Ｐゴシック" panose="020B0600070205080204" pitchFamily="34" charset="-128"/>
+              </a:rPr>
+              <a:t>on_draw</a:t>
+            </a:r>
+            <a:r>
+              <a:rPr lang="en-US" altLang="en-US" sz="1800" dirty="0">
+                <a:solidFill>
+                  <a:srgbClr val="7030A0"/>
+                </a:solidFill>
+                <a:latin typeface="INCONSOLATA" panose="020B0609030003000000" pitchFamily="49" charset="77"/>
+                <a:ea typeface="ＭＳ Ｐゴシック" panose="020B0600070205080204" pitchFamily="34" charset="-128"/>
+              </a:rPr>
+              <a:t>(self):</a:t>
+            </a:r>
+          </a:p>
+          <a:p>
+            <a:pPr marL="0" indent="0">
+              <a:buNone/>
+            </a:pPr>
+            <a:r>
+              <a:rPr lang="en-US" altLang="en-US" sz="1800" dirty="0">
+                <a:solidFill>
+                  <a:srgbClr val="7030A0"/>
+                </a:solidFill>
+                <a:latin typeface="INCONSOLATA" panose="020B0609030003000000" pitchFamily="49" charset="77"/>
+                <a:ea typeface="ＭＳ Ｐゴシック" panose="020B0600070205080204" pitchFamily="34" charset="-128"/>
+              </a:rPr>
+              <a:t>        """ Called automatically 60 times a second to draw all objects.""" </a:t>
+            </a:r>
+          </a:p>
+          <a:p>
+            <a:pPr marL="0" indent="0">
+              <a:buNone/>
+            </a:pPr>
+            <a:r>
+              <a:rPr lang="en-US" altLang="en-US" sz="1800" dirty="0">
+                <a:solidFill>
+                  <a:srgbClr val="7030A0"/>
+                </a:solidFill>
+                <a:latin typeface="INCONSOLATA" panose="020B0609030003000000" pitchFamily="49" charset="77"/>
+                <a:ea typeface="ＭＳ Ｐゴシック" panose="020B0600070205080204" pitchFamily="34" charset="-128"/>
+              </a:rPr>
+              <a:t>	  </a:t>
+            </a:r>
+            <a:r>
+              <a:rPr lang="en-US" altLang="en-US" sz="1800" dirty="0" err="1">
+                <a:solidFill>
+                  <a:srgbClr val="FF0000"/>
+                </a:solidFill>
+                <a:latin typeface="INCONSOLATA" panose="020B0609030003000000" pitchFamily="49" charset="77"/>
+                <a:ea typeface="ＭＳ Ｐゴシック" panose="020B0600070205080204" pitchFamily="34" charset="-128"/>
+              </a:rPr>
+              <a:t>self.player.draw</a:t>
+            </a:r>
+            <a:r>
+              <a:rPr lang="en-US" altLang="en-US" sz="1800" dirty="0">
+                <a:solidFill>
+                  <a:srgbClr val="FF0000"/>
+                </a:solidFill>
+                <a:latin typeface="INCONSOLATA" panose="020B0609030003000000" pitchFamily="49" charset="77"/>
+                <a:ea typeface="ＭＳ Ｐゴシック" panose="020B0600070205080204" pitchFamily="34" charset="-128"/>
+              </a:rPr>
+              <a:t>()</a:t>
+            </a:r>
+          </a:p>
+          <a:p>
+            <a:pPr marL="0" indent="0">
+              <a:buNone/>
+            </a:pPr>
+            <a:r>
+              <a:rPr lang="en-US" altLang="en-US" sz="1800" dirty="0">
+                <a:solidFill>
+                  <a:srgbClr val="7030A0"/>
+                </a:solidFill>
+                <a:latin typeface="INCONSOLATA" panose="020B0609030003000000" pitchFamily="49" charset="77"/>
+                <a:ea typeface="ＭＳ Ｐゴシック" panose="020B0600070205080204" pitchFamily="34" charset="-128"/>
+              </a:rPr>
+              <a:t>	  </a:t>
+            </a:r>
+            <a:r>
+              <a:rPr lang="en-US" altLang="en-US" sz="1800" dirty="0" err="1">
+                <a:solidFill>
+                  <a:srgbClr val="FF0000"/>
+                </a:solidFill>
+                <a:latin typeface="INCONSOLATA" panose="020B0609030003000000" pitchFamily="49" charset="77"/>
+                <a:ea typeface="ＭＳ Ｐゴシック" panose="020B0600070205080204" pitchFamily="34" charset="-128"/>
+              </a:rPr>
+              <a:t>self.player.move</a:t>
+            </a:r>
+            <a:r>
+              <a:rPr lang="en-US" altLang="en-US" sz="1800" dirty="0">
+                <a:solidFill>
+                  <a:srgbClr val="FF0000"/>
+                </a:solidFill>
+                <a:latin typeface="INCONSOLATA" panose="020B0609030003000000" pitchFamily="49" charset="77"/>
+                <a:ea typeface="ＭＳ Ｐゴシック" panose="020B0600070205080204" pitchFamily="34" charset="-128"/>
+              </a:rPr>
+              <a:t>()</a:t>
+            </a:r>
+          </a:p>
+          <a:p>
+            <a:pPr marL="0" indent="0">
+              <a:buNone/>
+            </a:pPr>
+            <a:endParaRPr lang="en-US" altLang="en-US" sz="1800" dirty="0">
+              <a:solidFill>
+                <a:srgbClr val="7030A0"/>
+              </a:solidFill>
+              <a:latin typeface="INCONSOLATA" panose="020B0609030003000000" pitchFamily="49" charset="77"/>
+              <a:ea typeface="ＭＳ Ｐゴシック" panose="020B0600070205080204" pitchFamily="34" charset="-128"/>
+            </a:endParaRPr>
+          </a:p>
+          <a:p>
+            <a:pPr marL="0" indent="0">
+              <a:buNone/>
+            </a:pPr>
+            <a:endParaRPr lang="en-US" altLang="en-US" sz="1800" dirty="0">
+              <a:solidFill>
+                <a:srgbClr val="7030A0"/>
+              </a:solidFill>
+              <a:latin typeface="INCONSOLATA" panose="020B0609030003000000" pitchFamily="49" charset="77"/>
+              <a:ea typeface="ＭＳ Ｐゴシック" panose="020B0600070205080204" pitchFamily="34" charset="-128"/>
+            </a:endParaRPr>
+          </a:p>
+          <a:p>
+            <a:pPr marL="0" indent="0">
+              <a:buNone/>
+            </a:pPr>
+            <a:endParaRPr lang="en-US" altLang="en-US" sz="1800" dirty="0">
+              <a:solidFill>
+                <a:srgbClr val="FF0000"/>
+              </a:solidFill>
+              <a:latin typeface="INCONSOLATA" panose="020B0609030003000000" pitchFamily="49" charset="77"/>
+              <a:ea typeface="ＭＳ Ｐゴシック" panose="020B0600070205080204" pitchFamily="34" charset="-128"/>
+            </a:endParaRPr>
+          </a:p>
+          <a:p>
+            <a:pPr marL="0" indent="0">
+              <a:buNone/>
+            </a:pPr>
+            <a:endParaRPr lang="en-US" altLang="en-US" sz="1800" dirty="0">
+              <a:latin typeface="INCONSOLATA" panose="020B0609030003000000" pitchFamily="49" charset="77"/>
+              <a:ea typeface="ＭＳ Ｐゴシック" panose="020B0600070205080204" pitchFamily="34" charset="-128"/>
+            </a:endParaRPr>
+          </a:p>
+          <a:p>
+            <a:pPr marL="0" indent="0">
+              <a:buNone/>
+            </a:pPr>
+            <a:endParaRPr lang="en-US" altLang="en-US" sz="1800" dirty="0">
+              <a:latin typeface="INCONSOLATA" panose="020B0609030003000000" pitchFamily="49" charset="77"/>
+              <a:ea typeface="ＭＳ Ｐゴシック" panose="020B0600070205080204" pitchFamily="34" charset="-128"/>
+            </a:endParaRPr>
+          </a:p>
+        </p:txBody>
+      </p:sp>
+      <p:sp>
+        <p:nvSpPr>
+          <p:cNvPr id="3" name="TextBox 2">
+            <a:extLst>
+              <a:ext uri="{FF2B5EF4-FFF2-40B4-BE49-F238E27FC236}">
+                <a16:creationId xmlns:a16="http://schemas.microsoft.com/office/drawing/2014/main" id="{3E485581-9E99-0043-9EAC-32C6195DED27}"/>
+              </a:ext>
+            </a:extLst>
+          </p:cNvPr>
+          <p:cNvSpPr txBox="1"/>
+          <p:nvPr/>
+        </p:nvSpPr>
+        <p:spPr>
+          <a:xfrm>
+            <a:off x="5059680" y="2857500"/>
+            <a:ext cx="184731" cy="308418"/>
+          </a:xfrm>
+          <a:prstGeom prst="rect">
+            <a:avLst/>
+          </a:prstGeom>
+          <a:noFill/>
+        </p:spPr>
+        <p:txBody>
+          <a:bodyPr wrap="none" rtlCol="0">
+            <a:spAutoFit/>
+          </a:bodyPr>
+          <a:lstStyle/>
+          <a:p>
+            <a:endParaRPr lang="en-US" dirty="0"/>
+          </a:p>
+        </p:txBody>
+      </p:sp>
+      <p:sp>
+        <p:nvSpPr>
+          <p:cNvPr id="4" name="TextBox 3">
+            <a:extLst>
+              <a:ext uri="{FF2B5EF4-FFF2-40B4-BE49-F238E27FC236}">
+                <a16:creationId xmlns:a16="http://schemas.microsoft.com/office/drawing/2014/main" id="{F5F925A9-41D3-6E4F-86DA-C9E92CE1D468}"/>
+              </a:ext>
+            </a:extLst>
+          </p:cNvPr>
+          <p:cNvSpPr txBox="1"/>
+          <p:nvPr/>
+        </p:nvSpPr>
+        <p:spPr>
+          <a:xfrm>
+            <a:off x="3882510" y="3679284"/>
+            <a:ext cx="5109091" cy="800860"/>
+          </a:xfrm>
+          <a:prstGeom prst="rect">
+            <a:avLst/>
+          </a:prstGeom>
+          <a:noFill/>
+        </p:spPr>
+        <p:txBody>
+          <a:bodyPr wrap="none" rtlCol="0">
+            <a:spAutoFit/>
+          </a:bodyPr>
+          <a:lstStyle/>
+          <a:p>
+            <a:r>
+              <a:rPr lang="en-US" altLang="en-US" sz="1600" dirty="0">
+                <a:solidFill>
+                  <a:srgbClr val="7030A0"/>
+                </a:solidFill>
+                <a:latin typeface="INCONSOLATA" panose="020B0609030003000000" pitchFamily="49" charset="77"/>
+                <a:ea typeface="ＭＳ Ｐゴシック" panose="020B0600070205080204" pitchFamily="34" charset="-128"/>
+              </a:rPr>
+              <a:t>These four lines are equivalent to:</a:t>
+            </a:r>
+          </a:p>
+          <a:p>
+            <a:r>
+              <a:rPr lang="en-US" altLang="en-US" sz="1600" dirty="0" err="1">
+                <a:solidFill>
+                  <a:srgbClr val="FF0000"/>
+                </a:solidFill>
+                <a:latin typeface="INCONSOLATA" panose="020B0609030003000000" pitchFamily="49" charset="77"/>
+                <a:ea typeface="ＭＳ Ｐゴシック" panose="020B0600070205080204" pitchFamily="34" charset="-128"/>
+              </a:rPr>
+              <a:t>self.player</a:t>
+            </a:r>
+            <a:r>
+              <a:rPr lang="en-US" altLang="en-US" sz="1600" dirty="0">
+                <a:solidFill>
+                  <a:srgbClr val="FF0000"/>
+                </a:solidFill>
+                <a:latin typeface="INCONSOLATA" panose="020B0609030003000000" pitchFamily="49" charset="77"/>
+                <a:ea typeface="ＭＳ Ｐゴシック" panose="020B0600070205080204" pitchFamily="34" charset="-128"/>
+              </a:rPr>
+              <a:t> = </a:t>
+            </a:r>
+            <a:r>
+              <a:rPr lang="en-US" altLang="en-US" sz="1600" dirty="0" err="1">
+                <a:solidFill>
+                  <a:srgbClr val="FF0000"/>
+                </a:solidFill>
+                <a:latin typeface="INCONSOLATA" panose="020B0609030003000000" pitchFamily="49" charset="77"/>
+                <a:ea typeface="ＭＳ Ｐゴシック" panose="020B0600070205080204" pitchFamily="34" charset="-128"/>
+              </a:rPr>
+              <a:t>Sprite</a:t>
+            </a:r>
+            <a:r>
+              <a:rPr lang="en-US" altLang="en-US" sz="1600" dirty="0">
+                <a:solidFill>
+                  <a:srgbClr val="FF0000"/>
+                </a:solidFill>
+                <a:latin typeface="INCONSOLATA" panose="020B0609030003000000" pitchFamily="49" charset="77"/>
+                <a:ea typeface="ＭＳ Ｐゴシック" panose="020B0600070205080204" pitchFamily="34" charset="-128"/>
+              </a:rPr>
+              <a:t>(“</a:t>
+            </a:r>
+            <a:r>
+              <a:rPr lang="en-US" altLang="en-US" sz="1600" dirty="0" err="1">
+                <a:solidFill>
+                  <a:srgbClr val="FF0000"/>
+                </a:solidFill>
+                <a:latin typeface="INCONSOLATA" panose="020B0609030003000000" pitchFamily="49" charset="77"/>
+                <a:ea typeface="ＭＳ Ｐゴシック" panose="020B0600070205080204" pitchFamily="34" charset="-128"/>
+              </a:rPr>
+              <a:t>tank.png</a:t>
+            </a:r>
+            <a:r>
+              <a:rPr lang="en-US" altLang="en-US" sz="1600" dirty="0">
+                <a:solidFill>
+                  <a:srgbClr val="FF0000"/>
+                </a:solidFill>
+                <a:latin typeface="INCONSOLATA" panose="020B0609030003000000" pitchFamily="49" charset="77"/>
+                <a:ea typeface="ＭＳ Ｐゴシック" panose="020B0600070205080204" pitchFamily="34" charset="-128"/>
+              </a:rPr>
+              <a:t>”, 2.0, 100, 200)</a:t>
+            </a:r>
+          </a:p>
+          <a:p>
+            <a:endParaRPr lang="en-US" dirty="0"/>
+          </a:p>
+        </p:txBody>
+      </p:sp>
+      <p:cxnSp>
+        <p:nvCxnSpPr>
+          <p:cNvPr id="13" name="Straight Arrow Connector 12">
+            <a:extLst>
+              <a:ext uri="{FF2B5EF4-FFF2-40B4-BE49-F238E27FC236}">
+                <a16:creationId xmlns:a16="http://schemas.microsoft.com/office/drawing/2014/main" id="{1D73A6C2-F3A1-7849-9298-0FABFFC03676}"/>
+              </a:ext>
+            </a:extLst>
+          </p:cNvPr>
+          <p:cNvCxnSpPr>
+            <a:cxnSpLocks/>
+          </p:cNvCxnSpPr>
+          <p:nvPr/>
+        </p:nvCxnSpPr>
+        <p:spPr>
+          <a:xfrm>
+            <a:off x="4318824" y="2716503"/>
+            <a:ext cx="925587" cy="962781"/>
+          </a:xfrm>
+          <a:prstGeom prst="straightConnector1">
+            <a:avLst/>
+          </a:prstGeom>
+          <a:ln w="38100">
+            <a:tailEnd type="triangle"/>
+          </a:ln>
+        </p:spPr>
+        <p:style>
+          <a:lnRef idx="1">
+            <a:schemeClr val="dk1"/>
+          </a:lnRef>
+          <a:fillRef idx="0">
+            <a:schemeClr val="dk1"/>
+          </a:fillRef>
+          <a:effectRef idx="0">
+            <a:schemeClr val="dk1"/>
+          </a:effectRef>
+          <a:fontRef idx="minor">
+            <a:schemeClr val="tx1"/>
+          </a:fontRef>
+        </p:style>
+      </p:cxnSp>
+      <p:sp>
+        <p:nvSpPr>
+          <p:cNvPr id="2" name="TextBox 1">
+            <a:extLst>
+              <a:ext uri="{FF2B5EF4-FFF2-40B4-BE49-F238E27FC236}">
+                <a16:creationId xmlns:a16="http://schemas.microsoft.com/office/drawing/2014/main" id="{B2329E0C-257B-BD11-0343-7C8CDA4B2367}"/>
+              </a:ext>
+            </a:extLst>
+          </p:cNvPr>
+          <p:cNvSpPr txBox="1"/>
+          <p:nvPr/>
+        </p:nvSpPr>
+        <p:spPr>
+          <a:xfrm>
+            <a:off x="207181" y="690109"/>
+            <a:ext cx="6499793" cy="430887"/>
+          </a:xfrm>
+          <a:prstGeom prst="rect">
+            <a:avLst/>
+          </a:prstGeom>
+          <a:noFill/>
+        </p:spPr>
+        <p:txBody>
+          <a:bodyPr wrap="none" rtlCol="0">
+            <a:spAutoFit/>
+          </a:bodyPr>
+          <a:lstStyle/>
+          <a:p>
+            <a:r>
+              <a:rPr lang="en-US" sz="2200"/>
+              <a:t>A tank sprite is drawn on the screen but is not moving.</a:t>
+            </a:r>
+          </a:p>
+        </p:txBody>
+      </p:sp>
+    </p:spTree>
+    <p:extLst>
+      <p:ext uri="{BB962C8B-B14F-4D97-AF65-F5344CB8AC3E}">
+        <p14:creationId xmlns:p14="http://schemas.microsoft.com/office/powerpoint/2010/main" val="1353512910"/>
+      </p:ext>
+    </p:extLst>
+  </p:cSld>
+  <p:clrMapOvr>
+    <a:masterClrMapping/>
+  </p:clrMapOvr>
+  <p:transition/>
+  <p:timing>
+    <p:tnLst>
+      <p:par>
+        <p:cTn id="1" dur="indefinite" restart="never" nodeType="tmRoot">
+          <p:childTnLst>
+            <p:seq concurrent="1" nextAc="seek">
+              <p:cTn id="2" dur="indefinite" nodeType="mainSeq">
+                <p:childTnLst>
+                  <p:par>
+                    <p:cTn id="3" fill="hold">
+                      <p:stCondLst>
+                        <p:cond delay="indefinite"/>
+                      </p:stCondLst>
+                      <p:childTnLst>
+                        <p:par>
+                          <p:cTn id="4" fill="hold">
+                            <p:stCondLst>
+                              <p:cond delay="0"/>
+                            </p:stCondLst>
+                            <p:childTnLst>
+                              <p:par>
+                                <p:cTn id="5" presetID="1" presetClass="entr" presetSubtype="0" fill="hold" nodeType="clickEffect">
+                                  <p:stCondLst>
+                                    <p:cond delay="0"/>
+                                  </p:stCondLst>
+                                  <p:childTnLst>
+                                    <p:set>
+                                      <p:cBhvr>
+                                        <p:cTn id="6" dur="1" fill="hold">
+                                          <p:stCondLst>
+                                            <p:cond delay="0"/>
+                                          </p:stCondLst>
+                                        </p:cTn>
+                                        <p:tgtEl>
+                                          <p:spTgt spid="13"/>
+                                        </p:tgtEl>
+                                        <p:attrNameLst>
+                                          <p:attrName>style.visibility</p:attrName>
+                                        </p:attrNameLst>
+                                      </p:cBhvr>
+                                      <p:to>
+                                        <p:strVal val="visible"/>
+                                      </p:to>
+                                    </p:set>
+                                  </p:childTnLst>
+                                </p:cTn>
+                              </p:par>
+                              <p:par>
+                                <p:cTn id="7" presetID="1" presetClass="entr" presetSubtype="0" fill="hold" grpId="0" nodeType="withEffect">
+                                  <p:stCondLst>
+                                    <p:cond delay="0"/>
+                                  </p:stCondLst>
+                                  <p:childTnLst>
+                                    <p:set>
+                                      <p:cBhvr>
+                                        <p:cTn id="8" dur="1" fill="hold">
+                                          <p:stCondLst>
+                                            <p:cond delay="0"/>
+                                          </p:stCondLst>
+                                        </p:cTn>
+                                        <p:tgtEl>
+                                          <p:spTgt spid="4"/>
+                                        </p:tgtEl>
+                                        <p:attrNameLst>
+                                          <p:attrName>style.visibility</p:attrName>
+                                        </p:attrNameLst>
+                                      </p:cBhvr>
+                                      <p:to>
+                                        <p:strVal val="visible"/>
+                                      </p:to>
+                                    </p:set>
+                                  </p:childTnLst>
+                                </p:cTn>
+                              </p:par>
+                            </p:childTnLst>
+                          </p:cTn>
+                        </p:par>
+                      </p:childTnLst>
+                    </p:cTn>
+                  </p:par>
+                </p:childTnLst>
+              </p:cTn>
+              <p:prevCondLst>
+                <p:cond evt="onPrev" delay="0">
+                  <p:tgtEl>
+                    <p:sldTgt/>
+                  </p:tgtEl>
+                </p:cond>
+              </p:prevCondLst>
+              <p:nextCondLst>
+                <p:cond evt="onNext" delay="0">
+                  <p:tgtEl>
+                    <p:sldTgt/>
+                  </p:tgtEl>
+                </p:cond>
+              </p:nextCondLst>
+            </p:seq>
+          </p:childTnLst>
+        </p:cTn>
+      </p:par>
+    </p:tnLst>
+    <p:bldLst>
+      <p:bldP spid="4" grpId="0"/>
+    </p:bldLst>
+  </p:timing>
+</p:sld>
+</file>
+
+<file path=ppt/slides/slide17.xml><?xml version="1.0" encoding="utf-8"?>
+<p:sld xmlns:a="http://schemas.openxmlformats.org/drawingml/2006/main" xmlns:r="http://schemas.openxmlformats.org/officeDocument/2006/relationships" xmlns:p="http://schemas.openxmlformats.org/presentationml/2006/main">
+  <p:cSld>
+    <p:spTree>
+      <p:nvGrpSpPr>
+        <p:cNvPr id="1" name=""/>
+        <p:cNvGrpSpPr/>
+        <p:nvPr/>
+      </p:nvGrpSpPr>
+      <p:grpSpPr>
+        <a:xfrm>
+          <a:off x="0" y="0"/>
+          <a:ext cx="0" cy="0"/>
+          <a:chOff x="0" y="0"/>
+          <a:chExt cx="0" cy="0"/>
+        </a:xfrm>
+      </p:grpSpPr>
+      <p:sp>
+        <p:nvSpPr>
+          <p:cNvPr id="35841" name="Rectangle 2">
+            <a:extLst>
+              <a:ext uri="{FF2B5EF4-FFF2-40B4-BE49-F238E27FC236}">
+                <a16:creationId xmlns:a16="http://schemas.microsoft.com/office/drawing/2014/main" id="{09D8876C-8F7A-C748-966B-672B36C17545}"/>
+              </a:ext>
+            </a:extLst>
+          </p:cNvPr>
+          <p:cNvSpPr>
+            <a:spLocks noGrp="1" noChangeArrowheads="1"/>
+          </p:cNvSpPr>
+          <p:nvPr>
+            <p:ph type="title"/>
+          </p:nvPr>
+        </p:nvSpPr>
+        <p:spPr>
+          <a:xfrm>
+            <a:off x="152400" y="19843"/>
+            <a:ext cx="7848600" cy="713582"/>
+          </a:xfrm>
+        </p:spPr>
+        <p:txBody>
+          <a:bodyPr/>
+          <a:lstStyle/>
+          <a:p>
+            <a:pPr eaLnBrk="1" hangingPunct="1"/>
+            <a:r>
+              <a:rPr lang="en-US" altLang="en-US" dirty="0">
+                <a:ea typeface="ＭＳ Ｐゴシック" panose="020B0600070205080204" pitchFamily="34" charset="-128"/>
+              </a:rPr>
+              <a:t>Sprite Example 2: Moving the tank</a:t>
+            </a:r>
+          </a:p>
+        </p:txBody>
+      </p:sp>
+      <p:sp>
+        <p:nvSpPr>
+          <p:cNvPr id="35842" name="Rectangle 3">
+            <a:extLst>
+              <a:ext uri="{FF2B5EF4-FFF2-40B4-BE49-F238E27FC236}">
+                <a16:creationId xmlns:a16="http://schemas.microsoft.com/office/drawing/2014/main" id="{C94BCA01-D831-ED4D-84FD-C30E8117F872}"/>
+              </a:ext>
+            </a:extLst>
+          </p:cNvPr>
+          <p:cNvSpPr>
+            <a:spLocks noGrp="1" noChangeArrowheads="1"/>
+          </p:cNvSpPr>
+          <p:nvPr>
+            <p:ph type="body" idx="1"/>
+          </p:nvPr>
+        </p:nvSpPr>
+        <p:spPr>
+          <a:xfrm>
+            <a:off x="152399" y="590551"/>
+            <a:ext cx="8905875" cy="5104606"/>
+          </a:xfrm>
+        </p:spPr>
+        <p:txBody>
+          <a:bodyPr>
+            <a:normAutofit/>
+          </a:bodyPr>
+          <a:lstStyle/>
+          <a:p>
+            <a:pPr marL="0" indent="0">
+              <a:buNone/>
+            </a:pPr>
+            <a:endParaRPr lang="en-US" altLang="en-US" sz="1800" dirty="0">
+              <a:latin typeface="INCONSOLATA" panose="020B0609030003000000" pitchFamily="49" charset="77"/>
+              <a:ea typeface="ＭＳ Ｐゴシック" panose="020B0600070205080204" pitchFamily="34" charset="-128"/>
+            </a:endParaRPr>
+          </a:p>
+          <a:p>
+            <a:pPr marL="0" indent="0">
+              <a:buNone/>
+            </a:pPr>
+            <a:r>
+              <a:rPr lang="en-US" sz="2200"/>
+              <a:t>A tank sprite is drawn on the screen but is moving 5 pixels per frame to the right. </a:t>
+            </a:r>
+            <a:endParaRPr lang="en-US" sz="2200" dirty="0">
+              <a:latin typeface="INCONSOLATA" panose="020B0609030003000000" pitchFamily="49" charset="77"/>
+              <a:ea typeface="ＭＳ Ｐゴシック" panose="020B0600070205080204" pitchFamily="34" charset="-128"/>
+            </a:endParaRPr>
+          </a:p>
+          <a:p>
+            <a:pPr marL="0" indent="0">
+              <a:buNone/>
+            </a:pPr>
+            <a:endParaRPr lang="en-US" altLang="en-US" sz="1800" dirty="0">
+              <a:latin typeface="INCONSOLATA" panose="020B0609030003000000" pitchFamily="49" charset="77"/>
+              <a:ea typeface="ＭＳ Ｐゴシック" panose="020B0600070205080204" pitchFamily="34" charset="-128"/>
+            </a:endParaRPr>
+          </a:p>
+          <a:p>
+            <a:pPr marL="0" indent="0">
+              <a:buNone/>
+            </a:pPr>
+            <a:r>
+              <a:rPr lang="en-US" altLang="en-US" sz="1800" dirty="0">
+                <a:latin typeface="INCONSOLATA" panose="020B0609030003000000" pitchFamily="49" charset="77"/>
+                <a:ea typeface="ＭＳ Ｐゴシック" panose="020B0600070205080204" pitchFamily="34" charset="-128"/>
+              </a:rPr>
+              <a:t>class Window:    </a:t>
+            </a:r>
+          </a:p>
+          <a:p>
+            <a:pPr marL="0" indent="0">
+              <a:buNone/>
+            </a:pPr>
+            <a:r>
+              <a:rPr lang="en-US" altLang="en-US" sz="1800" dirty="0">
+                <a:solidFill>
+                  <a:srgbClr val="7030A0"/>
+                </a:solidFill>
+                <a:latin typeface="INCONSOLATA" panose="020B0609030003000000" pitchFamily="49" charset="77"/>
+                <a:ea typeface="ＭＳ Ｐゴシック" panose="020B0600070205080204" pitchFamily="34" charset="-128"/>
+              </a:rPr>
+              <a:t>    def __</a:t>
+            </a:r>
+            <a:r>
+              <a:rPr lang="en-US" altLang="en-US" sz="1800" dirty="0" err="1">
+                <a:solidFill>
+                  <a:srgbClr val="7030A0"/>
+                </a:solidFill>
+                <a:latin typeface="INCONSOLATA" panose="020B0609030003000000" pitchFamily="49" charset="77"/>
+                <a:ea typeface="ＭＳ Ｐゴシック" panose="020B0600070205080204" pitchFamily="34" charset="-128"/>
+              </a:rPr>
+              <a:t>init</a:t>
+            </a:r>
+            <a:r>
+              <a:rPr lang="en-US" altLang="en-US" sz="1800" dirty="0">
+                <a:solidFill>
+                  <a:srgbClr val="7030A0"/>
+                </a:solidFill>
+                <a:latin typeface="INCONSOLATA" panose="020B0609030003000000" pitchFamily="49" charset="77"/>
+                <a:ea typeface="ＭＳ Ｐゴシック" panose="020B0600070205080204" pitchFamily="34" charset="-128"/>
+              </a:rPr>
+              <a:t>__(self): </a:t>
+            </a:r>
+            <a:r>
+              <a:rPr lang="en-US" altLang="en-US" sz="1800" dirty="0">
+                <a:latin typeface="INCONSOLATA" panose="020B0609030003000000" pitchFamily="49" charset="77"/>
+                <a:ea typeface="ＭＳ Ｐゴシック" panose="020B0600070205080204" pitchFamily="34" charset="-128"/>
+              </a:rPr>
+              <a:t>		</a:t>
+            </a:r>
+          </a:p>
+          <a:p>
+            <a:pPr marL="0" indent="0">
+              <a:buNone/>
+            </a:pPr>
+            <a:r>
+              <a:rPr lang="en-US" altLang="en-US" sz="1800" dirty="0">
+                <a:solidFill>
+                  <a:srgbClr val="7030A0"/>
+                </a:solidFill>
+                <a:latin typeface="INCONSOLATA" panose="020B0609030003000000" pitchFamily="49" charset="77"/>
+                <a:ea typeface="ＭＳ Ｐゴシック" panose="020B0600070205080204" pitchFamily="34" charset="-128"/>
+              </a:rPr>
+              <a:t>        """ Initialize all variables here. """ </a:t>
+            </a:r>
+          </a:p>
+          <a:p>
+            <a:pPr marL="0" indent="0">
+              <a:buNone/>
+            </a:pPr>
+            <a:r>
+              <a:rPr lang="en-US" altLang="en-US" sz="1800" dirty="0">
+                <a:solidFill>
+                  <a:srgbClr val="7030A0"/>
+                </a:solidFill>
+                <a:latin typeface="INCONSOLATA" panose="020B0609030003000000" pitchFamily="49" charset="77"/>
+                <a:ea typeface="ＭＳ Ｐゴシック" panose="020B0600070205080204" pitchFamily="34" charset="-128"/>
+              </a:rPr>
+              <a:t>	  </a:t>
+            </a:r>
+            <a:r>
+              <a:rPr lang="en-US" altLang="en-US" sz="1800" dirty="0" err="1">
+                <a:solidFill>
+                  <a:srgbClr val="FF0000"/>
+                </a:solidFill>
+                <a:latin typeface="INCONSOLATA" panose="020B0609030003000000" pitchFamily="49" charset="77"/>
+                <a:ea typeface="ＭＳ Ｐゴシック" panose="020B0600070205080204" pitchFamily="34" charset="-128"/>
+              </a:rPr>
+              <a:t>self.player</a:t>
+            </a:r>
+            <a:r>
+              <a:rPr lang="en-US" altLang="en-US" sz="1800" dirty="0">
+                <a:solidFill>
+                  <a:srgbClr val="FF0000"/>
+                </a:solidFill>
+                <a:latin typeface="INCONSOLATA" panose="020B0609030003000000" pitchFamily="49" charset="77"/>
+                <a:ea typeface="ＭＳ Ｐゴシック" panose="020B0600070205080204" pitchFamily="34" charset="-128"/>
+              </a:rPr>
+              <a:t> = </a:t>
+            </a:r>
+            <a:r>
+              <a:rPr lang="en-US" altLang="en-US" sz="1800" dirty="0" err="1">
+                <a:solidFill>
+                  <a:srgbClr val="FF0000"/>
+                </a:solidFill>
+                <a:latin typeface="INCONSOLATA" panose="020B0609030003000000" pitchFamily="49" charset="77"/>
+                <a:ea typeface="ＭＳ Ｐゴシック" panose="020B0600070205080204" pitchFamily="34" charset="-128"/>
+              </a:rPr>
+              <a:t>Sprite</a:t>
+            </a:r>
+            <a:r>
+              <a:rPr lang="en-US" altLang="en-US" sz="1800" dirty="0">
+                <a:solidFill>
+                  <a:srgbClr val="FF0000"/>
+                </a:solidFill>
+                <a:latin typeface="INCONSOLATA" panose="020B0609030003000000" pitchFamily="49" charset="77"/>
+                <a:ea typeface="ＭＳ Ｐゴシック" panose="020B0600070205080204" pitchFamily="34" charset="-128"/>
+              </a:rPr>
+              <a:t>(“</a:t>
+            </a:r>
+            <a:r>
+              <a:rPr lang="en-US" altLang="en-US" sz="1800" dirty="0" err="1">
+                <a:solidFill>
+                  <a:srgbClr val="FF0000"/>
+                </a:solidFill>
+                <a:latin typeface="INCONSOLATA" panose="020B0609030003000000" pitchFamily="49" charset="77"/>
+                <a:ea typeface="ＭＳ Ｐゴシック" panose="020B0600070205080204" pitchFamily="34" charset="-128"/>
+              </a:rPr>
+              <a:t>tank.png</a:t>
+            </a:r>
+            <a:r>
+              <a:rPr lang="en-US" altLang="en-US" sz="1800" dirty="0">
+                <a:solidFill>
+                  <a:srgbClr val="FF0000"/>
+                </a:solidFill>
+                <a:latin typeface="INCONSOLATA" panose="020B0609030003000000" pitchFamily="49" charset="77"/>
+                <a:ea typeface="ＭＳ Ｐゴシック" panose="020B0600070205080204" pitchFamily="34" charset="-128"/>
+              </a:rPr>
+              <a:t>”, 2.0, 100, 200)</a:t>
+            </a:r>
+          </a:p>
+          <a:p>
+            <a:pPr marL="0" indent="0">
+              <a:buNone/>
+            </a:pPr>
+            <a:r>
+              <a:rPr lang="en-US" altLang="en-US" sz="1800" dirty="0">
+                <a:solidFill>
+                  <a:srgbClr val="FF0000"/>
+                </a:solidFill>
+                <a:latin typeface="INCONSOLATA" panose="020B0609030003000000" pitchFamily="49" charset="77"/>
+                <a:ea typeface="ＭＳ Ｐゴシック" panose="020B0600070205080204" pitchFamily="34" charset="-128"/>
+              </a:rPr>
+              <a:t>	  </a:t>
+            </a:r>
+            <a:r>
+              <a:rPr lang="en-US" altLang="en-US" sz="1800" dirty="0" err="1">
+                <a:solidFill>
+                  <a:srgbClr val="FF0000"/>
+                </a:solidFill>
+                <a:latin typeface="INCONSOLATA" panose="020B0609030003000000" pitchFamily="49" charset="77"/>
+                <a:ea typeface="ＭＳ Ｐゴシック" panose="020B0600070205080204" pitchFamily="34" charset="-128"/>
+              </a:rPr>
+              <a:t>self.player.change_x</a:t>
+            </a:r>
+            <a:r>
+              <a:rPr lang="en-US" altLang="en-US" sz="1800" dirty="0">
+                <a:solidFill>
+                  <a:srgbClr val="FF0000"/>
+                </a:solidFill>
+                <a:latin typeface="INCONSOLATA" panose="020B0609030003000000" pitchFamily="49" charset="77"/>
+                <a:ea typeface="ＭＳ Ｐゴシック" panose="020B0600070205080204" pitchFamily="34" charset="-128"/>
+              </a:rPr>
+              <a:t> = 5</a:t>
+            </a:r>
+            <a:endParaRPr lang="en-US" altLang="en-US" sz="1800" dirty="0">
+              <a:solidFill>
+                <a:srgbClr val="7030A0"/>
+              </a:solidFill>
+              <a:latin typeface="INCONSOLATA" panose="020B0609030003000000" pitchFamily="49" charset="77"/>
+              <a:ea typeface="ＭＳ Ｐゴシック" panose="020B0600070205080204" pitchFamily="34" charset="-128"/>
+            </a:endParaRPr>
+          </a:p>
+          <a:p>
+            <a:pPr marL="0" indent="0">
+              <a:buNone/>
+            </a:pPr>
+            <a:r>
+              <a:rPr lang="en-US" altLang="en-US" sz="1800" dirty="0">
+                <a:solidFill>
+                  <a:srgbClr val="7030A0"/>
+                </a:solidFill>
+                <a:latin typeface="INCONSOLATA" panose="020B0609030003000000" pitchFamily="49" charset="77"/>
+                <a:ea typeface="ＭＳ Ｐゴシック" panose="020B0600070205080204" pitchFamily="34" charset="-128"/>
+              </a:rPr>
+              <a:t>    </a:t>
+            </a:r>
+          </a:p>
+          <a:p>
+            <a:pPr marL="0" indent="0">
+              <a:buNone/>
+            </a:pPr>
+            <a:r>
+              <a:rPr lang="en-US" altLang="en-US" sz="1800" dirty="0">
+                <a:solidFill>
+                  <a:srgbClr val="7030A0"/>
+                </a:solidFill>
+                <a:latin typeface="INCONSOLATA" panose="020B0609030003000000" pitchFamily="49" charset="77"/>
+                <a:ea typeface="ＭＳ Ｐゴシック" panose="020B0600070205080204" pitchFamily="34" charset="-128"/>
+              </a:rPr>
+              <a:t>   def </a:t>
+            </a:r>
+            <a:r>
+              <a:rPr lang="en-US" altLang="en-US" sz="1800" dirty="0" err="1">
+                <a:solidFill>
+                  <a:srgbClr val="7030A0"/>
+                </a:solidFill>
+                <a:latin typeface="INCONSOLATA" panose="020B0609030003000000" pitchFamily="49" charset="77"/>
+                <a:ea typeface="ＭＳ Ｐゴシック" panose="020B0600070205080204" pitchFamily="34" charset="-128"/>
+              </a:rPr>
+              <a:t>on_draw</a:t>
+            </a:r>
+            <a:r>
+              <a:rPr lang="en-US" altLang="en-US" sz="1800" dirty="0">
+                <a:solidFill>
+                  <a:srgbClr val="7030A0"/>
+                </a:solidFill>
+                <a:latin typeface="INCONSOLATA" panose="020B0609030003000000" pitchFamily="49" charset="77"/>
+                <a:ea typeface="ＭＳ Ｐゴシック" panose="020B0600070205080204" pitchFamily="34" charset="-128"/>
+              </a:rPr>
+              <a:t>(self):</a:t>
+            </a:r>
+          </a:p>
+          <a:p>
+            <a:pPr marL="0" indent="0">
+              <a:buNone/>
+            </a:pPr>
+            <a:r>
+              <a:rPr lang="en-US" altLang="en-US" sz="1800" dirty="0">
+                <a:solidFill>
+                  <a:srgbClr val="7030A0"/>
+                </a:solidFill>
+                <a:latin typeface="INCONSOLATA" panose="020B0609030003000000" pitchFamily="49" charset="77"/>
+                <a:ea typeface="ＭＳ Ｐゴシック" panose="020B0600070205080204" pitchFamily="34" charset="-128"/>
+              </a:rPr>
+              <a:t>        """ Called automatically 60 times a second to draw all objects.""" </a:t>
+            </a:r>
+          </a:p>
+          <a:p>
+            <a:pPr marL="0" indent="0">
+              <a:buNone/>
+            </a:pPr>
+            <a:r>
+              <a:rPr lang="en-US" altLang="en-US" sz="1800" dirty="0">
+                <a:solidFill>
+                  <a:srgbClr val="7030A0"/>
+                </a:solidFill>
+                <a:latin typeface="INCONSOLATA" panose="020B0609030003000000" pitchFamily="49" charset="77"/>
+                <a:ea typeface="ＭＳ Ｐゴシック" panose="020B0600070205080204" pitchFamily="34" charset="-128"/>
+              </a:rPr>
+              <a:t>	  </a:t>
+            </a:r>
+            <a:r>
+              <a:rPr lang="en-US" altLang="en-US" sz="1800" dirty="0" err="1">
+                <a:solidFill>
+                  <a:srgbClr val="FF0000"/>
+                </a:solidFill>
+                <a:latin typeface="INCONSOLATA" panose="020B0609030003000000" pitchFamily="49" charset="77"/>
+                <a:ea typeface="ＭＳ Ｐゴシック" panose="020B0600070205080204" pitchFamily="34" charset="-128"/>
+              </a:rPr>
+              <a:t>self.player.draw</a:t>
+            </a:r>
+            <a:r>
+              <a:rPr lang="en-US" altLang="en-US" sz="1800" dirty="0">
+                <a:solidFill>
+                  <a:srgbClr val="FF0000"/>
+                </a:solidFill>
+                <a:latin typeface="INCONSOLATA" panose="020B0609030003000000" pitchFamily="49" charset="77"/>
+                <a:ea typeface="ＭＳ Ｐゴシック" panose="020B0600070205080204" pitchFamily="34" charset="-128"/>
+              </a:rPr>
+              <a:t>()</a:t>
+            </a:r>
+            <a:endParaRPr lang="en-US" altLang="en-US" sz="1800" dirty="0">
+              <a:solidFill>
+                <a:srgbClr val="7030A0"/>
+              </a:solidFill>
+              <a:latin typeface="INCONSOLATA" panose="020B0609030003000000" pitchFamily="49" charset="77"/>
+              <a:ea typeface="ＭＳ Ｐゴシック" panose="020B0600070205080204" pitchFamily="34" charset="-128"/>
+            </a:endParaRPr>
+          </a:p>
+          <a:p>
+            <a:pPr marL="0" indent="0">
+              <a:buNone/>
+            </a:pPr>
+            <a:r>
+              <a:rPr lang="en-US" altLang="en-US" sz="1800" dirty="0">
+                <a:solidFill>
+                  <a:srgbClr val="7030A0"/>
+                </a:solidFill>
+                <a:latin typeface="INCONSOLATA" panose="020B0609030003000000" pitchFamily="49" charset="77"/>
+                <a:ea typeface="ＭＳ Ｐゴシック" panose="020B0600070205080204" pitchFamily="34" charset="-128"/>
+              </a:rPr>
+              <a:t>	  </a:t>
+            </a:r>
+            <a:r>
+              <a:rPr lang="en-US" altLang="en-US" sz="1800" dirty="0" err="1">
+                <a:solidFill>
+                  <a:srgbClr val="FF0000"/>
+                </a:solidFill>
+                <a:latin typeface="INCONSOLATA" panose="020B0609030003000000" pitchFamily="49" charset="77"/>
+                <a:ea typeface="ＭＳ Ｐゴシック" panose="020B0600070205080204" pitchFamily="34" charset="-128"/>
+              </a:rPr>
+              <a:t>self.player.move()</a:t>
+            </a:r>
+            <a:endParaRPr lang="en-US" altLang="en-US" sz="1800" dirty="0">
+              <a:solidFill>
+                <a:srgbClr val="7030A0"/>
+              </a:solidFill>
+              <a:latin typeface="INCONSOLATA" panose="020B0609030003000000" pitchFamily="49" charset="77"/>
+              <a:ea typeface="ＭＳ Ｐゴシック" panose="020B0600070205080204" pitchFamily="34" charset="-128"/>
+            </a:endParaRPr>
+          </a:p>
+          <a:p>
+            <a:pPr marL="0" indent="0">
+              <a:buNone/>
+            </a:pPr>
+            <a:endParaRPr lang="en-US" altLang="en-US" sz="1800" dirty="0">
+              <a:solidFill>
+                <a:srgbClr val="FF0000"/>
+              </a:solidFill>
+              <a:latin typeface="INCONSOLATA" panose="020B0609030003000000" pitchFamily="49" charset="77"/>
+              <a:ea typeface="ＭＳ Ｐゴシック" panose="020B0600070205080204" pitchFamily="34" charset="-128"/>
+            </a:endParaRPr>
+          </a:p>
+          <a:p>
+            <a:pPr marL="0" indent="0">
+              <a:buNone/>
+            </a:pPr>
+            <a:endParaRPr lang="en-US" altLang="en-US" sz="1800" dirty="0">
+              <a:latin typeface="INCONSOLATA" panose="020B0609030003000000" pitchFamily="49" charset="77"/>
+              <a:ea typeface="ＭＳ Ｐゴシック" panose="020B0600070205080204" pitchFamily="34" charset="-128"/>
+            </a:endParaRPr>
+          </a:p>
+          <a:p>
+            <a:pPr marL="0" indent="0">
+              <a:buNone/>
+            </a:pPr>
+            <a:endParaRPr lang="en-US" altLang="en-US" sz="1800" dirty="0">
+              <a:latin typeface="INCONSOLATA" panose="020B0609030003000000" pitchFamily="49" charset="77"/>
+              <a:ea typeface="ＭＳ Ｐゴシック" panose="020B0600070205080204" pitchFamily="34" charset="-128"/>
+            </a:endParaRPr>
+          </a:p>
+        </p:txBody>
+      </p:sp>
+    </p:spTree>
+    <p:extLst>
+      <p:ext uri="{BB962C8B-B14F-4D97-AF65-F5344CB8AC3E}">
+        <p14:creationId xmlns:p14="http://schemas.microsoft.com/office/powerpoint/2010/main" val="2876706645"/>
+      </p:ext>
+    </p:extLst>
+  </p:cSld>
+  <p:clrMapOvr>
+    <a:masterClrMapping/>
+  </p:clrMapOvr>
+  <p:transition/>
+</p:sld>
+</file>
+
+<file path=ppt/slides/slide18.xml><?xml version="1.0" encoding="utf-8"?>
+<p:sld xmlns:a="http://schemas.openxmlformats.org/drawingml/2006/main" xmlns:r="http://schemas.openxmlformats.org/officeDocument/2006/relationships" xmlns:p="http://schemas.openxmlformats.org/presentationml/2006/main">
+  <p:cSld>
+    <p:spTree>
+      <p:nvGrpSpPr>
+        <p:cNvPr id="1" name=""/>
+        <p:cNvGrpSpPr/>
+        <p:nvPr/>
+      </p:nvGrpSpPr>
+      <p:grpSpPr>
+        <a:xfrm>
+          <a:off x="0" y="0"/>
+          <a:ext cx="0" cy="0"/>
+          <a:chOff x="0" y="0"/>
+          <a:chExt cx="0" cy="0"/>
+        </a:xfrm>
+      </p:grpSpPr>
+      <p:sp>
+        <p:nvSpPr>
           <p:cNvPr id="20482" name="Rectangle 2">
             <a:extLst>
               <a:ext uri="{FF2B5EF4-FFF2-40B4-BE49-F238E27FC236}">
@@ -8902,7 +12568,7 @@
 </p:sld>
 </file>
 
-<file path=ppt/slides/slide14.xml><?xml version="1.0" encoding="utf-8"?>
+<file path=ppt/slides/slide19.xml><?xml version="1.0" encoding="utf-8"?>
 <p:sld xmlns:a="http://schemas.openxmlformats.org/drawingml/2006/main" xmlns:r="http://schemas.openxmlformats.org/officeDocument/2006/relationships" xmlns:p="http://schemas.openxmlformats.org/presentationml/2006/main">
   <p:cSld>
     <p:spTree>
@@ -9059,159 +12725,6 @@
     <p:extLst>
       <p:ext uri="{BB962C8B-B14F-4D97-AF65-F5344CB8AC3E}">
         <p14:creationId xmlns:p14="http://schemas.microsoft.com/office/powerpoint/2010/main" val="3182006449"/>
-      </p:ext>
-    </p:extLst>
-  </p:cSld>
-  <p:clrMapOvr>
-    <a:masterClrMapping/>
-  </p:clrMapOvr>
-  <p:transition/>
-</p:sld>
-</file>
-
-<file path=ppt/slides/slide15.xml><?xml version="1.0" encoding="utf-8"?>
-<p:sld xmlns:a="http://schemas.openxmlformats.org/drawingml/2006/main" xmlns:r="http://schemas.openxmlformats.org/officeDocument/2006/relationships" xmlns:p="http://schemas.openxmlformats.org/presentationml/2006/main">
-  <p:cSld>
-    <p:spTree>
-      <p:nvGrpSpPr>
-        <p:cNvPr id="1" name=""/>
-        <p:cNvGrpSpPr/>
-        <p:nvPr/>
-      </p:nvGrpSpPr>
-      <p:grpSpPr>
-        <a:xfrm>
-          <a:off x="0" y="0"/>
-          <a:ext cx="0" cy="0"/>
-          <a:chOff x="0" y="0"/>
-          <a:chExt cx="0" cy="0"/>
-        </a:xfrm>
-      </p:grpSpPr>
-      <p:sp>
-        <p:nvSpPr>
-          <p:cNvPr id="35841" name="Rectangle 2">
-            <a:extLst>
-              <a:ext uri="{FF2B5EF4-FFF2-40B4-BE49-F238E27FC236}">
-                <a16:creationId xmlns:a16="http://schemas.microsoft.com/office/drawing/2014/main" id="{09D8876C-8F7A-C748-966B-672B36C17545}"/>
-              </a:ext>
-            </a:extLst>
-          </p:cNvPr>
-          <p:cNvSpPr>
-            <a:spLocks noGrp="1" noChangeArrowheads="1"/>
-          </p:cNvSpPr>
-          <p:nvPr>
-            <p:ph type="title"/>
-          </p:nvPr>
-        </p:nvSpPr>
-        <p:spPr>
-          <a:xfrm>
-            <a:off x="152400" y="123825"/>
-            <a:ext cx="7848600" cy="713582"/>
-          </a:xfrm>
-        </p:spPr>
-        <p:txBody>
-          <a:bodyPr/>
-          <a:lstStyle/>
-          <a:p>
-            <a:pPr eaLnBrk="1" hangingPunct="1"/>
-            <a:r>
-              <a:rPr lang="en-US" altLang="en-US">
-                <a:ea typeface="ＭＳ Ｐゴシック" panose="020B0600070205080204" pitchFamily="34" charset="-128"/>
-              </a:rPr>
-              <a:t>Download Processing</a:t>
-            </a:r>
-          </a:p>
-        </p:txBody>
-      </p:sp>
-      <p:sp>
-        <p:nvSpPr>
-          <p:cNvPr id="35842" name="Rectangle 3">
-            <a:extLst>
-              <a:ext uri="{FF2B5EF4-FFF2-40B4-BE49-F238E27FC236}">
-                <a16:creationId xmlns:a16="http://schemas.microsoft.com/office/drawing/2014/main" id="{C94BCA01-D831-ED4D-84FD-C30E8117F872}"/>
-              </a:ext>
-            </a:extLst>
-          </p:cNvPr>
-          <p:cNvSpPr>
-            <a:spLocks noGrp="1" noChangeArrowheads="1"/>
-          </p:cNvSpPr>
-          <p:nvPr>
-            <p:ph type="body" idx="1"/>
-          </p:nvPr>
-        </p:nvSpPr>
-        <p:spPr>
-          <a:xfrm>
-            <a:off x="152399" y="923926"/>
-            <a:ext cx="8715375" cy="4505324"/>
-          </a:xfrm>
-        </p:spPr>
-        <p:txBody>
-          <a:bodyPr/>
-          <a:lstStyle/>
-          <a:p>
-            <a:pPr marL="0" indent="0">
-              <a:buNone/>
-            </a:pPr>
-            <a:endParaRPr lang="en-US" altLang="en-US" sz="1667" dirty="0">
-              <a:latin typeface="Courier New" panose="02070309020205020404" pitchFamily="49" charset="0"/>
-              <a:ea typeface="ＭＳ Ｐゴシック" panose="020B0600070205080204" pitchFamily="34" charset="-128"/>
-            </a:endParaRPr>
-          </a:p>
-          <a:p>
-            <a:pPr marL="0" indent="0">
-              <a:buNone/>
-            </a:pPr>
-            <a:endParaRPr lang="en-US" altLang="en-US" sz="2167" dirty="0">
-              <a:ea typeface="ＭＳ Ｐゴシック" panose="020B0600070205080204" pitchFamily="34" charset="-128"/>
-            </a:endParaRPr>
-          </a:p>
-          <a:p>
-            <a:pPr marL="0" indent="0">
-              <a:buNone/>
-            </a:pPr>
-            <a:r>
-              <a:rPr lang="en-US" altLang="en-US" sz="2167" dirty="0">
-                <a:ea typeface="ＭＳ Ｐゴシック" panose="020B0600070205080204" pitchFamily="34" charset="-128"/>
-              </a:rPr>
-              <a:t>Download Processing!</a:t>
-            </a:r>
-          </a:p>
-          <a:p>
-            <a:pPr marL="0" indent="0">
-              <a:buNone/>
-            </a:pPr>
-            <a:endParaRPr lang="en-US" altLang="en-US" sz="2167" dirty="0">
-              <a:ea typeface="ＭＳ Ｐゴシック" panose="020B0600070205080204" pitchFamily="34" charset="-128"/>
-            </a:endParaRPr>
-          </a:p>
-          <a:p>
-            <a:pPr marL="0" indent="0">
-              <a:buNone/>
-            </a:pPr>
-            <a:r>
-              <a:rPr lang="en-US" altLang="en-US" sz="2167" dirty="0">
-                <a:ea typeface="ＭＳ Ｐゴシック" panose="020B0600070205080204" pitchFamily="34" charset="-128"/>
-                <a:hlinkClick r:id="rId2"/>
-              </a:rPr>
-              <a:t>http://www.processing.org</a:t>
-            </a:r>
-            <a:endParaRPr lang="en-US" altLang="en-US" sz="2167" dirty="0">
-              <a:ea typeface="ＭＳ Ｐゴシック" panose="020B0600070205080204" pitchFamily="34" charset="-128"/>
-            </a:endParaRPr>
-          </a:p>
-          <a:p>
-            <a:pPr marL="0" indent="0">
-              <a:buNone/>
-            </a:pPr>
-            <a:endParaRPr lang="en-US" altLang="en-US" sz="2167" dirty="0">
-              <a:ea typeface="ＭＳ Ｐゴシック" panose="020B0600070205080204" pitchFamily="34" charset="-128"/>
-            </a:endParaRPr>
-          </a:p>
-        </p:txBody>
-      </p:sp>
-    </p:spTree>
-    <p:extLst>
-      <p:ext uri="{BB962C8B-B14F-4D97-AF65-F5344CB8AC3E}">
-        <p14:creationId xmlns:p14="http://schemas.microsoft.com/office/powerpoint/2010/main" val="4104989124"/>
       </p:ext>
     </p:extLst>
   </p:cSld>
@@ -9586,6 +13099,159 @@
       </p:par>
     </p:tnLst>
   </p:timing>
+</p:sld>
+</file>
+
+<file path=ppt/slides/slide20.xml><?xml version="1.0" encoding="utf-8"?>
+<p:sld xmlns:a="http://schemas.openxmlformats.org/drawingml/2006/main" xmlns:r="http://schemas.openxmlformats.org/officeDocument/2006/relationships" xmlns:p="http://schemas.openxmlformats.org/presentationml/2006/main">
+  <p:cSld>
+    <p:spTree>
+      <p:nvGrpSpPr>
+        <p:cNvPr id="1" name=""/>
+        <p:cNvGrpSpPr/>
+        <p:nvPr/>
+      </p:nvGrpSpPr>
+      <p:grpSpPr>
+        <a:xfrm>
+          <a:off x="0" y="0"/>
+          <a:ext cx="0" cy="0"/>
+          <a:chOff x="0" y="0"/>
+          <a:chExt cx="0" cy="0"/>
+        </a:xfrm>
+      </p:grpSpPr>
+      <p:sp>
+        <p:nvSpPr>
+          <p:cNvPr id="35841" name="Rectangle 2">
+            <a:extLst>
+              <a:ext uri="{FF2B5EF4-FFF2-40B4-BE49-F238E27FC236}">
+                <a16:creationId xmlns:a16="http://schemas.microsoft.com/office/drawing/2014/main" id="{09D8876C-8F7A-C748-966B-672B36C17545}"/>
+              </a:ext>
+            </a:extLst>
+          </p:cNvPr>
+          <p:cNvSpPr>
+            <a:spLocks noGrp="1" noChangeArrowheads="1"/>
+          </p:cNvSpPr>
+          <p:nvPr>
+            <p:ph type="title"/>
+          </p:nvPr>
+        </p:nvSpPr>
+        <p:spPr>
+          <a:xfrm>
+            <a:off x="152400" y="123825"/>
+            <a:ext cx="7848600" cy="713582"/>
+          </a:xfrm>
+        </p:spPr>
+        <p:txBody>
+          <a:bodyPr/>
+          <a:lstStyle/>
+          <a:p>
+            <a:pPr eaLnBrk="1" hangingPunct="1"/>
+            <a:r>
+              <a:rPr lang="en-US" altLang="en-US">
+                <a:ea typeface="ＭＳ Ｐゴシック" panose="020B0600070205080204" pitchFamily="34" charset="-128"/>
+              </a:rPr>
+              <a:t>Download Processing</a:t>
+            </a:r>
+          </a:p>
+        </p:txBody>
+      </p:sp>
+      <p:sp>
+        <p:nvSpPr>
+          <p:cNvPr id="35842" name="Rectangle 3">
+            <a:extLst>
+              <a:ext uri="{FF2B5EF4-FFF2-40B4-BE49-F238E27FC236}">
+                <a16:creationId xmlns:a16="http://schemas.microsoft.com/office/drawing/2014/main" id="{C94BCA01-D831-ED4D-84FD-C30E8117F872}"/>
+              </a:ext>
+            </a:extLst>
+          </p:cNvPr>
+          <p:cNvSpPr>
+            <a:spLocks noGrp="1" noChangeArrowheads="1"/>
+          </p:cNvSpPr>
+          <p:nvPr>
+            <p:ph type="body" idx="1"/>
+          </p:nvPr>
+        </p:nvSpPr>
+        <p:spPr>
+          <a:xfrm>
+            <a:off x="152399" y="923926"/>
+            <a:ext cx="8715375" cy="4505324"/>
+          </a:xfrm>
+        </p:spPr>
+        <p:txBody>
+          <a:bodyPr/>
+          <a:lstStyle/>
+          <a:p>
+            <a:pPr marL="0" indent="0">
+              <a:buNone/>
+            </a:pPr>
+            <a:endParaRPr lang="en-US" altLang="en-US" sz="1667" dirty="0">
+              <a:latin typeface="Courier New" panose="02070309020205020404" pitchFamily="49" charset="0"/>
+              <a:ea typeface="ＭＳ Ｐゴシック" panose="020B0600070205080204" pitchFamily="34" charset="-128"/>
+            </a:endParaRPr>
+          </a:p>
+          <a:p>
+            <a:pPr marL="0" indent="0">
+              <a:buNone/>
+            </a:pPr>
+            <a:endParaRPr lang="en-US" altLang="en-US" sz="2167" dirty="0">
+              <a:ea typeface="ＭＳ Ｐゴシック" panose="020B0600070205080204" pitchFamily="34" charset="-128"/>
+            </a:endParaRPr>
+          </a:p>
+          <a:p>
+            <a:pPr marL="0" indent="0">
+              <a:buNone/>
+            </a:pPr>
+            <a:r>
+              <a:rPr lang="en-US" altLang="en-US" sz="2167" dirty="0">
+                <a:ea typeface="ＭＳ Ｐゴシック" panose="020B0600070205080204" pitchFamily="34" charset="-128"/>
+              </a:rPr>
+              <a:t>Download Processing!</a:t>
+            </a:r>
+          </a:p>
+          <a:p>
+            <a:pPr marL="0" indent="0">
+              <a:buNone/>
+            </a:pPr>
+            <a:endParaRPr lang="en-US" altLang="en-US" sz="2167" dirty="0">
+              <a:ea typeface="ＭＳ Ｐゴシック" panose="020B0600070205080204" pitchFamily="34" charset="-128"/>
+            </a:endParaRPr>
+          </a:p>
+          <a:p>
+            <a:pPr marL="0" indent="0">
+              <a:buNone/>
+            </a:pPr>
+            <a:r>
+              <a:rPr lang="en-US" altLang="en-US" sz="2167" dirty="0">
+                <a:ea typeface="ＭＳ Ｐゴシック" panose="020B0600070205080204" pitchFamily="34" charset="-128"/>
+                <a:hlinkClick r:id="rId2"/>
+              </a:rPr>
+              <a:t>http://www.processing.org</a:t>
+            </a:r>
+            <a:endParaRPr lang="en-US" altLang="en-US" sz="2167" dirty="0">
+              <a:ea typeface="ＭＳ Ｐゴシック" panose="020B0600070205080204" pitchFamily="34" charset="-128"/>
+            </a:endParaRPr>
+          </a:p>
+          <a:p>
+            <a:pPr marL="0" indent="0">
+              <a:buNone/>
+            </a:pPr>
+            <a:endParaRPr lang="en-US" altLang="en-US" sz="2167" dirty="0">
+              <a:ea typeface="ＭＳ Ｐゴシック" panose="020B0600070205080204" pitchFamily="34" charset="-128"/>
+            </a:endParaRPr>
+          </a:p>
+        </p:txBody>
+      </p:sp>
+    </p:spTree>
+    <p:extLst>
+      <p:ext uri="{BB962C8B-B14F-4D97-AF65-F5344CB8AC3E}">
+        <p14:creationId xmlns:p14="http://schemas.microsoft.com/office/powerpoint/2010/main" val="4104989124"/>
+      </p:ext>
+    </p:extLst>
+  </p:cSld>
+  <p:clrMapOvr>
+    <a:masterClrMapping/>
+  </p:clrMapOvr>
+  <p:transition/>
 </p:sld>
 </file>
 
